--- a/Engineering/2019-2020/Engineering Management/Engineering Organization Chart.pptx
+++ b/Engineering/2019-2020/Engineering Management/Engineering Organization Chart.pptx
@@ -222,7 +222,7 @@
           <a:p>
             <a:fld id="{CB7AD89C-BB88-48A3-A1C9-D13CF625B286}" type="datetimeFigureOut">
               <a:rPr lang="en-US" smtClean="0"/>
-              <a:t>6/13/2019</a:t>
+              <a:t>8/26/2019</a:t>
             </a:fld>
             <a:endParaRPr lang="en-US" dirty="0"/>
           </a:p>
@@ -399,7 +399,7 @@
           <a:p>
             <a:fld id="{EFD09F21-8F1F-4129-8AEA-7EF5D9ADF331}" type="datetimeFigureOut">
               <a:rPr lang="en-US" smtClean="0"/>
-              <a:t>6/13/2019</a:t>
+              <a:t>8/26/2019</a:t>
             </a:fld>
             <a:endParaRPr lang="en-US" dirty="0"/>
           </a:p>
@@ -1061,7 +1061,7 @@
           <a:p>
             <a:fld id="{74929172-4BF7-429F-BA25-7E9D1A4215EE}" type="datetimeFigureOut">
               <a:rPr lang="en-US" noProof="0" smtClean="0"/>
-              <a:t>6/13/2019</a:t>
+              <a:t>8/26/2019</a:t>
             </a:fld>
             <a:endParaRPr lang="en-US" noProof="0" dirty="0"/>
           </a:p>
@@ -1399,7 +1399,7 @@
           <a:p>
             <a:fld id="{74929172-4BF7-429F-BA25-7E9D1A4215EE}" type="datetimeFigureOut">
               <a:rPr lang="en-US" noProof="0" smtClean="0"/>
-              <a:t>6/13/2019</a:t>
+              <a:t>8/26/2019</a:t>
             </a:fld>
             <a:endParaRPr lang="en-US" noProof="0" dirty="0"/>
           </a:p>
@@ -1676,7 +1676,7 @@
           <a:p>
             <a:fld id="{74929172-4BF7-429F-BA25-7E9D1A4215EE}" type="datetimeFigureOut">
               <a:rPr lang="en-US" noProof="0" smtClean="0"/>
-              <a:t>6/13/2019</a:t>
+              <a:t>8/26/2019</a:t>
             </a:fld>
             <a:endParaRPr lang="en-US" noProof="0" dirty="0"/>
           </a:p>
@@ -2243,7 +2243,7 @@
           <a:p>
             <a:fld id="{74929172-4BF7-429F-BA25-7E9D1A4215EE}" type="datetimeFigureOut">
               <a:rPr lang="en-US" noProof="0" smtClean="0"/>
-              <a:t>6/13/2019</a:t>
+              <a:t>8/26/2019</a:t>
             </a:fld>
             <a:endParaRPr lang="en-US" noProof="0" dirty="0"/>
           </a:p>
@@ -2520,7 +2520,7 @@
           <a:p>
             <a:fld id="{74929172-4BF7-429F-BA25-7E9D1A4215EE}" type="datetimeFigureOut">
               <a:rPr lang="en-US" noProof="0" smtClean="0"/>
-              <a:t>6/13/2019</a:t>
+              <a:t>8/26/2019</a:t>
             </a:fld>
             <a:endParaRPr lang="en-US" noProof="0" dirty="0"/>
           </a:p>
@@ -3081,7 +3081,7 @@
           <a:p>
             <a:fld id="{74929172-4BF7-429F-BA25-7E9D1A4215EE}" type="datetimeFigureOut">
               <a:rPr lang="en-US" noProof="0" smtClean="0"/>
-              <a:t>6/13/2019</a:t>
+              <a:t>8/26/2019</a:t>
             </a:fld>
             <a:endParaRPr lang="en-US" noProof="0" dirty="0"/>
           </a:p>
@@ -3407,7 +3407,7 @@
           <a:p>
             <a:fld id="{74929172-4BF7-429F-BA25-7E9D1A4215EE}" type="datetimeFigureOut">
               <a:rPr lang="en-US" noProof="0" smtClean="0"/>
-              <a:t>6/13/2019</a:t>
+              <a:t>8/26/2019</a:t>
             </a:fld>
             <a:endParaRPr lang="en-US" noProof="0" dirty="0"/>
           </a:p>
@@ -3583,7 +3583,7 @@
           <a:p>
             <a:fld id="{74929172-4BF7-429F-BA25-7E9D1A4215EE}" type="datetimeFigureOut">
               <a:rPr lang="en-US" noProof="0" smtClean="0"/>
-              <a:t>6/13/2019</a:t>
+              <a:t>8/26/2019</a:t>
             </a:fld>
             <a:endParaRPr lang="en-US" noProof="0" dirty="0"/>
           </a:p>
@@ -3818,7 +3818,7 @@
           <a:p>
             <a:fld id="{74929172-4BF7-429F-BA25-7E9D1A4215EE}" type="datetimeFigureOut">
               <a:rPr lang="en-US" noProof="0" smtClean="0"/>
-              <a:t>6/13/2019</a:t>
+              <a:t>8/26/2019</a:t>
             </a:fld>
             <a:endParaRPr lang="en-US" noProof="0" dirty="0"/>
           </a:p>
@@ -4021,7 +4021,7 @@
           <a:p>
             <a:fld id="{74929172-4BF7-429F-BA25-7E9D1A4215EE}" type="datetimeFigureOut">
               <a:rPr lang="en-US" noProof="0" smtClean="0"/>
-              <a:t>6/13/2019</a:t>
+              <a:t>8/26/2019</a:t>
             </a:fld>
             <a:endParaRPr lang="en-US" noProof="0" dirty="0"/>
           </a:p>
@@ -4296,7 +4296,7 @@
           <a:p>
             <a:fld id="{74929172-4BF7-429F-BA25-7E9D1A4215EE}" type="datetimeFigureOut">
               <a:rPr lang="en-US" noProof="0" smtClean="0"/>
-              <a:t>6/13/2019</a:t>
+              <a:t>8/26/2019</a:t>
             </a:fld>
             <a:endParaRPr lang="en-US" noProof="0" dirty="0"/>
           </a:p>
@@ -4564,7 +4564,7 @@
           <a:p>
             <a:fld id="{74929172-4BF7-429F-BA25-7E9D1A4215EE}" type="datetimeFigureOut">
               <a:rPr lang="en-US" noProof="0" smtClean="0"/>
-              <a:t>6/13/2019</a:t>
+              <a:t>8/26/2019</a:t>
             </a:fld>
             <a:endParaRPr lang="en-US" noProof="0" dirty="0"/>
           </a:p>
@@ -4935,7 +4935,7 @@
           <a:p>
             <a:fld id="{74929172-4BF7-429F-BA25-7E9D1A4215EE}" type="datetimeFigureOut">
               <a:rPr lang="en-US" noProof="0" smtClean="0"/>
-              <a:t>6/13/2019</a:t>
+              <a:t>8/26/2019</a:t>
             </a:fld>
             <a:endParaRPr lang="en-US" noProof="0" dirty="0"/>
           </a:p>
@@ -5082,7 +5082,7 @@
           <a:p>
             <a:fld id="{74929172-4BF7-429F-BA25-7E9D1A4215EE}" type="datetimeFigureOut">
               <a:rPr lang="en-US" noProof="0" smtClean="0"/>
-              <a:t>6/13/2019</a:t>
+              <a:t>8/26/2019</a:t>
             </a:fld>
             <a:endParaRPr lang="en-US" noProof="0" dirty="0"/>
           </a:p>
@@ -5207,7 +5207,7 @@
           <a:p>
             <a:fld id="{74929172-4BF7-429F-BA25-7E9D1A4215EE}" type="datetimeFigureOut">
               <a:rPr lang="en-US" noProof="0" smtClean="0"/>
-              <a:t>6/13/2019</a:t>
+              <a:t>8/26/2019</a:t>
             </a:fld>
             <a:endParaRPr lang="en-US" noProof="0" dirty="0"/>
           </a:p>
@@ -5495,7 +5495,7 @@
           <a:p>
             <a:fld id="{74929172-4BF7-429F-BA25-7E9D1A4215EE}" type="datetimeFigureOut">
               <a:rPr lang="en-US" noProof="0" smtClean="0"/>
-              <a:t>6/13/2019</a:t>
+              <a:t>8/26/2019</a:t>
             </a:fld>
             <a:endParaRPr lang="en-US" noProof="0" dirty="0"/>
           </a:p>
@@ -5823,7 +5823,7 @@
           <a:p>
             <a:fld id="{74929172-4BF7-429F-BA25-7E9D1A4215EE}" type="datetimeFigureOut">
               <a:rPr lang="en-US" noProof="0" smtClean="0"/>
-              <a:t>6/13/2019</a:t>
+              <a:t>8/26/2019</a:t>
             </a:fld>
             <a:endParaRPr lang="en-US" noProof="0" dirty="0"/>
           </a:p>
@@ -6035,7 +6035,7 @@
           <a:p>
             <a:fld id="{74929172-4BF7-429F-BA25-7E9D1A4215EE}" type="datetimeFigureOut">
               <a:rPr lang="en-US" noProof="0" smtClean="0"/>
-              <a:t>6/13/2019</a:t>
+              <a:t>8/26/2019</a:t>
             </a:fld>
             <a:endParaRPr lang="en-US" noProof="0" dirty="0"/>
           </a:p>
@@ -6696,7 +6696,7 @@
                 <a16:creationId xmlns:a16="http://schemas.microsoft.com/office/drawing/2014/main" id="{6B70B1D5-F5F8-429D-818A-E1CFA491E8B4}"/>
               </a:ext>
               <a:ext uri="{C183D7F6-B498-43B3-948B-1728B52AA6E4}">
-                <adec:decorative xmlns:adec="http://schemas.microsoft.com/office/drawing/2017/decorative" val="1"/>
+                <adec:decorative xmlns:adec="http://schemas.microsoft.com/office/drawing/2017/decorative" xmlns="" val="1"/>
               </a:ext>
             </a:extLst>
           </p:cNvPr>
@@ -6917,7 +6917,7 @@
                 <a16:creationId xmlns:a16="http://schemas.microsoft.com/office/drawing/2014/main" id="{1D0C17FD-0081-40EF-A9FD-74C7001B881A}"/>
               </a:ext>
               <a:ext uri="{C183D7F6-B498-43B3-948B-1728B52AA6E4}">
-                <adec:decorative xmlns:adec="http://schemas.microsoft.com/office/drawing/2017/decorative" val="1"/>
+                <adec:decorative xmlns:adec="http://schemas.microsoft.com/office/drawing/2017/decorative" xmlns="" val="1"/>
               </a:ext>
             </a:extLst>
           </p:cNvPr>
@@ -7130,7 +7130,7 @@
                 <a16:creationId xmlns:a16="http://schemas.microsoft.com/office/drawing/2014/main" id="{86A6D505-4CAD-4827-A8B4-1F7AC0D804FA}"/>
               </a:ext>
               <a:ext uri="{C183D7F6-B498-43B3-948B-1728B52AA6E4}">
-                <adec:decorative xmlns:adec="http://schemas.microsoft.com/office/drawing/2017/decorative" val="1"/>
+                <adec:decorative xmlns:adec="http://schemas.microsoft.com/office/drawing/2017/decorative" xmlns="" val="1"/>
               </a:ext>
             </a:extLst>
           </p:cNvPr>
@@ -7377,7 +7377,7 @@
                 <a16:creationId xmlns:a16="http://schemas.microsoft.com/office/drawing/2014/main" id="{E4B64F0C-D8B5-4B34-A22A-D85D0F7D2F51}"/>
               </a:ext>
               <a:ext uri="{C183D7F6-B498-43B3-948B-1728B52AA6E4}">
-                <adec:decorative xmlns:adec="http://schemas.microsoft.com/office/drawing/2017/decorative" val="1"/>
+                <adec:decorative xmlns:adec="http://schemas.microsoft.com/office/drawing/2017/decorative" xmlns="" val="1"/>
               </a:ext>
             </a:extLst>
           </p:cNvPr>
@@ -7608,7 +7608,7 @@
                 <a16:creationId xmlns:a16="http://schemas.microsoft.com/office/drawing/2014/main" id="{484B9E92-D14A-4F75-88C6-459716737C4A}"/>
               </a:ext>
               <a:ext uri="{C183D7F6-B498-43B3-948B-1728B52AA6E4}">
-                <adec:decorative xmlns:adec="http://schemas.microsoft.com/office/drawing/2017/decorative" val="1"/>
+                <adec:decorative xmlns:adec="http://schemas.microsoft.com/office/drawing/2017/decorative" xmlns="" val="1"/>
               </a:ext>
             </a:extLst>
           </p:cNvPr>
@@ -8140,7 +8140,7 @@
                 <a16:creationId xmlns:a16="http://schemas.microsoft.com/office/drawing/2014/main" id="{FA215D57-115E-4EA6-82EB-CB2CD22D4237}"/>
               </a:ext>
               <a:ext uri="{C183D7F6-B498-43B3-948B-1728B52AA6E4}">
-                <adec:decorative xmlns:adec="http://schemas.microsoft.com/office/drawing/2017/decorative" val="1"/>
+                <adec:decorative xmlns:adec="http://schemas.microsoft.com/office/drawing/2017/decorative" xmlns="" val="1"/>
               </a:ext>
             </a:extLst>
           </p:cNvPr>
@@ -8349,7 +8349,7 @@
                 <a16:creationId xmlns:a16="http://schemas.microsoft.com/office/drawing/2014/main" id="{F63E54AC-1CB7-43BF-B0A4-82DE6FEB1664}"/>
               </a:ext>
               <a:ext uri="{C183D7F6-B498-43B3-948B-1728B52AA6E4}">
-                <adec:decorative xmlns:adec="http://schemas.microsoft.com/office/drawing/2017/decorative" val="1"/>
+                <adec:decorative xmlns:adec="http://schemas.microsoft.com/office/drawing/2017/decorative" xmlns="" val="1"/>
               </a:ext>
             </a:extLst>
           </p:cNvPr>
@@ -8700,7 +8700,7 @@
                 <a16:creationId xmlns:a16="http://schemas.microsoft.com/office/drawing/2014/main" id="{4E2090BB-E0AA-4E59-A402-4D5BBD0CCF9E}"/>
               </a:ext>
               <a:ext uri="{C183D7F6-B498-43B3-948B-1728B52AA6E4}">
-                <adec:decorative xmlns:adec="http://schemas.microsoft.com/office/drawing/2017/decorative" val="1"/>
+                <adec:decorative xmlns:adec="http://schemas.microsoft.com/office/drawing/2017/decorative" xmlns="" val="1"/>
               </a:ext>
             </a:extLst>
           </p:cNvPr>
@@ -8931,7 +8931,7 @@
                 <a16:creationId xmlns:a16="http://schemas.microsoft.com/office/drawing/2014/main" id="{6AEEFE71-1C97-4DBC-9ACC-C13080165451}"/>
               </a:ext>
               <a:ext uri="{C183D7F6-B498-43B3-948B-1728B52AA6E4}">
-                <adec:decorative xmlns:adec="http://schemas.microsoft.com/office/drawing/2017/decorative" val="1"/>
+                <adec:decorative xmlns:adec="http://schemas.microsoft.com/office/drawing/2017/decorative" xmlns="" val="1"/>
               </a:ext>
             </a:extLst>
           </p:cNvPr>
@@ -9141,7 +9141,7 @@
                 <a16:creationId xmlns:a16="http://schemas.microsoft.com/office/drawing/2014/main" id="{3657C156-6995-4383-A3E5-6735FBB3712B}"/>
               </a:ext>
               <a:ext uri="{C183D7F6-B498-43B3-948B-1728B52AA6E4}">
-                <adec:decorative xmlns:adec="http://schemas.microsoft.com/office/drawing/2017/decorative" val="1"/>
+                <adec:decorative xmlns:adec="http://schemas.microsoft.com/office/drawing/2017/decorative" xmlns="" val="1"/>
               </a:ext>
             </a:extLst>
           </p:cNvPr>
@@ -9349,7 +9349,7 @@
                 <a16:creationId xmlns:a16="http://schemas.microsoft.com/office/drawing/2014/main" id="{B84B8C78-7BAA-4492-9B7B-23F196965004}"/>
               </a:ext>
               <a:ext uri="{C183D7F6-B498-43B3-948B-1728B52AA6E4}">
-                <adec:decorative xmlns:adec="http://schemas.microsoft.com/office/drawing/2017/decorative" val="1"/>
+                <adec:decorative xmlns:adec="http://schemas.microsoft.com/office/drawing/2017/decorative" xmlns="" val="1"/>
               </a:ext>
             </a:extLst>
           </p:cNvPr>
@@ -9572,7 +9572,7 @@
                 <a16:creationId xmlns:a16="http://schemas.microsoft.com/office/drawing/2014/main" id="{A7F885EA-DA86-4249-9CB4-CE59CE108D4C}"/>
               </a:ext>
               <a:ext uri="{C183D7F6-B498-43B3-948B-1728B52AA6E4}">
-                <adec:decorative xmlns:adec="http://schemas.microsoft.com/office/drawing/2017/decorative" val="1"/>
+                <adec:decorative xmlns:adec="http://schemas.microsoft.com/office/drawing/2017/decorative" xmlns="" val="1"/>
               </a:ext>
             </a:extLst>
           </p:cNvPr>
@@ -9859,7 +9859,7 @@
                 <a16:creationId xmlns:a16="http://schemas.microsoft.com/office/drawing/2014/main" id="{DFDF04A4-723B-4E94-82D9-05F9FA39A2CE}"/>
               </a:ext>
               <a:ext uri="{C183D7F6-B498-43B3-948B-1728B52AA6E4}">
-                <adec:decorative xmlns:adec="http://schemas.microsoft.com/office/drawing/2017/decorative" val="1"/>
+                <adec:decorative xmlns:adec="http://schemas.microsoft.com/office/drawing/2017/decorative" xmlns="" val="1"/>
               </a:ext>
             </a:extLst>
           </p:cNvPr>
@@ -11165,7 +11165,7 @@
         <p:spPr>
           <a:xfrm>
             <a:off x="10369118" y="1257442"/>
-            <a:ext cx="1620019" cy="1938992"/>
+            <a:ext cx="1620019" cy="2123658"/>
           </a:xfrm>
           <a:prstGeom prst="rect">
             <a:avLst/>
@@ -11268,8 +11268,20 @@
             </a:r>
             <a:r>
               <a:rPr lang="en-US" sz="1200" dirty="0"/>
-              <a:t> – ME</a:t>
+              <a:t> – </a:t>
             </a:r>
+            <a:r>
+              <a:rPr lang="en-US" sz="1200" dirty="0" smtClean="0"/>
+              <a:t>ME</a:t>
+            </a:r>
+          </a:p>
+          <a:p>
+            <a:pPr algn="r"/>
+            <a:r>
+              <a:rPr lang="en-US" sz="1200" dirty="0" smtClean="0"/>
+              <a:t>Andrew Masters – ME</a:t>
+            </a:r>
+            <a:endParaRPr lang="en-US" sz="1200" dirty="0"/>
           </a:p>
         </p:txBody>
       </p:sp>
@@ -11281,7 +11293,7 @@
                 <a16:creationId xmlns:a16="http://schemas.microsoft.com/office/drawing/2014/main" id="{2D70E445-1CE6-40B6-9F13-53392531CDD7}"/>
               </a:ext>
               <a:ext uri="{C183D7F6-B498-43B3-948B-1728B52AA6E4}">
-                <adec:decorative xmlns:adec="http://schemas.microsoft.com/office/drawing/2017/decorative" val="1"/>
+                <adec:decorative xmlns:adec="http://schemas.microsoft.com/office/drawing/2017/decorative" xmlns="" val="1"/>
               </a:ext>
             </a:extLst>
           </p:cNvPr>
@@ -11544,41 +11556,6 @@
             <a:r>
               <a:rPr lang="en-US" sz="1100" dirty="0"/>
               <a:t>Needs 1 EE</a:t>
-            </a:r>
-          </a:p>
-        </p:txBody>
-      </p:sp>
-      <p:sp>
-        <p:nvSpPr>
-          <p:cNvPr id="5" name="TextBox 4">
-            <a:extLst>
-              <a:ext uri="{FF2B5EF4-FFF2-40B4-BE49-F238E27FC236}">
-                <a16:creationId xmlns:a16="http://schemas.microsoft.com/office/drawing/2014/main" id="{37DDF8CE-E2A5-4DAF-A10C-C77DF6FD670B}"/>
-              </a:ext>
-            </a:extLst>
-          </p:cNvPr>
-          <p:cNvSpPr txBox="1"/>
-          <p:nvPr/>
-        </p:nvSpPr>
-        <p:spPr>
-          <a:xfrm>
-            <a:off x="5586365" y="129735"/>
-            <a:ext cx="1466878" cy="369332"/>
-          </a:xfrm>
-          <a:prstGeom prst="rect">
-            <a:avLst/>
-          </a:prstGeom>
-          <a:noFill/>
-        </p:spPr>
-        <p:txBody>
-          <a:bodyPr wrap="square" rtlCol="0">
-            <a:spAutoFit/>
-          </a:bodyPr>
-          <a:lstStyle/>
-          <a:p>
-            <a:r>
-              <a:rPr lang="en-US" dirty="0"/>
-              <a:t>GRACE</a:t>
             </a:r>
           </a:p>
         </p:txBody>
@@ -14587,23 +14564,6 @@
 </file>
 
 <file path=customXml/item1.xml><?xml version="1.0" encoding="utf-8"?>
-<p:properties xmlns:p="http://schemas.microsoft.com/office/2006/metadata/properties" xmlns:xsi="http://www.w3.org/2001/XMLSchema-instance" xmlns:pc="http://schemas.microsoft.com/office/infopath/2007/PartnerControls">
-  <documentManagement>
-    <MediaServiceKeyPoints xmlns="71af3243-3dd4-4a8d-8c0d-dd76da1f02a5" xsi:nil="true"/>
-  </documentManagement>
-</p:properties>
-</file>
-
-<file path=customXml/item2.xml><?xml version="1.0" encoding="utf-8"?>
-<?mso-contentType ?>
-<FormTemplates xmlns="http://schemas.microsoft.com/sharepoint/v3/contenttype/forms">
-  <Display>DocumentLibraryForm</Display>
-  <Edit>DocumentLibraryForm</Edit>
-  <New>DocumentLibraryForm</New>
-</FormTemplates>
-</file>
-
-<file path=customXml/item3.xml><?xml version="1.0" encoding="utf-8"?>
 <ct:contentTypeSchema xmlns:ct="http://schemas.microsoft.com/office/2006/metadata/contentType" xmlns:ma="http://schemas.microsoft.com/office/2006/metadata/properties/metaAttributes" ct:_="" ma:_="" ma:contentTypeName="Document" ma:contentTypeID="0x01010079F111ED35F8CC479449609E8A0923A6" ma:contentTypeVersion="11" ma:contentTypeDescription="Create a new document." ma:contentTypeScope="" ma:versionID="9677210f24a1be23c92c90fd886aa0aa">
   <xsd:schema xmlns:xsd="http://www.w3.org/2001/XMLSchema" xmlns:xs="http://www.w3.org/2001/XMLSchema" xmlns:p="http://schemas.microsoft.com/office/2006/metadata/properties" xmlns:ns2="71af3243-3dd4-4a8d-8c0d-dd76da1f02a5" xmlns:ns3="16c05727-aa75-4e4a-9b5f-8a80a1165891" targetNamespace="http://schemas.microsoft.com/office/2006/metadata/properties" ma:root="true" ma:fieldsID="60e05723c5c1908df1a1a4ebf11d344e" ns2:_="" ns3:_="">
     <xsd:import namespace="71af3243-3dd4-4a8d-8c0d-dd76da1f02a5"/>
@@ -14814,32 +14774,24 @@
 </ct:contentTypeSchema>
 </file>
 
-<file path=customXml/itemProps1.xml><?xml version="1.0" encoding="utf-8"?>
-<ds:datastoreItem xmlns:ds="http://schemas.openxmlformats.org/officeDocument/2006/customXml" ds:itemID="{3C2AD4FE-5267-4953-9D66-004581AED1F0}">
-  <ds:schemaRefs>
-    <ds:schemaRef ds:uri="http://purl.org/dc/elements/1.1/"/>
-    <ds:schemaRef ds:uri="http://schemas.microsoft.com/office/2006/metadata/properties"/>
-    <ds:schemaRef ds:uri="http://purl.org/dc/terms/"/>
-    <ds:schemaRef ds:uri="http://schemas.openxmlformats.org/package/2006/metadata/core-properties"/>
-    <ds:schemaRef ds:uri="16c05727-aa75-4e4a-9b5f-8a80a1165891"/>
-    <ds:schemaRef ds:uri="http://schemas.microsoft.com/office/2006/documentManagement/types"/>
-    <ds:schemaRef ds:uri="http://schemas.microsoft.com/office/infopath/2007/PartnerControls"/>
-    <ds:schemaRef ds:uri="71af3243-3dd4-4a8d-8c0d-dd76da1f02a5"/>
-    <ds:schemaRef ds:uri="http://www.w3.org/XML/1998/namespace"/>
-    <ds:schemaRef ds:uri="http://purl.org/dc/dcmitype/"/>
-  </ds:schemaRefs>
-</ds:datastoreItem>
+<file path=customXml/item2.xml><?xml version="1.0" encoding="utf-8"?>
+<?mso-contentType ?>
+<FormTemplates xmlns="http://schemas.microsoft.com/sharepoint/v3/contenttype/forms">
+  <Display>DocumentLibraryForm</Display>
+  <Edit>DocumentLibraryForm</Edit>
+  <New>DocumentLibraryForm</New>
+</FormTemplates>
 </file>
 
-<file path=customXml/itemProps2.xml><?xml version="1.0" encoding="utf-8"?>
-<ds:datastoreItem xmlns:ds="http://schemas.openxmlformats.org/officeDocument/2006/customXml" ds:itemID="{9082A0F6-5C05-4A60-9DD8-B772877A4F89}">
-  <ds:schemaRefs>
-    <ds:schemaRef ds:uri="http://schemas.microsoft.com/sharepoint/v3/contenttype/forms"/>
-  </ds:schemaRefs>
-</ds:datastoreItem>
+<file path=customXml/item3.xml><?xml version="1.0" encoding="utf-8"?>
+<p:properties xmlns:p="http://schemas.microsoft.com/office/2006/metadata/properties" xmlns:xsi="http://www.w3.org/2001/XMLSchema-instance" xmlns:pc="http://schemas.microsoft.com/office/infopath/2007/PartnerControls">
+  <documentManagement>
+    <MediaServiceKeyPoints xmlns="71af3243-3dd4-4a8d-8c0d-dd76da1f02a5" xsi:nil="true"/>
+  </documentManagement>
+</p:properties>
 </file>
 
-<file path=customXml/itemProps3.xml><?xml version="1.0" encoding="utf-8"?>
+<file path=customXml/itemProps1.xml><?xml version="1.0" encoding="utf-8"?>
 <ds:datastoreItem xmlns:ds="http://schemas.openxmlformats.org/officeDocument/2006/customXml" ds:itemID="{840DE65C-3715-41A1-996C-103EA7902D46}">
   <ds:schemaRefs>
     <ds:schemaRef ds:uri="http://schemas.microsoft.com/office/2006/metadata/contentType"/>
@@ -14856,4 +14808,29 @@
     <ds:schemaRef ds:uri="http://schemas.microsoft.com/internal/obd"/>
   </ds:schemaRefs>
 </ds:datastoreItem>
+</file>
+
+<file path=customXml/itemProps2.xml><?xml version="1.0" encoding="utf-8"?>
+<ds:datastoreItem xmlns:ds="http://schemas.openxmlformats.org/officeDocument/2006/customXml" ds:itemID="{9082A0F6-5C05-4A60-9DD8-B772877A4F89}">
+  <ds:schemaRefs>
+    <ds:schemaRef ds:uri="http://schemas.microsoft.com/sharepoint/v3/contenttype/forms"/>
+  </ds:schemaRefs>
+</ds:datastoreItem>
+</file>
+
+<file path=customXml/itemProps3.xml><?xml version="1.0" encoding="utf-8"?>
+<ds:datastoreItem xmlns:ds="http://schemas.openxmlformats.org/officeDocument/2006/customXml" ds:itemID="{3C2AD4FE-5267-4953-9D66-004581AED1F0}">
+  <ds:schemaRefs>
+    <ds:schemaRef ds:uri="http://purl.org/dc/elements/1.1/"/>
+    <ds:schemaRef ds:uri="http://schemas.microsoft.com/office/2006/metadata/properties"/>
+    <ds:schemaRef ds:uri="http://purl.org/dc/terms/"/>
+    <ds:schemaRef ds:uri="http://schemas.openxmlformats.org/package/2006/metadata/core-properties"/>
+    <ds:schemaRef ds:uri="16c05727-aa75-4e4a-9b5f-8a80a1165891"/>
+    <ds:schemaRef ds:uri="http://schemas.microsoft.com/office/2006/documentManagement/types"/>
+    <ds:schemaRef ds:uri="http://schemas.microsoft.com/office/infopath/2007/PartnerControls"/>
+    <ds:schemaRef ds:uri="71af3243-3dd4-4a8d-8c0d-dd76da1f02a5"/>
+    <ds:schemaRef ds:uri="http://www.w3.org/XML/1998/namespace"/>
+    <ds:schemaRef ds:uri="http://purl.org/dc/dcmitype/"/>
+  </ds:schemaRefs>
+</ds:datastoreItem>
 </file>
--- a/Engineering/2019-2020/Engineering Management/Engineering Organization Chart.pptx
+++ b/Engineering/2019-2020/Engineering Management/Engineering Organization Chart.pptx
@@ -222,7 +222,7 @@
           <a:p>
             <a:fld id="{CB7AD89C-BB88-48A3-A1C9-D13CF625B286}" type="datetimeFigureOut">
               <a:rPr lang="en-US" smtClean="0"/>
-              <a:t>8/26/2019</a:t>
+              <a:t>8/30/2019</a:t>
             </a:fld>
             <a:endParaRPr lang="en-US" dirty="0"/>
           </a:p>
@@ -399,7 +399,7 @@
           <a:p>
             <a:fld id="{EFD09F21-8F1F-4129-8AEA-7EF5D9ADF331}" type="datetimeFigureOut">
               <a:rPr lang="en-US" smtClean="0"/>
-              <a:t>8/26/2019</a:t>
+              <a:t>8/30/2019</a:t>
             </a:fld>
             <a:endParaRPr lang="en-US" dirty="0"/>
           </a:p>
@@ -1061,7 +1061,7 @@
           <a:p>
             <a:fld id="{74929172-4BF7-429F-BA25-7E9D1A4215EE}" type="datetimeFigureOut">
               <a:rPr lang="en-US" noProof="0" smtClean="0"/>
-              <a:t>8/26/2019</a:t>
+              <a:t>8/30/2019</a:t>
             </a:fld>
             <a:endParaRPr lang="en-US" noProof="0" dirty="0"/>
           </a:p>
@@ -1399,7 +1399,7 @@
           <a:p>
             <a:fld id="{74929172-4BF7-429F-BA25-7E9D1A4215EE}" type="datetimeFigureOut">
               <a:rPr lang="en-US" noProof="0" smtClean="0"/>
-              <a:t>8/26/2019</a:t>
+              <a:t>8/30/2019</a:t>
             </a:fld>
             <a:endParaRPr lang="en-US" noProof="0" dirty="0"/>
           </a:p>
@@ -1676,7 +1676,7 @@
           <a:p>
             <a:fld id="{74929172-4BF7-429F-BA25-7E9D1A4215EE}" type="datetimeFigureOut">
               <a:rPr lang="en-US" noProof="0" smtClean="0"/>
-              <a:t>8/26/2019</a:t>
+              <a:t>8/30/2019</a:t>
             </a:fld>
             <a:endParaRPr lang="en-US" noProof="0" dirty="0"/>
           </a:p>
@@ -2243,7 +2243,7 @@
           <a:p>
             <a:fld id="{74929172-4BF7-429F-BA25-7E9D1A4215EE}" type="datetimeFigureOut">
               <a:rPr lang="en-US" noProof="0" smtClean="0"/>
-              <a:t>8/26/2019</a:t>
+              <a:t>8/30/2019</a:t>
             </a:fld>
             <a:endParaRPr lang="en-US" noProof="0" dirty="0"/>
           </a:p>
@@ -2520,7 +2520,7 @@
           <a:p>
             <a:fld id="{74929172-4BF7-429F-BA25-7E9D1A4215EE}" type="datetimeFigureOut">
               <a:rPr lang="en-US" noProof="0" smtClean="0"/>
-              <a:t>8/26/2019</a:t>
+              <a:t>8/30/2019</a:t>
             </a:fld>
             <a:endParaRPr lang="en-US" noProof="0" dirty="0"/>
           </a:p>
@@ -3081,7 +3081,7 @@
           <a:p>
             <a:fld id="{74929172-4BF7-429F-BA25-7E9D1A4215EE}" type="datetimeFigureOut">
               <a:rPr lang="en-US" noProof="0" smtClean="0"/>
-              <a:t>8/26/2019</a:t>
+              <a:t>8/30/2019</a:t>
             </a:fld>
             <a:endParaRPr lang="en-US" noProof="0" dirty="0"/>
           </a:p>
@@ -3407,7 +3407,7 @@
           <a:p>
             <a:fld id="{74929172-4BF7-429F-BA25-7E9D1A4215EE}" type="datetimeFigureOut">
               <a:rPr lang="en-US" noProof="0" smtClean="0"/>
-              <a:t>8/26/2019</a:t>
+              <a:t>8/30/2019</a:t>
             </a:fld>
             <a:endParaRPr lang="en-US" noProof="0" dirty="0"/>
           </a:p>
@@ -3583,7 +3583,7 @@
           <a:p>
             <a:fld id="{74929172-4BF7-429F-BA25-7E9D1A4215EE}" type="datetimeFigureOut">
               <a:rPr lang="en-US" noProof="0" smtClean="0"/>
-              <a:t>8/26/2019</a:t>
+              <a:t>8/30/2019</a:t>
             </a:fld>
             <a:endParaRPr lang="en-US" noProof="0" dirty="0"/>
           </a:p>
@@ -3818,7 +3818,7 @@
           <a:p>
             <a:fld id="{74929172-4BF7-429F-BA25-7E9D1A4215EE}" type="datetimeFigureOut">
               <a:rPr lang="en-US" noProof="0" smtClean="0"/>
-              <a:t>8/26/2019</a:t>
+              <a:t>8/30/2019</a:t>
             </a:fld>
             <a:endParaRPr lang="en-US" noProof="0" dirty="0"/>
           </a:p>
@@ -4021,7 +4021,7 @@
           <a:p>
             <a:fld id="{74929172-4BF7-429F-BA25-7E9D1A4215EE}" type="datetimeFigureOut">
               <a:rPr lang="en-US" noProof="0" smtClean="0"/>
-              <a:t>8/26/2019</a:t>
+              <a:t>8/30/2019</a:t>
             </a:fld>
             <a:endParaRPr lang="en-US" noProof="0" dirty="0"/>
           </a:p>
@@ -4296,7 +4296,7 @@
           <a:p>
             <a:fld id="{74929172-4BF7-429F-BA25-7E9D1A4215EE}" type="datetimeFigureOut">
               <a:rPr lang="en-US" noProof="0" smtClean="0"/>
-              <a:t>8/26/2019</a:t>
+              <a:t>8/30/2019</a:t>
             </a:fld>
             <a:endParaRPr lang="en-US" noProof="0" dirty="0"/>
           </a:p>
@@ -4564,7 +4564,7 @@
           <a:p>
             <a:fld id="{74929172-4BF7-429F-BA25-7E9D1A4215EE}" type="datetimeFigureOut">
               <a:rPr lang="en-US" noProof="0" smtClean="0"/>
-              <a:t>8/26/2019</a:t>
+              <a:t>8/30/2019</a:t>
             </a:fld>
             <a:endParaRPr lang="en-US" noProof="0" dirty="0"/>
           </a:p>
@@ -4935,7 +4935,7 @@
           <a:p>
             <a:fld id="{74929172-4BF7-429F-BA25-7E9D1A4215EE}" type="datetimeFigureOut">
               <a:rPr lang="en-US" noProof="0" smtClean="0"/>
-              <a:t>8/26/2019</a:t>
+              <a:t>8/30/2019</a:t>
             </a:fld>
             <a:endParaRPr lang="en-US" noProof="0" dirty="0"/>
           </a:p>
@@ -5082,7 +5082,7 @@
           <a:p>
             <a:fld id="{74929172-4BF7-429F-BA25-7E9D1A4215EE}" type="datetimeFigureOut">
               <a:rPr lang="en-US" noProof="0" smtClean="0"/>
-              <a:t>8/26/2019</a:t>
+              <a:t>8/30/2019</a:t>
             </a:fld>
             <a:endParaRPr lang="en-US" noProof="0" dirty="0"/>
           </a:p>
@@ -5207,7 +5207,7 @@
           <a:p>
             <a:fld id="{74929172-4BF7-429F-BA25-7E9D1A4215EE}" type="datetimeFigureOut">
               <a:rPr lang="en-US" noProof="0" smtClean="0"/>
-              <a:t>8/26/2019</a:t>
+              <a:t>8/30/2019</a:t>
             </a:fld>
             <a:endParaRPr lang="en-US" noProof="0" dirty="0"/>
           </a:p>
@@ -5495,7 +5495,7 @@
           <a:p>
             <a:fld id="{74929172-4BF7-429F-BA25-7E9D1A4215EE}" type="datetimeFigureOut">
               <a:rPr lang="en-US" noProof="0" smtClean="0"/>
-              <a:t>8/26/2019</a:t>
+              <a:t>8/30/2019</a:t>
             </a:fld>
             <a:endParaRPr lang="en-US" noProof="0" dirty="0"/>
           </a:p>
@@ -5823,7 +5823,7 @@
           <a:p>
             <a:fld id="{74929172-4BF7-429F-BA25-7E9D1A4215EE}" type="datetimeFigureOut">
               <a:rPr lang="en-US" noProof="0" smtClean="0"/>
-              <a:t>8/26/2019</a:t>
+              <a:t>8/30/2019</a:t>
             </a:fld>
             <a:endParaRPr lang="en-US" noProof="0" dirty="0"/>
           </a:p>
@@ -6035,7 +6035,7 @@
           <a:p>
             <a:fld id="{74929172-4BF7-429F-BA25-7E9D1A4215EE}" type="datetimeFigureOut">
               <a:rPr lang="en-US" noProof="0" smtClean="0"/>
-              <a:t>8/26/2019</a:t>
+              <a:t>8/30/2019</a:t>
             </a:fld>
             <a:endParaRPr lang="en-US" noProof="0" dirty="0"/>
           </a:p>
@@ -6696,7 +6696,7 @@
                 <a16:creationId xmlns:a16="http://schemas.microsoft.com/office/drawing/2014/main" id="{6B70B1D5-F5F8-429D-818A-E1CFA491E8B4}"/>
               </a:ext>
               <a:ext uri="{C183D7F6-B498-43B3-948B-1728B52AA6E4}">
-                <adec:decorative xmlns:adec="http://schemas.microsoft.com/office/drawing/2017/decorative" xmlns="" val="1"/>
+                <adec:decorative xmlns="" xmlns:adec="http://schemas.microsoft.com/office/drawing/2017/decorative" val="1"/>
               </a:ext>
             </a:extLst>
           </p:cNvPr>
@@ -6705,7 +6705,7 @@
         </p:nvGrpSpPr>
         <p:grpSpPr>
           <a:xfrm>
-            <a:off x="1878594" y="2196201"/>
+            <a:off x="2560235" y="2196201"/>
             <a:ext cx="1386596" cy="544407"/>
             <a:chOff x="2810778" y="3090121"/>
             <a:chExt cx="1386596" cy="544407"/>
@@ -6917,7 +6917,7 @@
                 <a16:creationId xmlns:a16="http://schemas.microsoft.com/office/drawing/2014/main" id="{1D0C17FD-0081-40EF-A9FD-74C7001B881A}"/>
               </a:ext>
               <a:ext uri="{C183D7F6-B498-43B3-948B-1728B52AA6E4}">
-                <adec:decorative xmlns:adec="http://schemas.microsoft.com/office/drawing/2017/decorative" xmlns="" val="1"/>
+                <adec:decorative xmlns="" xmlns:adec="http://schemas.microsoft.com/office/drawing/2017/decorative" val="1"/>
               </a:ext>
             </a:extLst>
           </p:cNvPr>
@@ -6926,7 +6926,7 @@
         </p:nvGrpSpPr>
         <p:grpSpPr>
           <a:xfrm>
-            <a:off x="3611943" y="2196201"/>
+            <a:off x="4293584" y="2196201"/>
             <a:ext cx="1388313" cy="544407"/>
             <a:chOff x="4544127" y="3090121"/>
             <a:chExt cx="1388313" cy="544407"/>
@@ -7130,7 +7130,7 @@
                 <a16:creationId xmlns:a16="http://schemas.microsoft.com/office/drawing/2014/main" id="{86A6D505-4CAD-4827-A8B4-1F7AC0D804FA}"/>
               </a:ext>
               <a:ext uri="{C183D7F6-B498-43B3-948B-1728B52AA6E4}">
-                <adec:decorative xmlns:adec="http://schemas.microsoft.com/office/drawing/2017/decorative" xmlns="" val="1"/>
+                <adec:decorative xmlns="" xmlns:adec="http://schemas.microsoft.com/office/drawing/2017/decorative" val="1"/>
               </a:ext>
             </a:extLst>
           </p:cNvPr>
@@ -7139,7 +7139,7 @@
         </p:nvGrpSpPr>
         <p:grpSpPr>
           <a:xfrm>
-            <a:off x="5345292" y="2196201"/>
+            <a:off x="6664158" y="4524335"/>
             <a:ext cx="1389615" cy="544407"/>
             <a:chOff x="6277476" y="3090121"/>
             <a:chExt cx="1389615" cy="544407"/>
@@ -7377,7 +7377,7 @@
                 <a16:creationId xmlns:a16="http://schemas.microsoft.com/office/drawing/2014/main" id="{E4B64F0C-D8B5-4B34-A22A-D85D0F7D2F51}"/>
               </a:ext>
               <a:ext uri="{C183D7F6-B498-43B3-948B-1728B52AA6E4}">
-                <adec:decorative xmlns:adec="http://schemas.microsoft.com/office/drawing/2017/decorative" xmlns="" val="1"/>
+                <adec:decorative xmlns="" xmlns:adec="http://schemas.microsoft.com/office/drawing/2017/decorative" val="1"/>
               </a:ext>
             </a:extLst>
           </p:cNvPr>
@@ -7386,7 +7386,7 @@
         </p:nvGrpSpPr>
         <p:grpSpPr>
           <a:xfrm>
-            <a:off x="7078641" y="2196201"/>
+            <a:off x="6538310" y="2196201"/>
             <a:ext cx="1386544" cy="544407"/>
             <a:chOff x="8010825" y="3090121"/>
             <a:chExt cx="1386544" cy="544407"/>
@@ -7608,7 +7608,7 @@
                 <a16:creationId xmlns:a16="http://schemas.microsoft.com/office/drawing/2014/main" id="{484B9E92-D14A-4F75-88C6-459716737C4A}"/>
               </a:ext>
               <a:ext uri="{C183D7F6-B498-43B3-948B-1728B52AA6E4}">
-                <adec:decorative xmlns:adec="http://schemas.microsoft.com/office/drawing/2017/decorative" xmlns="" val="1"/>
+                <adec:decorative xmlns="" xmlns:adec="http://schemas.microsoft.com/office/drawing/2017/decorative" val="1"/>
               </a:ext>
             </a:extLst>
           </p:cNvPr>
@@ -7617,7 +7617,7 @@
         </p:nvGrpSpPr>
         <p:grpSpPr>
           <a:xfrm>
-            <a:off x="8811990" y="2196201"/>
+            <a:off x="8271659" y="2196201"/>
             <a:ext cx="1387558" cy="544407"/>
             <a:chOff x="9744174" y="3090121"/>
             <a:chExt cx="1387558" cy="544407"/>
@@ -7846,7 +7846,7 @@
         </p:nvCxnSpPr>
         <p:spPr>
           <a:xfrm>
-            <a:off x="2564352" y="2767138"/>
+            <a:off x="3245993" y="2767138"/>
             <a:ext cx="0" cy="307844"/>
           </a:xfrm>
           <a:prstGeom prst="line">
@@ -7896,7 +7896,7 @@
         </p:nvCxnSpPr>
         <p:spPr>
           <a:xfrm>
-            <a:off x="4297290" y="2767138"/>
+            <a:off x="4978931" y="2767138"/>
             <a:ext cx="0" cy="307844"/>
           </a:xfrm>
           <a:prstGeom prst="line">
@@ -7996,7 +7996,7 @@
         </p:nvCxnSpPr>
         <p:spPr>
           <a:xfrm>
-            <a:off x="7763166" y="2767138"/>
+            <a:off x="7222835" y="2767138"/>
             <a:ext cx="0" cy="307844"/>
           </a:xfrm>
           <a:prstGeom prst="line">
@@ -8046,7 +8046,7 @@
         </p:nvCxnSpPr>
         <p:spPr>
           <a:xfrm>
-            <a:off x="9496106" y="2767138"/>
+            <a:off x="8955775" y="2767138"/>
             <a:ext cx="0" cy="307844"/>
           </a:xfrm>
           <a:prstGeom prst="line">
@@ -8096,7 +8096,7 @@
         </p:nvSpPr>
         <p:spPr>
           <a:xfrm>
-            <a:off x="9438899" y="2085070"/>
+            <a:off x="8898568" y="2085070"/>
             <a:ext cx="114414" cy="85961"/>
           </a:xfrm>
           <a:prstGeom prst="ellipse">
@@ -8140,7 +8140,7 @@
                 <a16:creationId xmlns:a16="http://schemas.microsoft.com/office/drawing/2014/main" id="{FA215D57-115E-4EA6-82EB-CB2CD22D4237}"/>
               </a:ext>
               <a:ext uri="{C183D7F6-B498-43B3-948B-1728B52AA6E4}">
-                <adec:decorative xmlns:adec="http://schemas.microsoft.com/office/drawing/2017/decorative" xmlns="" val="1"/>
+                <adec:decorative xmlns="" xmlns:adec="http://schemas.microsoft.com/office/drawing/2017/decorative" val="1"/>
               </a:ext>
             </a:extLst>
           </p:cNvPr>
@@ -8349,7 +8349,7 @@
                 <a16:creationId xmlns:a16="http://schemas.microsoft.com/office/drawing/2014/main" id="{F63E54AC-1CB7-43BF-B0A4-82DE6FEB1664}"/>
               </a:ext>
               <a:ext uri="{C183D7F6-B498-43B3-948B-1728B52AA6E4}">
-                <adec:decorative xmlns:adec="http://schemas.microsoft.com/office/drawing/2017/decorative" xmlns="" val="1"/>
+                <adec:decorative xmlns="" xmlns:adec="http://schemas.microsoft.com/office/drawing/2017/decorative" val="1"/>
               </a:ext>
             </a:extLst>
           </p:cNvPr>
@@ -8416,8 +8416,8 @@
         </p:nvCxnSpPr>
         <p:spPr>
           <a:xfrm rot="16200000" flipH="1">
-            <a:off x="7433832" y="22795"/>
-            <a:ext cx="635647" cy="3488902"/>
+            <a:off x="7163666" y="292960"/>
+            <a:ext cx="635647" cy="2948571"/>
           </a:xfrm>
           <a:prstGeom prst="bentConnector3">
             <a:avLst>
@@ -8466,55 +8466,7 @@
         </p:nvCxnSpPr>
         <p:spPr>
           <a:xfrm>
-            <a:off x="4308733" y="1941638"/>
-            <a:ext cx="0" cy="143431"/>
-          </a:xfrm>
-          <a:prstGeom prst="line">
-            <a:avLst/>
-          </a:prstGeom>
-          <a:ln w="3175">
-            <a:solidFill>
-              <a:schemeClr val="bg1">
-                <a:lumMod val="75000"/>
-              </a:schemeClr>
-            </a:solidFill>
-            <a:prstDash val="solid"/>
-            <a:headEnd type="none" w="sm" len="sm"/>
-            <a:tailEnd type="none" w="sm" len="sm"/>
-          </a:ln>
-        </p:spPr>
-        <p:style>
-          <a:lnRef idx="1">
-            <a:schemeClr val="accent1"/>
-          </a:lnRef>
-          <a:fillRef idx="0">
-            <a:schemeClr val="accent1"/>
-          </a:fillRef>
-          <a:effectRef idx="0">
-            <a:schemeClr val="accent1"/>
-          </a:effectRef>
-          <a:fontRef idx="minor">
-            <a:schemeClr val="tx1"/>
-          </a:fontRef>
-        </p:style>
-      </p:cxnSp>
-      <p:cxnSp>
-        <p:nvCxnSpPr>
-          <p:cNvPr id="99" name="Straight Connector 98" descr="decorative element">
-            <a:extLst>
-              <a:ext uri="{FF2B5EF4-FFF2-40B4-BE49-F238E27FC236}">
-                <a16:creationId xmlns:a16="http://schemas.microsoft.com/office/drawing/2014/main" id="{DFAFA2FD-B58C-4CB3-83BF-D7037A44C5EA}"/>
-              </a:ext>
-            </a:extLst>
-          </p:cNvPr>
-          <p:cNvCxnSpPr>
-            <a:cxnSpLocks/>
-          </p:cNvCxnSpPr>
-          <p:nvPr/>
-        </p:nvCxnSpPr>
-        <p:spPr>
-          <a:xfrm>
-            <a:off x="6018789" y="1941638"/>
+            <a:off x="4990374" y="1941638"/>
             <a:ext cx="0" cy="143431"/>
           </a:xfrm>
           <a:prstGeom prst="line">
@@ -8562,7 +8514,7 @@
         </p:nvCxnSpPr>
         <p:spPr>
           <a:xfrm>
-            <a:off x="7728845" y="1941638"/>
+            <a:off x="7188514" y="1941638"/>
             <a:ext cx="0" cy="143431"/>
           </a:xfrm>
           <a:prstGeom prst="line">
@@ -8610,12 +8562,12 @@
         </p:nvCxnSpPr>
         <p:spPr>
           <a:xfrm flipV="1">
-            <a:off x="2572312" y="1483656"/>
-            <a:ext cx="3426013" cy="284148"/>
+            <a:off x="3203338" y="1483656"/>
+            <a:ext cx="2794987" cy="283237"/>
           </a:xfrm>
           <a:prstGeom prst="bentConnector3">
             <a:avLst>
-              <a:gd name="adj1" fmla="val 100270"/>
+              <a:gd name="adj1" fmla="val 100561"/>
             </a:avLst>
           </a:prstGeom>
           <a:ln w="3175">
@@ -8660,7 +8612,7 @@
         </p:nvCxnSpPr>
         <p:spPr>
           <a:xfrm>
-            <a:off x="2578903" y="1774518"/>
+            <a:off x="3260544" y="1774518"/>
             <a:ext cx="0" cy="266364"/>
           </a:xfrm>
           <a:prstGeom prst="line">
@@ -8700,7 +8652,7 @@
                 <a16:creationId xmlns:a16="http://schemas.microsoft.com/office/drawing/2014/main" id="{4E2090BB-E0AA-4E59-A402-4D5BBD0CCF9E}"/>
               </a:ext>
               <a:ext uri="{C183D7F6-B498-43B3-948B-1728B52AA6E4}">
-                <adec:decorative xmlns:adec="http://schemas.microsoft.com/office/drawing/2017/decorative" xmlns="" val="1"/>
+                <adec:decorative xmlns="" xmlns:adec="http://schemas.microsoft.com/office/drawing/2017/decorative" val="1"/>
               </a:ext>
             </a:extLst>
           </p:cNvPr>
@@ -8709,7 +8661,7 @@
         </p:nvGrpSpPr>
         <p:grpSpPr>
           <a:xfrm>
-            <a:off x="1888948" y="3191982"/>
+            <a:off x="2570589" y="3191982"/>
             <a:ext cx="1386596" cy="544407"/>
             <a:chOff x="2810778" y="3090121"/>
             <a:chExt cx="1386596" cy="544407"/>
@@ -8931,7 +8883,7 @@
                 <a16:creationId xmlns:a16="http://schemas.microsoft.com/office/drawing/2014/main" id="{6AEEFE71-1C97-4DBC-9ACC-C13080165451}"/>
               </a:ext>
               <a:ext uri="{C183D7F6-B498-43B3-948B-1728B52AA6E4}">
-                <adec:decorative xmlns:adec="http://schemas.microsoft.com/office/drawing/2017/decorative" xmlns="" val="1"/>
+                <adec:decorative xmlns="" xmlns:adec="http://schemas.microsoft.com/office/drawing/2017/decorative" val="1"/>
               </a:ext>
             </a:extLst>
           </p:cNvPr>
@@ -8940,7 +8892,7 @@
         </p:nvGrpSpPr>
         <p:grpSpPr>
           <a:xfrm>
-            <a:off x="3622297" y="3191982"/>
+            <a:off x="4303938" y="3191982"/>
             <a:ext cx="1388313" cy="544407"/>
             <a:chOff x="4544127" y="3090121"/>
             <a:chExt cx="1388313" cy="544407"/>
@@ -9141,7 +9093,7 @@
                 <a16:creationId xmlns:a16="http://schemas.microsoft.com/office/drawing/2014/main" id="{3657C156-6995-4383-A3E5-6735FBB3712B}"/>
               </a:ext>
               <a:ext uri="{C183D7F6-B498-43B3-948B-1728B52AA6E4}">
-                <adec:decorative xmlns:adec="http://schemas.microsoft.com/office/drawing/2017/decorative" xmlns="" val="1"/>
+                <adec:decorative xmlns="" xmlns:adec="http://schemas.microsoft.com/office/drawing/2017/decorative" val="1"/>
               </a:ext>
             </a:extLst>
           </p:cNvPr>
@@ -9150,7 +9102,7 @@
         </p:nvGrpSpPr>
         <p:grpSpPr>
           <a:xfrm>
-            <a:off x="5355646" y="3191982"/>
+            <a:off x="6567208" y="3850681"/>
             <a:ext cx="1389615" cy="544407"/>
             <a:chOff x="6277476" y="3090121"/>
             <a:chExt cx="1389615" cy="544407"/>
@@ -9349,7 +9301,7 @@
                 <a16:creationId xmlns:a16="http://schemas.microsoft.com/office/drawing/2014/main" id="{B84B8C78-7BAA-4492-9B7B-23F196965004}"/>
               </a:ext>
               <a:ext uri="{C183D7F6-B498-43B3-948B-1728B52AA6E4}">
-                <adec:decorative xmlns:adec="http://schemas.microsoft.com/office/drawing/2017/decorative" xmlns="" val="1"/>
+                <adec:decorative xmlns="" xmlns:adec="http://schemas.microsoft.com/office/drawing/2017/decorative" val="1"/>
               </a:ext>
             </a:extLst>
           </p:cNvPr>
@@ -9358,7 +9310,7 @@
         </p:nvGrpSpPr>
         <p:grpSpPr>
           <a:xfrm>
-            <a:off x="7088995" y="3191982"/>
+            <a:off x="6548664" y="3191982"/>
             <a:ext cx="1386544" cy="544407"/>
             <a:chOff x="8010825" y="3090121"/>
             <a:chExt cx="1386544" cy="544407"/>
@@ -9572,7 +9524,7 @@
                 <a16:creationId xmlns:a16="http://schemas.microsoft.com/office/drawing/2014/main" id="{A7F885EA-DA86-4249-9CB4-CE59CE108D4C}"/>
               </a:ext>
               <a:ext uri="{C183D7F6-B498-43B3-948B-1728B52AA6E4}">
-                <adec:decorative xmlns:adec="http://schemas.microsoft.com/office/drawing/2017/decorative" xmlns="" val="1"/>
+                <adec:decorative xmlns="" xmlns:adec="http://schemas.microsoft.com/office/drawing/2017/decorative" val="1"/>
               </a:ext>
             </a:extLst>
           </p:cNvPr>
@@ -9581,7 +9533,7 @@
         </p:nvGrpSpPr>
         <p:grpSpPr>
           <a:xfrm>
-            <a:off x="8822344" y="3191982"/>
+            <a:off x="8282013" y="3191982"/>
             <a:ext cx="1387558" cy="544407"/>
             <a:chOff x="9744174" y="3090121"/>
             <a:chExt cx="1387558" cy="544407"/>
@@ -9815,7 +9767,7 @@
         </p:nvSpPr>
         <p:spPr>
           <a:xfrm>
-            <a:off x="9449253" y="3080851"/>
+            <a:off x="8908922" y="3080851"/>
             <a:ext cx="114414" cy="85961"/>
           </a:xfrm>
           <a:prstGeom prst="ellipse">
@@ -9859,7 +9811,7 @@
                 <a16:creationId xmlns:a16="http://schemas.microsoft.com/office/drawing/2014/main" id="{DFDF04A4-723B-4E94-82D9-05F9FA39A2CE}"/>
               </a:ext>
               <a:ext uri="{C183D7F6-B498-43B3-948B-1728B52AA6E4}">
-                <adec:decorative xmlns:adec="http://schemas.microsoft.com/office/drawing/2017/decorative" xmlns="" val="1"/>
+                <adec:decorative xmlns="" xmlns:adec="http://schemas.microsoft.com/office/drawing/2017/decorative" val="1"/>
               </a:ext>
             </a:extLst>
           </p:cNvPr>
@@ -9868,7 +9820,7 @@
         </p:nvGrpSpPr>
         <p:grpSpPr>
           <a:xfrm>
-            <a:off x="1899303" y="3868160"/>
+            <a:off x="2580944" y="3868160"/>
             <a:ext cx="1386596" cy="544407"/>
             <a:chOff x="2810778" y="3090121"/>
             <a:chExt cx="1386596" cy="544407"/>
@@ -10151,7 +10103,7 @@
         </p:blipFill>
         <p:spPr>
           <a:xfrm>
-            <a:off x="7906979" y="4644473"/>
+            <a:off x="7956823" y="4627323"/>
             <a:ext cx="3314700" cy="952499"/>
           </a:xfrm>
           <a:prstGeom prst="rect">
@@ -11285,246 +11237,6 @@
           </a:p>
         </p:txBody>
       </p:sp>
-      <p:grpSp>
-        <p:nvGrpSpPr>
-          <p:cNvPr id="88" name="Group 87">
-            <a:extLst>
-              <a:ext uri="{FF2B5EF4-FFF2-40B4-BE49-F238E27FC236}">
-                <a16:creationId xmlns:a16="http://schemas.microsoft.com/office/drawing/2014/main" id="{2D70E445-1CE6-40B6-9F13-53392531CDD7}"/>
-              </a:ext>
-              <a:ext uri="{C183D7F6-B498-43B3-948B-1728B52AA6E4}">
-                <adec:decorative xmlns:adec="http://schemas.microsoft.com/office/drawing/2017/decorative" xmlns="" val="1"/>
-              </a:ext>
-            </a:extLst>
-          </p:cNvPr>
-          <p:cNvGrpSpPr/>
-          <p:nvPr/>
-        </p:nvGrpSpPr>
-        <p:grpSpPr>
-          <a:xfrm>
-            <a:off x="5363012" y="3860110"/>
-            <a:ext cx="1389615" cy="544407"/>
-            <a:chOff x="6277476" y="3090121"/>
-            <a:chExt cx="1389615" cy="544407"/>
-          </a:xfrm>
-        </p:grpSpPr>
-        <p:sp>
-          <p:nvSpPr>
-            <p:cNvPr id="91" name="Rectangle 90">
-              <a:extLst>
-                <a:ext uri="{FF2B5EF4-FFF2-40B4-BE49-F238E27FC236}">
-                  <a16:creationId xmlns:a16="http://schemas.microsoft.com/office/drawing/2014/main" id="{5008728E-A191-4CA9-8F9E-A0B99B98F775}"/>
-                </a:ext>
-              </a:extLst>
-            </p:cNvPr>
-            <p:cNvSpPr/>
-            <p:nvPr/>
-          </p:nvSpPr>
-          <p:spPr>
-            <a:xfrm>
-              <a:off x="6277476" y="3090121"/>
-              <a:ext cx="1368000" cy="509451"/>
-            </a:xfrm>
-            <a:prstGeom prst="rect">
-              <a:avLst/>
-            </a:prstGeom>
-            <a:solidFill>
-              <a:schemeClr val="bg1"/>
-            </a:solidFill>
-            <a:ln w="3175" cap="rnd" cmpd="sng" algn="ctr">
-              <a:solidFill>
-                <a:schemeClr val="bg1">
-                  <a:lumMod val="85000"/>
-                </a:schemeClr>
-              </a:solidFill>
-              <a:prstDash val="solid"/>
-            </a:ln>
-            <a:effectLst/>
-            <a:scene3d>
-              <a:camera prst="obliqueTopLeft"/>
-              <a:lightRig rig="soft" dir="t"/>
-            </a:scene3d>
-            <a:sp3d extrusionH="190500" prstMaterial="matte">
-              <a:contourClr>
-                <a:prstClr val="black">
-                  <a:lumMod val="50000"/>
-                  <a:lumOff val="50000"/>
-                </a:prstClr>
-              </a:contourClr>
-            </a:sp3d>
-          </p:spPr>
-          <p:style>
-            <a:lnRef idx="2">
-              <a:scrgbClr r="0" g="0" b="0"/>
-            </a:lnRef>
-            <a:fillRef idx="1">
-              <a:scrgbClr r="0" g="0" b="0"/>
-            </a:fillRef>
-            <a:effectRef idx="0">
-              <a:scrgbClr r="0" g="0" b="0"/>
-            </a:effectRef>
-            <a:fontRef idx="minor">
-              <a:schemeClr val="lt1"/>
-            </a:fontRef>
-          </p:style>
-          <p:txBody>
-            <a:bodyPr spcFirstLastPara="0" vert="horz" wrap="square" lIns="72000" tIns="5715" rIns="72000" bIns="54011" numCol="1" spcCol="1270" anchor="ctr" anchorCtr="0">
-              <a:noAutofit/>
-              <a:flatTx/>
-            </a:bodyPr>
-            <a:lstStyle/>
-            <a:p>
-              <a:pPr algn="ctr" defTabSz="400050">
-                <a:lnSpc>
-                  <a:spcPct val="90000"/>
-                </a:lnSpc>
-                <a:spcBef>
-                  <a:spcPct val="0"/>
-                </a:spcBef>
-                <a:spcAft>
-                  <a:spcPct val="35000"/>
-                </a:spcAft>
-              </a:pPr>
-              <a:endParaRPr lang="en-US" sz="1200" dirty="0">
-                <a:solidFill>
-                  <a:schemeClr val="tx1"/>
-                </a:solidFill>
-              </a:endParaRPr>
-            </a:p>
-          </p:txBody>
-        </p:sp>
-        <p:sp>
-          <p:nvSpPr>
-            <p:cNvPr id="92" name="Rectangle 91">
-              <a:extLst>
-                <a:ext uri="{FF2B5EF4-FFF2-40B4-BE49-F238E27FC236}">
-                  <a16:creationId xmlns:a16="http://schemas.microsoft.com/office/drawing/2014/main" id="{9D79E768-D515-4918-9B3D-997710857C17}"/>
-                </a:ext>
-              </a:extLst>
-            </p:cNvPr>
-            <p:cNvSpPr/>
-            <p:nvPr/>
-          </p:nvSpPr>
-          <p:spPr>
-            <a:xfrm>
-              <a:off x="6299091" y="3526528"/>
-              <a:ext cx="1368000" cy="108000"/>
-            </a:xfrm>
-            <a:prstGeom prst="rect">
-              <a:avLst/>
-            </a:prstGeom>
-            <a:solidFill>
-              <a:srgbClr val="00B050"/>
-            </a:solidFill>
-            <a:ln>
-              <a:noFill/>
-            </a:ln>
-            <a:effectLst>
-              <a:glow rad="254000">
-                <a:schemeClr val="accent6">
-                  <a:satMod val="175000"/>
-                  <a:alpha val="10000"/>
-                </a:schemeClr>
-              </a:glow>
-            </a:effectLst>
-            <a:scene3d>
-              <a:camera prst="obliqueTopLeft"/>
-              <a:lightRig rig="brightRoom" dir="t"/>
-            </a:scene3d>
-            <a:sp3d extrusionH="88900"/>
-          </p:spPr>
-          <p:style>
-            <a:lnRef idx="2">
-              <a:schemeClr val="accent1">
-                <a:hueOff val="0"/>
-                <a:satOff val="0"/>
-                <a:lumOff val="0"/>
-                <a:alphaOff val="0"/>
-              </a:schemeClr>
-            </a:lnRef>
-            <a:fillRef idx="1">
-              <a:scrgbClr r="0" g="0" b="0"/>
-            </a:fillRef>
-            <a:effectRef idx="0">
-              <a:schemeClr val="lt1">
-                <a:alpha val="90000"/>
-                <a:hueOff val="0"/>
-                <a:satOff val="0"/>
-                <a:lumOff val="0"/>
-                <a:alphaOff val="0"/>
-              </a:schemeClr>
-            </a:effectRef>
-            <a:fontRef idx="minor">
-              <a:schemeClr val="dk1">
-                <a:hueOff val="0"/>
-                <a:satOff val="0"/>
-                <a:lumOff val="0"/>
-                <a:alphaOff val="0"/>
-              </a:schemeClr>
-            </a:fontRef>
-          </p:style>
-          <p:txBody>
-            <a:bodyPr spcFirstLastPara="0" vert="horz" wrap="square" lIns="72000" tIns="5715" rIns="72000" bIns="5715" numCol="1" spcCol="1270" anchor="ctr" anchorCtr="0">
-              <a:noAutofit/>
-              <a:flatTx/>
-            </a:bodyPr>
-            <a:lstStyle/>
-            <a:p>
-              <a:pPr algn="ctr" defTabSz="400050">
-                <a:lnSpc>
-                  <a:spcPct val="90000"/>
-                </a:lnSpc>
-                <a:spcBef>
-                  <a:spcPct val="0"/>
-                </a:spcBef>
-                <a:spcAft>
-                  <a:spcPct val="35000"/>
-                </a:spcAft>
-              </a:pPr>
-              <a:endParaRPr lang="en-US" sz="1000" dirty="0">
-                <a:solidFill>
-                  <a:schemeClr val="bg1"/>
-                </a:solidFill>
-              </a:endParaRPr>
-            </a:p>
-          </p:txBody>
-        </p:sp>
-      </p:grpSp>
-      <p:sp>
-        <p:nvSpPr>
-          <p:cNvPr id="3" name="TextBox 2">
-            <a:extLst>
-              <a:ext uri="{FF2B5EF4-FFF2-40B4-BE49-F238E27FC236}">
-                <a16:creationId xmlns:a16="http://schemas.microsoft.com/office/drawing/2014/main" id="{E02E875E-D893-4978-B9F1-C25A975EA4BA}"/>
-              </a:ext>
-            </a:extLst>
-          </p:cNvPr>
-          <p:cNvSpPr txBox="1"/>
-          <p:nvPr/>
-        </p:nvSpPr>
-        <p:spPr>
-          <a:xfrm>
-            <a:off x="5586365" y="2838319"/>
-            <a:ext cx="850782" cy="270920"/>
-          </a:xfrm>
-          <a:prstGeom prst="rect">
-            <a:avLst/>
-          </a:prstGeom>
-          <a:noFill/>
-        </p:spPr>
-        <p:txBody>
-          <a:bodyPr wrap="square" rtlCol="0">
-            <a:spAutoFit/>
-          </a:bodyPr>
-          <a:lstStyle/>
-          <a:p>
-            <a:r>
-              <a:rPr lang="en-US" sz="1100" dirty="0"/>
-              <a:t>Needs 2 EE</a:t>
-            </a:r>
-          </a:p>
-        </p:txBody>
-      </p:sp>
       <p:sp>
         <p:nvSpPr>
           <p:cNvPr id="93" name="TextBox 92">
@@ -11539,7 +11251,7 @@
         </p:nvSpPr>
         <p:spPr>
           <a:xfrm>
-            <a:off x="7357570" y="2808495"/>
+            <a:off x="6817239" y="2808495"/>
             <a:ext cx="850782" cy="270920"/>
           </a:xfrm>
           <a:prstGeom prst="rect">
@@ -14564,6 +14276,23 @@
 </file>
 
 <file path=customXml/item1.xml><?xml version="1.0" encoding="utf-8"?>
+<p:properties xmlns:p="http://schemas.microsoft.com/office/2006/metadata/properties" xmlns:xsi="http://www.w3.org/2001/XMLSchema-instance" xmlns:pc="http://schemas.microsoft.com/office/infopath/2007/PartnerControls">
+  <documentManagement>
+    <MediaServiceKeyPoints xmlns="71af3243-3dd4-4a8d-8c0d-dd76da1f02a5" xsi:nil="true"/>
+  </documentManagement>
+</p:properties>
+</file>
+
+<file path=customXml/item2.xml><?xml version="1.0" encoding="utf-8"?>
+<?mso-contentType ?>
+<FormTemplates xmlns="http://schemas.microsoft.com/sharepoint/v3/contenttype/forms">
+  <Display>DocumentLibraryForm</Display>
+  <Edit>DocumentLibraryForm</Edit>
+  <New>DocumentLibraryForm</New>
+</FormTemplates>
+</file>
+
+<file path=customXml/item3.xml><?xml version="1.0" encoding="utf-8"?>
 <ct:contentTypeSchema xmlns:ct="http://schemas.microsoft.com/office/2006/metadata/contentType" xmlns:ma="http://schemas.microsoft.com/office/2006/metadata/properties/metaAttributes" ct:_="" ma:_="" ma:contentTypeName="Document" ma:contentTypeID="0x01010079F111ED35F8CC479449609E8A0923A6" ma:contentTypeVersion="11" ma:contentTypeDescription="Create a new document." ma:contentTypeScope="" ma:versionID="9677210f24a1be23c92c90fd886aa0aa">
   <xsd:schema xmlns:xsd="http://www.w3.org/2001/XMLSchema" xmlns:xs="http://www.w3.org/2001/XMLSchema" xmlns:p="http://schemas.microsoft.com/office/2006/metadata/properties" xmlns:ns2="71af3243-3dd4-4a8d-8c0d-dd76da1f02a5" xmlns:ns3="16c05727-aa75-4e4a-9b5f-8a80a1165891" targetNamespace="http://schemas.microsoft.com/office/2006/metadata/properties" ma:root="true" ma:fieldsID="60e05723c5c1908df1a1a4ebf11d344e" ns2:_="" ns3:_="">
     <xsd:import namespace="71af3243-3dd4-4a8d-8c0d-dd76da1f02a5"/>
@@ -14774,24 +14503,32 @@
 </ct:contentTypeSchema>
 </file>
 
-<file path=customXml/item2.xml><?xml version="1.0" encoding="utf-8"?>
-<?mso-contentType ?>
-<FormTemplates xmlns="http://schemas.microsoft.com/sharepoint/v3/contenttype/forms">
-  <Display>DocumentLibraryForm</Display>
-  <Edit>DocumentLibraryForm</Edit>
-  <New>DocumentLibraryForm</New>
-</FormTemplates>
+<file path=customXml/itemProps1.xml><?xml version="1.0" encoding="utf-8"?>
+<ds:datastoreItem xmlns:ds="http://schemas.openxmlformats.org/officeDocument/2006/customXml" ds:itemID="{3C2AD4FE-5267-4953-9D66-004581AED1F0}">
+  <ds:schemaRefs>
+    <ds:schemaRef ds:uri="http://purl.org/dc/elements/1.1/"/>
+    <ds:schemaRef ds:uri="http://schemas.microsoft.com/office/2006/metadata/properties"/>
+    <ds:schemaRef ds:uri="http://purl.org/dc/terms/"/>
+    <ds:schemaRef ds:uri="http://schemas.openxmlformats.org/package/2006/metadata/core-properties"/>
+    <ds:schemaRef ds:uri="16c05727-aa75-4e4a-9b5f-8a80a1165891"/>
+    <ds:schemaRef ds:uri="http://schemas.microsoft.com/office/2006/documentManagement/types"/>
+    <ds:schemaRef ds:uri="http://schemas.microsoft.com/office/infopath/2007/PartnerControls"/>
+    <ds:schemaRef ds:uri="71af3243-3dd4-4a8d-8c0d-dd76da1f02a5"/>
+    <ds:schemaRef ds:uri="http://www.w3.org/XML/1998/namespace"/>
+    <ds:schemaRef ds:uri="http://purl.org/dc/dcmitype/"/>
+  </ds:schemaRefs>
+</ds:datastoreItem>
 </file>
 
-<file path=customXml/item3.xml><?xml version="1.0" encoding="utf-8"?>
-<p:properties xmlns:p="http://schemas.microsoft.com/office/2006/metadata/properties" xmlns:xsi="http://www.w3.org/2001/XMLSchema-instance" xmlns:pc="http://schemas.microsoft.com/office/infopath/2007/PartnerControls">
-  <documentManagement>
-    <MediaServiceKeyPoints xmlns="71af3243-3dd4-4a8d-8c0d-dd76da1f02a5" xsi:nil="true"/>
-  </documentManagement>
-</p:properties>
+<file path=customXml/itemProps2.xml><?xml version="1.0" encoding="utf-8"?>
+<ds:datastoreItem xmlns:ds="http://schemas.openxmlformats.org/officeDocument/2006/customXml" ds:itemID="{9082A0F6-5C05-4A60-9DD8-B772877A4F89}">
+  <ds:schemaRefs>
+    <ds:schemaRef ds:uri="http://schemas.microsoft.com/sharepoint/v3/contenttype/forms"/>
+  </ds:schemaRefs>
+</ds:datastoreItem>
 </file>
 
-<file path=customXml/itemProps1.xml><?xml version="1.0" encoding="utf-8"?>
+<file path=customXml/itemProps3.xml><?xml version="1.0" encoding="utf-8"?>
 <ds:datastoreItem xmlns:ds="http://schemas.openxmlformats.org/officeDocument/2006/customXml" ds:itemID="{840DE65C-3715-41A1-996C-103EA7902D46}">
   <ds:schemaRefs>
     <ds:schemaRef ds:uri="http://schemas.microsoft.com/office/2006/metadata/contentType"/>
@@ -14808,29 +14545,4 @@
     <ds:schemaRef ds:uri="http://schemas.microsoft.com/internal/obd"/>
   </ds:schemaRefs>
 </ds:datastoreItem>
-</file>
-
-<file path=customXml/itemProps2.xml><?xml version="1.0" encoding="utf-8"?>
-<ds:datastoreItem xmlns:ds="http://schemas.openxmlformats.org/officeDocument/2006/customXml" ds:itemID="{9082A0F6-5C05-4A60-9DD8-B772877A4F89}">
-  <ds:schemaRefs>
-    <ds:schemaRef ds:uri="http://schemas.microsoft.com/sharepoint/v3/contenttype/forms"/>
-  </ds:schemaRefs>
-</ds:datastoreItem>
-</file>
-
-<file path=customXml/itemProps3.xml><?xml version="1.0" encoding="utf-8"?>
-<ds:datastoreItem xmlns:ds="http://schemas.openxmlformats.org/officeDocument/2006/customXml" ds:itemID="{3C2AD4FE-5267-4953-9D66-004581AED1F0}">
-  <ds:schemaRefs>
-    <ds:schemaRef ds:uri="http://purl.org/dc/elements/1.1/"/>
-    <ds:schemaRef ds:uri="http://schemas.microsoft.com/office/2006/metadata/properties"/>
-    <ds:schemaRef ds:uri="http://purl.org/dc/terms/"/>
-    <ds:schemaRef ds:uri="http://schemas.openxmlformats.org/package/2006/metadata/core-properties"/>
-    <ds:schemaRef ds:uri="16c05727-aa75-4e4a-9b5f-8a80a1165891"/>
-    <ds:schemaRef ds:uri="http://schemas.microsoft.com/office/2006/documentManagement/types"/>
-    <ds:schemaRef ds:uri="http://schemas.microsoft.com/office/infopath/2007/PartnerControls"/>
-    <ds:schemaRef ds:uri="71af3243-3dd4-4a8d-8c0d-dd76da1f02a5"/>
-    <ds:schemaRef ds:uri="http://www.w3.org/XML/1998/namespace"/>
-    <ds:schemaRef ds:uri="http://purl.org/dc/dcmitype/"/>
-  </ds:schemaRefs>
-</ds:datastoreItem>
 </file>
--- a/Engineering/2019-2020/Engineering Management/Engineering Organization Chart.pptx
+++ b/Engineering/2019-2020/Engineering Management/Engineering Organization Chart.pptx
@@ -6696,7 +6696,7 @@
                 <a16:creationId xmlns:a16="http://schemas.microsoft.com/office/drawing/2014/main" id="{6B70B1D5-F5F8-429D-818A-E1CFA491E8B4}"/>
               </a:ext>
               <a:ext uri="{C183D7F6-B498-43B3-948B-1728B52AA6E4}">
-                <adec:decorative xmlns="" xmlns:adec="http://schemas.microsoft.com/office/drawing/2017/decorative" val="1"/>
+                <adec:decorative xmlns:adec="http://schemas.microsoft.com/office/drawing/2017/decorative" xmlns="" val="1"/>
               </a:ext>
             </a:extLst>
           </p:cNvPr>
@@ -6917,7 +6917,7 @@
                 <a16:creationId xmlns:a16="http://schemas.microsoft.com/office/drawing/2014/main" id="{1D0C17FD-0081-40EF-A9FD-74C7001B881A}"/>
               </a:ext>
               <a:ext uri="{C183D7F6-B498-43B3-948B-1728B52AA6E4}">
-                <adec:decorative xmlns="" xmlns:adec="http://schemas.microsoft.com/office/drawing/2017/decorative" val="1"/>
+                <adec:decorative xmlns:adec="http://schemas.microsoft.com/office/drawing/2017/decorative" xmlns="" val="1"/>
               </a:ext>
             </a:extLst>
           </p:cNvPr>
@@ -7130,7 +7130,7 @@
                 <a16:creationId xmlns:a16="http://schemas.microsoft.com/office/drawing/2014/main" id="{86A6D505-4CAD-4827-A8B4-1F7AC0D804FA}"/>
               </a:ext>
               <a:ext uri="{C183D7F6-B498-43B3-948B-1728B52AA6E4}">
-                <adec:decorative xmlns="" xmlns:adec="http://schemas.microsoft.com/office/drawing/2017/decorative" val="1"/>
+                <adec:decorative xmlns:adec="http://schemas.microsoft.com/office/drawing/2017/decorative" xmlns="" val="1"/>
               </a:ext>
             </a:extLst>
           </p:cNvPr>
@@ -7139,7 +7139,7 @@
         </p:nvGrpSpPr>
         <p:grpSpPr>
           <a:xfrm>
-            <a:off x="6664158" y="4524335"/>
+            <a:off x="6521684" y="4511819"/>
             <a:ext cx="1389615" cy="544407"/>
             <a:chOff x="6277476" y="3090121"/>
             <a:chExt cx="1389615" cy="544407"/>
@@ -7290,7 +7290,7 @@
               <a:avLst/>
             </a:prstGeom>
             <a:solidFill>
-              <a:srgbClr val="00B050"/>
+              <a:srgbClr val="0070C0"/>
             </a:solidFill>
             <a:ln>
               <a:noFill/>
@@ -7357,14 +7357,11 @@
                   <a:spcPct val="35000"/>
                 </a:spcAft>
               </a:pPr>
-              <a:r>
-                <a:rPr lang="en-US" sz="1000" dirty="0">
-                  <a:solidFill>
-                    <a:schemeClr val="bg1"/>
-                  </a:solidFill>
-                </a:rPr>
-                <a:t>VP Avionics</a:t>
-              </a:r>
+              <a:endParaRPr lang="en-US" sz="1000" dirty="0">
+                <a:solidFill>
+                  <a:schemeClr val="bg1"/>
+                </a:solidFill>
+              </a:endParaRPr>
             </a:p>
           </p:txBody>
         </p:sp>
@@ -7377,7 +7374,7 @@
                 <a16:creationId xmlns:a16="http://schemas.microsoft.com/office/drawing/2014/main" id="{E4B64F0C-D8B5-4B34-A22A-D85D0F7D2F51}"/>
               </a:ext>
               <a:ext uri="{C183D7F6-B498-43B3-948B-1728B52AA6E4}">
-                <adec:decorative xmlns="" xmlns:adec="http://schemas.microsoft.com/office/drawing/2017/decorative" val="1"/>
+                <adec:decorative xmlns:adec="http://schemas.microsoft.com/office/drawing/2017/decorative" xmlns="" val="1"/>
               </a:ext>
             </a:extLst>
           </p:cNvPr>
@@ -7386,7 +7383,7 @@
         </p:nvGrpSpPr>
         <p:grpSpPr>
           <a:xfrm>
-            <a:off x="6538310" y="2196201"/>
+            <a:off x="6505058" y="2196201"/>
             <a:ext cx="1386544" cy="544407"/>
             <a:chOff x="8010825" y="3090121"/>
             <a:chExt cx="1386544" cy="544407"/>
@@ -7589,7 +7586,15 @@
                     <a:schemeClr val="bg1"/>
                   </a:solidFill>
                 </a:rPr>
-                <a:t>VP Payload/Recovery</a:t>
+                <a:t>VP </a:t>
+              </a:r>
+              <a:r>
+                <a:rPr lang="en-US" sz="1000" dirty="0" smtClean="0">
+                  <a:solidFill>
+                    <a:schemeClr val="bg1"/>
+                  </a:solidFill>
+                </a:rPr>
+                <a:t>Avionics</a:t>
               </a:r>
               <a:endParaRPr lang="en-US" sz="1000" kern="1200" dirty="0">
                 <a:solidFill>
@@ -7608,7 +7613,7 @@
                 <a16:creationId xmlns:a16="http://schemas.microsoft.com/office/drawing/2014/main" id="{484B9E92-D14A-4F75-88C6-459716737C4A}"/>
               </a:ext>
               <a:ext uri="{C183D7F6-B498-43B3-948B-1728B52AA6E4}">
-                <adec:decorative xmlns="" xmlns:adec="http://schemas.microsoft.com/office/drawing/2017/decorative" val="1"/>
+                <adec:decorative xmlns:adec="http://schemas.microsoft.com/office/drawing/2017/decorative" xmlns="" val="1"/>
               </a:ext>
             </a:extLst>
           </p:cNvPr>
@@ -7617,7 +7622,7 @@
         </p:nvGrpSpPr>
         <p:grpSpPr>
           <a:xfrm>
-            <a:off x="8271659" y="2196201"/>
+            <a:off x="8238407" y="2196201"/>
             <a:ext cx="1387558" cy="544407"/>
             <a:chOff x="9744174" y="3090121"/>
             <a:chExt cx="1387558" cy="544407"/>
@@ -7996,7 +8001,7 @@
         </p:nvCxnSpPr>
         <p:spPr>
           <a:xfrm>
-            <a:off x="7222835" y="2767138"/>
+            <a:off x="7189583" y="2767138"/>
             <a:ext cx="0" cy="307844"/>
           </a:xfrm>
           <a:prstGeom prst="line">
@@ -8046,7 +8051,7 @@
         </p:nvCxnSpPr>
         <p:spPr>
           <a:xfrm>
-            <a:off x="8955775" y="2767138"/>
+            <a:off x="8922523" y="2767138"/>
             <a:ext cx="0" cy="307844"/>
           </a:xfrm>
           <a:prstGeom prst="line">
@@ -8096,7 +8101,7 @@
         </p:nvSpPr>
         <p:spPr>
           <a:xfrm>
-            <a:off x="8898568" y="2085070"/>
+            <a:off x="8865316" y="2085070"/>
             <a:ext cx="114414" cy="85961"/>
           </a:xfrm>
           <a:prstGeom prst="ellipse">
@@ -8140,7 +8145,7 @@
                 <a16:creationId xmlns:a16="http://schemas.microsoft.com/office/drawing/2014/main" id="{FA215D57-115E-4EA6-82EB-CB2CD22D4237}"/>
               </a:ext>
               <a:ext uri="{C183D7F6-B498-43B3-948B-1728B52AA6E4}">
-                <adec:decorative xmlns="" xmlns:adec="http://schemas.microsoft.com/office/drawing/2017/decorative" val="1"/>
+                <adec:decorative xmlns:adec="http://schemas.microsoft.com/office/drawing/2017/decorative" xmlns="" val="1"/>
               </a:ext>
             </a:extLst>
           </p:cNvPr>
@@ -8349,7 +8354,7 @@
                 <a16:creationId xmlns:a16="http://schemas.microsoft.com/office/drawing/2014/main" id="{F63E54AC-1CB7-43BF-B0A4-82DE6FEB1664}"/>
               </a:ext>
               <a:ext uri="{C183D7F6-B498-43B3-948B-1728B52AA6E4}">
-                <adec:decorative xmlns="" xmlns:adec="http://schemas.microsoft.com/office/drawing/2017/decorative" val="1"/>
+                <adec:decorative xmlns:adec="http://schemas.microsoft.com/office/drawing/2017/decorative" xmlns="" val="1"/>
               </a:ext>
             </a:extLst>
           </p:cNvPr>
@@ -8416,8 +8421,8 @@
         </p:nvCxnSpPr>
         <p:spPr>
           <a:xfrm rot="16200000" flipH="1">
-            <a:off x="7163666" y="292960"/>
-            <a:ext cx="635647" cy="2948571"/>
+            <a:off x="7147040" y="309586"/>
+            <a:ext cx="635647" cy="2915319"/>
           </a:xfrm>
           <a:prstGeom prst="bentConnector3">
             <a:avLst>
@@ -8514,7 +8519,7 @@
         </p:nvCxnSpPr>
         <p:spPr>
           <a:xfrm>
-            <a:off x="7188514" y="1941638"/>
+            <a:off x="7155262" y="1941638"/>
             <a:ext cx="0" cy="143431"/>
           </a:xfrm>
           <a:prstGeom prst="line">
@@ -8652,7 +8657,7 @@
                 <a16:creationId xmlns:a16="http://schemas.microsoft.com/office/drawing/2014/main" id="{4E2090BB-E0AA-4E59-A402-4D5BBD0CCF9E}"/>
               </a:ext>
               <a:ext uri="{C183D7F6-B498-43B3-948B-1728B52AA6E4}">
-                <adec:decorative xmlns="" xmlns:adec="http://schemas.microsoft.com/office/drawing/2017/decorative" val="1"/>
+                <adec:decorative xmlns:adec="http://schemas.microsoft.com/office/drawing/2017/decorative" xmlns="" val="1"/>
               </a:ext>
             </a:extLst>
           </p:cNvPr>
@@ -8883,7 +8888,7 @@
                 <a16:creationId xmlns:a16="http://schemas.microsoft.com/office/drawing/2014/main" id="{6AEEFE71-1C97-4DBC-9ACC-C13080165451}"/>
               </a:ext>
               <a:ext uri="{C183D7F6-B498-43B3-948B-1728B52AA6E4}">
-                <adec:decorative xmlns="" xmlns:adec="http://schemas.microsoft.com/office/drawing/2017/decorative" val="1"/>
+                <adec:decorative xmlns:adec="http://schemas.microsoft.com/office/drawing/2017/decorative" xmlns="" val="1"/>
               </a:ext>
             </a:extLst>
           </p:cNvPr>
@@ -9093,7 +9098,7 @@
                 <a16:creationId xmlns:a16="http://schemas.microsoft.com/office/drawing/2014/main" id="{3657C156-6995-4383-A3E5-6735FBB3712B}"/>
               </a:ext>
               <a:ext uri="{C183D7F6-B498-43B3-948B-1728B52AA6E4}">
-                <adec:decorative xmlns="" xmlns:adec="http://schemas.microsoft.com/office/drawing/2017/decorative" val="1"/>
+                <adec:decorative xmlns:adec="http://schemas.microsoft.com/office/drawing/2017/decorative" xmlns="" val="1"/>
               </a:ext>
             </a:extLst>
           </p:cNvPr>
@@ -9102,10 +9107,10 @@
         </p:nvGrpSpPr>
         <p:grpSpPr>
           <a:xfrm>
-            <a:off x="6567208" y="3850681"/>
-            <a:ext cx="1389615" cy="544407"/>
-            <a:chOff x="6277476" y="3090121"/>
-            <a:chExt cx="1389615" cy="544407"/>
+            <a:off x="6517330" y="3850681"/>
+            <a:ext cx="1406241" cy="544407"/>
+            <a:chOff x="6260850" y="3090121"/>
+            <a:chExt cx="1406241" cy="544407"/>
           </a:xfrm>
         </p:grpSpPr>
         <p:sp>
@@ -9122,7 +9127,7 @@
           </p:nvSpPr>
           <p:spPr>
             <a:xfrm>
-              <a:off x="6277476" y="3090121"/>
+              <a:off x="6260850" y="3090121"/>
               <a:ext cx="1368000" cy="509451"/>
             </a:xfrm>
             <a:prstGeom prst="rect">
@@ -9217,7 +9222,7 @@
               <a:avLst/>
             </a:prstGeom>
             <a:solidFill>
-              <a:srgbClr val="00B050"/>
+              <a:srgbClr val="0070C0"/>
             </a:solidFill>
             <a:ln>
               <a:noFill/>
@@ -9301,7 +9306,7 @@
                 <a16:creationId xmlns:a16="http://schemas.microsoft.com/office/drawing/2014/main" id="{B84B8C78-7BAA-4492-9B7B-23F196965004}"/>
               </a:ext>
               <a:ext uri="{C183D7F6-B498-43B3-948B-1728B52AA6E4}">
-                <adec:decorative xmlns="" xmlns:adec="http://schemas.microsoft.com/office/drawing/2017/decorative" val="1"/>
+                <adec:decorative xmlns:adec="http://schemas.microsoft.com/office/drawing/2017/decorative" xmlns="" val="1"/>
               </a:ext>
             </a:extLst>
           </p:cNvPr>
@@ -9310,7 +9315,7 @@
         </p:nvGrpSpPr>
         <p:grpSpPr>
           <a:xfrm>
-            <a:off x="6548664" y="3191982"/>
+            <a:off x="6515412" y="3191982"/>
             <a:ext cx="1386544" cy="544407"/>
             <a:chOff x="8010825" y="3090121"/>
             <a:chExt cx="1386544" cy="544407"/>
@@ -9524,7 +9529,7 @@
                 <a16:creationId xmlns:a16="http://schemas.microsoft.com/office/drawing/2014/main" id="{A7F885EA-DA86-4249-9CB4-CE59CE108D4C}"/>
               </a:ext>
               <a:ext uri="{C183D7F6-B498-43B3-948B-1728B52AA6E4}">
-                <adec:decorative xmlns="" xmlns:adec="http://schemas.microsoft.com/office/drawing/2017/decorative" val="1"/>
+                <adec:decorative xmlns:adec="http://schemas.microsoft.com/office/drawing/2017/decorative" xmlns="" val="1"/>
               </a:ext>
             </a:extLst>
           </p:cNvPr>
@@ -9533,7 +9538,7 @@
         </p:nvGrpSpPr>
         <p:grpSpPr>
           <a:xfrm>
-            <a:off x="8282013" y="3191982"/>
+            <a:off x="8248761" y="3191982"/>
             <a:ext cx="1387558" cy="544407"/>
             <a:chOff x="9744174" y="3090121"/>
             <a:chExt cx="1387558" cy="544407"/>
@@ -9767,7 +9772,7 @@
         </p:nvSpPr>
         <p:spPr>
           <a:xfrm>
-            <a:off x="8908922" y="3080851"/>
+            <a:off x="8875670" y="3080851"/>
             <a:ext cx="114414" cy="85961"/>
           </a:xfrm>
           <a:prstGeom prst="ellipse">
@@ -9811,7 +9816,7 @@
                 <a16:creationId xmlns:a16="http://schemas.microsoft.com/office/drawing/2014/main" id="{DFDF04A4-723B-4E94-82D9-05F9FA39A2CE}"/>
               </a:ext>
               <a:ext uri="{C183D7F6-B498-43B3-948B-1728B52AA6E4}">
-                <adec:decorative xmlns="" xmlns:adec="http://schemas.microsoft.com/office/drawing/2017/decorative" val="1"/>
+                <adec:decorative xmlns:adec="http://schemas.microsoft.com/office/drawing/2017/decorative" xmlns="" val="1"/>
               </a:ext>
             </a:extLst>
           </p:cNvPr>
@@ -10023,36 +10028,6 @@
       </p:grpSp>
       <p:pic>
         <p:nvPicPr>
-          <p:cNvPr id="194" name="Picture 193" descr="Close to ground shadow">
-            <a:extLst>
-              <a:ext uri="{FF2B5EF4-FFF2-40B4-BE49-F238E27FC236}">
-                <a16:creationId xmlns:a16="http://schemas.microsoft.com/office/drawing/2014/main" id="{05A5AB01-BE7D-41BD-AC16-4170D3BDBAB5}"/>
-              </a:ext>
-            </a:extLst>
-          </p:cNvPr>
-          <p:cNvPicPr>
-            <a:picLocks noChangeAspect="1"/>
-          </p:cNvPicPr>
-          <p:nvPr/>
-        </p:nvPicPr>
-        <p:blipFill>
-          <a:blip r:embed="rId3"/>
-          <a:stretch>
-            <a:fillRect/>
-          </a:stretch>
-        </p:blipFill>
-        <p:spPr>
-          <a:xfrm>
-            <a:off x="4414266" y="4644474"/>
-            <a:ext cx="3314700" cy="952499"/>
-          </a:xfrm>
-          <a:prstGeom prst="rect">
-            <a:avLst/>
-          </a:prstGeom>
-        </p:spPr>
-      </p:pic>
-      <p:pic>
-        <p:nvPicPr>
           <p:cNvPr id="195" name="Picture 194" descr="Close to ground shadow">
             <a:extLst>
               <a:ext uri="{FF2B5EF4-FFF2-40B4-BE49-F238E27FC236}">
@@ -10125,99 +10100,12 @@
         </p:nvGrpSpPr>
         <p:grpSpPr>
           <a:xfrm>
-            <a:off x="2380953" y="5614778"/>
-            <a:ext cx="8629165" cy="264929"/>
+            <a:off x="2380953" y="5623091"/>
+            <a:ext cx="7814531" cy="264929"/>
             <a:chOff x="563407" y="6385235"/>
-            <a:chExt cx="3296137" cy="108000"/>
+            <a:chExt cx="2984966" cy="108000"/>
           </a:xfrm>
         </p:grpSpPr>
-        <p:sp>
-          <p:nvSpPr>
-            <p:cNvPr id="188" name="Rectangle 187" descr="decorative element">
-              <a:extLst>
-                <a:ext uri="{FF2B5EF4-FFF2-40B4-BE49-F238E27FC236}">
-                  <a16:creationId xmlns:a16="http://schemas.microsoft.com/office/drawing/2014/main" id="{6BC32126-9B13-40D7-B2D5-DB8FB23E6E9F}"/>
-                </a:ext>
-              </a:extLst>
-            </p:cNvPr>
-            <p:cNvSpPr/>
-            <p:nvPr/>
-          </p:nvSpPr>
-          <p:spPr>
-            <a:xfrm>
-              <a:off x="1888625" y="6385235"/>
-              <a:ext cx="108000" cy="108000"/>
-            </a:xfrm>
-            <a:prstGeom prst="rect">
-              <a:avLst/>
-            </a:prstGeom>
-            <a:solidFill>
-              <a:srgbClr val="00B050"/>
-            </a:solidFill>
-            <a:ln>
-              <a:noFill/>
-            </a:ln>
-            <a:effectLst/>
-            <a:scene3d>
-              <a:camera prst="orthographicFront"/>
-              <a:lightRig rig="brightRoom" dir="t"/>
-            </a:scene3d>
-            <a:sp3d extrusionH="127000"/>
-          </p:spPr>
-          <p:style>
-            <a:lnRef idx="2">
-              <a:schemeClr val="accent1">
-                <a:hueOff val="0"/>
-                <a:satOff val="0"/>
-                <a:lumOff val="0"/>
-                <a:alphaOff val="0"/>
-              </a:schemeClr>
-            </a:lnRef>
-            <a:fillRef idx="1">
-              <a:scrgbClr r="0" g="0" b="0"/>
-            </a:fillRef>
-            <a:effectRef idx="0">
-              <a:schemeClr val="lt1">
-                <a:alpha val="90000"/>
-                <a:hueOff val="0"/>
-                <a:satOff val="0"/>
-                <a:lumOff val="0"/>
-                <a:alphaOff val="0"/>
-              </a:schemeClr>
-            </a:effectRef>
-            <a:fontRef idx="minor">
-              <a:schemeClr val="dk1">
-                <a:hueOff val="0"/>
-                <a:satOff val="0"/>
-                <a:lumOff val="0"/>
-                <a:alphaOff val="0"/>
-              </a:schemeClr>
-            </a:fontRef>
-          </p:style>
-          <p:txBody>
-            <a:bodyPr spcFirstLastPara="0" vert="horz" wrap="square" lIns="22860" tIns="5715" rIns="22860" bIns="5715" numCol="1" spcCol="1270" anchor="ctr" anchorCtr="0">
-              <a:noAutofit/>
-              <a:flatTx/>
-            </a:bodyPr>
-            <a:lstStyle/>
-            <a:p>
-              <a:pPr marL="0" lvl="0" indent="0" algn="ctr" defTabSz="400050">
-                <a:spcBef>
-                  <a:spcPct val="0"/>
-                </a:spcBef>
-                <a:spcAft>
-                  <a:spcPct val="35000"/>
-                </a:spcAft>
-                <a:buNone/>
-              </a:pPr>
-              <a:endParaRPr lang="en-US" sz="700" kern="1200" dirty="0">
-                <a:solidFill>
-                  <a:schemeClr val="bg1"/>
-                </a:solidFill>
-              </a:endParaRPr>
-            </a:p>
-          </p:txBody>
-        </p:sp>
         <p:sp>
           <p:nvSpPr>
             <p:cNvPr id="189" name="Rectangle 188" descr="decorative element">
@@ -10232,7 +10120,7 @@
           </p:nvSpPr>
           <p:spPr>
             <a:xfrm>
-              <a:off x="1240256" y="6385235"/>
+              <a:off x="1389490" y="6385235"/>
               <a:ext cx="108000" cy="108000"/>
             </a:xfrm>
             <a:prstGeom prst="rect">
@@ -10492,7 +10380,7 @@
           </p:nvSpPr>
           <p:spPr>
             <a:xfrm>
-              <a:off x="1383007" y="6385235"/>
+              <a:off x="1532243" y="6385235"/>
               <a:ext cx="486599" cy="108000"/>
             </a:xfrm>
             <a:prstGeom prst="rect">
@@ -10563,89 +10451,6 @@
         </p:sp>
         <p:sp>
           <p:nvSpPr>
-            <p:cNvPr id="193" name="Rectangle 192" descr="decorative element">
-              <a:extLst>
-                <a:ext uri="{FF2B5EF4-FFF2-40B4-BE49-F238E27FC236}">
-                  <a16:creationId xmlns:a16="http://schemas.microsoft.com/office/drawing/2014/main" id="{779B112B-50F8-4636-9B3C-2DC4DBBF5DFD}"/>
-                </a:ext>
-              </a:extLst>
-            </p:cNvPr>
-            <p:cNvSpPr/>
-            <p:nvPr/>
-          </p:nvSpPr>
-          <p:spPr>
-            <a:xfrm>
-              <a:off x="2046240" y="6385235"/>
-              <a:ext cx="629350" cy="108000"/>
-            </a:xfrm>
-            <a:prstGeom prst="rect">
-              <a:avLst/>
-            </a:prstGeom>
-            <a:noFill/>
-            <a:ln w="3175">
-              <a:noFill/>
-            </a:ln>
-            <a:effectLst/>
-            <a:scene3d>
-              <a:camera prst="orthographicFront"/>
-              <a:lightRig rig="soft" dir="t"/>
-            </a:scene3d>
-            <a:sp3d extrusionH="127000" prstMaterial="matte">
-              <a:contourClr>
-                <a:schemeClr val="tx1">
-                  <a:lumMod val="50000"/>
-                  <a:lumOff val="50000"/>
-                </a:schemeClr>
-              </a:contourClr>
-            </a:sp3d>
-          </p:spPr>
-          <p:style>
-            <a:lnRef idx="2">
-              <a:scrgbClr r="0" g="0" b="0"/>
-            </a:lnRef>
-            <a:fillRef idx="1">
-              <a:scrgbClr r="0" g="0" b="0"/>
-            </a:fillRef>
-            <a:effectRef idx="0">
-              <a:schemeClr val="accent1">
-                <a:hueOff val="0"/>
-                <a:satOff val="0"/>
-                <a:lumOff val="0"/>
-                <a:alphaOff val="0"/>
-              </a:schemeClr>
-            </a:effectRef>
-            <a:fontRef idx="minor">
-              <a:schemeClr val="lt1"/>
-            </a:fontRef>
-          </p:style>
-          <p:txBody>
-            <a:bodyPr spcFirstLastPara="0" vert="horz" wrap="square" lIns="5715" tIns="0" rIns="5715" bIns="0" numCol="1" spcCol="1270" anchor="ctr" anchorCtr="0">
-              <a:noAutofit/>
-              <a:flatTx/>
-            </a:bodyPr>
-            <a:lstStyle/>
-            <a:p>
-              <a:pPr defTabSz="400050">
-                <a:spcBef>
-                  <a:spcPct val="0"/>
-                </a:spcBef>
-                <a:spcAft>
-                  <a:spcPct val="35000"/>
-                </a:spcAft>
-              </a:pPr>
-              <a:r>
-                <a:rPr lang="en-US" sz="1000" dirty="0">
-                  <a:solidFill>
-                    <a:schemeClr val="tx1"/>
-                  </a:solidFill>
-                </a:rPr>
-                <a:t>Avionics</a:t>
-              </a:r>
-            </a:p>
-          </p:txBody>
-        </p:sp>
-        <p:sp>
-          <p:nvSpPr>
             <p:cNvPr id="198" name="Rectangle 197" descr="decorative element">
               <a:extLst>
                 <a:ext uri="{FF2B5EF4-FFF2-40B4-BE49-F238E27FC236}">
@@ -10658,7 +10463,7 @@
           </p:nvSpPr>
           <p:spPr>
             <a:xfrm>
-              <a:off x="3230194" y="6385235"/>
+              <a:off x="2919023" y="6385235"/>
               <a:ext cx="108000" cy="108000"/>
             </a:xfrm>
             <a:prstGeom prst="rect">
@@ -10745,7 +10550,7 @@
           </p:nvSpPr>
           <p:spPr>
             <a:xfrm>
-              <a:off x="2587255" y="6385235"/>
+              <a:off x="2152248" y="6385235"/>
               <a:ext cx="108000" cy="108000"/>
             </a:xfrm>
             <a:prstGeom prst="rect">
@@ -10832,7 +10637,7 @@
           </p:nvSpPr>
           <p:spPr>
             <a:xfrm>
-              <a:off x="2728195" y="6385235"/>
+              <a:off x="2293190" y="6385235"/>
               <a:ext cx="542435" cy="108000"/>
             </a:xfrm>
             <a:prstGeom prst="rect">
@@ -10915,7 +10720,7 @@
           </p:nvSpPr>
           <p:spPr>
             <a:xfrm>
-              <a:off x="3372945" y="6385235"/>
+              <a:off x="3061774" y="6385235"/>
               <a:ext cx="486599" cy="108000"/>
             </a:xfrm>
             <a:prstGeom prst="rect">
@@ -11104,141 +10909,6 @@
       </p:sp>
       <p:sp>
         <p:nvSpPr>
-          <p:cNvPr id="2" name="TextBox 1">
-            <a:extLst>
-              <a:ext uri="{FF2B5EF4-FFF2-40B4-BE49-F238E27FC236}">
-                <a16:creationId xmlns:a16="http://schemas.microsoft.com/office/drawing/2014/main" id="{0133B574-FFD8-4794-8D06-074170AD9E84}"/>
-              </a:ext>
-            </a:extLst>
-          </p:cNvPr>
-          <p:cNvSpPr txBox="1"/>
-          <p:nvPr/>
-        </p:nvSpPr>
-        <p:spPr>
-          <a:xfrm>
-            <a:off x="10369118" y="1257442"/>
-            <a:ext cx="1620019" cy="2123658"/>
-          </a:xfrm>
-          <a:prstGeom prst="rect">
-            <a:avLst/>
-          </a:prstGeom>
-          <a:noFill/>
-        </p:spPr>
-        <p:txBody>
-          <a:bodyPr wrap="square" rtlCol="0">
-            <a:spAutoFit/>
-          </a:bodyPr>
-          <a:lstStyle/>
-          <a:p>
-            <a:pPr algn="r"/>
-            <a:r>
-              <a:rPr lang="en-US" sz="1200" dirty="0"/>
-              <a:t>Charlie Nitschelm - ME</a:t>
-            </a:r>
-          </a:p>
-          <a:p>
-            <a:pPr algn="r"/>
-            <a:r>
-              <a:rPr lang="en-US" sz="1200" dirty="0"/>
-              <a:t>Thomas Collins - ME</a:t>
-            </a:r>
-          </a:p>
-          <a:p>
-            <a:pPr algn="r"/>
-            <a:r>
-              <a:rPr lang="en-US" sz="1200" dirty="0"/>
-              <a:t>Silas Johnson - ME</a:t>
-            </a:r>
-          </a:p>
-          <a:p>
-            <a:pPr algn="r"/>
-            <a:r>
-              <a:rPr lang="en-US" sz="1200" dirty="0"/>
-              <a:t>Ben </a:t>
-            </a:r>
-            <a:r>
-              <a:rPr lang="en-US" sz="1200" dirty="0" err="1"/>
-              <a:t>Letoureau</a:t>
-            </a:r>
-            <a:r>
-              <a:rPr lang="en-US" sz="1200" dirty="0"/>
-              <a:t> - EE</a:t>
-            </a:r>
-          </a:p>
-          <a:p>
-            <a:pPr algn="r"/>
-            <a:r>
-              <a:rPr lang="en-US" sz="1200" dirty="0"/>
-              <a:t>Lucas Simmonds - ME</a:t>
-            </a:r>
-          </a:p>
-          <a:p>
-            <a:pPr algn="r"/>
-            <a:r>
-              <a:rPr lang="en-US" sz="1200" dirty="0"/>
-              <a:t>Carly </a:t>
-            </a:r>
-            <a:r>
-              <a:rPr lang="en-US" sz="1200" dirty="0" err="1"/>
-              <a:t>Benik</a:t>
-            </a:r>
-            <a:r>
-              <a:rPr lang="en-US" sz="1200" dirty="0"/>
-              <a:t> – ME</a:t>
-            </a:r>
-          </a:p>
-          <a:p>
-            <a:pPr algn="r"/>
-            <a:r>
-              <a:rPr lang="en-US" sz="1200" dirty="0"/>
-              <a:t>Megan Johnson - EE</a:t>
-            </a:r>
-          </a:p>
-          <a:p>
-            <a:pPr algn="r"/>
-            <a:r>
-              <a:rPr lang="en-US" sz="1200" dirty="0"/>
-              <a:t>Ross Thyne - ME</a:t>
-            </a:r>
-          </a:p>
-          <a:p>
-            <a:pPr algn="r"/>
-            <a:r>
-              <a:rPr lang="en-US" sz="1200" dirty="0"/>
-              <a:t>Thomas Pham - EE</a:t>
-            </a:r>
-          </a:p>
-          <a:p>
-            <a:pPr algn="r"/>
-            <a:r>
-              <a:rPr lang="en-US" sz="1200" dirty="0"/>
-              <a:t>Zach </a:t>
-            </a:r>
-            <a:r>
-              <a:rPr lang="en-US" sz="1200" dirty="0" err="1"/>
-              <a:t>Raboin</a:t>
-            </a:r>
-            <a:r>
-              <a:rPr lang="en-US" sz="1200" dirty="0"/>
-              <a:t> – </a:t>
-            </a:r>
-            <a:r>
-              <a:rPr lang="en-US" sz="1200" dirty="0" smtClean="0"/>
-              <a:t>ME</a:t>
-            </a:r>
-          </a:p>
-          <a:p>
-            <a:pPr algn="r"/>
-            <a:r>
-              <a:rPr lang="en-US" sz="1200" dirty="0" smtClean="0"/>
-              <a:t>Andrew Masters – ME</a:t>
-            </a:r>
-            <a:endParaRPr lang="en-US" sz="1200" dirty="0"/>
-          </a:p>
-        </p:txBody>
-      </p:sp>
-      <p:sp>
-        <p:nvSpPr>
           <p:cNvPr id="93" name="TextBox 92">
             <a:extLst>
               <a:ext uri="{FF2B5EF4-FFF2-40B4-BE49-F238E27FC236}">
@@ -11251,7 +10921,7 @@
         </p:nvSpPr>
         <p:spPr>
           <a:xfrm>
-            <a:off x="6817239" y="2808495"/>
+            <a:off x="6783987" y="2808495"/>
             <a:ext cx="850782" cy="270920"/>
           </a:xfrm>
           <a:prstGeom prst="rect">
@@ -14276,23 +13946,6 @@
 </file>
 
 <file path=customXml/item1.xml><?xml version="1.0" encoding="utf-8"?>
-<p:properties xmlns:p="http://schemas.microsoft.com/office/2006/metadata/properties" xmlns:xsi="http://www.w3.org/2001/XMLSchema-instance" xmlns:pc="http://schemas.microsoft.com/office/infopath/2007/PartnerControls">
-  <documentManagement>
-    <MediaServiceKeyPoints xmlns="71af3243-3dd4-4a8d-8c0d-dd76da1f02a5" xsi:nil="true"/>
-  </documentManagement>
-</p:properties>
-</file>
-
-<file path=customXml/item2.xml><?xml version="1.0" encoding="utf-8"?>
-<?mso-contentType ?>
-<FormTemplates xmlns="http://schemas.microsoft.com/sharepoint/v3/contenttype/forms">
-  <Display>DocumentLibraryForm</Display>
-  <Edit>DocumentLibraryForm</Edit>
-  <New>DocumentLibraryForm</New>
-</FormTemplates>
-</file>
-
-<file path=customXml/item3.xml><?xml version="1.0" encoding="utf-8"?>
 <ct:contentTypeSchema xmlns:ct="http://schemas.microsoft.com/office/2006/metadata/contentType" xmlns:ma="http://schemas.microsoft.com/office/2006/metadata/properties/metaAttributes" ct:_="" ma:_="" ma:contentTypeName="Document" ma:contentTypeID="0x01010079F111ED35F8CC479449609E8A0923A6" ma:contentTypeVersion="11" ma:contentTypeDescription="Create a new document." ma:contentTypeScope="" ma:versionID="9677210f24a1be23c92c90fd886aa0aa">
   <xsd:schema xmlns:xsd="http://www.w3.org/2001/XMLSchema" xmlns:xs="http://www.w3.org/2001/XMLSchema" xmlns:p="http://schemas.microsoft.com/office/2006/metadata/properties" xmlns:ns2="71af3243-3dd4-4a8d-8c0d-dd76da1f02a5" xmlns:ns3="16c05727-aa75-4e4a-9b5f-8a80a1165891" targetNamespace="http://schemas.microsoft.com/office/2006/metadata/properties" ma:root="true" ma:fieldsID="60e05723c5c1908df1a1a4ebf11d344e" ns2:_="" ns3:_="">
     <xsd:import namespace="71af3243-3dd4-4a8d-8c0d-dd76da1f02a5"/>
@@ -14503,32 +14156,24 @@
 </ct:contentTypeSchema>
 </file>
 
-<file path=customXml/itemProps1.xml><?xml version="1.0" encoding="utf-8"?>
-<ds:datastoreItem xmlns:ds="http://schemas.openxmlformats.org/officeDocument/2006/customXml" ds:itemID="{3C2AD4FE-5267-4953-9D66-004581AED1F0}">
-  <ds:schemaRefs>
-    <ds:schemaRef ds:uri="http://purl.org/dc/elements/1.1/"/>
-    <ds:schemaRef ds:uri="http://schemas.microsoft.com/office/2006/metadata/properties"/>
-    <ds:schemaRef ds:uri="http://purl.org/dc/terms/"/>
-    <ds:schemaRef ds:uri="http://schemas.openxmlformats.org/package/2006/metadata/core-properties"/>
-    <ds:schemaRef ds:uri="16c05727-aa75-4e4a-9b5f-8a80a1165891"/>
-    <ds:schemaRef ds:uri="http://schemas.microsoft.com/office/2006/documentManagement/types"/>
-    <ds:schemaRef ds:uri="http://schemas.microsoft.com/office/infopath/2007/PartnerControls"/>
-    <ds:schemaRef ds:uri="71af3243-3dd4-4a8d-8c0d-dd76da1f02a5"/>
-    <ds:schemaRef ds:uri="http://www.w3.org/XML/1998/namespace"/>
-    <ds:schemaRef ds:uri="http://purl.org/dc/dcmitype/"/>
-  </ds:schemaRefs>
-</ds:datastoreItem>
+<file path=customXml/item2.xml><?xml version="1.0" encoding="utf-8"?>
+<?mso-contentType ?>
+<FormTemplates xmlns="http://schemas.microsoft.com/sharepoint/v3/contenttype/forms">
+  <Display>DocumentLibraryForm</Display>
+  <Edit>DocumentLibraryForm</Edit>
+  <New>DocumentLibraryForm</New>
+</FormTemplates>
 </file>
 
-<file path=customXml/itemProps2.xml><?xml version="1.0" encoding="utf-8"?>
-<ds:datastoreItem xmlns:ds="http://schemas.openxmlformats.org/officeDocument/2006/customXml" ds:itemID="{9082A0F6-5C05-4A60-9DD8-B772877A4F89}">
-  <ds:schemaRefs>
-    <ds:schemaRef ds:uri="http://schemas.microsoft.com/sharepoint/v3/contenttype/forms"/>
-  </ds:schemaRefs>
-</ds:datastoreItem>
+<file path=customXml/item3.xml><?xml version="1.0" encoding="utf-8"?>
+<p:properties xmlns:p="http://schemas.microsoft.com/office/2006/metadata/properties" xmlns:xsi="http://www.w3.org/2001/XMLSchema-instance" xmlns:pc="http://schemas.microsoft.com/office/infopath/2007/PartnerControls">
+  <documentManagement>
+    <MediaServiceKeyPoints xmlns="71af3243-3dd4-4a8d-8c0d-dd76da1f02a5" xsi:nil="true"/>
+  </documentManagement>
+</p:properties>
 </file>
 
-<file path=customXml/itemProps3.xml><?xml version="1.0" encoding="utf-8"?>
+<file path=customXml/itemProps1.xml><?xml version="1.0" encoding="utf-8"?>
 <ds:datastoreItem xmlns:ds="http://schemas.openxmlformats.org/officeDocument/2006/customXml" ds:itemID="{840DE65C-3715-41A1-996C-103EA7902D46}">
   <ds:schemaRefs>
     <ds:schemaRef ds:uri="http://schemas.microsoft.com/office/2006/metadata/contentType"/>
@@ -14545,4 +14190,29 @@
     <ds:schemaRef ds:uri="http://schemas.microsoft.com/internal/obd"/>
   </ds:schemaRefs>
 </ds:datastoreItem>
+</file>
+
+<file path=customXml/itemProps2.xml><?xml version="1.0" encoding="utf-8"?>
+<ds:datastoreItem xmlns:ds="http://schemas.openxmlformats.org/officeDocument/2006/customXml" ds:itemID="{9082A0F6-5C05-4A60-9DD8-B772877A4F89}">
+  <ds:schemaRefs>
+    <ds:schemaRef ds:uri="http://schemas.microsoft.com/sharepoint/v3/contenttype/forms"/>
+  </ds:schemaRefs>
+</ds:datastoreItem>
+</file>
+
+<file path=customXml/itemProps3.xml><?xml version="1.0" encoding="utf-8"?>
+<ds:datastoreItem xmlns:ds="http://schemas.openxmlformats.org/officeDocument/2006/customXml" ds:itemID="{3C2AD4FE-5267-4953-9D66-004581AED1F0}">
+  <ds:schemaRefs>
+    <ds:schemaRef ds:uri="http://purl.org/dc/elements/1.1/"/>
+    <ds:schemaRef ds:uri="http://schemas.microsoft.com/office/2006/metadata/properties"/>
+    <ds:schemaRef ds:uri="http://purl.org/dc/terms/"/>
+    <ds:schemaRef ds:uri="http://schemas.openxmlformats.org/package/2006/metadata/core-properties"/>
+    <ds:schemaRef ds:uri="16c05727-aa75-4e4a-9b5f-8a80a1165891"/>
+    <ds:schemaRef ds:uri="http://schemas.microsoft.com/office/2006/documentManagement/types"/>
+    <ds:schemaRef ds:uri="http://schemas.microsoft.com/office/infopath/2007/PartnerControls"/>
+    <ds:schemaRef ds:uri="71af3243-3dd4-4a8d-8c0d-dd76da1f02a5"/>
+    <ds:schemaRef ds:uri="http://www.w3.org/XML/1998/namespace"/>
+    <ds:schemaRef ds:uri="http://purl.org/dc/dcmitype/"/>
+  </ds:schemaRefs>
+</ds:datastoreItem>
 </file>
--- a/Engineering/2019-2020/Engineering Management/Engineering Organization Chart.pptx
+++ b/Engineering/2019-2020/Engineering Management/Engineering Organization Chart.pptx
@@ -6574,66 +6574,6 @@
           <a:chExt cx="0" cy="0"/>
         </a:xfrm>
       </p:grpSpPr>
-      <p:pic>
-        <p:nvPicPr>
-          <p:cNvPr id="118" name="Picture 117" descr="Close to ground shadow">
-            <a:extLst>
-              <a:ext uri="{FF2B5EF4-FFF2-40B4-BE49-F238E27FC236}">
-                <a16:creationId xmlns:a16="http://schemas.microsoft.com/office/drawing/2014/main" id="{04E5C79A-5F03-432C-A7DD-F56A019FB863}"/>
-              </a:ext>
-            </a:extLst>
-          </p:cNvPr>
-          <p:cNvPicPr>
-            <a:picLocks noChangeAspect="1"/>
-          </p:cNvPicPr>
-          <p:nvPr/>
-        </p:nvPicPr>
-        <p:blipFill>
-          <a:blip r:embed="rId3"/>
-          <a:stretch>
-            <a:fillRect/>
-          </a:stretch>
-        </p:blipFill>
-        <p:spPr>
-          <a:xfrm>
-            <a:off x="2638593" y="4644474"/>
-            <a:ext cx="3314700" cy="952499"/>
-          </a:xfrm>
-          <a:prstGeom prst="rect">
-            <a:avLst/>
-          </a:prstGeom>
-        </p:spPr>
-      </p:pic>
-      <p:pic>
-        <p:nvPicPr>
-          <p:cNvPr id="16" name="Picture 15" descr="Close to ground shadow">
-            <a:extLst>
-              <a:ext uri="{FF2B5EF4-FFF2-40B4-BE49-F238E27FC236}">
-                <a16:creationId xmlns:a16="http://schemas.microsoft.com/office/drawing/2014/main" id="{0A57B658-F220-4FEC-8A15-072CE739D03D}"/>
-              </a:ext>
-            </a:extLst>
-          </p:cNvPr>
-          <p:cNvPicPr>
-            <a:picLocks noChangeAspect="1"/>
-          </p:cNvPicPr>
-          <p:nvPr/>
-        </p:nvPicPr>
-        <p:blipFill>
-          <a:blip r:embed="rId3"/>
-          <a:stretch>
-            <a:fillRect/>
-          </a:stretch>
-        </p:blipFill>
-        <p:spPr>
-          <a:xfrm>
-            <a:off x="921553" y="4679985"/>
-            <a:ext cx="3314700" cy="952499"/>
-          </a:xfrm>
-          <a:prstGeom prst="rect">
-            <a:avLst/>
-          </a:prstGeom>
-        </p:spPr>
-      </p:pic>
       <p:sp>
         <p:nvSpPr>
           <p:cNvPr id="4" name="Title 3" descr="decorative element"/>
@@ -6696,7 +6636,7 @@
                 <a16:creationId xmlns:a16="http://schemas.microsoft.com/office/drawing/2014/main" id="{6B70B1D5-F5F8-429D-818A-E1CFA491E8B4}"/>
               </a:ext>
               <a:ext uri="{C183D7F6-B498-43B3-948B-1728B52AA6E4}">
-                <adec:decorative xmlns:adec="http://schemas.microsoft.com/office/drawing/2017/decorative" xmlns="" val="1"/>
+                <adec:decorative xmlns="" xmlns:adec="http://schemas.microsoft.com/office/drawing/2017/decorative" val="1"/>
               </a:ext>
             </a:extLst>
           </p:cNvPr>
@@ -6705,7 +6645,7 @@
         </p:nvGrpSpPr>
         <p:grpSpPr>
           <a:xfrm>
-            <a:off x="2560235" y="2196201"/>
+            <a:off x="2502044" y="1630917"/>
             <a:ext cx="1386596" cy="544407"/>
             <a:chOff x="2810778" y="3090121"/>
             <a:chExt cx="1386596" cy="544407"/>
@@ -6917,7 +6857,7 @@
                 <a16:creationId xmlns:a16="http://schemas.microsoft.com/office/drawing/2014/main" id="{1D0C17FD-0081-40EF-A9FD-74C7001B881A}"/>
               </a:ext>
               <a:ext uri="{C183D7F6-B498-43B3-948B-1728B52AA6E4}">
-                <adec:decorative xmlns:adec="http://schemas.microsoft.com/office/drawing/2017/decorative" xmlns="" val="1"/>
+                <adec:decorative xmlns="" xmlns:adec="http://schemas.microsoft.com/office/drawing/2017/decorative" val="1"/>
               </a:ext>
             </a:extLst>
           </p:cNvPr>
@@ -6926,7 +6866,7 @@
         </p:nvGrpSpPr>
         <p:grpSpPr>
           <a:xfrm>
-            <a:off x="4293584" y="2196201"/>
+            <a:off x="4293584" y="1630917"/>
             <a:ext cx="1388313" cy="544407"/>
             <a:chOff x="4544127" y="3090121"/>
             <a:chExt cx="1388313" cy="544407"/>
@@ -7130,7 +7070,7 @@
                 <a16:creationId xmlns:a16="http://schemas.microsoft.com/office/drawing/2014/main" id="{86A6D505-4CAD-4827-A8B4-1F7AC0D804FA}"/>
               </a:ext>
               <a:ext uri="{C183D7F6-B498-43B3-948B-1728B52AA6E4}">
-                <adec:decorative xmlns:adec="http://schemas.microsoft.com/office/drawing/2017/decorative" xmlns="" val="1"/>
+                <adec:decorative xmlns="" xmlns:adec="http://schemas.microsoft.com/office/drawing/2017/decorative" val="1"/>
               </a:ext>
             </a:extLst>
           </p:cNvPr>
@@ -7139,7 +7079,7 @@
         </p:nvGrpSpPr>
         <p:grpSpPr>
           <a:xfrm>
-            <a:off x="6521684" y="4511819"/>
+            <a:off x="6498209" y="3994563"/>
             <a:ext cx="1389615" cy="544407"/>
             <a:chOff x="6277476" y="3090121"/>
             <a:chExt cx="1389615" cy="544407"/>
@@ -7374,7 +7314,7 @@
                 <a16:creationId xmlns:a16="http://schemas.microsoft.com/office/drawing/2014/main" id="{E4B64F0C-D8B5-4B34-A22A-D85D0F7D2F51}"/>
               </a:ext>
               <a:ext uri="{C183D7F6-B498-43B3-948B-1728B52AA6E4}">
-                <adec:decorative xmlns:adec="http://schemas.microsoft.com/office/drawing/2017/decorative" xmlns="" val="1"/>
+                <adec:decorative xmlns="" xmlns:adec="http://schemas.microsoft.com/office/drawing/2017/decorative" val="1"/>
               </a:ext>
             </a:extLst>
           </p:cNvPr>
@@ -7383,7 +7323,7 @@
         </p:nvGrpSpPr>
         <p:grpSpPr>
           <a:xfrm>
-            <a:off x="6505058" y="2196201"/>
+            <a:off x="6505058" y="1630917"/>
             <a:ext cx="1386544" cy="544407"/>
             <a:chOff x="8010825" y="3090121"/>
             <a:chExt cx="1386544" cy="544407"/>
@@ -7613,7 +7553,7 @@
                 <a16:creationId xmlns:a16="http://schemas.microsoft.com/office/drawing/2014/main" id="{484B9E92-D14A-4F75-88C6-459716737C4A}"/>
               </a:ext>
               <a:ext uri="{C183D7F6-B498-43B3-948B-1728B52AA6E4}">
-                <adec:decorative xmlns:adec="http://schemas.microsoft.com/office/drawing/2017/decorative" xmlns="" val="1"/>
+                <adec:decorative xmlns="" xmlns:adec="http://schemas.microsoft.com/office/drawing/2017/decorative" val="1"/>
               </a:ext>
             </a:extLst>
           </p:cNvPr>
@@ -7622,7 +7562,7 @@
         </p:nvGrpSpPr>
         <p:grpSpPr>
           <a:xfrm>
-            <a:off x="8238407" y="2196201"/>
+            <a:off x="8238407" y="1630917"/>
             <a:ext cx="1387558" cy="544407"/>
             <a:chOff x="9744174" y="3090121"/>
             <a:chExt cx="1387558" cy="544407"/>
@@ -7851,7 +7791,7 @@
         </p:nvCxnSpPr>
         <p:spPr>
           <a:xfrm>
-            <a:off x="3245993" y="2767138"/>
+            <a:off x="3187802" y="2218480"/>
             <a:ext cx="0" cy="307844"/>
           </a:xfrm>
           <a:prstGeom prst="line">
@@ -7901,57 +7841,7 @@
         </p:nvCxnSpPr>
         <p:spPr>
           <a:xfrm>
-            <a:off x="4978931" y="2767138"/>
-            <a:ext cx="0" cy="307844"/>
-          </a:xfrm>
-          <a:prstGeom prst="line">
-            <a:avLst/>
-          </a:prstGeom>
-          <a:ln w="3175">
-            <a:solidFill>
-              <a:schemeClr val="bg1">
-                <a:lumMod val="75000"/>
-              </a:schemeClr>
-            </a:solidFill>
-            <a:prstDash val="solid"/>
-            <a:headEnd type="none" w="sm" len="sm"/>
-            <a:tailEnd type="none" w="sm" len="sm"/>
-          </a:ln>
-          <a:scene3d>
-            <a:camera prst="obliqueTopLeft"/>
-            <a:lightRig rig="threePt" dir="t"/>
-          </a:scene3d>
-        </p:spPr>
-        <p:style>
-          <a:lnRef idx="1">
-            <a:schemeClr val="accent1"/>
-          </a:lnRef>
-          <a:fillRef idx="0">
-            <a:schemeClr val="accent1"/>
-          </a:fillRef>
-          <a:effectRef idx="0">
-            <a:schemeClr val="accent1"/>
-          </a:effectRef>
-          <a:fontRef idx="minor">
-            <a:schemeClr val="tx1"/>
-          </a:fontRef>
-        </p:style>
-      </p:cxnSp>
-      <p:cxnSp>
-        <p:nvCxnSpPr>
-          <p:cNvPr id="85" name="Straight Connector 84" descr="decorative element">
-            <a:extLst>
-              <a:ext uri="{FF2B5EF4-FFF2-40B4-BE49-F238E27FC236}">
-                <a16:creationId xmlns:a16="http://schemas.microsoft.com/office/drawing/2014/main" id="{338A3F58-952C-4C6C-BE73-668B41F8708D}"/>
-              </a:ext>
-            </a:extLst>
-          </p:cNvPr>
-          <p:cNvCxnSpPr/>
-          <p:nvPr/>
-        </p:nvCxnSpPr>
-        <p:spPr>
-          <a:xfrm>
-            <a:off x="6030228" y="2767138"/>
+            <a:off x="4978931" y="2201854"/>
             <a:ext cx="0" cy="307844"/>
           </a:xfrm>
           <a:prstGeom prst="line">
@@ -8001,7 +7891,7 @@
         </p:nvCxnSpPr>
         <p:spPr>
           <a:xfrm>
-            <a:off x="7189583" y="2767138"/>
+            <a:off x="7189583" y="2201854"/>
             <a:ext cx="0" cy="307844"/>
           </a:xfrm>
           <a:prstGeom prst="line">
@@ -8051,7 +7941,7 @@
         </p:nvCxnSpPr>
         <p:spPr>
           <a:xfrm>
-            <a:off x="8922523" y="2767138"/>
+            <a:off x="8922523" y="2201854"/>
             <a:ext cx="0" cy="307844"/>
           </a:xfrm>
           <a:prstGeom prst="line">
@@ -8101,7 +7991,7 @@
         </p:nvSpPr>
         <p:spPr>
           <a:xfrm>
-            <a:off x="8865316" y="2085070"/>
+            <a:off x="8865316" y="1519786"/>
             <a:ext cx="114414" cy="85961"/>
           </a:xfrm>
           <a:prstGeom prst="ellipse">
@@ -8145,7 +8035,7 @@
                 <a16:creationId xmlns:a16="http://schemas.microsoft.com/office/drawing/2014/main" id="{FA215D57-115E-4EA6-82EB-CB2CD22D4237}"/>
               </a:ext>
               <a:ext uri="{C183D7F6-B498-43B3-948B-1728B52AA6E4}">
-                <adec:decorative xmlns:adec="http://schemas.microsoft.com/office/drawing/2017/decorative" xmlns="" val="1"/>
+                <adec:decorative xmlns="" xmlns:adec="http://schemas.microsoft.com/office/drawing/2017/decorative" val="1"/>
               </a:ext>
             </a:extLst>
           </p:cNvPr>
@@ -8154,7 +8044,7 @@
         </p:nvGrpSpPr>
         <p:grpSpPr>
           <a:xfrm>
-            <a:off x="4927203" y="854011"/>
+            <a:off x="4927203" y="288727"/>
             <a:ext cx="2160000" cy="511431"/>
             <a:chOff x="5016000" y="1040449"/>
             <a:chExt cx="2160000" cy="511431"/>
@@ -8328,7 +8218,7 @@
                 <a:buNone/>
               </a:pPr>
               <a:r>
-                <a:rPr lang="en-US" sz="1000" dirty="0">
+                <a:rPr lang="en-US" sz="1000" dirty="0" smtClean="0">
                   <a:solidFill>
                     <a:schemeClr val="bg1"/>
                   </a:solidFill>
@@ -8354,7 +8244,7 @@
                 <a16:creationId xmlns:a16="http://schemas.microsoft.com/office/drawing/2014/main" id="{F63E54AC-1CB7-43BF-B0A4-82DE6FEB1664}"/>
               </a:ext>
               <a:ext uri="{C183D7F6-B498-43B3-948B-1728B52AA6E4}">
-                <adec:decorative xmlns:adec="http://schemas.microsoft.com/office/drawing/2017/decorative" xmlns="" val="1"/>
+                <adec:decorative xmlns="" xmlns:adec="http://schemas.microsoft.com/office/drawing/2017/decorative" val="1"/>
               </a:ext>
             </a:extLst>
           </p:cNvPr>
@@ -8363,7 +8253,7 @@
         </p:nvSpPr>
         <p:spPr>
           <a:xfrm>
-            <a:off x="5964223" y="1363462"/>
+            <a:off x="5964223" y="798178"/>
             <a:ext cx="85961" cy="85961"/>
           </a:xfrm>
           <a:prstGeom prst="ellipse">
@@ -8421,7 +8311,7 @@
         </p:nvCxnSpPr>
         <p:spPr>
           <a:xfrm rot="16200000" flipH="1">
-            <a:off x="7147040" y="309586"/>
+            <a:off x="7147040" y="-255698"/>
             <a:ext cx="635647" cy="2915319"/>
           </a:xfrm>
           <a:prstGeom prst="bentConnector3">
@@ -8471,8 +8361,8 @@
         </p:nvCxnSpPr>
         <p:spPr>
           <a:xfrm>
-            <a:off x="4990374" y="1941638"/>
-            <a:ext cx="0" cy="143431"/>
+            <a:off x="4978931" y="1209234"/>
+            <a:ext cx="0" cy="310551"/>
           </a:xfrm>
           <a:prstGeom prst="line">
             <a:avLst/>
@@ -8519,8 +8409,8 @@
         </p:nvCxnSpPr>
         <p:spPr>
           <a:xfrm>
-            <a:off x="7155262" y="1941638"/>
-            <a:ext cx="0" cy="143431"/>
+            <a:off x="7087203" y="1201609"/>
+            <a:ext cx="0" cy="318176"/>
           </a:xfrm>
           <a:prstGeom prst="line">
             <a:avLst/>
@@ -8567,7 +8457,7 @@
         </p:nvCxnSpPr>
         <p:spPr>
           <a:xfrm flipV="1">
-            <a:off x="3203338" y="1483656"/>
+            <a:off x="3203338" y="918372"/>
             <a:ext cx="2794987" cy="283237"/>
           </a:xfrm>
           <a:prstGeom prst="bentConnector3">
@@ -8617,7 +8507,7 @@
         </p:nvCxnSpPr>
         <p:spPr>
           <a:xfrm>
-            <a:off x="3260544" y="1774518"/>
+            <a:off x="3202353" y="1209234"/>
             <a:ext cx="0" cy="266364"/>
           </a:xfrm>
           <a:prstGeom prst="line">
@@ -8657,7 +8547,7 @@
                 <a16:creationId xmlns:a16="http://schemas.microsoft.com/office/drawing/2014/main" id="{4E2090BB-E0AA-4E59-A402-4D5BBD0CCF9E}"/>
               </a:ext>
               <a:ext uri="{C183D7F6-B498-43B3-948B-1728B52AA6E4}">
-                <adec:decorative xmlns:adec="http://schemas.microsoft.com/office/drawing/2017/decorative" xmlns="" val="1"/>
+                <adec:decorative xmlns="" xmlns:adec="http://schemas.microsoft.com/office/drawing/2017/decorative" val="1"/>
               </a:ext>
             </a:extLst>
           </p:cNvPr>
@@ -8666,7 +8556,7 @@
         </p:nvGrpSpPr>
         <p:grpSpPr>
           <a:xfrm>
-            <a:off x="2570589" y="3191982"/>
+            <a:off x="2512398" y="2584280"/>
             <a:ext cx="1386596" cy="544407"/>
             <a:chOff x="2810778" y="3090121"/>
             <a:chExt cx="1386596" cy="544407"/>
@@ -8888,7 +8778,7 @@
                 <a16:creationId xmlns:a16="http://schemas.microsoft.com/office/drawing/2014/main" id="{6AEEFE71-1C97-4DBC-9ACC-C13080165451}"/>
               </a:ext>
               <a:ext uri="{C183D7F6-B498-43B3-948B-1728B52AA6E4}">
-                <adec:decorative xmlns:adec="http://schemas.microsoft.com/office/drawing/2017/decorative" xmlns="" val="1"/>
+                <adec:decorative xmlns="" xmlns:adec="http://schemas.microsoft.com/office/drawing/2017/decorative" val="1"/>
               </a:ext>
             </a:extLst>
           </p:cNvPr>
@@ -8897,7 +8787,7 @@
         </p:nvGrpSpPr>
         <p:grpSpPr>
           <a:xfrm>
-            <a:off x="4303938" y="3191982"/>
+            <a:off x="4303740" y="2601759"/>
             <a:ext cx="1388313" cy="544407"/>
             <a:chOff x="4544127" y="3090121"/>
             <a:chExt cx="1388313" cy="544407"/>
@@ -8981,13 +8871,18 @@
                 </a:spcAft>
               </a:pPr>
               <a:r>
-                <a:rPr lang="en-US" sz="1200" dirty="0">
+                <a:rPr lang="en-US" sz="1200" dirty="0" smtClean="0">
                   <a:solidFill>
                     <a:schemeClr val="tx1"/>
                   </a:solidFill>
                 </a:rPr>
-                <a:t>XXX</a:t>
+                <a:t>Proficient in Manufacturing</a:t>
               </a:r>
+              <a:endParaRPr lang="en-US" sz="1100" dirty="0" smtClean="0">
+                <a:solidFill>
+                  <a:schemeClr val="tx1"/>
+                </a:solidFill>
+              </a:endParaRPr>
             </a:p>
           </p:txBody>
         </p:sp>
@@ -9098,7 +8993,7 @@
                 <a16:creationId xmlns:a16="http://schemas.microsoft.com/office/drawing/2014/main" id="{3657C156-6995-4383-A3E5-6735FBB3712B}"/>
               </a:ext>
               <a:ext uri="{C183D7F6-B498-43B3-948B-1728B52AA6E4}">
-                <adec:decorative xmlns:adec="http://schemas.microsoft.com/office/drawing/2017/decorative" xmlns="" val="1"/>
+                <adec:decorative xmlns="" xmlns:adec="http://schemas.microsoft.com/office/drawing/2017/decorative" val="1"/>
               </a:ext>
             </a:extLst>
           </p:cNvPr>
@@ -9107,7 +9002,7 @@
         </p:nvGrpSpPr>
         <p:grpSpPr>
           <a:xfrm>
-            <a:off x="6517330" y="3850681"/>
+            <a:off x="6510932" y="3303217"/>
             <a:ext cx="1406241" cy="544407"/>
             <a:chOff x="6260850" y="3090121"/>
             <a:chExt cx="1406241" cy="544407"/>
@@ -9306,7 +9201,7 @@
                 <a16:creationId xmlns:a16="http://schemas.microsoft.com/office/drawing/2014/main" id="{B84B8C78-7BAA-4492-9B7B-23F196965004}"/>
               </a:ext>
               <a:ext uri="{C183D7F6-B498-43B3-948B-1728B52AA6E4}">
-                <adec:decorative xmlns:adec="http://schemas.microsoft.com/office/drawing/2017/decorative" xmlns="" val="1"/>
+                <adec:decorative xmlns="" xmlns:adec="http://schemas.microsoft.com/office/drawing/2017/decorative" val="1"/>
               </a:ext>
             </a:extLst>
           </p:cNvPr>
@@ -9315,7 +9210,7 @@
         </p:nvGrpSpPr>
         <p:grpSpPr>
           <a:xfrm>
-            <a:off x="6515412" y="3191982"/>
+            <a:off x="6515412" y="2601759"/>
             <a:ext cx="1386544" cy="544407"/>
             <a:chOff x="8010825" y="3090121"/>
             <a:chExt cx="1386544" cy="544407"/>
@@ -9529,7 +9424,7 @@
                 <a16:creationId xmlns:a16="http://schemas.microsoft.com/office/drawing/2014/main" id="{A7F885EA-DA86-4249-9CB4-CE59CE108D4C}"/>
               </a:ext>
               <a:ext uri="{C183D7F6-B498-43B3-948B-1728B52AA6E4}">
-                <adec:decorative xmlns:adec="http://schemas.microsoft.com/office/drawing/2017/decorative" xmlns="" val="1"/>
+                <adec:decorative xmlns="" xmlns:adec="http://schemas.microsoft.com/office/drawing/2017/decorative" val="1"/>
               </a:ext>
             </a:extLst>
           </p:cNvPr>
@@ -9538,7 +9433,7 @@
         </p:nvGrpSpPr>
         <p:grpSpPr>
           <a:xfrm>
-            <a:off x="8248761" y="3191982"/>
+            <a:off x="8248761" y="2601759"/>
             <a:ext cx="1387558" cy="544407"/>
             <a:chOff x="9744174" y="3090121"/>
             <a:chExt cx="1387558" cy="544407"/>
@@ -9772,7 +9667,7 @@
         </p:nvSpPr>
         <p:spPr>
           <a:xfrm>
-            <a:off x="8875670" y="3080851"/>
+            <a:off x="8875670" y="2490628"/>
             <a:ext cx="114414" cy="85961"/>
           </a:xfrm>
           <a:prstGeom prst="ellipse">
@@ -9816,7 +9711,7 @@
                 <a16:creationId xmlns:a16="http://schemas.microsoft.com/office/drawing/2014/main" id="{DFDF04A4-723B-4E94-82D9-05F9FA39A2CE}"/>
               </a:ext>
               <a:ext uri="{C183D7F6-B498-43B3-948B-1728B52AA6E4}">
-                <adec:decorative xmlns:adec="http://schemas.microsoft.com/office/drawing/2017/decorative" xmlns="" val="1"/>
+                <adec:decorative xmlns="" xmlns:adec="http://schemas.microsoft.com/office/drawing/2017/decorative" val="1"/>
               </a:ext>
             </a:extLst>
           </p:cNvPr>
@@ -9825,7 +9720,7 @@
         </p:nvGrpSpPr>
         <p:grpSpPr>
           <a:xfrm>
-            <a:off x="2580944" y="3868160"/>
+            <a:off x="2503100" y="3267918"/>
             <a:ext cx="1386596" cy="544407"/>
             <a:chOff x="2810778" y="3090121"/>
             <a:chExt cx="1386596" cy="544407"/>
@@ -10048,7 +9943,7 @@
         </p:blipFill>
         <p:spPr>
           <a:xfrm>
-            <a:off x="6144544" y="4644474"/>
+            <a:off x="5517123" y="5354576"/>
             <a:ext cx="3314700" cy="952499"/>
           </a:xfrm>
           <a:prstGeom prst="rect">
@@ -10078,7 +9973,7 @@
         </p:blipFill>
         <p:spPr>
           <a:xfrm>
-            <a:off x="7956823" y="4627323"/>
+            <a:off x="7365708" y="5357996"/>
             <a:ext cx="3314700" cy="952499"/>
           </a:xfrm>
           <a:prstGeom prst="rect">
@@ -10100,10 +9995,10 @@
         </p:nvGrpSpPr>
         <p:grpSpPr>
           <a:xfrm>
-            <a:off x="2380953" y="5623091"/>
-            <a:ext cx="7814531" cy="264929"/>
-            <a:chOff x="563407" y="6385235"/>
-            <a:chExt cx="2984966" cy="108000"/>
+            <a:off x="2735948" y="6141598"/>
+            <a:ext cx="7498657" cy="264929"/>
+            <a:chOff x="693588" y="6385235"/>
+            <a:chExt cx="2864310" cy="108000"/>
           </a:xfrm>
         </p:grpSpPr>
         <p:sp>
@@ -10210,7 +10105,7 @@
           </p:nvSpPr>
           <p:spPr>
             <a:xfrm>
-              <a:off x="563407" y="6385235"/>
+              <a:off x="693588" y="6385235"/>
               <a:ext cx="108000" cy="108000"/>
             </a:xfrm>
             <a:prstGeom prst="rect">
@@ -10297,7 +10192,7 @@
           </p:nvSpPr>
           <p:spPr>
             <a:xfrm>
-              <a:off x="704347" y="6385235"/>
+              <a:off x="834529" y="6385235"/>
               <a:ext cx="542435" cy="108000"/>
             </a:xfrm>
             <a:prstGeom prst="rect">
@@ -10463,7 +10358,7 @@
           </p:nvSpPr>
           <p:spPr>
             <a:xfrm>
-              <a:off x="2919023" y="6385235"/>
+              <a:off x="2928548" y="6385235"/>
               <a:ext cx="108000" cy="108000"/>
             </a:xfrm>
             <a:prstGeom prst="rect">
@@ -10550,7 +10445,7 @@
           </p:nvSpPr>
           <p:spPr>
             <a:xfrm>
-              <a:off x="2152248" y="6385235"/>
+              <a:off x="2155423" y="6385235"/>
               <a:ext cx="108000" cy="108000"/>
             </a:xfrm>
             <a:prstGeom prst="rect">
@@ -10637,7 +10532,7 @@
           </p:nvSpPr>
           <p:spPr>
             <a:xfrm>
-              <a:off x="2293190" y="6385235"/>
+              <a:off x="2296365" y="6385235"/>
               <a:ext cx="542435" cy="108000"/>
             </a:xfrm>
             <a:prstGeom prst="rect">
@@ -10720,7 +10615,7 @@
           </p:nvSpPr>
           <p:spPr>
             <a:xfrm>
-              <a:off x="3061774" y="6385235"/>
+              <a:off x="3071299" y="6385235"/>
               <a:ext cx="486599" cy="108000"/>
             </a:xfrm>
             <a:prstGeom prst="rect">
@@ -10907,41 +10802,512 @@
           </a:p>
         </p:txBody>
       </p:sp>
-      <p:sp>
-        <p:nvSpPr>
-          <p:cNvPr id="93" name="TextBox 92">
+      <p:pic>
+        <p:nvPicPr>
+          <p:cNvPr id="67" name="Picture 66" descr="Close to ground shadow">
             <a:extLst>
               <a:ext uri="{FF2B5EF4-FFF2-40B4-BE49-F238E27FC236}">
-                <a16:creationId xmlns:a16="http://schemas.microsoft.com/office/drawing/2014/main" id="{B65FEDAD-7EC7-4593-BA09-2653916DC8C6}"/>
+                <a16:creationId xmlns:a16="http://schemas.microsoft.com/office/drawing/2014/main" id="{6A2AC917-B83D-4A30-AB46-40678154BD4B}"/>
               </a:ext>
             </a:extLst>
           </p:cNvPr>
-          <p:cNvSpPr txBox="1"/>
+          <p:cNvPicPr>
+            <a:picLocks noChangeAspect="1"/>
+          </p:cNvPicPr>
           <p:nvPr/>
-        </p:nvSpPr>
+        </p:nvPicPr>
+        <p:blipFill>
+          <a:blip r:embed="rId3"/>
+          <a:stretch>
+            <a:fillRect/>
+          </a:stretch>
+        </p:blipFill>
         <p:spPr>
           <a:xfrm>
-            <a:off x="6783987" y="2808495"/>
-            <a:ext cx="850782" cy="270920"/>
+            <a:off x="1459057" y="5347736"/>
+            <a:ext cx="3314700" cy="952499"/>
           </a:xfrm>
           <a:prstGeom prst="rect">
             <a:avLst/>
           </a:prstGeom>
-          <a:noFill/>
         </p:spPr>
-        <p:txBody>
-          <a:bodyPr wrap="square" rtlCol="0">
-            <a:spAutoFit/>
-          </a:bodyPr>
-          <a:lstStyle/>
-          <a:p>
-            <a:r>
-              <a:rPr lang="en-US" sz="1100" dirty="0"/>
-              <a:t>Needs 1 EE</a:t>
-            </a:r>
-          </a:p>
-        </p:txBody>
-      </p:sp>
+      </p:pic>
+      <p:pic>
+        <p:nvPicPr>
+          <p:cNvPr id="68" name="Picture 67" descr="Close to ground shadow">
+            <a:extLst>
+              <a:ext uri="{FF2B5EF4-FFF2-40B4-BE49-F238E27FC236}">
+                <a16:creationId xmlns:a16="http://schemas.microsoft.com/office/drawing/2014/main" id="{562615C5-FE42-476B-A314-638E153B756A}"/>
+              </a:ext>
+            </a:extLst>
+          </p:cNvPr>
+          <p:cNvPicPr>
+            <a:picLocks noChangeAspect="1"/>
+          </p:cNvPicPr>
+          <p:nvPr/>
+        </p:nvPicPr>
+        <p:blipFill>
+          <a:blip r:embed="rId3"/>
+          <a:stretch>
+            <a:fillRect/>
+          </a:stretch>
+        </p:blipFill>
+        <p:spPr>
+          <a:xfrm>
+            <a:off x="3365829" y="5351156"/>
+            <a:ext cx="3314700" cy="952499"/>
+          </a:xfrm>
+          <a:prstGeom prst="rect">
+            <a:avLst/>
+          </a:prstGeom>
+        </p:spPr>
+      </p:pic>
+      <p:grpSp>
+        <p:nvGrpSpPr>
+          <p:cNvPr id="71" name="Group 70">
+            <a:extLst>
+              <a:ext uri="{FF2B5EF4-FFF2-40B4-BE49-F238E27FC236}">
+                <a16:creationId xmlns:a16="http://schemas.microsoft.com/office/drawing/2014/main" id="{DFDF04A4-723B-4E94-82D9-05F9FA39A2CE}"/>
+              </a:ext>
+              <a:ext uri="{C183D7F6-B498-43B3-948B-1728B52AA6E4}">
+                <adec:decorative xmlns="" xmlns:adec="http://schemas.microsoft.com/office/drawing/2017/decorative" val="1"/>
+              </a:ext>
+            </a:extLst>
+          </p:cNvPr>
+          <p:cNvGrpSpPr/>
+          <p:nvPr/>
+        </p:nvGrpSpPr>
+        <p:grpSpPr>
+          <a:xfrm>
+            <a:off x="2503100" y="3965502"/>
+            <a:ext cx="1386596" cy="544407"/>
+            <a:chOff x="2810778" y="3090121"/>
+            <a:chExt cx="1386596" cy="544407"/>
+          </a:xfrm>
+        </p:grpSpPr>
+        <p:sp>
+          <p:nvSpPr>
+            <p:cNvPr id="73" name="Rectangle 72">
+              <a:extLst>
+                <a:ext uri="{FF2B5EF4-FFF2-40B4-BE49-F238E27FC236}">
+                  <a16:creationId xmlns:a16="http://schemas.microsoft.com/office/drawing/2014/main" id="{2CCB6C06-A179-4116-9B6B-276160D11F50}"/>
+                </a:ext>
+              </a:extLst>
+            </p:cNvPr>
+            <p:cNvSpPr/>
+            <p:nvPr/>
+          </p:nvSpPr>
+          <p:spPr>
+            <a:xfrm>
+              <a:off x="2810778" y="3090121"/>
+              <a:ext cx="1368000" cy="509451"/>
+            </a:xfrm>
+            <a:prstGeom prst="rect">
+              <a:avLst/>
+            </a:prstGeom>
+            <a:gradFill>
+              <a:gsLst>
+                <a:gs pos="0">
+                  <a:schemeClr val="bg1"/>
+                </a:gs>
+                <a:gs pos="100000">
+                  <a:schemeClr val="bg1">
+                    <a:lumMod val="85000"/>
+                  </a:schemeClr>
+                </a:gs>
+              </a:gsLst>
+              <a:lin ang="5400000" scaled="0"/>
+            </a:gradFill>
+            <a:ln w="3175" cap="rnd" cmpd="sng" algn="ctr">
+              <a:solidFill>
+                <a:schemeClr val="bg1">
+                  <a:lumMod val="85000"/>
+                </a:schemeClr>
+              </a:solidFill>
+              <a:prstDash val="solid"/>
+            </a:ln>
+            <a:effectLst/>
+            <a:scene3d>
+              <a:camera prst="obliqueTopLeft"/>
+              <a:lightRig rig="soft" dir="t"/>
+            </a:scene3d>
+            <a:sp3d extrusionH="190500" prstMaterial="matte">
+              <a:contourClr>
+                <a:prstClr val="black">
+                  <a:lumMod val="50000"/>
+                  <a:lumOff val="50000"/>
+                </a:prstClr>
+              </a:contourClr>
+            </a:sp3d>
+          </p:spPr>
+          <p:style>
+            <a:lnRef idx="2">
+              <a:scrgbClr r="0" g="0" b="0"/>
+            </a:lnRef>
+            <a:fillRef idx="1">
+              <a:scrgbClr r="0" g="0" b="0"/>
+            </a:fillRef>
+            <a:effectRef idx="0">
+              <a:scrgbClr r="0" g="0" b="0"/>
+            </a:effectRef>
+            <a:fontRef idx="minor">
+              <a:schemeClr val="lt1"/>
+            </a:fontRef>
+          </p:style>
+          <p:txBody>
+            <a:bodyPr spcFirstLastPara="0" vert="horz" wrap="square" lIns="72000" tIns="5715" rIns="72000" bIns="54011" numCol="1" spcCol="1270" anchor="ctr" anchorCtr="0">
+              <a:noAutofit/>
+              <a:flatTx/>
+            </a:bodyPr>
+            <a:lstStyle/>
+            <a:p>
+              <a:pPr algn="ctr" defTabSz="400050">
+                <a:lnSpc>
+                  <a:spcPct val="90000"/>
+                </a:lnSpc>
+                <a:spcBef>
+                  <a:spcPct val="0"/>
+                </a:spcBef>
+                <a:spcAft>
+                  <a:spcPct val="35000"/>
+                </a:spcAft>
+              </a:pPr>
+              <a:r>
+                <a:rPr lang="en-US" sz="1200" dirty="0" smtClean="0">
+                  <a:solidFill>
+                    <a:prstClr val="black"/>
+                  </a:solidFill>
+                </a:rPr>
+                <a:t>Proficient in CFD/FEA/SW</a:t>
+              </a:r>
+              <a:endParaRPr lang="en-US" sz="1200" dirty="0">
+                <a:solidFill>
+                  <a:prstClr val="black"/>
+                </a:solidFill>
+              </a:endParaRPr>
+            </a:p>
+          </p:txBody>
+        </p:sp>
+        <p:sp>
+          <p:nvSpPr>
+            <p:cNvPr id="74" name="Rectangle 73">
+              <a:extLst>
+                <a:ext uri="{FF2B5EF4-FFF2-40B4-BE49-F238E27FC236}">
+                  <a16:creationId xmlns:a16="http://schemas.microsoft.com/office/drawing/2014/main" id="{A9535078-5839-4A7B-B9B0-97FAE52BA7AD}"/>
+                </a:ext>
+              </a:extLst>
+            </p:cNvPr>
+            <p:cNvSpPr/>
+            <p:nvPr/>
+          </p:nvSpPr>
+          <p:spPr>
+            <a:xfrm>
+              <a:off x="2829374" y="3526528"/>
+              <a:ext cx="1368000" cy="108000"/>
+            </a:xfrm>
+            <a:prstGeom prst="rect">
+              <a:avLst/>
+            </a:prstGeom>
+            <a:solidFill>
+              <a:schemeClr val="accent6"/>
+            </a:solidFill>
+            <a:ln>
+              <a:noFill/>
+            </a:ln>
+            <a:effectLst>
+              <a:glow rad="254000">
+                <a:schemeClr val="accent1">
+                  <a:satMod val="175000"/>
+                  <a:alpha val="10000"/>
+                </a:schemeClr>
+              </a:glow>
+            </a:effectLst>
+            <a:scene3d>
+              <a:camera prst="obliqueTopLeft"/>
+              <a:lightRig rig="brightRoom" dir="t"/>
+            </a:scene3d>
+            <a:sp3d extrusionH="88900"/>
+          </p:spPr>
+          <p:style>
+            <a:lnRef idx="2">
+              <a:schemeClr val="accent1">
+                <a:hueOff val="0"/>
+                <a:satOff val="0"/>
+                <a:lumOff val="0"/>
+                <a:alphaOff val="0"/>
+              </a:schemeClr>
+            </a:lnRef>
+            <a:fillRef idx="1">
+              <a:scrgbClr r="0" g="0" b="0"/>
+            </a:fillRef>
+            <a:effectRef idx="0">
+              <a:schemeClr val="lt1">
+                <a:alpha val="90000"/>
+                <a:hueOff val="0"/>
+                <a:satOff val="0"/>
+                <a:lumOff val="0"/>
+                <a:alphaOff val="0"/>
+              </a:schemeClr>
+            </a:effectRef>
+            <a:fontRef idx="minor">
+              <a:schemeClr val="dk1">
+                <a:hueOff val="0"/>
+                <a:satOff val="0"/>
+                <a:lumOff val="0"/>
+                <a:alphaOff val="0"/>
+              </a:schemeClr>
+            </a:fontRef>
+          </p:style>
+          <p:txBody>
+            <a:bodyPr spcFirstLastPara="0" vert="horz" wrap="square" lIns="72000" tIns="5715" rIns="72000" bIns="5715" numCol="1" spcCol="1270" anchor="ctr" anchorCtr="0">
+              <a:noAutofit/>
+              <a:flatTx/>
+            </a:bodyPr>
+            <a:lstStyle/>
+            <a:p>
+              <a:pPr algn="ctr" defTabSz="400050">
+                <a:lnSpc>
+                  <a:spcPct val="90000"/>
+                </a:lnSpc>
+                <a:spcBef>
+                  <a:spcPct val="0"/>
+                </a:spcBef>
+                <a:spcAft>
+                  <a:spcPct val="35000"/>
+                </a:spcAft>
+              </a:pPr>
+              <a:endParaRPr lang="en-US" sz="1000" dirty="0">
+                <a:solidFill>
+                  <a:schemeClr val="bg1"/>
+                </a:solidFill>
+              </a:endParaRPr>
+            </a:p>
+          </p:txBody>
+        </p:sp>
+      </p:grpSp>
+      <p:grpSp>
+        <p:nvGrpSpPr>
+          <p:cNvPr id="76" name="Group 75">
+            <a:extLst>
+              <a:ext uri="{FF2B5EF4-FFF2-40B4-BE49-F238E27FC236}">
+                <a16:creationId xmlns:a16="http://schemas.microsoft.com/office/drawing/2014/main" id="{86A6D505-4CAD-4827-A8B4-1F7AC0D804FA}"/>
+              </a:ext>
+              <a:ext uri="{C183D7F6-B498-43B3-948B-1728B52AA6E4}">
+                <adec:decorative xmlns="" xmlns:adec="http://schemas.microsoft.com/office/drawing/2017/decorative" val="1"/>
+              </a:ext>
+            </a:extLst>
+          </p:cNvPr>
+          <p:cNvGrpSpPr/>
+          <p:nvPr/>
+        </p:nvGrpSpPr>
+        <p:grpSpPr>
+          <a:xfrm>
+            <a:off x="6496745" y="4645820"/>
+            <a:ext cx="1389615" cy="544407"/>
+            <a:chOff x="6277476" y="3090121"/>
+            <a:chExt cx="1389615" cy="544407"/>
+          </a:xfrm>
+        </p:grpSpPr>
+        <p:sp>
+          <p:nvSpPr>
+            <p:cNvPr id="77" name="Rectangle 76">
+              <a:extLst>
+                <a:ext uri="{FF2B5EF4-FFF2-40B4-BE49-F238E27FC236}">
+                  <a16:creationId xmlns:a16="http://schemas.microsoft.com/office/drawing/2014/main" id="{7680BFC0-C377-43B7-B23F-4331CD268525}"/>
+                </a:ext>
+              </a:extLst>
+            </p:cNvPr>
+            <p:cNvSpPr/>
+            <p:nvPr/>
+          </p:nvSpPr>
+          <p:spPr>
+            <a:xfrm>
+              <a:off x="6277476" y="3090121"/>
+              <a:ext cx="1368000" cy="509451"/>
+            </a:xfrm>
+            <a:prstGeom prst="rect">
+              <a:avLst/>
+            </a:prstGeom>
+            <a:solidFill>
+              <a:schemeClr val="bg1"/>
+            </a:solidFill>
+            <a:ln w="3175" cap="rnd" cmpd="sng" algn="ctr">
+              <a:solidFill>
+                <a:schemeClr val="bg1">
+                  <a:lumMod val="85000"/>
+                </a:schemeClr>
+              </a:solidFill>
+              <a:prstDash val="solid"/>
+            </a:ln>
+            <a:effectLst/>
+            <a:scene3d>
+              <a:camera prst="obliqueTopLeft"/>
+              <a:lightRig rig="soft" dir="t"/>
+            </a:scene3d>
+            <a:sp3d extrusionH="190500" prstMaterial="matte">
+              <a:contourClr>
+                <a:prstClr val="black">
+                  <a:lumMod val="50000"/>
+                  <a:lumOff val="50000"/>
+                </a:prstClr>
+              </a:contourClr>
+            </a:sp3d>
+          </p:spPr>
+          <p:style>
+            <a:lnRef idx="2">
+              <a:scrgbClr r="0" g="0" b="0"/>
+            </a:lnRef>
+            <a:fillRef idx="1">
+              <a:scrgbClr r="0" g="0" b="0"/>
+            </a:fillRef>
+            <a:effectRef idx="0">
+              <a:scrgbClr r="0" g="0" b="0"/>
+            </a:effectRef>
+            <a:fontRef idx="minor">
+              <a:schemeClr val="lt1"/>
+            </a:fontRef>
+          </p:style>
+          <p:txBody>
+            <a:bodyPr spcFirstLastPara="0" vert="horz" wrap="square" lIns="72000" tIns="5715" rIns="72000" bIns="54011" numCol="1" spcCol="1270" anchor="ctr" anchorCtr="0">
+              <a:noAutofit/>
+              <a:flatTx/>
+            </a:bodyPr>
+            <a:lstStyle/>
+            <a:p>
+              <a:pPr algn="ctr" defTabSz="400050">
+                <a:lnSpc>
+                  <a:spcPct val="90000"/>
+                </a:lnSpc>
+                <a:spcBef>
+                  <a:spcPct val="0"/>
+                </a:spcBef>
+                <a:spcAft>
+                  <a:spcPct val="35000"/>
+                </a:spcAft>
+              </a:pPr>
+              <a:endParaRPr lang="en-US" sz="1200" dirty="0">
+                <a:solidFill>
+                  <a:schemeClr val="tx1"/>
+                </a:solidFill>
+              </a:endParaRPr>
+            </a:p>
+            <a:p>
+              <a:pPr algn="ctr" defTabSz="400050">
+                <a:lnSpc>
+                  <a:spcPct val="90000"/>
+                </a:lnSpc>
+                <a:spcBef>
+                  <a:spcPct val="0"/>
+                </a:spcBef>
+                <a:spcAft>
+                  <a:spcPct val="35000"/>
+                </a:spcAft>
+              </a:pPr>
+              <a:endParaRPr lang="en-US" sz="1200" dirty="0">
+                <a:solidFill>
+                  <a:schemeClr val="tx1"/>
+                </a:solidFill>
+              </a:endParaRPr>
+            </a:p>
+          </p:txBody>
+        </p:sp>
+        <p:sp>
+          <p:nvSpPr>
+            <p:cNvPr id="78" name="Rectangle 77">
+              <a:extLst>
+                <a:ext uri="{FF2B5EF4-FFF2-40B4-BE49-F238E27FC236}">
+                  <a16:creationId xmlns:a16="http://schemas.microsoft.com/office/drawing/2014/main" id="{69AD1D87-4B90-4FEC-8865-92DD51544D7D}"/>
+                </a:ext>
+              </a:extLst>
+            </p:cNvPr>
+            <p:cNvSpPr/>
+            <p:nvPr/>
+          </p:nvSpPr>
+          <p:spPr>
+            <a:xfrm>
+              <a:off x="6299091" y="3526528"/>
+              <a:ext cx="1368000" cy="108000"/>
+            </a:xfrm>
+            <a:prstGeom prst="rect">
+              <a:avLst/>
+            </a:prstGeom>
+            <a:solidFill>
+              <a:srgbClr val="0070C0"/>
+            </a:solidFill>
+            <a:ln>
+              <a:noFill/>
+            </a:ln>
+            <a:effectLst>
+              <a:glow rad="254000">
+                <a:schemeClr val="accent6">
+                  <a:satMod val="175000"/>
+                  <a:alpha val="10000"/>
+                </a:schemeClr>
+              </a:glow>
+            </a:effectLst>
+            <a:scene3d>
+              <a:camera prst="obliqueTopLeft"/>
+              <a:lightRig rig="brightRoom" dir="t"/>
+            </a:scene3d>
+            <a:sp3d extrusionH="88900"/>
+          </p:spPr>
+          <p:style>
+            <a:lnRef idx="2">
+              <a:schemeClr val="accent1">
+                <a:hueOff val="0"/>
+                <a:satOff val="0"/>
+                <a:lumOff val="0"/>
+                <a:alphaOff val="0"/>
+              </a:schemeClr>
+            </a:lnRef>
+            <a:fillRef idx="1">
+              <a:scrgbClr r="0" g="0" b="0"/>
+            </a:fillRef>
+            <a:effectRef idx="0">
+              <a:schemeClr val="lt1">
+                <a:alpha val="90000"/>
+                <a:hueOff val="0"/>
+                <a:satOff val="0"/>
+                <a:lumOff val="0"/>
+                <a:alphaOff val="0"/>
+              </a:schemeClr>
+            </a:effectRef>
+            <a:fontRef idx="minor">
+              <a:schemeClr val="dk1">
+                <a:hueOff val="0"/>
+                <a:satOff val="0"/>
+                <a:lumOff val="0"/>
+                <a:alphaOff val="0"/>
+              </a:schemeClr>
+            </a:fontRef>
+          </p:style>
+          <p:txBody>
+            <a:bodyPr spcFirstLastPara="0" vert="horz" wrap="square" lIns="72000" tIns="5715" rIns="72000" bIns="5715" numCol="1" spcCol="1270" anchor="ctr" anchorCtr="0">
+              <a:noAutofit/>
+              <a:flatTx/>
+            </a:bodyPr>
+            <a:lstStyle/>
+            <a:p>
+              <a:pPr algn="ctr" defTabSz="400050">
+                <a:lnSpc>
+                  <a:spcPct val="90000"/>
+                </a:lnSpc>
+                <a:spcBef>
+                  <a:spcPct val="0"/>
+                </a:spcBef>
+                <a:spcAft>
+                  <a:spcPct val="35000"/>
+                </a:spcAft>
+              </a:pPr>
+              <a:endParaRPr lang="en-US" sz="1000" dirty="0">
+                <a:solidFill>
+                  <a:schemeClr val="bg1"/>
+                </a:solidFill>
+              </a:endParaRPr>
+            </a:p>
+          </p:txBody>
+        </p:sp>
+      </p:grpSp>
     </p:spTree>
     <p:extLst>
       <p:ext uri="{BB962C8B-B14F-4D97-AF65-F5344CB8AC3E}">
@@ -13946,6 +14312,23 @@
 </file>
 
 <file path=customXml/item1.xml><?xml version="1.0" encoding="utf-8"?>
+<p:properties xmlns:p="http://schemas.microsoft.com/office/2006/metadata/properties" xmlns:xsi="http://www.w3.org/2001/XMLSchema-instance" xmlns:pc="http://schemas.microsoft.com/office/infopath/2007/PartnerControls">
+  <documentManagement>
+    <MediaServiceKeyPoints xmlns="71af3243-3dd4-4a8d-8c0d-dd76da1f02a5" xsi:nil="true"/>
+  </documentManagement>
+</p:properties>
+</file>
+
+<file path=customXml/item2.xml><?xml version="1.0" encoding="utf-8"?>
+<?mso-contentType ?>
+<FormTemplates xmlns="http://schemas.microsoft.com/sharepoint/v3/contenttype/forms">
+  <Display>DocumentLibraryForm</Display>
+  <Edit>DocumentLibraryForm</Edit>
+  <New>DocumentLibraryForm</New>
+</FormTemplates>
+</file>
+
+<file path=customXml/item3.xml><?xml version="1.0" encoding="utf-8"?>
 <ct:contentTypeSchema xmlns:ct="http://schemas.microsoft.com/office/2006/metadata/contentType" xmlns:ma="http://schemas.microsoft.com/office/2006/metadata/properties/metaAttributes" ct:_="" ma:_="" ma:contentTypeName="Document" ma:contentTypeID="0x01010079F111ED35F8CC479449609E8A0923A6" ma:contentTypeVersion="11" ma:contentTypeDescription="Create a new document." ma:contentTypeScope="" ma:versionID="9677210f24a1be23c92c90fd886aa0aa">
   <xsd:schema xmlns:xsd="http://www.w3.org/2001/XMLSchema" xmlns:xs="http://www.w3.org/2001/XMLSchema" xmlns:p="http://schemas.microsoft.com/office/2006/metadata/properties" xmlns:ns2="71af3243-3dd4-4a8d-8c0d-dd76da1f02a5" xmlns:ns3="16c05727-aa75-4e4a-9b5f-8a80a1165891" targetNamespace="http://schemas.microsoft.com/office/2006/metadata/properties" ma:root="true" ma:fieldsID="60e05723c5c1908df1a1a4ebf11d344e" ns2:_="" ns3:_="">
     <xsd:import namespace="71af3243-3dd4-4a8d-8c0d-dd76da1f02a5"/>
@@ -14156,24 +14539,32 @@
 </ct:contentTypeSchema>
 </file>
 
-<file path=customXml/item2.xml><?xml version="1.0" encoding="utf-8"?>
-<?mso-contentType ?>
-<FormTemplates xmlns="http://schemas.microsoft.com/sharepoint/v3/contenttype/forms">
-  <Display>DocumentLibraryForm</Display>
-  <Edit>DocumentLibraryForm</Edit>
-  <New>DocumentLibraryForm</New>
-</FormTemplates>
+<file path=customXml/itemProps1.xml><?xml version="1.0" encoding="utf-8"?>
+<ds:datastoreItem xmlns:ds="http://schemas.openxmlformats.org/officeDocument/2006/customXml" ds:itemID="{3C2AD4FE-5267-4953-9D66-004581AED1F0}">
+  <ds:schemaRefs>
+    <ds:schemaRef ds:uri="http://purl.org/dc/elements/1.1/"/>
+    <ds:schemaRef ds:uri="http://schemas.microsoft.com/office/2006/metadata/properties"/>
+    <ds:schemaRef ds:uri="http://purl.org/dc/terms/"/>
+    <ds:schemaRef ds:uri="http://schemas.openxmlformats.org/package/2006/metadata/core-properties"/>
+    <ds:schemaRef ds:uri="16c05727-aa75-4e4a-9b5f-8a80a1165891"/>
+    <ds:schemaRef ds:uri="http://schemas.microsoft.com/office/2006/documentManagement/types"/>
+    <ds:schemaRef ds:uri="http://schemas.microsoft.com/office/infopath/2007/PartnerControls"/>
+    <ds:schemaRef ds:uri="71af3243-3dd4-4a8d-8c0d-dd76da1f02a5"/>
+    <ds:schemaRef ds:uri="http://www.w3.org/XML/1998/namespace"/>
+    <ds:schemaRef ds:uri="http://purl.org/dc/dcmitype/"/>
+  </ds:schemaRefs>
+</ds:datastoreItem>
 </file>
 
-<file path=customXml/item3.xml><?xml version="1.0" encoding="utf-8"?>
-<p:properties xmlns:p="http://schemas.microsoft.com/office/2006/metadata/properties" xmlns:xsi="http://www.w3.org/2001/XMLSchema-instance" xmlns:pc="http://schemas.microsoft.com/office/infopath/2007/PartnerControls">
-  <documentManagement>
-    <MediaServiceKeyPoints xmlns="71af3243-3dd4-4a8d-8c0d-dd76da1f02a5" xsi:nil="true"/>
-  </documentManagement>
-</p:properties>
+<file path=customXml/itemProps2.xml><?xml version="1.0" encoding="utf-8"?>
+<ds:datastoreItem xmlns:ds="http://schemas.openxmlformats.org/officeDocument/2006/customXml" ds:itemID="{9082A0F6-5C05-4A60-9DD8-B772877A4F89}">
+  <ds:schemaRefs>
+    <ds:schemaRef ds:uri="http://schemas.microsoft.com/sharepoint/v3/contenttype/forms"/>
+  </ds:schemaRefs>
+</ds:datastoreItem>
 </file>
 
-<file path=customXml/itemProps1.xml><?xml version="1.0" encoding="utf-8"?>
+<file path=customXml/itemProps3.xml><?xml version="1.0" encoding="utf-8"?>
 <ds:datastoreItem xmlns:ds="http://schemas.openxmlformats.org/officeDocument/2006/customXml" ds:itemID="{840DE65C-3715-41A1-996C-103EA7902D46}">
   <ds:schemaRefs>
     <ds:schemaRef ds:uri="http://schemas.microsoft.com/office/2006/metadata/contentType"/>
@@ -14190,29 +14581,4 @@
     <ds:schemaRef ds:uri="http://schemas.microsoft.com/internal/obd"/>
   </ds:schemaRefs>
 </ds:datastoreItem>
-</file>
-
-<file path=customXml/itemProps2.xml><?xml version="1.0" encoding="utf-8"?>
-<ds:datastoreItem xmlns:ds="http://schemas.openxmlformats.org/officeDocument/2006/customXml" ds:itemID="{9082A0F6-5C05-4A60-9DD8-B772877A4F89}">
-  <ds:schemaRefs>
-    <ds:schemaRef ds:uri="http://schemas.microsoft.com/sharepoint/v3/contenttype/forms"/>
-  </ds:schemaRefs>
-</ds:datastoreItem>
-</file>
-
-<file path=customXml/itemProps3.xml><?xml version="1.0" encoding="utf-8"?>
-<ds:datastoreItem xmlns:ds="http://schemas.openxmlformats.org/officeDocument/2006/customXml" ds:itemID="{3C2AD4FE-5267-4953-9D66-004581AED1F0}">
-  <ds:schemaRefs>
-    <ds:schemaRef ds:uri="http://purl.org/dc/elements/1.1/"/>
-    <ds:schemaRef ds:uri="http://schemas.microsoft.com/office/2006/metadata/properties"/>
-    <ds:schemaRef ds:uri="http://purl.org/dc/terms/"/>
-    <ds:schemaRef ds:uri="http://schemas.openxmlformats.org/package/2006/metadata/core-properties"/>
-    <ds:schemaRef ds:uri="16c05727-aa75-4e4a-9b5f-8a80a1165891"/>
-    <ds:schemaRef ds:uri="http://schemas.microsoft.com/office/2006/documentManagement/types"/>
-    <ds:schemaRef ds:uri="http://schemas.microsoft.com/office/infopath/2007/PartnerControls"/>
-    <ds:schemaRef ds:uri="71af3243-3dd4-4a8d-8c0d-dd76da1f02a5"/>
-    <ds:schemaRef ds:uri="http://www.w3.org/XML/1998/namespace"/>
-    <ds:schemaRef ds:uri="http://purl.org/dc/dcmitype/"/>
-  </ds:schemaRefs>
-</ds:datastoreItem>
 </file>
--- a/Engineering/2019-2020/Engineering Management/Engineering Organization Chart.pptx
+++ b/Engineering/2019-2020/Engineering Management/Engineering Organization Chart.pptx
@@ -222,7 +222,7 @@
           <a:p>
             <a:fld id="{CB7AD89C-BB88-48A3-A1C9-D13CF625B286}" type="datetimeFigureOut">
               <a:rPr lang="en-US" smtClean="0"/>
-              <a:t>8/30/2019</a:t>
+              <a:t>9/3/2019</a:t>
             </a:fld>
             <a:endParaRPr lang="en-US" dirty="0"/>
           </a:p>
@@ -399,7 +399,7 @@
           <a:p>
             <a:fld id="{EFD09F21-8F1F-4129-8AEA-7EF5D9ADF331}" type="datetimeFigureOut">
               <a:rPr lang="en-US" smtClean="0"/>
-              <a:t>8/30/2019</a:t>
+              <a:t>9/3/2019</a:t>
             </a:fld>
             <a:endParaRPr lang="en-US" dirty="0"/>
           </a:p>
@@ -1061,7 +1061,7 @@
           <a:p>
             <a:fld id="{74929172-4BF7-429F-BA25-7E9D1A4215EE}" type="datetimeFigureOut">
               <a:rPr lang="en-US" noProof="0" smtClean="0"/>
-              <a:t>8/30/2019</a:t>
+              <a:t>9/3/2019</a:t>
             </a:fld>
             <a:endParaRPr lang="en-US" noProof="0" dirty="0"/>
           </a:p>
@@ -1399,7 +1399,7 @@
           <a:p>
             <a:fld id="{74929172-4BF7-429F-BA25-7E9D1A4215EE}" type="datetimeFigureOut">
               <a:rPr lang="en-US" noProof="0" smtClean="0"/>
-              <a:t>8/30/2019</a:t>
+              <a:t>9/3/2019</a:t>
             </a:fld>
             <a:endParaRPr lang="en-US" noProof="0" dirty="0"/>
           </a:p>
@@ -1676,7 +1676,7 @@
           <a:p>
             <a:fld id="{74929172-4BF7-429F-BA25-7E9D1A4215EE}" type="datetimeFigureOut">
               <a:rPr lang="en-US" noProof="0" smtClean="0"/>
-              <a:t>8/30/2019</a:t>
+              <a:t>9/3/2019</a:t>
             </a:fld>
             <a:endParaRPr lang="en-US" noProof="0" dirty="0"/>
           </a:p>
@@ -2243,7 +2243,7 @@
           <a:p>
             <a:fld id="{74929172-4BF7-429F-BA25-7E9D1A4215EE}" type="datetimeFigureOut">
               <a:rPr lang="en-US" noProof="0" smtClean="0"/>
-              <a:t>8/30/2019</a:t>
+              <a:t>9/3/2019</a:t>
             </a:fld>
             <a:endParaRPr lang="en-US" noProof="0" dirty="0"/>
           </a:p>
@@ -2520,7 +2520,7 @@
           <a:p>
             <a:fld id="{74929172-4BF7-429F-BA25-7E9D1A4215EE}" type="datetimeFigureOut">
               <a:rPr lang="en-US" noProof="0" smtClean="0"/>
-              <a:t>8/30/2019</a:t>
+              <a:t>9/3/2019</a:t>
             </a:fld>
             <a:endParaRPr lang="en-US" noProof="0" dirty="0"/>
           </a:p>
@@ -3081,7 +3081,7 @@
           <a:p>
             <a:fld id="{74929172-4BF7-429F-BA25-7E9D1A4215EE}" type="datetimeFigureOut">
               <a:rPr lang="en-US" noProof="0" smtClean="0"/>
-              <a:t>8/30/2019</a:t>
+              <a:t>9/3/2019</a:t>
             </a:fld>
             <a:endParaRPr lang="en-US" noProof="0" dirty="0"/>
           </a:p>
@@ -3407,7 +3407,7 @@
           <a:p>
             <a:fld id="{74929172-4BF7-429F-BA25-7E9D1A4215EE}" type="datetimeFigureOut">
               <a:rPr lang="en-US" noProof="0" smtClean="0"/>
-              <a:t>8/30/2019</a:t>
+              <a:t>9/3/2019</a:t>
             </a:fld>
             <a:endParaRPr lang="en-US" noProof="0" dirty="0"/>
           </a:p>
@@ -3583,7 +3583,7 @@
           <a:p>
             <a:fld id="{74929172-4BF7-429F-BA25-7E9D1A4215EE}" type="datetimeFigureOut">
               <a:rPr lang="en-US" noProof="0" smtClean="0"/>
-              <a:t>8/30/2019</a:t>
+              <a:t>9/3/2019</a:t>
             </a:fld>
             <a:endParaRPr lang="en-US" noProof="0" dirty="0"/>
           </a:p>
@@ -3818,7 +3818,7 @@
           <a:p>
             <a:fld id="{74929172-4BF7-429F-BA25-7E9D1A4215EE}" type="datetimeFigureOut">
               <a:rPr lang="en-US" noProof="0" smtClean="0"/>
-              <a:t>8/30/2019</a:t>
+              <a:t>9/3/2019</a:t>
             </a:fld>
             <a:endParaRPr lang="en-US" noProof="0" dirty="0"/>
           </a:p>
@@ -4021,7 +4021,7 @@
           <a:p>
             <a:fld id="{74929172-4BF7-429F-BA25-7E9D1A4215EE}" type="datetimeFigureOut">
               <a:rPr lang="en-US" noProof="0" smtClean="0"/>
-              <a:t>8/30/2019</a:t>
+              <a:t>9/3/2019</a:t>
             </a:fld>
             <a:endParaRPr lang="en-US" noProof="0" dirty="0"/>
           </a:p>
@@ -4296,7 +4296,7 @@
           <a:p>
             <a:fld id="{74929172-4BF7-429F-BA25-7E9D1A4215EE}" type="datetimeFigureOut">
               <a:rPr lang="en-US" noProof="0" smtClean="0"/>
-              <a:t>8/30/2019</a:t>
+              <a:t>9/3/2019</a:t>
             </a:fld>
             <a:endParaRPr lang="en-US" noProof="0" dirty="0"/>
           </a:p>
@@ -4564,7 +4564,7 @@
           <a:p>
             <a:fld id="{74929172-4BF7-429F-BA25-7E9D1A4215EE}" type="datetimeFigureOut">
               <a:rPr lang="en-US" noProof="0" smtClean="0"/>
-              <a:t>8/30/2019</a:t>
+              <a:t>9/3/2019</a:t>
             </a:fld>
             <a:endParaRPr lang="en-US" noProof="0" dirty="0"/>
           </a:p>
@@ -4935,7 +4935,7 @@
           <a:p>
             <a:fld id="{74929172-4BF7-429F-BA25-7E9D1A4215EE}" type="datetimeFigureOut">
               <a:rPr lang="en-US" noProof="0" smtClean="0"/>
-              <a:t>8/30/2019</a:t>
+              <a:t>9/3/2019</a:t>
             </a:fld>
             <a:endParaRPr lang="en-US" noProof="0" dirty="0"/>
           </a:p>
@@ -5082,7 +5082,7 @@
           <a:p>
             <a:fld id="{74929172-4BF7-429F-BA25-7E9D1A4215EE}" type="datetimeFigureOut">
               <a:rPr lang="en-US" noProof="0" smtClean="0"/>
-              <a:t>8/30/2019</a:t>
+              <a:t>9/3/2019</a:t>
             </a:fld>
             <a:endParaRPr lang="en-US" noProof="0" dirty="0"/>
           </a:p>
@@ -5207,7 +5207,7 @@
           <a:p>
             <a:fld id="{74929172-4BF7-429F-BA25-7E9D1A4215EE}" type="datetimeFigureOut">
               <a:rPr lang="en-US" noProof="0" smtClean="0"/>
-              <a:t>8/30/2019</a:t>
+              <a:t>9/3/2019</a:t>
             </a:fld>
             <a:endParaRPr lang="en-US" noProof="0" dirty="0"/>
           </a:p>
@@ -5495,7 +5495,7 @@
           <a:p>
             <a:fld id="{74929172-4BF7-429F-BA25-7E9D1A4215EE}" type="datetimeFigureOut">
               <a:rPr lang="en-US" noProof="0" smtClean="0"/>
-              <a:t>8/30/2019</a:t>
+              <a:t>9/3/2019</a:t>
             </a:fld>
             <a:endParaRPr lang="en-US" noProof="0" dirty="0"/>
           </a:p>
@@ -5823,7 +5823,7 @@
           <a:p>
             <a:fld id="{74929172-4BF7-429F-BA25-7E9D1A4215EE}" type="datetimeFigureOut">
               <a:rPr lang="en-US" noProof="0" smtClean="0"/>
-              <a:t>8/30/2019</a:t>
+              <a:t>9/3/2019</a:t>
             </a:fld>
             <a:endParaRPr lang="en-US" noProof="0" dirty="0"/>
           </a:p>
@@ -6035,7 +6035,7 @@
           <a:p>
             <a:fld id="{74929172-4BF7-429F-BA25-7E9D1A4215EE}" type="datetimeFigureOut">
               <a:rPr lang="en-US" noProof="0" smtClean="0"/>
-              <a:t>8/30/2019</a:t>
+              <a:t>9/3/2019</a:t>
             </a:fld>
             <a:endParaRPr lang="en-US" noProof="0" dirty="0"/>
           </a:p>
@@ -6636,7 +6636,7 @@
                 <a16:creationId xmlns:a16="http://schemas.microsoft.com/office/drawing/2014/main" id="{6B70B1D5-F5F8-429D-818A-E1CFA491E8B4}"/>
               </a:ext>
               <a:ext uri="{C183D7F6-B498-43B3-948B-1728B52AA6E4}">
-                <adec:decorative xmlns="" xmlns:adec="http://schemas.microsoft.com/office/drawing/2017/decorative" val="1"/>
+                <adec:decorative xmlns:adec="http://schemas.microsoft.com/office/drawing/2017/decorative" xmlns="" val="1"/>
               </a:ext>
             </a:extLst>
           </p:cNvPr>
@@ -6857,7 +6857,7 @@
                 <a16:creationId xmlns:a16="http://schemas.microsoft.com/office/drawing/2014/main" id="{1D0C17FD-0081-40EF-A9FD-74C7001B881A}"/>
               </a:ext>
               <a:ext uri="{C183D7F6-B498-43B3-948B-1728B52AA6E4}">
-                <adec:decorative xmlns="" xmlns:adec="http://schemas.microsoft.com/office/drawing/2017/decorative" val="1"/>
+                <adec:decorative xmlns:adec="http://schemas.microsoft.com/office/drawing/2017/decorative" xmlns="" val="1"/>
               </a:ext>
             </a:extLst>
           </p:cNvPr>
@@ -7070,7 +7070,7 @@
                 <a16:creationId xmlns:a16="http://schemas.microsoft.com/office/drawing/2014/main" id="{86A6D505-4CAD-4827-A8B4-1F7AC0D804FA}"/>
               </a:ext>
               <a:ext uri="{C183D7F6-B498-43B3-948B-1728B52AA6E4}">
-                <adec:decorative xmlns="" xmlns:adec="http://schemas.microsoft.com/office/drawing/2017/decorative" val="1"/>
+                <adec:decorative xmlns:adec="http://schemas.microsoft.com/office/drawing/2017/decorative" xmlns="" val="1"/>
               </a:ext>
             </a:extLst>
           </p:cNvPr>
@@ -7314,7 +7314,7 @@
                 <a16:creationId xmlns:a16="http://schemas.microsoft.com/office/drawing/2014/main" id="{E4B64F0C-D8B5-4B34-A22A-D85D0F7D2F51}"/>
               </a:ext>
               <a:ext uri="{C183D7F6-B498-43B3-948B-1728B52AA6E4}">
-                <adec:decorative xmlns="" xmlns:adec="http://schemas.microsoft.com/office/drawing/2017/decorative" val="1"/>
+                <adec:decorative xmlns:adec="http://schemas.microsoft.com/office/drawing/2017/decorative" xmlns="" val="1"/>
               </a:ext>
             </a:extLst>
           </p:cNvPr>
@@ -7553,7 +7553,7 @@
                 <a16:creationId xmlns:a16="http://schemas.microsoft.com/office/drawing/2014/main" id="{484B9E92-D14A-4F75-88C6-459716737C4A}"/>
               </a:ext>
               <a:ext uri="{C183D7F6-B498-43B3-948B-1728B52AA6E4}">
-                <adec:decorative xmlns="" xmlns:adec="http://schemas.microsoft.com/office/drawing/2017/decorative" val="1"/>
+                <adec:decorative xmlns:adec="http://schemas.microsoft.com/office/drawing/2017/decorative" xmlns="" val="1"/>
               </a:ext>
             </a:extLst>
           </p:cNvPr>
@@ -8035,7 +8035,7 @@
                 <a16:creationId xmlns:a16="http://schemas.microsoft.com/office/drawing/2014/main" id="{FA215D57-115E-4EA6-82EB-CB2CD22D4237}"/>
               </a:ext>
               <a:ext uri="{C183D7F6-B498-43B3-948B-1728B52AA6E4}">
-                <adec:decorative xmlns="" xmlns:adec="http://schemas.microsoft.com/office/drawing/2017/decorative" val="1"/>
+                <adec:decorative xmlns:adec="http://schemas.microsoft.com/office/drawing/2017/decorative" xmlns="" val="1"/>
               </a:ext>
             </a:extLst>
           </p:cNvPr>
@@ -8244,7 +8244,7 @@
                 <a16:creationId xmlns:a16="http://schemas.microsoft.com/office/drawing/2014/main" id="{F63E54AC-1CB7-43BF-B0A4-82DE6FEB1664}"/>
               </a:ext>
               <a:ext uri="{C183D7F6-B498-43B3-948B-1728B52AA6E4}">
-                <adec:decorative xmlns="" xmlns:adec="http://schemas.microsoft.com/office/drawing/2017/decorative" val="1"/>
+                <adec:decorative xmlns:adec="http://schemas.microsoft.com/office/drawing/2017/decorative" xmlns="" val="1"/>
               </a:ext>
             </a:extLst>
           </p:cNvPr>
@@ -8547,7 +8547,7 @@
                 <a16:creationId xmlns:a16="http://schemas.microsoft.com/office/drawing/2014/main" id="{4E2090BB-E0AA-4E59-A402-4D5BBD0CCF9E}"/>
               </a:ext>
               <a:ext uri="{C183D7F6-B498-43B3-948B-1728B52AA6E4}">
-                <adec:decorative xmlns="" xmlns:adec="http://schemas.microsoft.com/office/drawing/2017/decorative" val="1"/>
+                <adec:decorative xmlns:adec="http://schemas.microsoft.com/office/drawing/2017/decorative" xmlns="" val="1"/>
               </a:ext>
             </a:extLst>
           </p:cNvPr>
@@ -8778,7 +8778,7 @@
                 <a16:creationId xmlns:a16="http://schemas.microsoft.com/office/drawing/2014/main" id="{6AEEFE71-1C97-4DBC-9ACC-C13080165451}"/>
               </a:ext>
               <a:ext uri="{C183D7F6-B498-43B3-948B-1728B52AA6E4}">
-                <adec:decorative xmlns="" xmlns:adec="http://schemas.microsoft.com/office/drawing/2017/decorative" val="1"/>
+                <adec:decorative xmlns:adec="http://schemas.microsoft.com/office/drawing/2017/decorative" xmlns="" val="1"/>
               </a:ext>
             </a:extLst>
           </p:cNvPr>
@@ -8993,7 +8993,7 @@
                 <a16:creationId xmlns:a16="http://schemas.microsoft.com/office/drawing/2014/main" id="{3657C156-6995-4383-A3E5-6735FBB3712B}"/>
               </a:ext>
               <a:ext uri="{C183D7F6-B498-43B3-948B-1728B52AA6E4}">
-                <adec:decorative xmlns="" xmlns:adec="http://schemas.microsoft.com/office/drawing/2017/decorative" val="1"/>
+                <adec:decorative xmlns:adec="http://schemas.microsoft.com/office/drawing/2017/decorative" xmlns="" val="1"/>
               </a:ext>
             </a:extLst>
           </p:cNvPr>
@@ -9201,7 +9201,7 @@
                 <a16:creationId xmlns:a16="http://schemas.microsoft.com/office/drawing/2014/main" id="{B84B8C78-7BAA-4492-9B7B-23F196965004}"/>
               </a:ext>
               <a:ext uri="{C183D7F6-B498-43B3-948B-1728B52AA6E4}">
-                <adec:decorative xmlns="" xmlns:adec="http://schemas.microsoft.com/office/drawing/2017/decorative" val="1"/>
+                <adec:decorative xmlns:adec="http://schemas.microsoft.com/office/drawing/2017/decorative" xmlns="" val="1"/>
               </a:ext>
             </a:extLst>
           </p:cNvPr>
@@ -9424,7 +9424,7 @@
                 <a16:creationId xmlns:a16="http://schemas.microsoft.com/office/drawing/2014/main" id="{A7F885EA-DA86-4249-9CB4-CE59CE108D4C}"/>
               </a:ext>
               <a:ext uri="{C183D7F6-B498-43B3-948B-1728B52AA6E4}">
-                <adec:decorative xmlns="" xmlns:adec="http://schemas.microsoft.com/office/drawing/2017/decorative" val="1"/>
+                <adec:decorative xmlns:adec="http://schemas.microsoft.com/office/drawing/2017/decorative" xmlns="" val="1"/>
               </a:ext>
             </a:extLst>
           </p:cNvPr>
@@ -9711,7 +9711,7 @@
                 <a16:creationId xmlns:a16="http://schemas.microsoft.com/office/drawing/2014/main" id="{DFDF04A4-723B-4E94-82D9-05F9FA39A2CE}"/>
               </a:ext>
               <a:ext uri="{C183D7F6-B498-43B3-948B-1728B52AA6E4}">
-                <adec:decorative xmlns="" xmlns:adec="http://schemas.microsoft.com/office/drawing/2017/decorative" val="1"/>
+                <adec:decorative xmlns:adec="http://schemas.microsoft.com/office/drawing/2017/decorative" xmlns="" val="1"/>
               </a:ext>
             </a:extLst>
           </p:cNvPr>
@@ -10591,13 +10591,18 @@
                 </a:spcAft>
               </a:pPr>
               <a:r>
-                <a:rPr lang="en-US" sz="1000" dirty="0">
+                <a:rPr lang="en-US" sz="1000" dirty="0" smtClean="0">
                   <a:solidFill>
                     <a:schemeClr val="tx1"/>
                   </a:solidFill>
                 </a:rPr>
-                <a:t>Payload/Recovery</a:t>
+                <a:t>Avionics</a:t>
               </a:r>
+              <a:endParaRPr lang="en-US" sz="1000" dirty="0">
+                <a:solidFill>
+                  <a:schemeClr val="tx1"/>
+                </a:solidFill>
+              </a:endParaRPr>
             </a:p>
           </p:txBody>
         </p:sp>
@@ -10870,7 +10875,7 @@
                 <a16:creationId xmlns:a16="http://schemas.microsoft.com/office/drawing/2014/main" id="{DFDF04A4-723B-4E94-82D9-05F9FA39A2CE}"/>
               </a:ext>
               <a:ext uri="{C183D7F6-B498-43B3-948B-1728B52AA6E4}">
-                <adec:decorative xmlns="" xmlns:adec="http://schemas.microsoft.com/office/drawing/2017/decorative" val="1"/>
+                <adec:decorative xmlns:adec="http://schemas.microsoft.com/office/drawing/2017/decorative" xmlns="" val="1"/>
               </a:ext>
             </a:extLst>
           </p:cNvPr>
@@ -11087,13 +11092,13 @@
       </p:grpSp>
       <p:grpSp>
         <p:nvGrpSpPr>
-          <p:cNvPr id="76" name="Group 75">
+          <p:cNvPr id="79" name="Group 78">
             <a:extLst>
               <a:ext uri="{FF2B5EF4-FFF2-40B4-BE49-F238E27FC236}">
                 <a16:creationId xmlns:a16="http://schemas.microsoft.com/office/drawing/2014/main" id="{86A6D505-4CAD-4827-A8B4-1F7AC0D804FA}"/>
               </a:ext>
               <a:ext uri="{C183D7F6-B498-43B3-948B-1728B52AA6E4}">
-                <adec:decorative xmlns="" xmlns:adec="http://schemas.microsoft.com/office/drawing/2017/decorative" val="1"/>
+                <adec:decorative xmlns:adec="http://schemas.microsoft.com/office/drawing/2017/decorative" xmlns="" val="1"/>
               </a:ext>
             </a:extLst>
           </p:cNvPr>
@@ -11102,7 +11107,7 @@
         </p:nvGrpSpPr>
         <p:grpSpPr>
           <a:xfrm>
-            <a:off x="6496745" y="4645820"/>
+            <a:off x="6500069" y="4684654"/>
             <a:ext cx="1389615" cy="544407"/>
             <a:chOff x="6277476" y="3090121"/>
             <a:chExt cx="1389615" cy="544407"/>
@@ -11110,7 +11115,7 @@
         </p:grpSpPr>
         <p:sp>
           <p:nvSpPr>
-            <p:cNvPr id="77" name="Rectangle 76">
+            <p:cNvPr id="80" name="Rectangle 79">
               <a:extLst>
                 <a:ext uri="{FF2B5EF4-FFF2-40B4-BE49-F238E27FC236}">
                   <a16:creationId xmlns:a16="http://schemas.microsoft.com/office/drawing/2014/main" id="{7680BFC0-C377-43B7-B23F-4331CD268525}"/>
@@ -11203,6 +11208,32 @@
                   <a:spcPct val="35000"/>
                 </a:spcAft>
               </a:pPr>
+              <a:r>
+                <a:rPr lang="en-US" sz="1200" dirty="0" smtClean="0">
+                  <a:solidFill>
+                    <a:schemeClr val="tx1"/>
+                  </a:solidFill>
+                </a:rPr>
+                <a:t>Trevor Blampied</a:t>
+              </a:r>
+              <a:endParaRPr lang="en-US" sz="1200" dirty="0">
+                <a:solidFill>
+                  <a:schemeClr val="tx1"/>
+                </a:solidFill>
+              </a:endParaRPr>
+            </a:p>
+            <a:p>
+              <a:pPr algn="ctr" defTabSz="400050">
+                <a:lnSpc>
+                  <a:spcPct val="90000"/>
+                </a:lnSpc>
+                <a:spcBef>
+                  <a:spcPct val="0"/>
+                </a:spcBef>
+                <a:spcAft>
+                  <a:spcPct val="35000"/>
+                </a:spcAft>
+              </a:pPr>
               <a:endParaRPr lang="en-US" sz="1200" dirty="0">
                 <a:solidFill>
                   <a:schemeClr val="tx1"/>
@@ -11213,7 +11244,7 @@
         </p:sp>
         <p:sp>
           <p:nvSpPr>
-            <p:cNvPr id="78" name="Rectangle 77">
+            <p:cNvPr id="81" name="Rectangle 80">
               <a:extLst>
                 <a:ext uri="{FF2B5EF4-FFF2-40B4-BE49-F238E27FC236}">
                   <a16:creationId xmlns:a16="http://schemas.microsoft.com/office/drawing/2014/main" id="{69AD1D87-4B90-4FEC-8865-92DD51544D7D}"/>
@@ -11240,6 +11271,733 @@
             <a:effectLst>
               <a:glow rad="254000">
                 <a:schemeClr val="accent6">
+                  <a:satMod val="175000"/>
+                  <a:alpha val="10000"/>
+                </a:schemeClr>
+              </a:glow>
+            </a:effectLst>
+            <a:scene3d>
+              <a:camera prst="obliqueTopLeft"/>
+              <a:lightRig rig="brightRoom" dir="t"/>
+            </a:scene3d>
+            <a:sp3d extrusionH="88900"/>
+          </p:spPr>
+          <p:style>
+            <a:lnRef idx="2">
+              <a:schemeClr val="accent1">
+                <a:hueOff val="0"/>
+                <a:satOff val="0"/>
+                <a:lumOff val="0"/>
+                <a:alphaOff val="0"/>
+              </a:schemeClr>
+            </a:lnRef>
+            <a:fillRef idx="1">
+              <a:scrgbClr r="0" g="0" b="0"/>
+            </a:fillRef>
+            <a:effectRef idx="0">
+              <a:schemeClr val="lt1">
+                <a:alpha val="90000"/>
+                <a:hueOff val="0"/>
+                <a:satOff val="0"/>
+                <a:lumOff val="0"/>
+                <a:alphaOff val="0"/>
+              </a:schemeClr>
+            </a:effectRef>
+            <a:fontRef idx="minor">
+              <a:schemeClr val="dk1">
+                <a:hueOff val="0"/>
+                <a:satOff val="0"/>
+                <a:lumOff val="0"/>
+                <a:alphaOff val="0"/>
+              </a:schemeClr>
+            </a:fontRef>
+          </p:style>
+          <p:txBody>
+            <a:bodyPr spcFirstLastPara="0" vert="horz" wrap="square" lIns="72000" tIns="5715" rIns="72000" bIns="5715" numCol="1" spcCol="1270" anchor="ctr" anchorCtr="0">
+              <a:noAutofit/>
+              <a:flatTx/>
+            </a:bodyPr>
+            <a:lstStyle/>
+            <a:p>
+              <a:pPr algn="ctr" defTabSz="400050">
+                <a:lnSpc>
+                  <a:spcPct val="90000"/>
+                </a:lnSpc>
+                <a:spcBef>
+                  <a:spcPct val="0"/>
+                </a:spcBef>
+                <a:spcAft>
+                  <a:spcPct val="35000"/>
+                </a:spcAft>
+              </a:pPr>
+              <a:endParaRPr lang="en-US" sz="1000" dirty="0">
+                <a:solidFill>
+                  <a:schemeClr val="bg1"/>
+                </a:solidFill>
+              </a:endParaRPr>
+            </a:p>
+          </p:txBody>
+        </p:sp>
+      </p:grpSp>
+      <p:cxnSp>
+        <p:nvCxnSpPr>
+          <p:cNvPr id="82" name="Connector: Elbow 95" descr="decorative element">
+            <a:extLst>
+              <a:ext uri="{FF2B5EF4-FFF2-40B4-BE49-F238E27FC236}">
+                <a16:creationId xmlns:a16="http://schemas.microsoft.com/office/drawing/2014/main" id="{185DC171-E6CD-4880-8EF4-7E0DB7F6C2B2}"/>
+              </a:ext>
+            </a:extLst>
+          </p:cNvPr>
+          <p:cNvCxnSpPr>
+            <a:cxnSpLocks/>
+          </p:cNvCxnSpPr>
+          <p:nvPr/>
+        </p:nvCxnSpPr>
+        <p:spPr>
+          <a:xfrm rot="10800000" flipV="1">
+            <a:off x="1244600" y="2369956"/>
+            <a:ext cx="1951800" cy="153923"/>
+          </a:xfrm>
+          <a:prstGeom prst="bentConnector3">
+            <a:avLst>
+              <a:gd name="adj1" fmla="val 99777"/>
+            </a:avLst>
+          </a:prstGeom>
+          <a:ln w="3175">
+            <a:solidFill>
+              <a:schemeClr val="bg1">
+                <a:lumMod val="75000"/>
+              </a:schemeClr>
+            </a:solidFill>
+            <a:prstDash val="solid"/>
+            <a:headEnd type="none" w="sm" len="sm"/>
+            <a:tailEnd type="none" w="sm" len="sm"/>
+          </a:ln>
+        </p:spPr>
+        <p:style>
+          <a:lnRef idx="1">
+            <a:schemeClr val="accent1"/>
+          </a:lnRef>
+          <a:fillRef idx="0">
+            <a:schemeClr val="accent1"/>
+          </a:fillRef>
+          <a:effectRef idx="0">
+            <a:schemeClr val="accent1"/>
+          </a:effectRef>
+          <a:fontRef idx="minor">
+            <a:schemeClr val="tx1"/>
+          </a:fontRef>
+        </p:style>
+      </p:cxnSp>
+      <p:grpSp>
+        <p:nvGrpSpPr>
+          <p:cNvPr id="97" name="Group 96">
+            <a:extLst>
+              <a:ext uri="{FF2B5EF4-FFF2-40B4-BE49-F238E27FC236}">
+                <a16:creationId xmlns:a16="http://schemas.microsoft.com/office/drawing/2014/main" id="{4E2090BB-E0AA-4E59-A402-4D5BBD0CCF9E}"/>
+              </a:ext>
+              <a:ext uri="{C183D7F6-B498-43B3-948B-1728B52AA6E4}">
+                <adec:decorative xmlns:adec="http://schemas.microsoft.com/office/drawing/2017/decorative" xmlns="" val="1"/>
+              </a:ext>
+            </a:extLst>
+          </p:cNvPr>
+          <p:cNvGrpSpPr/>
+          <p:nvPr/>
+        </p:nvGrpSpPr>
+        <p:grpSpPr>
+          <a:xfrm>
+            <a:off x="597085" y="2573522"/>
+            <a:ext cx="1386596" cy="544407"/>
+            <a:chOff x="2810778" y="3090121"/>
+            <a:chExt cx="1386596" cy="544407"/>
+          </a:xfrm>
+        </p:grpSpPr>
+        <p:sp>
+          <p:nvSpPr>
+            <p:cNvPr id="99" name="Rectangle 98">
+              <a:extLst>
+                <a:ext uri="{FF2B5EF4-FFF2-40B4-BE49-F238E27FC236}">
+                  <a16:creationId xmlns:a16="http://schemas.microsoft.com/office/drawing/2014/main" id="{34DDF4F5-5B7C-404B-B1E1-1ACBDB71768D}"/>
+                </a:ext>
+              </a:extLst>
+            </p:cNvPr>
+            <p:cNvSpPr/>
+            <p:nvPr/>
+          </p:nvSpPr>
+          <p:spPr>
+            <a:xfrm>
+              <a:off x="2810778" y="3090121"/>
+              <a:ext cx="1368000" cy="509451"/>
+            </a:xfrm>
+            <a:prstGeom prst="rect">
+              <a:avLst/>
+            </a:prstGeom>
+            <a:gradFill>
+              <a:gsLst>
+                <a:gs pos="0">
+                  <a:schemeClr val="bg1"/>
+                </a:gs>
+                <a:gs pos="100000">
+                  <a:schemeClr val="bg1">
+                    <a:lumMod val="85000"/>
+                  </a:schemeClr>
+                </a:gs>
+              </a:gsLst>
+              <a:lin ang="5400000" scaled="0"/>
+            </a:gradFill>
+            <a:ln w="3175" cap="rnd" cmpd="sng" algn="ctr">
+              <a:solidFill>
+                <a:schemeClr val="bg1">
+                  <a:lumMod val="85000"/>
+                </a:schemeClr>
+              </a:solidFill>
+              <a:prstDash val="solid"/>
+            </a:ln>
+            <a:effectLst/>
+            <a:scene3d>
+              <a:camera prst="obliqueTopLeft"/>
+              <a:lightRig rig="soft" dir="t"/>
+            </a:scene3d>
+            <a:sp3d extrusionH="190500" prstMaterial="matte">
+              <a:contourClr>
+                <a:prstClr val="black">
+                  <a:lumMod val="50000"/>
+                  <a:lumOff val="50000"/>
+                </a:prstClr>
+              </a:contourClr>
+            </a:sp3d>
+          </p:spPr>
+          <p:style>
+            <a:lnRef idx="2">
+              <a:scrgbClr r="0" g="0" b="0"/>
+            </a:lnRef>
+            <a:fillRef idx="1">
+              <a:scrgbClr r="0" g="0" b="0"/>
+            </a:fillRef>
+            <a:effectRef idx="0">
+              <a:scrgbClr r="0" g="0" b="0"/>
+            </a:effectRef>
+            <a:fontRef idx="minor">
+              <a:schemeClr val="lt1"/>
+            </a:fontRef>
+          </p:style>
+          <p:txBody>
+            <a:bodyPr spcFirstLastPara="0" vert="horz" wrap="square" lIns="72000" tIns="5715" rIns="72000" bIns="54011" numCol="1" spcCol="1270" anchor="ctr" anchorCtr="0">
+              <a:noAutofit/>
+              <a:flatTx/>
+            </a:bodyPr>
+            <a:lstStyle/>
+            <a:p>
+              <a:pPr algn="ctr" defTabSz="400050">
+                <a:lnSpc>
+                  <a:spcPct val="90000"/>
+                </a:lnSpc>
+                <a:spcBef>
+                  <a:spcPct val="0"/>
+                </a:spcBef>
+                <a:spcAft>
+                  <a:spcPct val="35000"/>
+                </a:spcAft>
+              </a:pPr>
+              <a:r>
+                <a:rPr lang="en-US" sz="1200" dirty="0" smtClean="0">
+                  <a:solidFill>
+                    <a:prstClr val="black"/>
+                  </a:solidFill>
+                </a:rPr>
+                <a:t>Andrew Masters</a:t>
+              </a:r>
+              <a:endParaRPr lang="en-US" sz="1200" dirty="0">
+                <a:solidFill>
+                  <a:prstClr val="black"/>
+                </a:solidFill>
+              </a:endParaRPr>
+            </a:p>
+          </p:txBody>
+        </p:sp>
+        <p:sp>
+          <p:nvSpPr>
+            <p:cNvPr id="101" name="Rectangle 100">
+              <a:extLst>
+                <a:ext uri="{FF2B5EF4-FFF2-40B4-BE49-F238E27FC236}">
+                  <a16:creationId xmlns:a16="http://schemas.microsoft.com/office/drawing/2014/main" id="{8719F41B-F375-43C0-BE50-947424C62AF7}"/>
+                </a:ext>
+              </a:extLst>
+            </p:cNvPr>
+            <p:cNvSpPr/>
+            <p:nvPr/>
+          </p:nvSpPr>
+          <p:spPr>
+            <a:xfrm>
+              <a:off x="2829374" y="3526528"/>
+              <a:ext cx="1368000" cy="108000"/>
+            </a:xfrm>
+            <a:prstGeom prst="rect">
+              <a:avLst/>
+            </a:prstGeom>
+            <a:solidFill>
+              <a:schemeClr val="accent6"/>
+            </a:solidFill>
+            <a:ln>
+              <a:noFill/>
+            </a:ln>
+            <a:effectLst>
+              <a:glow rad="254000">
+                <a:schemeClr val="accent1">
+                  <a:satMod val="175000"/>
+                  <a:alpha val="10000"/>
+                </a:schemeClr>
+              </a:glow>
+            </a:effectLst>
+            <a:scene3d>
+              <a:camera prst="obliqueTopLeft"/>
+              <a:lightRig rig="brightRoom" dir="t"/>
+            </a:scene3d>
+            <a:sp3d extrusionH="88900"/>
+          </p:spPr>
+          <p:style>
+            <a:lnRef idx="2">
+              <a:schemeClr val="accent1">
+                <a:hueOff val="0"/>
+                <a:satOff val="0"/>
+                <a:lumOff val="0"/>
+                <a:alphaOff val="0"/>
+              </a:schemeClr>
+            </a:lnRef>
+            <a:fillRef idx="1">
+              <a:scrgbClr r="0" g="0" b="0"/>
+            </a:fillRef>
+            <a:effectRef idx="0">
+              <a:schemeClr val="lt1">
+                <a:alpha val="90000"/>
+                <a:hueOff val="0"/>
+                <a:satOff val="0"/>
+                <a:lumOff val="0"/>
+                <a:alphaOff val="0"/>
+              </a:schemeClr>
+            </a:effectRef>
+            <a:fontRef idx="minor">
+              <a:schemeClr val="dk1">
+                <a:hueOff val="0"/>
+                <a:satOff val="0"/>
+                <a:lumOff val="0"/>
+                <a:alphaOff val="0"/>
+              </a:schemeClr>
+            </a:fontRef>
+          </p:style>
+          <p:txBody>
+            <a:bodyPr spcFirstLastPara="0" vert="horz" wrap="square" lIns="72000" tIns="5715" rIns="72000" bIns="5715" numCol="1" spcCol="1270" anchor="ctr" anchorCtr="0">
+              <a:noAutofit/>
+              <a:flatTx/>
+            </a:bodyPr>
+            <a:lstStyle/>
+            <a:p>
+              <a:pPr algn="ctr" defTabSz="400050">
+                <a:lnSpc>
+                  <a:spcPct val="90000"/>
+                </a:lnSpc>
+                <a:spcBef>
+                  <a:spcPct val="0"/>
+                </a:spcBef>
+                <a:spcAft>
+                  <a:spcPct val="35000"/>
+                </a:spcAft>
+              </a:pPr>
+              <a:r>
+                <a:rPr lang="en-US" sz="1000" dirty="0" smtClean="0">
+                  <a:solidFill>
+                    <a:schemeClr val="bg1"/>
+                  </a:solidFill>
+                </a:rPr>
+                <a:t>Gimbal Lead</a:t>
+              </a:r>
+              <a:endParaRPr lang="en-US" sz="1000" dirty="0">
+                <a:solidFill>
+                  <a:schemeClr val="bg1"/>
+                </a:solidFill>
+              </a:endParaRPr>
+            </a:p>
+          </p:txBody>
+        </p:sp>
+      </p:grpSp>
+      <p:grpSp>
+        <p:nvGrpSpPr>
+          <p:cNvPr id="103" name="Group 102">
+            <a:extLst>
+              <a:ext uri="{FF2B5EF4-FFF2-40B4-BE49-F238E27FC236}">
+                <a16:creationId xmlns:a16="http://schemas.microsoft.com/office/drawing/2014/main" id="{DFDF04A4-723B-4E94-82D9-05F9FA39A2CE}"/>
+              </a:ext>
+              <a:ext uri="{C183D7F6-B498-43B3-948B-1728B52AA6E4}">
+                <adec:decorative xmlns:adec="http://schemas.microsoft.com/office/drawing/2017/decorative" xmlns="" val="1"/>
+              </a:ext>
+            </a:extLst>
+          </p:cNvPr>
+          <p:cNvGrpSpPr/>
+          <p:nvPr/>
+        </p:nvGrpSpPr>
+        <p:grpSpPr>
+          <a:xfrm>
+            <a:off x="587787" y="3257160"/>
+            <a:ext cx="1386596" cy="544407"/>
+            <a:chOff x="2810778" y="3090121"/>
+            <a:chExt cx="1386596" cy="544407"/>
+          </a:xfrm>
+        </p:grpSpPr>
+        <p:sp>
+          <p:nvSpPr>
+            <p:cNvPr id="104" name="Rectangle 103">
+              <a:extLst>
+                <a:ext uri="{FF2B5EF4-FFF2-40B4-BE49-F238E27FC236}">
+                  <a16:creationId xmlns:a16="http://schemas.microsoft.com/office/drawing/2014/main" id="{2CCB6C06-A179-4116-9B6B-276160D11F50}"/>
+                </a:ext>
+              </a:extLst>
+            </p:cNvPr>
+            <p:cNvSpPr/>
+            <p:nvPr/>
+          </p:nvSpPr>
+          <p:spPr>
+            <a:xfrm>
+              <a:off x="2810778" y="3090121"/>
+              <a:ext cx="1368000" cy="509451"/>
+            </a:xfrm>
+            <a:prstGeom prst="rect">
+              <a:avLst/>
+            </a:prstGeom>
+            <a:gradFill>
+              <a:gsLst>
+                <a:gs pos="0">
+                  <a:schemeClr val="bg1"/>
+                </a:gs>
+                <a:gs pos="100000">
+                  <a:schemeClr val="bg1">
+                    <a:lumMod val="85000"/>
+                  </a:schemeClr>
+                </a:gs>
+              </a:gsLst>
+              <a:lin ang="5400000" scaled="0"/>
+            </a:gradFill>
+            <a:ln w="3175" cap="rnd" cmpd="sng" algn="ctr">
+              <a:solidFill>
+                <a:schemeClr val="bg1">
+                  <a:lumMod val="85000"/>
+                </a:schemeClr>
+              </a:solidFill>
+              <a:prstDash val="solid"/>
+            </a:ln>
+            <a:effectLst/>
+            <a:scene3d>
+              <a:camera prst="obliqueTopLeft"/>
+              <a:lightRig rig="soft" dir="t"/>
+            </a:scene3d>
+            <a:sp3d extrusionH="190500" prstMaterial="matte">
+              <a:contourClr>
+                <a:prstClr val="black">
+                  <a:lumMod val="50000"/>
+                  <a:lumOff val="50000"/>
+                </a:prstClr>
+              </a:contourClr>
+            </a:sp3d>
+          </p:spPr>
+          <p:style>
+            <a:lnRef idx="2">
+              <a:scrgbClr r="0" g="0" b="0"/>
+            </a:lnRef>
+            <a:fillRef idx="1">
+              <a:scrgbClr r="0" g="0" b="0"/>
+            </a:fillRef>
+            <a:effectRef idx="0">
+              <a:scrgbClr r="0" g="0" b="0"/>
+            </a:effectRef>
+            <a:fontRef idx="minor">
+              <a:schemeClr val="lt1"/>
+            </a:fontRef>
+          </p:style>
+          <p:txBody>
+            <a:bodyPr spcFirstLastPara="0" vert="horz" wrap="square" lIns="72000" tIns="5715" rIns="72000" bIns="54011" numCol="1" spcCol="1270" anchor="ctr" anchorCtr="0">
+              <a:noAutofit/>
+              <a:flatTx/>
+            </a:bodyPr>
+            <a:lstStyle/>
+            <a:p>
+              <a:pPr algn="ctr" defTabSz="400050">
+                <a:lnSpc>
+                  <a:spcPct val="90000"/>
+                </a:lnSpc>
+                <a:spcBef>
+                  <a:spcPct val="0"/>
+                </a:spcBef>
+                <a:spcAft>
+                  <a:spcPct val="35000"/>
+                </a:spcAft>
+              </a:pPr>
+              <a:r>
+                <a:rPr lang="en-US" sz="1200" dirty="0" smtClean="0">
+                  <a:solidFill>
+                    <a:prstClr val="black"/>
+                  </a:solidFill>
+                </a:rPr>
+                <a:t>Francesco?</a:t>
+              </a:r>
+              <a:endParaRPr lang="en-US" sz="1200" dirty="0">
+                <a:solidFill>
+                  <a:prstClr val="black"/>
+                </a:solidFill>
+              </a:endParaRPr>
+            </a:p>
+          </p:txBody>
+        </p:sp>
+        <p:sp>
+          <p:nvSpPr>
+            <p:cNvPr id="106" name="Rectangle 105">
+              <a:extLst>
+                <a:ext uri="{FF2B5EF4-FFF2-40B4-BE49-F238E27FC236}">
+                  <a16:creationId xmlns:a16="http://schemas.microsoft.com/office/drawing/2014/main" id="{A9535078-5839-4A7B-B9B0-97FAE52BA7AD}"/>
+                </a:ext>
+              </a:extLst>
+            </p:cNvPr>
+            <p:cNvSpPr/>
+            <p:nvPr/>
+          </p:nvSpPr>
+          <p:spPr>
+            <a:xfrm>
+              <a:off x="2829374" y="3526528"/>
+              <a:ext cx="1368000" cy="108000"/>
+            </a:xfrm>
+            <a:prstGeom prst="rect">
+              <a:avLst/>
+            </a:prstGeom>
+            <a:solidFill>
+              <a:schemeClr val="accent6"/>
+            </a:solidFill>
+            <a:ln>
+              <a:noFill/>
+            </a:ln>
+            <a:effectLst>
+              <a:glow rad="254000">
+                <a:schemeClr val="accent1">
+                  <a:satMod val="175000"/>
+                  <a:alpha val="10000"/>
+                </a:schemeClr>
+              </a:glow>
+            </a:effectLst>
+            <a:scene3d>
+              <a:camera prst="obliqueTopLeft"/>
+              <a:lightRig rig="brightRoom" dir="t"/>
+            </a:scene3d>
+            <a:sp3d extrusionH="88900"/>
+          </p:spPr>
+          <p:style>
+            <a:lnRef idx="2">
+              <a:schemeClr val="accent1">
+                <a:hueOff val="0"/>
+                <a:satOff val="0"/>
+                <a:lumOff val="0"/>
+                <a:alphaOff val="0"/>
+              </a:schemeClr>
+            </a:lnRef>
+            <a:fillRef idx="1">
+              <a:scrgbClr r="0" g="0" b="0"/>
+            </a:fillRef>
+            <a:effectRef idx="0">
+              <a:schemeClr val="lt1">
+                <a:alpha val="90000"/>
+                <a:hueOff val="0"/>
+                <a:satOff val="0"/>
+                <a:lumOff val="0"/>
+                <a:alphaOff val="0"/>
+              </a:schemeClr>
+            </a:effectRef>
+            <a:fontRef idx="minor">
+              <a:schemeClr val="dk1">
+                <a:hueOff val="0"/>
+                <a:satOff val="0"/>
+                <a:lumOff val="0"/>
+                <a:alphaOff val="0"/>
+              </a:schemeClr>
+            </a:fontRef>
+          </p:style>
+          <p:txBody>
+            <a:bodyPr spcFirstLastPara="0" vert="horz" wrap="square" lIns="72000" tIns="5715" rIns="72000" bIns="5715" numCol="1" spcCol="1270" anchor="ctr" anchorCtr="0">
+              <a:noAutofit/>
+              <a:flatTx/>
+            </a:bodyPr>
+            <a:lstStyle/>
+            <a:p>
+              <a:pPr algn="ctr" defTabSz="400050">
+                <a:lnSpc>
+                  <a:spcPct val="90000"/>
+                </a:lnSpc>
+                <a:spcBef>
+                  <a:spcPct val="0"/>
+                </a:spcBef>
+                <a:spcAft>
+                  <a:spcPct val="35000"/>
+                </a:spcAft>
+              </a:pPr>
+              <a:endParaRPr lang="en-US" sz="1000" dirty="0">
+                <a:solidFill>
+                  <a:schemeClr val="bg1"/>
+                </a:solidFill>
+              </a:endParaRPr>
+            </a:p>
+          </p:txBody>
+        </p:sp>
+      </p:grpSp>
+      <p:grpSp>
+        <p:nvGrpSpPr>
+          <p:cNvPr id="107" name="Group 106">
+            <a:extLst>
+              <a:ext uri="{FF2B5EF4-FFF2-40B4-BE49-F238E27FC236}">
+                <a16:creationId xmlns:a16="http://schemas.microsoft.com/office/drawing/2014/main" id="{DFDF04A4-723B-4E94-82D9-05F9FA39A2CE}"/>
+              </a:ext>
+              <a:ext uri="{C183D7F6-B498-43B3-948B-1728B52AA6E4}">
+                <adec:decorative xmlns:adec="http://schemas.microsoft.com/office/drawing/2017/decorative" xmlns="" val="1"/>
+              </a:ext>
+            </a:extLst>
+          </p:cNvPr>
+          <p:cNvGrpSpPr/>
+          <p:nvPr/>
+        </p:nvGrpSpPr>
+        <p:grpSpPr>
+          <a:xfrm>
+            <a:off x="587787" y="3954744"/>
+            <a:ext cx="1386596" cy="544407"/>
+            <a:chOff x="2810778" y="3090121"/>
+            <a:chExt cx="1386596" cy="544407"/>
+          </a:xfrm>
+        </p:grpSpPr>
+        <p:sp>
+          <p:nvSpPr>
+            <p:cNvPr id="108" name="Rectangle 107">
+              <a:extLst>
+                <a:ext uri="{FF2B5EF4-FFF2-40B4-BE49-F238E27FC236}">
+                  <a16:creationId xmlns:a16="http://schemas.microsoft.com/office/drawing/2014/main" id="{2CCB6C06-A179-4116-9B6B-276160D11F50}"/>
+                </a:ext>
+              </a:extLst>
+            </p:cNvPr>
+            <p:cNvSpPr/>
+            <p:nvPr/>
+          </p:nvSpPr>
+          <p:spPr>
+            <a:xfrm>
+              <a:off x="2810778" y="3090121"/>
+              <a:ext cx="1368000" cy="509451"/>
+            </a:xfrm>
+            <a:prstGeom prst="rect">
+              <a:avLst/>
+            </a:prstGeom>
+            <a:gradFill>
+              <a:gsLst>
+                <a:gs pos="0">
+                  <a:schemeClr val="bg1"/>
+                </a:gs>
+                <a:gs pos="100000">
+                  <a:schemeClr val="bg1">
+                    <a:lumMod val="85000"/>
+                  </a:schemeClr>
+                </a:gs>
+              </a:gsLst>
+              <a:lin ang="5400000" scaled="0"/>
+            </a:gradFill>
+            <a:ln w="3175" cap="rnd" cmpd="sng" algn="ctr">
+              <a:solidFill>
+                <a:schemeClr val="bg1">
+                  <a:lumMod val="85000"/>
+                </a:schemeClr>
+              </a:solidFill>
+              <a:prstDash val="solid"/>
+            </a:ln>
+            <a:effectLst/>
+            <a:scene3d>
+              <a:camera prst="obliqueTopLeft"/>
+              <a:lightRig rig="soft" dir="t"/>
+            </a:scene3d>
+            <a:sp3d extrusionH="190500" prstMaterial="matte">
+              <a:contourClr>
+                <a:prstClr val="black">
+                  <a:lumMod val="50000"/>
+                  <a:lumOff val="50000"/>
+                </a:prstClr>
+              </a:contourClr>
+            </a:sp3d>
+          </p:spPr>
+          <p:style>
+            <a:lnRef idx="2">
+              <a:scrgbClr r="0" g="0" b="0"/>
+            </a:lnRef>
+            <a:fillRef idx="1">
+              <a:scrgbClr r="0" g="0" b="0"/>
+            </a:fillRef>
+            <a:effectRef idx="0">
+              <a:scrgbClr r="0" g="0" b="0"/>
+            </a:effectRef>
+            <a:fontRef idx="minor">
+              <a:schemeClr val="lt1"/>
+            </a:fontRef>
+          </p:style>
+          <p:txBody>
+            <a:bodyPr spcFirstLastPara="0" vert="horz" wrap="square" lIns="72000" tIns="5715" rIns="72000" bIns="54011" numCol="1" spcCol="1270" anchor="ctr" anchorCtr="0">
+              <a:noAutofit/>
+              <a:flatTx/>
+            </a:bodyPr>
+            <a:lstStyle/>
+            <a:p>
+              <a:pPr algn="ctr" defTabSz="400050">
+                <a:lnSpc>
+                  <a:spcPct val="90000"/>
+                </a:lnSpc>
+                <a:spcBef>
+                  <a:spcPct val="0"/>
+                </a:spcBef>
+                <a:spcAft>
+                  <a:spcPct val="35000"/>
+                </a:spcAft>
+              </a:pPr>
+              <a:r>
+                <a:rPr lang="en-US" sz="1200" dirty="0" smtClean="0">
+                  <a:solidFill>
+                    <a:prstClr val="black"/>
+                  </a:solidFill>
+                </a:rPr>
+                <a:t>Kristian?</a:t>
+              </a:r>
+              <a:endParaRPr lang="en-US" sz="1200" dirty="0">
+                <a:solidFill>
+                  <a:prstClr val="black"/>
+                </a:solidFill>
+              </a:endParaRPr>
+            </a:p>
+          </p:txBody>
+        </p:sp>
+        <p:sp>
+          <p:nvSpPr>
+            <p:cNvPr id="109" name="Rectangle 108">
+              <a:extLst>
+                <a:ext uri="{FF2B5EF4-FFF2-40B4-BE49-F238E27FC236}">
+                  <a16:creationId xmlns:a16="http://schemas.microsoft.com/office/drawing/2014/main" id="{A9535078-5839-4A7B-B9B0-97FAE52BA7AD}"/>
+                </a:ext>
+              </a:extLst>
+            </p:cNvPr>
+            <p:cNvSpPr/>
+            <p:nvPr/>
+          </p:nvSpPr>
+          <p:spPr>
+            <a:xfrm>
+              <a:off x="2829374" y="3526528"/>
+              <a:ext cx="1368000" cy="108000"/>
+            </a:xfrm>
+            <a:prstGeom prst="rect">
+              <a:avLst/>
+            </a:prstGeom>
+            <a:solidFill>
+              <a:schemeClr val="accent6"/>
+            </a:solidFill>
+            <a:ln>
+              <a:noFill/>
+            </a:ln>
+            <a:effectLst>
+              <a:glow rad="254000">
+                <a:schemeClr val="accent1">
                   <a:satMod val="175000"/>
                   <a:alpha val="10000"/>
                 </a:schemeClr>
@@ -14312,23 +15070,6 @@
 </file>
 
 <file path=customXml/item1.xml><?xml version="1.0" encoding="utf-8"?>
-<p:properties xmlns:p="http://schemas.microsoft.com/office/2006/metadata/properties" xmlns:xsi="http://www.w3.org/2001/XMLSchema-instance" xmlns:pc="http://schemas.microsoft.com/office/infopath/2007/PartnerControls">
-  <documentManagement>
-    <MediaServiceKeyPoints xmlns="71af3243-3dd4-4a8d-8c0d-dd76da1f02a5" xsi:nil="true"/>
-  </documentManagement>
-</p:properties>
-</file>
-
-<file path=customXml/item2.xml><?xml version="1.0" encoding="utf-8"?>
-<?mso-contentType ?>
-<FormTemplates xmlns="http://schemas.microsoft.com/sharepoint/v3/contenttype/forms">
-  <Display>DocumentLibraryForm</Display>
-  <Edit>DocumentLibraryForm</Edit>
-  <New>DocumentLibraryForm</New>
-</FormTemplates>
-</file>
-
-<file path=customXml/item3.xml><?xml version="1.0" encoding="utf-8"?>
 <ct:contentTypeSchema xmlns:ct="http://schemas.microsoft.com/office/2006/metadata/contentType" xmlns:ma="http://schemas.microsoft.com/office/2006/metadata/properties/metaAttributes" ct:_="" ma:_="" ma:contentTypeName="Document" ma:contentTypeID="0x01010079F111ED35F8CC479449609E8A0923A6" ma:contentTypeVersion="11" ma:contentTypeDescription="Create a new document." ma:contentTypeScope="" ma:versionID="9677210f24a1be23c92c90fd886aa0aa">
   <xsd:schema xmlns:xsd="http://www.w3.org/2001/XMLSchema" xmlns:xs="http://www.w3.org/2001/XMLSchema" xmlns:p="http://schemas.microsoft.com/office/2006/metadata/properties" xmlns:ns2="71af3243-3dd4-4a8d-8c0d-dd76da1f02a5" xmlns:ns3="16c05727-aa75-4e4a-9b5f-8a80a1165891" targetNamespace="http://schemas.microsoft.com/office/2006/metadata/properties" ma:root="true" ma:fieldsID="60e05723c5c1908df1a1a4ebf11d344e" ns2:_="" ns3:_="">
     <xsd:import namespace="71af3243-3dd4-4a8d-8c0d-dd76da1f02a5"/>
@@ -14539,32 +15280,24 @@
 </ct:contentTypeSchema>
 </file>
 
-<file path=customXml/itemProps1.xml><?xml version="1.0" encoding="utf-8"?>
-<ds:datastoreItem xmlns:ds="http://schemas.openxmlformats.org/officeDocument/2006/customXml" ds:itemID="{3C2AD4FE-5267-4953-9D66-004581AED1F0}">
-  <ds:schemaRefs>
-    <ds:schemaRef ds:uri="http://purl.org/dc/elements/1.1/"/>
-    <ds:schemaRef ds:uri="http://schemas.microsoft.com/office/2006/metadata/properties"/>
-    <ds:schemaRef ds:uri="http://purl.org/dc/terms/"/>
-    <ds:schemaRef ds:uri="http://schemas.openxmlformats.org/package/2006/metadata/core-properties"/>
-    <ds:schemaRef ds:uri="16c05727-aa75-4e4a-9b5f-8a80a1165891"/>
-    <ds:schemaRef ds:uri="http://schemas.microsoft.com/office/2006/documentManagement/types"/>
-    <ds:schemaRef ds:uri="http://schemas.microsoft.com/office/infopath/2007/PartnerControls"/>
-    <ds:schemaRef ds:uri="71af3243-3dd4-4a8d-8c0d-dd76da1f02a5"/>
-    <ds:schemaRef ds:uri="http://www.w3.org/XML/1998/namespace"/>
-    <ds:schemaRef ds:uri="http://purl.org/dc/dcmitype/"/>
-  </ds:schemaRefs>
-</ds:datastoreItem>
+<file path=customXml/item2.xml><?xml version="1.0" encoding="utf-8"?>
+<?mso-contentType ?>
+<FormTemplates xmlns="http://schemas.microsoft.com/sharepoint/v3/contenttype/forms">
+  <Display>DocumentLibraryForm</Display>
+  <Edit>DocumentLibraryForm</Edit>
+  <New>DocumentLibraryForm</New>
+</FormTemplates>
 </file>
 
-<file path=customXml/itemProps2.xml><?xml version="1.0" encoding="utf-8"?>
-<ds:datastoreItem xmlns:ds="http://schemas.openxmlformats.org/officeDocument/2006/customXml" ds:itemID="{9082A0F6-5C05-4A60-9DD8-B772877A4F89}">
-  <ds:schemaRefs>
-    <ds:schemaRef ds:uri="http://schemas.microsoft.com/sharepoint/v3/contenttype/forms"/>
-  </ds:schemaRefs>
-</ds:datastoreItem>
+<file path=customXml/item3.xml><?xml version="1.0" encoding="utf-8"?>
+<p:properties xmlns:p="http://schemas.microsoft.com/office/2006/metadata/properties" xmlns:xsi="http://www.w3.org/2001/XMLSchema-instance" xmlns:pc="http://schemas.microsoft.com/office/infopath/2007/PartnerControls">
+  <documentManagement>
+    <MediaServiceKeyPoints xmlns="71af3243-3dd4-4a8d-8c0d-dd76da1f02a5" xsi:nil="true"/>
+  </documentManagement>
+</p:properties>
 </file>
 
-<file path=customXml/itemProps3.xml><?xml version="1.0" encoding="utf-8"?>
+<file path=customXml/itemProps1.xml><?xml version="1.0" encoding="utf-8"?>
 <ds:datastoreItem xmlns:ds="http://schemas.openxmlformats.org/officeDocument/2006/customXml" ds:itemID="{840DE65C-3715-41A1-996C-103EA7902D46}">
   <ds:schemaRefs>
     <ds:schemaRef ds:uri="http://schemas.microsoft.com/office/2006/metadata/contentType"/>
@@ -14581,4 +15314,29 @@
     <ds:schemaRef ds:uri="http://schemas.microsoft.com/internal/obd"/>
   </ds:schemaRefs>
 </ds:datastoreItem>
+</file>
+
+<file path=customXml/itemProps2.xml><?xml version="1.0" encoding="utf-8"?>
+<ds:datastoreItem xmlns:ds="http://schemas.openxmlformats.org/officeDocument/2006/customXml" ds:itemID="{9082A0F6-5C05-4A60-9DD8-B772877A4F89}">
+  <ds:schemaRefs>
+    <ds:schemaRef ds:uri="http://schemas.microsoft.com/sharepoint/v3/contenttype/forms"/>
+  </ds:schemaRefs>
+</ds:datastoreItem>
+</file>
+
+<file path=customXml/itemProps3.xml><?xml version="1.0" encoding="utf-8"?>
+<ds:datastoreItem xmlns:ds="http://schemas.openxmlformats.org/officeDocument/2006/customXml" ds:itemID="{3C2AD4FE-5267-4953-9D66-004581AED1F0}">
+  <ds:schemaRefs>
+    <ds:schemaRef ds:uri="http://purl.org/dc/elements/1.1/"/>
+    <ds:schemaRef ds:uri="http://schemas.microsoft.com/office/2006/metadata/properties"/>
+    <ds:schemaRef ds:uri="http://purl.org/dc/terms/"/>
+    <ds:schemaRef ds:uri="http://schemas.openxmlformats.org/package/2006/metadata/core-properties"/>
+    <ds:schemaRef ds:uri="16c05727-aa75-4e4a-9b5f-8a80a1165891"/>
+    <ds:schemaRef ds:uri="http://schemas.microsoft.com/office/2006/documentManagement/types"/>
+    <ds:schemaRef ds:uri="http://schemas.microsoft.com/office/infopath/2007/PartnerControls"/>
+    <ds:schemaRef ds:uri="71af3243-3dd4-4a8d-8c0d-dd76da1f02a5"/>
+    <ds:schemaRef ds:uri="http://www.w3.org/XML/1998/namespace"/>
+    <ds:schemaRef ds:uri="http://purl.org/dc/dcmitype/"/>
+  </ds:schemaRefs>
+</ds:datastoreItem>
 </file>
--- a/Engineering/2019-2020/Engineering Management/Engineering Organization Chart.pptx
+++ b/Engineering/2019-2020/Engineering Management/Engineering Organization Chart.pptx
@@ -14,7 +14,7 @@
     <p:sldId id="260" r:id="rId5"/>
     <p:sldId id="261" r:id="rId6"/>
   </p:sldIdLst>
-  <p:sldSz cx="12192000" cy="6858000"/>
+  <p:sldSz cx="10058400" cy="7772400"/>
   <p:notesSz cx="6858000" cy="9144000"/>
   <p:defaultTextStyle>
     <a:defPPr>
@@ -222,7 +222,7 @@
           <a:p>
             <a:fld id="{CB7AD89C-BB88-48A3-A1C9-D13CF625B286}" type="datetimeFigureOut">
               <a:rPr lang="en-US" smtClean="0"/>
-              <a:t>9/3/2019</a:t>
+              <a:t>9/7/2019</a:t>
             </a:fld>
             <a:endParaRPr lang="en-US" dirty="0"/>
           </a:p>
@@ -399,7 +399,7 @@
           <a:p>
             <a:fld id="{EFD09F21-8F1F-4129-8AEA-7EF5D9ADF331}" type="datetimeFigureOut">
               <a:rPr lang="en-US" smtClean="0"/>
-              <a:t>9/3/2019</a:t>
+              <a:t>9/7/2019</a:t>
             </a:fld>
             <a:endParaRPr lang="en-US" dirty="0"/>
           </a:p>
@@ -417,8 +417,8 @@
         </p:nvSpPr>
         <p:spPr>
           <a:xfrm>
-            <a:off x="685800" y="1143000"/>
-            <a:ext cx="5486400" cy="3086100"/>
+            <a:off x="1431925" y="1143000"/>
+            <a:ext cx="3994150" cy="3086100"/>
           </a:xfrm>
           <a:prstGeom prst="rect">
             <a:avLst/>
@@ -693,7 +693,12 @@
             <p:ph type="sldImg"/>
           </p:nvPr>
         </p:nvSpPr>
-        <p:spPr/>
+        <p:spPr>
+          <a:xfrm>
+            <a:off x="1431925" y="1143000"/>
+            <a:ext cx="3994150" cy="3086100"/>
+          </a:xfrm>
+        </p:spPr>
       </p:sp>
       <p:sp>
         <p:nvSpPr>
@@ -777,7 +782,12 @@
             <p:ph type="sldImg"/>
           </p:nvPr>
         </p:nvSpPr>
-        <p:spPr/>
+        <p:spPr>
+          <a:xfrm>
+            <a:off x="1431925" y="1143000"/>
+            <a:ext cx="3994150" cy="3086100"/>
+          </a:xfrm>
+        </p:spPr>
       </p:sp>
       <p:sp>
         <p:nvSpPr>
@@ -878,8 +888,8 @@
         </p:blipFill>
         <p:spPr>
           <a:xfrm>
-            <a:off x="0" y="0"/>
-            <a:ext cx="12188825" cy="6856214"/>
+            <a:off x="2" y="0"/>
+            <a:ext cx="10055781" cy="7770376"/>
           </a:xfrm>
           <a:prstGeom prst="rect">
             <a:avLst/>
@@ -898,8 +908,8 @@
         </p:nvSpPr>
         <p:spPr>
           <a:xfrm>
-            <a:off x="3962399" y="1964267"/>
-            <a:ext cx="7197726" cy="2421464"/>
+            <a:off x="3268979" y="2226169"/>
+            <a:ext cx="5938124" cy="2744326"/>
           </a:xfrm>
         </p:spPr>
         <p:txBody>
@@ -908,7 +918,7 @@
           </a:bodyPr>
           <a:lstStyle>
             <a:lvl1pPr algn="r">
-              <a:defRPr sz="4800">
+              <a:defRPr sz="3960">
                 <a:effectLst/>
               </a:defRPr>
             </a:lvl1pPr>
@@ -933,8 +943,8 @@
         </p:nvSpPr>
         <p:spPr>
           <a:xfrm>
-            <a:off x="3962399" y="4385732"/>
-            <a:ext cx="7197726" cy="1405467"/>
+            <a:off x="3268979" y="4970499"/>
+            <a:ext cx="5938124" cy="1592863"/>
           </a:xfrm>
         </p:spPr>
         <p:txBody>
@@ -944,13 +954,13 @@
           <a:lstStyle>
             <a:lvl1pPr marL="0" indent="0" algn="r">
               <a:buNone/>
-              <a:defRPr sz="1800" cap="all">
+              <a:defRPr sz="1485" cap="all">
                 <a:solidFill>
                   <a:schemeClr val="tx1"/>
                 </a:solidFill>
               </a:defRPr>
             </a:lvl1pPr>
-            <a:lvl2pPr marL="457200" indent="0" algn="ctr">
+            <a:lvl2pPr marL="377192" indent="0" algn="ctr">
               <a:buNone/>
               <a:defRPr>
                 <a:solidFill>
@@ -960,7 +970,7 @@
                 </a:solidFill>
               </a:defRPr>
             </a:lvl2pPr>
-            <a:lvl3pPr marL="914400" indent="0" algn="ctr">
+            <a:lvl3pPr marL="754385" indent="0" algn="ctr">
               <a:buNone/>
               <a:defRPr>
                 <a:solidFill>
@@ -970,7 +980,7 @@
                 </a:solidFill>
               </a:defRPr>
             </a:lvl3pPr>
-            <a:lvl4pPr marL="1371600" indent="0" algn="ctr">
+            <a:lvl4pPr marL="1131577" indent="0" algn="ctr">
               <a:buNone/>
               <a:defRPr>
                 <a:solidFill>
@@ -980,7 +990,7 @@
                 </a:solidFill>
               </a:defRPr>
             </a:lvl4pPr>
-            <a:lvl5pPr marL="1828800" indent="0" algn="ctr">
+            <a:lvl5pPr marL="1508770" indent="0" algn="ctr">
               <a:buNone/>
               <a:defRPr>
                 <a:solidFill>
@@ -990,7 +1000,7 @@
                 </a:solidFill>
               </a:defRPr>
             </a:lvl5pPr>
-            <a:lvl6pPr marL="2286000" indent="0" algn="ctr">
+            <a:lvl6pPr marL="1885962" indent="0" algn="ctr">
               <a:buNone/>
               <a:defRPr>
                 <a:solidFill>
@@ -1000,7 +1010,7 @@
                 </a:solidFill>
               </a:defRPr>
             </a:lvl6pPr>
-            <a:lvl7pPr marL="2743200" indent="0" algn="ctr">
+            <a:lvl7pPr marL="2263154" indent="0" algn="ctr">
               <a:buNone/>
               <a:defRPr>
                 <a:solidFill>
@@ -1010,7 +1020,7 @@
                 </a:solidFill>
               </a:defRPr>
             </a:lvl7pPr>
-            <a:lvl8pPr marL="3200400" indent="0" algn="ctr">
+            <a:lvl8pPr marL="2640347" indent="0" algn="ctr">
               <a:buNone/>
               <a:defRPr>
                 <a:solidFill>
@@ -1020,7 +1030,7 @@
                 </a:solidFill>
               </a:defRPr>
             </a:lvl8pPr>
-            <a:lvl9pPr marL="3657600" indent="0" algn="ctr">
+            <a:lvl9pPr marL="3017540" indent="0" algn="ctr">
               <a:buNone/>
               <a:defRPr>
                 <a:solidFill>
@@ -1051,8 +1061,8 @@
         </p:nvSpPr>
         <p:spPr>
           <a:xfrm>
-            <a:off x="8932558" y="5870575"/>
-            <a:ext cx="1600200" cy="377825"/>
+            <a:off x="7369360" y="6653321"/>
+            <a:ext cx="1320165" cy="428202"/>
           </a:xfrm>
         </p:spPr>
         <p:txBody>
@@ -1061,7 +1071,7 @@
           <a:p>
             <a:fld id="{74929172-4BF7-429F-BA25-7E9D1A4215EE}" type="datetimeFigureOut">
               <a:rPr lang="en-US" noProof="0" smtClean="0"/>
-              <a:t>9/3/2019</a:t>
+              <a:t>9/7/2019</a:t>
             </a:fld>
             <a:endParaRPr lang="en-US" noProof="0" dirty="0"/>
           </a:p>
@@ -1079,8 +1089,8 @@
         </p:nvSpPr>
         <p:spPr>
           <a:xfrm>
-            <a:off x="3962399" y="5870575"/>
-            <a:ext cx="4893958" cy="377825"/>
+            <a:off x="3268979" y="6653321"/>
+            <a:ext cx="4037515" cy="428202"/>
           </a:xfrm>
         </p:spPr>
         <p:txBody>
@@ -1103,8 +1113,8 @@
         </p:nvSpPr>
         <p:spPr>
           <a:xfrm>
-            <a:off x="10608958" y="5870575"/>
-            <a:ext cx="551167" cy="377825"/>
+            <a:off x="8752393" y="6653321"/>
+            <a:ext cx="454713" cy="428202"/>
           </a:xfrm>
         </p:spPr>
         <p:txBody>
@@ -1176,8 +1186,8 @@
         </p:blipFill>
         <p:spPr>
           <a:xfrm>
-            <a:off x="0" y="0"/>
-            <a:ext cx="12188825" cy="6856214"/>
+            <a:off x="2" y="0"/>
+            <a:ext cx="10055781" cy="7770376"/>
           </a:xfrm>
           <a:prstGeom prst="rect">
             <a:avLst/>
@@ -1196,8 +1206,8 @@
         </p:nvSpPr>
         <p:spPr>
           <a:xfrm>
-            <a:off x="685800" y="4732865"/>
-            <a:ext cx="10131427" cy="566738"/>
+            <a:off x="565788" y="5363916"/>
+            <a:ext cx="8358427" cy="642303"/>
           </a:xfrm>
         </p:spPr>
         <p:txBody>
@@ -1206,7 +1216,7 @@
           </a:bodyPr>
           <a:lstStyle>
             <a:lvl1pPr algn="l">
-              <a:defRPr sz="2400" b="0"/>
+              <a:defRPr sz="1980" b="0"/>
             </a:lvl1pPr>
           </a:lstStyle>
           <a:p>
@@ -1229,8 +1239,8 @@
         </p:nvSpPr>
         <p:spPr>
           <a:xfrm>
-            <a:off x="1371600" y="932112"/>
-            <a:ext cx="8759827" cy="3164976"/>
+            <a:off x="1131573" y="1056396"/>
+            <a:ext cx="7226857" cy="3586973"/>
           </a:xfrm>
           <a:prstGeom prst="roundRect">
             <a:avLst>
@@ -1271,39 +1281,39 @@
           <a:lstStyle>
             <a:lvl1pPr marL="0" indent="0" algn="ctr">
               <a:buNone/>
-              <a:defRPr sz="1600"/>
+              <a:defRPr sz="1320"/>
             </a:lvl1pPr>
-            <a:lvl2pPr marL="457200" indent="0">
+            <a:lvl2pPr marL="377192" indent="0">
               <a:buNone/>
-              <a:defRPr sz="1600"/>
+              <a:defRPr sz="1320"/>
             </a:lvl2pPr>
-            <a:lvl3pPr marL="914400" indent="0">
+            <a:lvl3pPr marL="754385" indent="0">
               <a:buNone/>
-              <a:defRPr sz="1600"/>
+              <a:defRPr sz="1320"/>
             </a:lvl3pPr>
-            <a:lvl4pPr marL="1371600" indent="0">
+            <a:lvl4pPr marL="1131577" indent="0">
               <a:buNone/>
-              <a:defRPr sz="1600"/>
+              <a:defRPr sz="1320"/>
             </a:lvl4pPr>
-            <a:lvl5pPr marL="1828800" indent="0">
+            <a:lvl5pPr marL="1508770" indent="0">
               <a:buNone/>
-              <a:defRPr sz="1600"/>
+              <a:defRPr sz="1320"/>
             </a:lvl5pPr>
-            <a:lvl6pPr marL="2286000" indent="0">
+            <a:lvl6pPr marL="1885962" indent="0">
               <a:buNone/>
-              <a:defRPr sz="1600"/>
+              <a:defRPr sz="1320"/>
             </a:lvl6pPr>
-            <a:lvl7pPr marL="2743200" indent="0">
+            <a:lvl7pPr marL="2263154" indent="0">
               <a:buNone/>
-              <a:defRPr sz="1600"/>
+              <a:defRPr sz="1320"/>
             </a:lvl7pPr>
-            <a:lvl8pPr marL="3200400" indent="0">
+            <a:lvl8pPr marL="2640347" indent="0">
               <a:buNone/>
-              <a:defRPr sz="1600"/>
+              <a:defRPr sz="1320"/>
             </a:lvl8pPr>
-            <a:lvl9pPr marL="3657600" indent="0">
+            <a:lvl9pPr marL="3017540" indent="0">
               <a:buNone/>
-              <a:defRPr sz="1600"/>
+              <a:defRPr sz="1320"/>
             </a:lvl9pPr>
           </a:lstStyle>
           <a:p>
@@ -1327,8 +1337,8 @@
         </p:nvSpPr>
         <p:spPr>
           <a:xfrm>
-            <a:off x="685800" y="5299603"/>
-            <a:ext cx="10131427" cy="493712"/>
+            <a:off x="565788" y="6006217"/>
+            <a:ext cx="8358427" cy="559540"/>
           </a:xfrm>
         </p:spPr>
         <p:txBody>
@@ -1338,39 +1348,39 @@
           <a:lstStyle>
             <a:lvl1pPr marL="0" indent="0">
               <a:buNone/>
-              <a:defRPr sz="1400"/>
+              <a:defRPr sz="1155"/>
             </a:lvl1pPr>
-            <a:lvl2pPr marL="457200" indent="0">
+            <a:lvl2pPr marL="377192" indent="0">
               <a:buNone/>
-              <a:defRPr sz="1200"/>
+              <a:defRPr sz="990"/>
             </a:lvl2pPr>
-            <a:lvl3pPr marL="914400" indent="0">
+            <a:lvl3pPr marL="754385" indent="0">
               <a:buNone/>
-              <a:defRPr sz="1000"/>
+              <a:defRPr sz="825"/>
             </a:lvl3pPr>
-            <a:lvl4pPr marL="1371600" indent="0">
+            <a:lvl4pPr marL="1131577" indent="0">
               <a:buNone/>
-              <a:defRPr sz="900"/>
+              <a:defRPr sz="743"/>
             </a:lvl4pPr>
-            <a:lvl5pPr marL="1828800" indent="0">
+            <a:lvl5pPr marL="1508770" indent="0">
               <a:buNone/>
-              <a:defRPr sz="900"/>
+              <a:defRPr sz="743"/>
             </a:lvl5pPr>
-            <a:lvl6pPr marL="2286000" indent="0">
+            <a:lvl6pPr marL="1885962" indent="0">
               <a:buNone/>
-              <a:defRPr sz="900"/>
+              <a:defRPr sz="743"/>
             </a:lvl6pPr>
-            <a:lvl7pPr marL="2743200" indent="0">
+            <a:lvl7pPr marL="2263154" indent="0">
               <a:buNone/>
-              <a:defRPr sz="900"/>
+              <a:defRPr sz="743"/>
             </a:lvl7pPr>
-            <a:lvl8pPr marL="3200400" indent="0">
+            <a:lvl8pPr marL="2640347" indent="0">
               <a:buNone/>
-              <a:defRPr sz="900"/>
+              <a:defRPr sz="743"/>
             </a:lvl8pPr>
-            <a:lvl9pPr marL="3657600" indent="0">
+            <a:lvl9pPr marL="3017540" indent="0">
               <a:buNone/>
-              <a:defRPr sz="900"/>
+              <a:defRPr sz="743"/>
             </a:lvl9pPr>
           </a:lstStyle>
           <a:p>
@@ -1399,7 +1409,7 @@
           <a:p>
             <a:fld id="{74929172-4BF7-429F-BA25-7E9D1A4215EE}" type="datetimeFigureOut">
               <a:rPr lang="en-US" noProof="0" smtClean="0"/>
-              <a:t>9/3/2019</a:t>
+              <a:t>9/7/2019</a:t>
             </a:fld>
             <a:endParaRPr lang="en-US" noProof="0" dirty="0"/>
           </a:p>
@@ -1499,8 +1509,8 @@
         </p:blipFill>
         <p:spPr>
           <a:xfrm>
-            <a:off x="0" y="0"/>
-            <a:ext cx="12188825" cy="6856214"/>
+            <a:off x="2" y="0"/>
+            <a:ext cx="10055781" cy="7770376"/>
           </a:xfrm>
           <a:prstGeom prst="rect">
             <a:avLst/>
@@ -1519,8 +1529,8 @@
         </p:nvSpPr>
         <p:spPr>
           <a:xfrm>
-            <a:off x="685801" y="609601"/>
-            <a:ext cx="10131427" cy="3124199"/>
+            <a:off x="565788" y="690884"/>
+            <a:ext cx="8358427" cy="3540759"/>
           </a:xfrm>
         </p:spPr>
         <p:txBody>
@@ -1529,7 +1539,7 @@
           </a:bodyPr>
           <a:lstStyle>
             <a:lvl1pPr algn="l">
-              <a:defRPr sz="3200" b="0" cap="none"/>
+              <a:defRPr sz="2640" b="0" cap="none"/>
             </a:lvl1pPr>
           </a:lstStyle>
           <a:p>
@@ -1552,8 +1562,8 @@
         </p:nvSpPr>
         <p:spPr>
           <a:xfrm>
-            <a:off x="685800" y="4343400"/>
-            <a:ext cx="10131428" cy="1447800"/>
+            <a:off x="565785" y="4922520"/>
+            <a:ext cx="8358428" cy="1640840"/>
           </a:xfrm>
         </p:spPr>
         <p:txBody>
@@ -1563,15 +1573,15 @@
           <a:lstStyle>
             <a:lvl1pPr marL="0" indent="0" algn="l">
               <a:buNone/>
-              <a:defRPr sz="2000">
+              <a:defRPr sz="1650">
                 <a:solidFill>
                   <a:schemeClr val="tx1"/>
                 </a:solidFill>
               </a:defRPr>
             </a:lvl1pPr>
-            <a:lvl2pPr marL="457200" indent="0">
+            <a:lvl2pPr marL="377192" indent="0">
               <a:buNone/>
-              <a:defRPr sz="1800">
+              <a:defRPr sz="1485">
                 <a:solidFill>
                   <a:schemeClr val="tx1">
                     <a:tint val="75000"/>
@@ -1579,9 +1589,9 @@
                 </a:solidFill>
               </a:defRPr>
             </a:lvl2pPr>
-            <a:lvl3pPr marL="914400" indent="0">
+            <a:lvl3pPr marL="754385" indent="0">
               <a:buNone/>
-              <a:defRPr sz="1600">
+              <a:defRPr sz="1320">
                 <a:solidFill>
                   <a:schemeClr val="tx1">
                     <a:tint val="75000"/>
@@ -1589,9 +1599,9 @@
                 </a:solidFill>
               </a:defRPr>
             </a:lvl3pPr>
-            <a:lvl4pPr marL="1371600" indent="0">
+            <a:lvl4pPr marL="1131577" indent="0">
               <a:buNone/>
-              <a:defRPr sz="1400">
+              <a:defRPr sz="1155">
                 <a:solidFill>
                   <a:schemeClr val="tx1">
                     <a:tint val="75000"/>
@@ -1599,9 +1609,9 @@
                 </a:solidFill>
               </a:defRPr>
             </a:lvl4pPr>
-            <a:lvl5pPr marL="1828800" indent="0">
+            <a:lvl5pPr marL="1508770" indent="0">
               <a:buNone/>
-              <a:defRPr sz="1400">
+              <a:defRPr sz="1155">
                 <a:solidFill>
                   <a:schemeClr val="tx1">
                     <a:tint val="75000"/>
@@ -1609,9 +1619,9 @@
                 </a:solidFill>
               </a:defRPr>
             </a:lvl5pPr>
-            <a:lvl6pPr marL="2286000" indent="0">
+            <a:lvl6pPr marL="1885962" indent="0">
               <a:buNone/>
-              <a:defRPr sz="1400">
+              <a:defRPr sz="1155">
                 <a:solidFill>
                   <a:schemeClr val="tx1">
                     <a:tint val="75000"/>
@@ -1619,9 +1629,9 @@
                 </a:solidFill>
               </a:defRPr>
             </a:lvl6pPr>
-            <a:lvl7pPr marL="2743200" indent="0">
+            <a:lvl7pPr marL="2263154" indent="0">
               <a:buNone/>
-              <a:defRPr sz="1400">
+              <a:defRPr sz="1155">
                 <a:solidFill>
                   <a:schemeClr val="tx1">
                     <a:tint val="75000"/>
@@ -1629,9 +1639,9 @@
                 </a:solidFill>
               </a:defRPr>
             </a:lvl7pPr>
-            <a:lvl8pPr marL="3200400" indent="0">
+            <a:lvl8pPr marL="2640347" indent="0">
               <a:buNone/>
-              <a:defRPr sz="1400">
+              <a:defRPr sz="1155">
                 <a:solidFill>
                   <a:schemeClr val="tx1">
                     <a:tint val="75000"/>
@@ -1639,9 +1649,9 @@
                 </a:solidFill>
               </a:defRPr>
             </a:lvl8pPr>
-            <a:lvl9pPr marL="3657600" indent="0">
+            <a:lvl9pPr marL="3017540" indent="0">
               <a:buNone/>
-              <a:defRPr sz="1400">
+              <a:defRPr sz="1155">
                 <a:solidFill>
                   <a:schemeClr val="tx1">
                     <a:tint val="75000"/>
@@ -1676,7 +1686,7 @@
           <a:p>
             <a:fld id="{74929172-4BF7-429F-BA25-7E9D1A4215EE}" type="datetimeFigureOut">
               <a:rPr lang="en-US" noProof="0" smtClean="0"/>
-              <a:t>9/3/2019</a:t>
+              <a:t>9/7/2019</a:t>
             </a:fld>
             <a:endParaRPr lang="en-US" noProof="0" dirty="0"/>
           </a:p>
@@ -1776,8 +1786,8 @@
         </p:blipFill>
         <p:spPr>
           <a:xfrm>
-            <a:off x="0" y="0"/>
-            <a:ext cx="12188825" cy="6856214"/>
+            <a:off x="2" y="0"/>
+            <a:ext cx="10055781" cy="7770376"/>
           </a:xfrm>
           <a:prstGeom prst="rect">
             <a:avLst/>
@@ -1792,15 +1802,15 @@
         </p:nvSpPr>
         <p:spPr>
           <a:xfrm>
-            <a:off x="10237867" y="2743200"/>
-            <a:ext cx="609600" cy="584776"/>
+            <a:off x="8446240" y="3108960"/>
+            <a:ext cx="502920" cy="662746"/>
           </a:xfrm>
           <a:prstGeom prst="rect">
             <a:avLst/>
           </a:prstGeom>
         </p:spPr>
         <p:txBody>
-          <a:bodyPr vert="horz" lIns="91440" tIns="45720" rIns="91440" bIns="45720" rtlCol="0" anchor="ctr">
+          <a:bodyPr vert="horz" lIns="75438" tIns="37719" rIns="75438" bIns="37719" rtlCol="0" anchor="ctr">
             <a:noAutofit/>
           </a:bodyPr>
           <a:lstStyle>
@@ -1889,7 +1899,7 @@
           <a:p>
             <a:pPr lvl="0" algn="r"/>
             <a:r>
-              <a:rPr lang="en-US" sz="8000" noProof="0" dirty="0">
+              <a:rPr lang="en-US" sz="6600" noProof="0" dirty="0">
                 <a:solidFill>
                   <a:schemeClr val="tx1"/>
                 </a:solidFill>
@@ -1908,15 +1918,15 @@
         </p:nvSpPr>
         <p:spPr>
           <a:xfrm>
-            <a:off x="488275" y="823337"/>
-            <a:ext cx="609600" cy="584776"/>
+            <a:off x="402827" y="933115"/>
+            <a:ext cx="502920" cy="662746"/>
           </a:xfrm>
           <a:prstGeom prst="rect">
             <a:avLst/>
           </a:prstGeom>
         </p:spPr>
         <p:txBody>
-          <a:bodyPr vert="horz" lIns="91440" tIns="45720" rIns="91440" bIns="45720" rtlCol="0" anchor="ctr">
+          <a:bodyPr vert="horz" lIns="75438" tIns="37719" rIns="75438" bIns="37719" rtlCol="0" anchor="ctr">
             <a:noAutofit/>
           </a:bodyPr>
           <a:lstStyle>
@@ -2005,7 +2015,7 @@
           <a:p>
             <a:pPr lvl="0" algn="r"/>
             <a:r>
-              <a:rPr lang="en-US" sz="8000" noProof="0" dirty="0">
+              <a:rPr lang="en-US" sz="6600" noProof="0" dirty="0">
                 <a:solidFill>
                   <a:schemeClr val="tx1"/>
                 </a:solidFill>
@@ -2028,8 +2038,8 @@
         </p:nvSpPr>
         <p:spPr>
           <a:xfrm>
-            <a:off x="992267" y="609601"/>
-            <a:ext cx="9550399" cy="2743199"/>
+            <a:off x="818623" y="690884"/>
+            <a:ext cx="7879079" cy="3108959"/>
           </a:xfrm>
         </p:spPr>
         <p:txBody>
@@ -2038,7 +2048,7 @@
           </a:bodyPr>
           <a:lstStyle>
             <a:lvl1pPr algn="l">
-              <a:defRPr sz="3200" b="0" cap="none">
+              <a:defRPr sz="2640" b="0" cap="none">
                 <a:solidFill>
                   <a:schemeClr val="tx1"/>
                 </a:solidFill>
@@ -2065,8 +2075,8 @@
         </p:nvSpPr>
         <p:spPr>
           <a:xfrm>
-            <a:off x="1097875" y="3352800"/>
-            <a:ext cx="9339184" cy="381000"/>
+            <a:off x="905748" y="3799840"/>
+            <a:ext cx="7704827" cy="431800"/>
           </a:xfrm>
         </p:spPr>
         <p:txBody>
@@ -2077,22 +2087,22 @@
               <a:buNone/>
               <a:defRPr/>
             </a:lvl1pPr>
-            <a:lvl2pPr marL="457200" indent="0">
+            <a:lvl2pPr marL="377192" indent="0">
               <a:buFontTx/>
               <a:buNone/>
               <a:defRPr/>
             </a:lvl2pPr>
-            <a:lvl3pPr marL="914400" indent="0">
+            <a:lvl3pPr marL="754385" indent="0">
               <a:buFontTx/>
               <a:buNone/>
               <a:defRPr/>
             </a:lvl3pPr>
-            <a:lvl4pPr marL="1371600" indent="0">
+            <a:lvl4pPr marL="1131577" indent="0">
               <a:buFontTx/>
               <a:buNone/>
               <a:defRPr/>
             </a:lvl4pPr>
-            <a:lvl5pPr marL="1828800" indent="0">
+            <a:lvl5pPr marL="1508770" indent="0">
               <a:buFontTx/>
               <a:buNone/>
               <a:defRPr/>
@@ -2119,8 +2129,8 @@
         </p:nvSpPr>
         <p:spPr>
           <a:xfrm>
-            <a:off x="687465" y="4343400"/>
-            <a:ext cx="10152367" cy="1447800"/>
+            <a:off x="567161" y="4922520"/>
+            <a:ext cx="8375703" cy="1640840"/>
           </a:xfrm>
         </p:spPr>
         <p:txBody>
@@ -2130,15 +2140,15 @@
           <a:lstStyle>
             <a:lvl1pPr marL="0" indent="0" algn="l">
               <a:buNone/>
-              <a:defRPr sz="2000">
+              <a:defRPr sz="1650">
                 <a:solidFill>
                   <a:schemeClr val="tx1"/>
                 </a:solidFill>
               </a:defRPr>
             </a:lvl1pPr>
-            <a:lvl2pPr marL="457200" indent="0">
+            <a:lvl2pPr marL="377192" indent="0">
               <a:buNone/>
-              <a:defRPr sz="1800">
+              <a:defRPr sz="1485">
                 <a:solidFill>
                   <a:schemeClr val="tx1">
                     <a:tint val="75000"/>
@@ -2146,9 +2156,9 @@
                 </a:solidFill>
               </a:defRPr>
             </a:lvl2pPr>
-            <a:lvl3pPr marL="914400" indent="0">
+            <a:lvl3pPr marL="754385" indent="0">
               <a:buNone/>
-              <a:defRPr sz="1600">
+              <a:defRPr sz="1320">
                 <a:solidFill>
                   <a:schemeClr val="tx1">
                     <a:tint val="75000"/>
@@ -2156,9 +2166,9 @@
                 </a:solidFill>
               </a:defRPr>
             </a:lvl3pPr>
-            <a:lvl4pPr marL="1371600" indent="0">
+            <a:lvl4pPr marL="1131577" indent="0">
               <a:buNone/>
-              <a:defRPr sz="1400">
+              <a:defRPr sz="1155">
                 <a:solidFill>
                   <a:schemeClr val="tx1">
                     <a:tint val="75000"/>
@@ -2166,9 +2176,9 @@
                 </a:solidFill>
               </a:defRPr>
             </a:lvl4pPr>
-            <a:lvl5pPr marL="1828800" indent="0">
+            <a:lvl5pPr marL="1508770" indent="0">
               <a:buNone/>
-              <a:defRPr sz="1400">
+              <a:defRPr sz="1155">
                 <a:solidFill>
                   <a:schemeClr val="tx1">
                     <a:tint val="75000"/>
@@ -2176,9 +2186,9 @@
                 </a:solidFill>
               </a:defRPr>
             </a:lvl5pPr>
-            <a:lvl6pPr marL="2286000" indent="0">
+            <a:lvl6pPr marL="1885962" indent="0">
               <a:buNone/>
-              <a:defRPr sz="1400">
+              <a:defRPr sz="1155">
                 <a:solidFill>
                   <a:schemeClr val="tx1">
                     <a:tint val="75000"/>
@@ -2186,9 +2196,9 @@
                 </a:solidFill>
               </a:defRPr>
             </a:lvl6pPr>
-            <a:lvl7pPr marL="2743200" indent="0">
+            <a:lvl7pPr marL="2263154" indent="0">
               <a:buNone/>
-              <a:defRPr sz="1400">
+              <a:defRPr sz="1155">
                 <a:solidFill>
                   <a:schemeClr val="tx1">
                     <a:tint val="75000"/>
@@ -2196,9 +2206,9 @@
                 </a:solidFill>
               </a:defRPr>
             </a:lvl7pPr>
-            <a:lvl8pPr marL="3200400" indent="0">
+            <a:lvl8pPr marL="2640347" indent="0">
               <a:buNone/>
-              <a:defRPr sz="1400">
+              <a:defRPr sz="1155">
                 <a:solidFill>
                   <a:schemeClr val="tx1">
                     <a:tint val="75000"/>
@@ -2206,9 +2216,9 @@
                 </a:solidFill>
               </a:defRPr>
             </a:lvl8pPr>
-            <a:lvl9pPr marL="3657600" indent="0">
+            <a:lvl9pPr marL="3017540" indent="0">
               <a:buNone/>
-              <a:defRPr sz="1400">
+              <a:defRPr sz="1155">
                 <a:solidFill>
                   <a:schemeClr val="tx1">
                     <a:tint val="75000"/>
@@ -2243,7 +2253,7 @@
           <a:p>
             <a:fld id="{74929172-4BF7-429F-BA25-7E9D1A4215EE}" type="datetimeFigureOut">
               <a:rPr lang="en-US" noProof="0" smtClean="0"/>
-              <a:t>9/3/2019</a:t>
+              <a:t>9/7/2019</a:t>
             </a:fld>
             <a:endParaRPr lang="en-US" noProof="0" dirty="0"/>
           </a:p>
@@ -2343,8 +2353,8 @@
         </p:blipFill>
         <p:spPr>
           <a:xfrm>
-            <a:off x="0" y="0"/>
-            <a:ext cx="12188825" cy="6856214"/>
+            <a:off x="2" y="0"/>
+            <a:ext cx="10055781" cy="7770376"/>
           </a:xfrm>
           <a:prstGeom prst="rect">
             <a:avLst/>
@@ -2363,8 +2373,8 @@
         </p:nvSpPr>
         <p:spPr>
           <a:xfrm>
-            <a:off x="685802" y="3308581"/>
-            <a:ext cx="10131425" cy="1468800"/>
+            <a:off x="565789" y="3749725"/>
+            <a:ext cx="8358426" cy="1664640"/>
           </a:xfrm>
         </p:spPr>
         <p:txBody>
@@ -2373,7 +2383,7 @@
           </a:bodyPr>
           <a:lstStyle>
             <a:lvl1pPr algn="l">
-              <a:defRPr sz="3200" b="0" cap="none"/>
+              <a:defRPr sz="2640" b="0" cap="none"/>
             </a:lvl1pPr>
           </a:lstStyle>
           <a:p>
@@ -2396,8 +2406,8 @@
         </p:nvSpPr>
         <p:spPr>
           <a:xfrm>
-            <a:off x="685801" y="4777381"/>
-            <a:ext cx="10131426" cy="860400"/>
+            <a:off x="565786" y="5414365"/>
+            <a:ext cx="8358426" cy="975120"/>
           </a:xfrm>
         </p:spPr>
         <p:txBody>
@@ -2407,15 +2417,15 @@
           <a:lstStyle>
             <a:lvl1pPr marL="0" indent="0" algn="l">
               <a:buNone/>
-              <a:defRPr sz="2000">
+              <a:defRPr sz="1650">
                 <a:solidFill>
                   <a:schemeClr val="tx1"/>
                 </a:solidFill>
               </a:defRPr>
             </a:lvl1pPr>
-            <a:lvl2pPr marL="457200" indent="0">
+            <a:lvl2pPr marL="377192" indent="0">
               <a:buNone/>
-              <a:defRPr sz="1800">
+              <a:defRPr sz="1485">
                 <a:solidFill>
                   <a:schemeClr val="tx1">
                     <a:tint val="75000"/>
@@ -2423,9 +2433,9 @@
                 </a:solidFill>
               </a:defRPr>
             </a:lvl2pPr>
-            <a:lvl3pPr marL="914400" indent="0">
+            <a:lvl3pPr marL="754385" indent="0">
               <a:buNone/>
-              <a:defRPr sz="1600">
+              <a:defRPr sz="1320">
                 <a:solidFill>
                   <a:schemeClr val="tx1">
                     <a:tint val="75000"/>
@@ -2433,9 +2443,9 @@
                 </a:solidFill>
               </a:defRPr>
             </a:lvl3pPr>
-            <a:lvl4pPr marL="1371600" indent="0">
+            <a:lvl4pPr marL="1131577" indent="0">
               <a:buNone/>
-              <a:defRPr sz="1400">
+              <a:defRPr sz="1155">
                 <a:solidFill>
                   <a:schemeClr val="tx1">
                     <a:tint val="75000"/>
@@ -2443,9 +2453,9 @@
                 </a:solidFill>
               </a:defRPr>
             </a:lvl4pPr>
-            <a:lvl5pPr marL="1828800" indent="0">
+            <a:lvl5pPr marL="1508770" indent="0">
               <a:buNone/>
-              <a:defRPr sz="1400">
+              <a:defRPr sz="1155">
                 <a:solidFill>
                   <a:schemeClr val="tx1">
                     <a:tint val="75000"/>
@@ -2453,9 +2463,9 @@
                 </a:solidFill>
               </a:defRPr>
             </a:lvl5pPr>
-            <a:lvl6pPr marL="2286000" indent="0">
+            <a:lvl6pPr marL="1885962" indent="0">
               <a:buNone/>
-              <a:defRPr sz="1400">
+              <a:defRPr sz="1155">
                 <a:solidFill>
                   <a:schemeClr val="tx1">
                     <a:tint val="75000"/>
@@ -2463,9 +2473,9 @@
                 </a:solidFill>
               </a:defRPr>
             </a:lvl6pPr>
-            <a:lvl7pPr marL="2743200" indent="0">
+            <a:lvl7pPr marL="2263154" indent="0">
               <a:buNone/>
-              <a:defRPr sz="1400">
+              <a:defRPr sz="1155">
                 <a:solidFill>
                   <a:schemeClr val="tx1">
                     <a:tint val="75000"/>
@@ -2473,9 +2483,9 @@
                 </a:solidFill>
               </a:defRPr>
             </a:lvl7pPr>
-            <a:lvl8pPr marL="3200400" indent="0">
+            <a:lvl8pPr marL="2640347" indent="0">
               <a:buNone/>
-              <a:defRPr sz="1400">
+              <a:defRPr sz="1155">
                 <a:solidFill>
                   <a:schemeClr val="tx1">
                     <a:tint val="75000"/>
@@ -2483,9 +2493,9 @@
                 </a:solidFill>
               </a:defRPr>
             </a:lvl8pPr>
-            <a:lvl9pPr marL="3657600" indent="0">
+            <a:lvl9pPr marL="3017540" indent="0">
               <a:buNone/>
-              <a:defRPr sz="1400">
+              <a:defRPr sz="1155">
                 <a:solidFill>
                   <a:schemeClr val="tx1">
                     <a:tint val="75000"/>
@@ -2520,7 +2530,7 @@
           <a:p>
             <a:fld id="{74929172-4BF7-429F-BA25-7E9D1A4215EE}" type="datetimeFigureOut">
               <a:rPr lang="en-US" noProof="0" smtClean="0"/>
-              <a:t>9/3/2019</a:t>
+              <a:t>9/7/2019</a:t>
             </a:fld>
             <a:endParaRPr lang="en-US" noProof="0" dirty="0"/>
           </a:p>
@@ -2620,8 +2630,8 @@
         </p:blipFill>
         <p:spPr>
           <a:xfrm>
-            <a:off x="0" y="0"/>
-            <a:ext cx="12188825" cy="6856214"/>
+            <a:off x="2" y="0"/>
+            <a:ext cx="10055781" cy="7770376"/>
           </a:xfrm>
           <a:prstGeom prst="rect">
             <a:avLst/>
@@ -2636,15 +2646,15 @@
         </p:nvSpPr>
         <p:spPr>
           <a:xfrm>
-            <a:off x="10237867" y="2743200"/>
-            <a:ext cx="609600" cy="584776"/>
+            <a:off x="8446240" y="3108960"/>
+            <a:ext cx="502920" cy="662746"/>
           </a:xfrm>
           <a:prstGeom prst="rect">
             <a:avLst/>
           </a:prstGeom>
         </p:spPr>
         <p:txBody>
-          <a:bodyPr vert="horz" lIns="91440" tIns="45720" rIns="91440" bIns="45720" rtlCol="0" anchor="ctr">
+          <a:bodyPr vert="horz" lIns="75438" tIns="37719" rIns="75438" bIns="37719" rtlCol="0" anchor="ctr">
             <a:noAutofit/>
           </a:bodyPr>
           <a:lstStyle>
@@ -2733,7 +2743,7 @@
           <a:p>
             <a:pPr lvl="0" algn="r"/>
             <a:r>
-              <a:rPr lang="en-US" sz="8000" noProof="0" dirty="0">
+              <a:rPr lang="en-US" sz="6600" noProof="0" dirty="0">
                 <a:solidFill>
                   <a:schemeClr val="tx1"/>
                 </a:solidFill>
@@ -2752,15 +2762,15 @@
         </p:nvSpPr>
         <p:spPr>
           <a:xfrm>
-            <a:off x="488275" y="823337"/>
-            <a:ext cx="609600" cy="584776"/>
+            <a:off x="402827" y="933115"/>
+            <a:ext cx="502920" cy="662746"/>
           </a:xfrm>
           <a:prstGeom prst="rect">
             <a:avLst/>
           </a:prstGeom>
         </p:spPr>
         <p:txBody>
-          <a:bodyPr vert="horz" lIns="91440" tIns="45720" rIns="91440" bIns="45720" rtlCol="0" anchor="ctr">
+          <a:bodyPr vert="horz" lIns="75438" tIns="37719" rIns="75438" bIns="37719" rtlCol="0" anchor="ctr">
             <a:noAutofit/>
           </a:bodyPr>
           <a:lstStyle>
@@ -2849,7 +2859,7 @@
           <a:p>
             <a:pPr lvl="0" algn="r"/>
             <a:r>
-              <a:rPr lang="en-US" sz="8000" noProof="0" dirty="0">
+              <a:rPr lang="en-US" sz="6600" noProof="0" dirty="0">
                 <a:solidFill>
                   <a:schemeClr val="tx1"/>
                 </a:solidFill>
@@ -2872,8 +2882,8 @@
         </p:nvSpPr>
         <p:spPr>
           <a:xfrm>
-            <a:off x="992267" y="609601"/>
-            <a:ext cx="9550399" cy="2743199"/>
+            <a:off x="818623" y="690884"/>
+            <a:ext cx="7879079" cy="3108959"/>
           </a:xfrm>
         </p:spPr>
         <p:txBody>
@@ -2882,7 +2892,7 @@
           </a:bodyPr>
           <a:lstStyle>
             <a:lvl1pPr algn="l">
-              <a:defRPr sz="3200" b="0" cap="none">
+              <a:defRPr sz="2640" b="0" cap="none">
                 <a:solidFill>
                   <a:schemeClr val="tx1"/>
                 </a:solidFill>
@@ -2909,8 +2919,8 @@
         </p:nvSpPr>
         <p:spPr>
           <a:xfrm>
-            <a:off x="685800" y="3886200"/>
-            <a:ext cx="10135436" cy="889000"/>
+            <a:off x="565787" y="4404360"/>
+            <a:ext cx="8361735" cy="1007533"/>
           </a:xfrm>
         </p:spPr>
         <p:txBody>
@@ -2920,7 +2930,7 @@
           <a:lstStyle>
             <a:lvl1pPr>
               <a:buNone/>
-              <a:defRPr lang="en-US" sz="2400" b="0" cap="none" dirty="0">
+              <a:defRPr lang="en-US" sz="1980" b="0" cap="none" dirty="0">
                 <a:ln w="3175" cmpd="sng">
                   <a:noFill/>
                 </a:ln>
@@ -2957,8 +2967,8 @@
         </p:nvSpPr>
         <p:spPr>
           <a:xfrm>
-            <a:off x="685799" y="4775200"/>
-            <a:ext cx="10135436" cy="1016000"/>
+            <a:off x="565786" y="5411893"/>
+            <a:ext cx="8361735" cy="1151467"/>
           </a:xfrm>
         </p:spPr>
         <p:txBody>
@@ -2968,15 +2978,15 @@
           <a:lstStyle>
             <a:lvl1pPr marL="0" indent="0" algn="l">
               <a:buNone/>
-              <a:defRPr sz="1800">
+              <a:defRPr sz="1485">
                 <a:solidFill>
                   <a:schemeClr val="tx1"/>
                 </a:solidFill>
               </a:defRPr>
             </a:lvl1pPr>
-            <a:lvl2pPr marL="457200" indent="0">
+            <a:lvl2pPr marL="377192" indent="0">
               <a:buNone/>
-              <a:defRPr sz="1800">
+              <a:defRPr sz="1485">
                 <a:solidFill>
                   <a:schemeClr val="tx1">
                     <a:tint val="75000"/>
@@ -2984,9 +2994,9 @@
                 </a:solidFill>
               </a:defRPr>
             </a:lvl2pPr>
-            <a:lvl3pPr marL="914400" indent="0">
+            <a:lvl3pPr marL="754385" indent="0">
               <a:buNone/>
-              <a:defRPr sz="1600">
+              <a:defRPr sz="1320">
                 <a:solidFill>
                   <a:schemeClr val="tx1">
                     <a:tint val="75000"/>
@@ -2994,9 +3004,9 @@
                 </a:solidFill>
               </a:defRPr>
             </a:lvl3pPr>
-            <a:lvl4pPr marL="1371600" indent="0">
+            <a:lvl4pPr marL="1131577" indent="0">
               <a:buNone/>
-              <a:defRPr sz="1400">
+              <a:defRPr sz="1155">
                 <a:solidFill>
                   <a:schemeClr val="tx1">
                     <a:tint val="75000"/>
@@ -3004,9 +3014,9 @@
                 </a:solidFill>
               </a:defRPr>
             </a:lvl4pPr>
-            <a:lvl5pPr marL="1828800" indent="0">
+            <a:lvl5pPr marL="1508770" indent="0">
               <a:buNone/>
-              <a:defRPr sz="1400">
+              <a:defRPr sz="1155">
                 <a:solidFill>
                   <a:schemeClr val="tx1">
                     <a:tint val="75000"/>
@@ -3014,9 +3024,9 @@
                 </a:solidFill>
               </a:defRPr>
             </a:lvl5pPr>
-            <a:lvl6pPr marL="2286000" indent="0">
+            <a:lvl6pPr marL="1885962" indent="0">
               <a:buNone/>
-              <a:defRPr sz="1400">
+              <a:defRPr sz="1155">
                 <a:solidFill>
                   <a:schemeClr val="tx1">
                     <a:tint val="75000"/>
@@ -3024,9 +3034,9 @@
                 </a:solidFill>
               </a:defRPr>
             </a:lvl6pPr>
-            <a:lvl7pPr marL="2743200" indent="0">
+            <a:lvl7pPr marL="2263154" indent="0">
               <a:buNone/>
-              <a:defRPr sz="1400">
+              <a:defRPr sz="1155">
                 <a:solidFill>
                   <a:schemeClr val="tx1">
                     <a:tint val="75000"/>
@@ -3034,9 +3044,9 @@
                 </a:solidFill>
               </a:defRPr>
             </a:lvl7pPr>
-            <a:lvl8pPr marL="3200400" indent="0">
+            <a:lvl8pPr marL="2640347" indent="0">
               <a:buNone/>
-              <a:defRPr sz="1400">
+              <a:defRPr sz="1155">
                 <a:solidFill>
                   <a:schemeClr val="tx1">
                     <a:tint val="75000"/>
@@ -3044,9 +3054,9 @@
                 </a:solidFill>
               </a:defRPr>
             </a:lvl8pPr>
-            <a:lvl9pPr marL="3657600" indent="0">
+            <a:lvl9pPr marL="3017540" indent="0">
               <a:buNone/>
-              <a:defRPr sz="1400">
+              <a:defRPr sz="1155">
                 <a:solidFill>
                   <a:schemeClr val="tx1">
                     <a:tint val="75000"/>
@@ -3081,7 +3091,7 @@
           <a:p>
             <a:fld id="{74929172-4BF7-429F-BA25-7E9D1A4215EE}" type="datetimeFigureOut">
               <a:rPr lang="en-US" noProof="0" smtClean="0"/>
-              <a:t>9/3/2019</a:t>
+              <a:t>9/7/2019</a:t>
             </a:fld>
             <a:endParaRPr lang="en-US" noProof="0" dirty="0"/>
           </a:p>
@@ -3181,8 +3191,8 @@
         </p:blipFill>
         <p:spPr>
           <a:xfrm>
-            <a:off x="0" y="0"/>
-            <a:ext cx="12188825" cy="6856214"/>
+            <a:off x="2" y="0"/>
+            <a:ext cx="10055781" cy="7770376"/>
           </a:xfrm>
           <a:prstGeom prst="rect">
             <a:avLst/>
@@ -3201,8 +3211,8 @@
         </p:nvSpPr>
         <p:spPr>
           <a:xfrm>
-            <a:off x="685801" y="609601"/>
-            <a:ext cx="10131427" cy="2743199"/>
+            <a:off x="565788" y="690884"/>
+            <a:ext cx="8358427" cy="3108959"/>
           </a:xfrm>
         </p:spPr>
         <p:txBody>
@@ -3235,8 +3245,8 @@
         </p:nvSpPr>
         <p:spPr>
           <a:xfrm>
-            <a:off x="685801" y="3505200"/>
-            <a:ext cx="10131428" cy="838200"/>
+            <a:off x="565786" y="3972560"/>
+            <a:ext cx="8358428" cy="949960"/>
           </a:xfrm>
         </p:spPr>
         <p:txBody>
@@ -3246,7 +3256,7 @@
           <a:lstStyle>
             <a:lvl1pPr>
               <a:buNone/>
-              <a:defRPr lang="en-US" sz="2800" b="0" cap="none" dirty="0">
+              <a:defRPr lang="en-US" sz="2310" b="0" cap="none" dirty="0">
                 <a:ln w="3175" cmpd="sng">
                   <a:noFill/>
                 </a:ln>
@@ -3283,8 +3293,8 @@
         </p:nvSpPr>
         <p:spPr>
           <a:xfrm>
-            <a:off x="685800" y="4343400"/>
-            <a:ext cx="10131428" cy="1447800"/>
+            <a:off x="565785" y="4922520"/>
+            <a:ext cx="8358428" cy="1640840"/>
           </a:xfrm>
         </p:spPr>
         <p:txBody>
@@ -3294,15 +3304,15 @@
           <a:lstStyle>
             <a:lvl1pPr marL="0" indent="0" algn="l">
               <a:buNone/>
-              <a:defRPr sz="1800">
+              <a:defRPr sz="1485">
                 <a:solidFill>
                   <a:schemeClr val="tx1"/>
                 </a:solidFill>
               </a:defRPr>
             </a:lvl1pPr>
-            <a:lvl2pPr marL="457200" indent="0">
+            <a:lvl2pPr marL="377192" indent="0">
               <a:buNone/>
-              <a:defRPr sz="1800">
+              <a:defRPr sz="1485">
                 <a:solidFill>
                   <a:schemeClr val="tx1">
                     <a:tint val="75000"/>
@@ -3310,9 +3320,9 @@
                 </a:solidFill>
               </a:defRPr>
             </a:lvl2pPr>
-            <a:lvl3pPr marL="914400" indent="0">
+            <a:lvl3pPr marL="754385" indent="0">
               <a:buNone/>
-              <a:defRPr sz="1600">
+              <a:defRPr sz="1320">
                 <a:solidFill>
                   <a:schemeClr val="tx1">
                     <a:tint val="75000"/>
@@ -3320,9 +3330,9 @@
                 </a:solidFill>
               </a:defRPr>
             </a:lvl3pPr>
-            <a:lvl4pPr marL="1371600" indent="0">
+            <a:lvl4pPr marL="1131577" indent="0">
               <a:buNone/>
-              <a:defRPr sz="1400">
+              <a:defRPr sz="1155">
                 <a:solidFill>
                   <a:schemeClr val="tx1">
                     <a:tint val="75000"/>
@@ -3330,9 +3340,9 @@
                 </a:solidFill>
               </a:defRPr>
             </a:lvl4pPr>
-            <a:lvl5pPr marL="1828800" indent="0">
+            <a:lvl5pPr marL="1508770" indent="0">
               <a:buNone/>
-              <a:defRPr sz="1400">
+              <a:defRPr sz="1155">
                 <a:solidFill>
                   <a:schemeClr val="tx1">
                     <a:tint val="75000"/>
@@ -3340,9 +3350,9 @@
                 </a:solidFill>
               </a:defRPr>
             </a:lvl5pPr>
-            <a:lvl6pPr marL="2286000" indent="0">
+            <a:lvl6pPr marL="1885962" indent="0">
               <a:buNone/>
-              <a:defRPr sz="1400">
+              <a:defRPr sz="1155">
                 <a:solidFill>
                   <a:schemeClr val="tx1">
                     <a:tint val="75000"/>
@@ -3350,9 +3360,9 @@
                 </a:solidFill>
               </a:defRPr>
             </a:lvl6pPr>
-            <a:lvl7pPr marL="2743200" indent="0">
+            <a:lvl7pPr marL="2263154" indent="0">
               <a:buNone/>
-              <a:defRPr sz="1400">
+              <a:defRPr sz="1155">
                 <a:solidFill>
                   <a:schemeClr val="tx1">
                     <a:tint val="75000"/>
@@ -3360,9 +3370,9 @@
                 </a:solidFill>
               </a:defRPr>
             </a:lvl7pPr>
-            <a:lvl8pPr marL="3200400" indent="0">
+            <a:lvl8pPr marL="2640347" indent="0">
               <a:buNone/>
-              <a:defRPr sz="1400">
+              <a:defRPr sz="1155">
                 <a:solidFill>
                   <a:schemeClr val="tx1">
                     <a:tint val="75000"/>
@@ -3370,9 +3380,9 @@
                 </a:solidFill>
               </a:defRPr>
             </a:lvl8pPr>
-            <a:lvl9pPr marL="3657600" indent="0">
+            <a:lvl9pPr marL="3017540" indent="0">
               <a:buNone/>
-              <a:defRPr sz="1400">
+              <a:defRPr sz="1155">
                 <a:solidFill>
                   <a:schemeClr val="tx1">
                     <a:tint val="75000"/>
@@ -3407,7 +3417,7 @@
           <a:p>
             <a:fld id="{74929172-4BF7-429F-BA25-7E9D1A4215EE}" type="datetimeFigureOut">
               <a:rPr lang="en-US" noProof="0" smtClean="0"/>
-              <a:t>9/3/2019</a:t>
+              <a:t>9/7/2019</a:t>
             </a:fld>
             <a:endParaRPr lang="en-US" noProof="0" dirty="0"/>
           </a:p>
@@ -3507,8 +3517,8 @@
         </p:blipFill>
         <p:spPr>
           <a:xfrm>
-            <a:off x="0" y="0"/>
-            <a:ext cx="12188825" cy="6856214"/>
+            <a:off x="2" y="0"/>
+            <a:ext cx="10055781" cy="7770376"/>
           </a:xfrm>
           <a:prstGeom prst="rect">
             <a:avLst/>
@@ -3583,7 +3593,7 @@
           <a:p>
             <a:fld id="{74929172-4BF7-429F-BA25-7E9D1A4215EE}" type="datetimeFigureOut">
               <a:rPr lang="en-US" noProof="0" smtClean="0"/>
-              <a:t>9/3/2019</a:t>
+              <a:t>9/7/2019</a:t>
             </a:fld>
             <a:endParaRPr lang="en-US" noProof="0" dirty="0"/>
           </a:p>
@@ -3643,8 +3653,8 @@
         </p:nvSpPr>
         <p:spPr>
           <a:xfrm>
-            <a:off x="685801" y="609600"/>
-            <a:ext cx="10131425" cy="1456267"/>
+            <a:off x="565786" y="690883"/>
+            <a:ext cx="8358426" cy="1650436"/>
           </a:xfrm>
         </p:spPr>
         <p:txBody>
@@ -3710,8 +3720,8 @@
         </p:blipFill>
         <p:spPr>
           <a:xfrm>
-            <a:off x="0" y="0"/>
-            <a:ext cx="12188825" cy="6856214"/>
+            <a:off x="2" y="0"/>
+            <a:ext cx="10055781" cy="7770376"/>
           </a:xfrm>
           <a:prstGeom prst="rect">
             <a:avLst/>
@@ -3730,8 +3740,8 @@
         </p:nvSpPr>
         <p:spPr>
           <a:xfrm>
-            <a:off x="8658675" y="609599"/>
-            <a:ext cx="2158552" cy="5181601"/>
+            <a:off x="7143409" y="690882"/>
+            <a:ext cx="1780805" cy="5872481"/>
           </a:xfrm>
         </p:spPr>
         <p:txBody>
@@ -3757,8 +3767,8 @@
         </p:nvSpPr>
         <p:spPr>
           <a:xfrm>
-            <a:off x="685800" y="609600"/>
-            <a:ext cx="7832116" cy="5181600"/>
+            <a:off x="565785" y="690880"/>
+            <a:ext cx="6461496" cy="5872480"/>
           </a:xfrm>
         </p:spPr>
         <p:txBody>
@@ -3818,7 +3828,7 @@
           <a:p>
             <a:fld id="{74929172-4BF7-429F-BA25-7E9D1A4215EE}" type="datetimeFigureOut">
               <a:rPr lang="en-US" noProof="0" smtClean="0"/>
-              <a:t>9/3/2019</a:t>
+              <a:t>9/7/2019</a:t>
             </a:fld>
             <a:endParaRPr lang="en-US" noProof="0" dirty="0"/>
           </a:p>
@@ -3923,8 +3933,8 @@
         </p:blipFill>
         <p:spPr>
           <a:xfrm>
-            <a:off x="0" y="0"/>
-            <a:ext cx="12188825" cy="6856214"/>
+            <a:off x="2" y="0"/>
+            <a:ext cx="10055781" cy="7770376"/>
           </a:xfrm>
           <a:prstGeom prst="rect">
             <a:avLst/>
@@ -4021,7 +4031,7 @@
           <a:p>
             <a:fld id="{74929172-4BF7-429F-BA25-7E9D1A4215EE}" type="datetimeFigureOut">
               <a:rPr lang="en-US" noProof="0" smtClean="0"/>
-              <a:t>9/3/2019</a:t>
+              <a:t>9/7/2019</a:t>
             </a:fld>
             <a:endParaRPr lang="en-US" noProof="0" dirty="0"/>
           </a:p>
@@ -4121,8 +4131,8 @@
         </p:blipFill>
         <p:spPr>
           <a:xfrm>
-            <a:off x="0" y="0"/>
-            <a:ext cx="12188825" cy="6856214"/>
+            <a:off x="2" y="0"/>
+            <a:ext cx="10055781" cy="7770376"/>
           </a:xfrm>
           <a:prstGeom prst="rect">
             <a:avLst/>
@@ -4141,15 +4151,15 @@
         </p:nvSpPr>
         <p:spPr>
           <a:xfrm>
-            <a:off x="685800" y="3308581"/>
-            <a:ext cx="10131427" cy="1468800"/>
+            <a:off x="565788" y="3749725"/>
+            <a:ext cx="8358427" cy="1664640"/>
           </a:xfrm>
         </p:spPr>
         <p:txBody>
           <a:bodyPr anchor="b"/>
           <a:lstStyle>
             <a:lvl1pPr algn="l">
-              <a:defRPr sz="4000" b="0" cap="all"/>
+              <a:defRPr sz="3300" b="0" cap="all"/>
             </a:lvl1pPr>
           </a:lstStyle>
           <a:p>
@@ -4172,8 +4182,8 @@
         </p:nvSpPr>
         <p:spPr>
           <a:xfrm>
-            <a:off x="685799" y="4777381"/>
-            <a:ext cx="10131428" cy="860400"/>
+            <a:off x="565784" y="5414365"/>
+            <a:ext cx="8358428" cy="975120"/>
           </a:xfrm>
         </p:spPr>
         <p:txBody>
@@ -4183,15 +4193,15 @@
           <a:lstStyle>
             <a:lvl1pPr marL="0" indent="0" algn="l">
               <a:buNone/>
-              <a:defRPr sz="2000" cap="all">
+              <a:defRPr sz="1650" cap="all">
                 <a:solidFill>
                   <a:schemeClr val="tx1"/>
                 </a:solidFill>
               </a:defRPr>
             </a:lvl1pPr>
-            <a:lvl2pPr marL="457200" indent="0">
+            <a:lvl2pPr marL="377192" indent="0">
               <a:buNone/>
-              <a:defRPr sz="1800">
+              <a:defRPr sz="1485">
                 <a:solidFill>
                   <a:schemeClr val="tx1">
                     <a:tint val="75000"/>
@@ -4199,9 +4209,9 @@
                 </a:solidFill>
               </a:defRPr>
             </a:lvl2pPr>
-            <a:lvl3pPr marL="914400" indent="0">
+            <a:lvl3pPr marL="754385" indent="0">
               <a:buNone/>
-              <a:defRPr sz="1600">
+              <a:defRPr sz="1320">
                 <a:solidFill>
                   <a:schemeClr val="tx1">
                     <a:tint val="75000"/>
@@ -4209,9 +4219,9 @@
                 </a:solidFill>
               </a:defRPr>
             </a:lvl3pPr>
-            <a:lvl4pPr marL="1371600" indent="0">
+            <a:lvl4pPr marL="1131577" indent="0">
               <a:buNone/>
-              <a:defRPr sz="1400">
+              <a:defRPr sz="1155">
                 <a:solidFill>
                   <a:schemeClr val="tx1">
                     <a:tint val="75000"/>
@@ -4219,9 +4229,9 @@
                 </a:solidFill>
               </a:defRPr>
             </a:lvl4pPr>
-            <a:lvl5pPr marL="1828800" indent="0">
+            <a:lvl5pPr marL="1508770" indent="0">
               <a:buNone/>
-              <a:defRPr sz="1400">
+              <a:defRPr sz="1155">
                 <a:solidFill>
                   <a:schemeClr val="tx1">
                     <a:tint val="75000"/>
@@ -4229,9 +4239,9 @@
                 </a:solidFill>
               </a:defRPr>
             </a:lvl5pPr>
-            <a:lvl6pPr marL="2286000" indent="0">
+            <a:lvl6pPr marL="1885962" indent="0">
               <a:buNone/>
-              <a:defRPr sz="1400">
+              <a:defRPr sz="1155">
                 <a:solidFill>
                   <a:schemeClr val="tx1">
                     <a:tint val="75000"/>
@@ -4239,9 +4249,9 @@
                 </a:solidFill>
               </a:defRPr>
             </a:lvl6pPr>
-            <a:lvl7pPr marL="2743200" indent="0">
+            <a:lvl7pPr marL="2263154" indent="0">
               <a:buNone/>
-              <a:defRPr sz="1400">
+              <a:defRPr sz="1155">
                 <a:solidFill>
                   <a:schemeClr val="tx1">
                     <a:tint val="75000"/>
@@ -4249,9 +4259,9 @@
                 </a:solidFill>
               </a:defRPr>
             </a:lvl7pPr>
-            <a:lvl8pPr marL="3200400" indent="0">
+            <a:lvl8pPr marL="2640347" indent="0">
               <a:buNone/>
-              <a:defRPr sz="1400">
+              <a:defRPr sz="1155">
                 <a:solidFill>
                   <a:schemeClr val="tx1">
                     <a:tint val="75000"/>
@@ -4259,9 +4269,9 @@
                 </a:solidFill>
               </a:defRPr>
             </a:lvl8pPr>
-            <a:lvl9pPr marL="3657600" indent="0">
+            <a:lvl9pPr marL="3017540" indent="0">
               <a:buNone/>
-              <a:defRPr sz="1400">
+              <a:defRPr sz="1155">
                 <a:solidFill>
                   <a:schemeClr val="tx1">
                     <a:tint val="75000"/>
@@ -4296,7 +4306,7 @@
           <a:p>
             <a:fld id="{74929172-4BF7-429F-BA25-7E9D1A4215EE}" type="datetimeFigureOut">
               <a:rPr lang="en-US" noProof="0" smtClean="0"/>
-              <a:t>9/3/2019</a:t>
+              <a:t>9/7/2019</a:t>
             </a:fld>
             <a:endParaRPr lang="en-US" noProof="0" dirty="0"/>
           </a:p>
@@ -4401,8 +4411,8 @@
         </p:blipFill>
         <p:spPr>
           <a:xfrm>
-            <a:off x="0" y="0"/>
-            <a:ext cx="12188825" cy="6856214"/>
+            <a:off x="2" y="0"/>
+            <a:ext cx="10055781" cy="7770376"/>
           </a:xfrm>
           <a:prstGeom prst="rect">
             <a:avLst/>
@@ -4443,8 +4453,8 @@
         </p:nvSpPr>
         <p:spPr>
           <a:xfrm>
-            <a:off x="685802" y="2142067"/>
-            <a:ext cx="4995334" cy="3649134"/>
+            <a:off x="565788" y="2427676"/>
+            <a:ext cx="4121151" cy="4135685"/>
           </a:xfrm>
         </p:spPr>
         <p:txBody>
@@ -4501,8 +4511,8 @@
         </p:nvSpPr>
         <p:spPr>
           <a:xfrm>
-            <a:off x="5821895" y="2142067"/>
-            <a:ext cx="4995332" cy="3649133"/>
+            <a:off x="4803063" y="2427679"/>
+            <a:ext cx="4121149" cy="4135684"/>
           </a:xfrm>
         </p:spPr>
         <p:txBody>
@@ -4564,7 +4574,7 @@
           <a:p>
             <a:fld id="{74929172-4BF7-429F-BA25-7E9D1A4215EE}" type="datetimeFigureOut">
               <a:rPr lang="en-US" noProof="0" smtClean="0"/>
-              <a:t>9/3/2019</a:t>
+              <a:t>9/7/2019</a:t>
             </a:fld>
             <a:endParaRPr lang="en-US" noProof="0" dirty="0"/>
           </a:p>
@@ -4680,8 +4690,8 @@
         </p:nvSpPr>
         <p:spPr>
           <a:xfrm>
-            <a:off x="973670" y="2218267"/>
-            <a:ext cx="4709054" cy="576262"/>
+            <a:off x="803278" y="2514037"/>
+            <a:ext cx="3884970" cy="653097"/>
           </a:xfrm>
         </p:spPr>
         <p:txBody>
@@ -4691,39 +4701,39 @@
           <a:lstStyle>
             <a:lvl1pPr marL="0" indent="0">
               <a:buNone/>
-              <a:defRPr sz="2800" b="0"/>
+              <a:defRPr sz="2310" b="0"/>
             </a:lvl1pPr>
-            <a:lvl2pPr marL="457200" indent="0">
+            <a:lvl2pPr marL="377192" indent="0">
               <a:buNone/>
-              <a:defRPr sz="2000" b="1"/>
+              <a:defRPr sz="1650" b="1"/>
             </a:lvl2pPr>
-            <a:lvl3pPr marL="914400" indent="0">
+            <a:lvl3pPr marL="754385" indent="0">
               <a:buNone/>
-              <a:defRPr sz="1800" b="1"/>
+              <a:defRPr sz="1485" b="1"/>
             </a:lvl3pPr>
-            <a:lvl4pPr marL="1371600" indent="0">
+            <a:lvl4pPr marL="1131577" indent="0">
               <a:buNone/>
-              <a:defRPr sz="1600" b="1"/>
+              <a:defRPr sz="1320" b="1"/>
             </a:lvl4pPr>
-            <a:lvl5pPr marL="1828800" indent="0">
+            <a:lvl5pPr marL="1508770" indent="0">
               <a:buNone/>
-              <a:defRPr sz="1600" b="1"/>
+              <a:defRPr sz="1320" b="1"/>
             </a:lvl5pPr>
-            <a:lvl6pPr marL="2286000" indent="0">
+            <a:lvl6pPr marL="1885962" indent="0">
               <a:buNone/>
-              <a:defRPr sz="1600" b="1"/>
+              <a:defRPr sz="1320" b="1"/>
             </a:lvl6pPr>
-            <a:lvl7pPr marL="2743200" indent="0">
+            <a:lvl7pPr marL="2263154" indent="0">
               <a:buNone/>
-              <a:defRPr sz="1600" b="1"/>
+              <a:defRPr sz="1320" b="1"/>
             </a:lvl7pPr>
-            <a:lvl8pPr marL="3200400" indent="0">
+            <a:lvl8pPr marL="2640347" indent="0">
               <a:buNone/>
-              <a:defRPr sz="1600" b="1"/>
+              <a:defRPr sz="1320" b="1"/>
             </a:lvl8pPr>
-            <a:lvl9pPr marL="3657600" indent="0">
+            <a:lvl9pPr marL="3017540" indent="0">
               <a:buNone/>
-              <a:defRPr sz="1600" b="1"/>
+              <a:defRPr sz="1320" b="1"/>
             </a:lvl9pPr>
           </a:lstStyle>
           <a:p>
@@ -4747,8 +4757,8 @@
         </p:nvSpPr>
         <p:spPr>
           <a:xfrm>
-            <a:off x="685801" y="2870201"/>
-            <a:ext cx="4996923" cy="2920998"/>
+            <a:off x="565786" y="3252895"/>
+            <a:ext cx="4122461" cy="3310464"/>
           </a:xfrm>
         </p:spPr>
         <p:txBody>
@@ -4805,8 +4815,8 @@
         </p:nvSpPr>
         <p:spPr>
           <a:xfrm>
-            <a:off x="6096003" y="2226734"/>
-            <a:ext cx="4722813" cy="576262"/>
+            <a:off x="5029205" y="2523633"/>
+            <a:ext cx="3896321" cy="653097"/>
           </a:xfrm>
         </p:spPr>
         <p:txBody>
@@ -4816,39 +4826,39 @@
           <a:lstStyle>
             <a:lvl1pPr marL="0" indent="0">
               <a:buNone/>
-              <a:defRPr sz="2800" b="0"/>
+              <a:defRPr sz="2310" b="0"/>
             </a:lvl1pPr>
-            <a:lvl2pPr marL="457200" indent="0">
+            <a:lvl2pPr marL="377192" indent="0">
               <a:buNone/>
-              <a:defRPr sz="2000" b="1"/>
+              <a:defRPr sz="1650" b="1"/>
             </a:lvl2pPr>
-            <a:lvl3pPr marL="914400" indent="0">
+            <a:lvl3pPr marL="754385" indent="0">
               <a:buNone/>
-              <a:defRPr sz="1800" b="1"/>
+              <a:defRPr sz="1485" b="1"/>
             </a:lvl3pPr>
-            <a:lvl4pPr marL="1371600" indent="0">
+            <a:lvl4pPr marL="1131577" indent="0">
               <a:buNone/>
-              <a:defRPr sz="1600" b="1"/>
+              <a:defRPr sz="1320" b="1"/>
             </a:lvl4pPr>
-            <a:lvl5pPr marL="1828800" indent="0">
+            <a:lvl5pPr marL="1508770" indent="0">
               <a:buNone/>
-              <a:defRPr sz="1600" b="1"/>
+              <a:defRPr sz="1320" b="1"/>
             </a:lvl5pPr>
-            <a:lvl6pPr marL="2286000" indent="0">
+            <a:lvl6pPr marL="1885962" indent="0">
               <a:buNone/>
-              <a:defRPr sz="1600" b="1"/>
+              <a:defRPr sz="1320" b="1"/>
             </a:lvl6pPr>
-            <a:lvl7pPr marL="2743200" indent="0">
+            <a:lvl7pPr marL="2263154" indent="0">
               <a:buNone/>
-              <a:defRPr sz="1600" b="1"/>
+              <a:defRPr sz="1320" b="1"/>
             </a:lvl7pPr>
-            <a:lvl8pPr marL="3200400" indent="0">
+            <a:lvl8pPr marL="2640347" indent="0">
               <a:buNone/>
-              <a:defRPr sz="1600" b="1"/>
+              <a:defRPr sz="1320" b="1"/>
             </a:lvl8pPr>
-            <a:lvl9pPr marL="3657600" indent="0">
+            <a:lvl9pPr marL="3017540" indent="0">
               <a:buNone/>
-              <a:defRPr sz="1600" b="1"/>
+              <a:defRPr sz="1320" b="1"/>
             </a:lvl9pPr>
           </a:lstStyle>
           <a:p>
@@ -4872,8 +4882,8 @@
         </p:nvSpPr>
         <p:spPr>
           <a:xfrm>
-            <a:off x="5823483" y="2870201"/>
-            <a:ext cx="4995334" cy="2920998"/>
+            <a:off x="4804375" y="3252895"/>
+            <a:ext cx="4121151" cy="3310464"/>
           </a:xfrm>
         </p:spPr>
         <p:txBody>
@@ -4935,7 +4945,7 @@
           <a:p>
             <a:fld id="{74929172-4BF7-429F-BA25-7E9D1A4215EE}" type="datetimeFigureOut">
               <a:rPr lang="en-US" noProof="0" smtClean="0"/>
-              <a:t>9/3/2019</a:t>
+              <a:t>9/7/2019</a:t>
             </a:fld>
             <a:endParaRPr lang="en-US" noProof="0" dirty="0"/>
           </a:p>
@@ -5035,8 +5045,8 @@
         </p:blipFill>
         <p:spPr>
           <a:xfrm>
-            <a:off x="0" y="0"/>
-            <a:ext cx="12188825" cy="6856214"/>
+            <a:off x="2" y="0"/>
+            <a:ext cx="10055781" cy="7770376"/>
           </a:xfrm>
           <a:prstGeom prst="rect">
             <a:avLst/>
@@ -5082,7 +5092,7 @@
           <a:p>
             <a:fld id="{74929172-4BF7-429F-BA25-7E9D1A4215EE}" type="datetimeFigureOut">
               <a:rPr lang="en-US" noProof="0" smtClean="0"/>
-              <a:t>9/3/2019</a:t>
+              <a:t>9/7/2019</a:t>
             </a:fld>
             <a:endParaRPr lang="en-US" noProof="0" dirty="0"/>
           </a:p>
@@ -5182,8 +5192,8 @@
         </p:blipFill>
         <p:spPr>
           <a:xfrm>
-            <a:off x="0" y="0"/>
-            <a:ext cx="12188825" cy="6856214"/>
+            <a:off x="2" y="0"/>
+            <a:ext cx="10055781" cy="7770376"/>
           </a:xfrm>
           <a:prstGeom prst="rect">
             <a:avLst/>
@@ -5207,7 +5217,7 @@
           <a:p>
             <a:fld id="{74929172-4BF7-429F-BA25-7E9D1A4215EE}" type="datetimeFigureOut">
               <a:rPr lang="en-US" noProof="0" smtClean="0"/>
-              <a:t>9/3/2019</a:t>
+              <a:t>9/7/2019</a:t>
             </a:fld>
             <a:endParaRPr lang="en-US" noProof="0" dirty="0"/>
           </a:p>
@@ -5312,8 +5322,8 @@
         </p:blipFill>
         <p:spPr>
           <a:xfrm>
-            <a:off x="0" y="0"/>
-            <a:ext cx="12188825" cy="6856214"/>
+            <a:off x="2" y="0"/>
+            <a:ext cx="10055781" cy="7770376"/>
           </a:xfrm>
           <a:prstGeom prst="rect">
             <a:avLst/>
@@ -5332,8 +5342,8 @@
         </p:nvSpPr>
         <p:spPr>
           <a:xfrm>
-            <a:off x="685800" y="2074333"/>
-            <a:ext cx="3680885" cy="1371600"/>
+            <a:off x="565785" y="2350911"/>
+            <a:ext cx="3036730" cy="1554480"/>
           </a:xfrm>
         </p:spPr>
         <p:txBody>
@@ -5342,7 +5352,7 @@
           </a:bodyPr>
           <a:lstStyle>
             <a:lvl1pPr algn="l">
-              <a:defRPr sz="2400" b="0"/>
+              <a:defRPr sz="1980" b="0"/>
             </a:lvl1pPr>
           </a:lstStyle>
           <a:p>
@@ -5365,8 +5375,8 @@
         </p:nvSpPr>
         <p:spPr>
           <a:xfrm>
-            <a:off x="4648201" y="609601"/>
-            <a:ext cx="6169026" cy="5181600"/>
+            <a:off x="3834766" y="690881"/>
+            <a:ext cx="5089446" cy="5872480"/>
           </a:xfrm>
         </p:spPr>
         <p:txBody>
@@ -5423,8 +5433,8 @@
         </p:nvSpPr>
         <p:spPr>
           <a:xfrm>
-            <a:off x="685800" y="3445933"/>
-            <a:ext cx="3680885" cy="1828800"/>
+            <a:off x="565785" y="3905391"/>
+            <a:ext cx="3036730" cy="2072640"/>
           </a:xfrm>
         </p:spPr>
         <p:txBody>
@@ -5434,39 +5444,39 @@
           <a:lstStyle>
             <a:lvl1pPr marL="0" indent="0">
               <a:buNone/>
-              <a:defRPr sz="1600"/>
+              <a:defRPr sz="1320"/>
             </a:lvl1pPr>
-            <a:lvl2pPr marL="457200" indent="0">
+            <a:lvl2pPr marL="377192" indent="0">
               <a:buNone/>
-              <a:defRPr sz="1200"/>
+              <a:defRPr sz="990"/>
             </a:lvl2pPr>
-            <a:lvl3pPr marL="914400" indent="0">
+            <a:lvl3pPr marL="754385" indent="0">
               <a:buNone/>
-              <a:defRPr sz="1000"/>
+              <a:defRPr sz="825"/>
             </a:lvl3pPr>
-            <a:lvl4pPr marL="1371600" indent="0">
+            <a:lvl4pPr marL="1131577" indent="0">
               <a:buNone/>
-              <a:defRPr sz="900"/>
+              <a:defRPr sz="743"/>
             </a:lvl4pPr>
-            <a:lvl5pPr marL="1828800" indent="0">
+            <a:lvl5pPr marL="1508770" indent="0">
               <a:buNone/>
-              <a:defRPr sz="900"/>
+              <a:defRPr sz="743"/>
             </a:lvl5pPr>
-            <a:lvl6pPr marL="2286000" indent="0">
+            <a:lvl6pPr marL="1885962" indent="0">
               <a:buNone/>
-              <a:defRPr sz="900"/>
+              <a:defRPr sz="743"/>
             </a:lvl6pPr>
-            <a:lvl7pPr marL="2743200" indent="0">
+            <a:lvl7pPr marL="2263154" indent="0">
               <a:buNone/>
-              <a:defRPr sz="900"/>
+              <a:defRPr sz="743"/>
             </a:lvl7pPr>
-            <a:lvl8pPr marL="3200400" indent="0">
+            <a:lvl8pPr marL="2640347" indent="0">
               <a:buNone/>
-              <a:defRPr sz="900"/>
+              <a:defRPr sz="743"/>
             </a:lvl8pPr>
-            <a:lvl9pPr marL="3657600" indent="0">
+            <a:lvl9pPr marL="3017540" indent="0">
               <a:buNone/>
-              <a:defRPr sz="900"/>
+              <a:defRPr sz="743"/>
             </a:lvl9pPr>
           </a:lstStyle>
           <a:p>
@@ -5495,7 +5505,7 @@
           <a:p>
             <a:fld id="{74929172-4BF7-429F-BA25-7E9D1A4215EE}" type="datetimeFigureOut">
               <a:rPr lang="en-US" noProof="0" smtClean="0"/>
-              <a:t>9/3/2019</a:t>
+              <a:t>9/7/2019</a:t>
             </a:fld>
             <a:endParaRPr lang="en-US" noProof="0" dirty="0"/>
           </a:p>
@@ -5600,8 +5610,8 @@
         </p:blipFill>
         <p:spPr>
           <a:xfrm>
-            <a:off x="0" y="0"/>
-            <a:ext cx="12188825" cy="6856214"/>
+            <a:off x="2" y="0"/>
+            <a:ext cx="10055781" cy="7770376"/>
           </a:xfrm>
           <a:prstGeom prst="rect">
             <a:avLst/>
@@ -5620,8 +5630,8 @@
         </p:nvSpPr>
         <p:spPr>
           <a:xfrm>
-            <a:off x="685800" y="1600200"/>
-            <a:ext cx="6164653" cy="1371600"/>
+            <a:off x="565787" y="1813560"/>
+            <a:ext cx="5085839" cy="1554480"/>
           </a:xfrm>
         </p:spPr>
         <p:txBody>
@@ -5630,7 +5640,7 @@
           </a:bodyPr>
           <a:lstStyle>
             <a:lvl1pPr algn="l">
-              <a:defRPr sz="2800" b="0"/>
+              <a:defRPr sz="2310" b="0"/>
             </a:lvl1pPr>
           </a:lstStyle>
           <a:p>
@@ -5653,8 +5663,8 @@
         </p:nvSpPr>
         <p:spPr>
           <a:xfrm>
-            <a:off x="7536253" y="914400"/>
-            <a:ext cx="3280974" cy="4572000"/>
+            <a:off x="6217409" y="1036320"/>
+            <a:ext cx="2706804" cy="5181600"/>
           </a:xfrm>
           <a:prstGeom prst="roundRect">
             <a:avLst>
@@ -5695,39 +5705,39 @@
           <a:lstStyle>
             <a:lvl1pPr marL="0" indent="0" algn="ctr">
               <a:buNone/>
-              <a:defRPr sz="1600"/>
+              <a:defRPr sz="1320"/>
             </a:lvl1pPr>
-            <a:lvl2pPr marL="457200" indent="0">
+            <a:lvl2pPr marL="377192" indent="0">
               <a:buNone/>
-              <a:defRPr sz="1600"/>
+              <a:defRPr sz="1320"/>
             </a:lvl2pPr>
-            <a:lvl3pPr marL="914400" indent="0">
+            <a:lvl3pPr marL="754385" indent="0">
               <a:buNone/>
-              <a:defRPr sz="1600"/>
+              <a:defRPr sz="1320"/>
             </a:lvl3pPr>
-            <a:lvl4pPr marL="1371600" indent="0">
+            <a:lvl4pPr marL="1131577" indent="0">
               <a:buNone/>
-              <a:defRPr sz="1600"/>
+              <a:defRPr sz="1320"/>
             </a:lvl4pPr>
-            <a:lvl5pPr marL="1828800" indent="0">
+            <a:lvl5pPr marL="1508770" indent="0">
               <a:buNone/>
-              <a:defRPr sz="1600"/>
+              <a:defRPr sz="1320"/>
             </a:lvl5pPr>
-            <a:lvl6pPr marL="2286000" indent="0">
+            <a:lvl6pPr marL="1885962" indent="0">
               <a:buNone/>
-              <a:defRPr sz="1600"/>
+              <a:defRPr sz="1320"/>
             </a:lvl6pPr>
-            <a:lvl7pPr marL="2743200" indent="0">
+            <a:lvl7pPr marL="2263154" indent="0">
               <a:buNone/>
-              <a:defRPr sz="1600"/>
+              <a:defRPr sz="1320"/>
             </a:lvl7pPr>
-            <a:lvl8pPr marL="3200400" indent="0">
+            <a:lvl8pPr marL="2640347" indent="0">
               <a:buNone/>
-              <a:defRPr sz="1600"/>
+              <a:defRPr sz="1320"/>
             </a:lvl8pPr>
-            <a:lvl9pPr marL="3657600" indent="0">
+            <a:lvl9pPr marL="3017540" indent="0">
               <a:buNone/>
-              <a:defRPr sz="1600"/>
+              <a:defRPr sz="1320"/>
             </a:lvl9pPr>
           </a:lstStyle>
           <a:p>
@@ -5751,8 +5761,8 @@
         </p:nvSpPr>
         <p:spPr>
           <a:xfrm>
-            <a:off x="685800" y="2971800"/>
-            <a:ext cx="6164653" cy="1828800"/>
+            <a:off x="565787" y="3368040"/>
+            <a:ext cx="5085839" cy="2072640"/>
           </a:xfrm>
         </p:spPr>
         <p:txBody>
@@ -5762,39 +5772,39 @@
           <a:lstStyle>
             <a:lvl1pPr marL="0" indent="0">
               <a:buNone/>
-              <a:defRPr sz="1800"/>
+              <a:defRPr sz="1485"/>
             </a:lvl1pPr>
-            <a:lvl2pPr marL="457200" indent="0">
+            <a:lvl2pPr marL="377192" indent="0">
               <a:buNone/>
-              <a:defRPr sz="1200"/>
+              <a:defRPr sz="990"/>
             </a:lvl2pPr>
-            <a:lvl3pPr marL="914400" indent="0">
+            <a:lvl3pPr marL="754385" indent="0">
               <a:buNone/>
-              <a:defRPr sz="1000"/>
+              <a:defRPr sz="825"/>
             </a:lvl3pPr>
-            <a:lvl4pPr marL="1371600" indent="0">
+            <a:lvl4pPr marL="1131577" indent="0">
               <a:buNone/>
-              <a:defRPr sz="900"/>
+              <a:defRPr sz="743"/>
             </a:lvl4pPr>
-            <a:lvl5pPr marL="1828800" indent="0">
+            <a:lvl5pPr marL="1508770" indent="0">
               <a:buNone/>
-              <a:defRPr sz="900"/>
+              <a:defRPr sz="743"/>
             </a:lvl5pPr>
-            <a:lvl6pPr marL="2286000" indent="0">
+            <a:lvl6pPr marL="1885962" indent="0">
               <a:buNone/>
-              <a:defRPr sz="900"/>
+              <a:defRPr sz="743"/>
             </a:lvl6pPr>
-            <a:lvl7pPr marL="2743200" indent="0">
+            <a:lvl7pPr marL="2263154" indent="0">
               <a:buNone/>
-              <a:defRPr sz="900"/>
+              <a:defRPr sz="743"/>
             </a:lvl7pPr>
-            <a:lvl8pPr marL="3200400" indent="0">
+            <a:lvl8pPr marL="2640347" indent="0">
               <a:buNone/>
-              <a:defRPr sz="900"/>
+              <a:defRPr sz="743"/>
             </a:lvl8pPr>
-            <a:lvl9pPr marL="3657600" indent="0">
+            <a:lvl9pPr marL="3017540" indent="0">
               <a:buNone/>
-              <a:defRPr sz="900"/>
+              <a:defRPr sz="743"/>
             </a:lvl9pPr>
           </a:lstStyle>
           <a:p>
@@ -5823,7 +5833,7 @@
           <a:p>
             <a:fld id="{74929172-4BF7-429F-BA25-7E9D1A4215EE}" type="datetimeFigureOut">
               <a:rPr lang="en-US" noProof="0" smtClean="0"/>
-              <a:t>9/3/2019</a:t>
+              <a:t>9/7/2019</a:t>
             </a:fld>
             <a:endParaRPr lang="en-US" noProof="0" dirty="0"/>
           </a:p>
@@ -5918,8 +5928,8 @@
         </p:nvSpPr>
         <p:spPr>
           <a:xfrm>
-            <a:off x="685801" y="609600"/>
-            <a:ext cx="10131425" cy="1456267"/>
+            <a:off x="565786" y="690883"/>
+            <a:ext cx="8358426" cy="1650436"/>
           </a:xfrm>
           <a:prstGeom prst="rect">
             <a:avLst/>
@@ -5951,8 +5961,8 @@
         </p:nvSpPr>
         <p:spPr>
           <a:xfrm>
-            <a:off x="685801" y="2142067"/>
-            <a:ext cx="10131425" cy="3649133"/>
+            <a:off x="565786" y="2427679"/>
+            <a:ext cx="8358426" cy="4135684"/>
           </a:xfrm>
           <a:prstGeom prst="rect">
             <a:avLst/>
@@ -6012,8 +6022,8 @@
         </p:nvSpPr>
         <p:spPr>
           <a:xfrm>
-            <a:off x="8589660" y="5870575"/>
-            <a:ext cx="1600200" cy="377825"/>
+            <a:off x="7086470" y="6653321"/>
+            <a:ext cx="1320165" cy="428202"/>
           </a:xfrm>
           <a:prstGeom prst="rect">
             <a:avLst/>
@@ -6023,7 +6033,7 @@
           <a:bodyPr vert="horz" lIns="91440" tIns="45720" rIns="91440" bIns="45720" rtlCol="0" anchor="ctr"/>
           <a:lstStyle>
             <a:lvl1pPr algn="r">
-              <a:defRPr sz="1000" b="0" i="0">
+              <a:defRPr sz="825" b="0" i="0">
                 <a:solidFill>
                   <a:schemeClr val="tx1"/>
                 </a:solidFill>
@@ -6035,7 +6045,7 @@
           <a:p>
             <a:fld id="{74929172-4BF7-429F-BA25-7E9D1A4215EE}" type="datetimeFigureOut">
               <a:rPr lang="en-US" noProof="0" smtClean="0"/>
-              <a:t>9/3/2019</a:t>
+              <a:t>9/7/2019</a:t>
             </a:fld>
             <a:endParaRPr lang="en-US" noProof="0" dirty="0"/>
           </a:p>
@@ -6053,8 +6063,8 @@
         </p:nvSpPr>
         <p:spPr>
           <a:xfrm>
-            <a:off x="685800" y="5870575"/>
-            <a:ext cx="7827659" cy="377825"/>
+            <a:off x="565787" y="6653321"/>
+            <a:ext cx="6457819" cy="428202"/>
           </a:xfrm>
           <a:prstGeom prst="rect">
             <a:avLst/>
@@ -6064,7 +6074,7 @@
           <a:bodyPr vert="horz" lIns="91440" tIns="45720" rIns="91440" bIns="45720" rtlCol="0" anchor="ctr"/>
           <a:lstStyle>
             <a:lvl1pPr algn="l">
-              <a:defRPr sz="1000" b="0" i="0">
+              <a:defRPr sz="825" b="0" i="0">
                 <a:solidFill>
                   <a:schemeClr val="tx1"/>
                 </a:solidFill>
@@ -6090,8 +6100,8 @@
         </p:nvSpPr>
         <p:spPr>
           <a:xfrm>
-            <a:off x="10266060" y="5870575"/>
-            <a:ext cx="551167" cy="377825"/>
+            <a:off x="8469502" y="6653321"/>
+            <a:ext cx="454713" cy="428202"/>
           </a:xfrm>
           <a:prstGeom prst="rect">
             <a:avLst/>
@@ -6101,7 +6111,7 @@
           <a:bodyPr vert="horz" lIns="91440" tIns="45720" rIns="91440" bIns="45720" rtlCol="0" anchor="ctr"/>
           <a:lstStyle>
             <a:lvl1pPr algn="r">
-              <a:defRPr sz="1000" b="0" i="0">
+              <a:defRPr sz="825" b="0" i="0">
                 <a:solidFill>
                   <a:schemeClr val="tx1"/>
                 </a:solidFill>
@@ -6148,12 +6158,12 @@
   </p:sldLayoutIdLst>
   <p:txStyles>
     <p:titleStyle>
-      <a:lvl1pPr algn="l" defTabSz="457200" rtl="0" eaLnBrk="1" latinLnBrk="0" hangingPunct="1">
+      <a:lvl1pPr algn="l" defTabSz="377192" rtl="0" eaLnBrk="1" latinLnBrk="0" hangingPunct="1">
         <a:spcBef>
           <a:spcPct val="0"/>
         </a:spcBef>
         <a:buNone/>
-        <a:defRPr sz="3600" kern="1200" cap="all">
+        <a:defRPr sz="2970" kern="1200" cap="all">
           <a:ln w="3175" cmpd="sng">
             <a:noFill/>
           </a:ln>
@@ -6224,12 +6234,12 @@
       </a:lvl9pPr>
     </p:titleStyle>
     <p:bodyStyle>
-      <a:lvl1pPr marL="285750" indent="-285750" algn="l" defTabSz="457200" rtl="0" eaLnBrk="1" latinLnBrk="0" hangingPunct="1">
+      <a:lvl1pPr marL="235745" indent="-235745" algn="l" defTabSz="377192" rtl="0" eaLnBrk="1" latinLnBrk="0" hangingPunct="1">
         <a:spcBef>
           <a:spcPts val="0"/>
         </a:spcBef>
         <a:spcAft>
-          <a:spcPts val="1000"/>
+          <a:spcPts val="825"/>
         </a:spcAft>
         <a:buClr>
           <a:schemeClr val="tx1"/>
@@ -6237,7 +6247,7 @@
         <a:buSzPct val="100000"/>
         <a:buFont typeface="Arial"/>
         <a:buChar char="•"/>
-        <a:defRPr sz="1800" kern="1200" cap="none">
+        <a:defRPr sz="1485" kern="1200" cap="none">
           <a:solidFill>
             <a:schemeClr val="tx1"/>
           </a:solidFill>
@@ -6247,12 +6257,12 @@
           <a:cs typeface="+mn-cs"/>
         </a:defRPr>
       </a:lvl1pPr>
-      <a:lvl2pPr marL="742950" indent="-285750" algn="l" defTabSz="457200" rtl="0" eaLnBrk="1" latinLnBrk="0" hangingPunct="1">
+      <a:lvl2pPr marL="612938" indent="-235745" algn="l" defTabSz="377192" rtl="0" eaLnBrk="1" latinLnBrk="0" hangingPunct="1">
         <a:spcBef>
           <a:spcPts val="0"/>
         </a:spcBef>
         <a:spcAft>
-          <a:spcPts val="1000"/>
+          <a:spcPts val="825"/>
         </a:spcAft>
         <a:buClr>
           <a:schemeClr val="tx1"/>
@@ -6260,7 +6270,7 @@
         <a:buSzPct val="100000"/>
         <a:buFont typeface="Arial"/>
         <a:buChar char="•"/>
-        <a:defRPr sz="1600" kern="1200" cap="none">
+        <a:defRPr sz="1320" kern="1200" cap="none">
           <a:solidFill>
             <a:schemeClr val="tx1"/>
           </a:solidFill>
@@ -6270,12 +6280,12 @@
           <a:cs typeface="+mn-cs"/>
         </a:defRPr>
       </a:lvl2pPr>
-      <a:lvl3pPr marL="1200150" indent="-285750" algn="l" defTabSz="457200" rtl="0" eaLnBrk="1" latinLnBrk="0" hangingPunct="1">
+      <a:lvl3pPr marL="990130" indent="-235745" algn="l" defTabSz="377192" rtl="0" eaLnBrk="1" latinLnBrk="0" hangingPunct="1">
         <a:spcBef>
           <a:spcPts val="0"/>
         </a:spcBef>
         <a:spcAft>
-          <a:spcPts val="1000"/>
+          <a:spcPts val="825"/>
         </a:spcAft>
         <a:buClr>
           <a:schemeClr val="tx1"/>
@@ -6283,7 +6293,7 @@
         <a:buSzPct val="100000"/>
         <a:buFont typeface="Arial"/>
         <a:buChar char="•"/>
-        <a:defRPr sz="1400" kern="1200" cap="none">
+        <a:defRPr sz="1155" kern="1200" cap="none">
           <a:solidFill>
             <a:schemeClr val="tx1"/>
           </a:solidFill>
@@ -6293,12 +6303,12 @@
           <a:cs typeface="+mn-cs"/>
         </a:defRPr>
       </a:lvl3pPr>
-      <a:lvl4pPr marL="1543050" indent="-171450" algn="l" defTabSz="457200" rtl="0" eaLnBrk="1" latinLnBrk="0" hangingPunct="1">
+      <a:lvl4pPr marL="1273025" indent="-141447" algn="l" defTabSz="377192" rtl="0" eaLnBrk="1" latinLnBrk="0" hangingPunct="1">
         <a:spcBef>
           <a:spcPts val="0"/>
         </a:spcBef>
         <a:spcAft>
-          <a:spcPts val="1000"/>
+          <a:spcPts val="825"/>
         </a:spcAft>
         <a:buClr>
           <a:schemeClr val="tx1"/>
@@ -6306,7 +6316,7 @@
         <a:buSzPct val="100000"/>
         <a:buFont typeface="Arial"/>
         <a:buChar char="•"/>
-        <a:defRPr sz="1200" kern="1200" cap="none">
+        <a:defRPr sz="990" kern="1200" cap="none">
           <a:solidFill>
             <a:schemeClr val="tx1"/>
           </a:solidFill>
@@ -6316,12 +6326,12 @@
           <a:cs typeface="+mn-cs"/>
         </a:defRPr>
       </a:lvl4pPr>
-      <a:lvl5pPr marL="2000250" indent="-171450" algn="l" defTabSz="457200" rtl="0" eaLnBrk="1" latinLnBrk="0" hangingPunct="1">
+      <a:lvl5pPr marL="1650217" indent="-141447" algn="l" defTabSz="377192" rtl="0" eaLnBrk="1" latinLnBrk="0" hangingPunct="1">
         <a:spcBef>
           <a:spcPts val="0"/>
         </a:spcBef>
         <a:spcAft>
-          <a:spcPts val="1000"/>
+          <a:spcPts val="825"/>
         </a:spcAft>
         <a:buClr>
           <a:schemeClr val="tx1"/>
@@ -6329,7 +6339,7 @@
         <a:buSzPct val="100000"/>
         <a:buFont typeface="Arial"/>
         <a:buChar char="•"/>
-        <a:defRPr sz="1200" kern="1200" cap="none">
+        <a:defRPr sz="990" kern="1200" cap="none">
           <a:solidFill>
             <a:schemeClr val="tx1"/>
           </a:solidFill>
@@ -6339,12 +6349,12 @@
           <a:cs typeface="+mn-cs"/>
         </a:defRPr>
       </a:lvl5pPr>
-      <a:lvl6pPr marL="2514600" indent="-228600" algn="l" defTabSz="457200" rtl="0" eaLnBrk="1" latinLnBrk="0" hangingPunct="1">
+      <a:lvl6pPr marL="2074558" indent="-188597" algn="l" defTabSz="377192" rtl="0" eaLnBrk="1" latinLnBrk="0" hangingPunct="1">
         <a:spcBef>
           <a:spcPts val="0"/>
         </a:spcBef>
         <a:spcAft>
-          <a:spcPts val="1000"/>
+          <a:spcPts val="825"/>
         </a:spcAft>
         <a:buClr>
           <a:schemeClr val="tx1"/>
@@ -6352,7 +6362,7 @@
         <a:buSzPct val="100000"/>
         <a:buFont typeface="Arial"/>
         <a:buChar char="•"/>
-        <a:defRPr sz="1200" kern="1200" cap="none">
+        <a:defRPr sz="990" kern="1200" cap="none">
           <a:solidFill>
             <a:schemeClr val="tx1"/>
           </a:solidFill>
@@ -6362,12 +6372,12 @@
           <a:cs typeface="+mn-cs"/>
         </a:defRPr>
       </a:lvl6pPr>
-      <a:lvl7pPr marL="2971800" indent="-228600" algn="l" defTabSz="457200" rtl="0" eaLnBrk="1" latinLnBrk="0" hangingPunct="1">
+      <a:lvl7pPr marL="2451751" indent="-188597" algn="l" defTabSz="377192" rtl="0" eaLnBrk="1" latinLnBrk="0" hangingPunct="1">
         <a:spcBef>
           <a:spcPts val="0"/>
         </a:spcBef>
         <a:spcAft>
-          <a:spcPts val="1000"/>
+          <a:spcPts val="825"/>
         </a:spcAft>
         <a:buClr>
           <a:schemeClr val="tx1"/>
@@ -6375,7 +6385,7 @@
         <a:buSzPct val="100000"/>
         <a:buFont typeface="Arial"/>
         <a:buChar char="•"/>
-        <a:defRPr sz="1200" kern="1200" cap="none">
+        <a:defRPr sz="990" kern="1200" cap="none">
           <a:solidFill>
             <a:schemeClr val="tx1"/>
           </a:solidFill>
@@ -6385,12 +6395,12 @@
           <a:cs typeface="+mn-cs"/>
         </a:defRPr>
       </a:lvl7pPr>
-      <a:lvl8pPr marL="3429000" indent="-228600" algn="l" defTabSz="457200" rtl="0" eaLnBrk="1" latinLnBrk="0" hangingPunct="1">
+      <a:lvl8pPr marL="2828943" indent="-188597" algn="l" defTabSz="377192" rtl="0" eaLnBrk="1" latinLnBrk="0" hangingPunct="1">
         <a:spcBef>
           <a:spcPts val="0"/>
         </a:spcBef>
         <a:spcAft>
-          <a:spcPts val="1000"/>
+          <a:spcPts val="825"/>
         </a:spcAft>
         <a:buClr>
           <a:schemeClr val="tx1"/>
@@ -6398,7 +6408,7 @@
         <a:buSzPct val="100000"/>
         <a:buFont typeface="Arial"/>
         <a:buChar char="•"/>
-        <a:defRPr sz="1200" kern="1200" cap="none">
+        <a:defRPr sz="990" kern="1200" cap="none">
           <a:solidFill>
             <a:schemeClr val="tx1"/>
           </a:solidFill>
@@ -6408,12 +6418,12 @@
           <a:cs typeface="+mn-cs"/>
         </a:defRPr>
       </a:lvl8pPr>
-      <a:lvl9pPr marL="3886200" indent="-228600" algn="l" defTabSz="457200" rtl="0" eaLnBrk="1" latinLnBrk="0" hangingPunct="1">
+      <a:lvl9pPr marL="3206136" indent="-188597" algn="l" defTabSz="377192" rtl="0" eaLnBrk="1" latinLnBrk="0" hangingPunct="1">
         <a:spcBef>
           <a:spcPts val="0"/>
         </a:spcBef>
         <a:spcAft>
-          <a:spcPts val="1000"/>
+          <a:spcPts val="825"/>
         </a:spcAft>
         <a:buClr>
           <a:schemeClr val="tx1"/>
@@ -6421,7 +6431,7 @@
         <a:buSzPct val="100000"/>
         <a:buFont typeface="Arial"/>
         <a:buChar char="•"/>
-        <a:defRPr sz="1200" kern="1200" cap="none">
+        <a:defRPr sz="990" kern="1200" cap="none">
           <a:solidFill>
             <a:schemeClr val="tx1"/>
           </a:solidFill>
@@ -6436,8 +6446,8 @@
       <a:defPPr>
         <a:defRPr lang="en-US"/>
       </a:defPPr>
-      <a:lvl1pPr marL="0" algn="l" defTabSz="457200" rtl="0" eaLnBrk="1" latinLnBrk="0" hangingPunct="1">
-        <a:defRPr sz="1800" kern="1200">
+      <a:lvl1pPr marL="0" algn="l" defTabSz="377192" rtl="0" eaLnBrk="1" latinLnBrk="0" hangingPunct="1">
+        <a:defRPr sz="1485" kern="1200">
           <a:solidFill>
             <a:schemeClr val="tx1"/>
           </a:solidFill>
@@ -6446,8 +6456,8 @@
           <a:cs typeface="+mn-cs"/>
         </a:defRPr>
       </a:lvl1pPr>
-      <a:lvl2pPr marL="457200" algn="l" defTabSz="457200" rtl="0" eaLnBrk="1" latinLnBrk="0" hangingPunct="1">
-        <a:defRPr sz="1800" kern="1200">
+      <a:lvl2pPr marL="377192" algn="l" defTabSz="377192" rtl="0" eaLnBrk="1" latinLnBrk="0" hangingPunct="1">
+        <a:defRPr sz="1485" kern="1200">
           <a:solidFill>
             <a:schemeClr val="tx1"/>
           </a:solidFill>
@@ -6456,8 +6466,8 @@
           <a:cs typeface="+mn-cs"/>
         </a:defRPr>
       </a:lvl2pPr>
-      <a:lvl3pPr marL="914400" algn="l" defTabSz="457200" rtl="0" eaLnBrk="1" latinLnBrk="0" hangingPunct="1">
-        <a:defRPr sz="1800" kern="1200">
+      <a:lvl3pPr marL="754385" algn="l" defTabSz="377192" rtl="0" eaLnBrk="1" latinLnBrk="0" hangingPunct="1">
+        <a:defRPr sz="1485" kern="1200">
           <a:solidFill>
             <a:schemeClr val="tx1"/>
           </a:solidFill>
@@ -6466,8 +6476,8 @@
           <a:cs typeface="+mn-cs"/>
         </a:defRPr>
       </a:lvl3pPr>
-      <a:lvl4pPr marL="1371600" algn="l" defTabSz="457200" rtl="0" eaLnBrk="1" latinLnBrk="0" hangingPunct="1">
-        <a:defRPr sz="1800" kern="1200">
+      <a:lvl4pPr marL="1131577" algn="l" defTabSz="377192" rtl="0" eaLnBrk="1" latinLnBrk="0" hangingPunct="1">
+        <a:defRPr sz="1485" kern="1200">
           <a:solidFill>
             <a:schemeClr val="tx1"/>
           </a:solidFill>
@@ -6476,8 +6486,8 @@
           <a:cs typeface="+mn-cs"/>
         </a:defRPr>
       </a:lvl4pPr>
-      <a:lvl5pPr marL="1828800" algn="l" defTabSz="457200" rtl="0" eaLnBrk="1" latinLnBrk="0" hangingPunct="1">
-        <a:defRPr sz="1800" kern="1200">
+      <a:lvl5pPr marL="1508770" algn="l" defTabSz="377192" rtl="0" eaLnBrk="1" latinLnBrk="0" hangingPunct="1">
+        <a:defRPr sz="1485" kern="1200">
           <a:solidFill>
             <a:schemeClr val="tx1"/>
           </a:solidFill>
@@ -6486,8 +6496,8 @@
           <a:cs typeface="+mn-cs"/>
         </a:defRPr>
       </a:lvl5pPr>
-      <a:lvl6pPr marL="2286000" algn="l" defTabSz="457200" rtl="0" eaLnBrk="1" latinLnBrk="0" hangingPunct="1">
-        <a:defRPr sz="1800" kern="1200">
+      <a:lvl6pPr marL="1885962" algn="l" defTabSz="377192" rtl="0" eaLnBrk="1" latinLnBrk="0" hangingPunct="1">
+        <a:defRPr sz="1485" kern="1200">
           <a:solidFill>
             <a:schemeClr val="tx1"/>
           </a:solidFill>
@@ -6496,8 +6506,8 @@
           <a:cs typeface="+mn-cs"/>
         </a:defRPr>
       </a:lvl6pPr>
-      <a:lvl7pPr marL="2743200" algn="l" defTabSz="457200" rtl="0" eaLnBrk="1" latinLnBrk="0" hangingPunct="1">
-        <a:defRPr sz="1800" kern="1200">
+      <a:lvl7pPr marL="2263154" algn="l" defTabSz="377192" rtl="0" eaLnBrk="1" latinLnBrk="0" hangingPunct="1">
+        <a:defRPr sz="1485" kern="1200">
           <a:solidFill>
             <a:schemeClr val="tx1"/>
           </a:solidFill>
@@ -6506,8 +6516,8 @@
           <a:cs typeface="+mn-cs"/>
         </a:defRPr>
       </a:lvl7pPr>
-      <a:lvl8pPr marL="3200400" algn="l" defTabSz="457200" rtl="0" eaLnBrk="1" latinLnBrk="0" hangingPunct="1">
-        <a:defRPr sz="1800" kern="1200">
+      <a:lvl8pPr marL="2640347" algn="l" defTabSz="377192" rtl="0" eaLnBrk="1" latinLnBrk="0" hangingPunct="1">
+        <a:defRPr sz="1485" kern="1200">
           <a:solidFill>
             <a:schemeClr val="tx1"/>
           </a:solidFill>
@@ -6516,8 +6526,8 @@
           <a:cs typeface="+mn-cs"/>
         </a:defRPr>
       </a:lvl8pPr>
-      <a:lvl9pPr marL="3657600" algn="l" defTabSz="457200" rtl="0" eaLnBrk="1" latinLnBrk="0" hangingPunct="1">
-        <a:defRPr sz="1800" kern="1200">
+      <a:lvl9pPr marL="3017540" algn="l" defTabSz="377192" rtl="0" eaLnBrk="1" latinLnBrk="0" hangingPunct="1">
+        <a:defRPr sz="1485" kern="1200">
           <a:solidFill>
             <a:schemeClr val="tx1"/>
           </a:solidFill>
@@ -6586,8 +6596,8 @@
         </p:nvSpPr>
         <p:spPr>
           <a:xfrm>
-            <a:off x="346229" y="408706"/>
-            <a:ext cx="3497801" cy="480424"/>
+            <a:off x="541787" y="547930"/>
+            <a:ext cx="3063991" cy="740627"/>
           </a:xfrm>
         </p:spPr>
         <p:txBody>
@@ -6598,7 +6608,7 @@
           <a:p>
             <a:pPr algn="ctr"/>
             <a:r>
-              <a:rPr lang="en-US" sz="2800" dirty="0">
+              <a:rPr lang="en-US" sz="2310" dirty="0">
                 <a:solidFill>
                   <a:schemeClr val="tx2"/>
                 </a:solidFill>
@@ -6606,21 +6616,21 @@
               <a:t>Engineering roles</a:t>
             </a:r>
             <a:br>
-              <a:rPr lang="en-US" sz="2800" dirty="0">
+              <a:rPr lang="en-US" sz="2310" dirty="0">
                 <a:solidFill>
                   <a:schemeClr val="tx2"/>
                 </a:solidFill>
               </a:rPr>
             </a:br>
             <a:r>
-              <a:rPr lang="en-US" sz="1800" dirty="0">
+              <a:rPr lang="en-US" sz="1485" dirty="0" smtClean="0">
                 <a:solidFill>
                   <a:srgbClr val="18276C"/>
                 </a:solidFill>
               </a:rPr>
-              <a:t>2019-2020</a:t>
+              <a:t>2019-2020 Senior Design</a:t>
             </a:r>
-            <a:endParaRPr lang="en-US" sz="2800" dirty="0">
+            <a:endParaRPr lang="en-US" sz="2310" dirty="0">
               <a:solidFill>
                 <a:schemeClr val="tx2"/>
               </a:solidFill>
@@ -6636,7 +6646,7 @@
                 <a16:creationId xmlns:a16="http://schemas.microsoft.com/office/drawing/2014/main" id="{6B70B1D5-F5F8-429D-818A-E1CFA491E8B4}"/>
               </a:ext>
               <a:ext uri="{C183D7F6-B498-43B3-948B-1728B52AA6E4}">
-                <adec:decorative xmlns:adec="http://schemas.microsoft.com/office/drawing/2017/decorative" xmlns="" val="1"/>
+                <adec:decorative xmlns="" xmlns:adec="http://schemas.microsoft.com/office/drawing/2017/decorative" val="1"/>
               </a:ext>
             </a:extLst>
           </p:cNvPr>
@@ -6645,8 +6655,8 @@
         </p:nvGrpSpPr>
         <p:grpSpPr>
           <a:xfrm>
-            <a:off x="2502044" y="1630917"/>
-            <a:ext cx="1386596" cy="544407"/>
+            <a:off x="1496027" y="2220308"/>
+            <a:ext cx="1143942" cy="449136"/>
             <a:chOff x="2810778" y="3090121"/>
             <a:chExt cx="1386596" cy="544407"/>
           </a:xfrm>
@@ -6721,13 +6731,13 @@
             </a:fontRef>
           </p:style>
           <p:txBody>
-            <a:bodyPr spcFirstLastPara="0" vert="horz" wrap="square" lIns="72000" tIns="5715" rIns="72000" bIns="54011" numCol="1" spcCol="1270" anchor="ctr" anchorCtr="0">
+            <a:bodyPr spcFirstLastPara="0" vert="horz" wrap="square" lIns="59400" tIns="4715" rIns="59400" bIns="44559" numCol="1" spcCol="1270" anchor="ctr" anchorCtr="0">
               <a:noAutofit/>
               <a:flatTx/>
             </a:bodyPr>
             <a:lstStyle/>
             <a:p>
-              <a:pPr algn="ctr" defTabSz="400050">
+              <a:pPr algn="ctr" defTabSz="330044">
                 <a:lnSpc>
                   <a:spcPct val="90000"/>
                 </a:lnSpc>
@@ -6739,7 +6749,7 @@
                 </a:spcAft>
               </a:pPr>
               <a:r>
-                <a:rPr lang="en-US" sz="1200" dirty="0">
+                <a:rPr lang="en-US" sz="990" dirty="0">
                   <a:solidFill>
                     <a:prstClr val="black"/>
                   </a:solidFill>
@@ -6820,13 +6830,13 @@
             </a:fontRef>
           </p:style>
           <p:txBody>
-            <a:bodyPr spcFirstLastPara="0" vert="horz" wrap="square" lIns="72000" tIns="5715" rIns="72000" bIns="5715" numCol="1" spcCol="1270" anchor="ctr" anchorCtr="0">
+            <a:bodyPr spcFirstLastPara="0" vert="horz" wrap="square" lIns="59400" tIns="4715" rIns="59400" bIns="4715" numCol="1" spcCol="1270" anchor="ctr" anchorCtr="0">
               <a:noAutofit/>
               <a:flatTx/>
             </a:bodyPr>
             <a:lstStyle/>
             <a:p>
-              <a:pPr algn="ctr" defTabSz="400050">
+              <a:pPr algn="ctr" defTabSz="330044">
                 <a:lnSpc>
                   <a:spcPct val="90000"/>
                 </a:lnSpc>
@@ -6838,7 +6848,7 @@
                 </a:spcAft>
               </a:pPr>
               <a:r>
-                <a:rPr lang="en-US" sz="1000" dirty="0">
+                <a:rPr lang="en-US" sz="825" dirty="0">
                   <a:solidFill>
                     <a:schemeClr val="bg1"/>
                   </a:solidFill>
@@ -6857,7 +6867,7 @@
                 <a16:creationId xmlns:a16="http://schemas.microsoft.com/office/drawing/2014/main" id="{1D0C17FD-0081-40EF-A9FD-74C7001B881A}"/>
               </a:ext>
               <a:ext uri="{C183D7F6-B498-43B3-948B-1728B52AA6E4}">
-                <adec:decorative xmlns:adec="http://schemas.microsoft.com/office/drawing/2017/decorative" xmlns="" val="1"/>
+                <adec:decorative xmlns="" xmlns:adec="http://schemas.microsoft.com/office/drawing/2017/decorative" val="1"/>
               </a:ext>
             </a:extLst>
           </p:cNvPr>
@@ -6866,8 +6876,8 @@
         </p:nvGrpSpPr>
         <p:grpSpPr>
           <a:xfrm>
-            <a:off x="4293584" y="1630917"/>
-            <a:ext cx="1388313" cy="544407"/>
+            <a:off x="3790150" y="2220308"/>
+            <a:ext cx="1145358" cy="449136"/>
             <a:chOff x="4544127" y="3090121"/>
             <a:chExt cx="1388313" cy="544407"/>
           </a:xfrm>
@@ -6932,13 +6942,13 @@
             </a:fontRef>
           </p:style>
           <p:txBody>
-            <a:bodyPr spcFirstLastPara="0" vert="horz" wrap="square" lIns="72000" tIns="5715" rIns="72000" bIns="54011" numCol="1" spcCol="1270" anchor="ctr" anchorCtr="0">
+            <a:bodyPr spcFirstLastPara="0" vert="horz" wrap="square" lIns="59400" tIns="4715" rIns="59400" bIns="44559" numCol="1" spcCol="1270" anchor="ctr" anchorCtr="0">
               <a:noAutofit/>
               <a:flatTx/>
             </a:bodyPr>
             <a:lstStyle/>
             <a:p>
-              <a:pPr algn="ctr" defTabSz="400050">
+              <a:pPr algn="ctr" defTabSz="330044">
                 <a:lnSpc>
                   <a:spcPct val="90000"/>
                 </a:lnSpc>
@@ -6950,7 +6960,7 @@
                 </a:spcAft>
               </a:pPr>
               <a:r>
-                <a:rPr lang="en-US" sz="1200" dirty="0">
+                <a:rPr lang="en-US" sz="990" dirty="0">
                   <a:solidFill>
                     <a:schemeClr val="tx1"/>
                   </a:solidFill>
@@ -7033,13 +7043,13 @@
             </a:fontRef>
           </p:style>
           <p:txBody>
-            <a:bodyPr spcFirstLastPara="0" vert="horz" wrap="square" lIns="72000" tIns="5715" rIns="72000" bIns="5715" numCol="1" spcCol="1270" anchor="ctr" anchorCtr="0">
+            <a:bodyPr spcFirstLastPara="0" vert="horz" wrap="square" lIns="59400" tIns="4715" rIns="59400" bIns="4715" numCol="1" spcCol="1270" anchor="ctr" anchorCtr="0">
               <a:noAutofit/>
               <a:flatTx/>
             </a:bodyPr>
             <a:lstStyle/>
             <a:p>
-              <a:pPr algn="ctr" defTabSz="400050">
+              <a:pPr algn="ctr" defTabSz="330044">
                 <a:lnSpc>
                   <a:spcPct val="90000"/>
                 </a:lnSpc>
@@ -7051,7 +7061,7 @@
                 </a:spcAft>
               </a:pPr>
               <a:r>
-                <a:rPr lang="en-US" sz="1000" dirty="0">
+                <a:rPr lang="en-US" sz="825" dirty="0">
                   <a:solidFill>
                     <a:schemeClr val="bg1"/>
                   </a:solidFill>
@@ -7070,7 +7080,7 @@
                 <a16:creationId xmlns:a16="http://schemas.microsoft.com/office/drawing/2014/main" id="{86A6D505-4CAD-4827-A8B4-1F7AC0D804FA}"/>
               </a:ext>
               <a:ext uri="{C183D7F6-B498-43B3-948B-1728B52AA6E4}">
-                <adec:decorative xmlns:adec="http://schemas.microsoft.com/office/drawing/2017/decorative" xmlns="" val="1"/>
+                <adec:decorative xmlns="" xmlns:adec="http://schemas.microsoft.com/office/drawing/2017/decorative" val="1"/>
               </a:ext>
             </a:extLst>
           </p:cNvPr>
@@ -7079,8 +7089,8 @@
         </p:nvGrpSpPr>
         <p:grpSpPr>
           <a:xfrm>
-            <a:off x="6498209" y="3994563"/>
-            <a:ext cx="1389615" cy="544407"/>
+            <a:off x="5608966" y="4170316"/>
+            <a:ext cx="1146432" cy="449136"/>
             <a:chOff x="6277476" y="3090121"/>
             <a:chExt cx="1389615" cy="544407"/>
           </a:xfrm>
@@ -7145,13 +7155,13 @@
             </a:fontRef>
           </p:style>
           <p:txBody>
-            <a:bodyPr spcFirstLastPara="0" vert="horz" wrap="square" lIns="72000" tIns="5715" rIns="72000" bIns="54011" numCol="1" spcCol="1270" anchor="ctr" anchorCtr="0">
+            <a:bodyPr spcFirstLastPara="0" vert="horz" wrap="square" lIns="59400" tIns="4715" rIns="59400" bIns="44559" numCol="1" spcCol="1270" anchor="ctr" anchorCtr="0">
               <a:noAutofit/>
               <a:flatTx/>
             </a:bodyPr>
             <a:lstStyle/>
             <a:p>
-              <a:pPr algn="ctr" defTabSz="400050">
+              <a:pPr algn="ctr" defTabSz="330044">
                 <a:lnSpc>
                   <a:spcPct val="90000"/>
                 </a:lnSpc>
@@ -7162,14 +7172,14 @@
                   <a:spcPct val="35000"/>
                 </a:spcAft>
               </a:pPr>
-              <a:endParaRPr lang="en-US" sz="1200" dirty="0">
+              <a:endParaRPr lang="en-US" sz="990" dirty="0">
                 <a:solidFill>
                   <a:schemeClr val="tx1"/>
                 </a:solidFill>
               </a:endParaRPr>
             </a:p>
             <a:p>
-              <a:pPr algn="ctr" defTabSz="400050">
+              <a:pPr algn="ctr" defTabSz="330044">
                 <a:lnSpc>
                   <a:spcPct val="90000"/>
                 </a:lnSpc>
@@ -7181,7 +7191,7 @@
                 </a:spcAft>
               </a:pPr>
               <a:r>
-                <a:rPr lang="en-US" sz="1200" dirty="0">
+                <a:rPr lang="en-US" sz="990" dirty="0">
                   <a:solidFill>
                     <a:schemeClr val="tx1"/>
                   </a:solidFill>
@@ -7190,7 +7200,7 @@
               </a:r>
             </a:p>
             <a:p>
-              <a:pPr algn="ctr" defTabSz="400050">
+              <a:pPr algn="ctr" defTabSz="330044">
                 <a:lnSpc>
                   <a:spcPct val="90000"/>
                 </a:lnSpc>
@@ -7201,7 +7211,7 @@
                   <a:spcPct val="35000"/>
                 </a:spcAft>
               </a:pPr>
-              <a:endParaRPr lang="en-US" sz="1200" dirty="0">
+              <a:endParaRPr lang="en-US" sz="990" dirty="0">
                 <a:solidFill>
                   <a:schemeClr val="tx1"/>
                 </a:solidFill>
@@ -7280,13 +7290,13 @@
             </a:fontRef>
           </p:style>
           <p:txBody>
-            <a:bodyPr spcFirstLastPara="0" vert="horz" wrap="square" lIns="72000" tIns="5715" rIns="72000" bIns="5715" numCol="1" spcCol="1270" anchor="ctr" anchorCtr="0">
+            <a:bodyPr spcFirstLastPara="0" vert="horz" wrap="square" lIns="59400" tIns="4715" rIns="59400" bIns="4715" numCol="1" spcCol="1270" anchor="ctr" anchorCtr="0">
               <a:noAutofit/>
               <a:flatTx/>
             </a:bodyPr>
             <a:lstStyle/>
             <a:p>
-              <a:pPr algn="ctr" defTabSz="400050">
+              <a:pPr algn="ctr" defTabSz="330044">
                 <a:lnSpc>
                   <a:spcPct val="90000"/>
                 </a:lnSpc>
@@ -7297,7 +7307,7 @@
                   <a:spcPct val="35000"/>
                 </a:spcAft>
               </a:pPr>
-              <a:endParaRPr lang="en-US" sz="1000" dirty="0">
+              <a:endParaRPr lang="en-US" sz="825" dirty="0">
                 <a:solidFill>
                   <a:schemeClr val="bg1"/>
                 </a:solidFill>
@@ -7314,7 +7324,7 @@
                 <a16:creationId xmlns:a16="http://schemas.microsoft.com/office/drawing/2014/main" id="{E4B64F0C-D8B5-4B34-A22A-D85D0F7D2F51}"/>
               </a:ext>
               <a:ext uri="{C183D7F6-B498-43B3-948B-1728B52AA6E4}">
-                <adec:decorative xmlns:adec="http://schemas.microsoft.com/office/drawing/2017/decorative" xmlns="" val="1"/>
+                <adec:decorative xmlns="" xmlns:adec="http://schemas.microsoft.com/office/drawing/2017/decorative" val="1"/>
               </a:ext>
             </a:extLst>
           </p:cNvPr>
@@ -7323,8 +7333,8 @@
         </p:nvGrpSpPr>
         <p:grpSpPr>
           <a:xfrm>
-            <a:off x="6505058" y="1630917"/>
-            <a:ext cx="1386544" cy="544407"/>
+            <a:off x="5614616" y="2220308"/>
+            <a:ext cx="1143899" cy="449136"/>
             <a:chOff x="8010825" y="3090121"/>
             <a:chExt cx="1386544" cy="544407"/>
           </a:xfrm>
@@ -7403,13 +7413,13 @@
             </a:fontRef>
           </p:style>
           <p:txBody>
-            <a:bodyPr spcFirstLastPara="0" vert="horz" wrap="square" lIns="72000" tIns="5715" rIns="72000" bIns="54011" numCol="1" spcCol="1270" anchor="ctr" anchorCtr="0">
+            <a:bodyPr spcFirstLastPara="0" vert="horz" wrap="square" lIns="59400" tIns="4715" rIns="59400" bIns="44559" numCol="1" spcCol="1270" anchor="ctr" anchorCtr="0">
               <a:noAutofit/>
               <a:flatTx/>
             </a:bodyPr>
             <a:lstStyle/>
             <a:p>
-              <a:pPr algn="ctr" defTabSz="400050">
+              <a:pPr algn="ctr" defTabSz="330044">
                 <a:lnSpc>
                   <a:spcPct val="90000"/>
                 </a:lnSpc>
@@ -7421,7 +7431,7 @@
                 </a:spcAft>
               </a:pPr>
               <a:r>
-                <a:rPr lang="en-US" sz="1200" dirty="0">
+                <a:rPr lang="en-US" sz="990" dirty="0">
                   <a:solidFill>
                     <a:schemeClr val="tx1"/>
                   </a:solidFill>
@@ -7502,13 +7512,13 @@
             </a:fontRef>
           </p:style>
           <p:txBody>
-            <a:bodyPr spcFirstLastPara="0" vert="horz" wrap="square" lIns="72000" tIns="0" rIns="72000" bIns="5715" numCol="1" spcCol="1270" anchor="ctr" anchorCtr="0">
+            <a:bodyPr spcFirstLastPara="0" vert="horz" wrap="square" lIns="59400" tIns="0" rIns="59400" bIns="4715" numCol="1" spcCol="1270" anchor="ctr" anchorCtr="0">
               <a:noAutofit/>
               <a:flatTx/>
             </a:bodyPr>
             <a:lstStyle/>
             <a:p>
-              <a:pPr marL="0" lvl="0" indent="0" algn="ctr" defTabSz="400050">
+              <a:pPr algn="ctr" defTabSz="330044">
                 <a:lnSpc>
                   <a:spcPct val="90000"/>
                 </a:lnSpc>
@@ -7518,10 +7528,9 @@
                 <a:spcAft>
                   <a:spcPct val="35000"/>
                 </a:spcAft>
-                <a:buNone/>
               </a:pPr>
               <a:r>
-                <a:rPr lang="en-US" sz="1000" dirty="0">
+                <a:rPr lang="en-US" sz="825" dirty="0">
                   <a:solidFill>
                     <a:schemeClr val="bg1"/>
                   </a:solidFill>
@@ -7529,14 +7538,14 @@
                 <a:t>VP </a:t>
               </a:r>
               <a:r>
-                <a:rPr lang="en-US" sz="1000" dirty="0" smtClean="0">
+                <a:rPr lang="en-US" sz="825" dirty="0">
                   <a:solidFill>
                     <a:schemeClr val="bg1"/>
                   </a:solidFill>
                 </a:rPr>
                 <a:t>Avionics</a:t>
               </a:r>
-              <a:endParaRPr lang="en-US" sz="1000" kern="1200" dirty="0">
+              <a:endParaRPr lang="en-US" sz="825" dirty="0">
                 <a:solidFill>
                   <a:schemeClr val="bg1"/>
                 </a:solidFill>
@@ -7553,7 +7562,7 @@
                 <a16:creationId xmlns:a16="http://schemas.microsoft.com/office/drawing/2014/main" id="{484B9E92-D14A-4F75-88C6-459716737C4A}"/>
               </a:ext>
               <a:ext uri="{C183D7F6-B498-43B3-948B-1728B52AA6E4}">
-                <adec:decorative xmlns:adec="http://schemas.microsoft.com/office/drawing/2017/decorative" xmlns="" val="1"/>
+                <adec:decorative xmlns="" xmlns:adec="http://schemas.microsoft.com/office/drawing/2017/decorative" val="1"/>
               </a:ext>
             </a:extLst>
           </p:cNvPr>
@@ -7562,8 +7571,8 @@
         </p:nvGrpSpPr>
         <p:grpSpPr>
           <a:xfrm>
-            <a:off x="8238407" y="1630917"/>
-            <a:ext cx="1387558" cy="544407"/>
+            <a:off x="7044629" y="2220308"/>
+            <a:ext cx="1144735" cy="449136"/>
             <a:chOff x="9744174" y="3090121"/>
             <a:chExt cx="1387558" cy="544407"/>
           </a:xfrm>
@@ -7642,13 +7651,13 @@
             </a:fontRef>
           </p:style>
           <p:txBody>
-            <a:bodyPr spcFirstLastPara="0" vert="horz" wrap="square" lIns="72000" tIns="5715" rIns="72000" bIns="54011" numCol="1" spcCol="1270" anchor="ctr" anchorCtr="0">
+            <a:bodyPr spcFirstLastPara="0" vert="horz" wrap="square" lIns="59400" tIns="4715" rIns="59400" bIns="44559" numCol="1" spcCol="1270" anchor="ctr" anchorCtr="0">
               <a:noAutofit/>
               <a:flatTx/>
             </a:bodyPr>
             <a:lstStyle/>
             <a:p>
-              <a:pPr marL="0" lvl="0" indent="0" algn="ctr" defTabSz="400050">
+              <a:pPr algn="ctr" defTabSz="330044">
                 <a:lnSpc>
                   <a:spcPct val="90000"/>
                 </a:lnSpc>
@@ -7658,21 +7667,15 @@
                 <a:spcAft>
                   <a:spcPct val="35000"/>
                 </a:spcAft>
-                <a:buNone/>
               </a:pPr>
               <a:r>
-                <a:rPr lang="en-US" sz="1200" dirty="0">
+                <a:rPr lang="en-US" sz="990" dirty="0">
                   <a:solidFill>
                     <a:schemeClr val="tx1"/>
                   </a:solidFill>
                 </a:rPr>
                 <a:t>Silas Johnson</a:t>
               </a:r>
-              <a:endParaRPr lang="en-US" sz="1200" kern="1200" dirty="0">
-                <a:solidFill>
-                  <a:schemeClr val="tx1"/>
-                </a:solidFill>
-              </a:endParaRPr>
             </a:p>
           </p:txBody>
         </p:sp>
@@ -7747,13 +7750,13 @@
             </a:fontRef>
           </p:style>
           <p:txBody>
-            <a:bodyPr spcFirstLastPara="0" vert="horz" wrap="square" lIns="72000" tIns="5715" rIns="72000" bIns="5715" numCol="1" spcCol="1270" anchor="ctr" anchorCtr="0">
+            <a:bodyPr spcFirstLastPara="0" vert="horz" wrap="square" lIns="59400" tIns="4715" rIns="59400" bIns="4715" numCol="1" spcCol="1270" anchor="ctr" anchorCtr="0">
               <a:noAutofit/>
               <a:flatTx/>
             </a:bodyPr>
             <a:lstStyle/>
             <a:p>
-              <a:pPr marL="0" lvl="0" indent="0" algn="ctr" defTabSz="400050">
+              <a:pPr algn="ctr" defTabSz="330044">
                 <a:lnSpc>
                   <a:spcPct val="90000"/>
                 </a:lnSpc>
@@ -7763,10 +7766,9 @@
                 <a:spcAft>
                   <a:spcPct val="35000"/>
                 </a:spcAft>
-                <a:buNone/>
               </a:pPr>
               <a:r>
-                <a:rPr lang="en-US" sz="1000" kern="1200" dirty="0">
+                <a:rPr lang="en-US" sz="825" dirty="0">
                   <a:solidFill>
                     <a:schemeClr val="bg1"/>
                   </a:solidFill>
@@ -7791,8 +7793,8 @@
         </p:nvCxnSpPr>
         <p:spPr>
           <a:xfrm>
-            <a:off x="3187802" y="2218480"/>
-            <a:ext cx="0" cy="307844"/>
+            <a:off x="2061778" y="2705046"/>
+            <a:ext cx="0" cy="253971"/>
           </a:xfrm>
           <a:prstGeom prst="line">
             <a:avLst/>
@@ -7841,8 +7843,8 @@
         </p:nvCxnSpPr>
         <p:spPr>
           <a:xfrm>
-            <a:off x="4978931" y="2201854"/>
-            <a:ext cx="0" cy="307844"/>
+            <a:off x="4355560" y="2691331"/>
+            <a:ext cx="0" cy="253971"/>
           </a:xfrm>
           <a:prstGeom prst="line">
             <a:avLst/>
@@ -7891,8 +7893,8 @@
         </p:nvCxnSpPr>
         <p:spPr>
           <a:xfrm>
-            <a:off x="7189583" y="2201854"/>
-            <a:ext cx="0" cy="307844"/>
+            <a:off x="6179348" y="2691331"/>
+            <a:ext cx="0" cy="253971"/>
           </a:xfrm>
           <a:prstGeom prst="line">
             <a:avLst/>
@@ -7941,8 +7943,8 @@
         </p:nvCxnSpPr>
         <p:spPr>
           <a:xfrm>
-            <a:off x="8922523" y="2201854"/>
-            <a:ext cx="0" cy="307844"/>
+            <a:off x="7609023" y="2691331"/>
+            <a:ext cx="0" cy="253971"/>
           </a:xfrm>
           <a:prstGeom prst="line">
             <a:avLst/>
@@ -7991,8 +7993,8 @@
         </p:nvSpPr>
         <p:spPr>
           <a:xfrm>
-            <a:off x="8865316" y="1519786"/>
-            <a:ext cx="114414" cy="85961"/>
+            <a:off x="7561828" y="2128625"/>
+            <a:ext cx="94392" cy="70918"/>
           </a:xfrm>
           <a:prstGeom prst="ellipse">
             <a:avLst/>
@@ -8023,7 +8025,7 @@
           <a:lstStyle/>
           <a:p>
             <a:pPr algn="ctr"/>
-            <a:endParaRPr lang="en-US" dirty="0"/>
+            <a:endParaRPr lang="en-US" sz="1485" dirty="0"/>
           </a:p>
         </p:txBody>
       </p:sp>
@@ -8035,7 +8037,7 @@
                 <a16:creationId xmlns:a16="http://schemas.microsoft.com/office/drawing/2014/main" id="{FA215D57-115E-4EA6-82EB-CB2CD22D4237}"/>
               </a:ext>
               <a:ext uri="{C183D7F6-B498-43B3-948B-1728B52AA6E4}">
-                <adec:decorative xmlns:adec="http://schemas.microsoft.com/office/drawing/2017/decorative" xmlns="" val="1"/>
+                <adec:decorative xmlns="" xmlns:adec="http://schemas.microsoft.com/office/drawing/2017/decorative" val="1"/>
               </a:ext>
             </a:extLst>
           </p:cNvPr>
@@ -8044,8 +8046,8 @@
         </p:nvGrpSpPr>
         <p:grpSpPr>
           <a:xfrm>
-            <a:off x="4927203" y="288727"/>
-            <a:ext cx="2160000" cy="511431"/>
+            <a:off x="4312884" y="1113001"/>
+            <a:ext cx="1782000" cy="421931"/>
             <a:chOff x="5016000" y="1040449"/>
             <a:chExt cx="2160000" cy="511431"/>
           </a:xfrm>
@@ -8110,13 +8112,13 @@
             </a:fontRef>
           </p:style>
           <p:txBody>
-            <a:bodyPr spcFirstLastPara="0" vert="horz" wrap="square" lIns="5715" tIns="5715" rIns="5715" bIns="54011" numCol="1" spcCol="1270" anchor="ctr" anchorCtr="0">
+            <a:bodyPr spcFirstLastPara="0" vert="horz" wrap="square" lIns="4715" tIns="4715" rIns="4715" bIns="44559" numCol="1" spcCol="1270" anchor="ctr" anchorCtr="0">
               <a:noAutofit/>
               <a:flatTx/>
             </a:bodyPr>
             <a:lstStyle/>
             <a:p>
-              <a:pPr algn="ctr" defTabSz="400050">
+              <a:pPr algn="ctr" defTabSz="330044">
                 <a:lnSpc>
                   <a:spcPct val="90000"/>
                 </a:lnSpc>
@@ -8128,7 +8130,7 @@
                 </a:spcAft>
               </a:pPr>
               <a:r>
-                <a:rPr lang="en-US" sz="1200" dirty="0">
+                <a:rPr lang="en-US" sz="990" dirty="0">
                   <a:solidFill>
                     <a:schemeClr val="tx1"/>
                   </a:solidFill>
@@ -8199,13 +8201,13 @@
             </a:fontRef>
           </p:style>
           <p:txBody>
-            <a:bodyPr spcFirstLastPara="0" vert="horz" wrap="square" lIns="22860" tIns="5715" rIns="22860" bIns="5715" numCol="1" spcCol="1270" anchor="ctr" anchorCtr="0">
+            <a:bodyPr spcFirstLastPara="0" vert="horz" wrap="square" lIns="18860" tIns="4715" rIns="18860" bIns="4715" numCol="1" spcCol="1270" anchor="ctr" anchorCtr="0">
               <a:noAutofit/>
               <a:flatTx/>
             </a:bodyPr>
             <a:lstStyle/>
             <a:p>
-              <a:pPr marL="0" lvl="0" indent="0" algn="ctr" defTabSz="400050">
+              <a:pPr algn="ctr" defTabSz="330044">
                 <a:lnSpc>
                   <a:spcPct val="90000"/>
                 </a:lnSpc>
@@ -8215,22 +8217,19 @@
                 <a:spcAft>
                   <a:spcPct val="35000"/>
                 </a:spcAft>
-                <a:buNone/>
               </a:pPr>
               <a:r>
-                <a:rPr lang="en-US" sz="1000" dirty="0" smtClean="0">
+                <a:rPr lang="en-US" sz="825" dirty="0">
                   <a:solidFill>
                     <a:schemeClr val="bg1"/>
                   </a:solidFill>
                 </a:rPr>
                 <a:t>Chief Technical Officer</a:t>
               </a:r>
-              <a:endParaRPr lang="en-US" sz="1000" kern="1200" dirty="0">
+              <a:endParaRPr lang="en-US" sz="825" dirty="0">
                 <a:solidFill>
                   <a:schemeClr val="bg1"/>
                 </a:solidFill>
-                <a:ea typeface="+mn-ea"/>
-                <a:cs typeface="+mn-cs"/>
               </a:endParaRPr>
             </a:p>
           </p:txBody>
@@ -8244,7 +8243,7 @@
                 <a16:creationId xmlns:a16="http://schemas.microsoft.com/office/drawing/2014/main" id="{F63E54AC-1CB7-43BF-B0A4-82DE6FEB1664}"/>
               </a:ext>
               <a:ext uri="{C183D7F6-B498-43B3-948B-1728B52AA6E4}">
-                <adec:decorative xmlns:adec="http://schemas.microsoft.com/office/drawing/2017/decorative" xmlns="" val="1"/>
+                <adec:decorative xmlns="" xmlns:adec="http://schemas.microsoft.com/office/drawing/2017/decorative" val="1"/>
               </a:ext>
             </a:extLst>
           </p:cNvPr>
@@ -8253,8 +8252,8 @@
         </p:nvSpPr>
         <p:spPr>
           <a:xfrm>
-            <a:off x="5964223" y="798178"/>
-            <a:ext cx="85961" cy="85961"/>
+            <a:off x="5168427" y="1533298"/>
+            <a:ext cx="70918" cy="70918"/>
           </a:xfrm>
           <a:prstGeom prst="ellipse">
             <a:avLst/>
@@ -8289,7 +8288,7 @@
           <a:lstStyle/>
           <a:p>
             <a:pPr algn="ctr"/>
-            <a:endParaRPr lang="en-US" dirty="0"/>
+            <a:endParaRPr lang="en-US" sz="1485" dirty="0"/>
           </a:p>
         </p:txBody>
       </p:sp>
@@ -8311,8 +8310,8 @@
         </p:nvCxnSpPr>
         <p:spPr>
           <a:xfrm rot="16200000" flipH="1">
-            <a:off x="7147040" y="-255698"/>
-            <a:ext cx="635647" cy="2915319"/>
+            <a:off x="6144251" y="663850"/>
+            <a:ext cx="524409" cy="2405138"/>
           </a:xfrm>
           <a:prstGeom prst="bentConnector3">
             <a:avLst>
@@ -8361,8 +8360,8 @@
         </p:nvCxnSpPr>
         <p:spPr>
           <a:xfrm>
-            <a:off x="4978931" y="1209234"/>
-            <a:ext cx="0" cy="310551"/>
+            <a:off x="4355560" y="1872418"/>
+            <a:ext cx="0" cy="256205"/>
           </a:xfrm>
           <a:prstGeom prst="line">
             <a:avLst/>
@@ -8409,8 +8408,8 @@
         </p:nvCxnSpPr>
         <p:spPr>
           <a:xfrm>
-            <a:off x="7087203" y="1201609"/>
-            <a:ext cx="0" cy="318176"/>
+            <a:off x="6094884" y="1866129"/>
+            <a:ext cx="0" cy="262495"/>
           </a:xfrm>
           <a:prstGeom prst="line">
             <a:avLst/>
@@ -8457,12 +8456,12 @@
         </p:nvCxnSpPr>
         <p:spPr>
           <a:xfrm flipV="1">
-            <a:off x="3203338" y="918372"/>
-            <a:ext cx="2794987" cy="283237"/>
+            <a:off x="2073784" y="1632460"/>
+            <a:ext cx="3122778" cy="233668"/>
           </a:xfrm>
           <a:prstGeom prst="bentConnector3">
             <a:avLst>
-              <a:gd name="adj1" fmla="val 100561"/>
+              <a:gd name="adj1" fmla="val 100160"/>
             </a:avLst>
           </a:prstGeom>
           <a:ln w="3175">
@@ -8507,8 +8506,8 @@
         </p:nvCxnSpPr>
         <p:spPr>
           <a:xfrm>
-            <a:off x="3202353" y="1209234"/>
-            <a:ext cx="0" cy="266364"/>
+            <a:off x="2073783" y="1872418"/>
+            <a:ext cx="0" cy="219750"/>
           </a:xfrm>
           <a:prstGeom prst="line">
             <a:avLst/>
@@ -8547,7 +8546,7 @@
                 <a16:creationId xmlns:a16="http://schemas.microsoft.com/office/drawing/2014/main" id="{4E2090BB-E0AA-4E59-A402-4D5BBD0CCF9E}"/>
               </a:ext>
               <a:ext uri="{C183D7F6-B498-43B3-948B-1728B52AA6E4}">
-                <adec:decorative xmlns:adec="http://schemas.microsoft.com/office/drawing/2017/decorative" xmlns="" val="1"/>
+                <adec:decorative xmlns="" xmlns:adec="http://schemas.microsoft.com/office/drawing/2017/decorative" val="1"/>
               </a:ext>
             </a:extLst>
           </p:cNvPr>
@@ -8556,8 +8555,8 @@
         </p:nvGrpSpPr>
         <p:grpSpPr>
           <a:xfrm>
-            <a:off x="2512398" y="2584280"/>
-            <a:ext cx="1386596" cy="544407"/>
+            <a:off x="2320671" y="3006832"/>
+            <a:ext cx="1143942" cy="449136"/>
             <a:chOff x="2810778" y="3090121"/>
             <a:chExt cx="1386596" cy="544407"/>
           </a:xfrm>
@@ -8632,13 +8631,13 @@
             </a:fontRef>
           </p:style>
           <p:txBody>
-            <a:bodyPr spcFirstLastPara="0" vert="horz" wrap="square" lIns="72000" tIns="5715" rIns="72000" bIns="54011" numCol="1" spcCol="1270" anchor="ctr" anchorCtr="0">
+            <a:bodyPr spcFirstLastPara="0" vert="horz" wrap="square" lIns="59400" tIns="4715" rIns="59400" bIns="44559" numCol="1" spcCol="1270" anchor="ctr" anchorCtr="0">
               <a:noAutofit/>
               <a:flatTx/>
             </a:bodyPr>
             <a:lstStyle/>
             <a:p>
-              <a:pPr algn="ctr" defTabSz="400050">
+              <a:pPr algn="ctr" defTabSz="330044">
                 <a:lnSpc>
                   <a:spcPct val="90000"/>
                 </a:lnSpc>
@@ -8650,7 +8649,7 @@
                 </a:spcAft>
               </a:pPr>
               <a:r>
-                <a:rPr lang="en-US" sz="1200" dirty="0">
+                <a:rPr lang="en-US" sz="990" dirty="0">
                   <a:solidFill>
                     <a:prstClr val="black"/>
                   </a:solidFill>
@@ -8658,14 +8657,14 @@
                 <a:t>Zach </a:t>
               </a:r>
               <a:r>
-                <a:rPr lang="en-US" sz="1200" dirty="0" err="1">
+                <a:rPr lang="en-US" sz="990" dirty="0" err="1">
                   <a:solidFill>
                     <a:prstClr val="black"/>
                   </a:solidFill>
                 </a:rPr>
                 <a:t>Raboin</a:t>
               </a:r>
-              <a:endParaRPr lang="en-US" sz="1200" dirty="0">
+              <a:endParaRPr lang="en-US" sz="990" dirty="0">
                 <a:solidFill>
                   <a:prstClr val="black"/>
                 </a:solidFill>
@@ -8744,13 +8743,13 @@
             </a:fontRef>
           </p:style>
           <p:txBody>
-            <a:bodyPr spcFirstLastPara="0" vert="horz" wrap="square" lIns="72000" tIns="5715" rIns="72000" bIns="5715" numCol="1" spcCol="1270" anchor="ctr" anchorCtr="0">
+            <a:bodyPr spcFirstLastPara="0" vert="horz" wrap="square" lIns="59400" tIns="4715" rIns="59400" bIns="4715" numCol="1" spcCol="1270" anchor="ctr" anchorCtr="0">
               <a:noAutofit/>
               <a:flatTx/>
             </a:bodyPr>
             <a:lstStyle/>
             <a:p>
-              <a:pPr algn="ctr" defTabSz="400050">
+              <a:pPr algn="ctr" defTabSz="330044">
                 <a:lnSpc>
                   <a:spcPct val="90000"/>
                 </a:lnSpc>
@@ -8761,7 +8760,7 @@
                   <a:spcPct val="35000"/>
                 </a:spcAft>
               </a:pPr>
-              <a:endParaRPr lang="en-US" sz="1000" dirty="0">
+              <a:endParaRPr lang="en-US" sz="825" dirty="0">
                 <a:solidFill>
                   <a:schemeClr val="bg1"/>
                 </a:solidFill>
@@ -8778,7 +8777,7 @@
                 <a16:creationId xmlns:a16="http://schemas.microsoft.com/office/drawing/2014/main" id="{6AEEFE71-1C97-4DBC-9ACC-C13080165451}"/>
               </a:ext>
               <a:ext uri="{C183D7F6-B498-43B3-948B-1728B52AA6E4}">
-                <adec:decorative xmlns:adec="http://schemas.microsoft.com/office/drawing/2017/decorative" xmlns="" val="1"/>
+                <adec:decorative xmlns="" xmlns:adec="http://schemas.microsoft.com/office/drawing/2017/decorative" val="1"/>
               </a:ext>
             </a:extLst>
           </p:cNvPr>
@@ -8787,8 +8786,8 @@
         </p:nvGrpSpPr>
         <p:grpSpPr>
           <a:xfrm>
-            <a:off x="4303740" y="2601759"/>
-            <a:ext cx="1388313" cy="544407"/>
+            <a:off x="3798529" y="3021252"/>
+            <a:ext cx="1145358" cy="449136"/>
             <a:chOff x="4544127" y="3090121"/>
             <a:chExt cx="1388313" cy="544407"/>
           </a:xfrm>
@@ -8853,13 +8852,13 @@
             </a:fontRef>
           </p:style>
           <p:txBody>
-            <a:bodyPr spcFirstLastPara="0" vert="horz" wrap="square" lIns="72000" tIns="5715" rIns="72000" bIns="54011" numCol="1" spcCol="1270" anchor="ctr" anchorCtr="0">
+            <a:bodyPr spcFirstLastPara="0" vert="horz" wrap="square" lIns="59400" tIns="4715" rIns="59400" bIns="44559" numCol="1" spcCol="1270" anchor="ctr" anchorCtr="0">
               <a:noAutofit/>
               <a:flatTx/>
             </a:bodyPr>
             <a:lstStyle/>
             <a:p>
-              <a:pPr algn="ctr" defTabSz="400050">
+              <a:pPr algn="ctr" defTabSz="330044">
                 <a:lnSpc>
                   <a:spcPct val="90000"/>
                 </a:lnSpc>
@@ -8871,14 +8870,14 @@
                 </a:spcAft>
               </a:pPr>
               <a:r>
-                <a:rPr lang="en-US" sz="1200" dirty="0" smtClean="0">
+                <a:rPr lang="en-US" sz="990" b="1" dirty="0">
                   <a:solidFill>
                     <a:schemeClr val="tx1"/>
                   </a:solidFill>
                 </a:rPr>
                 <a:t>Proficient in Manufacturing</a:t>
               </a:r>
-              <a:endParaRPr lang="en-US" sz="1100" dirty="0" smtClean="0">
+              <a:endParaRPr lang="en-US" sz="907" b="1" dirty="0">
                 <a:solidFill>
                   <a:schemeClr val="tx1"/>
                 </a:solidFill>
@@ -8959,13 +8958,13 @@
             </a:fontRef>
           </p:style>
           <p:txBody>
-            <a:bodyPr spcFirstLastPara="0" vert="horz" wrap="square" lIns="72000" tIns="5715" rIns="72000" bIns="5715" numCol="1" spcCol="1270" anchor="ctr" anchorCtr="0">
+            <a:bodyPr spcFirstLastPara="0" vert="horz" wrap="square" lIns="59400" tIns="4715" rIns="59400" bIns="4715" numCol="1" spcCol="1270" anchor="ctr" anchorCtr="0">
               <a:noAutofit/>
               <a:flatTx/>
             </a:bodyPr>
             <a:lstStyle/>
             <a:p>
-              <a:pPr algn="ctr" defTabSz="400050">
+              <a:pPr algn="ctr" defTabSz="330044">
                 <a:lnSpc>
                   <a:spcPct val="90000"/>
                 </a:lnSpc>
@@ -8976,7 +8975,7 @@
                   <a:spcPct val="35000"/>
                 </a:spcAft>
               </a:pPr>
-              <a:endParaRPr lang="en-US" sz="1000" dirty="0">
+              <a:endParaRPr lang="en-US" sz="825" dirty="0">
                 <a:solidFill>
                   <a:schemeClr val="bg1"/>
                 </a:solidFill>
@@ -8993,7 +8992,7 @@
                 <a16:creationId xmlns:a16="http://schemas.microsoft.com/office/drawing/2014/main" id="{3657C156-6995-4383-A3E5-6735FBB3712B}"/>
               </a:ext>
               <a:ext uri="{C183D7F6-B498-43B3-948B-1728B52AA6E4}">
-                <adec:decorative xmlns:adec="http://schemas.microsoft.com/office/drawing/2017/decorative" xmlns="" val="1"/>
+                <adec:decorative xmlns="" xmlns:adec="http://schemas.microsoft.com/office/drawing/2017/decorative" val="1"/>
               </a:ext>
             </a:extLst>
           </p:cNvPr>
@@ -9002,8 +9001,8 @@
         </p:nvGrpSpPr>
         <p:grpSpPr>
           <a:xfrm>
-            <a:off x="6510932" y="3303217"/>
-            <a:ext cx="1406241" cy="544407"/>
+            <a:off x="5619463" y="3599955"/>
+            <a:ext cx="1160149" cy="449136"/>
             <a:chOff x="6260850" y="3090121"/>
             <a:chExt cx="1406241" cy="544407"/>
           </a:xfrm>
@@ -9068,13 +9067,13 @@
             </a:fontRef>
           </p:style>
           <p:txBody>
-            <a:bodyPr spcFirstLastPara="0" vert="horz" wrap="square" lIns="72000" tIns="5715" rIns="72000" bIns="54011" numCol="1" spcCol="1270" anchor="ctr" anchorCtr="0">
+            <a:bodyPr spcFirstLastPara="0" vert="horz" wrap="square" lIns="59400" tIns="4715" rIns="59400" bIns="44559" numCol="1" spcCol="1270" anchor="ctr" anchorCtr="0">
               <a:noAutofit/>
               <a:flatTx/>
             </a:bodyPr>
             <a:lstStyle/>
             <a:p>
-              <a:pPr algn="ctr" defTabSz="400050">
+              <a:pPr algn="ctr" defTabSz="330044">
                 <a:lnSpc>
                   <a:spcPct val="90000"/>
                 </a:lnSpc>
@@ -9086,7 +9085,7 @@
                 </a:spcAft>
               </a:pPr>
               <a:r>
-                <a:rPr lang="en-US" sz="1200" dirty="0">
+                <a:rPr lang="en-US" sz="990" dirty="0">
                   <a:solidFill>
                     <a:schemeClr val="tx1"/>
                   </a:solidFill>
@@ -9167,13 +9166,13 @@
             </a:fontRef>
           </p:style>
           <p:txBody>
-            <a:bodyPr spcFirstLastPara="0" vert="horz" wrap="square" lIns="72000" tIns="5715" rIns="72000" bIns="5715" numCol="1" spcCol="1270" anchor="ctr" anchorCtr="0">
+            <a:bodyPr spcFirstLastPara="0" vert="horz" wrap="square" lIns="59400" tIns="4715" rIns="59400" bIns="4715" numCol="1" spcCol="1270" anchor="ctr" anchorCtr="0">
               <a:noAutofit/>
               <a:flatTx/>
             </a:bodyPr>
             <a:lstStyle/>
             <a:p>
-              <a:pPr algn="ctr" defTabSz="400050">
+              <a:pPr algn="ctr" defTabSz="330044">
                 <a:lnSpc>
                   <a:spcPct val="90000"/>
                 </a:lnSpc>
@@ -9184,7 +9183,7 @@
                   <a:spcPct val="35000"/>
                 </a:spcAft>
               </a:pPr>
-              <a:endParaRPr lang="en-US" sz="1000" dirty="0">
+              <a:endParaRPr lang="en-US" sz="825" dirty="0">
                 <a:solidFill>
                   <a:schemeClr val="bg1"/>
                 </a:solidFill>
@@ -9201,7 +9200,7 @@
                 <a16:creationId xmlns:a16="http://schemas.microsoft.com/office/drawing/2014/main" id="{B84B8C78-7BAA-4492-9B7B-23F196965004}"/>
               </a:ext>
               <a:ext uri="{C183D7F6-B498-43B3-948B-1728B52AA6E4}">
-                <adec:decorative xmlns:adec="http://schemas.microsoft.com/office/drawing/2017/decorative" xmlns="" val="1"/>
+                <adec:decorative xmlns="" xmlns:adec="http://schemas.microsoft.com/office/drawing/2017/decorative" val="1"/>
               </a:ext>
             </a:extLst>
           </p:cNvPr>
@@ -9210,8 +9209,8 @@
         </p:nvGrpSpPr>
         <p:grpSpPr>
           <a:xfrm>
-            <a:off x="6515412" y="2601759"/>
-            <a:ext cx="1386544" cy="544407"/>
+            <a:off x="5623158" y="3021252"/>
+            <a:ext cx="1143899" cy="449136"/>
             <a:chOff x="8010825" y="3090121"/>
             <a:chExt cx="1386544" cy="544407"/>
           </a:xfrm>
@@ -9290,13 +9289,13 @@
             </a:fontRef>
           </p:style>
           <p:txBody>
-            <a:bodyPr spcFirstLastPara="0" vert="horz" wrap="square" lIns="72000" tIns="5715" rIns="72000" bIns="54011" numCol="1" spcCol="1270" anchor="ctr" anchorCtr="0">
+            <a:bodyPr spcFirstLastPara="0" vert="horz" wrap="square" lIns="59400" tIns="4715" rIns="59400" bIns="44559" numCol="1" spcCol="1270" anchor="ctr" anchorCtr="0">
               <a:noAutofit/>
               <a:flatTx/>
             </a:bodyPr>
             <a:lstStyle/>
             <a:p>
-              <a:pPr algn="ctr" defTabSz="400050">
+              <a:pPr algn="ctr" defTabSz="330044">
                 <a:lnSpc>
                   <a:spcPct val="90000"/>
                 </a:lnSpc>
@@ -9308,7 +9307,7 @@
                 </a:spcAft>
               </a:pPr>
               <a:r>
-                <a:rPr lang="en-US" sz="1200" dirty="0">
+                <a:rPr lang="en-US" sz="990" dirty="0">
                   <a:solidFill>
                     <a:schemeClr val="tx1"/>
                   </a:solidFill>
@@ -9389,13 +9388,13 @@
             </a:fontRef>
           </p:style>
           <p:txBody>
-            <a:bodyPr spcFirstLastPara="0" vert="horz" wrap="square" lIns="72000" tIns="0" rIns="72000" bIns="5715" numCol="1" spcCol="1270" anchor="ctr" anchorCtr="0">
+            <a:bodyPr spcFirstLastPara="0" vert="horz" wrap="square" lIns="59400" tIns="0" rIns="59400" bIns="4715" numCol="1" spcCol="1270" anchor="ctr" anchorCtr="0">
               <a:noAutofit/>
               <a:flatTx/>
             </a:bodyPr>
             <a:lstStyle/>
             <a:p>
-              <a:pPr marL="0" lvl="0" indent="0" algn="ctr" defTabSz="400050">
+              <a:pPr algn="ctr" defTabSz="330044">
                 <a:lnSpc>
                   <a:spcPct val="90000"/>
                 </a:lnSpc>
@@ -9405,9 +9404,8 @@
                 <a:spcAft>
                   <a:spcPct val="35000"/>
                 </a:spcAft>
-                <a:buNone/>
               </a:pPr>
-              <a:endParaRPr lang="en-US" sz="1000" kern="1200" dirty="0">
+              <a:endParaRPr lang="en-US" sz="825" dirty="0">
                 <a:solidFill>
                   <a:schemeClr val="bg1"/>
                 </a:solidFill>
@@ -9424,7 +9422,7 @@
                 <a16:creationId xmlns:a16="http://schemas.microsoft.com/office/drawing/2014/main" id="{A7F885EA-DA86-4249-9CB4-CE59CE108D4C}"/>
               </a:ext>
               <a:ext uri="{C183D7F6-B498-43B3-948B-1728B52AA6E4}">
-                <adec:decorative xmlns:adec="http://schemas.microsoft.com/office/drawing/2017/decorative" xmlns="" val="1"/>
+                <adec:decorative xmlns="" xmlns:adec="http://schemas.microsoft.com/office/drawing/2017/decorative" val="1"/>
               </a:ext>
             </a:extLst>
           </p:cNvPr>
@@ -9433,8 +9431,8 @@
         </p:nvGrpSpPr>
         <p:grpSpPr>
           <a:xfrm>
-            <a:off x="8248761" y="2601759"/>
-            <a:ext cx="1387558" cy="544407"/>
+            <a:off x="7053171" y="3021252"/>
+            <a:ext cx="1144735" cy="449136"/>
             <a:chOff x="9744174" y="3090121"/>
             <a:chExt cx="1387558" cy="544407"/>
           </a:xfrm>
@@ -9513,13 +9511,13 @@
             </a:fontRef>
           </p:style>
           <p:txBody>
-            <a:bodyPr spcFirstLastPara="0" vert="horz" wrap="square" lIns="72000" tIns="5715" rIns="72000" bIns="54011" numCol="1" spcCol="1270" anchor="ctr" anchorCtr="0">
+            <a:bodyPr spcFirstLastPara="0" vert="horz" wrap="square" lIns="59400" tIns="4715" rIns="59400" bIns="44559" numCol="1" spcCol="1270" anchor="ctr" anchorCtr="0">
               <a:noAutofit/>
               <a:flatTx/>
             </a:bodyPr>
             <a:lstStyle/>
             <a:p>
-              <a:pPr marL="0" lvl="0" indent="0" algn="ctr" defTabSz="400050">
+              <a:pPr algn="ctr" defTabSz="330044">
                 <a:lnSpc>
                   <a:spcPct val="90000"/>
                 </a:lnSpc>
@@ -9529,10 +9527,9 @@
                 <a:spcAft>
                   <a:spcPct val="35000"/>
                 </a:spcAft>
-                <a:buNone/>
               </a:pPr>
               <a:r>
-                <a:rPr lang="en-US" sz="1200" dirty="0">
+                <a:rPr lang="en-US" sz="990" dirty="0">
                   <a:solidFill>
                     <a:schemeClr val="tx1"/>
                   </a:solidFill>
@@ -9540,14 +9537,14 @@
                 <a:t>Carly </a:t>
               </a:r>
               <a:r>
-                <a:rPr lang="en-US" sz="1200" dirty="0" err="1">
+                <a:rPr lang="en-US" sz="990" dirty="0" err="1">
                   <a:solidFill>
                     <a:schemeClr val="tx1"/>
                   </a:solidFill>
                 </a:rPr>
                 <a:t>Benik</a:t>
               </a:r>
-              <a:endParaRPr lang="en-US" sz="1200" kern="1200" dirty="0">
+              <a:endParaRPr lang="en-US" sz="990" dirty="0">
                 <a:solidFill>
                   <a:schemeClr val="tx1"/>
                 </a:solidFill>
@@ -9626,13 +9623,13 @@
             </a:fontRef>
           </p:style>
           <p:txBody>
-            <a:bodyPr spcFirstLastPara="0" vert="horz" wrap="square" lIns="72000" tIns="5715" rIns="72000" bIns="5715" numCol="1" spcCol="1270" anchor="ctr" anchorCtr="0">
+            <a:bodyPr spcFirstLastPara="0" vert="horz" wrap="square" lIns="59400" tIns="4715" rIns="59400" bIns="4715" numCol="1" spcCol="1270" anchor="ctr" anchorCtr="0">
               <a:noAutofit/>
               <a:flatTx/>
             </a:bodyPr>
             <a:lstStyle/>
             <a:p>
-              <a:pPr marL="0" lvl="0" indent="0" algn="ctr" defTabSz="400050">
+              <a:pPr algn="ctr" defTabSz="330044">
                 <a:lnSpc>
                   <a:spcPct val="90000"/>
                 </a:lnSpc>
@@ -9642,9 +9639,8 @@
                 <a:spcAft>
                   <a:spcPct val="35000"/>
                 </a:spcAft>
-                <a:buNone/>
               </a:pPr>
-              <a:endParaRPr lang="en-US" sz="1000" kern="1200" dirty="0">
+              <a:endParaRPr lang="en-US" sz="825" dirty="0">
                 <a:solidFill>
                   <a:schemeClr val="bg1"/>
                 </a:solidFill>
@@ -9667,8 +9663,8 @@
         </p:nvSpPr>
         <p:spPr>
           <a:xfrm>
-            <a:off x="8875670" y="2490628"/>
-            <a:ext cx="114414" cy="85961"/>
+            <a:off x="7570370" y="2929569"/>
+            <a:ext cx="94392" cy="70918"/>
           </a:xfrm>
           <a:prstGeom prst="ellipse">
             <a:avLst/>
@@ -9699,7 +9695,7 @@
           <a:lstStyle/>
           <a:p>
             <a:pPr algn="ctr"/>
-            <a:endParaRPr lang="en-US" dirty="0"/>
+            <a:endParaRPr lang="en-US" sz="1485" dirty="0"/>
           </a:p>
         </p:txBody>
       </p:sp>
@@ -9711,7 +9707,7 @@
                 <a16:creationId xmlns:a16="http://schemas.microsoft.com/office/drawing/2014/main" id="{DFDF04A4-723B-4E94-82D9-05F9FA39A2CE}"/>
               </a:ext>
               <a:ext uri="{C183D7F6-B498-43B3-948B-1728B52AA6E4}">
-                <adec:decorative xmlns:adec="http://schemas.microsoft.com/office/drawing/2017/decorative" xmlns="" val="1"/>
+                <adec:decorative xmlns="" xmlns:adec="http://schemas.microsoft.com/office/drawing/2017/decorative" val="1"/>
               </a:ext>
             </a:extLst>
           </p:cNvPr>
@@ -9720,8 +9716,8 @@
         </p:nvGrpSpPr>
         <p:grpSpPr>
           <a:xfrm>
-            <a:off x="2503100" y="3267918"/>
-            <a:ext cx="1386596" cy="544407"/>
+            <a:off x="2313000" y="3570834"/>
+            <a:ext cx="1143942" cy="449136"/>
             <a:chOff x="2810778" y="3090121"/>
             <a:chExt cx="1386596" cy="544407"/>
           </a:xfrm>
@@ -9796,13 +9792,13 @@
             </a:fontRef>
           </p:style>
           <p:txBody>
-            <a:bodyPr spcFirstLastPara="0" vert="horz" wrap="square" lIns="72000" tIns="5715" rIns="72000" bIns="54011" numCol="1" spcCol="1270" anchor="ctr" anchorCtr="0">
+            <a:bodyPr spcFirstLastPara="0" vert="horz" wrap="square" lIns="59400" tIns="4715" rIns="59400" bIns="44559" numCol="1" spcCol="1270" anchor="ctr" anchorCtr="0">
               <a:noAutofit/>
               <a:flatTx/>
             </a:bodyPr>
             <a:lstStyle/>
             <a:p>
-              <a:pPr algn="ctr" defTabSz="400050">
+              <a:pPr algn="ctr" defTabSz="330044">
                 <a:lnSpc>
                   <a:spcPct val="90000"/>
                 </a:lnSpc>
@@ -9814,7 +9810,7 @@
                 </a:spcAft>
               </a:pPr>
               <a:r>
-                <a:rPr lang="en-US" sz="1200" dirty="0">
+                <a:rPr lang="en-US" sz="990" dirty="0">
                   <a:solidFill>
                     <a:prstClr val="black"/>
                   </a:solidFill>
@@ -9895,13 +9891,13 @@
             </a:fontRef>
           </p:style>
           <p:txBody>
-            <a:bodyPr spcFirstLastPara="0" vert="horz" wrap="square" lIns="72000" tIns="5715" rIns="72000" bIns="5715" numCol="1" spcCol="1270" anchor="ctr" anchorCtr="0">
+            <a:bodyPr spcFirstLastPara="0" vert="horz" wrap="square" lIns="59400" tIns="4715" rIns="59400" bIns="4715" numCol="1" spcCol="1270" anchor="ctr" anchorCtr="0">
               <a:noAutofit/>
               <a:flatTx/>
             </a:bodyPr>
             <a:lstStyle/>
             <a:p>
-              <a:pPr algn="ctr" defTabSz="400050">
+              <a:pPr algn="ctr" defTabSz="330044">
                 <a:lnSpc>
                   <a:spcPct val="90000"/>
                 </a:lnSpc>
@@ -9912,7 +9908,7 @@
                   <a:spcPct val="35000"/>
                 </a:spcAft>
               </a:pPr>
-              <a:endParaRPr lang="en-US" sz="1000" dirty="0">
+              <a:endParaRPr lang="en-US" sz="825" dirty="0">
                 <a:solidFill>
                   <a:schemeClr val="bg1"/>
                 </a:solidFill>
@@ -9921,66 +9917,6 @@
           </p:txBody>
         </p:sp>
       </p:grpSp>
-      <p:pic>
-        <p:nvPicPr>
-          <p:cNvPr id="195" name="Picture 194" descr="Close to ground shadow">
-            <a:extLst>
-              <a:ext uri="{FF2B5EF4-FFF2-40B4-BE49-F238E27FC236}">
-                <a16:creationId xmlns:a16="http://schemas.microsoft.com/office/drawing/2014/main" id="{6A2AC917-B83D-4A30-AB46-40678154BD4B}"/>
-              </a:ext>
-            </a:extLst>
-          </p:cNvPr>
-          <p:cNvPicPr>
-            <a:picLocks noChangeAspect="1"/>
-          </p:cNvPicPr>
-          <p:nvPr/>
-        </p:nvPicPr>
-        <p:blipFill>
-          <a:blip r:embed="rId3"/>
-          <a:stretch>
-            <a:fillRect/>
-          </a:stretch>
-        </p:blipFill>
-        <p:spPr>
-          <a:xfrm>
-            <a:off x="5517123" y="5354576"/>
-            <a:ext cx="3314700" cy="952499"/>
-          </a:xfrm>
-          <a:prstGeom prst="rect">
-            <a:avLst/>
-          </a:prstGeom>
-        </p:spPr>
-      </p:pic>
-      <p:pic>
-        <p:nvPicPr>
-          <p:cNvPr id="196" name="Picture 195" descr="Close to ground shadow">
-            <a:extLst>
-              <a:ext uri="{FF2B5EF4-FFF2-40B4-BE49-F238E27FC236}">
-                <a16:creationId xmlns:a16="http://schemas.microsoft.com/office/drawing/2014/main" id="{562615C5-FE42-476B-A314-638E153B756A}"/>
-              </a:ext>
-            </a:extLst>
-          </p:cNvPr>
-          <p:cNvPicPr>
-            <a:picLocks noChangeAspect="1"/>
-          </p:cNvPicPr>
-          <p:nvPr/>
-        </p:nvPicPr>
-        <p:blipFill>
-          <a:blip r:embed="rId3"/>
-          <a:stretch>
-            <a:fillRect/>
-          </a:stretch>
-        </p:blipFill>
-        <p:spPr>
-          <a:xfrm>
-            <a:off x="7365708" y="5357996"/>
-            <a:ext cx="3314700" cy="952499"/>
-          </a:xfrm>
-          <a:prstGeom prst="rect">
-            <a:avLst/>
-          </a:prstGeom>
-        </p:spPr>
-      </p:pic>
       <p:grpSp>
         <p:nvGrpSpPr>
           <p:cNvPr id="75" name="Group 74">
@@ -9995,10 +9931,10 @@
         </p:nvGrpSpPr>
         <p:grpSpPr>
           <a:xfrm>
-            <a:off x="2735948" y="6141598"/>
-            <a:ext cx="7498657" cy="264929"/>
+            <a:off x="1825554" y="6389409"/>
+            <a:ext cx="6815039" cy="218566"/>
             <a:chOff x="693588" y="6385235"/>
-            <a:chExt cx="2864310" cy="108000"/>
+            <a:chExt cx="3155374" cy="108000"/>
           </a:xfrm>
         </p:grpSpPr>
         <p:sp>
@@ -10015,17 +9951,14 @@
           </p:nvSpPr>
           <p:spPr>
             <a:xfrm>
-              <a:off x="1389490" y="6385235"/>
+              <a:off x="1768751" y="6385235"/>
               <a:ext cx="108000" cy="108000"/>
             </a:xfrm>
             <a:prstGeom prst="rect">
               <a:avLst/>
             </a:prstGeom>
             <a:solidFill>
-              <a:schemeClr val="accent5">
-                <a:lumMod val="60000"/>
-                <a:lumOff val="40000"/>
-              </a:schemeClr>
+              <a:srgbClr val="FFC000"/>
             </a:solidFill>
             <a:ln>
               <a:noFill/>
@@ -10068,22 +10001,21 @@
             </a:fontRef>
           </p:style>
           <p:txBody>
-            <a:bodyPr spcFirstLastPara="0" vert="horz" wrap="square" lIns="22860" tIns="5715" rIns="22860" bIns="5715" numCol="1" spcCol="1270" anchor="ctr" anchorCtr="0">
+            <a:bodyPr spcFirstLastPara="0" vert="horz" wrap="square" lIns="18860" tIns="4715" rIns="18860" bIns="4715" numCol="1" spcCol="1270" anchor="ctr" anchorCtr="0">
               <a:noAutofit/>
               <a:flatTx/>
             </a:bodyPr>
             <a:lstStyle/>
             <a:p>
-              <a:pPr marL="0" lvl="0" indent="0" algn="ctr" defTabSz="400050">
+              <a:pPr algn="ctr" defTabSz="330044">
                 <a:spcBef>
                   <a:spcPct val="0"/>
                 </a:spcBef>
                 <a:spcAft>
                   <a:spcPct val="35000"/>
                 </a:spcAft>
-                <a:buNone/>
               </a:pPr>
-              <a:endParaRPr lang="en-US" sz="700" kern="1200" dirty="0">
+              <a:endParaRPr lang="en-US" sz="578" dirty="0">
                 <a:solidFill>
                   <a:schemeClr val="bg1"/>
                 </a:solidFill>
@@ -10155,22 +10087,21 @@
             </a:fontRef>
           </p:style>
           <p:txBody>
-            <a:bodyPr spcFirstLastPara="0" vert="horz" wrap="square" lIns="22860" tIns="5715" rIns="22860" bIns="5715" numCol="1" spcCol="1270" anchor="ctr" anchorCtr="0">
+            <a:bodyPr spcFirstLastPara="0" vert="horz" wrap="square" lIns="18860" tIns="4715" rIns="18860" bIns="4715" numCol="1" spcCol="1270" anchor="ctr" anchorCtr="0">
               <a:noAutofit/>
               <a:flatTx/>
             </a:bodyPr>
             <a:lstStyle/>
             <a:p>
-              <a:pPr marL="0" lvl="0" indent="0" algn="ctr" defTabSz="400050">
+              <a:pPr algn="ctr" defTabSz="330044">
                 <a:spcBef>
                   <a:spcPct val="0"/>
                 </a:spcBef>
                 <a:spcAft>
                   <a:spcPct val="35000"/>
                 </a:spcAft>
-                <a:buNone/>
               </a:pPr>
-              <a:endParaRPr lang="en-US" sz="700" kern="1200" dirty="0">
+              <a:endParaRPr lang="en-US" sz="578" dirty="0">
                 <a:solidFill>
                   <a:schemeClr val="bg1"/>
                 </a:solidFill>
@@ -10236,13 +10167,13 @@
             </a:fontRef>
           </p:style>
           <p:txBody>
-            <a:bodyPr spcFirstLastPara="0" vert="horz" wrap="square" lIns="5715" tIns="0" rIns="5715" bIns="0" numCol="1" spcCol="1270" anchor="ctr" anchorCtr="0">
+            <a:bodyPr spcFirstLastPara="0" vert="horz" wrap="square" lIns="4715" tIns="0" rIns="4715" bIns="0" numCol="1" spcCol="1270" anchor="ctr" anchorCtr="0">
               <a:noAutofit/>
               <a:flatTx/>
             </a:bodyPr>
             <a:lstStyle/>
             <a:p>
-              <a:pPr defTabSz="400050">
+              <a:pPr defTabSz="330044">
                 <a:spcBef>
                   <a:spcPct val="0"/>
                 </a:spcBef>
@@ -10251,7 +10182,7 @@
                 </a:spcAft>
               </a:pPr>
               <a:r>
-                <a:rPr lang="en-US" sz="1000" dirty="0">
+                <a:rPr lang="en-US" sz="825" dirty="0">
                   <a:solidFill>
                     <a:schemeClr val="tx1"/>
                   </a:solidFill>
@@ -10275,7 +10206,7 @@
           </p:nvSpPr>
           <p:spPr>
             <a:xfrm>
-              <a:off x="1532243" y="6385235"/>
+              <a:off x="1911505" y="6385235"/>
               <a:ext cx="486599" cy="108000"/>
             </a:xfrm>
             <a:prstGeom prst="rect">
@@ -10319,13 +10250,13 @@
             </a:fontRef>
           </p:style>
           <p:txBody>
-            <a:bodyPr spcFirstLastPara="0" vert="horz" wrap="square" lIns="5715" tIns="0" rIns="5715" bIns="0" numCol="1" spcCol="1270" anchor="ctr" anchorCtr="0">
+            <a:bodyPr spcFirstLastPara="0" vert="horz" wrap="square" lIns="4715" tIns="0" rIns="4715" bIns="0" numCol="1" spcCol="1270" anchor="ctr" anchorCtr="0">
               <a:noAutofit/>
               <a:flatTx/>
             </a:bodyPr>
             <a:lstStyle/>
             <a:p>
-              <a:pPr defTabSz="400050">
+              <a:pPr defTabSz="330044">
                 <a:spcBef>
                   <a:spcPct val="0"/>
                 </a:spcBef>
@@ -10334,7 +10265,7 @@
                 </a:spcAft>
               </a:pPr>
               <a:r>
-                <a:rPr lang="en-US" sz="1000" dirty="0">
+                <a:rPr lang="en-US" sz="825" dirty="0">
                   <a:solidFill>
                     <a:schemeClr val="tx1"/>
                   </a:solidFill>
@@ -10358,7 +10289,7 @@
           </p:nvSpPr>
           <p:spPr>
             <a:xfrm>
-              <a:off x="2928548" y="6385235"/>
+              <a:off x="3219614" y="6385235"/>
               <a:ext cx="108000" cy="108000"/>
             </a:xfrm>
             <a:prstGeom prst="rect">
@@ -10408,22 +10339,21 @@
             </a:fontRef>
           </p:style>
           <p:txBody>
-            <a:bodyPr spcFirstLastPara="0" vert="horz" wrap="square" lIns="22860" tIns="5715" rIns="22860" bIns="5715" numCol="1" spcCol="1270" anchor="ctr" anchorCtr="0">
+            <a:bodyPr spcFirstLastPara="0" vert="horz" wrap="square" lIns="18860" tIns="4715" rIns="18860" bIns="4715" numCol="1" spcCol="1270" anchor="ctr" anchorCtr="0">
               <a:noAutofit/>
               <a:flatTx/>
             </a:bodyPr>
             <a:lstStyle/>
             <a:p>
-              <a:pPr marL="0" lvl="0" indent="0" algn="ctr" defTabSz="400050">
+              <a:pPr algn="ctr" defTabSz="330044">
                 <a:spcBef>
                   <a:spcPct val="0"/>
                 </a:spcBef>
                 <a:spcAft>
                   <a:spcPct val="35000"/>
                 </a:spcAft>
-                <a:buNone/>
               </a:pPr>
-              <a:endParaRPr lang="en-US" sz="700" kern="1200" dirty="0">
+              <a:endParaRPr lang="en-US" sz="578" dirty="0">
                 <a:solidFill>
                   <a:schemeClr val="bg1"/>
                 </a:solidFill>
@@ -10445,7 +10375,7 @@
           </p:nvSpPr>
           <p:spPr>
             <a:xfrm>
-              <a:off x="2155423" y="6385235"/>
+              <a:off x="2569791" y="6385235"/>
               <a:ext cx="108000" cy="108000"/>
             </a:xfrm>
             <a:prstGeom prst="rect">
@@ -10495,22 +10425,21 @@
             </a:fontRef>
           </p:style>
           <p:txBody>
-            <a:bodyPr spcFirstLastPara="0" vert="horz" wrap="square" lIns="22860" tIns="5715" rIns="22860" bIns="5715" numCol="1" spcCol="1270" anchor="ctr" anchorCtr="0">
+            <a:bodyPr spcFirstLastPara="0" vert="horz" wrap="square" lIns="18860" tIns="4715" rIns="18860" bIns="4715" numCol="1" spcCol="1270" anchor="ctr" anchorCtr="0">
               <a:noAutofit/>
               <a:flatTx/>
             </a:bodyPr>
             <a:lstStyle/>
             <a:p>
-              <a:pPr marL="0" lvl="0" indent="0" algn="ctr" defTabSz="400050">
+              <a:pPr algn="ctr" defTabSz="330044">
                 <a:spcBef>
                   <a:spcPct val="0"/>
                 </a:spcBef>
                 <a:spcAft>
                   <a:spcPct val="35000"/>
                 </a:spcAft>
-                <a:buNone/>
               </a:pPr>
-              <a:endParaRPr lang="en-US" sz="700" kern="1200" dirty="0">
+              <a:endParaRPr lang="en-US" sz="578" dirty="0">
                 <a:solidFill>
                   <a:schemeClr val="bg1"/>
                 </a:solidFill>
@@ -10532,8 +10461,8 @@
           </p:nvSpPr>
           <p:spPr>
             <a:xfrm>
-              <a:off x="2296365" y="6385235"/>
-              <a:ext cx="542435" cy="108000"/>
+              <a:off x="2712540" y="6385237"/>
+              <a:ext cx="260939" cy="107996"/>
             </a:xfrm>
             <a:prstGeom prst="rect">
               <a:avLst/>
@@ -10576,13 +10505,13 @@
             </a:fontRef>
           </p:style>
           <p:txBody>
-            <a:bodyPr spcFirstLastPara="0" vert="horz" wrap="square" lIns="5715" tIns="0" rIns="5715" bIns="0" numCol="1" spcCol="1270" anchor="ctr" anchorCtr="0">
+            <a:bodyPr spcFirstLastPara="0" vert="horz" wrap="square" lIns="4715" tIns="0" rIns="4715" bIns="0" numCol="1" spcCol="1270" anchor="ctr" anchorCtr="0">
               <a:noAutofit/>
               <a:flatTx/>
             </a:bodyPr>
             <a:lstStyle/>
             <a:p>
-              <a:pPr defTabSz="400050">
+              <a:pPr defTabSz="330044">
                 <a:spcBef>
                   <a:spcPct val="0"/>
                 </a:spcBef>
@@ -10591,14 +10520,14 @@
                 </a:spcAft>
               </a:pPr>
               <a:r>
-                <a:rPr lang="en-US" sz="1000" dirty="0" smtClean="0">
+                <a:rPr lang="en-US" sz="825" dirty="0">
                   <a:solidFill>
                     <a:schemeClr val="tx1"/>
                   </a:solidFill>
                 </a:rPr>
                 <a:t>Avionics</a:t>
               </a:r>
-              <a:endParaRPr lang="en-US" sz="1000" dirty="0">
+              <a:endParaRPr lang="en-US" sz="825" dirty="0">
                 <a:solidFill>
                   <a:schemeClr val="tx1"/>
                 </a:solidFill>
@@ -10620,7 +10549,7 @@
           </p:nvSpPr>
           <p:spPr>
             <a:xfrm>
-              <a:off x="3071299" y="6385235"/>
+              <a:off x="3362363" y="6385235"/>
               <a:ext cx="486599" cy="108000"/>
             </a:xfrm>
             <a:prstGeom prst="rect">
@@ -10664,13 +10593,13 @@
             </a:fontRef>
           </p:style>
           <p:txBody>
-            <a:bodyPr spcFirstLastPara="0" vert="horz" wrap="square" lIns="5715" tIns="0" rIns="5715" bIns="0" numCol="1" spcCol="1270" anchor="ctr" anchorCtr="0">
+            <a:bodyPr spcFirstLastPara="0" vert="horz" wrap="square" lIns="4715" tIns="0" rIns="4715" bIns="0" numCol="1" spcCol="1270" anchor="ctr" anchorCtr="0">
               <a:noAutofit/>
               <a:flatTx/>
             </a:bodyPr>
             <a:lstStyle/>
             <a:p>
-              <a:pPr defTabSz="400050">
+              <a:pPr defTabSz="330044">
                 <a:spcBef>
                   <a:spcPct val="0"/>
                 </a:spcBef>
@@ -10679,7 +10608,7 @@
                 </a:spcAft>
               </a:pPr>
               <a:r>
-                <a:rPr lang="en-US" sz="1000" dirty="0">
+                <a:rPr lang="en-US" sz="825" dirty="0">
                   <a:solidFill>
                     <a:schemeClr val="tx1"/>
                   </a:solidFill>
@@ -10706,8 +10635,8 @@
         </p:nvSpPr>
         <p:spPr>
           <a:xfrm>
-            <a:off x="10209902" y="168494"/>
-            <a:ext cx="1705993" cy="480424"/>
+            <a:off x="7791135" y="764960"/>
+            <a:ext cx="1407444" cy="396350"/>
           </a:xfrm>
           <a:prstGeom prst="rect">
             <a:avLst/>
@@ -10715,7 +10644,7 @@
           <a:effectLst/>
         </p:spPr>
         <p:txBody>
-          <a:bodyPr vert="horz" lIns="91440" tIns="45720" rIns="91440" bIns="45720" rtlCol="0" anchor="ctr">
+          <a:bodyPr vert="horz" lIns="75438" tIns="37719" rIns="75438" bIns="37719" rtlCol="0" anchor="ctr">
             <a:noAutofit/>
           </a:bodyPr>
           <a:lstStyle>
@@ -10797,7 +10726,7 @@
           <a:p>
             <a:pPr algn="ctr"/>
             <a:r>
-              <a:rPr lang="en-US" sz="2800" dirty="0">
+              <a:rPr lang="en-US" sz="2310" dirty="0">
                 <a:solidFill>
                   <a:schemeClr val="tx2"/>
                 </a:solidFill>
@@ -10807,66 +10736,6 @@
           </a:p>
         </p:txBody>
       </p:sp>
-      <p:pic>
-        <p:nvPicPr>
-          <p:cNvPr id="67" name="Picture 66" descr="Close to ground shadow">
-            <a:extLst>
-              <a:ext uri="{FF2B5EF4-FFF2-40B4-BE49-F238E27FC236}">
-                <a16:creationId xmlns:a16="http://schemas.microsoft.com/office/drawing/2014/main" id="{6A2AC917-B83D-4A30-AB46-40678154BD4B}"/>
-              </a:ext>
-            </a:extLst>
-          </p:cNvPr>
-          <p:cNvPicPr>
-            <a:picLocks noChangeAspect="1"/>
-          </p:cNvPicPr>
-          <p:nvPr/>
-        </p:nvPicPr>
-        <p:blipFill>
-          <a:blip r:embed="rId3"/>
-          <a:stretch>
-            <a:fillRect/>
-          </a:stretch>
-        </p:blipFill>
-        <p:spPr>
-          <a:xfrm>
-            <a:off x="1459057" y="5347736"/>
-            <a:ext cx="3314700" cy="952499"/>
-          </a:xfrm>
-          <a:prstGeom prst="rect">
-            <a:avLst/>
-          </a:prstGeom>
-        </p:spPr>
-      </p:pic>
-      <p:pic>
-        <p:nvPicPr>
-          <p:cNvPr id="68" name="Picture 67" descr="Close to ground shadow">
-            <a:extLst>
-              <a:ext uri="{FF2B5EF4-FFF2-40B4-BE49-F238E27FC236}">
-                <a16:creationId xmlns:a16="http://schemas.microsoft.com/office/drawing/2014/main" id="{562615C5-FE42-476B-A314-638E153B756A}"/>
-              </a:ext>
-            </a:extLst>
-          </p:cNvPr>
-          <p:cNvPicPr>
-            <a:picLocks noChangeAspect="1"/>
-          </p:cNvPicPr>
-          <p:nvPr/>
-        </p:nvPicPr>
-        <p:blipFill>
-          <a:blip r:embed="rId3"/>
-          <a:stretch>
-            <a:fillRect/>
-          </a:stretch>
-        </p:blipFill>
-        <p:spPr>
-          <a:xfrm>
-            <a:off x="3365829" y="5351156"/>
-            <a:ext cx="3314700" cy="952499"/>
-          </a:xfrm>
-          <a:prstGeom prst="rect">
-            <a:avLst/>
-          </a:prstGeom>
-        </p:spPr>
-      </p:pic>
       <p:grpSp>
         <p:nvGrpSpPr>
           <p:cNvPr id="71" name="Group 70">
@@ -10875,7 +10744,7 @@
                 <a16:creationId xmlns:a16="http://schemas.microsoft.com/office/drawing/2014/main" id="{DFDF04A4-723B-4E94-82D9-05F9FA39A2CE}"/>
               </a:ext>
               <a:ext uri="{C183D7F6-B498-43B3-948B-1728B52AA6E4}">
-                <adec:decorative xmlns:adec="http://schemas.microsoft.com/office/drawing/2017/decorative" xmlns="" val="1"/>
+                <adec:decorative xmlns="" xmlns:adec="http://schemas.microsoft.com/office/drawing/2017/decorative" val="1"/>
               </a:ext>
             </a:extLst>
           </p:cNvPr>
@@ -10884,8 +10753,8 @@
         </p:nvGrpSpPr>
         <p:grpSpPr>
           <a:xfrm>
-            <a:off x="2503100" y="3965502"/>
-            <a:ext cx="1386596" cy="544407"/>
+            <a:off x="2313000" y="4146340"/>
+            <a:ext cx="1143942" cy="449136"/>
             <a:chOff x="2810778" y="3090121"/>
             <a:chExt cx="1386596" cy="544407"/>
           </a:xfrm>
@@ -10960,13 +10829,13 @@
             </a:fontRef>
           </p:style>
           <p:txBody>
-            <a:bodyPr spcFirstLastPara="0" vert="horz" wrap="square" lIns="72000" tIns="5715" rIns="72000" bIns="54011" numCol="1" spcCol="1270" anchor="ctr" anchorCtr="0">
+            <a:bodyPr spcFirstLastPara="0" vert="horz" wrap="square" lIns="59400" tIns="4715" rIns="59400" bIns="44559" numCol="1" spcCol="1270" anchor="ctr" anchorCtr="0">
               <a:noAutofit/>
               <a:flatTx/>
             </a:bodyPr>
             <a:lstStyle/>
             <a:p>
-              <a:pPr algn="ctr" defTabSz="400050">
+              <a:pPr algn="ctr" defTabSz="330044">
                 <a:lnSpc>
                   <a:spcPct val="90000"/>
                 </a:lnSpc>
@@ -10978,14 +10847,14 @@
                 </a:spcAft>
               </a:pPr>
               <a:r>
-                <a:rPr lang="en-US" sz="1200" dirty="0" smtClean="0">
+                <a:rPr lang="en-US" sz="990" b="1" dirty="0">
                   <a:solidFill>
                     <a:prstClr val="black"/>
                   </a:solidFill>
                 </a:rPr>
                 <a:t>Proficient in CFD/FEA/SW</a:t>
               </a:r>
-              <a:endParaRPr lang="en-US" sz="1200" dirty="0">
+              <a:endParaRPr lang="en-US" sz="990" b="1" dirty="0">
                 <a:solidFill>
                   <a:prstClr val="black"/>
                 </a:solidFill>
@@ -11064,13 +10933,13 @@
             </a:fontRef>
           </p:style>
           <p:txBody>
-            <a:bodyPr spcFirstLastPara="0" vert="horz" wrap="square" lIns="72000" tIns="5715" rIns="72000" bIns="5715" numCol="1" spcCol="1270" anchor="ctr" anchorCtr="0">
+            <a:bodyPr spcFirstLastPara="0" vert="horz" wrap="square" lIns="59400" tIns="4715" rIns="59400" bIns="4715" numCol="1" spcCol="1270" anchor="ctr" anchorCtr="0">
               <a:noAutofit/>
               <a:flatTx/>
             </a:bodyPr>
             <a:lstStyle/>
             <a:p>
-              <a:pPr algn="ctr" defTabSz="400050">
+              <a:pPr algn="ctr" defTabSz="330044">
                 <a:lnSpc>
                   <a:spcPct val="90000"/>
                 </a:lnSpc>
@@ -11081,7 +10950,7 @@
                   <a:spcPct val="35000"/>
                 </a:spcAft>
               </a:pPr>
-              <a:endParaRPr lang="en-US" sz="1000" dirty="0">
+              <a:endParaRPr lang="en-US" sz="825" dirty="0">
                 <a:solidFill>
                   <a:schemeClr val="bg1"/>
                 </a:solidFill>
@@ -11098,7 +10967,7 @@
                 <a16:creationId xmlns:a16="http://schemas.microsoft.com/office/drawing/2014/main" id="{86A6D505-4CAD-4827-A8B4-1F7AC0D804FA}"/>
               </a:ext>
               <a:ext uri="{C183D7F6-B498-43B3-948B-1728B52AA6E4}">
-                <adec:decorative xmlns:adec="http://schemas.microsoft.com/office/drawing/2017/decorative" xmlns="" val="1"/>
+                <adec:decorative xmlns="" xmlns:adec="http://schemas.microsoft.com/office/drawing/2017/decorative" val="1"/>
               </a:ext>
             </a:extLst>
           </p:cNvPr>
@@ -11107,8 +10976,8 @@
         </p:nvGrpSpPr>
         <p:grpSpPr>
           <a:xfrm>
-            <a:off x="6500069" y="4684654"/>
-            <a:ext cx="1389615" cy="544407"/>
+            <a:off x="5610501" y="4739642"/>
+            <a:ext cx="1146432" cy="449136"/>
             <a:chOff x="6277476" y="3090121"/>
             <a:chExt cx="1389615" cy="544407"/>
           </a:xfrm>
@@ -11173,13 +11042,13 @@
             </a:fontRef>
           </p:style>
           <p:txBody>
-            <a:bodyPr spcFirstLastPara="0" vert="horz" wrap="square" lIns="72000" tIns="5715" rIns="72000" bIns="54011" numCol="1" spcCol="1270" anchor="ctr" anchorCtr="0">
+            <a:bodyPr spcFirstLastPara="0" vert="horz" wrap="square" lIns="59400" tIns="4715" rIns="59400" bIns="44559" numCol="1" spcCol="1270" anchor="ctr" anchorCtr="0">
               <a:noAutofit/>
               <a:flatTx/>
             </a:bodyPr>
             <a:lstStyle/>
             <a:p>
-              <a:pPr algn="ctr" defTabSz="400050">
+              <a:pPr algn="ctr" defTabSz="330044">
                 <a:lnSpc>
                   <a:spcPct val="90000"/>
                 </a:lnSpc>
@@ -11190,14 +11059,14 @@
                   <a:spcPct val="35000"/>
                 </a:spcAft>
               </a:pPr>
-              <a:endParaRPr lang="en-US" sz="1200" dirty="0">
+              <a:endParaRPr lang="en-US" sz="990" dirty="0">
                 <a:solidFill>
                   <a:schemeClr val="tx1"/>
                 </a:solidFill>
               </a:endParaRPr>
             </a:p>
             <a:p>
-              <a:pPr algn="ctr" defTabSz="400050">
+              <a:pPr algn="ctr" defTabSz="330044">
                 <a:lnSpc>
                   <a:spcPct val="90000"/>
                 </a:lnSpc>
@@ -11209,21 +11078,21 @@
                 </a:spcAft>
               </a:pPr>
               <a:r>
-                <a:rPr lang="en-US" sz="1200" dirty="0" smtClean="0">
+                <a:rPr lang="en-US" sz="990" dirty="0">
                   <a:solidFill>
                     <a:schemeClr val="tx1"/>
                   </a:solidFill>
                 </a:rPr>
                 <a:t>Trevor Blampied</a:t>
               </a:r>
-              <a:endParaRPr lang="en-US" sz="1200" dirty="0">
+              <a:endParaRPr lang="en-US" sz="990" dirty="0">
                 <a:solidFill>
                   <a:schemeClr val="tx1"/>
                 </a:solidFill>
               </a:endParaRPr>
             </a:p>
             <a:p>
-              <a:pPr algn="ctr" defTabSz="400050">
+              <a:pPr algn="ctr" defTabSz="330044">
                 <a:lnSpc>
                   <a:spcPct val="90000"/>
                 </a:lnSpc>
@@ -11234,7 +11103,7 @@
                   <a:spcPct val="35000"/>
                 </a:spcAft>
               </a:pPr>
-              <a:endParaRPr lang="en-US" sz="1200" dirty="0">
+              <a:endParaRPr lang="en-US" sz="990" dirty="0">
                 <a:solidFill>
                   <a:schemeClr val="tx1"/>
                 </a:solidFill>
@@ -11313,13 +11182,13 @@
             </a:fontRef>
           </p:style>
           <p:txBody>
-            <a:bodyPr spcFirstLastPara="0" vert="horz" wrap="square" lIns="72000" tIns="5715" rIns="72000" bIns="5715" numCol="1" spcCol="1270" anchor="ctr" anchorCtr="0">
+            <a:bodyPr spcFirstLastPara="0" vert="horz" wrap="square" lIns="59400" tIns="4715" rIns="59400" bIns="4715" numCol="1" spcCol="1270" anchor="ctr" anchorCtr="0">
               <a:noAutofit/>
               <a:flatTx/>
             </a:bodyPr>
             <a:lstStyle/>
             <a:p>
-              <a:pPr algn="ctr" defTabSz="400050">
+              <a:pPr algn="ctr" defTabSz="330044">
                 <a:lnSpc>
                   <a:spcPct val="90000"/>
                 </a:lnSpc>
@@ -11330,7 +11199,7 @@
                   <a:spcPct val="35000"/>
                 </a:spcAft>
               </a:pPr>
-              <a:endParaRPr lang="en-US" sz="1000" dirty="0">
+              <a:endParaRPr lang="en-US" sz="825" dirty="0">
                 <a:solidFill>
                   <a:schemeClr val="bg1"/>
                 </a:solidFill>
@@ -11355,8 +11224,8 @@
         </p:nvCxnSpPr>
         <p:spPr>
           <a:xfrm rot="10800000" flipV="1">
-            <a:off x="1244600" y="2369956"/>
-            <a:ext cx="1951800" cy="153923"/>
+            <a:off x="1274738" y="2830014"/>
+            <a:ext cx="1610235" cy="126986"/>
           </a:xfrm>
           <a:prstGeom prst="bentConnector3">
             <a:avLst>
@@ -11397,7 +11266,7 @@
                 <a16:creationId xmlns:a16="http://schemas.microsoft.com/office/drawing/2014/main" id="{4E2090BB-E0AA-4E59-A402-4D5BBD0CCF9E}"/>
               </a:ext>
               <a:ext uri="{C183D7F6-B498-43B3-948B-1728B52AA6E4}">
-                <adec:decorative xmlns:adec="http://schemas.microsoft.com/office/drawing/2017/decorative" xmlns="" val="1"/>
+                <adec:decorative xmlns="" xmlns:adec="http://schemas.microsoft.com/office/drawing/2017/decorative" val="1"/>
               </a:ext>
             </a:extLst>
           </p:cNvPr>
@@ -11406,8 +11275,8 @@
         </p:nvGrpSpPr>
         <p:grpSpPr>
           <a:xfrm>
-            <a:off x="597085" y="2573522"/>
-            <a:ext cx="1386596" cy="544407"/>
+            <a:off x="740537" y="2997957"/>
+            <a:ext cx="1143942" cy="449136"/>
             <a:chOff x="2810778" y="3090121"/>
             <a:chExt cx="1386596" cy="544407"/>
           </a:xfrm>
@@ -11482,13 +11351,13 @@
             </a:fontRef>
           </p:style>
           <p:txBody>
-            <a:bodyPr spcFirstLastPara="0" vert="horz" wrap="square" lIns="72000" tIns="5715" rIns="72000" bIns="54011" numCol="1" spcCol="1270" anchor="ctr" anchorCtr="0">
+            <a:bodyPr spcFirstLastPara="0" vert="horz" wrap="square" lIns="59400" tIns="4715" rIns="59400" bIns="44559" numCol="1" spcCol="1270" anchor="ctr" anchorCtr="0">
               <a:noAutofit/>
               <a:flatTx/>
             </a:bodyPr>
             <a:lstStyle/>
             <a:p>
-              <a:pPr algn="ctr" defTabSz="400050">
+              <a:pPr algn="ctr" defTabSz="330044">
                 <a:lnSpc>
                   <a:spcPct val="90000"/>
                 </a:lnSpc>
@@ -11500,14 +11369,14 @@
                 </a:spcAft>
               </a:pPr>
               <a:r>
-                <a:rPr lang="en-US" sz="1200" dirty="0" smtClean="0">
+                <a:rPr lang="en-US" sz="990" dirty="0">
                   <a:solidFill>
                     <a:prstClr val="black"/>
                   </a:solidFill>
                 </a:rPr>
                 <a:t>Andrew Masters</a:t>
               </a:r>
-              <a:endParaRPr lang="en-US" sz="1200" dirty="0">
+              <a:endParaRPr lang="en-US" sz="990" dirty="0">
                 <a:solidFill>
                   <a:prstClr val="black"/>
                 </a:solidFill>
@@ -11586,13 +11455,13 @@
             </a:fontRef>
           </p:style>
           <p:txBody>
-            <a:bodyPr spcFirstLastPara="0" vert="horz" wrap="square" lIns="72000" tIns="5715" rIns="72000" bIns="5715" numCol="1" spcCol="1270" anchor="ctr" anchorCtr="0">
+            <a:bodyPr spcFirstLastPara="0" vert="horz" wrap="square" lIns="59400" tIns="4715" rIns="59400" bIns="4715" numCol="1" spcCol="1270" anchor="ctr" anchorCtr="0">
               <a:noAutofit/>
               <a:flatTx/>
             </a:bodyPr>
             <a:lstStyle/>
             <a:p>
-              <a:pPr algn="ctr" defTabSz="400050">
+              <a:pPr algn="ctr" defTabSz="330044">
                 <a:lnSpc>
                   <a:spcPct val="90000"/>
                 </a:lnSpc>
@@ -11604,14 +11473,22 @@
                 </a:spcAft>
               </a:pPr>
               <a:r>
-                <a:rPr lang="en-US" sz="1000" dirty="0" smtClean="0">
+                <a:rPr lang="en-US" sz="825" dirty="0" smtClean="0">
                   <a:solidFill>
                     <a:schemeClr val="bg1"/>
                   </a:solidFill>
                 </a:rPr>
-                <a:t>Gimbal Lead</a:t>
+                <a:t>Thrust Vectoring </a:t>
               </a:r>
-              <a:endParaRPr lang="en-US" sz="1000" dirty="0">
+              <a:r>
+                <a:rPr lang="en-US" sz="825" dirty="0">
+                  <a:solidFill>
+                    <a:schemeClr val="bg1"/>
+                  </a:solidFill>
+                </a:rPr>
+                <a:t>Lead</a:t>
+              </a:r>
+              <a:endParaRPr lang="en-US" sz="825" dirty="0">
                 <a:solidFill>
                   <a:schemeClr val="bg1"/>
                 </a:solidFill>
@@ -11628,7 +11505,7 @@
                 <a16:creationId xmlns:a16="http://schemas.microsoft.com/office/drawing/2014/main" id="{DFDF04A4-723B-4E94-82D9-05F9FA39A2CE}"/>
               </a:ext>
               <a:ext uri="{C183D7F6-B498-43B3-948B-1728B52AA6E4}">
-                <adec:decorative xmlns:adec="http://schemas.microsoft.com/office/drawing/2017/decorative" xmlns="" val="1"/>
+                <adec:decorative xmlns="" xmlns:adec="http://schemas.microsoft.com/office/drawing/2017/decorative" val="1"/>
               </a:ext>
             </a:extLst>
           </p:cNvPr>
@@ -11637,8 +11514,8 @@
         </p:nvGrpSpPr>
         <p:grpSpPr>
           <a:xfrm>
-            <a:off x="587787" y="3257160"/>
-            <a:ext cx="1386596" cy="544407"/>
+            <a:off x="732866" y="3561957"/>
+            <a:ext cx="1143942" cy="449136"/>
             <a:chOff x="2810778" y="3090121"/>
             <a:chExt cx="1386596" cy="544407"/>
           </a:xfrm>
@@ -11713,13 +11590,13 @@
             </a:fontRef>
           </p:style>
           <p:txBody>
-            <a:bodyPr spcFirstLastPara="0" vert="horz" wrap="square" lIns="72000" tIns="5715" rIns="72000" bIns="54011" numCol="1" spcCol="1270" anchor="ctr" anchorCtr="0">
+            <a:bodyPr spcFirstLastPara="0" vert="horz" wrap="square" lIns="59400" tIns="4715" rIns="59400" bIns="44559" numCol="1" spcCol="1270" anchor="ctr" anchorCtr="0">
               <a:noAutofit/>
               <a:flatTx/>
             </a:bodyPr>
             <a:lstStyle/>
             <a:p>
-              <a:pPr algn="ctr" defTabSz="400050">
+              <a:pPr algn="ctr" defTabSz="330044">
                 <a:lnSpc>
                   <a:spcPct val="90000"/>
                 </a:lnSpc>
@@ -11731,14 +11608,22 @@
                 </a:spcAft>
               </a:pPr>
               <a:r>
-                <a:rPr lang="en-US" sz="1200" dirty="0" smtClean="0">
+                <a:rPr lang="en-US" sz="990" dirty="0" smtClean="0">
                   <a:solidFill>
                     <a:prstClr val="black"/>
                   </a:solidFill>
                 </a:rPr>
-                <a:t>Francesco?</a:t>
+                <a:t>Francesco </a:t>
               </a:r>
-              <a:endParaRPr lang="en-US" sz="1200" dirty="0">
+              <a:r>
+                <a:rPr lang="en-US" sz="990" dirty="0" err="1" smtClean="0">
+                  <a:solidFill>
+                    <a:prstClr val="black"/>
+                  </a:solidFill>
+                </a:rPr>
+                <a:t>Mikulis</a:t>
+              </a:r>
+              <a:endParaRPr lang="en-US" sz="990" dirty="0">
                 <a:solidFill>
                   <a:prstClr val="black"/>
                 </a:solidFill>
@@ -11817,13 +11702,13 @@
             </a:fontRef>
           </p:style>
           <p:txBody>
-            <a:bodyPr spcFirstLastPara="0" vert="horz" wrap="square" lIns="72000" tIns="5715" rIns="72000" bIns="5715" numCol="1" spcCol="1270" anchor="ctr" anchorCtr="0">
+            <a:bodyPr spcFirstLastPara="0" vert="horz" wrap="square" lIns="59400" tIns="4715" rIns="59400" bIns="4715" numCol="1" spcCol="1270" anchor="ctr" anchorCtr="0">
               <a:noAutofit/>
               <a:flatTx/>
             </a:bodyPr>
             <a:lstStyle/>
             <a:p>
-              <a:pPr algn="ctr" defTabSz="400050">
+              <a:pPr algn="ctr" defTabSz="330044">
                 <a:lnSpc>
                   <a:spcPct val="90000"/>
                 </a:lnSpc>
@@ -11834,7 +11719,7 @@
                   <a:spcPct val="35000"/>
                 </a:spcAft>
               </a:pPr>
-              <a:endParaRPr lang="en-US" sz="1000" dirty="0">
+              <a:endParaRPr lang="en-US" sz="825" dirty="0">
                 <a:solidFill>
                   <a:schemeClr val="bg1"/>
                 </a:solidFill>
@@ -11851,7 +11736,7 @@
                 <a16:creationId xmlns:a16="http://schemas.microsoft.com/office/drawing/2014/main" id="{DFDF04A4-723B-4E94-82D9-05F9FA39A2CE}"/>
               </a:ext>
               <a:ext uri="{C183D7F6-B498-43B3-948B-1728B52AA6E4}">
-                <adec:decorative xmlns:adec="http://schemas.microsoft.com/office/drawing/2017/decorative" xmlns="" val="1"/>
+                <adec:decorative xmlns="" xmlns:adec="http://schemas.microsoft.com/office/drawing/2017/decorative" val="1"/>
               </a:ext>
             </a:extLst>
           </p:cNvPr>
@@ -11860,8 +11745,8 @@
         </p:nvGrpSpPr>
         <p:grpSpPr>
           <a:xfrm>
-            <a:off x="587787" y="3954744"/>
-            <a:ext cx="1386596" cy="544407"/>
+            <a:off x="732866" y="4137464"/>
+            <a:ext cx="1143942" cy="449136"/>
             <a:chOff x="2810778" y="3090121"/>
             <a:chExt cx="1386596" cy="544407"/>
           </a:xfrm>
@@ -11936,13 +11821,13 @@
             </a:fontRef>
           </p:style>
           <p:txBody>
-            <a:bodyPr spcFirstLastPara="0" vert="horz" wrap="square" lIns="72000" tIns="5715" rIns="72000" bIns="54011" numCol="1" spcCol="1270" anchor="ctr" anchorCtr="0">
+            <a:bodyPr spcFirstLastPara="0" vert="horz" wrap="square" lIns="59400" tIns="4715" rIns="59400" bIns="44559" numCol="1" spcCol="1270" anchor="ctr" anchorCtr="0">
               <a:noAutofit/>
               <a:flatTx/>
             </a:bodyPr>
             <a:lstStyle/>
             <a:p>
-              <a:pPr algn="ctr" defTabSz="400050">
+              <a:pPr algn="ctr" defTabSz="330044">
                 <a:lnSpc>
                   <a:spcPct val="90000"/>
                 </a:lnSpc>
@@ -11954,14 +11839,14 @@
                 </a:spcAft>
               </a:pPr>
               <a:r>
-                <a:rPr lang="en-US" sz="1200" dirty="0" smtClean="0">
+                <a:rPr lang="en-US" sz="990" dirty="0" smtClean="0">
                   <a:solidFill>
                     <a:prstClr val="black"/>
                   </a:solidFill>
                 </a:rPr>
-                <a:t>Kristian?</a:t>
+                <a:t>Kristian Comer</a:t>
               </a:r>
-              <a:endParaRPr lang="en-US" sz="1200" dirty="0">
+              <a:endParaRPr lang="en-US" sz="990" dirty="0">
                 <a:solidFill>
                   <a:prstClr val="black"/>
                 </a:solidFill>
@@ -12040,13 +11925,13 @@
             </a:fontRef>
           </p:style>
           <p:txBody>
-            <a:bodyPr spcFirstLastPara="0" vert="horz" wrap="square" lIns="72000" tIns="5715" rIns="72000" bIns="5715" numCol="1" spcCol="1270" anchor="ctr" anchorCtr="0">
+            <a:bodyPr spcFirstLastPara="0" vert="horz" wrap="square" lIns="59400" tIns="4715" rIns="59400" bIns="4715" numCol="1" spcCol="1270" anchor="ctr" anchorCtr="0">
               <a:noAutofit/>
               <a:flatTx/>
             </a:bodyPr>
             <a:lstStyle/>
             <a:p>
-              <a:pPr algn="ctr" defTabSz="400050">
+              <a:pPr algn="ctr" defTabSz="330044">
                 <a:lnSpc>
                   <a:spcPct val="90000"/>
                 </a:lnSpc>
@@ -12057,7 +11942,457 @@
                   <a:spcPct val="35000"/>
                 </a:spcAft>
               </a:pPr>
-              <a:endParaRPr lang="en-US" sz="1000" dirty="0">
+              <a:endParaRPr lang="en-US" sz="825" dirty="0">
+                <a:solidFill>
+                  <a:schemeClr val="bg1"/>
+                </a:solidFill>
+              </a:endParaRPr>
+            </a:p>
+          </p:txBody>
+        </p:sp>
+      </p:grpSp>
+      <p:grpSp>
+        <p:nvGrpSpPr>
+          <p:cNvPr id="13" name="Group 12"/>
+          <p:cNvGrpSpPr/>
+          <p:nvPr/>
+        </p:nvGrpSpPr>
+        <p:grpSpPr>
+          <a:xfrm>
+            <a:off x="-93199" y="5424714"/>
+            <a:ext cx="9159581" cy="785812"/>
+            <a:chOff x="10803068" y="-1023211"/>
+            <a:chExt cx="9159581" cy="785812"/>
+          </a:xfrm>
+        </p:grpSpPr>
+        <p:pic>
+          <p:nvPicPr>
+            <p:cNvPr id="195" name="Picture 194" descr="Close to ground shadow">
+              <a:extLst>
+                <a:ext uri="{FF2B5EF4-FFF2-40B4-BE49-F238E27FC236}">
+                  <a16:creationId xmlns:a16="http://schemas.microsoft.com/office/drawing/2014/main" id="{6A2AC917-B83D-4A30-AB46-40678154BD4B}"/>
+                </a:ext>
+              </a:extLst>
+            </p:cNvPr>
+            <p:cNvPicPr>
+              <a:picLocks noChangeAspect="1"/>
+            </p:cNvPicPr>
+            <p:nvPr/>
+          </p:nvPicPr>
+          <p:blipFill>
+            <a:blip r:embed="rId3"/>
+            <a:stretch>
+              <a:fillRect/>
+            </a:stretch>
+          </p:blipFill>
+          <p:spPr>
+            <a:xfrm>
+              <a:off x="15729404" y="-1023211"/>
+              <a:ext cx="2734628" cy="785812"/>
+            </a:xfrm>
+            <a:prstGeom prst="rect">
+              <a:avLst/>
+            </a:prstGeom>
+          </p:spPr>
+        </p:pic>
+        <p:pic>
+          <p:nvPicPr>
+            <p:cNvPr id="196" name="Picture 195" descr="Close to ground shadow">
+              <a:extLst>
+                <a:ext uri="{FF2B5EF4-FFF2-40B4-BE49-F238E27FC236}">
+                  <a16:creationId xmlns:a16="http://schemas.microsoft.com/office/drawing/2014/main" id="{562615C5-FE42-476B-A314-638E153B756A}"/>
+                </a:ext>
+              </a:extLst>
+            </p:cNvPr>
+            <p:cNvPicPr>
+              <a:picLocks noChangeAspect="1"/>
+            </p:cNvPicPr>
+            <p:nvPr/>
+          </p:nvPicPr>
+          <p:blipFill>
+            <a:blip r:embed="rId3"/>
+            <a:stretch>
+              <a:fillRect/>
+            </a:stretch>
+          </p:blipFill>
+          <p:spPr>
+            <a:xfrm>
+              <a:off x="17228021" y="-1023211"/>
+              <a:ext cx="2734628" cy="785812"/>
+            </a:xfrm>
+            <a:prstGeom prst="rect">
+              <a:avLst/>
+            </a:prstGeom>
+          </p:spPr>
+        </p:pic>
+        <p:pic>
+          <p:nvPicPr>
+            <p:cNvPr id="67" name="Picture 66" descr="Close to ground shadow">
+              <a:extLst>
+                <a:ext uri="{FF2B5EF4-FFF2-40B4-BE49-F238E27FC236}">
+                  <a16:creationId xmlns:a16="http://schemas.microsoft.com/office/drawing/2014/main" id="{6A2AC917-B83D-4A30-AB46-40678154BD4B}"/>
+                </a:ext>
+              </a:extLst>
+            </p:cNvPr>
+            <p:cNvPicPr>
+              <a:picLocks noChangeAspect="1"/>
+            </p:cNvPicPr>
+            <p:nvPr/>
+          </p:nvPicPr>
+          <p:blipFill>
+            <a:blip r:embed="rId3"/>
+            <a:stretch>
+              <a:fillRect/>
+            </a:stretch>
+          </p:blipFill>
+          <p:spPr>
+            <a:xfrm>
+              <a:off x="12413107" y="-1023211"/>
+              <a:ext cx="2734628" cy="785812"/>
+            </a:xfrm>
+            <a:prstGeom prst="rect">
+              <a:avLst/>
+            </a:prstGeom>
+          </p:spPr>
+        </p:pic>
+        <p:pic>
+          <p:nvPicPr>
+            <p:cNvPr id="68" name="Picture 67" descr="Close to ground shadow">
+              <a:extLst>
+                <a:ext uri="{FF2B5EF4-FFF2-40B4-BE49-F238E27FC236}">
+                  <a16:creationId xmlns:a16="http://schemas.microsoft.com/office/drawing/2014/main" id="{562615C5-FE42-476B-A314-638E153B756A}"/>
+                </a:ext>
+              </a:extLst>
+            </p:cNvPr>
+            <p:cNvPicPr>
+              <a:picLocks noChangeAspect="1"/>
+            </p:cNvPicPr>
+            <p:nvPr/>
+          </p:nvPicPr>
+          <p:blipFill>
+            <a:blip r:embed="rId3"/>
+            <a:stretch>
+              <a:fillRect/>
+            </a:stretch>
+          </p:blipFill>
+          <p:spPr>
+            <a:xfrm>
+              <a:off x="13967535" y="-1023211"/>
+              <a:ext cx="2734628" cy="785812"/>
+            </a:xfrm>
+            <a:prstGeom prst="rect">
+              <a:avLst/>
+            </a:prstGeom>
+          </p:spPr>
+        </p:pic>
+        <p:pic>
+          <p:nvPicPr>
+            <p:cNvPr id="91" name="Picture 90" descr="Close to ground shadow">
+              <a:extLst>
+                <a:ext uri="{FF2B5EF4-FFF2-40B4-BE49-F238E27FC236}">
+                  <a16:creationId xmlns:a16="http://schemas.microsoft.com/office/drawing/2014/main" id="{6A2AC917-B83D-4A30-AB46-40678154BD4B}"/>
+                </a:ext>
+              </a:extLst>
+            </p:cNvPr>
+            <p:cNvPicPr>
+              <a:picLocks noChangeAspect="1"/>
+            </p:cNvPicPr>
+            <p:nvPr/>
+          </p:nvPicPr>
+          <p:blipFill>
+            <a:blip r:embed="rId3"/>
+            <a:stretch>
+              <a:fillRect/>
+            </a:stretch>
+          </p:blipFill>
+          <p:spPr>
+            <a:xfrm>
+              <a:off x="10803068" y="-1023211"/>
+              <a:ext cx="2734628" cy="785812"/>
+            </a:xfrm>
+            <a:prstGeom prst="rect">
+              <a:avLst/>
+            </a:prstGeom>
+          </p:spPr>
+        </p:pic>
+      </p:grpSp>
+      <p:cxnSp>
+        <p:nvCxnSpPr>
+          <p:cNvPr id="92" name="Connector: Elbow 95" descr="decorative element">
+            <a:extLst>
+              <a:ext uri="{FF2B5EF4-FFF2-40B4-BE49-F238E27FC236}">
+                <a16:creationId xmlns:a16="http://schemas.microsoft.com/office/drawing/2014/main" id="{185DC171-E6CD-4880-8EF4-7E0DB7F6C2B2}"/>
+              </a:ext>
+            </a:extLst>
+          </p:cNvPr>
+          <p:cNvCxnSpPr>
+            <a:cxnSpLocks/>
+          </p:cNvCxnSpPr>
+          <p:nvPr/>
+        </p:nvCxnSpPr>
+        <p:spPr>
+          <a:xfrm rot="16200000" flipH="1">
+            <a:off x="6136927" y="652618"/>
+            <a:ext cx="524409" cy="2405138"/>
+          </a:xfrm>
+          <a:prstGeom prst="bentConnector3">
+            <a:avLst>
+              <a:gd name="adj1" fmla="val 50000"/>
+            </a:avLst>
+          </a:prstGeom>
+          <a:ln w="3175">
+            <a:solidFill>
+              <a:schemeClr val="bg1">
+                <a:lumMod val="75000"/>
+              </a:schemeClr>
+            </a:solidFill>
+            <a:prstDash val="solid"/>
+            <a:headEnd type="none" w="sm" len="sm"/>
+            <a:tailEnd type="none" w="sm" len="sm"/>
+          </a:ln>
+        </p:spPr>
+        <p:style>
+          <a:lnRef idx="1">
+            <a:schemeClr val="accent1"/>
+          </a:lnRef>
+          <a:fillRef idx="0">
+            <a:schemeClr val="accent1"/>
+          </a:fillRef>
+          <a:effectRef idx="0">
+            <a:schemeClr val="accent1"/>
+          </a:effectRef>
+          <a:fontRef idx="minor">
+            <a:schemeClr val="tx1"/>
+          </a:fontRef>
+        </p:style>
+      </p:cxnSp>
+      <p:grpSp>
+        <p:nvGrpSpPr>
+          <p:cNvPr id="93" name="Group 92">
+            <a:extLst>
+              <a:ext uri="{FF2B5EF4-FFF2-40B4-BE49-F238E27FC236}">
+                <a16:creationId xmlns:a16="http://schemas.microsoft.com/office/drawing/2014/main" id="{A7F885EA-DA86-4249-9CB4-CE59CE108D4C}"/>
+              </a:ext>
+              <a:ext uri="{C183D7F6-B498-43B3-948B-1728B52AA6E4}">
+                <adec:decorative xmlns="" xmlns:adec="http://schemas.microsoft.com/office/drawing/2017/decorative" val="1"/>
+              </a:ext>
+            </a:extLst>
+          </p:cNvPr>
+          <p:cNvGrpSpPr/>
+          <p:nvPr/>
+        </p:nvGrpSpPr>
+        <p:grpSpPr>
+          <a:xfrm>
+            <a:off x="7060764" y="3605856"/>
+            <a:ext cx="1144735" cy="449136"/>
+            <a:chOff x="9744174" y="3090121"/>
+            <a:chExt cx="1387558" cy="544407"/>
+          </a:xfrm>
+        </p:grpSpPr>
+        <p:sp>
+          <p:nvSpPr>
+            <p:cNvPr id="110" name="Rectangle 109">
+              <a:extLst>
+                <a:ext uri="{FF2B5EF4-FFF2-40B4-BE49-F238E27FC236}">
+                  <a16:creationId xmlns:a16="http://schemas.microsoft.com/office/drawing/2014/main" id="{B9AD7988-1B88-4378-96FA-45074DAE4E99}"/>
+                </a:ext>
+              </a:extLst>
+            </p:cNvPr>
+            <p:cNvSpPr/>
+            <p:nvPr/>
+          </p:nvSpPr>
+          <p:spPr>
+            <a:xfrm>
+              <a:off x="9744174" y="3090121"/>
+              <a:ext cx="1368000" cy="509451"/>
+            </a:xfrm>
+            <a:prstGeom prst="rect">
+              <a:avLst/>
+            </a:prstGeom>
+            <a:gradFill>
+              <a:gsLst>
+                <a:gs pos="0">
+                  <a:schemeClr val="bg1"/>
+                </a:gs>
+                <a:gs pos="100000">
+                  <a:schemeClr val="bg1">
+                    <a:lumMod val="85000"/>
+                  </a:schemeClr>
+                </a:gs>
+              </a:gsLst>
+              <a:lin ang="5400000" scaled="0"/>
+            </a:gradFill>
+            <a:ln w="3175">
+              <a:solidFill>
+                <a:schemeClr val="bg1">
+                  <a:lumMod val="85000"/>
+                </a:schemeClr>
+              </a:solidFill>
+            </a:ln>
+            <a:effectLst/>
+            <a:scene3d>
+              <a:camera prst="obliqueTopLeft"/>
+              <a:lightRig rig="soft" dir="t"/>
+            </a:scene3d>
+            <a:sp3d extrusionH="190500" prstMaterial="matte">
+              <a:contourClr>
+                <a:schemeClr val="tx1">
+                  <a:lumMod val="50000"/>
+                  <a:lumOff val="50000"/>
+                </a:schemeClr>
+              </a:contourClr>
+            </a:sp3d>
+          </p:spPr>
+          <p:style>
+            <a:lnRef idx="2">
+              <a:scrgbClr r="0" g="0" b="0"/>
+            </a:lnRef>
+            <a:fillRef idx="1">
+              <a:scrgbClr r="0" g="0" b="0"/>
+            </a:fillRef>
+            <a:effectRef idx="0">
+              <a:schemeClr val="accent1">
+                <a:hueOff val="0"/>
+                <a:satOff val="0"/>
+                <a:lumOff val="0"/>
+                <a:alphaOff val="0"/>
+              </a:schemeClr>
+            </a:effectRef>
+            <a:fontRef idx="minor">
+              <a:schemeClr val="lt1"/>
+            </a:fontRef>
+          </p:style>
+          <p:txBody>
+            <a:bodyPr spcFirstLastPara="0" vert="horz" wrap="square" lIns="59400" tIns="4715" rIns="59400" bIns="44559" numCol="1" spcCol="1270" anchor="ctr" anchorCtr="0">
+              <a:noAutofit/>
+              <a:flatTx/>
+            </a:bodyPr>
+            <a:lstStyle/>
+            <a:p>
+              <a:pPr algn="ctr" defTabSz="330044">
+                <a:lnSpc>
+                  <a:spcPct val="90000"/>
+                </a:lnSpc>
+                <a:spcBef>
+                  <a:spcPct val="0"/>
+                </a:spcBef>
+                <a:spcAft>
+                  <a:spcPct val="35000"/>
+                </a:spcAft>
+              </a:pPr>
+              <a:r>
+                <a:rPr lang="en-US" sz="990" b="1" dirty="0" smtClean="0">
+                  <a:solidFill>
+                    <a:schemeClr val="tx1"/>
+                  </a:solidFill>
+                </a:rPr>
+                <a:t>Civil Engineer</a:t>
+              </a:r>
+              <a:endParaRPr lang="en-US" sz="990" b="1" dirty="0">
+                <a:solidFill>
+                  <a:schemeClr val="tx1"/>
+                </a:solidFill>
+              </a:endParaRPr>
+            </a:p>
+          </p:txBody>
+        </p:sp>
+        <p:sp>
+          <p:nvSpPr>
+            <p:cNvPr id="111" name="Rectangle 110">
+              <a:extLst>
+                <a:ext uri="{FF2B5EF4-FFF2-40B4-BE49-F238E27FC236}">
+                  <a16:creationId xmlns:a16="http://schemas.microsoft.com/office/drawing/2014/main" id="{F0927D7D-ECE5-4691-9490-F5F85942B8E9}"/>
+                </a:ext>
+              </a:extLst>
+            </p:cNvPr>
+            <p:cNvSpPr/>
+            <p:nvPr/>
+          </p:nvSpPr>
+          <p:spPr>
+            <a:xfrm>
+              <a:off x="9763732" y="3526528"/>
+              <a:ext cx="1368000" cy="108000"/>
+            </a:xfrm>
+            <a:prstGeom prst="rect">
+              <a:avLst/>
+            </a:prstGeom>
+            <a:solidFill>
+              <a:srgbClr val="7030A0"/>
+            </a:solidFill>
+            <a:ln>
+              <a:noFill/>
+            </a:ln>
+            <a:effectLst>
+              <a:glow rad="254000">
+                <a:schemeClr val="accent3">
+                  <a:satMod val="175000"/>
+                  <a:alpha val="10000"/>
+                </a:schemeClr>
+              </a:glow>
+            </a:effectLst>
+            <a:scene3d>
+              <a:camera prst="obliqueTopLeft"/>
+              <a:lightRig rig="brightRoom" dir="t"/>
+            </a:scene3d>
+            <a:sp3d extrusionH="88900"/>
+          </p:spPr>
+          <p:style>
+            <a:lnRef idx="2">
+              <a:schemeClr val="accent1">
+                <a:hueOff val="0"/>
+                <a:satOff val="0"/>
+                <a:lumOff val="0"/>
+                <a:alphaOff val="0"/>
+              </a:schemeClr>
+            </a:lnRef>
+            <a:fillRef idx="1">
+              <a:scrgbClr r="0" g="0" b="0"/>
+            </a:fillRef>
+            <a:effectRef idx="0">
+              <a:schemeClr val="lt1">
+                <a:alpha val="90000"/>
+                <a:hueOff val="0"/>
+                <a:satOff val="0"/>
+                <a:lumOff val="0"/>
+                <a:alphaOff val="0"/>
+              </a:schemeClr>
+            </a:effectRef>
+            <a:fontRef idx="minor">
+              <a:schemeClr val="dk1">
+                <a:hueOff val="0"/>
+                <a:satOff val="0"/>
+                <a:lumOff val="0"/>
+                <a:alphaOff val="0"/>
+              </a:schemeClr>
+            </a:fontRef>
+          </p:style>
+          <p:txBody>
+            <a:bodyPr spcFirstLastPara="0" vert="horz" wrap="square" lIns="59400" tIns="4715" rIns="59400" bIns="4715" numCol="1" spcCol="1270" anchor="ctr" anchorCtr="0">
+              <a:noAutofit/>
+              <a:flatTx/>
+            </a:bodyPr>
+            <a:lstStyle/>
+            <a:p>
+              <a:pPr algn="ctr" defTabSz="330044">
+                <a:lnSpc>
+                  <a:spcPct val="90000"/>
+                </a:lnSpc>
+                <a:spcBef>
+                  <a:spcPct val="0"/>
+                </a:spcBef>
+                <a:spcAft>
+                  <a:spcPct val="35000"/>
+                </a:spcAft>
+              </a:pPr>
+              <a:r>
+                <a:rPr lang="en-US" sz="700" dirty="0" smtClean="0">
+                  <a:solidFill>
+                    <a:schemeClr val="bg1"/>
+                  </a:solidFill>
+                </a:rPr>
+                <a:t>Control Bunker Dev. Lead</a:t>
+              </a:r>
+              <a:endParaRPr lang="en-US" sz="700" dirty="0">
                 <a:solidFill>
                   <a:schemeClr val="bg1"/>
                 </a:solidFill>
@@ -12129,8 +12464,8 @@
         </p:nvSpPr>
         <p:spPr>
           <a:xfrm>
-            <a:off x="346229" y="408706"/>
-            <a:ext cx="3497801" cy="480424"/>
+            <a:off x="285639" y="1394457"/>
+            <a:ext cx="2885686" cy="396350"/>
           </a:xfrm>
         </p:spPr>
         <p:txBody>
@@ -12141,7 +12476,7 @@
           <a:p>
             <a:pPr algn="ctr"/>
             <a:r>
-              <a:rPr lang="en-US" sz="2800" dirty="0">
+              <a:rPr lang="en-US" sz="2310" dirty="0">
                 <a:solidFill>
                   <a:schemeClr val="tx2"/>
                 </a:solidFill>
@@ -12149,21 +12484,21 @@
               <a:t>Engineering goals</a:t>
             </a:r>
             <a:br>
-              <a:rPr lang="en-US" sz="2800" dirty="0">
+              <a:rPr lang="en-US" sz="2310" dirty="0">
                 <a:solidFill>
                   <a:schemeClr val="tx2"/>
                 </a:solidFill>
               </a:rPr>
             </a:br>
             <a:r>
-              <a:rPr lang="en-US" sz="1800" dirty="0">
+              <a:rPr lang="en-US" sz="1485" dirty="0">
                 <a:solidFill>
                   <a:schemeClr val="tx2"/>
                 </a:solidFill>
               </a:rPr>
               <a:t>2019-2020</a:t>
             </a:r>
-            <a:endParaRPr lang="en-US" sz="2800" dirty="0">
+            <a:endParaRPr lang="en-US" sz="2310" dirty="0">
               <a:solidFill>
                 <a:schemeClr val="tx2"/>
               </a:solidFill>
@@ -12187,8 +12522,8 @@
         </p:nvSpPr>
         <p:spPr>
           <a:xfrm>
-            <a:off x="10255323" y="6205964"/>
-            <a:ext cx="1705993" cy="480424"/>
+            <a:off x="8460644" y="6177196"/>
+            <a:ext cx="1407444" cy="396350"/>
           </a:xfrm>
           <a:prstGeom prst="rect">
             <a:avLst/>
@@ -12196,7 +12531,7 @@
           <a:effectLst/>
         </p:spPr>
         <p:txBody>
-          <a:bodyPr vert="horz" lIns="91440" tIns="45720" rIns="91440" bIns="45720" rtlCol="0" anchor="ctr">
+          <a:bodyPr vert="horz" lIns="75438" tIns="37719" rIns="75438" bIns="37719" rtlCol="0" anchor="ctr">
             <a:noAutofit/>
           </a:bodyPr>
           <a:lstStyle>
@@ -12278,7 +12613,7 @@
           <a:p>
             <a:pPr algn="ctr"/>
             <a:r>
-              <a:rPr lang="en-US" sz="2800" dirty="0">
+              <a:rPr lang="en-US" sz="2310" dirty="0">
                 <a:solidFill>
                   <a:schemeClr val="tx2"/>
                 </a:solidFill>
@@ -12302,8 +12637,8 @@
         </p:nvSpPr>
         <p:spPr>
           <a:xfrm>
-            <a:off x="701336" y="1247473"/>
-            <a:ext cx="3266980" cy="646331"/>
+            <a:off x="578603" y="2086442"/>
+            <a:ext cx="2695259" cy="549381"/>
           </a:xfrm>
           <a:prstGeom prst="rect">
             <a:avLst/>
@@ -12324,7 +12659,7 @@
           <a:lstStyle/>
           <a:p>
             <a:r>
-              <a:rPr lang="en-US" dirty="0">
+              <a:rPr lang="en-US" sz="1485" dirty="0">
                 <a:solidFill>
                   <a:schemeClr val="bg1"/>
                 </a:solidFill>
@@ -12348,8 +12683,8 @@
         </p:nvSpPr>
         <p:spPr>
           <a:xfrm>
-            <a:off x="701336" y="2178825"/>
-            <a:ext cx="3266980" cy="646331"/>
+            <a:off x="578603" y="2854807"/>
+            <a:ext cx="2695259" cy="549381"/>
           </a:xfrm>
           <a:prstGeom prst="rect">
             <a:avLst/>
@@ -12370,7 +12705,7 @@
           <a:lstStyle/>
           <a:p>
             <a:r>
-              <a:rPr lang="en-US" dirty="0">
+              <a:rPr lang="en-US" sz="1485" dirty="0">
                 <a:solidFill>
                   <a:schemeClr val="bg1"/>
                 </a:solidFill>
@@ -12394,8 +12729,8 @@
         </p:nvSpPr>
         <p:spPr>
           <a:xfrm>
-            <a:off x="701336" y="4031489"/>
-            <a:ext cx="3266980" cy="646331"/>
+            <a:off x="578603" y="4383255"/>
+            <a:ext cx="2695259" cy="549381"/>
           </a:xfrm>
           <a:prstGeom prst="rect">
             <a:avLst/>
@@ -12419,7 +12754,7 @@
           <a:lstStyle/>
           <a:p>
             <a:r>
-              <a:rPr lang="en-US" dirty="0">
+              <a:rPr lang="en-US" sz="1485" dirty="0">
                 <a:solidFill>
                   <a:schemeClr val="bg1"/>
                 </a:solidFill>
@@ -12443,8 +12778,8 @@
         </p:nvSpPr>
         <p:spPr>
           <a:xfrm>
-            <a:off x="701334" y="4957144"/>
-            <a:ext cx="3266981" cy="646331"/>
+            <a:off x="578602" y="5146919"/>
+            <a:ext cx="2695259" cy="549381"/>
           </a:xfrm>
           <a:prstGeom prst="rect">
             <a:avLst/>
@@ -12465,7 +12800,7 @@
           <a:lstStyle/>
           <a:p>
             <a:r>
-              <a:rPr lang="en-US" dirty="0">
+              <a:rPr lang="en-US" sz="1485" dirty="0">
                 <a:solidFill>
                   <a:schemeClr val="bg1"/>
                 </a:solidFill>
@@ -12489,8 +12824,8 @@
         </p:nvSpPr>
         <p:spPr>
           <a:xfrm>
-            <a:off x="701333" y="5882799"/>
-            <a:ext cx="3266981" cy="646331"/>
+            <a:off x="578601" y="5910586"/>
+            <a:ext cx="2695259" cy="549381"/>
           </a:xfrm>
           <a:prstGeom prst="rect">
             <a:avLst/>
@@ -12511,7 +12846,7 @@
           <a:lstStyle/>
           <a:p>
             <a:r>
-              <a:rPr lang="en-US" dirty="0">
+              <a:rPr lang="en-US" sz="1485" dirty="0">
                 <a:solidFill>
                   <a:schemeClr val="bg1"/>
                 </a:solidFill>
@@ -12535,8 +12870,8 @@
         </p:nvSpPr>
         <p:spPr>
           <a:xfrm>
-            <a:off x="701336" y="3105834"/>
-            <a:ext cx="3266980" cy="646331"/>
+            <a:off x="578603" y="3619589"/>
+            <a:ext cx="2695259" cy="549381"/>
           </a:xfrm>
           <a:prstGeom prst="rect">
             <a:avLst/>
@@ -12557,7 +12892,7 @@
           <a:lstStyle/>
           <a:p>
             <a:r>
-              <a:rPr lang="en-US" dirty="0">
+              <a:rPr lang="en-US" sz="1485" dirty="0">
                 <a:solidFill>
                   <a:schemeClr val="bg1"/>
                 </a:solidFill>
@@ -12581,8 +12916,8 @@
         </p:nvSpPr>
         <p:spPr>
           <a:xfrm>
-            <a:off x="4462509" y="1676529"/>
-            <a:ext cx="3536271" cy="646331"/>
+            <a:off x="3681570" y="2440414"/>
+            <a:ext cx="2917424" cy="549381"/>
           </a:xfrm>
           <a:prstGeom prst="rect">
             <a:avLst/>
@@ -12601,7 +12936,7 @@
           <a:lstStyle/>
           <a:p>
             <a:r>
-              <a:rPr lang="en-US" dirty="0"/>
+              <a:rPr lang="en-US" sz="1485" dirty="0"/>
               <a:t>A seamless propulsion assembly with autonomous, real-time control</a:t>
             </a:r>
           </a:p>
@@ -12621,8 +12956,8 @@
         </p:nvSpPr>
         <p:spPr>
           <a:xfrm>
-            <a:off x="4462510" y="5396275"/>
-            <a:ext cx="3536270" cy="646331"/>
+            <a:off x="3681571" y="5509203"/>
+            <a:ext cx="2917423" cy="549381"/>
           </a:xfrm>
           <a:prstGeom prst="rect">
             <a:avLst/>
@@ -12641,7 +12976,7 @@
           <a:lstStyle/>
           <a:p>
             <a:r>
-              <a:rPr lang="en-US" dirty="0"/>
+              <a:rPr lang="en-US" sz="1485" dirty="0"/>
               <a:t>A complete navigation, control and recovery rocket electrical system</a:t>
             </a:r>
           </a:p>
@@ -12661,8 +12996,8 @@
         </p:nvSpPr>
         <p:spPr>
           <a:xfrm>
-            <a:off x="8954614" y="3336666"/>
-            <a:ext cx="2536050" cy="830997"/>
+            <a:off x="7387558" y="3810027"/>
+            <a:ext cx="2092241" cy="701731"/>
           </a:xfrm>
           <a:prstGeom prst="rect">
             <a:avLst/>
@@ -12681,18 +13016,674 @@
           <a:lstStyle/>
           <a:p>
             <a:r>
-              <a:rPr lang="en-US" sz="2400" dirty="0"/>
+              <a:rPr lang="en-US" sz="1980" dirty="0"/>
               <a:t>New Hampshire’s first Hybrid Rocket</a:t>
             </a:r>
+          </a:p>
+        </p:txBody>
+      </p:sp>
+      <p:cxnSp>
+        <p:nvCxnSpPr>
+          <p:cNvPr id="6" name="Straight Arrow Connector 5">
+            <a:extLst>
+              <a:ext uri="{FF2B5EF4-FFF2-40B4-BE49-F238E27FC236}">
+                <a16:creationId xmlns:a16="http://schemas.microsoft.com/office/drawing/2014/main" id="{57190B44-E811-4217-84DF-03CECB2DEBA5}"/>
+              </a:ext>
+            </a:extLst>
+          </p:cNvPr>
+          <p:cNvCxnSpPr>
+            <a:stCxn id="3" idx="3"/>
+            <a:endCxn id="91" idx="1"/>
+          </p:cNvCxnSpPr>
+          <p:nvPr/>
+        </p:nvCxnSpPr>
+        <p:spPr>
+          <a:xfrm>
+            <a:off x="3273862" y="2361133"/>
+            <a:ext cx="407708" cy="353972"/>
+          </a:xfrm>
+          <a:prstGeom prst="straightConnector1">
+            <a:avLst/>
+          </a:prstGeom>
+          <a:ln>
+            <a:tailEnd type="triangle"/>
+          </a:ln>
+        </p:spPr>
+        <p:style>
+          <a:lnRef idx="2">
+            <a:schemeClr val="dk1"/>
+          </a:lnRef>
+          <a:fillRef idx="0">
+            <a:schemeClr val="dk1"/>
+          </a:fillRef>
+          <a:effectRef idx="1">
+            <a:schemeClr val="dk1"/>
+          </a:effectRef>
+          <a:fontRef idx="minor">
+            <a:schemeClr val="tx1"/>
+          </a:fontRef>
+        </p:style>
+      </p:cxnSp>
+      <p:cxnSp>
+        <p:nvCxnSpPr>
+          <p:cNvPr id="113" name="Straight Arrow Connector 112">
+            <a:extLst>
+              <a:ext uri="{FF2B5EF4-FFF2-40B4-BE49-F238E27FC236}">
+                <a16:creationId xmlns:a16="http://schemas.microsoft.com/office/drawing/2014/main" id="{C2A0A60F-6CE6-4675-B556-296C960DD3BA}"/>
+              </a:ext>
+            </a:extLst>
+          </p:cNvPr>
+          <p:cNvCxnSpPr>
+            <a:cxnSpLocks/>
+            <a:stCxn id="79" idx="3"/>
+            <a:endCxn id="91" idx="1"/>
+          </p:cNvCxnSpPr>
+          <p:nvPr/>
+        </p:nvCxnSpPr>
+        <p:spPr>
+          <a:xfrm flipV="1">
+            <a:off x="3273862" y="2715105"/>
+            <a:ext cx="407708" cy="414393"/>
+          </a:xfrm>
+          <a:prstGeom prst="straightConnector1">
+            <a:avLst/>
+          </a:prstGeom>
+          <a:ln>
+            <a:tailEnd type="triangle"/>
+          </a:ln>
+        </p:spPr>
+        <p:style>
+          <a:lnRef idx="2">
+            <a:schemeClr val="dk1"/>
+          </a:lnRef>
+          <a:fillRef idx="0">
+            <a:schemeClr val="dk1"/>
+          </a:fillRef>
+          <a:effectRef idx="1">
+            <a:schemeClr val="dk1"/>
+          </a:effectRef>
+          <a:fontRef idx="minor">
+            <a:schemeClr val="tx1"/>
+          </a:fontRef>
+        </p:style>
+      </p:cxnSp>
+      <p:cxnSp>
+        <p:nvCxnSpPr>
+          <p:cNvPr id="114" name="Straight Arrow Connector 113">
+            <a:extLst>
+              <a:ext uri="{FF2B5EF4-FFF2-40B4-BE49-F238E27FC236}">
+                <a16:creationId xmlns:a16="http://schemas.microsoft.com/office/drawing/2014/main" id="{CF523386-286F-4AB7-B85A-AAADDD74CECE}"/>
+              </a:ext>
+            </a:extLst>
+          </p:cNvPr>
+          <p:cNvCxnSpPr>
+            <a:cxnSpLocks/>
+            <a:stCxn id="88" idx="3"/>
+            <a:endCxn id="91" idx="1"/>
+          </p:cNvCxnSpPr>
+          <p:nvPr/>
+        </p:nvCxnSpPr>
+        <p:spPr>
+          <a:xfrm flipV="1">
+            <a:off x="3273862" y="2715105"/>
+            <a:ext cx="407708" cy="1179175"/>
+          </a:xfrm>
+          <a:prstGeom prst="straightConnector1">
+            <a:avLst/>
+          </a:prstGeom>
+          <a:ln>
+            <a:tailEnd type="triangle"/>
+          </a:ln>
+        </p:spPr>
+        <p:style>
+          <a:lnRef idx="1">
+            <a:schemeClr val="dk1"/>
+          </a:lnRef>
+          <a:fillRef idx="0">
+            <a:schemeClr val="dk1"/>
+          </a:fillRef>
+          <a:effectRef idx="0">
+            <a:schemeClr val="dk1"/>
+          </a:effectRef>
+          <a:fontRef idx="minor">
+            <a:schemeClr val="tx1"/>
+          </a:fontRef>
+        </p:style>
+      </p:cxnSp>
+      <p:cxnSp>
+        <p:nvCxnSpPr>
+          <p:cNvPr id="115" name="Straight Arrow Connector 114">
+            <a:extLst>
+              <a:ext uri="{FF2B5EF4-FFF2-40B4-BE49-F238E27FC236}">
+                <a16:creationId xmlns:a16="http://schemas.microsoft.com/office/drawing/2014/main" id="{0608B507-570C-4398-9E2E-99D4FE44A2DB}"/>
+              </a:ext>
+            </a:extLst>
+          </p:cNvPr>
+          <p:cNvCxnSpPr>
+            <a:cxnSpLocks/>
+            <a:stCxn id="80" idx="3"/>
+            <a:endCxn id="91" idx="1"/>
+          </p:cNvCxnSpPr>
+          <p:nvPr/>
+        </p:nvCxnSpPr>
+        <p:spPr>
+          <a:xfrm flipV="1">
+            <a:off x="3273862" y="2715105"/>
+            <a:ext cx="407708" cy="1942841"/>
+          </a:xfrm>
+          <a:prstGeom prst="straightConnector1">
+            <a:avLst/>
+          </a:prstGeom>
+          <a:ln>
+            <a:tailEnd type="triangle"/>
+          </a:ln>
+        </p:spPr>
+        <p:style>
+          <a:lnRef idx="1">
+            <a:schemeClr val="dk1"/>
+          </a:lnRef>
+          <a:fillRef idx="0">
+            <a:schemeClr val="dk1"/>
+          </a:fillRef>
+          <a:effectRef idx="0">
+            <a:schemeClr val="dk1"/>
+          </a:effectRef>
+          <a:fontRef idx="minor">
+            <a:schemeClr val="tx1"/>
+          </a:fontRef>
+        </p:style>
+      </p:cxnSp>
+      <p:cxnSp>
+        <p:nvCxnSpPr>
+          <p:cNvPr id="116" name="Straight Arrow Connector 115">
+            <a:extLst>
+              <a:ext uri="{FF2B5EF4-FFF2-40B4-BE49-F238E27FC236}">
+                <a16:creationId xmlns:a16="http://schemas.microsoft.com/office/drawing/2014/main" id="{02F94221-1FA8-466F-8058-B71D6D3B90F9}"/>
+              </a:ext>
+            </a:extLst>
+          </p:cNvPr>
+          <p:cNvCxnSpPr>
+            <a:cxnSpLocks/>
+            <a:stCxn id="81" idx="3"/>
+            <a:endCxn id="91" idx="1"/>
+          </p:cNvCxnSpPr>
+          <p:nvPr/>
+        </p:nvCxnSpPr>
+        <p:spPr>
+          <a:xfrm flipV="1">
+            <a:off x="3273861" y="2715105"/>
+            <a:ext cx="407709" cy="2706505"/>
+          </a:xfrm>
+          <a:prstGeom prst="straightConnector1">
+            <a:avLst/>
+          </a:prstGeom>
+          <a:ln>
+            <a:tailEnd type="triangle"/>
+          </a:ln>
+        </p:spPr>
+        <p:style>
+          <a:lnRef idx="1">
+            <a:schemeClr val="dk1"/>
+          </a:lnRef>
+          <a:fillRef idx="0">
+            <a:schemeClr val="dk1"/>
+          </a:fillRef>
+          <a:effectRef idx="0">
+            <a:schemeClr val="dk1"/>
+          </a:effectRef>
+          <a:fontRef idx="minor">
+            <a:schemeClr val="tx1"/>
+          </a:fontRef>
+        </p:style>
+      </p:cxnSp>
+      <p:cxnSp>
+        <p:nvCxnSpPr>
+          <p:cNvPr id="117" name="Straight Arrow Connector 116">
+            <a:extLst>
+              <a:ext uri="{FF2B5EF4-FFF2-40B4-BE49-F238E27FC236}">
+                <a16:creationId xmlns:a16="http://schemas.microsoft.com/office/drawing/2014/main" id="{A7021823-6076-4FF4-B2E4-EFAC09A1CB40}"/>
+              </a:ext>
+            </a:extLst>
+          </p:cNvPr>
+          <p:cNvCxnSpPr>
+            <a:cxnSpLocks/>
+            <a:stCxn id="82" idx="3"/>
+            <a:endCxn id="92" idx="1"/>
+          </p:cNvCxnSpPr>
+          <p:nvPr/>
+        </p:nvCxnSpPr>
+        <p:spPr>
+          <a:xfrm flipV="1">
+            <a:off x="3273860" y="5783894"/>
+            <a:ext cx="407711" cy="401383"/>
+          </a:xfrm>
+          <a:prstGeom prst="straightConnector1">
+            <a:avLst/>
+          </a:prstGeom>
+          <a:ln>
+            <a:tailEnd type="triangle"/>
+          </a:ln>
+        </p:spPr>
+        <p:style>
+          <a:lnRef idx="2">
+            <a:schemeClr val="dk1"/>
+          </a:lnRef>
+          <a:fillRef idx="0">
+            <a:schemeClr val="dk1"/>
+          </a:fillRef>
+          <a:effectRef idx="1">
+            <a:schemeClr val="dk1"/>
+          </a:effectRef>
+          <a:fontRef idx="minor">
+            <a:schemeClr val="tx1"/>
+          </a:fontRef>
+        </p:style>
+      </p:cxnSp>
+      <p:cxnSp>
+        <p:nvCxnSpPr>
+          <p:cNvPr id="119" name="Straight Arrow Connector 118">
+            <a:extLst>
+              <a:ext uri="{FF2B5EF4-FFF2-40B4-BE49-F238E27FC236}">
+                <a16:creationId xmlns:a16="http://schemas.microsoft.com/office/drawing/2014/main" id="{FF844689-6EF9-4350-8B23-52A8F5424A88}"/>
+              </a:ext>
+            </a:extLst>
+          </p:cNvPr>
+          <p:cNvCxnSpPr>
+            <a:cxnSpLocks/>
+            <a:stCxn id="81" idx="3"/>
+            <a:endCxn id="92" idx="1"/>
+          </p:cNvCxnSpPr>
+          <p:nvPr/>
+        </p:nvCxnSpPr>
+        <p:spPr>
+          <a:xfrm>
+            <a:off x="3273861" y="5421610"/>
+            <a:ext cx="407710" cy="362284"/>
+          </a:xfrm>
+          <a:prstGeom prst="straightConnector1">
+            <a:avLst/>
+          </a:prstGeom>
+          <a:ln>
+            <a:tailEnd type="triangle"/>
+          </a:ln>
+        </p:spPr>
+        <p:style>
+          <a:lnRef idx="2">
+            <a:schemeClr val="dk1"/>
+          </a:lnRef>
+          <a:fillRef idx="0">
+            <a:schemeClr val="dk1"/>
+          </a:fillRef>
+          <a:effectRef idx="1">
+            <a:schemeClr val="dk1"/>
+          </a:effectRef>
+          <a:fontRef idx="minor">
+            <a:schemeClr val="tx1"/>
+          </a:fontRef>
+        </p:style>
+      </p:cxnSp>
+      <p:cxnSp>
+        <p:nvCxnSpPr>
+          <p:cNvPr id="120" name="Straight Arrow Connector 119">
+            <a:extLst>
+              <a:ext uri="{FF2B5EF4-FFF2-40B4-BE49-F238E27FC236}">
+                <a16:creationId xmlns:a16="http://schemas.microsoft.com/office/drawing/2014/main" id="{A0944492-9974-4B08-AB26-49CAE125E5F8}"/>
+              </a:ext>
+            </a:extLst>
+          </p:cNvPr>
+          <p:cNvCxnSpPr>
+            <a:cxnSpLocks/>
+            <a:stCxn id="80" idx="3"/>
+            <a:endCxn id="92" idx="1"/>
+          </p:cNvCxnSpPr>
+          <p:nvPr/>
+        </p:nvCxnSpPr>
+        <p:spPr>
+          <a:xfrm>
+            <a:off x="3273862" y="4657946"/>
+            <a:ext cx="407709" cy="1125948"/>
+          </a:xfrm>
+          <a:prstGeom prst="straightConnector1">
+            <a:avLst/>
+          </a:prstGeom>
+          <a:ln>
+            <a:tailEnd type="triangle"/>
+          </a:ln>
+        </p:spPr>
+        <p:style>
+          <a:lnRef idx="1">
+            <a:schemeClr val="dk1"/>
+          </a:lnRef>
+          <a:fillRef idx="0">
+            <a:schemeClr val="dk1"/>
+          </a:fillRef>
+          <a:effectRef idx="0">
+            <a:schemeClr val="dk1"/>
+          </a:effectRef>
+          <a:fontRef idx="minor">
+            <a:schemeClr val="tx1"/>
+          </a:fontRef>
+        </p:style>
+      </p:cxnSp>
+      <p:cxnSp>
+        <p:nvCxnSpPr>
+          <p:cNvPr id="123" name="Straight Arrow Connector 122">
+            <a:extLst>
+              <a:ext uri="{FF2B5EF4-FFF2-40B4-BE49-F238E27FC236}">
+                <a16:creationId xmlns:a16="http://schemas.microsoft.com/office/drawing/2014/main" id="{BF4AB7E1-BD15-4554-8C5D-04B5CD782D44}"/>
+              </a:ext>
+            </a:extLst>
+          </p:cNvPr>
+          <p:cNvCxnSpPr>
+            <a:cxnSpLocks/>
+            <a:stCxn id="88" idx="3"/>
+            <a:endCxn id="92" idx="1"/>
+          </p:cNvCxnSpPr>
+          <p:nvPr/>
+        </p:nvCxnSpPr>
+        <p:spPr>
+          <a:xfrm>
+            <a:off x="3273862" y="3894280"/>
+            <a:ext cx="407709" cy="1889614"/>
+          </a:xfrm>
+          <a:prstGeom prst="straightConnector1">
+            <a:avLst/>
+          </a:prstGeom>
+          <a:ln>
+            <a:tailEnd type="triangle"/>
+          </a:ln>
+        </p:spPr>
+        <p:style>
+          <a:lnRef idx="1">
+            <a:schemeClr val="dk1"/>
+          </a:lnRef>
+          <a:fillRef idx="0">
+            <a:schemeClr val="dk1"/>
+          </a:fillRef>
+          <a:effectRef idx="0">
+            <a:schemeClr val="dk1"/>
+          </a:effectRef>
+          <a:fontRef idx="minor">
+            <a:schemeClr val="tx1"/>
+          </a:fontRef>
+        </p:style>
+      </p:cxnSp>
+      <p:cxnSp>
+        <p:nvCxnSpPr>
+          <p:cNvPr id="126" name="Straight Arrow Connector 125">
+            <a:extLst>
+              <a:ext uri="{FF2B5EF4-FFF2-40B4-BE49-F238E27FC236}">
+                <a16:creationId xmlns:a16="http://schemas.microsoft.com/office/drawing/2014/main" id="{038EEBA7-E493-4A12-9E7C-881758320944}"/>
+              </a:ext>
+            </a:extLst>
+          </p:cNvPr>
+          <p:cNvCxnSpPr>
+            <a:cxnSpLocks/>
+            <a:stCxn id="91" idx="3"/>
+            <a:endCxn id="93" idx="1"/>
+          </p:cNvCxnSpPr>
+          <p:nvPr/>
+        </p:nvCxnSpPr>
+        <p:spPr>
+          <a:xfrm>
+            <a:off x="6598994" y="2715105"/>
+            <a:ext cx="788564" cy="1445788"/>
+          </a:xfrm>
+          <a:prstGeom prst="straightConnector1">
+            <a:avLst/>
+          </a:prstGeom>
+          <a:ln>
+            <a:tailEnd type="triangle"/>
+          </a:ln>
+        </p:spPr>
+        <p:style>
+          <a:lnRef idx="3">
+            <a:schemeClr val="dk1"/>
+          </a:lnRef>
+          <a:fillRef idx="0">
+            <a:schemeClr val="dk1"/>
+          </a:fillRef>
+          <a:effectRef idx="2">
+            <a:schemeClr val="dk1"/>
+          </a:effectRef>
+          <a:fontRef idx="minor">
+            <a:schemeClr val="tx1"/>
+          </a:fontRef>
+        </p:style>
+      </p:cxnSp>
+      <p:cxnSp>
+        <p:nvCxnSpPr>
+          <p:cNvPr id="129" name="Straight Arrow Connector 128">
+            <a:extLst>
+              <a:ext uri="{FF2B5EF4-FFF2-40B4-BE49-F238E27FC236}">
+                <a16:creationId xmlns:a16="http://schemas.microsoft.com/office/drawing/2014/main" id="{7D42304D-EF0A-48D7-AC32-75B381FB8C7B}"/>
+              </a:ext>
+            </a:extLst>
+          </p:cNvPr>
+          <p:cNvCxnSpPr>
+            <a:cxnSpLocks/>
+            <a:stCxn id="92" idx="3"/>
+            <a:endCxn id="93" idx="1"/>
+          </p:cNvCxnSpPr>
+          <p:nvPr/>
+        </p:nvCxnSpPr>
+        <p:spPr>
+          <a:xfrm flipV="1">
+            <a:off x="6598994" y="4160893"/>
+            <a:ext cx="788564" cy="1623001"/>
+          </a:xfrm>
+          <a:prstGeom prst="straightConnector1">
+            <a:avLst/>
+          </a:prstGeom>
+          <a:ln>
+            <a:tailEnd type="triangle"/>
+          </a:ln>
+        </p:spPr>
+        <p:style>
+          <a:lnRef idx="3">
+            <a:schemeClr val="dk1"/>
+          </a:lnRef>
+          <a:fillRef idx="0">
+            <a:schemeClr val="dk1"/>
+          </a:fillRef>
+          <a:effectRef idx="2">
+            <a:schemeClr val="dk1"/>
+          </a:effectRef>
+          <a:fontRef idx="minor">
+            <a:schemeClr val="tx1"/>
+          </a:fontRef>
+        </p:style>
+      </p:cxnSp>
+      <p:cxnSp>
+        <p:nvCxnSpPr>
+          <p:cNvPr id="132" name="Straight Arrow Connector 131">
+            <a:extLst>
+              <a:ext uri="{FF2B5EF4-FFF2-40B4-BE49-F238E27FC236}">
+                <a16:creationId xmlns:a16="http://schemas.microsoft.com/office/drawing/2014/main" id="{31932B24-A914-47A0-B83D-0C371870FA23}"/>
+              </a:ext>
+            </a:extLst>
+          </p:cNvPr>
+          <p:cNvCxnSpPr>
+            <a:cxnSpLocks/>
+            <a:stCxn id="88" idx="3"/>
+            <a:endCxn id="93" idx="1"/>
+          </p:cNvCxnSpPr>
+          <p:nvPr/>
+        </p:nvCxnSpPr>
+        <p:spPr>
+          <a:xfrm>
+            <a:off x="3273862" y="3894280"/>
+            <a:ext cx="4113696" cy="266613"/>
+          </a:xfrm>
+          <a:prstGeom prst="straightConnector1">
+            <a:avLst/>
+          </a:prstGeom>
+          <a:ln>
+            <a:tailEnd type="triangle"/>
+          </a:ln>
+        </p:spPr>
+        <p:style>
+          <a:lnRef idx="3">
+            <a:schemeClr val="dk1"/>
+          </a:lnRef>
+          <a:fillRef idx="0">
+            <a:schemeClr val="dk1"/>
+          </a:fillRef>
+          <a:effectRef idx="2">
+            <a:schemeClr val="dk1"/>
+          </a:effectRef>
+          <a:fontRef idx="minor">
+            <a:schemeClr val="tx1"/>
+          </a:fontRef>
+        </p:style>
+      </p:cxnSp>
+      <p:cxnSp>
+        <p:nvCxnSpPr>
+          <p:cNvPr id="135" name="Straight Arrow Connector 134">
+            <a:extLst>
+              <a:ext uri="{FF2B5EF4-FFF2-40B4-BE49-F238E27FC236}">
+                <a16:creationId xmlns:a16="http://schemas.microsoft.com/office/drawing/2014/main" id="{F6BFF292-C6D6-4E4A-A99A-CD33694D6C07}"/>
+              </a:ext>
+            </a:extLst>
+          </p:cNvPr>
+          <p:cNvCxnSpPr>
+            <a:cxnSpLocks/>
+            <a:stCxn id="80" idx="3"/>
+            <a:endCxn id="93" idx="1"/>
+          </p:cNvCxnSpPr>
+          <p:nvPr/>
+        </p:nvCxnSpPr>
+        <p:spPr>
+          <a:xfrm flipV="1">
+            <a:off x="3273862" y="4160893"/>
+            <a:ext cx="4113696" cy="497053"/>
+          </a:xfrm>
+          <a:prstGeom prst="straightConnector1">
+            <a:avLst/>
+          </a:prstGeom>
+          <a:ln>
+            <a:tailEnd type="triangle"/>
+          </a:ln>
+        </p:spPr>
+        <p:style>
+          <a:lnRef idx="3">
+            <a:schemeClr val="dk1"/>
+          </a:lnRef>
+          <a:fillRef idx="0">
+            <a:schemeClr val="dk1"/>
+          </a:fillRef>
+          <a:effectRef idx="2">
+            <a:schemeClr val="dk1"/>
+          </a:effectRef>
+          <a:fontRef idx="minor">
+            <a:schemeClr val="tx1"/>
+          </a:fontRef>
+        </p:style>
+      </p:cxnSp>
+      <p:sp>
+        <p:nvSpPr>
+          <p:cNvPr id="46" name="Star: 5 Points 45">
+            <a:extLst>
+              <a:ext uri="{FF2B5EF4-FFF2-40B4-BE49-F238E27FC236}">
+                <a16:creationId xmlns:a16="http://schemas.microsoft.com/office/drawing/2014/main" id="{A6134AAE-0374-4139-9D60-201B4DAC8FB2}"/>
+              </a:ext>
+            </a:extLst>
+          </p:cNvPr>
+          <p:cNvSpPr/>
+          <p:nvPr/>
+        </p:nvSpPr>
+        <p:spPr>
+          <a:xfrm>
+            <a:off x="106199" y="4474511"/>
+            <a:ext cx="358880" cy="350708"/>
+          </a:xfrm>
+          <a:prstGeom prst="star5">
+            <a:avLst/>
+          </a:prstGeom>
+          <a:solidFill>
+            <a:schemeClr val="tx1"/>
+          </a:solidFill>
+        </p:spPr>
+        <p:style>
+          <a:lnRef idx="2">
+            <a:schemeClr val="accent1">
+              <a:shade val="50000"/>
+            </a:schemeClr>
+          </a:lnRef>
+          <a:fillRef idx="1">
+            <a:schemeClr val="accent1"/>
+          </a:fillRef>
+          <a:effectRef idx="0">
+            <a:schemeClr val="accent1"/>
+          </a:effectRef>
+          <a:fontRef idx="minor">
+            <a:schemeClr val="lt1"/>
+          </a:fontRef>
+        </p:style>
+        <p:txBody>
+          <a:bodyPr rtlCol="0" anchor="ctr"/>
+          <a:lstStyle/>
+          <a:p>
+            <a:pPr algn="ctr"/>
+            <a:endParaRPr lang="en-US" sz="1485"/>
+          </a:p>
+        </p:txBody>
+      </p:sp>
+      <p:sp>
+        <p:nvSpPr>
+          <p:cNvPr id="139" name="Star: 5 Points 138">
+            <a:extLst>
+              <a:ext uri="{FF2B5EF4-FFF2-40B4-BE49-F238E27FC236}">
+                <a16:creationId xmlns:a16="http://schemas.microsoft.com/office/drawing/2014/main" id="{324A2BA8-C80B-41CF-913C-3B3E8EC8AE08}"/>
+              </a:ext>
+            </a:extLst>
+          </p:cNvPr>
+          <p:cNvSpPr/>
+          <p:nvPr/>
+        </p:nvSpPr>
+        <p:spPr>
+          <a:xfrm>
+            <a:off x="106199" y="3709570"/>
+            <a:ext cx="358880" cy="350708"/>
+          </a:xfrm>
+          <a:prstGeom prst="star5">
+            <a:avLst/>
+          </a:prstGeom>
+          <a:solidFill>
+            <a:schemeClr val="tx1"/>
+          </a:solidFill>
+        </p:spPr>
+        <p:style>
+          <a:lnRef idx="2">
+            <a:schemeClr val="accent1">
+              <a:shade val="50000"/>
+            </a:schemeClr>
+          </a:lnRef>
+          <a:fillRef idx="1">
+            <a:schemeClr val="accent1"/>
+          </a:fillRef>
+          <a:effectRef idx="0">
+            <a:schemeClr val="accent1"/>
+          </a:effectRef>
+          <a:fontRef idx="minor">
+            <a:schemeClr val="lt1"/>
+          </a:fontRef>
+        </p:style>
+        <p:txBody>
+          <a:bodyPr rtlCol="0" anchor="ctr"/>
+          <a:lstStyle/>
+          <a:p>
+            <a:pPr algn="ctr"/>
+            <a:endParaRPr lang="en-US" sz="1485"/>
           </a:p>
         </p:txBody>
       </p:sp>
       <p:grpSp>
         <p:nvGrpSpPr>
-          <p:cNvPr id="97" name="Group 96">
+          <p:cNvPr id="39" name="Group 38">
             <a:extLst>
               <a:ext uri="{FF2B5EF4-FFF2-40B4-BE49-F238E27FC236}">
-                <a16:creationId xmlns:a16="http://schemas.microsoft.com/office/drawing/2014/main" id="{85C094FC-E6AD-4FC4-A1CF-FD6484D80172}"/>
+                <a16:creationId xmlns:a16="http://schemas.microsoft.com/office/drawing/2014/main" id="{CC0CC09B-754B-4D6D-A662-9CB96F2EF246}"/>
               </a:ext>
             </a:extLst>
           </p:cNvPr>
@@ -12701,18 +13692,18 @@
         </p:nvGrpSpPr>
         <p:grpSpPr>
           <a:xfrm>
-            <a:off x="4033389" y="385086"/>
-            <a:ext cx="8629165" cy="264929"/>
-            <a:chOff x="563407" y="6385235"/>
-            <a:chExt cx="3296137" cy="108000"/>
+            <a:off x="2919063" y="653075"/>
+            <a:ext cx="6815039" cy="218566"/>
+            <a:chOff x="693588" y="6385235"/>
+            <a:chExt cx="3155374" cy="108000"/>
           </a:xfrm>
         </p:grpSpPr>
         <p:sp>
           <p:nvSpPr>
-            <p:cNvPr id="101" name="Rectangle 100" descr="decorative element">
+            <p:cNvPr id="40" name="Rectangle 39" descr="decorative element">
               <a:extLst>
                 <a:ext uri="{FF2B5EF4-FFF2-40B4-BE49-F238E27FC236}">
-                  <a16:creationId xmlns:a16="http://schemas.microsoft.com/office/drawing/2014/main" id="{9C79BD59-4B76-4F9A-BDD4-D9ECF4ECE0A4}"/>
+                  <a16:creationId xmlns:a16="http://schemas.microsoft.com/office/drawing/2014/main" id="{ED371DE1-58D0-4BCD-A30F-F912F88E4899}"/>
                 </a:ext>
               </a:extLst>
             </p:cNvPr>
@@ -12721,14 +13712,14 @@
           </p:nvSpPr>
           <p:spPr>
             <a:xfrm>
-              <a:off x="1888625" y="6385235"/>
+              <a:off x="1768751" y="6385235"/>
               <a:ext cx="108000" cy="108000"/>
             </a:xfrm>
             <a:prstGeom prst="rect">
               <a:avLst/>
             </a:prstGeom>
             <a:solidFill>
-              <a:srgbClr val="00B050"/>
+              <a:srgbClr val="FFC000"/>
             </a:solidFill>
             <a:ln>
               <a:noFill/>
@@ -12771,22 +13762,21 @@
             </a:fontRef>
           </p:style>
           <p:txBody>
-            <a:bodyPr spcFirstLastPara="0" vert="horz" wrap="square" lIns="22860" tIns="5715" rIns="22860" bIns="5715" numCol="1" spcCol="1270" anchor="ctr" anchorCtr="0">
+            <a:bodyPr spcFirstLastPara="0" vert="horz" wrap="square" lIns="18860" tIns="4715" rIns="18860" bIns="4715" numCol="1" spcCol="1270" anchor="ctr" anchorCtr="0">
               <a:noAutofit/>
               <a:flatTx/>
             </a:bodyPr>
             <a:lstStyle/>
             <a:p>
-              <a:pPr marL="0" lvl="0" indent="0" algn="ctr" defTabSz="400050">
+              <a:pPr algn="ctr" defTabSz="330044">
                 <a:spcBef>
                   <a:spcPct val="0"/>
                 </a:spcBef>
                 <a:spcAft>
                   <a:spcPct val="35000"/>
                 </a:spcAft>
-                <a:buNone/>
               </a:pPr>
-              <a:endParaRPr lang="en-US" sz="700" kern="1200" dirty="0">
+              <a:endParaRPr lang="en-US" sz="578" dirty="0">
                 <a:solidFill>
                   <a:schemeClr val="bg1"/>
                 </a:solidFill>
@@ -12796,10 +13786,10 @@
         </p:sp>
         <p:sp>
           <p:nvSpPr>
-            <p:cNvPr id="103" name="Rectangle 102" descr="decorative element">
+            <p:cNvPr id="41" name="Rectangle 40" descr="decorative element">
               <a:extLst>
                 <a:ext uri="{FF2B5EF4-FFF2-40B4-BE49-F238E27FC236}">
-                  <a16:creationId xmlns:a16="http://schemas.microsoft.com/office/drawing/2014/main" id="{E64A1889-BCAA-4C7A-8E49-B3A0F9AE5C68}"/>
+                  <a16:creationId xmlns:a16="http://schemas.microsoft.com/office/drawing/2014/main" id="{13E819F3-94D1-47EC-B9F2-FEDF0DD8A0F1}"/>
                 </a:ext>
               </a:extLst>
             </p:cNvPr>
@@ -12808,97 +13798,7 @@
           </p:nvSpPr>
           <p:spPr>
             <a:xfrm>
-              <a:off x="1240256" y="6385235"/>
-              <a:ext cx="108000" cy="108000"/>
-            </a:xfrm>
-            <a:prstGeom prst="rect">
-              <a:avLst/>
-            </a:prstGeom>
-            <a:solidFill>
-              <a:schemeClr val="accent5">
-                <a:lumMod val="60000"/>
-                <a:lumOff val="40000"/>
-              </a:schemeClr>
-            </a:solidFill>
-            <a:ln>
-              <a:noFill/>
-            </a:ln>
-            <a:effectLst/>
-            <a:scene3d>
-              <a:camera prst="orthographicFront"/>
-              <a:lightRig rig="brightRoom" dir="t"/>
-            </a:scene3d>
-            <a:sp3d extrusionH="127000"/>
-          </p:spPr>
-          <p:style>
-            <a:lnRef idx="2">
-              <a:schemeClr val="accent1">
-                <a:hueOff val="0"/>
-                <a:satOff val="0"/>
-                <a:lumOff val="0"/>
-                <a:alphaOff val="0"/>
-              </a:schemeClr>
-            </a:lnRef>
-            <a:fillRef idx="1">
-              <a:scrgbClr r="0" g="0" b="0"/>
-            </a:fillRef>
-            <a:effectRef idx="0">
-              <a:schemeClr val="lt1">
-                <a:alpha val="90000"/>
-                <a:hueOff val="0"/>
-                <a:satOff val="0"/>
-                <a:lumOff val="0"/>
-                <a:alphaOff val="0"/>
-              </a:schemeClr>
-            </a:effectRef>
-            <a:fontRef idx="minor">
-              <a:schemeClr val="dk1">
-                <a:hueOff val="0"/>
-                <a:satOff val="0"/>
-                <a:lumOff val="0"/>
-                <a:alphaOff val="0"/>
-              </a:schemeClr>
-            </a:fontRef>
-          </p:style>
-          <p:txBody>
-            <a:bodyPr spcFirstLastPara="0" vert="horz" wrap="square" lIns="22860" tIns="5715" rIns="22860" bIns="5715" numCol="1" spcCol="1270" anchor="ctr" anchorCtr="0">
-              <a:noAutofit/>
-              <a:flatTx/>
-            </a:bodyPr>
-            <a:lstStyle/>
-            <a:p>
-              <a:pPr marL="0" lvl="0" indent="0" algn="ctr" defTabSz="400050">
-                <a:spcBef>
-                  <a:spcPct val="0"/>
-                </a:spcBef>
-                <a:spcAft>
-                  <a:spcPct val="35000"/>
-                </a:spcAft>
-                <a:buNone/>
-              </a:pPr>
-              <a:endParaRPr lang="en-US" sz="700" kern="1200" dirty="0">
-                <a:solidFill>
-                  <a:schemeClr val="bg1"/>
-                </a:solidFill>
-              </a:endParaRPr>
-            </a:p>
-          </p:txBody>
-        </p:sp>
-        <p:sp>
-          <p:nvSpPr>
-            <p:cNvPr id="104" name="Rectangle 103" descr="decorative element">
-              <a:extLst>
-                <a:ext uri="{FF2B5EF4-FFF2-40B4-BE49-F238E27FC236}">
-                  <a16:creationId xmlns:a16="http://schemas.microsoft.com/office/drawing/2014/main" id="{E817AFC5-4B93-4742-BE4A-181478DEDEB0}"/>
-                </a:ext>
-              </a:extLst>
-            </p:cNvPr>
-            <p:cNvSpPr/>
-            <p:nvPr/>
-          </p:nvSpPr>
-          <p:spPr>
-            <a:xfrm>
-              <a:off x="563407" y="6385235"/>
+              <a:off x="693588" y="6385235"/>
               <a:ext cx="108000" cy="108000"/>
             </a:xfrm>
             <a:prstGeom prst="rect">
@@ -12948,22 +13848,21 @@
             </a:fontRef>
           </p:style>
           <p:txBody>
-            <a:bodyPr spcFirstLastPara="0" vert="horz" wrap="square" lIns="22860" tIns="5715" rIns="22860" bIns="5715" numCol="1" spcCol="1270" anchor="ctr" anchorCtr="0">
+            <a:bodyPr spcFirstLastPara="0" vert="horz" wrap="square" lIns="18860" tIns="4715" rIns="18860" bIns="4715" numCol="1" spcCol="1270" anchor="ctr" anchorCtr="0">
               <a:noAutofit/>
               <a:flatTx/>
             </a:bodyPr>
             <a:lstStyle/>
             <a:p>
-              <a:pPr marL="0" lvl="0" indent="0" algn="ctr" defTabSz="400050">
+              <a:pPr algn="ctr" defTabSz="330044">
                 <a:spcBef>
                   <a:spcPct val="0"/>
                 </a:spcBef>
                 <a:spcAft>
                   <a:spcPct val="35000"/>
                 </a:spcAft>
-                <a:buNone/>
               </a:pPr>
-              <a:endParaRPr lang="en-US" sz="700" kern="1200" dirty="0">
+              <a:endParaRPr lang="en-US" sz="578" dirty="0">
                 <a:solidFill>
                   <a:schemeClr val="bg1"/>
                 </a:solidFill>
@@ -12973,10 +13872,10 @@
         </p:sp>
         <p:sp>
           <p:nvSpPr>
-            <p:cNvPr id="106" name="Rectangle 105" descr="decorative element">
+            <p:cNvPr id="42" name="Rectangle 41" descr="decorative element">
               <a:extLst>
                 <a:ext uri="{FF2B5EF4-FFF2-40B4-BE49-F238E27FC236}">
-                  <a16:creationId xmlns:a16="http://schemas.microsoft.com/office/drawing/2014/main" id="{64FDFE56-35FC-4219-BE6A-3F2DE8741D6D}"/>
+                  <a16:creationId xmlns:a16="http://schemas.microsoft.com/office/drawing/2014/main" id="{E1BF5307-5216-4D73-8115-98BC7B55AC18}"/>
                 </a:ext>
               </a:extLst>
             </p:cNvPr>
@@ -12985,7 +13884,7 @@
           </p:nvSpPr>
           <p:spPr>
             <a:xfrm>
-              <a:off x="704347" y="6385235"/>
+              <a:off x="834529" y="6385235"/>
               <a:ext cx="542435" cy="108000"/>
             </a:xfrm>
             <a:prstGeom prst="rect">
@@ -13029,13 +13928,13 @@
             </a:fontRef>
           </p:style>
           <p:txBody>
-            <a:bodyPr spcFirstLastPara="0" vert="horz" wrap="square" lIns="5715" tIns="0" rIns="5715" bIns="0" numCol="1" spcCol="1270" anchor="ctr" anchorCtr="0">
+            <a:bodyPr spcFirstLastPara="0" vert="horz" wrap="square" lIns="4715" tIns="0" rIns="4715" bIns="0" numCol="1" spcCol="1270" anchor="ctr" anchorCtr="0">
               <a:noAutofit/>
               <a:flatTx/>
             </a:bodyPr>
             <a:lstStyle/>
             <a:p>
-              <a:pPr defTabSz="400050">
+              <a:pPr defTabSz="330044">
                 <a:spcBef>
                   <a:spcPct val="0"/>
                 </a:spcBef>
@@ -13044,7 +13943,7 @@
                 </a:spcAft>
               </a:pPr>
               <a:r>
-                <a:rPr lang="en-US" sz="1000" dirty="0">
+                <a:rPr lang="en-US" sz="825" dirty="0">
                   <a:solidFill>
                     <a:schemeClr val="tx1"/>
                   </a:solidFill>
@@ -13056,10 +13955,10 @@
         </p:sp>
         <p:sp>
           <p:nvSpPr>
-            <p:cNvPr id="107" name="Rectangle 106" descr="decorative element">
+            <p:cNvPr id="43" name="Rectangle 42" descr="decorative element">
               <a:extLst>
                 <a:ext uri="{FF2B5EF4-FFF2-40B4-BE49-F238E27FC236}">
-                  <a16:creationId xmlns:a16="http://schemas.microsoft.com/office/drawing/2014/main" id="{CD6F0887-42F9-4148-9645-61B5668ED2FE}"/>
+                  <a16:creationId xmlns:a16="http://schemas.microsoft.com/office/drawing/2014/main" id="{C1DF07CB-DF71-46D3-80D4-644D57BE4E67}"/>
                 </a:ext>
               </a:extLst>
             </p:cNvPr>
@@ -13068,7 +13967,7 @@
           </p:nvSpPr>
           <p:spPr>
             <a:xfrm>
-              <a:off x="1383007" y="6385235"/>
+              <a:off x="1911505" y="6385235"/>
               <a:ext cx="486599" cy="108000"/>
             </a:xfrm>
             <a:prstGeom prst="rect">
@@ -13112,13 +14011,13 @@
             </a:fontRef>
           </p:style>
           <p:txBody>
-            <a:bodyPr spcFirstLastPara="0" vert="horz" wrap="square" lIns="5715" tIns="0" rIns="5715" bIns="0" numCol="1" spcCol="1270" anchor="ctr" anchorCtr="0">
+            <a:bodyPr spcFirstLastPara="0" vert="horz" wrap="square" lIns="4715" tIns="0" rIns="4715" bIns="0" numCol="1" spcCol="1270" anchor="ctr" anchorCtr="0">
               <a:noAutofit/>
               <a:flatTx/>
             </a:bodyPr>
             <a:lstStyle/>
             <a:p>
-              <a:pPr defTabSz="400050">
+              <a:pPr defTabSz="330044">
                 <a:spcBef>
                   <a:spcPct val="0"/>
                 </a:spcBef>
@@ -13127,7 +14026,7 @@
                 </a:spcAft>
               </a:pPr>
               <a:r>
-                <a:rPr lang="en-US" sz="1000" dirty="0">
+                <a:rPr lang="en-US" sz="825" dirty="0">
                   <a:solidFill>
                     <a:schemeClr val="tx1"/>
                   </a:solidFill>
@@ -13139,10 +14038,10 @@
         </p:sp>
         <p:sp>
           <p:nvSpPr>
-            <p:cNvPr id="108" name="Rectangle 107" descr="decorative element">
+            <p:cNvPr id="44" name="Rectangle 43" descr="decorative element">
               <a:extLst>
                 <a:ext uri="{FF2B5EF4-FFF2-40B4-BE49-F238E27FC236}">
-                  <a16:creationId xmlns:a16="http://schemas.microsoft.com/office/drawing/2014/main" id="{E3A449C8-E85C-456C-8715-36E9EF8CA869}"/>
+                  <a16:creationId xmlns:a16="http://schemas.microsoft.com/office/drawing/2014/main" id="{C6C8A0DA-E887-47AD-B448-356BF6F8128B}"/>
                 </a:ext>
               </a:extLst>
             </p:cNvPr>
@@ -13151,90 +14050,7 @@
           </p:nvSpPr>
           <p:spPr>
             <a:xfrm>
-              <a:off x="2046240" y="6385235"/>
-              <a:ext cx="629350" cy="108000"/>
-            </a:xfrm>
-            <a:prstGeom prst="rect">
-              <a:avLst/>
-            </a:prstGeom>
-            <a:noFill/>
-            <a:ln w="3175">
-              <a:noFill/>
-            </a:ln>
-            <a:effectLst/>
-            <a:scene3d>
-              <a:camera prst="orthographicFront"/>
-              <a:lightRig rig="soft" dir="t"/>
-            </a:scene3d>
-            <a:sp3d extrusionH="127000" prstMaterial="matte">
-              <a:contourClr>
-                <a:schemeClr val="tx1">
-                  <a:lumMod val="50000"/>
-                  <a:lumOff val="50000"/>
-                </a:schemeClr>
-              </a:contourClr>
-            </a:sp3d>
-          </p:spPr>
-          <p:style>
-            <a:lnRef idx="2">
-              <a:scrgbClr r="0" g="0" b="0"/>
-            </a:lnRef>
-            <a:fillRef idx="1">
-              <a:scrgbClr r="0" g="0" b="0"/>
-            </a:fillRef>
-            <a:effectRef idx="0">
-              <a:schemeClr val="accent1">
-                <a:hueOff val="0"/>
-                <a:satOff val="0"/>
-                <a:lumOff val="0"/>
-                <a:alphaOff val="0"/>
-              </a:schemeClr>
-            </a:effectRef>
-            <a:fontRef idx="minor">
-              <a:schemeClr val="lt1"/>
-            </a:fontRef>
-          </p:style>
-          <p:txBody>
-            <a:bodyPr spcFirstLastPara="0" vert="horz" wrap="square" lIns="5715" tIns="0" rIns="5715" bIns="0" numCol="1" spcCol="1270" anchor="ctr" anchorCtr="0">
-              <a:noAutofit/>
-              <a:flatTx/>
-            </a:bodyPr>
-            <a:lstStyle/>
-            <a:p>
-              <a:pPr defTabSz="400050">
-                <a:spcBef>
-                  <a:spcPct val="0"/>
-                </a:spcBef>
-                <a:spcAft>
-                  <a:spcPct val="35000"/>
-                </a:spcAft>
-              </a:pPr>
-              <a:r>
-                <a:rPr lang="en-US" sz="1000" dirty="0">
-                  <a:solidFill>
-                    <a:schemeClr val="tx1"/>
-                  </a:solidFill>
-                </a:rPr>
-                <a:t>Avionics</a:t>
-              </a:r>
-            </a:p>
-          </p:txBody>
-        </p:sp>
-        <p:sp>
-          <p:nvSpPr>
-            <p:cNvPr id="109" name="Rectangle 108" descr="decorative element">
-              <a:extLst>
-                <a:ext uri="{FF2B5EF4-FFF2-40B4-BE49-F238E27FC236}">
-                  <a16:creationId xmlns:a16="http://schemas.microsoft.com/office/drawing/2014/main" id="{2F13B98B-06D2-4F4B-85E9-A2E77C462865}"/>
-                </a:ext>
-              </a:extLst>
-            </p:cNvPr>
-            <p:cNvSpPr/>
-            <p:nvPr/>
-          </p:nvSpPr>
-          <p:spPr>
-            <a:xfrm>
-              <a:off x="3230194" y="6385235"/>
+              <a:off x="3219614" y="6385235"/>
               <a:ext cx="108000" cy="108000"/>
             </a:xfrm>
             <a:prstGeom prst="rect">
@@ -13284,22 +14100,21 @@
             </a:fontRef>
           </p:style>
           <p:txBody>
-            <a:bodyPr spcFirstLastPara="0" vert="horz" wrap="square" lIns="22860" tIns="5715" rIns="22860" bIns="5715" numCol="1" spcCol="1270" anchor="ctr" anchorCtr="0">
+            <a:bodyPr spcFirstLastPara="0" vert="horz" wrap="square" lIns="18860" tIns="4715" rIns="18860" bIns="4715" numCol="1" spcCol="1270" anchor="ctr" anchorCtr="0">
               <a:noAutofit/>
               <a:flatTx/>
             </a:bodyPr>
             <a:lstStyle/>
             <a:p>
-              <a:pPr marL="0" lvl="0" indent="0" algn="ctr" defTabSz="400050">
+              <a:pPr algn="ctr" defTabSz="330044">
                 <a:spcBef>
                   <a:spcPct val="0"/>
                 </a:spcBef>
                 <a:spcAft>
                   <a:spcPct val="35000"/>
                 </a:spcAft>
-                <a:buNone/>
               </a:pPr>
-              <a:endParaRPr lang="en-US" sz="700" kern="1200" dirty="0">
+              <a:endParaRPr lang="en-US" sz="578" dirty="0">
                 <a:solidFill>
                   <a:schemeClr val="bg1"/>
                 </a:solidFill>
@@ -13309,10 +14124,10 @@
         </p:sp>
         <p:sp>
           <p:nvSpPr>
-            <p:cNvPr id="110" name="Rectangle 109" descr="decorative element">
+            <p:cNvPr id="45" name="Rectangle 44" descr="decorative element">
               <a:extLst>
                 <a:ext uri="{FF2B5EF4-FFF2-40B4-BE49-F238E27FC236}">
-                  <a16:creationId xmlns:a16="http://schemas.microsoft.com/office/drawing/2014/main" id="{1DD2ADB5-CC02-4890-8CB0-45A715F854AC}"/>
+                  <a16:creationId xmlns:a16="http://schemas.microsoft.com/office/drawing/2014/main" id="{513B8281-E08C-49CE-9A4D-0F31AEAEBA31}"/>
                 </a:ext>
               </a:extLst>
             </p:cNvPr>
@@ -13321,7 +14136,7 @@
           </p:nvSpPr>
           <p:spPr>
             <a:xfrm>
-              <a:off x="2587255" y="6385235"/>
+              <a:off x="2569791" y="6385235"/>
               <a:ext cx="108000" cy="108000"/>
             </a:xfrm>
             <a:prstGeom prst="rect">
@@ -13371,22 +14186,21 @@
             </a:fontRef>
           </p:style>
           <p:txBody>
-            <a:bodyPr spcFirstLastPara="0" vert="horz" wrap="square" lIns="22860" tIns="5715" rIns="22860" bIns="5715" numCol="1" spcCol="1270" anchor="ctr" anchorCtr="0">
+            <a:bodyPr spcFirstLastPara="0" vert="horz" wrap="square" lIns="18860" tIns="4715" rIns="18860" bIns="4715" numCol="1" spcCol="1270" anchor="ctr" anchorCtr="0">
               <a:noAutofit/>
               <a:flatTx/>
             </a:bodyPr>
             <a:lstStyle/>
             <a:p>
-              <a:pPr marL="0" lvl="0" indent="0" algn="ctr" defTabSz="400050">
+              <a:pPr algn="ctr" defTabSz="330044">
                 <a:spcBef>
                   <a:spcPct val="0"/>
                 </a:spcBef>
                 <a:spcAft>
                   <a:spcPct val="35000"/>
                 </a:spcAft>
-                <a:buNone/>
               </a:pPr>
-              <a:endParaRPr lang="en-US" sz="700" kern="1200" dirty="0">
+              <a:endParaRPr lang="en-US" sz="578" dirty="0">
                 <a:solidFill>
                   <a:schemeClr val="bg1"/>
                 </a:solidFill>
@@ -13396,10 +14210,10 @@
         </p:sp>
         <p:sp>
           <p:nvSpPr>
-            <p:cNvPr id="111" name="Rectangle 110" descr="decorative element">
+            <p:cNvPr id="47" name="Rectangle 46" descr="decorative element">
               <a:extLst>
                 <a:ext uri="{FF2B5EF4-FFF2-40B4-BE49-F238E27FC236}">
-                  <a16:creationId xmlns:a16="http://schemas.microsoft.com/office/drawing/2014/main" id="{590A891C-8FC9-477A-9258-5D8D0E4E9736}"/>
+                  <a16:creationId xmlns:a16="http://schemas.microsoft.com/office/drawing/2014/main" id="{53915F2D-FE92-4671-8262-9D84702E9161}"/>
                 </a:ext>
               </a:extLst>
             </p:cNvPr>
@@ -13408,8 +14222,8 @@
           </p:nvSpPr>
           <p:spPr>
             <a:xfrm>
-              <a:off x="2728195" y="6385235"/>
-              <a:ext cx="542435" cy="108000"/>
+              <a:off x="2712540" y="6385237"/>
+              <a:ext cx="260939" cy="107996"/>
             </a:xfrm>
             <a:prstGeom prst="rect">
               <a:avLst/>
@@ -13452,13 +14266,13 @@
             </a:fontRef>
           </p:style>
           <p:txBody>
-            <a:bodyPr spcFirstLastPara="0" vert="horz" wrap="square" lIns="5715" tIns="0" rIns="5715" bIns="0" numCol="1" spcCol="1270" anchor="ctr" anchorCtr="0">
+            <a:bodyPr spcFirstLastPara="0" vert="horz" wrap="square" lIns="4715" tIns="0" rIns="4715" bIns="0" numCol="1" spcCol="1270" anchor="ctr" anchorCtr="0">
               <a:noAutofit/>
               <a:flatTx/>
             </a:bodyPr>
             <a:lstStyle/>
             <a:p>
-              <a:pPr defTabSz="400050">
+              <a:pPr defTabSz="330044">
                 <a:spcBef>
                   <a:spcPct val="0"/>
                 </a:spcBef>
@@ -13467,22 +14281,27 @@
                 </a:spcAft>
               </a:pPr>
               <a:r>
-                <a:rPr lang="en-US" sz="1000" dirty="0">
+                <a:rPr lang="en-US" sz="825" dirty="0">
                   <a:solidFill>
                     <a:schemeClr val="tx1"/>
                   </a:solidFill>
                 </a:rPr>
-                <a:t>Payload/Recovery</a:t>
+                <a:t>Avionics</a:t>
               </a:r>
+              <a:endParaRPr lang="en-US" sz="825" dirty="0">
+                <a:solidFill>
+                  <a:schemeClr val="tx1"/>
+                </a:solidFill>
+              </a:endParaRPr>
             </a:p>
           </p:txBody>
         </p:sp>
         <p:sp>
           <p:nvSpPr>
-            <p:cNvPr id="112" name="Rectangle 111" descr="decorative element">
+            <p:cNvPr id="48" name="Rectangle 47" descr="decorative element">
               <a:extLst>
                 <a:ext uri="{FF2B5EF4-FFF2-40B4-BE49-F238E27FC236}">
-                  <a16:creationId xmlns:a16="http://schemas.microsoft.com/office/drawing/2014/main" id="{752BF03B-694B-4F3F-8B33-C93AA75BCFD7}"/>
+                  <a16:creationId xmlns:a16="http://schemas.microsoft.com/office/drawing/2014/main" id="{5F7DF463-90E1-4EB4-9CC1-CDB423A17624}"/>
                 </a:ext>
               </a:extLst>
             </p:cNvPr>
@@ -13491,7 +14310,7 @@
           </p:nvSpPr>
           <p:spPr>
             <a:xfrm>
-              <a:off x="3372945" y="6385235"/>
+              <a:off x="3362363" y="6385235"/>
               <a:ext cx="486599" cy="108000"/>
             </a:xfrm>
             <a:prstGeom prst="rect">
@@ -13535,13 +14354,13 @@
             </a:fontRef>
           </p:style>
           <p:txBody>
-            <a:bodyPr spcFirstLastPara="0" vert="horz" wrap="square" lIns="5715" tIns="0" rIns="5715" bIns="0" numCol="1" spcCol="1270" anchor="ctr" anchorCtr="0">
+            <a:bodyPr spcFirstLastPara="0" vert="horz" wrap="square" lIns="4715" tIns="0" rIns="4715" bIns="0" numCol="1" spcCol="1270" anchor="ctr" anchorCtr="0">
               <a:noAutofit/>
               <a:flatTx/>
             </a:bodyPr>
             <a:lstStyle/>
             <a:p>
-              <a:pPr defTabSz="400050">
+              <a:pPr defTabSz="330044">
                 <a:spcBef>
                   <a:spcPct val="0"/>
                 </a:spcBef>
@@ -13550,7 +14369,7 @@
                 </a:spcAft>
               </a:pPr>
               <a:r>
-                <a:rPr lang="en-US" sz="1000" dirty="0">
+                <a:rPr lang="en-US" sz="825" dirty="0">
                   <a:solidFill>
                     <a:schemeClr val="tx1"/>
                   </a:solidFill>
@@ -13561,662 +14380,6 @@
           </p:txBody>
         </p:sp>
       </p:grpSp>
-      <p:cxnSp>
-        <p:nvCxnSpPr>
-          <p:cNvPr id="6" name="Straight Arrow Connector 5">
-            <a:extLst>
-              <a:ext uri="{FF2B5EF4-FFF2-40B4-BE49-F238E27FC236}">
-                <a16:creationId xmlns:a16="http://schemas.microsoft.com/office/drawing/2014/main" id="{57190B44-E811-4217-84DF-03CECB2DEBA5}"/>
-              </a:ext>
-            </a:extLst>
-          </p:cNvPr>
-          <p:cNvCxnSpPr>
-            <a:stCxn id="3" idx="3"/>
-            <a:endCxn id="91" idx="1"/>
-          </p:cNvCxnSpPr>
-          <p:nvPr/>
-        </p:nvCxnSpPr>
-        <p:spPr>
-          <a:xfrm>
-            <a:off x="3968316" y="1570639"/>
-            <a:ext cx="494193" cy="429056"/>
-          </a:xfrm>
-          <a:prstGeom prst="straightConnector1">
-            <a:avLst/>
-          </a:prstGeom>
-          <a:ln>
-            <a:tailEnd type="triangle"/>
-          </a:ln>
-        </p:spPr>
-        <p:style>
-          <a:lnRef idx="2">
-            <a:schemeClr val="dk1"/>
-          </a:lnRef>
-          <a:fillRef idx="0">
-            <a:schemeClr val="dk1"/>
-          </a:fillRef>
-          <a:effectRef idx="1">
-            <a:schemeClr val="dk1"/>
-          </a:effectRef>
-          <a:fontRef idx="minor">
-            <a:schemeClr val="tx1"/>
-          </a:fontRef>
-        </p:style>
-      </p:cxnSp>
-      <p:cxnSp>
-        <p:nvCxnSpPr>
-          <p:cNvPr id="113" name="Straight Arrow Connector 112">
-            <a:extLst>
-              <a:ext uri="{FF2B5EF4-FFF2-40B4-BE49-F238E27FC236}">
-                <a16:creationId xmlns:a16="http://schemas.microsoft.com/office/drawing/2014/main" id="{C2A0A60F-6CE6-4675-B556-296C960DD3BA}"/>
-              </a:ext>
-            </a:extLst>
-          </p:cNvPr>
-          <p:cNvCxnSpPr>
-            <a:cxnSpLocks/>
-            <a:stCxn id="79" idx="3"/>
-            <a:endCxn id="91" idx="1"/>
-          </p:cNvCxnSpPr>
-          <p:nvPr/>
-        </p:nvCxnSpPr>
-        <p:spPr>
-          <a:xfrm flipV="1">
-            <a:off x="3968316" y="1999695"/>
-            <a:ext cx="494193" cy="502296"/>
-          </a:xfrm>
-          <a:prstGeom prst="straightConnector1">
-            <a:avLst/>
-          </a:prstGeom>
-          <a:ln>
-            <a:tailEnd type="triangle"/>
-          </a:ln>
-        </p:spPr>
-        <p:style>
-          <a:lnRef idx="2">
-            <a:schemeClr val="dk1"/>
-          </a:lnRef>
-          <a:fillRef idx="0">
-            <a:schemeClr val="dk1"/>
-          </a:fillRef>
-          <a:effectRef idx="1">
-            <a:schemeClr val="dk1"/>
-          </a:effectRef>
-          <a:fontRef idx="minor">
-            <a:schemeClr val="tx1"/>
-          </a:fontRef>
-        </p:style>
-      </p:cxnSp>
-      <p:cxnSp>
-        <p:nvCxnSpPr>
-          <p:cNvPr id="114" name="Straight Arrow Connector 113">
-            <a:extLst>
-              <a:ext uri="{FF2B5EF4-FFF2-40B4-BE49-F238E27FC236}">
-                <a16:creationId xmlns:a16="http://schemas.microsoft.com/office/drawing/2014/main" id="{CF523386-286F-4AB7-B85A-AAADDD74CECE}"/>
-              </a:ext>
-            </a:extLst>
-          </p:cNvPr>
-          <p:cNvCxnSpPr>
-            <a:cxnSpLocks/>
-            <a:stCxn id="88" idx="3"/>
-            <a:endCxn id="91" idx="1"/>
-          </p:cNvCxnSpPr>
-          <p:nvPr/>
-        </p:nvCxnSpPr>
-        <p:spPr>
-          <a:xfrm flipV="1">
-            <a:off x="3968316" y="1999695"/>
-            <a:ext cx="494193" cy="1429305"/>
-          </a:xfrm>
-          <a:prstGeom prst="straightConnector1">
-            <a:avLst/>
-          </a:prstGeom>
-          <a:ln>
-            <a:tailEnd type="triangle"/>
-          </a:ln>
-        </p:spPr>
-        <p:style>
-          <a:lnRef idx="1">
-            <a:schemeClr val="dk1"/>
-          </a:lnRef>
-          <a:fillRef idx="0">
-            <a:schemeClr val="dk1"/>
-          </a:fillRef>
-          <a:effectRef idx="0">
-            <a:schemeClr val="dk1"/>
-          </a:effectRef>
-          <a:fontRef idx="minor">
-            <a:schemeClr val="tx1"/>
-          </a:fontRef>
-        </p:style>
-      </p:cxnSp>
-      <p:cxnSp>
-        <p:nvCxnSpPr>
-          <p:cNvPr id="115" name="Straight Arrow Connector 114">
-            <a:extLst>
-              <a:ext uri="{FF2B5EF4-FFF2-40B4-BE49-F238E27FC236}">
-                <a16:creationId xmlns:a16="http://schemas.microsoft.com/office/drawing/2014/main" id="{0608B507-570C-4398-9E2E-99D4FE44A2DB}"/>
-              </a:ext>
-            </a:extLst>
-          </p:cNvPr>
-          <p:cNvCxnSpPr>
-            <a:cxnSpLocks/>
-            <a:stCxn id="80" idx="3"/>
-            <a:endCxn id="91" idx="1"/>
-          </p:cNvCxnSpPr>
-          <p:nvPr/>
-        </p:nvCxnSpPr>
-        <p:spPr>
-          <a:xfrm flipV="1">
-            <a:off x="3968316" y="1999695"/>
-            <a:ext cx="494193" cy="2354960"/>
-          </a:xfrm>
-          <a:prstGeom prst="straightConnector1">
-            <a:avLst/>
-          </a:prstGeom>
-          <a:ln>
-            <a:tailEnd type="triangle"/>
-          </a:ln>
-        </p:spPr>
-        <p:style>
-          <a:lnRef idx="1">
-            <a:schemeClr val="dk1"/>
-          </a:lnRef>
-          <a:fillRef idx="0">
-            <a:schemeClr val="dk1"/>
-          </a:fillRef>
-          <a:effectRef idx="0">
-            <a:schemeClr val="dk1"/>
-          </a:effectRef>
-          <a:fontRef idx="minor">
-            <a:schemeClr val="tx1"/>
-          </a:fontRef>
-        </p:style>
-      </p:cxnSp>
-      <p:cxnSp>
-        <p:nvCxnSpPr>
-          <p:cNvPr id="116" name="Straight Arrow Connector 115">
-            <a:extLst>
-              <a:ext uri="{FF2B5EF4-FFF2-40B4-BE49-F238E27FC236}">
-                <a16:creationId xmlns:a16="http://schemas.microsoft.com/office/drawing/2014/main" id="{02F94221-1FA8-466F-8058-B71D6D3B90F9}"/>
-              </a:ext>
-            </a:extLst>
-          </p:cNvPr>
-          <p:cNvCxnSpPr>
-            <a:cxnSpLocks/>
-            <a:stCxn id="81" idx="3"/>
-            <a:endCxn id="91" idx="1"/>
-          </p:cNvCxnSpPr>
-          <p:nvPr/>
-        </p:nvCxnSpPr>
-        <p:spPr>
-          <a:xfrm flipV="1">
-            <a:off x="3968315" y="1999695"/>
-            <a:ext cx="494194" cy="3280615"/>
-          </a:xfrm>
-          <a:prstGeom prst="straightConnector1">
-            <a:avLst/>
-          </a:prstGeom>
-          <a:ln>
-            <a:tailEnd type="triangle"/>
-          </a:ln>
-        </p:spPr>
-        <p:style>
-          <a:lnRef idx="1">
-            <a:schemeClr val="dk1"/>
-          </a:lnRef>
-          <a:fillRef idx="0">
-            <a:schemeClr val="dk1"/>
-          </a:fillRef>
-          <a:effectRef idx="0">
-            <a:schemeClr val="dk1"/>
-          </a:effectRef>
-          <a:fontRef idx="minor">
-            <a:schemeClr val="tx1"/>
-          </a:fontRef>
-        </p:style>
-      </p:cxnSp>
-      <p:cxnSp>
-        <p:nvCxnSpPr>
-          <p:cNvPr id="117" name="Straight Arrow Connector 116">
-            <a:extLst>
-              <a:ext uri="{FF2B5EF4-FFF2-40B4-BE49-F238E27FC236}">
-                <a16:creationId xmlns:a16="http://schemas.microsoft.com/office/drawing/2014/main" id="{A7021823-6076-4FF4-B2E4-EFAC09A1CB40}"/>
-              </a:ext>
-            </a:extLst>
-          </p:cNvPr>
-          <p:cNvCxnSpPr>
-            <a:cxnSpLocks/>
-            <a:stCxn id="82" idx="3"/>
-            <a:endCxn id="92" idx="1"/>
-          </p:cNvCxnSpPr>
-          <p:nvPr/>
-        </p:nvCxnSpPr>
-        <p:spPr>
-          <a:xfrm flipV="1">
-            <a:off x="3968314" y="5719441"/>
-            <a:ext cx="494196" cy="486524"/>
-          </a:xfrm>
-          <a:prstGeom prst="straightConnector1">
-            <a:avLst/>
-          </a:prstGeom>
-          <a:ln>
-            <a:tailEnd type="triangle"/>
-          </a:ln>
-        </p:spPr>
-        <p:style>
-          <a:lnRef idx="2">
-            <a:schemeClr val="dk1"/>
-          </a:lnRef>
-          <a:fillRef idx="0">
-            <a:schemeClr val="dk1"/>
-          </a:fillRef>
-          <a:effectRef idx="1">
-            <a:schemeClr val="dk1"/>
-          </a:effectRef>
-          <a:fontRef idx="minor">
-            <a:schemeClr val="tx1"/>
-          </a:fontRef>
-        </p:style>
-      </p:cxnSp>
-      <p:cxnSp>
-        <p:nvCxnSpPr>
-          <p:cNvPr id="119" name="Straight Arrow Connector 118">
-            <a:extLst>
-              <a:ext uri="{FF2B5EF4-FFF2-40B4-BE49-F238E27FC236}">
-                <a16:creationId xmlns:a16="http://schemas.microsoft.com/office/drawing/2014/main" id="{FF844689-6EF9-4350-8B23-52A8F5424A88}"/>
-              </a:ext>
-            </a:extLst>
-          </p:cNvPr>
-          <p:cNvCxnSpPr>
-            <a:cxnSpLocks/>
-            <a:stCxn id="81" idx="3"/>
-            <a:endCxn id="92" idx="1"/>
-          </p:cNvCxnSpPr>
-          <p:nvPr/>
-        </p:nvCxnSpPr>
-        <p:spPr>
-          <a:xfrm>
-            <a:off x="3968315" y="5280310"/>
-            <a:ext cx="494195" cy="439131"/>
-          </a:xfrm>
-          <a:prstGeom prst="straightConnector1">
-            <a:avLst/>
-          </a:prstGeom>
-          <a:ln>
-            <a:tailEnd type="triangle"/>
-          </a:ln>
-        </p:spPr>
-        <p:style>
-          <a:lnRef idx="2">
-            <a:schemeClr val="dk1"/>
-          </a:lnRef>
-          <a:fillRef idx="0">
-            <a:schemeClr val="dk1"/>
-          </a:fillRef>
-          <a:effectRef idx="1">
-            <a:schemeClr val="dk1"/>
-          </a:effectRef>
-          <a:fontRef idx="minor">
-            <a:schemeClr val="tx1"/>
-          </a:fontRef>
-        </p:style>
-      </p:cxnSp>
-      <p:cxnSp>
-        <p:nvCxnSpPr>
-          <p:cNvPr id="120" name="Straight Arrow Connector 119">
-            <a:extLst>
-              <a:ext uri="{FF2B5EF4-FFF2-40B4-BE49-F238E27FC236}">
-                <a16:creationId xmlns:a16="http://schemas.microsoft.com/office/drawing/2014/main" id="{A0944492-9974-4B08-AB26-49CAE125E5F8}"/>
-              </a:ext>
-            </a:extLst>
-          </p:cNvPr>
-          <p:cNvCxnSpPr>
-            <a:cxnSpLocks/>
-            <a:stCxn id="80" idx="3"/>
-            <a:endCxn id="92" idx="1"/>
-          </p:cNvCxnSpPr>
-          <p:nvPr/>
-        </p:nvCxnSpPr>
-        <p:spPr>
-          <a:xfrm>
-            <a:off x="3968316" y="4354655"/>
-            <a:ext cx="494194" cy="1364786"/>
-          </a:xfrm>
-          <a:prstGeom prst="straightConnector1">
-            <a:avLst/>
-          </a:prstGeom>
-          <a:ln>
-            <a:tailEnd type="triangle"/>
-          </a:ln>
-        </p:spPr>
-        <p:style>
-          <a:lnRef idx="1">
-            <a:schemeClr val="dk1"/>
-          </a:lnRef>
-          <a:fillRef idx="0">
-            <a:schemeClr val="dk1"/>
-          </a:fillRef>
-          <a:effectRef idx="0">
-            <a:schemeClr val="dk1"/>
-          </a:effectRef>
-          <a:fontRef idx="minor">
-            <a:schemeClr val="tx1"/>
-          </a:fontRef>
-        </p:style>
-      </p:cxnSp>
-      <p:cxnSp>
-        <p:nvCxnSpPr>
-          <p:cNvPr id="123" name="Straight Arrow Connector 122">
-            <a:extLst>
-              <a:ext uri="{FF2B5EF4-FFF2-40B4-BE49-F238E27FC236}">
-                <a16:creationId xmlns:a16="http://schemas.microsoft.com/office/drawing/2014/main" id="{BF4AB7E1-BD15-4554-8C5D-04B5CD782D44}"/>
-              </a:ext>
-            </a:extLst>
-          </p:cNvPr>
-          <p:cNvCxnSpPr>
-            <a:cxnSpLocks/>
-            <a:stCxn id="88" idx="3"/>
-            <a:endCxn id="92" idx="1"/>
-          </p:cNvCxnSpPr>
-          <p:nvPr/>
-        </p:nvCxnSpPr>
-        <p:spPr>
-          <a:xfrm>
-            <a:off x="3968316" y="3429000"/>
-            <a:ext cx="494194" cy="2290441"/>
-          </a:xfrm>
-          <a:prstGeom prst="straightConnector1">
-            <a:avLst/>
-          </a:prstGeom>
-          <a:ln>
-            <a:tailEnd type="triangle"/>
-          </a:ln>
-        </p:spPr>
-        <p:style>
-          <a:lnRef idx="1">
-            <a:schemeClr val="dk1"/>
-          </a:lnRef>
-          <a:fillRef idx="0">
-            <a:schemeClr val="dk1"/>
-          </a:fillRef>
-          <a:effectRef idx="0">
-            <a:schemeClr val="dk1"/>
-          </a:effectRef>
-          <a:fontRef idx="minor">
-            <a:schemeClr val="tx1"/>
-          </a:fontRef>
-        </p:style>
-      </p:cxnSp>
-      <p:cxnSp>
-        <p:nvCxnSpPr>
-          <p:cNvPr id="126" name="Straight Arrow Connector 125">
-            <a:extLst>
-              <a:ext uri="{FF2B5EF4-FFF2-40B4-BE49-F238E27FC236}">
-                <a16:creationId xmlns:a16="http://schemas.microsoft.com/office/drawing/2014/main" id="{038EEBA7-E493-4A12-9E7C-881758320944}"/>
-              </a:ext>
-            </a:extLst>
-          </p:cNvPr>
-          <p:cNvCxnSpPr>
-            <a:cxnSpLocks/>
-            <a:stCxn id="91" idx="3"/>
-            <a:endCxn id="93" idx="1"/>
-          </p:cNvCxnSpPr>
-          <p:nvPr/>
-        </p:nvCxnSpPr>
-        <p:spPr>
-          <a:xfrm>
-            <a:off x="7998780" y="1999695"/>
-            <a:ext cx="955834" cy="1752470"/>
-          </a:xfrm>
-          <a:prstGeom prst="straightConnector1">
-            <a:avLst/>
-          </a:prstGeom>
-          <a:ln>
-            <a:tailEnd type="triangle"/>
-          </a:ln>
-        </p:spPr>
-        <p:style>
-          <a:lnRef idx="3">
-            <a:schemeClr val="dk1"/>
-          </a:lnRef>
-          <a:fillRef idx="0">
-            <a:schemeClr val="dk1"/>
-          </a:fillRef>
-          <a:effectRef idx="2">
-            <a:schemeClr val="dk1"/>
-          </a:effectRef>
-          <a:fontRef idx="minor">
-            <a:schemeClr val="tx1"/>
-          </a:fontRef>
-        </p:style>
-      </p:cxnSp>
-      <p:cxnSp>
-        <p:nvCxnSpPr>
-          <p:cNvPr id="129" name="Straight Arrow Connector 128">
-            <a:extLst>
-              <a:ext uri="{FF2B5EF4-FFF2-40B4-BE49-F238E27FC236}">
-                <a16:creationId xmlns:a16="http://schemas.microsoft.com/office/drawing/2014/main" id="{7D42304D-EF0A-48D7-AC32-75B381FB8C7B}"/>
-              </a:ext>
-            </a:extLst>
-          </p:cNvPr>
-          <p:cNvCxnSpPr>
-            <a:cxnSpLocks/>
-            <a:stCxn id="92" idx="3"/>
-            <a:endCxn id="93" idx="1"/>
-          </p:cNvCxnSpPr>
-          <p:nvPr/>
-        </p:nvCxnSpPr>
-        <p:spPr>
-          <a:xfrm flipV="1">
-            <a:off x="7998780" y="3752165"/>
-            <a:ext cx="955834" cy="1967276"/>
-          </a:xfrm>
-          <a:prstGeom prst="straightConnector1">
-            <a:avLst/>
-          </a:prstGeom>
-          <a:ln>
-            <a:tailEnd type="triangle"/>
-          </a:ln>
-        </p:spPr>
-        <p:style>
-          <a:lnRef idx="3">
-            <a:schemeClr val="dk1"/>
-          </a:lnRef>
-          <a:fillRef idx="0">
-            <a:schemeClr val="dk1"/>
-          </a:fillRef>
-          <a:effectRef idx="2">
-            <a:schemeClr val="dk1"/>
-          </a:effectRef>
-          <a:fontRef idx="minor">
-            <a:schemeClr val="tx1"/>
-          </a:fontRef>
-        </p:style>
-      </p:cxnSp>
-      <p:cxnSp>
-        <p:nvCxnSpPr>
-          <p:cNvPr id="132" name="Straight Arrow Connector 131">
-            <a:extLst>
-              <a:ext uri="{FF2B5EF4-FFF2-40B4-BE49-F238E27FC236}">
-                <a16:creationId xmlns:a16="http://schemas.microsoft.com/office/drawing/2014/main" id="{31932B24-A914-47A0-B83D-0C371870FA23}"/>
-              </a:ext>
-            </a:extLst>
-          </p:cNvPr>
-          <p:cNvCxnSpPr>
-            <a:cxnSpLocks/>
-            <a:stCxn id="88" idx="3"/>
-            <a:endCxn id="93" idx="1"/>
-          </p:cNvCxnSpPr>
-          <p:nvPr/>
-        </p:nvCxnSpPr>
-        <p:spPr>
-          <a:xfrm>
-            <a:off x="3968316" y="3429000"/>
-            <a:ext cx="4986298" cy="323165"/>
-          </a:xfrm>
-          <a:prstGeom prst="straightConnector1">
-            <a:avLst/>
-          </a:prstGeom>
-          <a:ln>
-            <a:tailEnd type="triangle"/>
-          </a:ln>
-        </p:spPr>
-        <p:style>
-          <a:lnRef idx="3">
-            <a:schemeClr val="dk1"/>
-          </a:lnRef>
-          <a:fillRef idx="0">
-            <a:schemeClr val="dk1"/>
-          </a:fillRef>
-          <a:effectRef idx="2">
-            <a:schemeClr val="dk1"/>
-          </a:effectRef>
-          <a:fontRef idx="minor">
-            <a:schemeClr val="tx1"/>
-          </a:fontRef>
-        </p:style>
-      </p:cxnSp>
-      <p:cxnSp>
-        <p:nvCxnSpPr>
-          <p:cNvPr id="135" name="Straight Arrow Connector 134">
-            <a:extLst>
-              <a:ext uri="{FF2B5EF4-FFF2-40B4-BE49-F238E27FC236}">
-                <a16:creationId xmlns:a16="http://schemas.microsoft.com/office/drawing/2014/main" id="{F6BFF292-C6D6-4E4A-A99A-CD33694D6C07}"/>
-              </a:ext>
-            </a:extLst>
-          </p:cNvPr>
-          <p:cNvCxnSpPr>
-            <a:cxnSpLocks/>
-            <a:stCxn id="80" idx="3"/>
-            <a:endCxn id="93" idx="1"/>
-          </p:cNvCxnSpPr>
-          <p:nvPr/>
-        </p:nvCxnSpPr>
-        <p:spPr>
-          <a:xfrm flipV="1">
-            <a:off x="3968316" y="3752165"/>
-            <a:ext cx="4986298" cy="602490"/>
-          </a:xfrm>
-          <a:prstGeom prst="straightConnector1">
-            <a:avLst/>
-          </a:prstGeom>
-          <a:ln>
-            <a:tailEnd type="triangle"/>
-          </a:ln>
-        </p:spPr>
-        <p:style>
-          <a:lnRef idx="3">
-            <a:schemeClr val="dk1"/>
-          </a:lnRef>
-          <a:fillRef idx="0">
-            <a:schemeClr val="dk1"/>
-          </a:fillRef>
-          <a:effectRef idx="2">
-            <a:schemeClr val="dk1"/>
-          </a:effectRef>
-          <a:fontRef idx="minor">
-            <a:schemeClr val="tx1"/>
-          </a:fontRef>
-        </p:style>
-      </p:cxnSp>
-      <p:sp>
-        <p:nvSpPr>
-          <p:cNvPr id="46" name="Star: 5 Points 45">
-            <a:extLst>
-              <a:ext uri="{FF2B5EF4-FFF2-40B4-BE49-F238E27FC236}">
-                <a16:creationId xmlns:a16="http://schemas.microsoft.com/office/drawing/2014/main" id="{A6134AAE-0374-4139-9D60-201B4DAC8FB2}"/>
-              </a:ext>
-            </a:extLst>
-          </p:cNvPr>
-          <p:cNvSpPr/>
-          <p:nvPr/>
-        </p:nvSpPr>
-        <p:spPr>
-          <a:xfrm>
-            <a:off x="128726" y="4142103"/>
-            <a:ext cx="435006" cy="425101"/>
-          </a:xfrm>
-          <a:prstGeom prst="star5">
-            <a:avLst/>
-          </a:prstGeom>
-          <a:solidFill>
-            <a:schemeClr val="tx1"/>
-          </a:solidFill>
-        </p:spPr>
-        <p:style>
-          <a:lnRef idx="2">
-            <a:schemeClr val="accent1">
-              <a:shade val="50000"/>
-            </a:schemeClr>
-          </a:lnRef>
-          <a:fillRef idx="1">
-            <a:schemeClr val="accent1"/>
-          </a:fillRef>
-          <a:effectRef idx="0">
-            <a:schemeClr val="accent1"/>
-          </a:effectRef>
-          <a:fontRef idx="minor">
-            <a:schemeClr val="lt1"/>
-          </a:fontRef>
-        </p:style>
-        <p:txBody>
-          <a:bodyPr rtlCol="0" anchor="ctr"/>
-          <a:lstStyle/>
-          <a:p>
-            <a:pPr algn="ctr"/>
-            <a:endParaRPr lang="en-US"/>
-          </a:p>
-        </p:txBody>
-      </p:sp>
-      <p:sp>
-        <p:nvSpPr>
-          <p:cNvPr id="139" name="Star: 5 Points 138">
-            <a:extLst>
-              <a:ext uri="{FF2B5EF4-FFF2-40B4-BE49-F238E27FC236}">
-                <a16:creationId xmlns:a16="http://schemas.microsoft.com/office/drawing/2014/main" id="{324A2BA8-C80B-41CF-913C-3B3E8EC8AE08}"/>
-              </a:ext>
-            </a:extLst>
-          </p:cNvPr>
-          <p:cNvSpPr/>
-          <p:nvPr/>
-        </p:nvSpPr>
-        <p:spPr>
-          <a:xfrm>
-            <a:off x="128726" y="3214901"/>
-            <a:ext cx="435006" cy="425101"/>
-          </a:xfrm>
-          <a:prstGeom prst="star5">
-            <a:avLst/>
-          </a:prstGeom>
-          <a:solidFill>
-            <a:schemeClr val="tx1"/>
-          </a:solidFill>
-        </p:spPr>
-        <p:style>
-          <a:lnRef idx="2">
-            <a:schemeClr val="accent1">
-              <a:shade val="50000"/>
-            </a:schemeClr>
-          </a:lnRef>
-          <a:fillRef idx="1">
-            <a:schemeClr val="accent1"/>
-          </a:fillRef>
-          <a:effectRef idx="0">
-            <a:schemeClr val="accent1"/>
-          </a:effectRef>
-          <a:fontRef idx="minor">
-            <a:schemeClr val="lt1"/>
-          </a:fontRef>
-        </p:style>
-        <p:txBody>
-          <a:bodyPr rtlCol="0" anchor="ctr"/>
-          <a:lstStyle/>
-          <a:p>
-            <a:pPr algn="ctr"/>
-            <a:endParaRPr lang="en-US"/>
-          </a:p>
-        </p:txBody>
-      </p:sp>
     </p:spTree>
     <p:extLst>
       <p:ext uri="{BB962C8B-B14F-4D97-AF65-F5344CB8AC3E}">
@@ -15070,6 +15233,23 @@
 </file>
 
 <file path=customXml/item1.xml><?xml version="1.0" encoding="utf-8"?>
+<p:properties xmlns:p="http://schemas.microsoft.com/office/2006/metadata/properties" xmlns:xsi="http://www.w3.org/2001/XMLSchema-instance" xmlns:pc="http://schemas.microsoft.com/office/infopath/2007/PartnerControls">
+  <documentManagement>
+    <MediaServiceKeyPoints xmlns="71af3243-3dd4-4a8d-8c0d-dd76da1f02a5" xsi:nil="true"/>
+  </documentManagement>
+</p:properties>
+</file>
+
+<file path=customXml/item2.xml><?xml version="1.0" encoding="utf-8"?>
+<?mso-contentType ?>
+<FormTemplates xmlns="http://schemas.microsoft.com/sharepoint/v3/contenttype/forms">
+  <Display>DocumentLibraryForm</Display>
+  <Edit>DocumentLibraryForm</Edit>
+  <New>DocumentLibraryForm</New>
+</FormTemplates>
+</file>
+
+<file path=customXml/item3.xml><?xml version="1.0" encoding="utf-8"?>
 <ct:contentTypeSchema xmlns:ct="http://schemas.microsoft.com/office/2006/metadata/contentType" xmlns:ma="http://schemas.microsoft.com/office/2006/metadata/properties/metaAttributes" ct:_="" ma:_="" ma:contentTypeName="Document" ma:contentTypeID="0x01010079F111ED35F8CC479449609E8A0923A6" ma:contentTypeVersion="11" ma:contentTypeDescription="Create a new document." ma:contentTypeScope="" ma:versionID="9677210f24a1be23c92c90fd886aa0aa">
   <xsd:schema xmlns:xsd="http://www.w3.org/2001/XMLSchema" xmlns:xs="http://www.w3.org/2001/XMLSchema" xmlns:p="http://schemas.microsoft.com/office/2006/metadata/properties" xmlns:ns2="71af3243-3dd4-4a8d-8c0d-dd76da1f02a5" xmlns:ns3="16c05727-aa75-4e4a-9b5f-8a80a1165891" targetNamespace="http://schemas.microsoft.com/office/2006/metadata/properties" ma:root="true" ma:fieldsID="60e05723c5c1908df1a1a4ebf11d344e" ns2:_="" ns3:_="">
     <xsd:import namespace="71af3243-3dd4-4a8d-8c0d-dd76da1f02a5"/>
@@ -15280,24 +15460,32 @@
 </ct:contentTypeSchema>
 </file>
 
-<file path=customXml/item2.xml><?xml version="1.0" encoding="utf-8"?>
-<?mso-contentType ?>
-<FormTemplates xmlns="http://schemas.microsoft.com/sharepoint/v3/contenttype/forms">
-  <Display>DocumentLibraryForm</Display>
-  <Edit>DocumentLibraryForm</Edit>
-  <New>DocumentLibraryForm</New>
-</FormTemplates>
+<file path=customXml/itemProps1.xml><?xml version="1.0" encoding="utf-8"?>
+<ds:datastoreItem xmlns:ds="http://schemas.openxmlformats.org/officeDocument/2006/customXml" ds:itemID="{3C2AD4FE-5267-4953-9D66-004581AED1F0}">
+  <ds:schemaRefs>
+    <ds:schemaRef ds:uri="http://purl.org/dc/elements/1.1/"/>
+    <ds:schemaRef ds:uri="http://schemas.microsoft.com/office/2006/metadata/properties"/>
+    <ds:schemaRef ds:uri="http://purl.org/dc/terms/"/>
+    <ds:schemaRef ds:uri="http://schemas.openxmlformats.org/package/2006/metadata/core-properties"/>
+    <ds:schemaRef ds:uri="16c05727-aa75-4e4a-9b5f-8a80a1165891"/>
+    <ds:schemaRef ds:uri="http://schemas.microsoft.com/office/2006/documentManagement/types"/>
+    <ds:schemaRef ds:uri="http://schemas.microsoft.com/office/infopath/2007/PartnerControls"/>
+    <ds:schemaRef ds:uri="71af3243-3dd4-4a8d-8c0d-dd76da1f02a5"/>
+    <ds:schemaRef ds:uri="http://www.w3.org/XML/1998/namespace"/>
+    <ds:schemaRef ds:uri="http://purl.org/dc/dcmitype/"/>
+  </ds:schemaRefs>
+</ds:datastoreItem>
 </file>
 
-<file path=customXml/item3.xml><?xml version="1.0" encoding="utf-8"?>
-<p:properties xmlns:p="http://schemas.microsoft.com/office/2006/metadata/properties" xmlns:xsi="http://www.w3.org/2001/XMLSchema-instance" xmlns:pc="http://schemas.microsoft.com/office/infopath/2007/PartnerControls">
-  <documentManagement>
-    <MediaServiceKeyPoints xmlns="71af3243-3dd4-4a8d-8c0d-dd76da1f02a5" xsi:nil="true"/>
-  </documentManagement>
-</p:properties>
+<file path=customXml/itemProps2.xml><?xml version="1.0" encoding="utf-8"?>
+<ds:datastoreItem xmlns:ds="http://schemas.openxmlformats.org/officeDocument/2006/customXml" ds:itemID="{9082A0F6-5C05-4A60-9DD8-B772877A4F89}">
+  <ds:schemaRefs>
+    <ds:schemaRef ds:uri="http://schemas.microsoft.com/sharepoint/v3/contenttype/forms"/>
+  </ds:schemaRefs>
+</ds:datastoreItem>
 </file>
 
-<file path=customXml/itemProps1.xml><?xml version="1.0" encoding="utf-8"?>
+<file path=customXml/itemProps3.xml><?xml version="1.0" encoding="utf-8"?>
 <ds:datastoreItem xmlns:ds="http://schemas.openxmlformats.org/officeDocument/2006/customXml" ds:itemID="{840DE65C-3715-41A1-996C-103EA7902D46}">
   <ds:schemaRefs>
     <ds:schemaRef ds:uri="http://schemas.microsoft.com/office/2006/metadata/contentType"/>
@@ -15314,29 +15502,4 @@
     <ds:schemaRef ds:uri="http://schemas.microsoft.com/internal/obd"/>
   </ds:schemaRefs>
 </ds:datastoreItem>
-</file>
-
-<file path=customXml/itemProps2.xml><?xml version="1.0" encoding="utf-8"?>
-<ds:datastoreItem xmlns:ds="http://schemas.openxmlformats.org/officeDocument/2006/customXml" ds:itemID="{9082A0F6-5C05-4A60-9DD8-B772877A4F89}">
-  <ds:schemaRefs>
-    <ds:schemaRef ds:uri="http://schemas.microsoft.com/sharepoint/v3/contenttype/forms"/>
-  </ds:schemaRefs>
-</ds:datastoreItem>
-</file>
-
-<file path=customXml/itemProps3.xml><?xml version="1.0" encoding="utf-8"?>
-<ds:datastoreItem xmlns:ds="http://schemas.openxmlformats.org/officeDocument/2006/customXml" ds:itemID="{3C2AD4FE-5267-4953-9D66-004581AED1F0}">
-  <ds:schemaRefs>
-    <ds:schemaRef ds:uri="http://purl.org/dc/elements/1.1/"/>
-    <ds:schemaRef ds:uri="http://schemas.microsoft.com/office/2006/metadata/properties"/>
-    <ds:schemaRef ds:uri="http://purl.org/dc/terms/"/>
-    <ds:schemaRef ds:uri="http://schemas.openxmlformats.org/package/2006/metadata/core-properties"/>
-    <ds:schemaRef ds:uri="16c05727-aa75-4e4a-9b5f-8a80a1165891"/>
-    <ds:schemaRef ds:uri="http://schemas.microsoft.com/office/2006/documentManagement/types"/>
-    <ds:schemaRef ds:uri="http://schemas.microsoft.com/office/infopath/2007/PartnerControls"/>
-    <ds:schemaRef ds:uri="71af3243-3dd4-4a8d-8c0d-dd76da1f02a5"/>
-    <ds:schemaRef ds:uri="http://www.w3.org/XML/1998/namespace"/>
-    <ds:schemaRef ds:uri="http://purl.org/dc/dcmitype/"/>
-  </ds:schemaRefs>
-</ds:datastoreItem>
 </file>
--- a/Engineering/2019-2020/Engineering Management/Engineering Organization Chart.pptx
+++ b/Engineering/2019-2020/Engineering Management/Engineering Organization Chart.pptx
@@ -5,14 +5,15 @@
     <p:sldMasterId id="2147484759" r:id="rId4"/>
   </p:sldMasterIdLst>
   <p:notesMasterIdLst>
-    <p:notesMasterId r:id="rId7"/>
+    <p:notesMasterId r:id="rId8"/>
   </p:notesMasterIdLst>
   <p:handoutMasterIdLst>
-    <p:handoutMasterId r:id="rId8"/>
+    <p:handoutMasterId r:id="rId9"/>
   </p:handoutMasterIdLst>
   <p:sldIdLst>
     <p:sldId id="260" r:id="rId5"/>
-    <p:sldId id="261" r:id="rId6"/>
+    <p:sldId id="262" r:id="rId6"/>
+    <p:sldId id="261" r:id="rId7"/>
   </p:sldIdLst>
   <p:sldSz cx="10058400" cy="7772400"/>
   <p:notesSz cx="6858000" cy="9144000"/>
@@ -826,6 +827,95 @@
             <a:fld id="{B32C31BA-67D8-413F-A5DD-028125073D1D}" type="slidenum">
               <a:rPr lang="en-US" smtClean="0"/>
               <a:t>2</a:t>
+            </a:fld>
+            <a:endParaRPr lang="en-US" dirty="0"/>
+          </a:p>
+        </p:txBody>
+      </p:sp>
+    </p:spTree>
+    <p:extLst>
+      <p:ext uri="{BB962C8B-B14F-4D97-AF65-F5344CB8AC3E}">
+        <p14:creationId xmlns:p14="http://schemas.microsoft.com/office/powerpoint/2010/main" val="3633328825"/>
+      </p:ext>
+    </p:extLst>
+  </p:cSld>
+  <p:clrMapOvr>
+    <a:masterClrMapping/>
+  </p:clrMapOvr>
+</p:notes>
+</file>
+
+<file path=ppt/notesSlides/notesSlide3.xml><?xml version="1.0" encoding="utf-8"?>
+<p:notes xmlns:a="http://schemas.openxmlformats.org/drawingml/2006/main" xmlns:r="http://schemas.openxmlformats.org/officeDocument/2006/relationships" xmlns:p="http://schemas.openxmlformats.org/presentationml/2006/main">
+  <p:cSld>
+    <p:spTree>
+      <p:nvGrpSpPr>
+        <p:cNvPr id="1" name=""/>
+        <p:cNvGrpSpPr/>
+        <p:nvPr/>
+      </p:nvGrpSpPr>
+      <p:grpSpPr>
+        <a:xfrm>
+          <a:off x="0" y="0"/>
+          <a:ext cx="0" cy="0"/>
+          <a:chOff x="0" y="0"/>
+          <a:chExt cx="0" cy="0"/>
+        </a:xfrm>
+      </p:grpSpPr>
+      <p:sp>
+        <p:nvSpPr>
+          <p:cNvPr id="2" name="Slide Image Placeholder 1"/>
+          <p:cNvSpPr>
+            <a:spLocks noGrp="1" noRot="1" noChangeAspect="1"/>
+          </p:cNvSpPr>
+          <p:nvPr>
+            <p:ph type="sldImg"/>
+          </p:nvPr>
+        </p:nvSpPr>
+        <p:spPr>
+          <a:xfrm>
+            <a:off x="1431925" y="1143000"/>
+            <a:ext cx="3994150" cy="3086100"/>
+          </a:xfrm>
+        </p:spPr>
+      </p:sp>
+      <p:sp>
+        <p:nvSpPr>
+          <p:cNvPr id="3" name="Notes Placeholder 2"/>
+          <p:cNvSpPr>
+            <a:spLocks noGrp="1"/>
+          </p:cNvSpPr>
+          <p:nvPr>
+            <p:ph type="body" idx="1"/>
+          </p:nvPr>
+        </p:nvSpPr>
+        <p:spPr/>
+        <p:txBody>
+          <a:bodyPr/>
+          <a:lstStyle/>
+          <a:p>
+            <a:endParaRPr lang="en-US" dirty="0"/>
+          </a:p>
+        </p:txBody>
+      </p:sp>
+      <p:sp>
+        <p:nvSpPr>
+          <p:cNvPr id="4" name="Slide Number Placeholder 3"/>
+          <p:cNvSpPr>
+            <a:spLocks noGrp="1"/>
+          </p:cNvSpPr>
+          <p:nvPr>
+            <p:ph type="sldNum" sz="quarter" idx="5"/>
+          </p:nvPr>
+        </p:nvSpPr>
+        <p:spPr/>
+        <p:txBody>
+          <a:bodyPr/>
+          <a:lstStyle/>
+          <a:p>
+            <a:fld id="{B32C31BA-67D8-413F-A5DD-028125073D1D}" type="slidenum">
+              <a:rPr lang="en-US" smtClean="0"/>
+              <a:t>3</a:t>
             </a:fld>
             <a:endParaRPr lang="en-US" dirty="0"/>
           </a:p>
@@ -6646,7 +6736,7 @@
                 <a16:creationId xmlns:a16="http://schemas.microsoft.com/office/drawing/2014/main" id="{6B70B1D5-F5F8-429D-818A-E1CFA491E8B4}"/>
               </a:ext>
               <a:ext uri="{C183D7F6-B498-43B3-948B-1728B52AA6E4}">
-                <adec:decorative xmlns="" xmlns:adec="http://schemas.microsoft.com/office/drawing/2017/decorative" val="1"/>
+                <adec:decorative xmlns:adec="http://schemas.microsoft.com/office/drawing/2017/decorative" xmlns="" val="1"/>
               </a:ext>
             </a:extLst>
           </p:cNvPr>
@@ -6867,7 +6957,7 @@
                 <a16:creationId xmlns:a16="http://schemas.microsoft.com/office/drawing/2014/main" id="{1D0C17FD-0081-40EF-A9FD-74C7001B881A}"/>
               </a:ext>
               <a:ext uri="{C183D7F6-B498-43B3-948B-1728B52AA6E4}">
-                <adec:decorative xmlns="" xmlns:adec="http://schemas.microsoft.com/office/drawing/2017/decorative" val="1"/>
+                <adec:decorative xmlns:adec="http://schemas.microsoft.com/office/drawing/2017/decorative" xmlns="" val="1"/>
               </a:ext>
             </a:extLst>
           </p:cNvPr>
@@ -7080,7 +7170,7 @@
                 <a16:creationId xmlns:a16="http://schemas.microsoft.com/office/drawing/2014/main" id="{86A6D505-4CAD-4827-A8B4-1F7AC0D804FA}"/>
               </a:ext>
               <a:ext uri="{C183D7F6-B498-43B3-948B-1728B52AA6E4}">
-                <adec:decorative xmlns="" xmlns:adec="http://schemas.microsoft.com/office/drawing/2017/decorative" val="1"/>
+                <adec:decorative xmlns:adec="http://schemas.microsoft.com/office/drawing/2017/decorative" xmlns="" val="1"/>
               </a:ext>
             </a:extLst>
           </p:cNvPr>
@@ -7324,7 +7414,7 @@
                 <a16:creationId xmlns:a16="http://schemas.microsoft.com/office/drawing/2014/main" id="{E4B64F0C-D8B5-4B34-A22A-D85D0F7D2F51}"/>
               </a:ext>
               <a:ext uri="{C183D7F6-B498-43B3-948B-1728B52AA6E4}">
-                <adec:decorative xmlns="" xmlns:adec="http://schemas.microsoft.com/office/drawing/2017/decorative" val="1"/>
+                <adec:decorative xmlns:adec="http://schemas.microsoft.com/office/drawing/2017/decorative" xmlns="" val="1"/>
               </a:ext>
             </a:extLst>
           </p:cNvPr>
@@ -7535,21 +7625,8 @@
                     <a:schemeClr val="bg1"/>
                   </a:solidFill>
                 </a:rPr>
-                <a:t>VP </a:t>
+                <a:t>VP Avionics</a:t>
               </a:r>
-              <a:r>
-                <a:rPr lang="en-US" sz="825" dirty="0">
-                  <a:solidFill>
-                    <a:schemeClr val="bg1"/>
-                  </a:solidFill>
-                </a:rPr>
-                <a:t>Avionics</a:t>
-              </a:r>
-              <a:endParaRPr lang="en-US" sz="825" dirty="0">
-                <a:solidFill>
-                  <a:schemeClr val="bg1"/>
-                </a:solidFill>
-              </a:endParaRPr>
             </a:p>
           </p:txBody>
         </p:sp>
@@ -7562,7 +7639,7 @@
                 <a16:creationId xmlns:a16="http://schemas.microsoft.com/office/drawing/2014/main" id="{484B9E92-D14A-4F75-88C6-459716737C4A}"/>
               </a:ext>
               <a:ext uri="{C183D7F6-B498-43B3-948B-1728B52AA6E4}">
-                <adec:decorative xmlns="" xmlns:adec="http://schemas.microsoft.com/office/drawing/2017/decorative" val="1"/>
+                <adec:decorative xmlns:adec="http://schemas.microsoft.com/office/drawing/2017/decorative" xmlns="" val="1"/>
               </a:ext>
             </a:extLst>
           </p:cNvPr>
@@ -8037,7 +8114,7 @@
                 <a16:creationId xmlns:a16="http://schemas.microsoft.com/office/drawing/2014/main" id="{FA215D57-115E-4EA6-82EB-CB2CD22D4237}"/>
               </a:ext>
               <a:ext uri="{C183D7F6-B498-43B3-948B-1728B52AA6E4}">
-                <adec:decorative xmlns="" xmlns:adec="http://schemas.microsoft.com/office/drawing/2017/decorative" val="1"/>
+                <adec:decorative xmlns:adec="http://schemas.microsoft.com/office/drawing/2017/decorative" xmlns="" val="1"/>
               </a:ext>
             </a:extLst>
           </p:cNvPr>
@@ -8226,11 +8303,6 @@
                 </a:rPr>
                 <a:t>Chief Technical Officer</a:t>
               </a:r>
-              <a:endParaRPr lang="en-US" sz="825" dirty="0">
-                <a:solidFill>
-                  <a:schemeClr val="bg1"/>
-                </a:solidFill>
-              </a:endParaRPr>
             </a:p>
           </p:txBody>
         </p:sp>
@@ -8243,7 +8315,7 @@
                 <a16:creationId xmlns:a16="http://schemas.microsoft.com/office/drawing/2014/main" id="{F63E54AC-1CB7-43BF-B0A4-82DE6FEB1664}"/>
               </a:ext>
               <a:ext uri="{C183D7F6-B498-43B3-948B-1728B52AA6E4}">
-                <adec:decorative xmlns="" xmlns:adec="http://schemas.microsoft.com/office/drawing/2017/decorative" val="1"/>
+                <adec:decorative xmlns:adec="http://schemas.microsoft.com/office/drawing/2017/decorative" xmlns="" val="1"/>
               </a:ext>
             </a:extLst>
           </p:cNvPr>
@@ -8546,7 +8618,7 @@
                 <a16:creationId xmlns:a16="http://schemas.microsoft.com/office/drawing/2014/main" id="{4E2090BB-E0AA-4E59-A402-4D5BBD0CCF9E}"/>
               </a:ext>
               <a:ext uri="{C183D7F6-B498-43B3-948B-1728B52AA6E4}">
-                <adec:decorative xmlns="" xmlns:adec="http://schemas.microsoft.com/office/drawing/2017/decorative" val="1"/>
+                <adec:decorative xmlns:adec="http://schemas.microsoft.com/office/drawing/2017/decorative" xmlns="" val="1"/>
               </a:ext>
             </a:extLst>
           </p:cNvPr>
@@ -8777,7 +8849,7 @@
                 <a16:creationId xmlns:a16="http://schemas.microsoft.com/office/drawing/2014/main" id="{6AEEFE71-1C97-4DBC-9ACC-C13080165451}"/>
               </a:ext>
               <a:ext uri="{C183D7F6-B498-43B3-948B-1728B52AA6E4}">
-                <adec:decorative xmlns="" xmlns:adec="http://schemas.microsoft.com/office/drawing/2017/decorative" val="1"/>
+                <adec:decorative xmlns:adec="http://schemas.microsoft.com/office/drawing/2017/decorative" xmlns="" val="1"/>
               </a:ext>
             </a:extLst>
           </p:cNvPr>
@@ -8992,7 +9064,7 @@
                 <a16:creationId xmlns:a16="http://schemas.microsoft.com/office/drawing/2014/main" id="{3657C156-6995-4383-A3E5-6735FBB3712B}"/>
               </a:ext>
               <a:ext uri="{C183D7F6-B498-43B3-948B-1728B52AA6E4}">
-                <adec:decorative xmlns="" xmlns:adec="http://schemas.microsoft.com/office/drawing/2017/decorative" val="1"/>
+                <adec:decorative xmlns:adec="http://schemas.microsoft.com/office/drawing/2017/decorative" xmlns="" val="1"/>
               </a:ext>
             </a:extLst>
           </p:cNvPr>
@@ -9200,7 +9272,7 @@
                 <a16:creationId xmlns:a16="http://schemas.microsoft.com/office/drawing/2014/main" id="{B84B8C78-7BAA-4492-9B7B-23F196965004}"/>
               </a:ext>
               <a:ext uri="{C183D7F6-B498-43B3-948B-1728B52AA6E4}">
-                <adec:decorative xmlns="" xmlns:adec="http://schemas.microsoft.com/office/drawing/2017/decorative" val="1"/>
+                <adec:decorative xmlns:adec="http://schemas.microsoft.com/office/drawing/2017/decorative" xmlns="" val="1"/>
               </a:ext>
             </a:extLst>
           </p:cNvPr>
@@ -9422,7 +9494,7 @@
                 <a16:creationId xmlns:a16="http://schemas.microsoft.com/office/drawing/2014/main" id="{A7F885EA-DA86-4249-9CB4-CE59CE108D4C}"/>
               </a:ext>
               <a:ext uri="{C183D7F6-B498-43B3-948B-1728B52AA6E4}">
-                <adec:decorative xmlns="" xmlns:adec="http://schemas.microsoft.com/office/drawing/2017/decorative" val="1"/>
+                <adec:decorative xmlns:adec="http://schemas.microsoft.com/office/drawing/2017/decorative" xmlns="" val="1"/>
               </a:ext>
             </a:extLst>
           </p:cNvPr>
@@ -9707,7 +9779,7 @@
                 <a16:creationId xmlns:a16="http://schemas.microsoft.com/office/drawing/2014/main" id="{DFDF04A4-723B-4E94-82D9-05F9FA39A2CE}"/>
               </a:ext>
               <a:ext uri="{C183D7F6-B498-43B3-948B-1728B52AA6E4}">
-                <adec:decorative xmlns="" xmlns:adec="http://schemas.microsoft.com/office/drawing/2017/decorative" val="1"/>
+                <adec:decorative xmlns:adec="http://schemas.microsoft.com/office/drawing/2017/decorative" xmlns="" val="1"/>
               </a:ext>
             </a:extLst>
           </p:cNvPr>
@@ -10527,11 +10599,6 @@
                 </a:rPr>
                 <a:t>Avionics</a:t>
               </a:r>
-              <a:endParaRPr lang="en-US" sz="825" dirty="0">
-                <a:solidFill>
-                  <a:schemeClr val="tx1"/>
-                </a:solidFill>
-              </a:endParaRPr>
             </a:p>
           </p:txBody>
         </p:sp>
@@ -10744,7 +10811,7 @@
                 <a16:creationId xmlns:a16="http://schemas.microsoft.com/office/drawing/2014/main" id="{DFDF04A4-723B-4E94-82D9-05F9FA39A2CE}"/>
               </a:ext>
               <a:ext uri="{C183D7F6-B498-43B3-948B-1728B52AA6E4}">
-                <adec:decorative xmlns="" xmlns:adec="http://schemas.microsoft.com/office/drawing/2017/decorative" val="1"/>
+                <adec:decorative xmlns:adec="http://schemas.microsoft.com/office/drawing/2017/decorative" xmlns="" val="1"/>
               </a:ext>
             </a:extLst>
           </p:cNvPr>
@@ -10854,11 +10921,6 @@
                 </a:rPr>
                 <a:t>Proficient in CFD/FEA/SW</a:t>
               </a:r>
-              <a:endParaRPr lang="en-US" sz="990" b="1" dirty="0">
-                <a:solidFill>
-                  <a:prstClr val="black"/>
-                </a:solidFill>
-              </a:endParaRPr>
             </a:p>
           </p:txBody>
         </p:sp>
@@ -10967,7 +11029,7 @@
                 <a16:creationId xmlns:a16="http://schemas.microsoft.com/office/drawing/2014/main" id="{86A6D505-4CAD-4827-A8B4-1F7AC0D804FA}"/>
               </a:ext>
               <a:ext uri="{C183D7F6-B498-43B3-948B-1728B52AA6E4}">
-                <adec:decorative xmlns="" xmlns:adec="http://schemas.microsoft.com/office/drawing/2017/decorative" val="1"/>
+                <adec:decorative xmlns:adec="http://schemas.microsoft.com/office/drawing/2017/decorative" xmlns="" val="1"/>
               </a:ext>
             </a:extLst>
           </p:cNvPr>
@@ -11085,11 +11147,6 @@
                 </a:rPr>
                 <a:t>Trevor Blampied</a:t>
               </a:r>
-              <a:endParaRPr lang="en-US" sz="990" dirty="0">
-                <a:solidFill>
-                  <a:schemeClr val="tx1"/>
-                </a:solidFill>
-              </a:endParaRPr>
             </a:p>
             <a:p>
               <a:pPr algn="ctr" defTabSz="330044">
@@ -11266,7 +11323,7 @@
                 <a16:creationId xmlns:a16="http://schemas.microsoft.com/office/drawing/2014/main" id="{4E2090BB-E0AA-4E59-A402-4D5BBD0CCF9E}"/>
               </a:ext>
               <a:ext uri="{C183D7F6-B498-43B3-948B-1728B52AA6E4}">
-                <adec:decorative xmlns="" xmlns:adec="http://schemas.microsoft.com/office/drawing/2017/decorative" val="1"/>
+                <adec:decorative xmlns:adec="http://schemas.microsoft.com/office/drawing/2017/decorative" xmlns="" val="1"/>
               </a:ext>
             </a:extLst>
           </p:cNvPr>
@@ -11376,11 +11433,6 @@
                 </a:rPr>
                 <a:t>Andrew Masters</a:t>
               </a:r>
-              <a:endParaRPr lang="en-US" sz="990" dirty="0">
-                <a:solidFill>
-                  <a:prstClr val="black"/>
-                </a:solidFill>
-              </a:endParaRPr>
             </a:p>
           </p:txBody>
         </p:sp>
@@ -11488,11 +11540,6 @@
                 </a:rPr>
                 <a:t>Lead</a:t>
               </a:r>
-              <a:endParaRPr lang="en-US" sz="825" dirty="0">
-                <a:solidFill>
-                  <a:schemeClr val="bg1"/>
-                </a:solidFill>
-              </a:endParaRPr>
             </a:p>
           </p:txBody>
         </p:sp>
@@ -11505,7 +11552,7 @@
                 <a16:creationId xmlns:a16="http://schemas.microsoft.com/office/drawing/2014/main" id="{DFDF04A4-723B-4E94-82D9-05F9FA39A2CE}"/>
               </a:ext>
               <a:ext uri="{C183D7F6-B498-43B3-948B-1728B52AA6E4}">
-                <adec:decorative xmlns="" xmlns:adec="http://schemas.microsoft.com/office/drawing/2017/decorative" val="1"/>
+                <adec:decorative xmlns:adec="http://schemas.microsoft.com/office/drawing/2017/decorative" xmlns="" val="1"/>
               </a:ext>
             </a:extLst>
           </p:cNvPr>
@@ -11736,7 +11783,7 @@
                 <a16:creationId xmlns:a16="http://schemas.microsoft.com/office/drawing/2014/main" id="{DFDF04A4-723B-4E94-82D9-05F9FA39A2CE}"/>
               </a:ext>
               <a:ext uri="{C183D7F6-B498-43B3-948B-1728B52AA6E4}">
-                <adec:decorative xmlns="" xmlns:adec="http://schemas.microsoft.com/office/drawing/2017/decorative" val="1"/>
+                <adec:decorative xmlns:adec="http://schemas.microsoft.com/office/drawing/2017/decorative" xmlns="" val="1"/>
               </a:ext>
             </a:extLst>
           </p:cNvPr>
@@ -12174,7 +12221,7 @@
                 <a16:creationId xmlns:a16="http://schemas.microsoft.com/office/drawing/2014/main" id="{A7F885EA-DA86-4249-9CB4-CE59CE108D4C}"/>
               </a:ext>
               <a:ext uri="{C183D7F6-B498-43B3-948B-1728B52AA6E4}">
-                <adec:decorative xmlns="" xmlns:adec="http://schemas.microsoft.com/office/drawing/2017/decorative" val="1"/>
+                <adec:decorative xmlns:adec="http://schemas.microsoft.com/office/drawing/2017/decorative" xmlns="" val="1"/>
               </a:ext>
             </a:extLst>
           </p:cNvPr>
@@ -12464,8 +12511,8 @@
         </p:nvSpPr>
         <p:spPr>
           <a:xfrm>
-            <a:off x="285639" y="1394457"/>
-            <a:ext cx="2885686" cy="396350"/>
+            <a:off x="350094" y="272800"/>
+            <a:ext cx="3914248" cy="740627"/>
           </a:xfrm>
         </p:spPr>
         <p:txBody>
@@ -12481,7 +12528,23 @@
                   <a:schemeClr val="tx2"/>
                 </a:solidFill>
               </a:rPr>
-              <a:t>Engineering goals</a:t>
+              <a:t>Engineering </a:t>
+            </a:r>
+            <a:r>
+              <a:rPr lang="en-US" sz="2310" dirty="0" smtClean="0">
+                <a:solidFill>
+                  <a:schemeClr val="tx2"/>
+                </a:solidFill>
+              </a:rPr>
+              <a:t>SECTION GOALS</a:t>
+            </a:r>
+            <a:r>
+              <a:rPr lang="en-US" sz="2310" dirty="0">
+                <a:solidFill>
+                  <a:schemeClr val="tx2"/>
+                </a:solidFill>
+              </a:rPr>
+              <a:t/>
             </a:r>
             <a:br>
               <a:rPr lang="en-US" sz="2310" dirty="0">
@@ -12491,12 +12554,12 @@
               </a:rPr>
             </a:br>
             <a:r>
-              <a:rPr lang="en-US" sz="1485" dirty="0">
-                <a:solidFill>
-                  <a:schemeClr val="tx2"/>
+              <a:rPr lang="en-US" sz="1485" dirty="0" smtClean="0">
+                <a:solidFill>
+                  <a:srgbClr val="18276C"/>
                 </a:solidFill>
               </a:rPr>
-              <a:t>2019-2020</a:t>
+              <a:t>2019-2020 Senior Design</a:t>
             </a:r>
             <a:endParaRPr lang="en-US" sz="2310" dirty="0">
               <a:solidFill>
@@ -12506,6 +12569,2340 @@
           </a:p>
         </p:txBody>
       </p:sp>
+      <p:grpSp>
+        <p:nvGrpSpPr>
+          <p:cNvPr id="62" name="Group 61">
+            <a:extLst>
+              <a:ext uri="{FF2B5EF4-FFF2-40B4-BE49-F238E27FC236}">
+                <a16:creationId xmlns:a16="http://schemas.microsoft.com/office/drawing/2014/main" id="{6B70B1D5-F5F8-429D-818A-E1CFA491E8B4}"/>
+              </a:ext>
+              <a:ext uri="{C183D7F6-B498-43B3-948B-1728B52AA6E4}">
+                <adec:decorative xmlns:adec="http://schemas.microsoft.com/office/drawing/2017/decorative" xmlns="" val="1"/>
+              </a:ext>
+            </a:extLst>
+          </p:cNvPr>
+          <p:cNvGrpSpPr/>
+          <p:nvPr/>
+        </p:nvGrpSpPr>
+        <p:grpSpPr>
+          <a:xfrm>
+            <a:off x="1316919" y="1737629"/>
+            <a:ext cx="1143942" cy="449136"/>
+            <a:chOff x="2810778" y="3090121"/>
+            <a:chExt cx="1386596" cy="544407"/>
+          </a:xfrm>
+        </p:grpSpPr>
+        <p:sp>
+          <p:nvSpPr>
+            <p:cNvPr id="28" name="Rectangle 27">
+              <a:extLst>
+                <a:ext uri="{FF2B5EF4-FFF2-40B4-BE49-F238E27FC236}">
+                  <a16:creationId xmlns:a16="http://schemas.microsoft.com/office/drawing/2014/main" id="{56964EBE-33D8-40BB-B16A-3066802FB416}"/>
+                </a:ext>
+              </a:extLst>
+            </p:cNvPr>
+            <p:cNvSpPr/>
+            <p:nvPr/>
+          </p:nvSpPr>
+          <p:spPr>
+            <a:xfrm>
+              <a:off x="2810778" y="3090121"/>
+              <a:ext cx="1368000" cy="509451"/>
+            </a:xfrm>
+            <a:prstGeom prst="rect">
+              <a:avLst/>
+            </a:prstGeom>
+            <a:gradFill>
+              <a:gsLst>
+                <a:gs pos="0">
+                  <a:schemeClr val="bg1"/>
+                </a:gs>
+                <a:gs pos="100000">
+                  <a:schemeClr val="bg1">
+                    <a:lumMod val="85000"/>
+                  </a:schemeClr>
+                </a:gs>
+              </a:gsLst>
+              <a:lin ang="5400000" scaled="0"/>
+            </a:gradFill>
+            <a:ln w="3175" cap="rnd" cmpd="sng" algn="ctr">
+              <a:solidFill>
+                <a:schemeClr val="bg1">
+                  <a:lumMod val="85000"/>
+                </a:schemeClr>
+              </a:solidFill>
+              <a:prstDash val="solid"/>
+            </a:ln>
+            <a:effectLst/>
+            <a:scene3d>
+              <a:camera prst="obliqueTopLeft"/>
+              <a:lightRig rig="soft" dir="t"/>
+            </a:scene3d>
+            <a:sp3d extrusionH="190500" prstMaterial="matte">
+              <a:contourClr>
+                <a:prstClr val="black">
+                  <a:lumMod val="50000"/>
+                  <a:lumOff val="50000"/>
+                </a:prstClr>
+              </a:contourClr>
+            </a:sp3d>
+          </p:spPr>
+          <p:style>
+            <a:lnRef idx="2">
+              <a:scrgbClr r="0" g="0" b="0"/>
+            </a:lnRef>
+            <a:fillRef idx="1">
+              <a:scrgbClr r="0" g="0" b="0"/>
+            </a:fillRef>
+            <a:effectRef idx="0">
+              <a:scrgbClr r="0" g="0" b="0"/>
+            </a:effectRef>
+            <a:fontRef idx="minor">
+              <a:schemeClr val="lt1"/>
+            </a:fontRef>
+          </p:style>
+          <p:txBody>
+            <a:bodyPr spcFirstLastPara="0" vert="horz" wrap="square" lIns="59400" tIns="4715" rIns="59400" bIns="44559" numCol="1" spcCol="1270" anchor="ctr" anchorCtr="0">
+              <a:noAutofit/>
+              <a:flatTx/>
+            </a:bodyPr>
+            <a:lstStyle/>
+            <a:p>
+              <a:pPr algn="ctr" defTabSz="330044">
+                <a:lnSpc>
+                  <a:spcPct val="90000"/>
+                </a:lnSpc>
+                <a:spcBef>
+                  <a:spcPct val="0"/>
+                </a:spcBef>
+                <a:spcAft>
+                  <a:spcPct val="35000"/>
+                </a:spcAft>
+              </a:pPr>
+              <a:r>
+                <a:rPr lang="en-US" sz="990" dirty="0">
+                  <a:solidFill>
+                    <a:prstClr val="black"/>
+                  </a:solidFill>
+                </a:rPr>
+                <a:t>Charlie Nitschelm</a:t>
+              </a:r>
+            </a:p>
+          </p:txBody>
+        </p:sp>
+        <p:sp>
+          <p:nvSpPr>
+            <p:cNvPr id="29" name="Rectangle 28">
+              <a:extLst>
+                <a:ext uri="{FF2B5EF4-FFF2-40B4-BE49-F238E27FC236}">
+                  <a16:creationId xmlns:a16="http://schemas.microsoft.com/office/drawing/2014/main" id="{DCCA4BC2-1846-46B3-9533-96FEFE089BA1}"/>
+                </a:ext>
+              </a:extLst>
+            </p:cNvPr>
+            <p:cNvSpPr/>
+            <p:nvPr/>
+          </p:nvSpPr>
+          <p:spPr>
+            <a:xfrm>
+              <a:off x="2829374" y="3526528"/>
+              <a:ext cx="1368000" cy="108000"/>
+            </a:xfrm>
+            <a:prstGeom prst="rect">
+              <a:avLst/>
+            </a:prstGeom>
+            <a:solidFill>
+              <a:schemeClr val="accent6"/>
+            </a:solidFill>
+            <a:ln>
+              <a:noFill/>
+            </a:ln>
+            <a:effectLst>
+              <a:glow rad="254000">
+                <a:schemeClr val="accent1">
+                  <a:satMod val="175000"/>
+                  <a:alpha val="10000"/>
+                </a:schemeClr>
+              </a:glow>
+            </a:effectLst>
+            <a:scene3d>
+              <a:camera prst="obliqueTopLeft"/>
+              <a:lightRig rig="brightRoom" dir="t"/>
+            </a:scene3d>
+            <a:sp3d extrusionH="88900"/>
+          </p:spPr>
+          <p:style>
+            <a:lnRef idx="2">
+              <a:schemeClr val="accent1">
+                <a:hueOff val="0"/>
+                <a:satOff val="0"/>
+                <a:lumOff val="0"/>
+                <a:alphaOff val="0"/>
+              </a:schemeClr>
+            </a:lnRef>
+            <a:fillRef idx="1">
+              <a:scrgbClr r="0" g="0" b="0"/>
+            </a:fillRef>
+            <a:effectRef idx="0">
+              <a:schemeClr val="lt1">
+                <a:alpha val="90000"/>
+                <a:hueOff val="0"/>
+                <a:satOff val="0"/>
+                <a:lumOff val="0"/>
+                <a:alphaOff val="0"/>
+              </a:schemeClr>
+            </a:effectRef>
+            <a:fontRef idx="minor">
+              <a:schemeClr val="dk1">
+                <a:hueOff val="0"/>
+                <a:satOff val="0"/>
+                <a:lumOff val="0"/>
+                <a:alphaOff val="0"/>
+              </a:schemeClr>
+            </a:fontRef>
+          </p:style>
+          <p:txBody>
+            <a:bodyPr spcFirstLastPara="0" vert="horz" wrap="square" lIns="59400" tIns="4715" rIns="59400" bIns="4715" numCol="1" spcCol="1270" anchor="ctr" anchorCtr="0">
+              <a:noAutofit/>
+              <a:flatTx/>
+            </a:bodyPr>
+            <a:lstStyle/>
+            <a:p>
+              <a:pPr algn="ctr" defTabSz="330044">
+                <a:lnSpc>
+                  <a:spcPct val="90000"/>
+                </a:lnSpc>
+                <a:spcBef>
+                  <a:spcPct val="0"/>
+                </a:spcBef>
+                <a:spcAft>
+                  <a:spcPct val="35000"/>
+                </a:spcAft>
+              </a:pPr>
+              <a:r>
+                <a:rPr lang="en-US" sz="825" dirty="0">
+                  <a:solidFill>
+                    <a:schemeClr val="bg1"/>
+                  </a:solidFill>
+                </a:rPr>
+                <a:t>VP Propulsion</a:t>
+              </a:r>
+            </a:p>
+          </p:txBody>
+        </p:sp>
+      </p:grpSp>
+      <p:grpSp>
+        <p:nvGrpSpPr>
+          <p:cNvPr id="69" name="Group 68">
+            <a:extLst>
+              <a:ext uri="{FF2B5EF4-FFF2-40B4-BE49-F238E27FC236}">
+                <a16:creationId xmlns:a16="http://schemas.microsoft.com/office/drawing/2014/main" id="{1D0C17FD-0081-40EF-A9FD-74C7001B881A}"/>
+              </a:ext>
+              <a:ext uri="{C183D7F6-B498-43B3-948B-1728B52AA6E4}">
+                <adec:decorative xmlns:adec="http://schemas.microsoft.com/office/drawing/2017/decorative" xmlns="" val="1"/>
+              </a:ext>
+            </a:extLst>
+          </p:cNvPr>
+          <p:cNvGrpSpPr/>
+          <p:nvPr/>
+        </p:nvGrpSpPr>
+        <p:grpSpPr>
+          <a:xfrm>
+            <a:off x="3747599" y="1737629"/>
+            <a:ext cx="1145358" cy="449136"/>
+            <a:chOff x="4544127" y="3090121"/>
+            <a:chExt cx="1388313" cy="544407"/>
+          </a:xfrm>
+        </p:grpSpPr>
+        <p:sp>
+          <p:nvSpPr>
+            <p:cNvPr id="32" name="Rectangle 31">
+              <a:extLst>
+                <a:ext uri="{FF2B5EF4-FFF2-40B4-BE49-F238E27FC236}">
+                  <a16:creationId xmlns:a16="http://schemas.microsoft.com/office/drawing/2014/main" id="{889D3686-F316-4353-8E34-486E47731DEA}"/>
+                </a:ext>
+              </a:extLst>
+            </p:cNvPr>
+            <p:cNvSpPr/>
+            <p:nvPr/>
+          </p:nvSpPr>
+          <p:spPr>
+            <a:xfrm>
+              <a:off x="4544127" y="3090121"/>
+              <a:ext cx="1368000" cy="509451"/>
+            </a:xfrm>
+            <a:prstGeom prst="rect">
+              <a:avLst/>
+            </a:prstGeom>
+            <a:solidFill>
+              <a:schemeClr val="bg1"/>
+            </a:solidFill>
+            <a:ln w="3175" cap="rnd" cmpd="sng" algn="ctr">
+              <a:solidFill>
+                <a:schemeClr val="bg1">
+                  <a:lumMod val="85000"/>
+                </a:schemeClr>
+              </a:solidFill>
+              <a:prstDash val="solid"/>
+            </a:ln>
+            <a:effectLst/>
+            <a:scene3d>
+              <a:camera prst="obliqueTopLeft"/>
+              <a:lightRig rig="soft" dir="t"/>
+            </a:scene3d>
+            <a:sp3d extrusionH="190500" prstMaterial="matte">
+              <a:contourClr>
+                <a:prstClr val="black">
+                  <a:lumMod val="50000"/>
+                  <a:lumOff val="50000"/>
+                </a:prstClr>
+              </a:contourClr>
+            </a:sp3d>
+          </p:spPr>
+          <p:style>
+            <a:lnRef idx="2">
+              <a:scrgbClr r="0" g="0" b="0"/>
+            </a:lnRef>
+            <a:fillRef idx="1">
+              <a:scrgbClr r="0" g="0" b="0"/>
+            </a:fillRef>
+            <a:effectRef idx="0">
+              <a:scrgbClr r="0" g="0" b="0"/>
+            </a:effectRef>
+            <a:fontRef idx="minor">
+              <a:schemeClr val="lt1"/>
+            </a:fontRef>
+          </p:style>
+          <p:txBody>
+            <a:bodyPr spcFirstLastPara="0" vert="horz" wrap="square" lIns="59400" tIns="4715" rIns="59400" bIns="44559" numCol="1" spcCol="1270" anchor="ctr" anchorCtr="0">
+              <a:noAutofit/>
+              <a:flatTx/>
+            </a:bodyPr>
+            <a:lstStyle/>
+            <a:p>
+              <a:pPr algn="ctr" defTabSz="330044">
+                <a:lnSpc>
+                  <a:spcPct val="90000"/>
+                </a:lnSpc>
+                <a:spcBef>
+                  <a:spcPct val="0"/>
+                </a:spcBef>
+                <a:spcAft>
+                  <a:spcPct val="35000"/>
+                </a:spcAft>
+              </a:pPr>
+              <a:r>
+                <a:rPr lang="en-US" sz="990" dirty="0">
+                  <a:solidFill>
+                    <a:schemeClr val="tx1"/>
+                  </a:solidFill>
+                </a:rPr>
+                <a:t>Thomas Collins</a:t>
+              </a:r>
+            </a:p>
+          </p:txBody>
+        </p:sp>
+        <p:sp>
+          <p:nvSpPr>
+            <p:cNvPr id="33" name="Rectangle 32">
+              <a:extLst>
+                <a:ext uri="{FF2B5EF4-FFF2-40B4-BE49-F238E27FC236}">
+                  <a16:creationId xmlns:a16="http://schemas.microsoft.com/office/drawing/2014/main" id="{59BC051C-564D-4692-A9F7-7318F9F117E2}"/>
+                </a:ext>
+              </a:extLst>
+            </p:cNvPr>
+            <p:cNvSpPr/>
+            <p:nvPr/>
+          </p:nvSpPr>
+          <p:spPr>
+            <a:xfrm>
+              <a:off x="4564440" y="3526528"/>
+              <a:ext cx="1368000" cy="108000"/>
+            </a:xfrm>
+            <a:prstGeom prst="rect">
+              <a:avLst/>
+            </a:prstGeom>
+            <a:solidFill>
+              <a:srgbClr val="FFC000"/>
+            </a:solidFill>
+            <a:ln>
+              <a:solidFill>
+                <a:srgbClr val="FFC000"/>
+              </a:solidFill>
+            </a:ln>
+            <a:effectLst>
+              <a:glow rad="254000">
+                <a:schemeClr val="accent1">
+                  <a:satMod val="175000"/>
+                  <a:alpha val="10000"/>
+                </a:schemeClr>
+              </a:glow>
+            </a:effectLst>
+            <a:scene3d>
+              <a:camera prst="obliqueTopLeft"/>
+              <a:lightRig rig="brightRoom" dir="t"/>
+            </a:scene3d>
+            <a:sp3d extrusionH="88900"/>
+          </p:spPr>
+          <p:style>
+            <a:lnRef idx="2">
+              <a:schemeClr val="accent1">
+                <a:hueOff val="0"/>
+                <a:satOff val="0"/>
+                <a:lumOff val="0"/>
+                <a:alphaOff val="0"/>
+              </a:schemeClr>
+            </a:lnRef>
+            <a:fillRef idx="1">
+              <a:scrgbClr r="0" g="0" b="0"/>
+            </a:fillRef>
+            <a:effectRef idx="0">
+              <a:schemeClr val="lt1">
+                <a:alpha val="90000"/>
+                <a:hueOff val="0"/>
+                <a:satOff val="0"/>
+                <a:lumOff val="0"/>
+                <a:alphaOff val="0"/>
+              </a:schemeClr>
+            </a:effectRef>
+            <a:fontRef idx="minor">
+              <a:schemeClr val="dk1">
+                <a:hueOff val="0"/>
+                <a:satOff val="0"/>
+                <a:lumOff val="0"/>
+                <a:alphaOff val="0"/>
+              </a:schemeClr>
+            </a:fontRef>
+          </p:style>
+          <p:txBody>
+            <a:bodyPr spcFirstLastPara="0" vert="horz" wrap="square" lIns="59400" tIns="4715" rIns="59400" bIns="4715" numCol="1" spcCol="1270" anchor="ctr" anchorCtr="0">
+              <a:noAutofit/>
+              <a:flatTx/>
+            </a:bodyPr>
+            <a:lstStyle/>
+            <a:p>
+              <a:pPr algn="ctr" defTabSz="330044">
+                <a:lnSpc>
+                  <a:spcPct val="90000"/>
+                </a:lnSpc>
+                <a:spcBef>
+                  <a:spcPct val="0"/>
+                </a:spcBef>
+                <a:spcAft>
+                  <a:spcPct val="35000"/>
+                </a:spcAft>
+              </a:pPr>
+              <a:r>
+                <a:rPr lang="en-US" sz="825" dirty="0">
+                  <a:solidFill>
+                    <a:schemeClr val="bg1"/>
+                  </a:solidFill>
+                </a:rPr>
+                <a:t>VP Frame</a:t>
+              </a:r>
+            </a:p>
+          </p:txBody>
+        </p:sp>
+      </p:grpSp>
+      <p:grpSp>
+        <p:nvGrpSpPr>
+          <p:cNvPr id="90" name="Group 89">
+            <a:extLst>
+              <a:ext uri="{FF2B5EF4-FFF2-40B4-BE49-F238E27FC236}">
+                <a16:creationId xmlns:a16="http://schemas.microsoft.com/office/drawing/2014/main" id="{E4B64F0C-D8B5-4B34-A22A-D85D0F7D2F51}"/>
+              </a:ext>
+              <a:ext uri="{C183D7F6-B498-43B3-948B-1728B52AA6E4}">
+                <adec:decorative xmlns:adec="http://schemas.microsoft.com/office/drawing/2017/decorative" xmlns="" val="1"/>
+              </a:ext>
+            </a:extLst>
+          </p:cNvPr>
+          <p:cNvGrpSpPr/>
+          <p:nvPr/>
+        </p:nvGrpSpPr>
+        <p:grpSpPr>
+          <a:xfrm>
+            <a:off x="5737165" y="1737629"/>
+            <a:ext cx="1143899" cy="449136"/>
+            <a:chOff x="8010825" y="3090121"/>
+            <a:chExt cx="1386544" cy="544407"/>
+          </a:xfrm>
+        </p:grpSpPr>
+        <p:sp>
+          <p:nvSpPr>
+            <p:cNvPr id="40" name="Rectangle 39">
+              <a:extLst>
+                <a:ext uri="{FF2B5EF4-FFF2-40B4-BE49-F238E27FC236}">
+                  <a16:creationId xmlns:a16="http://schemas.microsoft.com/office/drawing/2014/main" id="{FDBD7287-E572-4289-A072-B39B574151C1}"/>
+                </a:ext>
+              </a:extLst>
+            </p:cNvPr>
+            <p:cNvSpPr/>
+            <p:nvPr/>
+          </p:nvSpPr>
+          <p:spPr>
+            <a:xfrm>
+              <a:off x="8010825" y="3090121"/>
+              <a:ext cx="1368000" cy="509451"/>
+            </a:xfrm>
+            <a:prstGeom prst="rect">
+              <a:avLst/>
+            </a:prstGeom>
+            <a:gradFill>
+              <a:gsLst>
+                <a:gs pos="0">
+                  <a:schemeClr val="bg1"/>
+                </a:gs>
+                <a:gs pos="100000">
+                  <a:schemeClr val="bg1">
+                    <a:lumMod val="85000"/>
+                  </a:schemeClr>
+                </a:gs>
+              </a:gsLst>
+              <a:lin ang="5400000" scaled="0"/>
+            </a:gradFill>
+            <a:ln w="3175">
+              <a:solidFill>
+                <a:schemeClr val="bg1">
+                  <a:lumMod val="85000"/>
+                </a:schemeClr>
+              </a:solidFill>
+            </a:ln>
+            <a:effectLst/>
+            <a:scene3d>
+              <a:camera prst="obliqueTopLeft"/>
+              <a:lightRig rig="soft" dir="t"/>
+            </a:scene3d>
+            <a:sp3d extrusionH="190500" prstMaterial="matte">
+              <a:contourClr>
+                <a:schemeClr val="tx1">
+                  <a:lumMod val="50000"/>
+                  <a:lumOff val="50000"/>
+                </a:schemeClr>
+              </a:contourClr>
+            </a:sp3d>
+          </p:spPr>
+          <p:style>
+            <a:lnRef idx="2">
+              <a:scrgbClr r="0" g="0" b="0"/>
+            </a:lnRef>
+            <a:fillRef idx="1">
+              <a:scrgbClr r="0" g="0" b="0"/>
+            </a:fillRef>
+            <a:effectRef idx="0">
+              <a:schemeClr val="accent1">
+                <a:hueOff val="0"/>
+                <a:satOff val="0"/>
+                <a:lumOff val="0"/>
+                <a:alphaOff val="0"/>
+              </a:schemeClr>
+            </a:effectRef>
+            <a:fontRef idx="minor">
+              <a:schemeClr val="lt1"/>
+            </a:fontRef>
+          </p:style>
+          <p:txBody>
+            <a:bodyPr spcFirstLastPara="0" vert="horz" wrap="square" lIns="59400" tIns="4715" rIns="59400" bIns="44559" numCol="1" spcCol="1270" anchor="ctr" anchorCtr="0">
+              <a:noAutofit/>
+              <a:flatTx/>
+            </a:bodyPr>
+            <a:lstStyle/>
+            <a:p>
+              <a:pPr algn="ctr" defTabSz="330044">
+                <a:lnSpc>
+                  <a:spcPct val="90000"/>
+                </a:lnSpc>
+                <a:spcBef>
+                  <a:spcPct val="0"/>
+                </a:spcBef>
+                <a:spcAft>
+                  <a:spcPct val="35000"/>
+                </a:spcAft>
+              </a:pPr>
+              <a:r>
+                <a:rPr lang="en-US" sz="990" dirty="0">
+                  <a:solidFill>
+                    <a:schemeClr val="tx1"/>
+                  </a:solidFill>
+                </a:rPr>
+                <a:t>Lucas Simmonds</a:t>
+              </a:r>
+            </a:p>
+          </p:txBody>
+        </p:sp>
+        <p:sp>
+          <p:nvSpPr>
+            <p:cNvPr id="41" name="Rectangle 40">
+              <a:extLst>
+                <a:ext uri="{FF2B5EF4-FFF2-40B4-BE49-F238E27FC236}">
+                  <a16:creationId xmlns:a16="http://schemas.microsoft.com/office/drawing/2014/main" id="{B90170B1-F933-4621-B15D-52CA42553300}"/>
+                </a:ext>
+              </a:extLst>
+            </p:cNvPr>
+            <p:cNvSpPr/>
+            <p:nvPr/>
+          </p:nvSpPr>
+          <p:spPr>
+            <a:xfrm>
+              <a:off x="8029369" y="3526528"/>
+              <a:ext cx="1368000" cy="108000"/>
+            </a:xfrm>
+            <a:prstGeom prst="rect">
+              <a:avLst/>
+            </a:prstGeom>
+            <a:solidFill>
+              <a:srgbClr val="0070C0"/>
+            </a:solidFill>
+            <a:ln>
+              <a:noFill/>
+            </a:ln>
+            <a:effectLst>
+              <a:glow rad="254000">
+                <a:schemeClr val="accent6">
+                  <a:satMod val="175000"/>
+                  <a:alpha val="10000"/>
+                </a:schemeClr>
+              </a:glow>
+            </a:effectLst>
+            <a:scene3d>
+              <a:camera prst="obliqueTopLeft"/>
+              <a:lightRig rig="brightRoom" dir="t"/>
+            </a:scene3d>
+            <a:sp3d extrusionH="88900"/>
+          </p:spPr>
+          <p:style>
+            <a:lnRef idx="2">
+              <a:schemeClr val="accent1">
+                <a:hueOff val="0"/>
+                <a:satOff val="0"/>
+                <a:lumOff val="0"/>
+                <a:alphaOff val="0"/>
+              </a:schemeClr>
+            </a:lnRef>
+            <a:fillRef idx="1">
+              <a:scrgbClr r="0" g="0" b="0"/>
+            </a:fillRef>
+            <a:effectRef idx="0">
+              <a:schemeClr val="lt1">
+                <a:alpha val="90000"/>
+                <a:hueOff val="0"/>
+                <a:satOff val="0"/>
+                <a:lumOff val="0"/>
+                <a:alphaOff val="0"/>
+              </a:schemeClr>
+            </a:effectRef>
+            <a:fontRef idx="minor">
+              <a:schemeClr val="dk1">
+                <a:hueOff val="0"/>
+                <a:satOff val="0"/>
+                <a:lumOff val="0"/>
+                <a:alphaOff val="0"/>
+              </a:schemeClr>
+            </a:fontRef>
+          </p:style>
+          <p:txBody>
+            <a:bodyPr spcFirstLastPara="0" vert="horz" wrap="square" lIns="59400" tIns="0" rIns="59400" bIns="4715" numCol="1" spcCol="1270" anchor="ctr" anchorCtr="0">
+              <a:noAutofit/>
+              <a:flatTx/>
+            </a:bodyPr>
+            <a:lstStyle/>
+            <a:p>
+              <a:pPr algn="ctr" defTabSz="330044">
+                <a:lnSpc>
+                  <a:spcPct val="90000"/>
+                </a:lnSpc>
+                <a:spcBef>
+                  <a:spcPct val="0"/>
+                </a:spcBef>
+                <a:spcAft>
+                  <a:spcPct val="35000"/>
+                </a:spcAft>
+              </a:pPr>
+              <a:r>
+                <a:rPr lang="en-US" sz="825" dirty="0">
+                  <a:solidFill>
+                    <a:schemeClr val="bg1"/>
+                  </a:solidFill>
+                </a:rPr>
+                <a:t>VP Avionics</a:t>
+              </a:r>
+            </a:p>
+          </p:txBody>
+        </p:sp>
+      </p:grpSp>
+      <p:grpSp>
+        <p:nvGrpSpPr>
+          <p:cNvPr id="89" name="Group 88">
+            <a:extLst>
+              <a:ext uri="{FF2B5EF4-FFF2-40B4-BE49-F238E27FC236}">
+                <a16:creationId xmlns:a16="http://schemas.microsoft.com/office/drawing/2014/main" id="{484B9E92-D14A-4F75-88C6-459716737C4A}"/>
+              </a:ext>
+              <a:ext uri="{C183D7F6-B498-43B3-948B-1728B52AA6E4}">
+                <adec:decorative xmlns:adec="http://schemas.microsoft.com/office/drawing/2017/decorative" xmlns="" val="1"/>
+              </a:ext>
+            </a:extLst>
+          </p:cNvPr>
+          <p:cNvGrpSpPr/>
+          <p:nvPr/>
+        </p:nvGrpSpPr>
+        <p:grpSpPr>
+          <a:xfrm>
+            <a:off x="8093443" y="1737629"/>
+            <a:ext cx="1144735" cy="449136"/>
+            <a:chOff x="9744174" y="3090121"/>
+            <a:chExt cx="1387558" cy="544407"/>
+          </a:xfrm>
+        </p:grpSpPr>
+        <p:sp>
+          <p:nvSpPr>
+            <p:cNvPr id="44" name="Rectangle 43">
+              <a:extLst>
+                <a:ext uri="{FF2B5EF4-FFF2-40B4-BE49-F238E27FC236}">
+                  <a16:creationId xmlns:a16="http://schemas.microsoft.com/office/drawing/2014/main" id="{AD59A8A5-B7C2-4281-BC49-3B1FBAB6F7EA}"/>
+                </a:ext>
+              </a:extLst>
+            </p:cNvPr>
+            <p:cNvSpPr/>
+            <p:nvPr/>
+          </p:nvSpPr>
+          <p:spPr>
+            <a:xfrm>
+              <a:off x="9744174" y="3090121"/>
+              <a:ext cx="1368000" cy="509451"/>
+            </a:xfrm>
+            <a:prstGeom prst="rect">
+              <a:avLst/>
+            </a:prstGeom>
+            <a:gradFill>
+              <a:gsLst>
+                <a:gs pos="0">
+                  <a:schemeClr val="bg1"/>
+                </a:gs>
+                <a:gs pos="100000">
+                  <a:schemeClr val="bg1">
+                    <a:lumMod val="85000"/>
+                  </a:schemeClr>
+                </a:gs>
+              </a:gsLst>
+              <a:lin ang="5400000" scaled="0"/>
+            </a:gradFill>
+            <a:ln w="3175">
+              <a:solidFill>
+                <a:schemeClr val="bg1">
+                  <a:lumMod val="85000"/>
+                </a:schemeClr>
+              </a:solidFill>
+            </a:ln>
+            <a:effectLst/>
+            <a:scene3d>
+              <a:camera prst="obliqueTopLeft"/>
+              <a:lightRig rig="soft" dir="t"/>
+            </a:scene3d>
+            <a:sp3d extrusionH="190500" prstMaterial="matte">
+              <a:contourClr>
+                <a:schemeClr val="tx1">
+                  <a:lumMod val="50000"/>
+                  <a:lumOff val="50000"/>
+                </a:schemeClr>
+              </a:contourClr>
+            </a:sp3d>
+          </p:spPr>
+          <p:style>
+            <a:lnRef idx="2">
+              <a:scrgbClr r="0" g="0" b="0"/>
+            </a:lnRef>
+            <a:fillRef idx="1">
+              <a:scrgbClr r="0" g="0" b="0"/>
+            </a:fillRef>
+            <a:effectRef idx="0">
+              <a:schemeClr val="accent1">
+                <a:hueOff val="0"/>
+                <a:satOff val="0"/>
+                <a:lumOff val="0"/>
+                <a:alphaOff val="0"/>
+              </a:schemeClr>
+            </a:effectRef>
+            <a:fontRef idx="minor">
+              <a:schemeClr val="lt1"/>
+            </a:fontRef>
+          </p:style>
+          <p:txBody>
+            <a:bodyPr spcFirstLastPara="0" vert="horz" wrap="square" lIns="59400" tIns="4715" rIns="59400" bIns="44559" numCol="1" spcCol="1270" anchor="ctr" anchorCtr="0">
+              <a:noAutofit/>
+              <a:flatTx/>
+            </a:bodyPr>
+            <a:lstStyle/>
+            <a:p>
+              <a:pPr algn="ctr" defTabSz="330044">
+                <a:lnSpc>
+                  <a:spcPct val="90000"/>
+                </a:lnSpc>
+                <a:spcBef>
+                  <a:spcPct val="0"/>
+                </a:spcBef>
+                <a:spcAft>
+                  <a:spcPct val="35000"/>
+                </a:spcAft>
+              </a:pPr>
+              <a:r>
+                <a:rPr lang="en-US" sz="990" dirty="0">
+                  <a:solidFill>
+                    <a:schemeClr val="tx1"/>
+                  </a:solidFill>
+                </a:rPr>
+                <a:t>Silas Johnson</a:t>
+              </a:r>
+            </a:p>
+          </p:txBody>
+        </p:sp>
+        <p:sp>
+          <p:nvSpPr>
+            <p:cNvPr id="45" name="Rectangle 44">
+              <a:extLst>
+                <a:ext uri="{FF2B5EF4-FFF2-40B4-BE49-F238E27FC236}">
+                  <a16:creationId xmlns:a16="http://schemas.microsoft.com/office/drawing/2014/main" id="{706FC325-8328-441D-A7A0-0325372DC7CD}"/>
+                </a:ext>
+              </a:extLst>
+            </p:cNvPr>
+            <p:cNvSpPr/>
+            <p:nvPr/>
+          </p:nvSpPr>
+          <p:spPr>
+            <a:xfrm>
+              <a:off x="9763732" y="3526528"/>
+              <a:ext cx="1368000" cy="108000"/>
+            </a:xfrm>
+            <a:prstGeom prst="rect">
+              <a:avLst/>
+            </a:prstGeom>
+            <a:solidFill>
+              <a:srgbClr val="7030A0"/>
+            </a:solidFill>
+            <a:ln>
+              <a:noFill/>
+            </a:ln>
+            <a:effectLst>
+              <a:glow rad="254000">
+                <a:schemeClr val="accent3">
+                  <a:satMod val="175000"/>
+                  <a:alpha val="10000"/>
+                </a:schemeClr>
+              </a:glow>
+            </a:effectLst>
+            <a:scene3d>
+              <a:camera prst="obliqueTopLeft"/>
+              <a:lightRig rig="brightRoom" dir="t"/>
+            </a:scene3d>
+            <a:sp3d extrusionH="88900"/>
+          </p:spPr>
+          <p:style>
+            <a:lnRef idx="2">
+              <a:schemeClr val="accent1">
+                <a:hueOff val="0"/>
+                <a:satOff val="0"/>
+                <a:lumOff val="0"/>
+                <a:alphaOff val="0"/>
+              </a:schemeClr>
+            </a:lnRef>
+            <a:fillRef idx="1">
+              <a:scrgbClr r="0" g="0" b="0"/>
+            </a:fillRef>
+            <a:effectRef idx="0">
+              <a:schemeClr val="lt1">
+                <a:alpha val="90000"/>
+                <a:hueOff val="0"/>
+                <a:satOff val="0"/>
+                <a:lumOff val="0"/>
+                <a:alphaOff val="0"/>
+              </a:schemeClr>
+            </a:effectRef>
+            <a:fontRef idx="minor">
+              <a:schemeClr val="dk1">
+                <a:hueOff val="0"/>
+                <a:satOff val="0"/>
+                <a:lumOff val="0"/>
+                <a:alphaOff val="0"/>
+              </a:schemeClr>
+            </a:fontRef>
+          </p:style>
+          <p:txBody>
+            <a:bodyPr spcFirstLastPara="0" vert="horz" wrap="square" lIns="59400" tIns="4715" rIns="59400" bIns="4715" numCol="1" spcCol="1270" anchor="ctr" anchorCtr="0">
+              <a:noAutofit/>
+              <a:flatTx/>
+            </a:bodyPr>
+            <a:lstStyle/>
+            <a:p>
+              <a:pPr algn="ctr" defTabSz="330044">
+                <a:lnSpc>
+                  <a:spcPct val="90000"/>
+                </a:lnSpc>
+                <a:spcBef>
+                  <a:spcPct val="0"/>
+                </a:spcBef>
+                <a:spcAft>
+                  <a:spcPct val="35000"/>
+                </a:spcAft>
+              </a:pPr>
+              <a:r>
+                <a:rPr lang="en-US" sz="825" dirty="0">
+                  <a:solidFill>
+                    <a:schemeClr val="bg1"/>
+                  </a:solidFill>
+                </a:rPr>
+                <a:t>VP Operations</a:t>
+              </a:r>
+            </a:p>
+          </p:txBody>
+        </p:sp>
+      </p:grpSp>
+      <p:cxnSp>
+        <p:nvCxnSpPr>
+          <p:cNvPr id="83" name="Straight Connector 82" descr="decorative element">
+            <a:extLst>
+              <a:ext uri="{FF2B5EF4-FFF2-40B4-BE49-F238E27FC236}">
+                <a16:creationId xmlns:a16="http://schemas.microsoft.com/office/drawing/2014/main" id="{6B7B494C-8888-457E-82D1-32EE6B401023}"/>
+              </a:ext>
+            </a:extLst>
+          </p:cNvPr>
+          <p:cNvCxnSpPr/>
+          <p:nvPr/>
+        </p:nvCxnSpPr>
+        <p:spPr>
+          <a:xfrm>
+            <a:off x="1882670" y="2222367"/>
+            <a:ext cx="0" cy="253971"/>
+          </a:xfrm>
+          <a:prstGeom prst="line">
+            <a:avLst/>
+          </a:prstGeom>
+          <a:ln w="3175">
+            <a:solidFill>
+              <a:schemeClr val="bg1">
+                <a:lumMod val="75000"/>
+              </a:schemeClr>
+            </a:solidFill>
+            <a:prstDash val="solid"/>
+            <a:headEnd type="none" w="sm" len="sm"/>
+            <a:tailEnd type="none" w="sm" len="sm"/>
+          </a:ln>
+          <a:scene3d>
+            <a:camera prst="obliqueTopLeft"/>
+            <a:lightRig rig="threePt" dir="t"/>
+          </a:scene3d>
+        </p:spPr>
+        <p:style>
+          <a:lnRef idx="1">
+            <a:schemeClr val="accent1"/>
+          </a:lnRef>
+          <a:fillRef idx="0">
+            <a:schemeClr val="accent1"/>
+          </a:fillRef>
+          <a:effectRef idx="0">
+            <a:schemeClr val="accent1"/>
+          </a:effectRef>
+          <a:fontRef idx="minor">
+            <a:schemeClr val="tx1"/>
+          </a:fontRef>
+        </p:style>
+      </p:cxnSp>
+      <p:cxnSp>
+        <p:nvCxnSpPr>
+          <p:cNvPr id="84" name="Straight Connector 83" descr="decorative element">
+            <a:extLst>
+              <a:ext uri="{FF2B5EF4-FFF2-40B4-BE49-F238E27FC236}">
+                <a16:creationId xmlns:a16="http://schemas.microsoft.com/office/drawing/2014/main" id="{215A627E-A616-4B35-A822-BCD857D053E8}"/>
+              </a:ext>
+            </a:extLst>
+          </p:cNvPr>
+          <p:cNvCxnSpPr/>
+          <p:nvPr/>
+        </p:nvCxnSpPr>
+        <p:spPr>
+          <a:xfrm>
+            <a:off x="4313009" y="2208652"/>
+            <a:ext cx="0" cy="253971"/>
+          </a:xfrm>
+          <a:prstGeom prst="line">
+            <a:avLst/>
+          </a:prstGeom>
+          <a:ln w="3175">
+            <a:solidFill>
+              <a:schemeClr val="bg1">
+                <a:lumMod val="75000"/>
+              </a:schemeClr>
+            </a:solidFill>
+            <a:prstDash val="solid"/>
+            <a:headEnd type="none" w="sm" len="sm"/>
+            <a:tailEnd type="none" w="sm" len="sm"/>
+          </a:ln>
+          <a:scene3d>
+            <a:camera prst="obliqueTopLeft"/>
+            <a:lightRig rig="threePt" dir="t"/>
+          </a:scene3d>
+        </p:spPr>
+        <p:style>
+          <a:lnRef idx="1">
+            <a:schemeClr val="accent1"/>
+          </a:lnRef>
+          <a:fillRef idx="0">
+            <a:schemeClr val="accent1"/>
+          </a:fillRef>
+          <a:effectRef idx="0">
+            <a:schemeClr val="accent1"/>
+          </a:effectRef>
+          <a:fontRef idx="minor">
+            <a:schemeClr val="tx1"/>
+          </a:fontRef>
+        </p:style>
+      </p:cxnSp>
+      <p:cxnSp>
+        <p:nvCxnSpPr>
+          <p:cNvPr id="86" name="Straight Connector 85" descr="decorative element">
+            <a:extLst>
+              <a:ext uri="{FF2B5EF4-FFF2-40B4-BE49-F238E27FC236}">
+                <a16:creationId xmlns:a16="http://schemas.microsoft.com/office/drawing/2014/main" id="{499176F8-BEEF-4A37-97C9-A7E8592211E9}"/>
+              </a:ext>
+            </a:extLst>
+          </p:cNvPr>
+          <p:cNvCxnSpPr/>
+          <p:nvPr/>
+        </p:nvCxnSpPr>
+        <p:spPr>
+          <a:xfrm>
+            <a:off x="6301897" y="2208652"/>
+            <a:ext cx="0" cy="253971"/>
+          </a:xfrm>
+          <a:prstGeom prst="line">
+            <a:avLst/>
+          </a:prstGeom>
+          <a:ln w="3175">
+            <a:solidFill>
+              <a:schemeClr val="bg1">
+                <a:lumMod val="75000"/>
+              </a:schemeClr>
+            </a:solidFill>
+            <a:prstDash val="solid"/>
+            <a:headEnd type="none" w="sm" len="sm"/>
+            <a:tailEnd type="none" w="sm" len="sm"/>
+          </a:ln>
+          <a:scene3d>
+            <a:camera prst="obliqueTopLeft"/>
+            <a:lightRig rig="threePt" dir="t"/>
+          </a:scene3d>
+        </p:spPr>
+        <p:style>
+          <a:lnRef idx="1">
+            <a:schemeClr val="accent1"/>
+          </a:lnRef>
+          <a:fillRef idx="0">
+            <a:schemeClr val="accent1"/>
+          </a:fillRef>
+          <a:effectRef idx="0">
+            <a:schemeClr val="accent1"/>
+          </a:effectRef>
+          <a:fontRef idx="minor">
+            <a:schemeClr val="tx1"/>
+          </a:fontRef>
+        </p:style>
+      </p:cxnSp>
+      <p:cxnSp>
+        <p:nvCxnSpPr>
+          <p:cNvPr id="87" name="Straight Connector 86" descr="decorative element">
+            <a:extLst>
+              <a:ext uri="{FF2B5EF4-FFF2-40B4-BE49-F238E27FC236}">
+                <a16:creationId xmlns:a16="http://schemas.microsoft.com/office/drawing/2014/main" id="{E0A5E395-38A3-4ED8-A1C1-7892BF5B1BE1}"/>
+              </a:ext>
+            </a:extLst>
+          </p:cNvPr>
+          <p:cNvCxnSpPr/>
+          <p:nvPr/>
+        </p:nvCxnSpPr>
+        <p:spPr>
+          <a:xfrm>
+            <a:off x="8657837" y="2208652"/>
+            <a:ext cx="0" cy="253971"/>
+          </a:xfrm>
+          <a:prstGeom prst="line">
+            <a:avLst/>
+          </a:prstGeom>
+          <a:ln w="3175">
+            <a:solidFill>
+              <a:schemeClr val="bg1">
+                <a:lumMod val="75000"/>
+              </a:schemeClr>
+            </a:solidFill>
+            <a:prstDash val="solid"/>
+            <a:headEnd type="none" w="sm" len="sm"/>
+            <a:tailEnd type="none" w="sm" len="sm"/>
+          </a:ln>
+          <a:scene3d>
+            <a:camera prst="obliqueTopLeft"/>
+            <a:lightRig rig="threePt" dir="t"/>
+          </a:scene3d>
+        </p:spPr>
+        <p:style>
+          <a:lnRef idx="1">
+            <a:schemeClr val="accent1"/>
+          </a:lnRef>
+          <a:fillRef idx="0">
+            <a:schemeClr val="accent1"/>
+          </a:fillRef>
+          <a:effectRef idx="0">
+            <a:schemeClr val="accent1"/>
+          </a:effectRef>
+          <a:fontRef idx="minor">
+            <a:schemeClr val="tx1"/>
+          </a:fontRef>
+        </p:style>
+      </p:cxnSp>
+      <p:sp>
+        <p:nvSpPr>
+          <p:cNvPr id="94" name="Oval 93" descr="decorative element">
+            <a:extLst>
+              <a:ext uri="{FF2B5EF4-FFF2-40B4-BE49-F238E27FC236}">
+                <a16:creationId xmlns:a16="http://schemas.microsoft.com/office/drawing/2014/main" id="{BC24AD9F-130E-4ECB-9C70-2B3233EBF4A4}"/>
+              </a:ext>
+            </a:extLst>
+          </p:cNvPr>
+          <p:cNvSpPr/>
+          <p:nvPr/>
+        </p:nvSpPr>
+        <p:spPr>
+          <a:xfrm>
+            <a:off x="8610642" y="1645946"/>
+            <a:ext cx="94392" cy="70918"/>
+          </a:xfrm>
+          <a:prstGeom prst="ellipse">
+            <a:avLst/>
+          </a:prstGeom>
+          <a:noFill/>
+          <a:ln>
+            <a:noFill/>
+          </a:ln>
+        </p:spPr>
+        <p:style>
+          <a:lnRef idx="2">
+            <a:schemeClr val="accent1">
+              <a:shade val="50000"/>
+            </a:schemeClr>
+          </a:lnRef>
+          <a:fillRef idx="1">
+            <a:schemeClr val="accent1"/>
+          </a:fillRef>
+          <a:effectRef idx="0">
+            <a:schemeClr val="accent1"/>
+          </a:effectRef>
+          <a:fontRef idx="minor">
+            <a:schemeClr val="lt1"/>
+          </a:fontRef>
+        </p:style>
+        <p:txBody>
+          <a:bodyPr rtlCol="0" anchor="ctr"/>
+          <a:lstStyle/>
+          <a:p>
+            <a:pPr algn="ctr"/>
+            <a:endParaRPr lang="en-US" sz="1485" dirty="0"/>
+          </a:p>
+        </p:txBody>
+      </p:sp>
+      <p:grpSp>
+        <p:nvGrpSpPr>
+          <p:cNvPr id="136" name="Group 135">
+            <a:extLst>
+              <a:ext uri="{FF2B5EF4-FFF2-40B4-BE49-F238E27FC236}">
+                <a16:creationId xmlns:a16="http://schemas.microsoft.com/office/drawing/2014/main" id="{FA215D57-115E-4EA6-82EB-CB2CD22D4237}"/>
+              </a:ext>
+              <a:ext uri="{C183D7F6-B498-43B3-948B-1728B52AA6E4}">
+                <adec:decorative xmlns:adec="http://schemas.microsoft.com/office/drawing/2017/decorative" xmlns="" val="1"/>
+              </a:ext>
+            </a:extLst>
+          </p:cNvPr>
+          <p:cNvGrpSpPr/>
+          <p:nvPr/>
+        </p:nvGrpSpPr>
+        <p:grpSpPr>
+          <a:xfrm>
+            <a:off x="4435433" y="630322"/>
+            <a:ext cx="1782000" cy="421931"/>
+            <a:chOff x="5016000" y="1040449"/>
+            <a:chExt cx="2160000" cy="511431"/>
+          </a:xfrm>
+        </p:grpSpPr>
+        <p:sp>
+          <p:nvSpPr>
+            <p:cNvPr id="18" name="Rectangle 17">
+              <a:extLst>
+                <a:ext uri="{FF2B5EF4-FFF2-40B4-BE49-F238E27FC236}">
+                  <a16:creationId xmlns:a16="http://schemas.microsoft.com/office/drawing/2014/main" id="{912543CF-3BD4-40B0-BB18-006DCC4331CA}"/>
+                </a:ext>
+              </a:extLst>
+            </p:cNvPr>
+            <p:cNvSpPr/>
+            <p:nvPr/>
+          </p:nvSpPr>
+          <p:spPr>
+            <a:xfrm>
+              <a:off x="5016000" y="1040449"/>
+              <a:ext cx="2160000" cy="509451"/>
+            </a:xfrm>
+            <a:prstGeom prst="rect">
+              <a:avLst/>
+            </a:prstGeom>
+            <a:solidFill>
+              <a:schemeClr val="bg1"/>
+            </a:solidFill>
+            <a:ln w="12700" cap="rnd" cmpd="sng" algn="ctr">
+              <a:solidFill>
+                <a:schemeClr val="bg1">
+                  <a:lumMod val="85000"/>
+                </a:schemeClr>
+              </a:solidFill>
+              <a:prstDash val="solid"/>
+            </a:ln>
+            <a:effectLst/>
+            <a:scene3d>
+              <a:camera prst="obliqueTopLeft"/>
+              <a:lightRig rig="soft" dir="t"/>
+            </a:scene3d>
+            <a:sp3d extrusionH="190500" prstMaterial="matte">
+              <a:contourClr>
+                <a:prstClr val="black">
+                  <a:lumMod val="50000"/>
+                  <a:lumOff val="50000"/>
+                </a:prstClr>
+              </a:contourClr>
+            </a:sp3d>
+          </p:spPr>
+          <p:style>
+            <a:lnRef idx="2">
+              <a:scrgbClr r="0" g="0" b="0"/>
+            </a:lnRef>
+            <a:fillRef idx="1">
+              <a:scrgbClr r="0" g="0" b="0"/>
+            </a:fillRef>
+            <a:effectRef idx="0">
+              <a:scrgbClr r="0" g="0" b="0"/>
+            </a:effectRef>
+            <a:fontRef idx="minor">
+              <a:schemeClr val="lt1"/>
+            </a:fontRef>
+          </p:style>
+          <p:txBody>
+            <a:bodyPr spcFirstLastPara="0" vert="horz" wrap="square" lIns="4715" tIns="4715" rIns="4715" bIns="44559" numCol="1" spcCol="1270" anchor="ctr" anchorCtr="0">
+              <a:noAutofit/>
+              <a:flatTx/>
+            </a:bodyPr>
+            <a:lstStyle/>
+            <a:p>
+              <a:pPr algn="ctr" defTabSz="330044">
+                <a:lnSpc>
+                  <a:spcPct val="90000"/>
+                </a:lnSpc>
+                <a:spcBef>
+                  <a:spcPct val="0"/>
+                </a:spcBef>
+                <a:spcAft>
+                  <a:spcPct val="35000"/>
+                </a:spcAft>
+              </a:pPr>
+              <a:r>
+                <a:rPr lang="en-US" sz="990" dirty="0">
+                  <a:solidFill>
+                    <a:schemeClr val="tx1"/>
+                  </a:solidFill>
+                </a:rPr>
+                <a:t>Charlie Nitschelm</a:t>
+              </a:r>
+            </a:p>
+          </p:txBody>
+        </p:sp>
+        <p:sp>
+          <p:nvSpPr>
+            <p:cNvPr id="19" name="Rectangle 18">
+              <a:extLst>
+                <a:ext uri="{FF2B5EF4-FFF2-40B4-BE49-F238E27FC236}">
+                  <a16:creationId xmlns:a16="http://schemas.microsoft.com/office/drawing/2014/main" id="{8B9E0DDC-7979-4C1E-B741-9FACE317EF1B}"/>
+                </a:ext>
+              </a:extLst>
+            </p:cNvPr>
+            <p:cNvSpPr/>
+            <p:nvPr/>
+          </p:nvSpPr>
+          <p:spPr>
+            <a:xfrm>
+              <a:off x="5016000" y="1443880"/>
+              <a:ext cx="2160000" cy="108000"/>
+            </a:xfrm>
+            <a:prstGeom prst="rect">
+              <a:avLst/>
+            </a:prstGeom>
+            <a:solidFill>
+              <a:schemeClr val="tx2"/>
+            </a:solidFill>
+            <a:ln w="19050" cap="rnd" cmpd="sng" algn="ctr">
+              <a:noFill/>
+              <a:prstDash val="solid"/>
+            </a:ln>
+            <a:effectLst>
+              <a:glow rad="254000">
+                <a:schemeClr val="accent2">
+                  <a:satMod val="175000"/>
+                  <a:alpha val="10000"/>
+                </a:schemeClr>
+              </a:glow>
+            </a:effectLst>
+            <a:scene3d>
+              <a:camera prst="obliqueTopLeft"/>
+              <a:lightRig rig="brightRoom" dir="t"/>
+            </a:scene3d>
+            <a:sp3d extrusionH="88900"/>
+          </p:spPr>
+          <p:style>
+            <a:lnRef idx="2">
+              <a:scrgbClr r="0" g="0" b="0"/>
+            </a:lnRef>
+            <a:fillRef idx="1">
+              <a:scrgbClr r="0" g="0" b="0"/>
+            </a:fillRef>
+            <a:effectRef idx="0">
+              <a:scrgbClr r="0" g="0" b="0"/>
+            </a:effectRef>
+            <a:fontRef idx="minor">
+              <a:schemeClr val="dk1">
+                <a:hueOff val="0"/>
+                <a:satOff val="0"/>
+                <a:lumOff val="0"/>
+                <a:alphaOff val="0"/>
+              </a:schemeClr>
+            </a:fontRef>
+          </p:style>
+          <p:txBody>
+            <a:bodyPr spcFirstLastPara="0" vert="horz" wrap="square" lIns="18860" tIns="4715" rIns="18860" bIns="4715" numCol="1" spcCol="1270" anchor="ctr" anchorCtr="0">
+              <a:noAutofit/>
+              <a:flatTx/>
+            </a:bodyPr>
+            <a:lstStyle/>
+            <a:p>
+              <a:pPr algn="ctr" defTabSz="330044">
+                <a:lnSpc>
+                  <a:spcPct val="90000"/>
+                </a:lnSpc>
+                <a:spcBef>
+                  <a:spcPct val="0"/>
+                </a:spcBef>
+                <a:spcAft>
+                  <a:spcPct val="35000"/>
+                </a:spcAft>
+              </a:pPr>
+              <a:r>
+                <a:rPr lang="en-US" sz="825" dirty="0">
+                  <a:solidFill>
+                    <a:schemeClr val="bg1"/>
+                  </a:solidFill>
+                </a:rPr>
+                <a:t>Chief Technical Officer</a:t>
+              </a:r>
+            </a:p>
+          </p:txBody>
+        </p:sp>
+      </p:grpSp>
+      <p:sp>
+        <p:nvSpPr>
+          <p:cNvPr id="95" name="Oval 94">
+            <a:extLst>
+              <a:ext uri="{FF2B5EF4-FFF2-40B4-BE49-F238E27FC236}">
+                <a16:creationId xmlns:a16="http://schemas.microsoft.com/office/drawing/2014/main" id="{F63E54AC-1CB7-43BF-B0A4-82DE6FEB1664}"/>
+              </a:ext>
+              <a:ext uri="{C183D7F6-B498-43B3-948B-1728B52AA6E4}">
+                <adec:decorative xmlns:adec="http://schemas.microsoft.com/office/drawing/2017/decorative" xmlns="" val="1"/>
+              </a:ext>
+            </a:extLst>
+          </p:cNvPr>
+          <p:cNvSpPr/>
+          <p:nvPr/>
+        </p:nvSpPr>
+        <p:spPr>
+          <a:xfrm>
+            <a:off x="5290976" y="1050619"/>
+            <a:ext cx="70918" cy="70918"/>
+          </a:xfrm>
+          <a:prstGeom prst="ellipse">
+            <a:avLst/>
+          </a:prstGeom>
+          <a:noFill/>
+          <a:ln>
+            <a:noFill/>
+          </a:ln>
+          <a:scene3d>
+            <a:camera prst="obliqueTopLeft"/>
+            <a:lightRig rig="threePt" dir="t"/>
+          </a:scene3d>
+        </p:spPr>
+        <p:style>
+          <a:lnRef idx="2">
+            <a:schemeClr val="accent1">
+              <a:shade val="50000"/>
+            </a:schemeClr>
+          </a:lnRef>
+          <a:fillRef idx="1">
+            <a:schemeClr val="accent1"/>
+          </a:fillRef>
+          <a:effectRef idx="0">
+            <a:schemeClr val="accent1"/>
+          </a:effectRef>
+          <a:fontRef idx="minor">
+            <a:schemeClr val="lt1"/>
+          </a:fontRef>
+        </p:style>
+        <p:txBody>
+          <a:bodyPr rtlCol="0" anchor="ctr"/>
+          <a:lstStyle/>
+          <a:p>
+            <a:pPr algn="ctr"/>
+            <a:endParaRPr lang="en-US" sz="1485" dirty="0"/>
+          </a:p>
+        </p:txBody>
+      </p:sp>
+      <p:cxnSp>
+        <p:nvCxnSpPr>
+          <p:cNvPr id="96" name="Connector: Elbow 95" descr="decorative element">
+            <a:extLst>
+              <a:ext uri="{FF2B5EF4-FFF2-40B4-BE49-F238E27FC236}">
+                <a16:creationId xmlns:a16="http://schemas.microsoft.com/office/drawing/2014/main" id="{185DC171-E6CD-4880-8EF4-7E0DB7F6C2B2}"/>
+              </a:ext>
+            </a:extLst>
+          </p:cNvPr>
+          <p:cNvCxnSpPr>
+            <a:cxnSpLocks/>
+            <a:stCxn id="95" idx="4"/>
+            <a:endCxn id="94" idx="0"/>
+          </p:cNvCxnSpPr>
+          <p:nvPr/>
+        </p:nvCxnSpPr>
+        <p:spPr>
+          <a:xfrm rot="16200000" flipH="1">
+            <a:off x="6729932" y="-281961"/>
+            <a:ext cx="524409" cy="3331403"/>
+          </a:xfrm>
+          <a:prstGeom prst="bentConnector3">
+            <a:avLst>
+              <a:gd name="adj1" fmla="val 50000"/>
+            </a:avLst>
+          </a:prstGeom>
+          <a:ln w="3175">
+            <a:solidFill>
+              <a:schemeClr val="bg1">
+                <a:lumMod val="75000"/>
+              </a:schemeClr>
+            </a:solidFill>
+            <a:prstDash val="solid"/>
+            <a:headEnd type="none" w="sm" len="sm"/>
+            <a:tailEnd type="none" w="sm" len="sm"/>
+          </a:ln>
+        </p:spPr>
+        <p:style>
+          <a:lnRef idx="1">
+            <a:schemeClr val="accent1"/>
+          </a:lnRef>
+          <a:fillRef idx="0">
+            <a:schemeClr val="accent1"/>
+          </a:fillRef>
+          <a:effectRef idx="0">
+            <a:schemeClr val="accent1"/>
+          </a:effectRef>
+          <a:fontRef idx="minor">
+            <a:schemeClr val="tx1"/>
+          </a:fontRef>
+        </p:style>
+      </p:cxnSp>
+      <p:cxnSp>
+        <p:nvCxnSpPr>
+          <p:cNvPr id="98" name="Straight Connector 97" descr="decorative element">
+            <a:extLst>
+              <a:ext uri="{FF2B5EF4-FFF2-40B4-BE49-F238E27FC236}">
+                <a16:creationId xmlns:a16="http://schemas.microsoft.com/office/drawing/2014/main" id="{98000C8A-C564-4106-9005-252681A7FDFB}"/>
+              </a:ext>
+            </a:extLst>
+          </p:cNvPr>
+          <p:cNvCxnSpPr>
+            <a:cxnSpLocks/>
+          </p:cNvCxnSpPr>
+          <p:nvPr/>
+        </p:nvCxnSpPr>
+        <p:spPr>
+          <a:xfrm>
+            <a:off x="4313009" y="1389739"/>
+            <a:ext cx="0" cy="256205"/>
+          </a:xfrm>
+          <a:prstGeom prst="line">
+            <a:avLst/>
+          </a:prstGeom>
+          <a:ln w="3175">
+            <a:solidFill>
+              <a:schemeClr val="bg1">
+                <a:lumMod val="75000"/>
+              </a:schemeClr>
+            </a:solidFill>
+            <a:prstDash val="solid"/>
+            <a:headEnd type="none" w="sm" len="sm"/>
+            <a:tailEnd type="none" w="sm" len="sm"/>
+          </a:ln>
+        </p:spPr>
+        <p:style>
+          <a:lnRef idx="1">
+            <a:schemeClr val="accent1"/>
+          </a:lnRef>
+          <a:fillRef idx="0">
+            <a:schemeClr val="accent1"/>
+          </a:fillRef>
+          <a:effectRef idx="0">
+            <a:schemeClr val="accent1"/>
+          </a:effectRef>
+          <a:fontRef idx="minor">
+            <a:schemeClr val="tx1"/>
+          </a:fontRef>
+        </p:style>
+      </p:cxnSp>
+      <p:cxnSp>
+        <p:nvCxnSpPr>
+          <p:cNvPr id="100" name="Straight Connector 99" descr="decorative element">
+            <a:extLst>
+              <a:ext uri="{FF2B5EF4-FFF2-40B4-BE49-F238E27FC236}">
+                <a16:creationId xmlns:a16="http://schemas.microsoft.com/office/drawing/2014/main" id="{92CA40FF-E75F-4233-A382-4E9DE1FACF8D}"/>
+              </a:ext>
+            </a:extLst>
+          </p:cNvPr>
+          <p:cNvCxnSpPr>
+            <a:cxnSpLocks/>
+          </p:cNvCxnSpPr>
+          <p:nvPr/>
+        </p:nvCxnSpPr>
+        <p:spPr>
+          <a:xfrm>
+            <a:off x="6217433" y="1383450"/>
+            <a:ext cx="0" cy="262495"/>
+          </a:xfrm>
+          <a:prstGeom prst="line">
+            <a:avLst/>
+          </a:prstGeom>
+          <a:ln w="3175">
+            <a:solidFill>
+              <a:schemeClr val="bg1">
+                <a:lumMod val="75000"/>
+              </a:schemeClr>
+            </a:solidFill>
+            <a:prstDash val="solid"/>
+            <a:headEnd type="none" w="sm" len="sm"/>
+            <a:tailEnd type="none" w="sm" len="sm"/>
+          </a:ln>
+        </p:spPr>
+        <p:style>
+          <a:lnRef idx="1">
+            <a:schemeClr val="accent1"/>
+          </a:lnRef>
+          <a:fillRef idx="0">
+            <a:schemeClr val="accent1"/>
+          </a:fillRef>
+          <a:effectRef idx="0">
+            <a:schemeClr val="accent1"/>
+          </a:effectRef>
+          <a:fontRef idx="minor">
+            <a:schemeClr val="tx1"/>
+          </a:fontRef>
+        </p:style>
+      </p:cxnSp>
+      <p:cxnSp>
+        <p:nvCxnSpPr>
+          <p:cNvPr id="102" name="Connector: Elbow 101" descr="decorative element">
+            <a:extLst>
+              <a:ext uri="{FF2B5EF4-FFF2-40B4-BE49-F238E27FC236}">
+                <a16:creationId xmlns:a16="http://schemas.microsoft.com/office/drawing/2014/main" id="{80F86D22-CEA2-4A4D-87DC-3B49E4B5F94B}"/>
+              </a:ext>
+            </a:extLst>
+          </p:cNvPr>
+          <p:cNvCxnSpPr>
+            <a:cxnSpLocks/>
+            <a:endCxn id="95" idx="4"/>
+          </p:cNvCxnSpPr>
+          <p:nvPr/>
+        </p:nvCxnSpPr>
+        <p:spPr>
+          <a:xfrm flipV="1">
+            <a:off x="1902000" y="1121537"/>
+            <a:ext cx="3424435" cy="261914"/>
+          </a:xfrm>
+          <a:prstGeom prst="bentConnector2">
+            <a:avLst/>
+          </a:prstGeom>
+          <a:ln w="3175">
+            <a:solidFill>
+              <a:schemeClr val="bg1">
+                <a:lumMod val="75000"/>
+              </a:schemeClr>
+            </a:solidFill>
+            <a:prstDash val="solid"/>
+            <a:headEnd type="none" w="sm" len="sm"/>
+            <a:tailEnd type="none" w="sm" len="sm"/>
+          </a:ln>
+        </p:spPr>
+        <p:style>
+          <a:lnRef idx="1">
+            <a:schemeClr val="accent1"/>
+          </a:lnRef>
+          <a:fillRef idx="0">
+            <a:schemeClr val="accent1"/>
+          </a:fillRef>
+          <a:effectRef idx="0">
+            <a:schemeClr val="accent1"/>
+          </a:effectRef>
+          <a:fontRef idx="minor">
+            <a:schemeClr val="tx1"/>
+          </a:fontRef>
+        </p:style>
+      </p:cxnSp>
+      <p:cxnSp>
+        <p:nvCxnSpPr>
+          <p:cNvPr id="105" name="Straight Connector 104" descr="decorative element">
+            <a:extLst>
+              <a:ext uri="{FF2B5EF4-FFF2-40B4-BE49-F238E27FC236}">
+                <a16:creationId xmlns:a16="http://schemas.microsoft.com/office/drawing/2014/main" id="{17E87D94-195E-419C-9249-408C5C34A97F}"/>
+              </a:ext>
+            </a:extLst>
+          </p:cNvPr>
+          <p:cNvCxnSpPr>
+            <a:cxnSpLocks/>
+          </p:cNvCxnSpPr>
+          <p:nvPr/>
+        </p:nvCxnSpPr>
+        <p:spPr>
+          <a:xfrm>
+            <a:off x="1894675" y="1389739"/>
+            <a:ext cx="0" cy="219750"/>
+          </a:xfrm>
+          <a:prstGeom prst="line">
+            <a:avLst/>
+          </a:prstGeom>
+          <a:ln w="3175">
+            <a:solidFill>
+              <a:schemeClr val="bg1">
+                <a:lumMod val="75000"/>
+              </a:schemeClr>
+            </a:solidFill>
+            <a:prstDash val="solid"/>
+            <a:headEnd type="none" w="sm" len="sm"/>
+            <a:tailEnd type="none" w="sm" len="sm"/>
+          </a:ln>
+        </p:spPr>
+        <p:style>
+          <a:lnRef idx="1">
+            <a:schemeClr val="accent1"/>
+          </a:lnRef>
+          <a:fillRef idx="0">
+            <a:schemeClr val="accent1"/>
+          </a:fillRef>
+          <a:effectRef idx="0">
+            <a:schemeClr val="accent1"/>
+          </a:effectRef>
+          <a:fontRef idx="minor">
+            <a:schemeClr val="tx1"/>
+          </a:fontRef>
+        </p:style>
+      </p:cxnSp>
+      <p:grpSp>
+        <p:nvGrpSpPr>
+          <p:cNvPr id="75" name="Group 74">
+            <a:extLst>
+              <a:ext uri="{FF2B5EF4-FFF2-40B4-BE49-F238E27FC236}">
+                <a16:creationId xmlns:a16="http://schemas.microsoft.com/office/drawing/2014/main" id="{CC0CC09B-754B-4D6D-A662-9CB96F2EF246}"/>
+              </a:ext>
+            </a:extLst>
+          </p:cNvPr>
+          <p:cNvGrpSpPr/>
+          <p:nvPr/>
+        </p:nvGrpSpPr>
+        <p:grpSpPr>
+          <a:xfrm>
+            <a:off x="1542744" y="6924828"/>
+            <a:ext cx="7908552" cy="218566"/>
+            <a:chOff x="519002" y="6385235"/>
+            <a:chExt cx="3661670" cy="108000"/>
+          </a:xfrm>
+        </p:grpSpPr>
+        <p:sp>
+          <p:nvSpPr>
+            <p:cNvPr id="189" name="Rectangle 188" descr="decorative element">
+              <a:extLst>
+                <a:ext uri="{FF2B5EF4-FFF2-40B4-BE49-F238E27FC236}">
+                  <a16:creationId xmlns:a16="http://schemas.microsoft.com/office/drawing/2014/main" id="{ED371DE1-58D0-4BCD-A30F-F912F88E4899}"/>
+                </a:ext>
+              </a:extLst>
+            </p:cNvPr>
+            <p:cNvSpPr/>
+            <p:nvPr/>
+          </p:nvSpPr>
+          <p:spPr>
+            <a:xfrm>
+              <a:off x="1677094" y="6385235"/>
+              <a:ext cx="108000" cy="108000"/>
+            </a:xfrm>
+            <a:prstGeom prst="rect">
+              <a:avLst/>
+            </a:prstGeom>
+            <a:solidFill>
+              <a:srgbClr val="FFC000"/>
+            </a:solidFill>
+            <a:ln>
+              <a:noFill/>
+            </a:ln>
+            <a:effectLst/>
+            <a:scene3d>
+              <a:camera prst="orthographicFront"/>
+              <a:lightRig rig="brightRoom" dir="t"/>
+            </a:scene3d>
+            <a:sp3d extrusionH="127000"/>
+          </p:spPr>
+          <p:style>
+            <a:lnRef idx="2">
+              <a:schemeClr val="accent1">
+                <a:hueOff val="0"/>
+                <a:satOff val="0"/>
+                <a:lumOff val="0"/>
+                <a:alphaOff val="0"/>
+              </a:schemeClr>
+            </a:lnRef>
+            <a:fillRef idx="1">
+              <a:scrgbClr r="0" g="0" b="0"/>
+            </a:fillRef>
+            <a:effectRef idx="0">
+              <a:schemeClr val="lt1">
+                <a:alpha val="90000"/>
+                <a:hueOff val="0"/>
+                <a:satOff val="0"/>
+                <a:lumOff val="0"/>
+                <a:alphaOff val="0"/>
+              </a:schemeClr>
+            </a:effectRef>
+            <a:fontRef idx="minor">
+              <a:schemeClr val="dk1">
+                <a:hueOff val="0"/>
+                <a:satOff val="0"/>
+                <a:lumOff val="0"/>
+                <a:alphaOff val="0"/>
+              </a:schemeClr>
+            </a:fontRef>
+          </p:style>
+          <p:txBody>
+            <a:bodyPr spcFirstLastPara="0" vert="horz" wrap="square" lIns="18860" tIns="4715" rIns="18860" bIns="4715" numCol="1" spcCol="1270" anchor="ctr" anchorCtr="0">
+              <a:noAutofit/>
+              <a:flatTx/>
+            </a:bodyPr>
+            <a:lstStyle/>
+            <a:p>
+              <a:pPr algn="ctr" defTabSz="330044">
+                <a:spcBef>
+                  <a:spcPct val="0"/>
+                </a:spcBef>
+                <a:spcAft>
+                  <a:spcPct val="35000"/>
+                </a:spcAft>
+              </a:pPr>
+              <a:endParaRPr lang="en-US" sz="578" dirty="0">
+                <a:solidFill>
+                  <a:schemeClr val="bg1"/>
+                </a:solidFill>
+              </a:endParaRPr>
+            </a:p>
+          </p:txBody>
+        </p:sp>
+        <p:sp>
+          <p:nvSpPr>
+            <p:cNvPr id="190" name="Rectangle 189" descr="decorative element">
+              <a:extLst>
+                <a:ext uri="{FF2B5EF4-FFF2-40B4-BE49-F238E27FC236}">
+                  <a16:creationId xmlns:a16="http://schemas.microsoft.com/office/drawing/2014/main" id="{13E819F3-94D1-47EC-B9F2-FEDF0DD8A0F1}"/>
+                </a:ext>
+              </a:extLst>
+            </p:cNvPr>
+            <p:cNvSpPr/>
+            <p:nvPr/>
+          </p:nvSpPr>
+          <p:spPr>
+            <a:xfrm>
+              <a:off x="519002" y="6385235"/>
+              <a:ext cx="108000" cy="108000"/>
+            </a:xfrm>
+            <a:prstGeom prst="rect">
+              <a:avLst/>
+            </a:prstGeom>
+            <a:solidFill>
+              <a:schemeClr val="accent6"/>
+            </a:solidFill>
+            <a:ln>
+              <a:noFill/>
+            </a:ln>
+            <a:effectLst/>
+            <a:scene3d>
+              <a:camera prst="orthographicFront"/>
+              <a:lightRig rig="brightRoom" dir="t"/>
+            </a:scene3d>
+            <a:sp3d extrusionH="127000"/>
+          </p:spPr>
+          <p:style>
+            <a:lnRef idx="2">
+              <a:schemeClr val="accent1">
+                <a:hueOff val="0"/>
+                <a:satOff val="0"/>
+                <a:lumOff val="0"/>
+                <a:alphaOff val="0"/>
+              </a:schemeClr>
+            </a:lnRef>
+            <a:fillRef idx="1">
+              <a:scrgbClr r="0" g="0" b="0"/>
+            </a:fillRef>
+            <a:effectRef idx="0">
+              <a:schemeClr val="lt1">
+                <a:alpha val="90000"/>
+                <a:hueOff val="0"/>
+                <a:satOff val="0"/>
+                <a:lumOff val="0"/>
+                <a:alphaOff val="0"/>
+              </a:schemeClr>
+            </a:effectRef>
+            <a:fontRef idx="minor">
+              <a:schemeClr val="dk1">
+                <a:hueOff val="0"/>
+                <a:satOff val="0"/>
+                <a:lumOff val="0"/>
+                <a:alphaOff val="0"/>
+              </a:schemeClr>
+            </a:fontRef>
+          </p:style>
+          <p:txBody>
+            <a:bodyPr spcFirstLastPara="0" vert="horz" wrap="square" lIns="18860" tIns="4715" rIns="18860" bIns="4715" numCol="1" spcCol="1270" anchor="ctr" anchorCtr="0">
+              <a:noAutofit/>
+              <a:flatTx/>
+            </a:bodyPr>
+            <a:lstStyle/>
+            <a:p>
+              <a:pPr algn="ctr" defTabSz="330044">
+                <a:spcBef>
+                  <a:spcPct val="0"/>
+                </a:spcBef>
+                <a:spcAft>
+                  <a:spcPct val="35000"/>
+                </a:spcAft>
+              </a:pPr>
+              <a:endParaRPr lang="en-US" sz="578" dirty="0">
+                <a:solidFill>
+                  <a:schemeClr val="bg1"/>
+                </a:solidFill>
+              </a:endParaRPr>
+            </a:p>
+          </p:txBody>
+        </p:sp>
+        <p:sp>
+          <p:nvSpPr>
+            <p:cNvPr id="191" name="Rectangle 190" descr="decorative element">
+              <a:extLst>
+                <a:ext uri="{FF2B5EF4-FFF2-40B4-BE49-F238E27FC236}">
+                  <a16:creationId xmlns:a16="http://schemas.microsoft.com/office/drawing/2014/main" id="{E1BF5307-5216-4D73-8115-98BC7B55AC18}"/>
+                </a:ext>
+              </a:extLst>
+            </p:cNvPr>
+            <p:cNvSpPr/>
+            <p:nvPr/>
+          </p:nvSpPr>
+          <p:spPr>
+            <a:xfrm>
+              <a:off x="659941" y="6385235"/>
+              <a:ext cx="542435" cy="108000"/>
+            </a:xfrm>
+            <a:prstGeom prst="rect">
+              <a:avLst/>
+            </a:prstGeom>
+            <a:noFill/>
+            <a:ln w="3175">
+              <a:noFill/>
+            </a:ln>
+            <a:effectLst/>
+            <a:scene3d>
+              <a:camera prst="orthographicFront"/>
+              <a:lightRig rig="soft" dir="t"/>
+            </a:scene3d>
+            <a:sp3d extrusionH="127000" prstMaterial="matte">
+              <a:contourClr>
+                <a:schemeClr val="tx1">
+                  <a:lumMod val="50000"/>
+                  <a:lumOff val="50000"/>
+                </a:schemeClr>
+              </a:contourClr>
+            </a:sp3d>
+          </p:spPr>
+          <p:style>
+            <a:lnRef idx="2">
+              <a:scrgbClr r="0" g="0" b="0"/>
+            </a:lnRef>
+            <a:fillRef idx="1">
+              <a:scrgbClr r="0" g="0" b="0"/>
+            </a:fillRef>
+            <a:effectRef idx="0">
+              <a:schemeClr val="accent1">
+                <a:hueOff val="0"/>
+                <a:satOff val="0"/>
+                <a:lumOff val="0"/>
+                <a:alphaOff val="0"/>
+              </a:schemeClr>
+            </a:effectRef>
+            <a:fontRef idx="minor">
+              <a:schemeClr val="lt1"/>
+            </a:fontRef>
+          </p:style>
+          <p:txBody>
+            <a:bodyPr spcFirstLastPara="0" vert="horz" wrap="square" lIns="4715" tIns="0" rIns="4715" bIns="0" numCol="1" spcCol="1270" anchor="ctr" anchorCtr="0">
+              <a:noAutofit/>
+              <a:flatTx/>
+            </a:bodyPr>
+            <a:lstStyle/>
+            <a:p>
+              <a:pPr defTabSz="330044">
+                <a:spcBef>
+                  <a:spcPct val="0"/>
+                </a:spcBef>
+                <a:spcAft>
+                  <a:spcPct val="35000"/>
+                </a:spcAft>
+              </a:pPr>
+              <a:r>
+                <a:rPr lang="en-US" sz="825" dirty="0">
+                  <a:solidFill>
+                    <a:schemeClr val="tx1"/>
+                  </a:solidFill>
+                </a:rPr>
+                <a:t>Propulsion</a:t>
+              </a:r>
+            </a:p>
+          </p:txBody>
+        </p:sp>
+        <p:sp>
+          <p:nvSpPr>
+            <p:cNvPr id="192" name="Rectangle 191" descr="decorative element">
+              <a:extLst>
+                <a:ext uri="{FF2B5EF4-FFF2-40B4-BE49-F238E27FC236}">
+                  <a16:creationId xmlns:a16="http://schemas.microsoft.com/office/drawing/2014/main" id="{C1DF07CB-DF71-46D3-80D4-644D57BE4E67}"/>
+                </a:ext>
+              </a:extLst>
+            </p:cNvPr>
+            <p:cNvSpPr/>
+            <p:nvPr/>
+          </p:nvSpPr>
+          <p:spPr>
+            <a:xfrm>
+              <a:off x="1819848" y="6385235"/>
+              <a:ext cx="486599" cy="108000"/>
+            </a:xfrm>
+            <a:prstGeom prst="rect">
+              <a:avLst/>
+            </a:prstGeom>
+            <a:noFill/>
+            <a:ln w="3175">
+              <a:noFill/>
+            </a:ln>
+            <a:effectLst/>
+            <a:scene3d>
+              <a:camera prst="orthographicFront"/>
+              <a:lightRig rig="soft" dir="t"/>
+            </a:scene3d>
+            <a:sp3d extrusionH="127000" prstMaterial="matte">
+              <a:contourClr>
+                <a:schemeClr val="tx1">
+                  <a:lumMod val="50000"/>
+                  <a:lumOff val="50000"/>
+                </a:schemeClr>
+              </a:contourClr>
+            </a:sp3d>
+          </p:spPr>
+          <p:style>
+            <a:lnRef idx="2">
+              <a:scrgbClr r="0" g="0" b="0"/>
+            </a:lnRef>
+            <a:fillRef idx="1">
+              <a:scrgbClr r="0" g="0" b="0"/>
+            </a:fillRef>
+            <a:effectRef idx="0">
+              <a:schemeClr val="accent1">
+                <a:hueOff val="0"/>
+                <a:satOff val="0"/>
+                <a:lumOff val="0"/>
+                <a:alphaOff val="0"/>
+              </a:schemeClr>
+            </a:effectRef>
+            <a:fontRef idx="minor">
+              <a:schemeClr val="lt1"/>
+            </a:fontRef>
+          </p:style>
+          <p:txBody>
+            <a:bodyPr spcFirstLastPara="0" vert="horz" wrap="square" lIns="4715" tIns="0" rIns="4715" bIns="0" numCol="1" spcCol="1270" anchor="ctr" anchorCtr="0">
+              <a:noAutofit/>
+              <a:flatTx/>
+            </a:bodyPr>
+            <a:lstStyle/>
+            <a:p>
+              <a:pPr defTabSz="330044">
+                <a:spcBef>
+                  <a:spcPct val="0"/>
+                </a:spcBef>
+                <a:spcAft>
+                  <a:spcPct val="35000"/>
+                </a:spcAft>
+              </a:pPr>
+              <a:r>
+                <a:rPr lang="en-US" sz="825" dirty="0">
+                  <a:solidFill>
+                    <a:schemeClr val="tx1"/>
+                  </a:solidFill>
+                </a:rPr>
+                <a:t>Frame</a:t>
+              </a:r>
+            </a:p>
+          </p:txBody>
+        </p:sp>
+        <p:sp>
+          <p:nvSpPr>
+            <p:cNvPr id="198" name="Rectangle 197" descr="decorative element">
+              <a:extLst>
+                <a:ext uri="{FF2B5EF4-FFF2-40B4-BE49-F238E27FC236}">
+                  <a16:creationId xmlns:a16="http://schemas.microsoft.com/office/drawing/2014/main" id="{C6C8A0DA-E887-47AD-B448-356BF6F8128B}"/>
+                </a:ext>
+              </a:extLst>
+            </p:cNvPr>
+            <p:cNvSpPr/>
+            <p:nvPr/>
+          </p:nvSpPr>
+          <p:spPr>
+            <a:xfrm>
+              <a:off x="3551326" y="6385235"/>
+              <a:ext cx="108000" cy="108000"/>
+            </a:xfrm>
+            <a:prstGeom prst="rect">
+              <a:avLst/>
+            </a:prstGeom>
+            <a:solidFill>
+              <a:srgbClr val="7030A0"/>
+            </a:solidFill>
+            <a:ln>
+              <a:noFill/>
+            </a:ln>
+            <a:effectLst/>
+            <a:scene3d>
+              <a:camera prst="orthographicFront"/>
+              <a:lightRig rig="brightRoom" dir="t"/>
+            </a:scene3d>
+            <a:sp3d extrusionH="127000"/>
+          </p:spPr>
+          <p:style>
+            <a:lnRef idx="2">
+              <a:schemeClr val="accent1">
+                <a:hueOff val="0"/>
+                <a:satOff val="0"/>
+                <a:lumOff val="0"/>
+                <a:alphaOff val="0"/>
+              </a:schemeClr>
+            </a:lnRef>
+            <a:fillRef idx="1">
+              <a:scrgbClr r="0" g="0" b="0"/>
+            </a:fillRef>
+            <a:effectRef idx="0">
+              <a:schemeClr val="lt1">
+                <a:alpha val="90000"/>
+                <a:hueOff val="0"/>
+                <a:satOff val="0"/>
+                <a:lumOff val="0"/>
+                <a:alphaOff val="0"/>
+              </a:schemeClr>
+            </a:effectRef>
+            <a:fontRef idx="minor">
+              <a:schemeClr val="dk1">
+                <a:hueOff val="0"/>
+                <a:satOff val="0"/>
+                <a:lumOff val="0"/>
+                <a:alphaOff val="0"/>
+              </a:schemeClr>
+            </a:fontRef>
+          </p:style>
+          <p:txBody>
+            <a:bodyPr spcFirstLastPara="0" vert="horz" wrap="square" lIns="18860" tIns="4715" rIns="18860" bIns="4715" numCol="1" spcCol="1270" anchor="ctr" anchorCtr="0">
+              <a:noAutofit/>
+              <a:flatTx/>
+            </a:bodyPr>
+            <a:lstStyle/>
+            <a:p>
+              <a:pPr algn="ctr" defTabSz="330044">
+                <a:spcBef>
+                  <a:spcPct val="0"/>
+                </a:spcBef>
+                <a:spcAft>
+                  <a:spcPct val="35000"/>
+                </a:spcAft>
+              </a:pPr>
+              <a:endParaRPr lang="en-US" sz="578" dirty="0">
+                <a:solidFill>
+                  <a:schemeClr val="bg1"/>
+                </a:solidFill>
+              </a:endParaRPr>
+            </a:p>
+          </p:txBody>
+        </p:sp>
+        <p:sp>
+          <p:nvSpPr>
+            <p:cNvPr id="199" name="Rectangle 198" descr="decorative element">
+              <a:extLst>
+                <a:ext uri="{FF2B5EF4-FFF2-40B4-BE49-F238E27FC236}">
+                  <a16:creationId xmlns:a16="http://schemas.microsoft.com/office/drawing/2014/main" id="{513B8281-E08C-49CE-9A4D-0F31AEAEBA31}"/>
+                </a:ext>
+              </a:extLst>
+            </p:cNvPr>
+            <p:cNvSpPr/>
+            <p:nvPr/>
+          </p:nvSpPr>
+          <p:spPr>
+            <a:xfrm>
+              <a:off x="2569791" y="6385235"/>
+              <a:ext cx="108000" cy="108000"/>
+            </a:xfrm>
+            <a:prstGeom prst="rect">
+              <a:avLst/>
+            </a:prstGeom>
+            <a:solidFill>
+              <a:srgbClr val="0070C0"/>
+            </a:solidFill>
+            <a:ln>
+              <a:noFill/>
+            </a:ln>
+            <a:effectLst/>
+            <a:scene3d>
+              <a:camera prst="orthographicFront"/>
+              <a:lightRig rig="brightRoom" dir="t"/>
+            </a:scene3d>
+            <a:sp3d extrusionH="127000"/>
+          </p:spPr>
+          <p:style>
+            <a:lnRef idx="2">
+              <a:schemeClr val="accent1">
+                <a:hueOff val="0"/>
+                <a:satOff val="0"/>
+                <a:lumOff val="0"/>
+                <a:alphaOff val="0"/>
+              </a:schemeClr>
+            </a:lnRef>
+            <a:fillRef idx="1">
+              <a:scrgbClr r="0" g="0" b="0"/>
+            </a:fillRef>
+            <a:effectRef idx="0">
+              <a:schemeClr val="lt1">
+                <a:alpha val="90000"/>
+                <a:hueOff val="0"/>
+                <a:satOff val="0"/>
+                <a:lumOff val="0"/>
+                <a:alphaOff val="0"/>
+              </a:schemeClr>
+            </a:effectRef>
+            <a:fontRef idx="minor">
+              <a:schemeClr val="dk1">
+                <a:hueOff val="0"/>
+                <a:satOff val="0"/>
+                <a:lumOff val="0"/>
+                <a:alphaOff val="0"/>
+              </a:schemeClr>
+            </a:fontRef>
+          </p:style>
+          <p:txBody>
+            <a:bodyPr spcFirstLastPara="0" vert="horz" wrap="square" lIns="18860" tIns="4715" rIns="18860" bIns="4715" numCol="1" spcCol="1270" anchor="ctr" anchorCtr="0">
+              <a:noAutofit/>
+              <a:flatTx/>
+            </a:bodyPr>
+            <a:lstStyle/>
+            <a:p>
+              <a:pPr algn="ctr" defTabSz="330044">
+                <a:spcBef>
+                  <a:spcPct val="0"/>
+                </a:spcBef>
+                <a:spcAft>
+                  <a:spcPct val="35000"/>
+                </a:spcAft>
+              </a:pPr>
+              <a:endParaRPr lang="en-US" sz="578" dirty="0">
+                <a:solidFill>
+                  <a:schemeClr val="bg1"/>
+                </a:solidFill>
+              </a:endParaRPr>
+            </a:p>
+          </p:txBody>
+        </p:sp>
+        <p:sp>
+          <p:nvSpPr>
+            <p:cNvPr id="200" name="Rectangle 199" descr="decorative element">
+              <a:extLst>
+                <a:ext uri="{FF2B5EF4-FFF2-40B4-BE49-F238E27FC236}">
+                  <a16:creationId xmlns:a16="http://schemas.microsoft.com/office/drawing/2014/main" id="{53915F2D-FE92-4671-8262-9D84702E9161}"/>
+                </a:ext>
+              </a:extLst>
+            </p:cNvPr>
+            <p:cNvSpPr/>
+            <p:nvPr/>
+          </p:nvSpPr>
+          <p:spPr>
+            <a:xfrm>
+              <a:off x="2712540" y="6385237"/>
+              <a:ext cx="260939" cy="107996"/>
+            </a:xfrm>
+            <a:prstGeom prst="rect">
+              <a:avLst/>
+            </a:prstGeom>
+            <a:noFill/>
+            <a:ln w="3175">
+              <a:noFill/>
+            </a:ln>
+            <a:effectLst/>
+            <a:scene3d>
+              <a:camera prst="orthographicFront"/>
+              <a:lightRig rig="soft" dir="t"/>
+            </a:scene3d>
+            <a:sp3d extrusionH="127000" prstMaterial="matte">
+              <a:contourClr>
+                <a:schemeClr val="tx1">
+                  <a:lumMod val="50000"/>
+                  <a:lumOff val="50000"/>
+                </a:schemeClr>
+              </a:contourClr>
+            </a:sp3d>
+          </p:spPr>
+          <p:style>
+            <a:lnRef idx="2">
+              <a:scrgbClr r="0" g="0" b="0"/>
+            </a:lnRef>
+            <a:fillRef idx="1">
+              <a:scrgbClr r="0" g="0" b="0"/>
+            </a:fillRef>
+            <a:effectRef idx="0">
+              <a:schemeClr val="accent1">
+                <a:hueOff val="0"/>
+                <a:satOff val="0"/>
+                <a:lumOff val="0"/>
+                <a:alphaOff val="0"/>
+              </a:schemeClr>
+            </a:effectRef>
+            <a:fontRef idx="minor">
+              <a:schemeClr val="lt1"/>
+            </a:fontRef>
+          </p:style>
+          <p:txBody>
+            <a:bodyPr spcFirstLastPara="0" vert="horz" wrap="square" lIns="4715" tIns="0" rIns="4715" bIns="0" numCol="1" spcCol="1270" anchor="ctr" anchorCtr="0">
+              <a:noAutofit/>
+              <a:flatTx/>
+            </a:bodyPr>
+            <a:lstStyle/>
+            <a:p>
+              <a:pPr defTabSz="330044">
+                <a:spcBef>
+                  <a:spcPct val="0"/>
+                </a:spcBef>
+                <a:spcAft>
+                  <a:spcPct val="35000"/>
+                </a:spcAft>
+              </a:pPr>
+              <a:r>
+                <a:rPr lang="en-US" sz="825" dirty="0">
+                  <a:solidFill>
+                    <a:schemeClr val="tx1"/>
+                  </a:solidFill>
+                </a:rPr>
+                <a:t>Avionics</a:t>
+              </a:r>
+            </a:p>
+          </p:txBody>
+        </p:sp>
+        <p:sp>
+          <p:nvSpPr>
+            <p:cNvPr id="201" name="Rectangle 200" descr="decorative element">
+              <a:extLst>
+                <a:ext uri="{FF2B5EF4-FFF2-40B4-BE49-F238E27FC236}">
+                  <a16:creationId xmlns:a16="http://schemas.microsoft.com/office/drawing/2014/main" id="{5F7DF463-90E1-4EB4-9CC1-CDB423A17624}"/>
+                </a:ext>
+              </a:extLst>
+            </p:cNvPr>
+            <p:cNvSpPr/>
+            <p:nvPr/>
+          </p:nvSpPr>
+          <p:spPr>
+            <a:xfrm>
+              <a:off x="3694073" y="6385235"/>
+              <a:ext cx="486599" cy="108000"/>
+            </a:xfrm>
+            <a:prstGeom prst="rect">
+              <a:avLst/>
+            </a:prstGeom>
+            <a:noFill/>
+            <a:ln w="3175">
+              <a:noFill/>
+            </a:ln>
+            <a:effectLst/>
+            <a:scene3d>
+              <a:camera prst="orthographicFront"/>
+              <a:lightRig rig="soft" dir="t"/>
+            </a:scene3d>
+            <a:sp3d extrusionH="127000" prstMaterial="matte">
+              <a:contourClr>
+                <a:schemeClr val="tx1">
+                  <a:lumMod val="50000"/>
+                  <a:lumOff val="50000"/>
+                </a:schemeClr>
+              </a:contourClr>
+            </a:sp3d>
+          </p:spPr>
+          <p:style>
+            <a:lnRef idx="2">
+              <a:scrgbClr r="0" g="0" b="0"/>
+            </a:lnRef>
+            <a:fillRef idx="1">
+              <a:scrgbClr r="0" g="0" b="0"/>
+            </a:fillRef>
+            <a:effectRef idx="0">
+              <a:schemeClr val="accent1">
+                <a:hueOff val="0"/>
+                <a:satOff val="0"/>
+                <a:lumOff val="0"/>
+                <a:alphaOff val="0"/>
+              </a:schemeClr>
+            </a:effectRef>
+            <a:fontRef idx="minor">
+              <a:schemeClr val="lt1"/>
+            </a:fontRef>
+          </p:style>
+          <p:txBody>
+            <a:bodyPr spcFirstLastPara="0" vert="horz" wrap="square" lIns="4715" tIns="0" rIns="4715" bIns="0" numCol="1" spcCol="1270" anchor="ctr" anchorCtr="0">
+              <a:noAutofit/>
+              <a:flatTx/>
+            </a:bodyPr>
+            <a:lstStyle/>
+            <a:p>
+              <a:pPr defTabSz="330044">
+                <a:spcBef>
+                  <a:spcPct val="0"/>
+                </a:spcBef>
+                <a:spcAft>
+                  <a:spcPct val="35000"/>
+                </a:spcAft>
+              </a:pPr>
+              <a:r>
+                <a:rPr lang="en-US" sz="825" dirty="0">
+                  <a:solidFill>
+                    <a:schemeClr val="tx1"/>
+                  </a:solidFill>
+                </a:rPr>
+                <a:t>Operations</a:t>
+              </a:r>
+            </a:p>
+          </p:txBody>
+        </p:sp>
+      </p:grpSp>
       <p:sp>
         <p:nvSpPr>
           <p:cNvPr id="203" name="Title 3" descr="decorative element">
@@ -12522,7 +14919,7 @@
         </p:nvSpPr>
         <p:spPr>
           <a:xfrm>
-            <a:off x="8460644" y="6177196"/>
+            <a:off x="7936871" y="444938"/>
             <a:ext cx="1407444" cy="396350"/>
           </a:xfrm>
           <a:prstGeom prst="rect">
@@ -12623,6 +15020,873 @@
           </a:p>
         </p:txBody>
       </p:sp>
+      <p:grpSp>
+        <p:nvGrpSpPr>
+          <p:cNvPr id="13" name="Group 12"/>
+          <p:cNvGrpSpPr/>
+          <p:nvPr/>
+        </p:nvGrpSpPr>
+        <p:grpSpPr>
+          <a:xfrm>
+            <a:off x="500690" y="5960133"/>
+            <a:ext cx="9338692" cy="785812"/>
+            <a:chOff x="11302689" y="-1023211"/>
+            <a:chExt cx="9338692" cy="785812"/>
+          </a:xfrm>
+        </p:grpSpPr>
+        <p:pic>
+          <p:nvPicPr>
+            <p:cNvPr id="195" name="Picture 194" descr="Close to ground shadow">
+              <a:extLst>
+                <a:ext uri="{FF2B5EF4-FFF2-40B4-BE49-F238E27FC236}">
+                  <a16:creationId xmlns:a16="http://schemas.microsoft.com/office/drawing/2014/main" id="{6A2AC917-B83D-4A30-AB46-40678154BD4B}"/>
+                </a:ext>
+              </a:extLst>
+            </p:cNvPr>
+            <p:cNvPicPr>
+              <a:picLocks noChangeAspect="1"/>
+            </p:cNvPicPr>
+            <p:nvPr/>
+          </p:nvPicPr>
+          <p:blipFill>
+            <a:blip r:embed="rId3"/>
+            <a:stretch>
+              <a:fillRect/>
+            </a:stretch>
+          </p:blipFill>
+          <p:spPr>
+            <a:xfrm>
+              <a:off x="15729404" y="-1023211"/>
+              <a:ext cx="2734628" cy="785812"/>
+            </a:xfrm>
+            <a:prstGeom prst="rect">
+              <a:avLst/>
+            </a:prstGeom>
+          </p:spPr>
+        </p:pic>
+        <p:pic>
+          <p:nvPicPr>
+            <p:cNvPr id="196" name="Picture 195" descr="Close to ground shadow">
+              <a:extLst>
+                <a:ext uri="{FF2B5EF4-FFF2-40B4-BE49-F238E27FC236}">
+                  <a16:creationId xmlns:a16="http://schemas.microsoft.com/office/drawing/2014/main" id="{562615C5-FE42-476B-A314-638E153B756A}"/>
+                </a:ext>
+              </a:extLst>
+            </p:cNvPr>
+            <p:cNvPicPr>
+              <a:picLocks noChangeAspect="1"/>
+            </p:cNvPicPr>
+            <p:nvPr/>
+          </p:nvPicPr>
+          <p:blipFill>
+            <a:blip r:embed="rId3"/>
+            <a:stretch>
+              <a:fillRect/>
+            </a:stretch>
+          </p:blipFill>
+          <p:spPr>
+            <a:xfrm>
+              <a:off x="17906753" y="-1023211"/>
+              <a:ext cx="2734628" cy="785812"/>
+            </a:xfrm>
+            <a:prstGeom prst="rect">
+              <a:avLst/>
+            </a:prstGeom>
+          </p:spPr>
+        </p:pic>
+        <p:pic>
+          <p:nvPicPr>
+            <p:cNvPr id="68" name="Picture 67" descr="Close to ground shadow">
+              <a:extLst>
+                <a:ext uri="{FF2B5EF4-FFF2-40B4-BE49-F238E27FC236}">
+                  <a16:creationId xmlns:a16="http://schemas.microsoft.com/office/drawing/2014/main" id="{562615C5-FE42-476B-A314-638E153B756A}"/>
+                </a:ext>
+              </a:extLst>
+            </p:cNvPr>
+            <p:cNvPicPr>
+              <a:picLocks noChangeAspect="1"/>
+            </p:cNvPicPr>
+            <p:nvPr/>
+          </p:nvPicPr>
+          <p:blipFill>
+            <a:blip r:embed="rId3"/>
+            <a:stretch>
+              <a:fillRect/>
+            </a:stretch>
+          </p:blipFill>
+          <p:spPr>
+            <a:xfrm>
+              <a:off x="13769572" y="-1023211"/>
+              <a:ext cx="2734628" cy="785812"/>
+            </a:xfrm>
+            <a:prstGeom prst="rect">
+              <a:avLst/>
+            </a:prstGeom>
+          </p:spPr>
+        </p:pic>
+        <p:pic>
+          <p:nvPicPr>
+            <p:cNvPr id="91" name="Picture 90" descr="Close to ground shadow">
+              <a:extLst>
+                <a:ext uri="{FF2B5EF4-FFF2-40B4-BE49-F238E27FC236}">
+                  <a16:creationId xmlns:a16="http://schemas.microsoft.com/office/drawing/2014/main" id="{6A2AC917-B83D-4A30-AB46-40678154BD4B}"/>
+                </a:ext>
+              </a:extLst>
+            </p:cNvPr>
+            <p:cNvPicPr>
+              <a:picLocks noChangeAspect="1"/>
+            </p:cNvPicPr>
+            <p:nvPr/>
+          </p:nvPicPr>
+          <p:blipFill>
+            <a:blip r:embed="rId3"/>
+            <a:stretch>
+              <a:fillRect/>
+            </a:stretch>
+          </p:blipFill>
+          <p:spPr>
+            <a:xfrm>
+              <a:off x="11302689" y="-1023211"/>
+              <a:ext cx="2734628" cy="785812"/>
+            </a:xfrm>
+            <a:prstGeom prst="rect">
+              <a:avLst/>
+            </a:prstGeom>
+          </p:spPr>
+        </p:pic>
+      </p:grpSp>
+      <p:sp>
+        <p:nvSpPr>
+          <p:cNvPr id="2" name="Rectangle 1"/>
+          <p:cNvSpPr/>
+          <p:nvPr/>
+        </p:nvSpPr>
+        <p:spPr>
+          <a:xfrm>
+            <a:off x="589821" y="2519282"/>
+            <a:ext cx="2624358" cy="2512483"/>
+          </a:xfrm>
+          <a:prstGeom prst="rect">
+            <a:avLst/>
+          </a:prstGeom>
+        </p:spPr>
+        <p:txBody>
+          <a:bodyPr wrap="square">
+            <a:spAutoFit/>
+          </a:bodyPr>
+          <a:lstStyle/>
+          <a:p>
+            <a:pPr marL="342900" marR="0" lvl="0" indent="-342900">
+              <a:lnSpc>
+                <a:spcPct val="107000"/>
+              </a:lnSpc>
+              <a:spcBef>
+                <a:spcPts val="0"/>
+              </a:spcBef>
+              <a:spcAft>
+                <a:spcPts val="0"/>
+              </a:spcAft>
+              <a:buFont typeface="+mj-lt"/>
+              <a:buAutoNum type="arabicPeriod"/>
+            </a:pPr>
+            <a:r>
+              <a:rPr lang="en-US" sz="1050" dirty="0">
+                <a:latin typeface="Calibri" panose="020F0502020204030204" pitchFamily="34" charset="0"/>
+                <a:ea typeface="Calibri" panose="020F0502020204030204" pitchFamily="34" charset="0"/>
+                <a:cs typeface="Times New Roman" panose="02020603050405020304" pitchFamily="18" charset="0"/>
+              </a:rPr>
+              <a:t>Develop, test and optimize a working Hybrid Rocket Engine, Runaway.</a:t>
+            </a:r>
+          </a:p>
+          <a:p>
+            <a:pPr marL="742950" marR="0" lvl="1" indent="-285750">
+              <a:lnSpc>
+                <a:spcPct val="107000"/>
+              </a:lnSpc>
+              <a:spcBef>
+                <a:spcPts val="0"/>
+              </a:spcBef>
+              <a:spcAft>
+                <a:spcPts val="0"/>
+              </a:spcAft>
+              <a:buFont typeface="+mj-lt"/>
+              <a:buAutoNum type="alphaLcPeriod"/>
+            </a:pPr>
+            <a:r>
+              <a:rPr lang="en-US" sz="1050" dirty="0">
+                <a:latin typeface="Calibri" panose="020F0502020204030204" pitchFamily="34" charset="0"/>
+                <a:ea typeface="Calibri" panose="020F0502020204030204" pitchFamily="34" charset="0"/>
+                <a:cs typeface="Times New Roman" panose="02020603050405020304" pitchFamily="18" charset="0"/>
+              </a:rPr>
+              <a:t>Manufacture, test and optimize and repeat</a:t>
+            </a:r>
+          </a:p>
+          <a:p>
+            <a:pPr marL="342900" marR="0" lvl="0" indent="-342900">
+              <a:lnSpc>
+                <a:spcPct val="107000"/>
+              </a:lnSpc>
+              <a:spcBef>
+                <a:spcPts val="0"/>
+              </a:spcBef>
+              <a:spcAft>
+                <a:spcPts val="0"/>
+              </a:spcAft>
+              <a:buFont typeface="+mj-lt"/>
+              <a:buAutoNum type="arabicPeriod"/>
+            </a:pPr>
+            <a:r>
+              <a:rPr lang="en-US" sz="1050" dirty="0" smtClean="0">
+                <a:latin typeface="Calibri" panose="020F0502020204030204" pitchFamily="34" charset="0"/>
+                <a:ea typeface="Calibri" panose="020F0502020204030204" pitchFamily="34" charset="0"/>
+                <a:cs typeface="Times New Roman" panose="02020603050405020304" pitchFamily="18" charset="0"/>
+              </a:rPr>
+              <a:t>Develop and test a small-scale thrust vectoring system with COTS engines</a:t>
+            </a:r>
+            <a:endParaRPr lang="en-US" sz="1050" dirty="0">
+              <a:latin typeface="Calibri" panose="020F0502020204030204" pitchFamily="34" charset="0"/>
+              <a:ea typeface="Calibri" panose="020F0502020204030204" pitchFamily="34" charset="0"/>
+              <a:cs typeface="Times New Roman" panose="02020603050405020304" pitchFamily="18" charset="0"/>
+            </a:endParaRPr>
+          </a:p>
+          <a:p>
+            <a:pPr marL="742950" marR="0" lvl="1" indent="-285750">
+              <a:lnSpc>
+                <a:spcPct val="107000"/>
+              </a:lnSpc>
+              <a:spcBef>
+                <a:spcPts val="0"/>
+              </a:spcBef>
+              <a:spcAft>
+                <a:spcPts val="0"/>
+              </a:spcAft>
+              <a:buFont typeface="+mj-lt"/>
+              <a:buAutoNum type="alphaLcPeriod"/>
+            </a:pPr>
+            <a:r>
+              <a:rPr lang="en-US" sz="1050" dirty="0" smtClean="0">
+                <a:latin typeface="Calibri" panose="020F0502020204030204" pitchFamily="34" charset="0"/>
+                <a:ea typeface="Calibri" panose="020F0502020204030204" pitchFamily="34" charset="0"/>
+                <a:cs typeface="Times New Roman" panose="02020603050405020304" pitchFamily="18" charset="0"/>
+              </a:rPr>
+              <a:t>Flight test with a stable rocket, unstable rocket, and a quadcopter drop test mid-air, and landing attempts.</a:t>
+            </a:r>
+          </a:p>
+          <a:p>
+            <a:pPr marL="742950" marR="0" lvl="1" indent="-285750">
+              <a:lnSpc>
+                <a:spcPct val="107000"/>
+              </a:lnSpc>
+              <a:spcBef>
+                <a:spcPts val="0"/>
+              </a:spcBef>
+              <a:spcAft>
+                <a:spcPts val="0"/>
+              </a:spcAft>
+              <a:buFont typeface="+mj-lt"/>
+              <a:buAutoNum type="alphaLcPeriod"/>
+            </a:pPr>
+            <a:r>
+              <a:rPr lang="en-US" sz="1050" dirty="0" smtClean="0">
+                <a:latin typeface="Calibri" panose="020F0502020204030204" pitchFamily="34" charset="0"/>
+                <a:ea typeface="Calibri" panose="020F0502020204030204" pitchFamily="34" charset="0"/>
+                <a:cs typeface="Times New Roman" panose="02020603050405020304" pitchFamily="18" charset="0"/>
+              </a:rPr>
+              <a:t>Develop</a:t>
+            </a:r>
+            <a:r>
+              <a:rPr lang="en-US" sz="1050" dirty="0">
+                <a:latin typeface="Calibri" panose="020F0502020204030204" pitchFamily="34" charset="0"/>
+                <a:ea typeface="Calibri" panose="020F0502020204030204" pitchFamily="34" charset="0"/>
+                <a:cs typeface="Times New Roman" panose="02020603050405020304" pitchFamily="18" charset="0"/>
+              </a:rPr>
+              <a:t>, manufacture and test a hybrid gimbal system to integrate with </a:t>
+            </a:r>
+            <a:r>
+              <a:rPr lang="en-US" sz="1050" dirty="0" smtClean="0">
+                <a:latin typeface="Calibri" panose="020F0502020204030204" pitchFamily="34" charset="0"/>
+                <a:ea typeface="Calibri" panose="020F0502020204030204" pitchFamily="34" charset="0"/>
+                <a:cs typeface="Times New Roman" panose="02020603050405020304" pitchFamily="18" charset="0"/>
+              </a:rPr>
+              <a:t>Runaway (2 year program)</a:t>
+            </a:r>
+            <a:endParaRPr lang="en-US" sz="1050" dirty="0">
+              <a:effectLst/>
+              <a:latin typeface="Calibri" panose="020F0502020204030204" pitchFamily="34" charset="0"/>
+              <a:ea typeface="Calibri" panose="020F0502020204030204" pitchFamily="34" charset="0"/>
+              <a:cs typeface="Times New Roman" panose="02020603050405020304" pitchFamily="18" charset="0"/>
+            </a:endParaRPr>
+          </a:p>
+        </p:txBody>
+      </p:sp>
+      <p:sp>
+        <p:nvSpPr>
+          <p:cNvPr id="3" name="Rectangle 2"/>
+          <p:cNvSpPr/>
+          <p:nvPr/>
+        </p:nvSpPr>
+        <p:spPr>
+          <a:xfrm>
+            <a:off x="3285122" y="2528379"/>
+            <a:ext cx="2087069" cy="2615075"/>
+          </a:xfrm>
+          <a:prstGeom prst="rect">
+            <a:avLst/>
+          </a:prstGeom>
+        </p:spPr>
+        <p:txBody>
+          <a:bodyPr wrap="square">
+            <a:spAutoFit/>
+          </a:bodyPr>
+          <a:lstStyle/>
+          <a:p>
+            <a:pPr marL="342900" marR="0" lvl="0" indent="-342900">
+              <a:lnSpc>
+                <a:spcPct val="107000"/>
+              </a:lnSpc>
+              <a:spcBef>
+                <a:spcPts val="0"/>
+              </a:spcBef>
+              <a:spcAft>
+                <a:spcPts val="800"/>
+              </a:spcAft>
+              <a:buFont typeface="+mj-lt"/>
+              <a:buAutoNum type="arabicPeriod"/>
+            </a:pPr>
+            <a:r>
+              <a:rPr lang="en-US" sz="1050" dirty="0">
+                <a:latin typeface="Calibri" panose="020F0502020204030204" pitchFamily="34" charset="0"/>
+                <a:ea typeface="Calibri" panose="020F0502020204030204" pitchFamily="34" charset="0"/>
+                <a:cs typeface="Times New Roman" panose="02020603050405020304" pitchFamily="18" charset="0"/>
+              </a:rPr>
+              <a:t>Work with every engineering team to design the best rocket frame and internal structures needed for flight including the propulsion, avionics, recovery and payload modules</a:t>
+            </a:r>
+            <a:r>
+              <a:rPr lang="en-US" sz="1050" dirty="0" smtClean="0">
+                <a:latin typeface="Calibri" panose="020F0502020204030204" pitchFamily="34" charset="0"/>
+                <a:ea typeface="Calibri" panose="020F0502020204030204" pitchFamily="34" charset="0"/>
+                <a:cs typeface="Times New Roman" panose="02020603050405020304" pitchFamily="18" charset="0"/>
+              </a:rPr>
+              <a:t>.</a:t>
+            </a:r>
+          </a:p>
+          <a:p>
+            <a:pPr marL="342900" marR="0" lvl="0" indent="-342900">
+              <a:lnSpc>
+                <a:spcPct val="107000"/>
+              </a:lnSpc>
+              <a:spcBef>
+                <a:spcPts val="0"/>
+              </a:spcBef>
+              <a:spcAft>
+                <a:spcPts val="800"/>
+              </a:spcAft>
+              <a:buFont typeface="+mj-lt"/>
+              <a:buAutoNum type="arabicPeriod"/>
+            </a:pPr>
+            <a:r>
+              <a:rPr lang="en-US" sz="1050" dirty="0" smtClean="0">
+                <a:latin typeface="Calibri" panose="020F0502020204030204" pitchFamily="34" charset="0"/>
+                <a:ea typeface="Calibri" panose="020F0502020204030204" pitchFamily="34" charset="0"/>
+                <a:cs typeface="Times New Roman" panose="02020603050405020304" pitchFamily="18" charset="0"/>
+              </a:rPr>
+              <a:t>Manufacture the components with a well-thought out integration system for all systems with live debugging on the field ability.</a:t>
+            </a:r>
+            <a:endParaRPr lang="en-US" sz="1050" dirty="0">
+              <a:latin typeface="Calibri" panose="020F0502020204030204" pitchFamily="34" charset="0"/>
+              <a:ea typeface="Calibri" panose="020F0502020204030204" pitchFamily="34" charset="0"/>
+              <a:cs typeface="Times New Roman" panose="02020603050405020304" pitchFamily="18" charset="0"/>
+            </a:endParaRPr>
+          </a:p>
+        </p:txBody>
+      </p:sp>
+      <p:sp>
+        <p:nvSpPr>
+          <p:cNvPr id="5" name="Rectangle 4"/>
+          <p:cNvSpPr/>
+          <p:nvPr/>
+        </p:nvSpPr>
+        <p:spPr>
+          <a:xfrm>
+            <a:off x="5196241" y="2521758"/>
+            <a:ext cx="2470301" cy="3133678"/>
+          </a:xfrm>
+          <a:prstGeom prst="rect">
+            <a:avLst/>
+          </a:prstGeom>
+        </p:spPr>
+        <p:txBody>
+          <a:bodyPr wrap="square">
+            <a:spAutoFit/>
+          </a:bodyPr>
+          <a:lstStyle/>
+          <a:p>
+            <a:pPr marL="342900" marR="0" lvl="0" indent="-342900">
+              <a:lnSpc>
+                <a:spcPct val="107000"/>
+              </a:lnSpc>
+              <a:spcBef>
+                <a:spcPts val="0"/>
+              </a:spcBef>
+              <a:spcAft>
+                <a:spcPts val="0"/>
+              </a:spcAft>
+              <a:buFont typeface="+mj-lt"/>
+              <a:buAutoNum type="arabicPeriod"/>
+            </a:pPr>
+            <a:r>
+              <a:rPr lang="en-US" sz="1050" dirty="0">
+                <a:latin typeface="Calibri" panose="020F0502020204030204" pitchFamily="34" charset="0"/>
+                <a:ea typeface="Calibri" panose="020F0502020204030204" pitchFamily="34" charset="0"/>
+                <a:cs typeface="Times New Roman" panose="02020603050405020304" pitchFamily="18" charset="0"/>
+              </a:rPr>
+              <a:t>Develop the electrical system to power the navigation and control of the rocket.</a:t>
+            </a:r>
+          </a:p>
+          <a:p>
+            <a:pPr marL="742950" marR="0" lvl="1" indent="-285750">
+              <a:lnSpc>
+                <a:spcPct val="107000"/>
+              </a:lnSpc>
+              <a:spcBef>
+                <a:spcPts val="0"/>
+              </a:spcBef>
+              <a:spcAft>
+                <a:spcPts val="0"/>
+              </a:spcAft>
+              <a:buFont typeface="+mj-lt"/>
+              <a:buAutoNum type="alphaLcPeriod"/>
+            </a:pPr>
+            <a:r>
+              <a:rPr lang="en-US" sz="1050" dirty="0">
+                <a:latin typeface="Calibri" panose="020F0502020204030204" pitchFamily="34" charset="0"/>
+                <a:ea typeface="Calibri" panose="020F0502020204030204" pitchFamily="34" charset="0"/>
+                <a:cs typeface="Times New Roman" panose="02020603050405020304" pitchFamily="18" charset="0"/>
+              </a:rPr>
+              <a:t>Will work closely with the gimbal project</a:t>
+            </a:r>
+          </a:p>
+          <a:p>
+            <a:pPr marL="342900" marR="0" lvl="0" indent="-342900">
+              <a:lnSpc>
+                <a:spcPct val="107000"/>
+              </a:lnSpc>
+              <a:spcBef>
+                <a:spcPts val="0"/>
+              </a:spcBef>
+              <a:spcAft>
+                <a:spcPts val="800"/>
+              </a:spcAft>
+              <a:buFont typeface="+mj-lt"/>
+              <a:buAutoNum type="arabicPeriod"/>
+            </a:pPr>
+            <a:r>
+              <a:rPr lang="en-US" sz="1050" dirty="0">
+                <a:latin typeface="Calibri" panose="020F0502020204030204" pitchFamily="34" charset="0"/>
+                <a:ea typeface="Calibri" panose="020F0502020204030204" pitchFamily="34" charset="0"/>
+                <a:cs typeface="Times New Roman" panose="02020603050405020304" pitchFamily="18" charset="0"/>
+              </a:rPr>
+              <a:t>Ensure that the rocket has optimum performance during testing and launch (pulling one ‘Remove Before Flight’ and turning all systems on in the rocket</a:t>
+            </a:r>
+            <a:r>
+              <a:rPr lang="en-US" sz="1050" dirty="0" smtClean="0">
+                <a:latin typeface="Calibri" panose="020F0502020204030204" pitchFamily="34" charset="0"/>
+                <a:ea typeface="Calibri" panose="020F0502020204030204" pitchFamily="34" charset="0"/>
+                <a:cs typeface="Times New Roman" panose="02020603050405020304" pitchFamily="18" charset="0"/>
+              </a:rPr>
+              <a:t>.</a:t>
+            </a:r>
+          </a:p>
+          <a:p>
+            <a:pPr marL="342900" marR="0" lvl="0" indent="-342900">
+              <a:lnSpc>
+                <a:spcPct val="107000"/>
+              </a:lnSpc>
+              <a:spcBef>
+                <a:spcPts val="0"/>
+              </a:spcBef>
+              <a:spcAft>
+                <a:spcPts val="0"/>
+              </a:spcAft>
+              <a:buFont typeface="+mj-lt"/>
+              <a:buAutoNum type="arabicPeriod"/>
+            </a:pPr>
+            <a:r>
+              <a:rPr lang="en-US" sz="1050" dirty="0" smtClean="0">
+                <a:latin typeface="Calibri" panose="020F0502020204030204" pitchFamily="34" charset="0"/>
+                <a:ea typeface="Calibri" panose="020F0502020204030204" pitchFamily="34" charset="0"/>
+                <a:cs typeface="Times New Roman" panose="02020603050405020304" pitchFamily="18" charset="0"/>
+              </a:rPr>
+              <a:t>Design</a:t>
+            </a:r>
+            <a:r>
+              <a:rPr lang="en-US" sz="1050" dirty="0">
+                <a:latin typeface="Calibri" panose="020F0502020204030204" pitchFamily="34" charset="0"/>
+                <a:ea typeface="Calibri" panose="020F0502020204030204" pitchFamily="34" charset="0"/>
+                <a:cs typeface="Times New Roman" panose="02020603050405020304" pitchFamily="18" charset="0"/>
+              </a:rPr>
+              <a:t>, build and test a payload to conduct scientific research (this is totally open)</a:t>
+            </a:r>
+          </a:p>
+          <a:p>
+            <a:pPr marL="342900" marR="0" lvl="0" indent="-342900">
+              <a:lnSpc>
+                <a:spcPct val="107000"/>
+              </a:lnSpc>
+              <a:spcBef>
+                <a:spcPts val="0"/>
+              </a:spcBef>
+              <a:spcAft>
+                <a:spcPts val="0"/>
+              </a:spcAft>
+              <a:buFont typeface="+mj-lt"/>
+              <a:buAutoNum type="arabicPeriod"/>
+            </a:pPr>
+            <a:r>
+              <a:rPr lang="en-US" sz="1050" dirty="0">
+                <a:latin typeface="Calibri" panose="020F0502020204030204" pitchFamily="34" charset="0"/>
+                <a:ea typeface="Calibri" panose="020F0502020204030204" pitchFamily="34" charset="0"/>
+                <a:cs typeface="Times New Roman" panose="02020603050405020304" pitchFamily="18" charset="0"/>
+              </a:rPr>
+              <a:t>Create a full-proof recovery system for apogee for the payload deployment and main rocket recovery</a:t>
+            </a:r>
+            <a:r>
+              <a:rPr lang="en-US" sz="1050" dirty="0" smtClean="0">
+                <a:latin typeface="Calibri" panose="020F0502020204030204" pitchFamily="34" charset="0"/>
+                <a:ea typeface="Calibri" panose="020F0502020204030204" pitchFamily="34" charset="0"/>
+                <a:cs typeface="Times New Roman" panose="02020603050405020304" pitchFamily="18" charset="0"/>
+              </a:rPr>
+              <a:t>.</a:t>
+            </a:r>
+            <a:endParaRPr lang="en-US" sz="1050" dirty="0">
+              <a:latin typeface="Calibri" panose="020F0502020204030204" pitchFamily="34" charset="0"/>
+              <a:ea typeface="Calibri" panose="020F0502020204030204" pitchFamily="34" charset="0"/>
+              <a:cs typeface="Times New Roman" panose="02020603050405020304" pitchFamily="18" charset="0"/>
+            </a:endParaRPr>
+          </a:p>
+        </p:txBody>
+      </p:sp>
+      <p:sp>
+        <p:nvSpPr>
+          <p:cNvPr id="15" name="Rectangle 14"/>
+          <p:cNvSpPr/>
+          <p:nvPr/>
+        </p:nvSpPr>
+        <p:spPr>
+          <a:xfrm>
+            <a:off x="7626105" y="2524520"/>
+            <a:ext cx="1975095" cy="2512483"/>
+          </a:xfrm>
+          <a:prstGeom prst="rect">
+            <a:avLst/>
+          </a:prstGeom>
+        </p:spPr>
+        <p:txBody>
+          <a:bodyPr wrap="square">
+            <a:spAutoFit/>
+          </a:bodyPr>
+          <a:lstStyle/>
+          <a:p>
+            <a:pPr marL="342900" marR="0" lvl="0" indent="-342900">
+              <a:lnSpc>
+                <a:spcPct val="107000"/>
+              </a:lnSpc>
+              <a:spcBef>
+                <a:spcPts val="0"/>
+              </a:spcBef>
+              <a:spcAft>
+                <a:spcPts val="0"/>
+              </a:spcAft>
+              <a:buFont typeface="+mj-lt"/>
+              <a:buAutoNum type="arabicPeriod"/>
+            </a:pPr>
+            <a:r>
+              <a:rPr lang="en-US" sz="1050" dirty="0">
+                <a:latin typeface="Calibri" panose="020F0502020204030204" pitchFamily="34" charset="0"/>
+                <a:ea typeface="Calibri" panose="020F0502020204030204" pitchFamily="34" charset="0"/>
+                <a:cs typeface="Times New Roman" panose="02020603050405020304" pitchFamily="18" charset="0"/>
+              </a:rPr>
+              <a:t>Communicate with all teams above to design, manufacture and build test equipment, procedures and plans for all testing being done. </a:t>
+            </a:r>
+          </a:p>
+          <a:p>
+            <a:pPr marL="342900" marR="0" lvl="0" indent="-342900">
+              <a:lnSpc>
+                <a:spcPct val="107000"/>
+              </a:lnSpc>
+              <a:spcBef>
+                <a:spcPts val="0"/>
+              </a:spcBef>
+              <a:spcAft>
+                <a:spcPts val="0"/>
+              </a:spcAft>
+              <a:buFont typeface="+mj-lt"/>
+              <a:buAutoNum type="arabicPeriod"/>
+            </a:pPr>
+            <a:r>
+              <a:rPr lang="en-US" sz="1050" dirty="0">
+                <a:latin typeface="Calibri" panose="020F0502020204030204" pitchFamily="34" charset="0"/>
+                <a:ea typeface="Calibri" panose="020F0502020204030204" pitchFamily="34" charset="0"/>
+                <a:cs typeface="Times New Roman" panose="02020603050405020304" pitchFamily="18" charset="0"/>
+              </a:rPr>
+              <a:t>Lead the project to secure an area for SEDS to base all testing on, including the development of the mobile mission control bunker.</a:t>
+            </a:r>
+          </a:p>
+          <a:p>
+            <a:pPr marL="342900" marR="0" lvl="0" indent="-342900">
+              <a:lnSpc>
+                <a:spcPct val="107000"/>
+              </a:lnSpc>
+              <a:spcBef>
+                <a:spcPts val="0"/>
+              </a:spcBef>
+              <a:spcAft>
+                <a:spcPts val="800"/>
+              </a:spcAft>
+              <a:buFont typeface="+mj-lt"/>
+              <a:buAutoNum type="arabicPeriod"/>
+            </a:pPr>
+            <a:r>
+              <a:rPr lang="en-US" sz="1050" dirty="0">
+                <a:latin typeface="Calibri" panose="020F0502020204030204" pitchFamily="34" charset="0"/>
+                <a:ea typeface="Calibri" panose="020F0502020204030204" pitchFamily="34" charset="0"/>
+                <a:cs typeface="Times New Roman" panose="02020603050405020304" pitchFamily="18" charset="0"/>
+              </a:rPr>
+              <a:t>Lead major sub-projects as they arise.</a:t>
+            </a:r>
+          </a:p>
+        </p:txBody>
+      </p:sp>
+    </p:spTree>
+    <p:extLst>
+      <p:ext uri="{BB962C8B-B14F-4D97-AF65-F5344CB8AC3E}">
+        <p14:creationId xmlns:p14="http://schemas.microsoft.com/office/powerpoint/2010/main" val="3596838961"/>
+      </p:ext>
+    </p:extLst>
+  </p:cSld>
+  <p:clrMapOvr>
+    <a:overrideClrMapping bg1="lt1" tx1="dk1" bg2="lt2" tx2="dk2" accent1="accent1" accent2="accent2" accent3="accent3" accent4="accent4" accent5="accent5" accent6="accent6" hlink="hlink" folHlink="folHlink"/>
+  </p:clrMapOvr>
+</p:sld>
+</file>
+
+<file path=ppt/slides/slide3.xml><?xml version="1.0" encoding="utf-8"?>
+<p:sld xmlns:a="http://schemas.openxmlformats.org/drawingml/2006/main" xmlns:r="http://schemas.openxmlformats.org/officeDocument/2006/relationships" xmlns:p="http://schemas.openxmlformats.org/presentationml/2006/main">
+  <p:cSld>
+    <p:bg>
+      <p:bgPr>
+        <a:gradFill flip="none" rotWithShape="1">
+          <a:gsLst>
+            <a:gs pos="0">
+              <a:schemeClr val="bg1">
+                <a:lumMod val="85000"/>
+              </a:schemeClr>
+            </a:gs>
+            <a:gs pos="100000">
+              <a:schemeClr val="bg1">
+                <a:lumMod val="95000"/>
+              </a:schemeClr>
+            </a:gs>
+          </a:gsLst>
+          <a:lin ang="13500000" scaled="1"/>
+          <a:tileRect/>
+        </a:gradFill>
+        <a:effectLst/>
+      </p:bgPr>
+    </p:bg>
+    <p:spTree>
+      <p:nvGrpSpPr>
+        <p:cNvPr id="1" name=""/>
+        <p:cNvGrpSpPr/>
+        <p:nvPr/>
+      </p:nvGrpSpPr>
+      <p:grpSpPr>
+        <a:xfrm>
+          <a:off x="0" y="0"/>
+          <a:ext cx="0" cy="0"/>
+          <a:chOff x="0" y="0"/>
+          <a:chExt cx="0" cy="0"/>
+        </a:xfrm>
+      </p:grpSpPr>
+      <p:sp>
+        <p:nvSpPr>
+          <p:cNvPr id="4" name="Title 3" descr="decorative element"/>
+          <p:cNvSpPr>
+            <a:spLocks noGrp="1"/>
+          </p:cNvSpPr>
+          <p:nvPr>
+            <p:ph type="title"/>
+          </p:nvPr>
+        </p:nvSpPr>
+        <p:spPr>
+          <a:xfrm>
+            <a:off x="285639" y="681271"/>
+            <a:ext cx="2885686" cy="396350"/>
+          </a:xfrm>
+        </p:spPr>
+        <p:txBody>
+          <a:bodyPr>
+            <a:noAutofit/>
+          </a:bodyPr>
+          <a:lstStyle/>
+          <a:p>
+            <a:pPr algn="ctr"/>
+            <a:r>
+              <a:rPr lang="en-US" sz="2310" dirty="0">
+                <a:solidFill>
+                  <a:schemeClr val="tx2"/>
+                </a:solidFill>
+              </a:rPr>
+              <a:t>Engineering </a:t>
+            </a:r>
+            <a:r>
+              <a:rPr lang="en-US" sz="2310" dirty="0" smtClean="0">
+                <a:solidFill>
+                  <a:schemeClr val="tx2"/>
+                </a:solidFill>
+              </a:rPr>
+              <a:t>goals</a:t>
+            </a:r>
+            <a:br>
+              <a:rPr lang="en-US" sz="2310" dirty="0" smtClean="0">
+                <a:solidFill>
+                  <a:schemeClr val="tx2"/>
+                </a:solidFill>
+              </a:rPr>
+            </a:br>
+            <a:r>
+              <a:rPr lang="en-US" sz="1485" dirty="0" smtClean="0">
+                <a:solidFill>
+                  <a:schemeClr val="tx2"/>
+                </a:solidFill>
+              </a:rPr>
+              <a:t>2019-2020</a:t>
+            </a:r>
+            <a:endParaRPr lang="en-US" sz="2310" dirty="0">
+              <a:solidFill>
+                <a:schemeClr val="tx2"/>
+              </a:solidFill>
+            </a:endParaRPr>
+          </a:p>
+        </p:txBody>
+      </p:sp>
+      <p:sp>
+        <p:nvSpPr>
+          <p:cNvPr id="203" name="Title 3" descr="decorative element">
+            <a:extLst>
+              <a:ext uri="{FF2B5EF4-FFF2-40B4-BE49-F238E27FC236}">
+                <a16:creationId xmlns:a16="http://schemas.microsoft.com/office/drawing/2014/main" id="{09C8FC4F-5DB3-460E-9526-FACC1D975BC7}"/>
+              </a:ext>
+            </a:extLst>
+          </p:cNvPr>
+          <p:cNvSpPr txBox="1">
+            <a:spLocks/>
+          </p:cNvSpPr>
+          <p:nvPr/>
+        </p:nvSpPr>
+        <p:spPr>
+          <a:xfrm>
+            <a:off x="7969863" y="681271"/>
+            <a:ext cx="1407444" cy="396350"/>
+          </a:xfrm>
+          <a:prstGeom prst="rect">
+            <a:avLst/>
+          </a:prstGeom>
+          <a:effectLst/>
+        </p:spPr>
+        <p:txBody>
+          <a:bodyPr vert="horz" lIns="75438" tIns="37719" rIns="75438" bIns="37719" rtlCol="0" anchor="ctr">
+            <a:noAutofit/>
+          </a:bodyPr>
+          <a:lstStyle>
+            <a:lvl1pPr algn="l" defTabSz="457200" rtl="0" eaLnBrk="1" latinLnBrk="0" hangingPunct="1">
+              <a:spcBef>
+                <a:spcPct val="0"/>
+              </a:spcBef>
+              <a:buNone/>
+              <a:defRPr sz="3600" kern="1200" cap="all">
+                <a:ln w="3175" cmpd="sng">
+                  <a:noFill/>
+                </a:ln>
+                <a:solidFill>
+                  <a:schemeClr val="tx1"/>
+                </a:solidFill>
+                <a:effectLst/>
+                <a:latin typeface="+mj-lt"/>
+                <a:ea typeface="+mj-ea"/>
+                <a:cs typeface="+mj-cs"/>
+              </a:defRPr>
+            </a:lvl1pPr>
+            <a:lvl2pPr eaLnBrk="1" hangingPunct="1">
+              <a:defRPr>
+                <a:solidFill>
+                  <a:schemeClr val="tx2"/>
+                </a:solidFill>
+              </a:defRPr>
+            </a:lvl2pPr>
+            <a:lvl3pPr eaLnBrk="1" hangingPunct="1">
+              <a:defRPr>
+                <a:solidFill>
+                  <a:schemeClr val="tx2"/>
+                </a:solidFill>
+              </a:defRPr>
+            </a:lvl3pPr>
+            <a:lvl4pPr eaLnBrk="1" hangingPunct="1">
+              <a:defRPr>
+                <a:solidFill>
+                  <a:schemeClr val="tx2"/>
+                </a:solidFill>
+              </a:defRPr>
+            </a:lvl4pPr>
+            <a:lvl5pPr eaLnBrk="1" hangingPunct="1">
+              <a:defRPr>
+                <a:solidFill>
+                  <a:schemeClr val="tx2"/>
+                </a:solidFill>
+              </a:defRPr>
+            </a:lvl5pPr>
+            <a:lvl6pPr eaLnBrk="1" hangingPunct="1">
+              <a:defRPr>
+                <a:solidFill>
+                  <a:schemeClr val="tx2"/>
+                </a:solidFill>
+              </a:defRPr>
+            </a:lvl6pPr>
+            <a:lvl7pPr eaLnBrk="1" hangingPunct="1">
+              <a:defRPr>
+                <a:solidFill>
+                  <a:schemeClr val="tx2"/>
+                </a:solidFill>
+              </a:defRPr>
+            </a:lvl7pPr>
+            <a:lvl8pPr eaLnBrk="1" hangingPunct="1">
+              <a:defRPr>
+                <a:solidFill>
+                  <a:schemeClr val="tx2"/>
+                </a:solidFill>
+              </a:defRPr>
+            </a:lvl8pPr>
+            <a:lvl9pPr eaLnBrk="1" hangingPunct="1">
+              <a:defRPr>
+                <a:solidFill>
+                  <a:schemeClr val="tx2"/>
+                </a:solidFill>
+              </a:defRPr>
+            </a:lvl9pPr>
+          </a:lstStyle>
+          <a:p>
+            <a:pPr algn="ctr"/>
+            <a:r>
+              <a:rPr lang="en-US" sz="2310" dirty="0">
+                <a:solidFill>
+                  <a:schemeClr val="tx2"/>
+                </a:solidFill>
+              </a:rPr>
+              <a:t>UNH SEDS</a:t>
+            </a:r>
+          </a:p>
+        </p:txBody>
+      </p:sp>
       <p:sp>
         <p:nvSpPr>
           <p:cNvPr id="3" name="TextBox 2">
@@ -12637,7 +15901,7 @@
         </p:nvSpPr>
         <p:spPr>
           <a:xfrm>
-            <a:off x="578603" y="2086442"/>
+            <a:off x="931028" y="1695917"/>
             <a:ext cx="2695259" cy="549381"/>
           </a:xfrm>
           <a:prstGeom prst="rect">
@@ -12683,7 +15947,7 @@
         </p:nvSpPr>
         <p:spPr>
           <a:xfrm>
-            <a:off x="578603" y="2854807"/>
+            <a:off x="931028" y="2464282"/>
             <a:ext cx="2695259" cy="549381"/>
           </a:xfrm>
           <a:prstGeom prst="rect">
@@ -12710,8 +15974,21 @@
                   <a:schemeClr val="bg1"/>
                 </a:solidFill>
               </a:rPr>
-              <a:t>A test-proven rocket engine gimbal system</a:t>
+              <a:t>A test-proven rocket engine gimbal </a:t>
             </a:r>
+            <a:r>
+              <a:rPr lang="en-US" sz="1485" dirty="0" smtClean="0">
+                <a:solidFill>
+                  <a:schemeClr val="bg1"/>
+                </a:solidFill>
+              </a:rPr>
+              <a:t>system (2 year plan)</a:t>
+            </a:r>
+            <a:endParaRPr lang="en-US" sz="1485" dirty="0">
+              <a:solidFill>
+                <a:schemeClr val="bg1"/>
+              </a:solidFill>
+            </a:endParaRPr>
           </a:p>
         </p:txBody>
       </p:sp>
@@ -12729,7 +16006,7 @@
         </p:nvSpPr>
         <p:spPr>
           <a:xfrm>
-            <a:off x="578603" y="4383255"/>
+            <a:off x="931028" y="3992730"/>
             <a:ext cx="2695259" cy="549381"/>
           </a:xfrm>
           <a:prstGeom prst="rect">
@@ -12778,53 +16055,7 @@
         </p:nvSpPr>
         <p:spPr>
           <a:xfrm>
-            <a:off x="578602" y="5146919"/>
-            <a:ext cx="2695259" cy="549381"/>
-          </a:xfrm>
-          <a:prstGeom prst="rect">
-            <a:avLst/>
-          </a:prstGeom>
-          <a:solidFill>
-            <a:srgbClr val="00B050"/>
-          </a:solidFill>
-          <a:ln>
-            <a:solidFill>
-              <a:schemeClr val="tx1"/>
-            </a:solidFill>
-          </a:ln>
-        </p:spPr>
-        <p:txBody>
-          <a:bodyPr wrap="square" rtlCol="0">
-            <a:spAutoFit/>
-          </a:bodyPr>
-          <a:lstStyle/>
-          <a:p>
-            <a:r>
-              <a:rPr lang="en-US" sz="1485" dirty="0">
-                <a:solidFill>
-                  <a:schemeClr val="bg1"/>
-                </a:solidFill>
-              </a:rPr>
-              <a:t>A beautiful, yet amazingly complex flight computer system</a:t>
-            </a:r>
-          </a:p>
-        </p:txBody>
-      </p:sp>
-      <p:sp>
-        <p:nvSpPr>
-          <p:cNvPr id="82" name="TextBox 81">
-            <a:extLst>
-              <a:ext uri="{FF2B5EF4-FFF2-40B4-BE49-F238E27FC236}">
-                <a16:creationId xmlns:a16="http://schemas.microsoft.com/office/drawing/2014/main" id="{ABC204C1-B79F-4D31-99D5-2BA55A69A9DB}"/>
-              </a:ext>
-            </a:extLst>
-          </p:cNvPr>
-          <p:cNvSpPr txBox="1"/>
-          <p:nvPr/>
-        </p:nvSpPr>
-        <p:spPr>
-          <a:xfrm>
-            <a:off x="578601" y="5910586"/>
+            <a:off x="931027" y="4756394"/>
             <a:ext cx="2695259" cy="549381"/>
           </a:xfrm>
           <a:prstGeom prst="rect">
@@ -12851,6 +16082,52 @@
                   <a:schemeClr val="bg1"/>
                 </a:solidFill>
               </a:rPr>
+              <a:t>A beautiful, yet amazingly complex flight computer system</a:t>
+            </a:r>
+          </a:p>
+        </p:txBody>
+      </p:sp>
+      <p:sp>
+        <p:nvSpPr>
+          <p:cNvPr id="82" name="TextBox 81">
+            <a:extLst>
+              <a:ext uri="{FF2B5EF4-FFF2-40B4-BE49-F238E27FC236}">
+                <a16:creationId xmlns:a16="http://schemas.microsoft.com/office/drawing/2014/main" id="{ABC204C1-B79F-4D31-99D5-2BA55A69A9DB}"/>
+              </a:ext>
+            </a:extLst>
+          </p:cNvPr>
+          <p:cNvSpPr txBox="1"/>
+          <p:nvPr/>
+        </p:nvSpPr>
+        <p:spPr>
+          <a:xfrm>
+            <a:off x="931026" y="5520061"/>
+            <a:ext cx="2695259" cy="549381"/>
+          </a:xfrm>
+          <a:prstGeom prst="rect">
+            <a:avLst/>
+          </a:prstGeom>
+          <a:solidFill>
+            <a:srgbClr val="0070C0"/>
+          </a:solidFill>
+          <a:ln>
+            <a:solidFill>
+              <a:schemeClr val="tx1"/>
+            </a:solidFill>
+          </a:ln>
+        </p:spPr>
+        <p:txBody>
+          <a:bodyPr wrap="square" rtlCol="0">
+            <a:spAutoFit/>
+          </a:bodyPr>
+          <a:lstStyle/>
+          <a:p>
+            <a:r>
+              <a:rPr lang="en-US" sz="1485" dirty="0">
+                <a:solidFill>
+                  <a:schemeClr val="bg1"/>
+                </a:solidFill>
+              </a:rPr>
               <a:t>A ROBUST payload ejection and flight recovery system</a:t>
             </a:r>
           </a:p>
@@ -12870,7 +16147,7 @@
         </p:nvSpPr>
         <p:spPr>
           <a:xfrm>
-            <a:off x="578603" y="3619589"/>
+            <a:off x="931028" y="3229064"/>
             <a:ext cx="2695259" cy="549381"/>
           </a:xfrm>
           <a:prstGeom prst="rect">
@@ -12916,7 +16193,7 @@
         </p:nvSpPr>
         <p:spPr>
           <a:xfrm>
-            <a:off x="3681570" y="2440414"/>
+            <a:off x="4033995" y="2049889"/>
             <a:ext cx="2917424" cy="549381"/>
           </a:xfrm>
           <a:prstGeom prst="rect">
@@ -12956,7 +16233,7 @@
         </p:nvSpPr>
         <p:spPr>
           <a:xfrm>
-            <a:off x="3681571" y="5509203"/>
+            <a:off x="4033996" y="5118678"/>
             <a:ext cx="2917423" cy="549381"/>
           </a:xfrm>
           <a:prstGeom prst="rect">
@@ -12996,7 +16273,7 @@
         </p:nvSpPr>
         <p:spPr>
           <a:xfrm>
-            <a:off x="7387558" y="3810027"/>
+            <a:off x="7285066" y="3427579"/>
             <a:ext cx="2092241" cy="701731"/>
           </a:xfrm>
           <a:prstGeom prst="rect">
@@ -13039,7 +16316,7 @@
         </p:nvCxnSpPr>
         <p:spPr>
           <a:xfrm>
-            <a:off x="3273862" y="2361133"/>
+            <a:off x="3626287" y="1970608"/>
             <a:ext cx="407708" cy="353972"/>
           </a:xfrm>
           <a:prstGeom prst="straightConnector1">
@@ -13082,7 +16359,7 @@
         </p:nvCxnSpPr>
         <p:spPr>
           <a:xfrm flipV="1">
-            <a:off x="3273862" y="2715105"/>
+            <a:off x="3626287" y="2324580"/>
             <a:ext cx="407708" cy="414393"/>
           </a:xfrm>
           <a:prstGeom prst="straightConnector1">
@@ -13125,7 +16402,7 @@
         </p:nvCxnSpPr>
         <p:spPr>
           <a:xfrm flipV="1">
-            <a:off x="3273862" y="2715105"/>
+            <a:off x="3626287" y="2324580"/>
             <a:ext cx="407708" cy="1179175"/>
           </a:xfrm>
           <a:prstGeom prst="straightConnector1">
@@ -13168,7 +16445,7 @@
         </p:nvCxnSpPr>
         <p:spPr>
           <a:xfrm flipV="1">
-            <a:off x="3273862" y="2715105"/>
+            <a:off x="3626287" y="2324580"/>
             <a:ext cx="407708" cy="1942841"/>
           </a:xfrm>
           <a:prstGeom prst="straightConnector1">
@@ -13211,7 +16488,7 @@
         </p:nvCxnSpPr>
         <p:spPr>
           <a:xfrm flipV="1">
-            <a:off x="3273861" y="2715105"/>
+            <a:off x="3626286" y="2324580"/>
             <a:ext cx="407709" cy="2706505"/>
           </a:xfrm>
           <a:prstGeom prst="straightConnector1">
@@ -13254,7 +16531,7 @@
         </p:nvCxnSpPr>
         <p:spPr>
           <a:xfrm flipV="1">
-            <a:off x="3273860" y="5783894"/>
+            <a:off x="3626285" y="5393369"/>
             <a:ext cx="407711" cy="401383"/>
           </a:xfrm>
           <a:prstGeom prst="straightConnector1">
@@ -13297,7 +16574,7 @@
         </p:nvCxnSpPr>
         <p:spPr>
           <a:xfrm>
-            <a:off x="3273861" y="5421610"/>
+            <a:off x="3626286" y="5031085"/>
             <a:ext cx="407710" cy="362284"/>
           </a:xfrm>
           <a:prstGeom prst="straightConnector1">
@@ -13340,7 +16617,7 @@
         </p:nvCxnSpPr>
         <p:spPr>
           <a:xfrm>
-            <a:off x="3273862" y="4657946"/>
+            <a:off x="3626287" y="4267421"/>
             <a:ext cx="407709" cy="1125948"/>
           </a:xfrm>
           <a:prstGeom prst="straightConnector1">
@@ -13383,7 +16660,7 @@
         </p:nvCxnSpPr>
         <p:spPr>
           <a:xfrm>
-            <a:off x="3273862" y="3894280"/>
+            <a:off x="3626287" y="3503755"/>
             <a:ext cx="407709" cy="1889614"/>
           </a:xfrm>
           <a:prstGeom prst="straightConnector1">
@@ -13426,8 +16703,8 @@
         </p:nvCxnSpPr>
         <p:spPr>
           <a:xfrm>
-            <a:off x="6598994" y="2715105"/>
-            <a:ext cx="788564" cy="1445788"/>
+            <a:off x="6951419" y="2324580"/>
+            <a:ext cx="333647" cy="1453865"/>
           </a:xfrm>
           <a:prstGeom prst="straightConnector1">
             <a:avLst/>
@@ -13469,8 +16746,8 @@
         </p:nvCxnSpPr>
         <p:spPr>
           <a:xfrm flipV="1">
-            <a:off x="6598994" y="4160893"/>
-            <a:ext cx="788564" cy="1623001"/>
+            <a:off x="6951419" y="3778445"/>
+            <a:ext cx="333647" cy="1614924"/>
           </a:xfrm>
           <a:prstGeom prst="straightConnector1">
             <a:avLst/>
@@ -13512,8 +16789,8 @@
         </p:nvCxnSpPr>
         <p:spPr>
           <a:xfrm>
-            <a:off x="3273862" y="3894280"/>
-            <a:ext cx="4113696" cy="266613"/>
+            <a:off x="3626287" y="3503755"/>
+            <a:ext cx="3658779" cy="274690"/>
           </a:xfrm>
           <a:prstGeom prst="straightConnector1">
             <a:avLst/>
@@ -13555,8 +16832,8 @@
         </p:nvCxnSpPr>
         <p:spPr>
           <a:xfrm flipV="1">
-            <a:off x="3273862" y="4160893"/>
-            <a:ext cx="4113696" cy="497053"/>
+            <a:off x="3626287" y="3778445"/>
+            <a:ext cx="3658779" cy="488976"/>
           </a:xfrm>
           <a:prstGeom prst="straightConnector1">
             <a:avLst/>
@@ -13594,7 +16871,7 @@
         </p:nvSpPr>
         <p:spPr>
           <a:xfrm>
-            <a:off x="106199" y="4474511"/>
+            <a:off x="458624" y="4083986"/>
             <a:ext cx="358880" cy="350708"/>
           </a:xfrm>
           <a:prstGeom prst="star5">
@@ -13643,7 +16920,7 @@
         </p:nvSpPr>
         <p:spPr>
           <a:xfrm>
-            <a:off x="106199" y="3709570"/>
+            <a:off x="458624" y="3319045"/>
             <a:ext cx="358880" cy="350708"/>
           </a:xfrm>
           <a:prstGeom prst="star5">
@@ -13692,10 +16969,10 @@
         </p:nvGrpSpPr>
         <p:grpSpPr>
           <a:xfrm>
-            <a:off x="2919063" y="653075"/>
-            <a:ext cx="6815039" cy="218566"/>
+            <a:off x="2291040" y="6533057"/>
+            <a:ext cx="6329272" cy="218566"/>
             <a:chOff x="693588" y="6385235"/>
-            <a:chExt cx="3155374" cy="108000"/>
+            <a:chExt cx="2930464" cy="108000"/>
           </a:xfrm>
         </p:grpSpPr>
         <p:sp>
@@ -13712,7 +16989,7 @@
           </p:nvSpPr>
           <p:spPr>
             <a:xfrm>
-              <a:off x="1768751" y="6385235"/>
+              <a:off x="1468866" y="6385235"/>
               <a:ext cx="108000" cy="108000"/>
             </a:xfrm>
             <a:prstGeom prst="rect">
@@ -13967,7 +17244,7 @@
           </p:nvSpPr>
           <p:spPr>
             <a:xfrm>
-              <a:off x="1911505" y="6385235"/>
+              <a:off x="1611620" y="6385235"/>
               <a:ext cx="486599" cy="108000"/>
             </a:xfrm>
             <a:prstGeom prst="rect">
@@ -14050,7 +17327,7 @@
           </p:nvSpPr>
           <p:spPr>
             <a:xfrm>
-              <a:off x="3219614" y="6385235"/>
+              <a:off x="2994703" y="6385235"/>
               <a:ext cx="108000" cy="108000"/>
             </a:xfrm>
             <a:prstGeom prst="rect">
@@ -14136,7 +17413,7 @@
           </p:nvSpPr>
           <p:spPr>
             <a:xfrm>
-              <a:off x="2569791" y="6385235"/>
+              <a:off x="2256676" y="6385235"/>
               <a:ext cx="108000" cy="108000"/>
             </a:xfrm>
             <a:prstGeom prst="rect">
@@ -14222,7 +17499,7 @@
           </p:nvSpPr>
           <p:spPr>
             <a:xfrm>
-              <a:off x="2712540" y="6385237"/>
+              <a:off x="2399424" y="6385237"/>
               <a:ext cx="260939" cy="107996"/>
             </a:xfrm>
             <a:prstGeom prst="rect">
@@ -14288,11 +17565,6 @@
                 </a:rPr>
                 <a:t>Avionics</a:t>
               </a:r>
-              <a:endParaRPr lang="en-US" sz="825" dirty="0">
-                <a:solidFill>
-                  <a:schemeClr val="tx1"/>
-                </a:solidFill>
-              </a:endParaRPr>
             </a:p>
           </p:txBody>
         </p:sp>
@@ -14310,7 +17582,7 @@
           </p:nvSpPr>
           <p:spPr>
             <a:xfrm>
-              <a:off x="3362363" y="6385235"/>
+              <a:off x="3137453" y="6385235"/>
               <a:ext cx="486599" cy="108000"/>
             </a:xfrm>
             <a:prstGeom prst="rect">
@@ -15233,23 +18505,6 @@
 </file>
 
 <file path=customXml/item1.xml><?xml version="1.0" encoding="utf-8"?>
-<p:properties xmlns:p="http://schemas.microsoft.com/office/2006/metadata/properties" xmlns:xsi="http://www.w3.org/2001/XMLSchema-instance" xmlns:pc="http://schemas.microsoft.com/office/infopath/2007/PartnerControls">
-  <documentManagement>
-    <MediaServiceKeyPoints xmlns="71af3243-3dd4-4a8d-8c0d-dd76da1f02a5" xsi:nil="true"/>
-  </documentManagement>
-</p:properties>
-</file>
-
-<file path=customXml/item2.xml><?xml version="1.0" encoding="utf-8"?>
-<?mso-contentType ?>
-<FormTemplates xmlns="http://schemas.microsoft.com/sharepoint/v3/contenttype/forms">
-  <Display>DocumentLibraryForm</Display>
-  <Edit>DocumentLibraryForm</Edit>
-  <New>DocumentLibraryForm</New>
-</FormTemplates>
-</file>
-
-<file path=customXml/item3.xml><?xml version="1.0" encoding="utf-8"?>
 <ct:contentTypeSchema xmlns:ct="http://schemas.microsoft.com/office/2006/metadata/contentType" xmlns:ma="http://schemas.microsoft.com/office/2006/metadata/properties/metaAttributes" ct:_="" ma:_="" ma:contentTypeName="Document" ma:contentTypeID="0x01010079F111ED35F8CC479449609E8A0923A6" ma:contentTypeVersion="11" ma:contentTypeDescription="Create a new document." ma:contentTypeScope="" ma:versionID="9677210f24a1be23c92c90fd886aa0aa">
   <xsd:schema xmlns:xsd="http://www.w3.org/2001/XMLSchema" xmlns:xs="http://www.w3.org/2001/XMLSchema" xmlns:p="http://schemas.microsoft.com/office/2006/metadata/properties" xmlns:ns2="71af3243-3dd4-4a8d-8c0d-dd76da1f02a5" xmlns:ns3="16c05727-aa75-4e4a-9b5f-8a80a1165891" targetNamespace="http://schemas.microsoft.com/office/2006/metadata/properties" ma:root="true" ma:fieldsID="60e05723c5c1908df1a1a4ebf11d344e" ns2:_="" ns3:_="">
     <xsd:import namespace="71af3243-3dd4-4a8d-8c0d-dd76da1f02a5"/>
@@ -15460,32 +18715,24 @@
 </ct:contentTypeSchema>
 </file>
 
-<file path=customXml/itemProps1.xml><?xml version="1.0" encoding="utf-8"?>
-<ds:datastoreItem xmlns:ds="http://schemas.openxmlformats.org/officeDocument/2006/customXml" ds:itemID="{3C2AD4FE-5267-4953-9D66-004581AED1F0}">
-  <ds:schemaRefs>
-    <ds:schemaRef ds:uri="http://purl.org/dc/elements/1.1/"/>
-    <ds:schemaRef ds:uri="http://schemas.microsoft.com/office/2006/metadata/properties"/>
-    <ds:schemaRef ds:uri="http://purl.org/dc/terms/"/>
-    <ds:schemaRef ds:uri="http://schemas.openxmlformats.org/package/2006/metadata/core-properties"/>
-    <ds:schemaRef ds:uri="16c05727-aa75-4e4a-9b5f-8a80a1165891"/>
-    <ds:schemaRef ds:uri="http://schemas.microsoft.com/office/2006/documentManagement/types"/>
-    <ds:schemaRef ds:uri="http://schemas.microsoft.com/office/infopath/2007/PartnerControls"/>
-    <ds:schemaRef ds:uri="71af3243-3dd4-4a8d-8c0d-dd76da1f02a5"/>
-    <ds:schemaRef ds:uri="http://www.w3.org/XML/1998/namespace"/>
-    <ds:schemaRef ds:uri="http://purl.org/dc/dcmitype/"/>
-  </ds:schemaRefs>
-</ds:datastoreItem>
+<file path=customXml/item2.xml><?xml version="1.0" encoding="utf-8"?>
+<?mso-contentType ?>
+<FormTemplates xmlns="http://schemas.microsoft.com/sharepoint/v3/contenttype/forms">
+  <Display>DocumentLibraryForm</Display>
+  <Edit>DocumentLibraryForm</Edit>
+  <New>DocumentLibraryForm</New>
+</FormTemplates>
 </file>
 
-<file path=customXml/itemProps2.xml><?xml version="1.0" encoding="utf-8"?>
-<ds:datastoreItem xmlns:ds="http://schemas.openxmlformats.org/officeDocument/2006/customXml" ds:itemID="{9082A0F6-5C05-4A60-9DD8-B772877A4F89}">
-  <ds:schemaRefs>
-    <ds:schemaRef ds:uri="http://schemas.microsoft.com/sharepoint/v3/contenttype/forms"/>
-  </ds:schemaRefs>
-</ds:datastoreItem>
+<file path=customXml/item3.xml><?xml version="1.0" encoding="utf-8"?>
+<p:properties xmlns:p="http://schemas.microsoft.com/office/2006/metadata/properties" xmlns:xsi="http://www.w3.org/2001/XMLSchema-instance" xmlns:pc="http://schemas.microsoft.com/office/infopath/2007/PartnerControls">
+  <documentManagement>
+    <MediaServiceKeyPoints xmlns="71af3243-3dd4-4a8d-8c0d-dd76da1f02a5" xsi:nil="true"/>
+  </documentManagement>
+</p:properties>
 </file>
 
-<file path=customXml/itemProps3.xml><?xml version="1.0" encoding="utf-8"?>
+<file path=customXml/itemProps1.xml><?xml version="1.0" encoding="utf-8"?>
 <ds:datastoreItem xmlns:ds="http://schemas.openxmlformats.org/officeDocument/2006/customXml" ds:itemID="{840DE65C-3715-41A1-996C-103EA7902D46}">
   <ds:schemaRefs>
     <ds:schemaRef ds:uri="http://schemas.microsoft.com/office/2006/metadata/contentType"/>
@@ -15502,4 +18749,29 @@
     <ds:schemaRef ds:uri="http://schemas.microsoft.com/internal/obd"/>
   </ds:schemaRefs>
 </ds:datastoreItem>
+</file>
+
+<file path=customXml/itemProps2.xml><?xml version="1.0" encoding="utf-8"?>
+<ds:datastoreItem xmlns:ds="http://schemas.openxmlformats.org/officeDocument/2006/customXml" ds:itemID="{9082A0F6-5C05-4A60-9DD8-B772877A4F89}">
+  <ds:schemaRefs>
+    <ds:schemaRef ds:uri="http://schemas.microsoft.com/sharepoint/v3/contenttype/forms"/>
+  </ds:schemaRefs>
+</ds:datastoreItem>
+</file>
+
+<file path=customXml/itemProps3.xml><?xml version="1.0" encoding="utf-8"?>
+<ds:datastoreItem xmlns:ds="http://schemas.openxmlformats.org/officeDocument/2006/customXml" ds:itemID="{3C2AD4FE-5267-4953-9D66-004581AED1F0}">
+  <ds:schemaRefs>
+    <ds:schemaRef ds:uri="http://purl.org/dc/elements/1.1/"/>
+    <ds:schemaRef ds:uri="http://schemas.microsoft.com/office/2006/metadata/properties"/>
+    <ds:schemaRef ds:uri="http://purl.org/dc/terms/"/>
+    <ds:schemaRef ds:uri="http://schemas.openxmlformats.org/package/2006/metadata/core-properties"/>
+    <ds:schemaRef ds:uri="16c05727-aa75-4e4a-9b5f-8a80a1165891"/>
+    <ds:schemaRef ds:uri="http://schemas.microsoft.com/office/2006/documentManagement/types"/>
+    <ds:schemaRef ds:uri="http://schemas.microsoft.com/office/infopath/2007/PartnerControls"/>
+    <ds:schemaRef ds:uri="71af3243-3dd4-4a8d-8c0d-dd76da1f02a5"/>
+    <ds:schemaRef ds:uri="http://www.w3.org/XML/1998/namespace"/>
+    <ds:schemaRef ds:uri="http://purl.org/dc/dcmitype/"/>
+  </ds:schemaRefs>
+</ds:datastoreItem>
 </file>
--- a/Engineering/2019-2020/Engineering Management/Engineering Organization Chart.pptx
+++ b/Engineering/2019-2020/Engineering Management/Engineering Organization Chart.pptx
@@ -6736,7 +6736,7 @@
                 <a16:creationId xmlns:a16="http://schemas.microsoft.com/office/drawing/2014/main" id="{6B70B1D5-F5F8-429D-818A-E1CFA491E8B4}"/>
               </a:ext>
               <a:ext uri="{C183D7F6-B498-43B3-948B-1728B52AA6E4}">
-                <adec:decorative xmlns:adec="http://schemas.microsoft.com/office/drawing/2017/decorative" xmlns="" val="1"/>
+                <adec:decorative xmlns="" xmlns:adec="http://schemas.microsoft.com/office/drawing/2017/decorative" val="1"/>
               </a:ext>
             </a:extLst>
           </p:cNvPr>
@@ -6957,7 +6957,7 @@
                 <a16:creationId xmlns:a16="http://schemas.microsoft.com/office/drawing/2014/main" id="{1D0C17FD-0081-40EF-A9FD-74C7001B881A}"/>
               </a:ext>
               <a:ext uri="{C183D7F6-B498-43B3-948B-1728B52AA6E4}">
-                <adec:decorative xmlns:adec="http://schemas.microsoft.com/office/drawing/2017/decorative" xmlns="" val="1"/>
+                <adec:decorative xmlns="" xmlns:adec="http://schemas.microsoft.com/office/drawing/2017/decorative" val="1"/>
               </a:ext>
             </a:extLst>
           </p:cNvPr>
@@ -7170,7 +7170,7 @@
                 <a16:creationId xmlns:a16="http://schemas.microsoft.com/office/drawing/2014/main" id="{86A6D505-4CAD-4827-A8B4-1F7AC0D804FA}"/>
               </a:ext>
               <a:ext uri="{C183D7F6-B498-43B3-948B-1728B52AA6E4}">
-                <adec:decorative xmlns:adec="http://schemas.microsoft.com/office/drawing/2017/decorative" xmlns="" val="1"/>
+                <adec:decorative xmlns="" xmlns:adec="http://schemas.microsoft.com/office/drawing/2017/decorative" val="1"/>
               </a:ext>
             </a:extLst>
           </p:cNvPr>
@@ -7414,7 +7414,7 @@
                 <a16:creationId xmlns:a16="http://schemas.microsoft.com/office/drawing/2014/main" id="{E4B64F0C-D8B5-4B34-A22A-D85D0F7D2F51}"/>
               </a:ext>
               <a:ext uri="{C183D7F6-B498-43B3-948B-1728B52AA6E4}">
-                <adec:decorative xmlns:adec="http://schemas.microsoft.com/office/drawing/2017/decorative" xmlns="" val="1"/>
+                <adec:decorative xmlns="" xmlns:adec="http://schemas.microsoft.com/office/drawing/2017/decorative" val="1"/>
               </a:ext>
             </a:extLst>
           </p:cNvPr>
@@ -7639,7 +7639,7 @@
                 <a16:creationId xmlns:a16="http://schemas.microsoft.com/office/drawing/2014/main" id="{484B9E92-D14A-4F75-88C6-459716737C4A}"/>
               </a:ext>
               <a:ext uri="{C183D7F6-B498-43B3-948B-1728B52AA6E4}">
-                <adec:decorative xmlns:adec="http://schemas.microsoft.com/office/drawing/2017/decorative" xmlns="" val="1"/>
+                <adec:decorative xmlns="" xmlns:adec="http://schemas.microsoft.com/office/drawing/2017/decorative" val="1"/>
               </a:ext>
             </a:extLst>
           </p:cNvPr>
@@ -8114,7 +8114,7 @@
                 <a16:creationId xmlns:a16="http://schemas.microsoft.com/office/drawing/2014/main" id="{FA215D57-115E-4EA6-82EB-CB2CD22D4237}"/>
               </a:ext>
               <a:ext uri="{C183D7F6-B498-43B3-948B-1728B52AA6E4}">
-                <adec:decorative xmlns:adec="http://schemas.microsoft.com/office/drawing/2017/decorative" xmlns="" val="1"/>
+                <adec:decorative xmlns="" xmlns:adec="http://schemas.microsoft.com/office/drawing/2017/decorative" val="1"/>
               </a:ext>
             </a:extLst>
           </p:cNvPr>
@@ -8315,7 +8315,7 @@
                 <a16:creationId xmlns:a16="http://schemas.microsoft.com/office/drawing/2014/main" id="{F63E54AC-1CB7-43BF-B0A4-82DE6FEB1664}"/>
               </a:ext>
               <a:ext uri="{C183D7F6-B498-43B3-948B-1728B52AA6E4}">
-                <adec:decorative xmlns:adec="http://schemas.microsoft.com/office/drawing/2017/decorative" xmlns="" val="1"/>
+                <adec:decorative xmlns="" xmlns:adec="http://schemas.microsoft.com/office/drawing/2017/decorative" val="1"/>
               </a:ext>
             </a:extLst>
           </p:cNvPr>
@@ -8618,7 +8618,7 @@
                 <a16:creationId xmlns:a16="http://schemas.microsoft.com/office/drawing/2014/main" id="{4E2090BB-E0AA-4E59-A402-4D5BBD0CCF9E}"/>
               </a:ext>
               <a:ext uri="{C183D7F6-B498-43B3-948B-1728B52AA6E4}">
-                <adec:decorative xmlns:adec="http://schemas.microsoft.com/office/drawing/2017/decorative" xmlns="" val="1"/>
+                <adec:decorative xmlns="" xmlns:adec="http://schemas.microsoft.com/office/drawing/2017/decorative" val="1"/>
               </a:ext>
             </a:extLst>
           </p:cNvPr>
@@ -8849,7 +8849,7 @@
                 <a16:creationId xmlns:a16="http://schemas.microsoft.com/office/drawing/2014/main" id="{6AEEFE71-1C97-4DBC-9ACC-C13080165451}"/>
               </a:ext>
               <a:ext uri="{C183D7F6-B498-43B3-948B-1728B52AA6E4}">
-                <adec:decorative xmlns:adec="http://schemas.microsoft.com/office/drawing/2017/decorative" xmlns="" val="1"/>
+                <adec:decorative xmlns="" xmlns:adec="http://schemas.microsoft.com/office/drawing/2017/decorative" val="1"/>
               </a:ext>
             </a:extLst>
           </p:cNvPr>
@@ -9064,7 +9064,7 @@
                 <a16:creationId xmlns:a16="http://schemas.microsoft.com/office/drawing/2014/main" id="{3657C156-6995-4383-A3E5-6735FBB3712B}"/>
               </a:ext>
               <a:ext uri="{C183D7F6-B498-43B3-948B-1728B52AA6E4}">
-                <adec:decorative xmlns:adec="http://schemas.microsoft.com/office/drawing/2017/decorative" xmlns="" val="1"/>
+                <adec:decorative xmlns="" xmlns:adec="http://schemas.microsoft.com/office/drawing/2017/decorative" val="1"/>
               </a:ext>
             </a:extLst>
           </p:cNvPr>
@@ -9272,7 +9272,7 @@
                 <a16:creationId xmlns:a16="http://schemas.microsoft.com/office/drawing/2014/main" id="{B84B8C78-7BAA-4492-9B7B-23F196965004}"/>
               </a:ext>
               <a:ext uri="{C183D7F6-B498-43B3-948B-1728B52AA6E4}">
-                <adec:decorative xmlns:adec="http://schemas.microsoft.com/office/drawing/2017/decorative" xmlns="" val="1"/>
+                <adec:decorative xmlns="" xmlns:adec="http://schemas.microsoft.com/office/drawing/2017/decorative" val="1"/>
               </a:ext>
             </a:extLst>
           </p:cNvPr>
@@ -9494,7 +9494,7 @@
                 <a16:creationId xmlns:a16="http://schemas.microsoft.com/office/drawing/2014/main" id="{A7F885EA-DA86-4249-9CB4-CE59CE108D4C}"/>
               </a:ext>
               <a:ext uri="{C183D7F6-B498-43B3-948B-1728B52AA6E4}">
-                <adec:decorative xmlns:adec="http://schemas.microsoft.com/office/drawing/2017/decorative" xmlns="" val="1"/>
+                <adec:decorative xmlns="" xmlns:adec="http://schemas.microsoft.com/office/drawing/2017/decorative" val="1"/>
               </a:ext>
             </a:extLst>
           </p:cNvPr>
@@ -9779,7 +9779,7 @@
                 <a16:creationId xmlns:a16="http://schemas.microsoft.com/office/drawing/2014/main" id="{DFDF04A4-723B-4E94-82D9-05F9FA39A2CE}"/>
               </a:ext>
               <a:ext uri="{C183D7F6-B498-43B3-948B-1728B52AA6E4}">
-                <adec:decorative xmlns:adec="http://schemas.microsoft.com/office/drawing/2017/decorative" xmlns="" val="1"/>
+                <adec:decorative xmlns="" xmlns:adec="http://schemas.microsoft.com/office/drawing/2017/decorative" val="1"/>
               </a:ext>
             </a:extLst>
           </p:cNvPr>
@@ -10811,7 +10811,7 @@
                 <a16:creationId xmlns:a16="http://schemas.microsoft.com/office/drawing/2014/main" id="{DFDF04A4-723B-4E94-82D9-05F9FA39A2CE}"/>
               </a:ext>
               <a:ext uri="{C183D7F6-B498-43B3-948B-1728B52AA6E4}">
-                <adec:decorative xmlns:adec="http://schemas.microsoft.com/office/drawing/2017/decorative" xmlns="" val="1"/>
+                <adec:decorative xmlns="" xmlns:adec="http://schemas.microsoft.com/office/drawing/2017/decorative" val="1"/>
               </a:ext>
             </a:extLst>
           </p:cNvPr>
@@ -11029,7 +11029,7 @@
                 <a16:creationId xmlns:a16="http://schemas.microsoft.com/office/drawing/2014/main" id="{86A6D505-4CAD-4827-A8B4-1F7AC0D804FA}"/>
               </a:ext>
               <a:ext uri="{C183D7F6-B498-43B3-948B-1728B52AA6E4}">
-                <adec:decorative xmlns:adec="http://schemas.microsoft.com/office/drawing/2017/decorative" xmlns="" val="1"/>
+                <adec:decorative xmlns="" xmlns:adec="http://schemas.microsoft.com/office/drawing/2017/decorative" val="1"/>
               </a:ext>
             </a:extLst>
           </p:cNvPr>
@@ -11323,7 +11323,7 @@
                 <a16:creationId xmlns:a16="http://schemas.microsoft.com/office/drawing/2014/main" id="{4E2090BB-E0AA-4E59-A402-4D5BBD0CCF9E}"/>
               </a:ext>
               <a:ext uri="{C183D7F6-B498-43B3-948B-1728B52AA6E4}">
-                <adec:decorative xmlns:adec="http://schemas.microsoft.com/office/drawing/2017/decorative" xmlns="" val="1"/>
+                <adec:decorative xmlns="" xmlns:adec="http://schemas.microsoft.com/office/drawing/2017/decorative" val="1"/>
               </a:ext>
             </a:extLst>
           </p:cNvPr>
@@ -11552,7 +11552,7 @@
                 <a16:creationId xmlns:a16="http://schemas.microsoft.com/office/drawing/2014/main" id="{DFDF04A4-723B-4E94-82D9-05F9FA39A2CE}"/>
               </a:ext>
               <a:ext uri="{C183D7F6-B498-43B3-948B-1728B52AA6E4}">
-                <adec:decorative xmlns:adec="http://schemas.microsoft.com/office/drawing/2017/decorative" xmlns="" val="1"/>
+                <adec:decorative xmlns="" xmlns:adec="http://schemas.microsoft.com/office/drawing/2017/decorative" val="1"/>
               </a:ext>
             </a:extLst>
           </p:cNvPr>
@@ -11783,7 +11783,7 @@
                 <a16:creationId xmlns:a16="http://schemas.microsoft.com/office/drawing/2014/main" id="{DFDF04A4-723B-4E94-82D9-05F9FA39A2CE}"/>
               </a:ext>
               <a:ext uri="{C183D7F6-B498-43B3-948B-1728B52AA6E4}">
-                <adec:decorative xmlns:adec="http://schemas.microsoft.com/office/drawing/2017/decorative" xmlns="" val="1"/>
+                <adec:decorative xmlns="" xmlns:adec="http://schemas.microsoft.com/office/drawing/2017/decorative" val="1"/>
               </a:ext>
             </a:extLst>
           </p:cNvPr>
@@ -12221,7 +12221,7 @@
                 <a16:creationId xmlns:a16="http://schemas.microsoft.com/office/drawing/2014/main" id="{A7F885EA-DA86-4249-9CB4-CE59CE108D4C}"/>
               </a:ext>
               <a:ext uri="{C183D7F6-B498-43B3-948B-1728B52AA6E4}">
-                <adec:decorative xmlns:adec="http://schemas.microsoft.com/office/drawing/2017/decorative" xmlns="" val="1"/>
+                <adec:decorative xmlns="" xmlns:adec="http://schemas.microsoft.com/office/drawing/2017/decorative" val="1"/>
               </a:ext>
             </a:extLst>
           </p:cNvPr>
@@ -12577,7 +12577,7 @@
                 <a16:creationId xmlns:a16="http://schemas.microsoft.com/office/drawing/2014/main" id="{6B70B1D5-F5F8-429D-818A-E1CFA491E8B4}"/>
               </a:ext>
               <a:ext uri="{C183D7F6-B498-43B3-948B-1728B52AA6E4}">
-                <adec:decorative xmlns:adec="http://schemas.microsoft.com/office/drawing/2017/decorative" xmlns="" val="1"/>
+                <adec:decorative xmlns="" xmlns:adec="http://schemas.microsoft.com/office/drawing/2017/decorative" val="1"/>
               </a:ext>
             </a:extLst>
           </p:cNvPr>
@@ -12798,7 +12798,7 @@
                 <a16:creationId xmlns:a16="http://schemas.microsoft.com/office/drawing/2014/main" id="{1D0C17FD-0081-40EF-A9FD-74C7001B881A}"/>
               </a:ext>
               <a:ext uri="{C183D7F6-B498-43B3-948B-1728B52AA6E4}">
-                <adec:decorative xmlns:adec="http://schemas.microsoft.com/office/drawing/2017/decorative" xmlns="" val="1"/>
+                <adec:decorative xmlns="" xmlns:adec="http://schemas.microsoft.com/office/drawing/2017/decorative" val="1"/>
               </a:ext>
             </a:extLst>
           </p:cNvPr>
@@ -13011,7 +13011,7 @@
                 <a16:creationId xmlns:a16="http://schemas.microsoft.com/office/drawing/2014/main" id="{E4B64F0C-D8B5-4B34-A22A-D85D0F7D2F51}"/>
               </a:ext>
               <a:ext uri="{C183D7F6-B498-43B3-948B-1728B52AA6E4}">
-                <adec:decorative xmlns:adec="http://schemas.microsoft.com/office/drawing/2017/decorative" xmlns="" val="1"/>
+                <adec:decorative xmlns="" xmlns:adec="http://schemas.microsoft.com/office/drawing/2017/decorative" val="1"/>
               </a:ext>
             </a:extLst>
           </p:cNvPr>
@@ -13236,7 +13236,7 @@
                 <a16:creationId xmlns:a16="http://schemas.microsoft.com/office/drawing/2014/main" id="{484B9E92-D14A-4F75-88C6-459716737C4A}"/>
               </a:ext>
               <a:ext uri="{C183D7F6-B498-43B3-948B-1728B52AA6E4}">
-                <adec:decorative xmlns:adec="http://schemas.microsoft.com/office/drawing/2017/decorative" xmlns="" val="1"/>
+                <adec:decorative xmlns="" xmlns:adec="http://schemas.microsoft.com/office/drawing/2017/decorative" val="1"/>
               </a:ext>
             </a:extLst>
           </p:cNvPr>
@@ -13711,7 +13711,7 @@
                 <a16:creationId xmlns:a16="http://schemas.microsoft.com/office/drawing/2014/main" id="{FA215D57-115E-4EA6-82EB-CB2CD22D4237}"/>
               </a:ext>
               <a:ext uri="{C183D7F6-B498-43B3-948B-1728B52AA6E4}">
-                <adec:decorative xmlns:adec="http://schemas.microsoft.com/office/drawing/2017/decorative" xmlns="" val="1"/>
+                <adec:decorative xmlns="" xmlns:adec="http://schemas.microsoft.com/office/drawing/2017/decorative" val="1"/>
               </a:ext>
             </a:extLst>
           </p:cNvPr>
@@ -13912,7 +13912,7 @@
                 <a16:creationId xmlns:a16="http://schemas.microsoft.com/office/drawing/2014/main" id="{F63E54AC-1CB7-43BF-B0A4-82DE6FEB1664}"/>
               </a:ext>
               <a:ext uri="{C183D7F6-B498-43B3-948B-1728B52AA6E4}">
-                <adec:decorative xmlns:adec="http://schemas.microsoft.com/office/drawing/2017/decorative" xmlns="" val="1"/>
+                <adec:decorative xmlns="" xmlns:adec="http://schemas.microsoft.com/office/drawing/2017/decorative" val="1"/>
               </a:ext>
             </a:extLst>
           </p:cNvPr>
@@ -18505,6 +18505,23 @@
 </file>
 
 <file path=customXml/item1.xml><?xml version="1.0" encoding="utf-8"?>
+<p:properties xmlns:p="http://schemas.microsoft.com/office/2006/metadata/properties" xmlns:xsi="http://www.w3.org/2001/XMLSchema-instance" xmlns:pc="http://schemas.microsoft.com/office/infopath/2007/PartnerControls">
+  <documentManagement>
+    <MediaServiceKeyPoints xmlns="71af3243-3dd4-4a8d-8c0d-dd76da1f02a5" xsi:nil="true"/>
+  </documentManagement>
+</p:properties>
+</file>
+
+<file path=customXml/item2.xml><?xml version="1.0" encoding="utf-8"?>
+<?mso-contentType ?>
+<FormTemplates xmlns="http://schemas.microsoft.com/sharepoint/v3/contenttype/forms">
+  <Display>DocumentLibraryForm</Display>
+  <Edit>DocumentLibraryForm</Edit>
+  <New>DocumentLibraryForm</New>
+</FormTemplates>
+</file>
+
+<file path=customXml/item3.xml><?xml version="1.0" encoding="utf-8"?>
 <ct:contentTypeSchema xmlns:ct="http://schemas.microsoft.com/office/2006/metadata/contentType" xmlns:ma="http://schemas.microsoft.com/office/2006/metadata/properties/metaAttributes" ct:_="" ma:_="" ma:contentTypeName="Document" ma:contentTypeID="0x01010079F111ED35F8CC479449609E8A0923A6" ma:contentTypeVersion="11" ma:contentTypeDescription="Create a new document." ma:contentTypeScope="" ma:versionID="9677210f24a1be23c92c90fd886aa0aa">
   <xsd:schema xmlns:xsd="http://www.w3.org/2001/XMLSchema" xmlns:xs="http://www.w3.org/2001/XMLSchema" xmlns:p="http://schemas.microsoft.com/office/2006/metadata/properties" xmlns:ns2="71af3243-3dd4-4a8d-8c0d-dd76da1f02a5" xmlns:ns3="16c05727-aa75-4e4a-9b5f-8a80a1165891" targetNamespace="http://schemas.microsoft.com/office/2006/metadata/properties" ma:root="true" ma:fieldsID="60e05723c5c1908df1a1a4ebf11d344e" ns2:_="" ns3:_="">
     <xsd:import namespace="71af3243-3dd4-4a8d-8c0d-dd76da1f02a5"/>
@@ -18715,24 +18732,32 @@
 </ct:contentTypeSchema>
 </file>
 
-<file path=customXml/item2.xml><?xml version="1.0" encoding="utf-8"?>
-<?mso-contentType ?>
-<FormTemplates xmlns="http://schemas.microsoft.com/sharepoint/v3/contenttype/forms">
-  <Display>DocumentLibraryForm</Display>
-  <Edit>DocumentLibraryForm</Edit>
-  <New>DocumentLibraryForm</New>
-</FormTemplates>
+<file path=customXml/itemProps1.xml><?xml version="1.0" encoding="utf-8"?>
+<ds:datastoreItem xmlns:ds="http://schemas.openxmlformats.org/officeDocument/2006/customXml" ds:itemID="{3C2AD4FE-5267-4953-9D66-004581AED1F0}">
+  <ds:schemaRefs>
+    <ds:schemaRef ds:uri="http://schemas.microsoft.com/office/infopath/2007/PartnerControls"/>
+    <ds:schemaRef ds:uri="http://purl.org/dc/elements/1.1/"/>
+    <ds:schemaRef ds:uri="http://schemas.microsoft.com/office/2006/metadata/properties"/>
+    <ds:schemaRef ds:uri="http://purl.org/dc/terms/"/>
+    <ds:schemaRef ds:uri="http://schemas.microsoft.com/office/2006/documentManagement/types"/>
+    <ds:schemaRef ds:uri="16c05727-aa75-4e4a-9b5f-8a80a1165891"/>
+    <ds:schemaRef ds:uri="http://purl.org/dc/dcmitype/"/>
+    <ds:schemaRef ds:uri="http://schemas.openxmlformats.org/package/2006/metadata/core-properties"/>
+    <ds:schemaRef ds:uri="71af3243-3dd4-4a8d-8c0d-dd76da1f02a5"/>
+    <ds:schemaRef ds:uri="http://www.w3.org/XML/1998/namespace"/>
+  </ds:schemaRefs>
+</ds:datastoreItem>
 </file>
 
-<file path=customXml/item3.xml><?xml version="1.0" encoding="utf-8"?>
-<p:properties xmlns:p="http://schemas.microsoft.com/office/2006/metadata/properties" xmlns:xsi="http://www.w3.org/2001/XMLSchema-instance" xmlns:pc="http://schemas.microsoft.com/office/infopath/2007/PartnerControls">
-  <documentManagement>
-    <MediaServiceKeyPoints xmlns="71af3243-3dd4-4a8d-8c0d-dd76da1f02a5" xsi:nil="true"/>
-  </documentManagement>
-</p:properties>
+<file path=customXml/itemProps2.xml><?xml version="1.0" encoding="utf-8"?>
+<ds:datastoreItem xmlns:ds="http://schemas.openxmlformats.org/officeDocument/2006/customXml" ds:itemID="{9082A0F6-5C05-4A60-9DD8-B772877A4F89}">
+  <ds:schemaRefs>
+    <ds:schemaRef ds:uri="http://schemas.microsoft.com/sharepoint/v3/contenttype/forms"/>
+  </ds:schemaRefs>
+</ds:datastoreItem>
 </file>
 
-<file path=customXml/itemProps1.xml><?xml version="1.0" encoding="utf-8"?>
+<file path=customXml/itemProps3.xml><?xml version="1.0" encoding="utf-8"?>
 <ds:datastoreItem xmlns:ds="http://schemas.openxmlformats.org/officeDocument/2006/customXml" ds:itemID="{840DE65C-3715-41A1-996C-103EA7902D46}">
   <ds:schemaRefs>
     <ds:schemaRef ds:uri="http://schemas.microsoft.com/office/2006/metadata/contentType"/>
@@ -18749,29 +18774,4 @@
     <ds:schemaRef ds:uri="http://schemas.microsoft.com/internal/obd"/>
   </ds:schemaRefs>
 </ds:datastoreItem>
-</file>
-
-<file path=customXml/itemProps2.xml><?xml version="1.0" encoding="utf-8"?>
-<ds:datastoreItem xmlns:ds="http://schemas.openxmlformats.org/officeDocument/2006/customXml" ds:itemID="{9082A0F6-5C05-4A60-9DD8-B772877A4F89}">
-  <ds:schemaRefs>
-    <ds:schemaRef ds:uri="http://schemas.microsoft.com/sharepoint/v3/contenttype/forms"/>
-  </ds:schemaRefs>
-</ds:datastoreItem>
-</file>
-
-<file path=customXml/itemProps3.xml><?xml version="1.0" encoding="utf-8"?>
-<ds:datastoreItem xmlns:ds="http://schemas.openxmlformats.org/officeDocument/2006/customXml" ds:itemID="{3C2AD4FE-5267-4953-9D66-004581AED1F0}">
-  <ds:schemaRefs>
-    <ds:schemaRef ds:uri="http://purl.org/dc/elements/1.1/"/>
-    <ds:schemaRef ds:uri="http://schemas.microsoft.com/office/2006/metadata/properties"/>
-    <ds:schemaRef ds:uri="http://purl.org/dc/terms/"/>
-    <ds:schemaRef ds:uri="http://schemas.openxmlformats.org/package/2006/metadata/core-properties"/>
-    <ds:schemaRef ds:uri="16c05727-aa75-4e4a-9b5f-8a80a1165891"/>
-    <ds:schemaRef ds:uri="http://schemas.microsoft.com/office/2006/documentManagement/types"/>
-    <ds:schemaRef ds:uri="http://schemas.microsoft.com/office/infopath/2007/PartnerControls"/>
-    <ds:schemaRef ds:uri="71af3243-3dd4-4a8d-8c0d-dd76da1f02a5"/>
-    <ds:schemaRef ds:uri="http://www.w3.org/XML/1998/namespace"/>
-    <ds:schemaRef ds:uri="http://purl.org/dc/dcmitype/"/>
-  </ds:schemaRefs>
-</ds:datastoreItem>
 </file>
--- a/Engineering/2019-2020/Engineering Management/Engineering Organization Chart.pptx
+++ b/Engineering/2019-2020/Engineering Management/Engineering Organization Chart.pptx
@@ -31680,6 +31680,23 @@
 </file>
 
 <file path=customXml/item1.xml><?xml version="1.0" encoding="utf-8"?>
+<p:properties xmlns:p="http://schemas.microsoft.com/office/2006/metadata/properties" xmlns:xsi="http://www.w3.org/2001/XMLSchema-instance" xmlns:pc="http://schemas.microsoft.com/office/infopath/2007/PartnerControls">
+  <documentManagement>
+    <MediaServiceKeyPoints xmlns="71af3243-3dd4-4a8d-8c0d-dd76da1f02a5" xsi:nil="true"/>
+  </documentManagement>
+</p:properties>
+</file>
+
+<file path=customXml/item2.xml><?xml version="1.0" encoding="utf-8"?>
+<?mso-contentType ?>
+<FormTemplates xmlns="http://schemas.microsoft.com/sharepoint/v3/contenttype/forms">
+  <Display>DocumentLibraryForm</Display>
+  <Edit>DocumentLibraryForm</Edit>
+  <New>DocumentLibraryForm</New>
+</FormTemplates>
+</file>
+
+<file path=customXml/item3.xml><?xml version="1.0" encoding="utf-8"?>
 <ct:contentTypeSchema xmlns:ct="http://schemas.microsoft.com/office/2006/metadata/contentType" xmlns:ma="http://schemas.microsoft.com/office/2006/metadata/properties/metaAttributes" ct:_="" ma:_="" ma:contentTypeName="Document" ma:contentTypeID="0x01010079F111ED35F8CC479449609E8A0923A6" ma:contentTypeVersion="11" ma:contentTypeDescription="Create a new document." ma:contentTypeScope="" ma:versionID="9677210f24a1be23c92c90fd886aa0aa">
   <xsd:schema xmlns:xsd="http://www.w3.org/2001/XMLSchema" xmlns:xs="http://www.w3.org/2001/XMLSchema" xmlns:p="http://schemas.microsoft.com/office/2006/metadata/properties" xmlns:ns2="71af3243-3dd4-4a8d-8c0d-dd76da1f02a5" xmlns:ns3="16c05727-aa75-4e4a-9b5f-8a80a1165891" targetNamespace="http://schemas.microsoft.com/office/2006/metadata/properties" ma:root="true" ma:fieldsID="60e05723c5c1908df1a1a4ebf11d344e" ns2:_="" ns3:_="">
     <xsd:import namespace="71af3243-3dd4-4a8d-8c0d-dd76da1f02a5"/>
@@ -31890,24 +31907,32 @@
 </ct:contentTypeSchema>
 </file>
 
-<file path=customXml/item2.xml><?xml version="1.0" encoding="utf-8"?>
-<?mso-contentType ?>
-<FormTemplates xmlns="http://schemas.microsoft.com/sharepoint/v3/contenttype/forms">
-  <Display>DocumentLibraryForm</Display>
-  <Edit>DocumentLibraryForm</Edit>
-  <New>DocumentLibraryForm</New>
-</FormTemplates>
+<file path=customXml/itemProps1.xml><?xml version="1.0" encoding="utf-8"?>
+<ds:datastoreItem xmlns:ds="http://schemas.openxmlformats.org/officeDocument/2006/customXml" ds:itemID="{3C2AD4FE-5267-4953-9D66-004581AED1F0}">
+  <ds:schemaRefs>
+    <ds:schemaRef ds:uri="http://schemas.microsoft.com/office/infopath/2007/PartnerControls"/>
+    <ds:schemaRef ds:uri="http://purl.org/dc/elements/1.1/"/>
+    <ds:schemaRef ds:uri="http://schemas.microsoft.com/office/2006/metadata/properties"/>
+    <ds:schemaRef ds:uri="http://purl.org/dc/terms/"/>
+    <ds:schemaRef ds:uri="http://schemas.microsoft.com/office/2006/documentManagement/types"/>
+    <ds:schemaRef ds:uri="16c05727-aa75-4e4a-9b5f-8a80a1165891"/>
+    <ds:schemaRef ds:uri="http://purl.org/dc/dcmitype/"/>
+    <ds:schemaRef ds:uri="http://schemas.openxmlformats.org/package/2006/metadata/core-properties"/>
+    <ds:schemaRef ds:uri="71af3243-3dd4-4a8d-8c0d-dd76da1f02a5"/>
+    <ds:schemaRef ds:uri="http://www.w3.org/XML/1998/namespace"/>
+  </ds:schemaRefs>
+</ds:datastoreItem>
 </file>
 
-<file path=customXml/item3.xml><?xml version="1.0" encoding="utf-8"?>
-<p:properties xmlns:p="http://schemas.microsoft.com/office/2006/metadata/properties" xmlns:xsi="http://www.w3.org/2001/XMLSchema-instance" xmlns:pc="http://schemas.microsoft.com/office/infopath/2007/PartnerControls">
-  <documentManagement>
-    <MediaServiceKeyPoints xmlns="71af3243-3dd4-4a8d-8c0d-dd76da1f02a5" xsi:nil="true"/>
-  </documentManagement>
-</p:properties>
+<file path=customXml/itemProps2.xml><?xml version="1.0" encoding="utf-8"?>
+<ds:datastoreItem xmlns:ds="http://schemas.openxmlformats.org/officeDocument/2006/customXml" ds:itemID="{9082A0F6-5C05-4A60-9DD8-B772877A4F89}">
+  <ds:schemaRefs>
+    <ds:schemaRef ds:uri="http://schemas.microsoft.com/sharepoint/v3/contenttype/forms"/>
+  </ds:schemaRefs>
+</ds:datastoreItem>
 </file>
 
-<file path=customXml/itemProps1.xml><?xml version="1.0" encoding="utf-8"?>
+<file path=customXml/itemProps3.xml><?xml version="1.0" encoding="utf-8"?>
 <ds:datastoreItem xmlns:ds="http://schemas.openxmlformats.org/officeDocument/2006/customXml" ds:itemID="{840DE65C-3715-41A1-996C-103EA7902D46}">
   <ds:schemaRefs>
     <ds:schemaRef ds:uri="http://schemas.microsoft.com/office/2006/metadata/contentType"/>
@@ -31924,29 +31949,4 @@
     <ds:schemaRef ds:uri="http://schemas.microsoft.com/internal/obd"/>
   </ds:schemaRefs>
 </ds:datastoreItem>
-</file>
-
-<file path=customXml/itemProps2.xml><?xml version="1.0" encoding="utf-8"?>
-<ds:datastoreItem xmlns:ds="http://schemas.openxmlformats.org/officeDocument/2006/customXml" ds:itemID="{9082A0F6-5C05-4A60-9DD8-B772877A4F89}">
-  <ds:schemaRefs>
-    <ds:schemaRef ds:uri="http://schemas.microsoft.com/sharepoint/v3/contenttype/forms"/>
-  </ds:schemaRefs>
-</ds:datastoreItem>
-</file>
-
-<file path=customXml/itemProps3.xml><?xml version="1.0" encoding="utf-8"?>
-<ds:datastoreItem xmlns:ds="http://schemas.openxmlformats.org/officeDocument/2006/customXml" ds:itemID="{3C2AD4FE-5267-4953-9D66-004581AED1F0}">
-  <ds:schemaRefs>
-    <ds:schemaRef ds:uri="http://schemas.microsoft.com/office/infopath/2007/PartnerControls"/>
-    <ds:schemaRef ds:uri="http://purl.org/dc/elements/1.1/"/>
-    <ds:schemaRef ds:uri="http://schemas.microsoft.com/office/2006/metadata/properties"/>
-    <ds:schemaRef ds:uri="http://purl.org/dc/terms/"/>
-    <ds:schemaRef ds:uri="http://schemas.microsoft.com/office/2006/documentManagement/types"/>
-    <ds:schemaRef ds:uri="16c05727-aa75-4e4a-9b5f-8a80a1165891"/>
-    <ds:schemaRef ds:uri="http://purl.org/dc/dcmitype/"/>
-    <ds:schemaRef ds:uri="http://schemas.openxmlformats.org/package/2006/metadata/core-properties"/>
-    <ds:schemaRef ds:uri="71af3243-3dd4-4a8d-8c0d-dd76da1f02a5"/>
-    <ds:schemaRef ds:uri="http://www.w3.org/XML/1998/namespace"/>
-  </ds:schemaRefs>
-</ds:datastoreItem>
 </file>
--- a/Engineering/2019-2020/Engineering Management/Engineering Organization Chart.pptx
+++ b/Engineering/2019-2020/Engineering Management/Engineering Organization Chart.pptx
@@ -225,7 +225,7 @@
           <a:p>
             <a:fld id="{CB7AD89C-BB88-48A3-A1C9-D13CF625B286}" type="datetimeFigureOut">
               <a:rPr lang="en-US" smtClean="0"/>
-              <a:t>9/29/2019</a:t>
+              <a:t>9/30/2019</a:t>
             </a:fld>
             <a:endParaRPr lang="en-US" dirty="0"/>
           </a:p>
@@ -402,7 +402,7 @@
           <a:p>
             <a:fld id="{EFD09F21-8F1F-4129-8AEA-7EF5D9ADF331}" type="datetimeFigureOut">
               <a:rPr lang="en-US" smtClean="0"/>
-              <a:t>9/29/2019</a:t>
+              <a:t>9/30/2019</a:t>
             </a:fld>
             <a:endParaRPr lang="en-US" dirty="0"/>
           </a:p>
@@ -1341,7 +1341,7 @@
           <a:p>
             <a:fld id="{74929172-4BF7-429F-BA25-7E9D1A4215EE}" type="datetimeFigureOut">
               <a:rPr lang="en-US" noProof="0" smtClean="0"/>
-              <a:t>9/29/2019</a:t>
+              <a:t>9/30/2019</a:t>
             </a:fld>
             <a:endParaRPr lang="en-US" noProof="0" dirty="0"/>
           </a:p>
@@ -1679,7 +1679,7 @@
           <a:p>
             <a:fld id="{74929172-4BF7-429F-BA25-7E9D1A4215EE}" type="datetimeFigureOut">
               <a:rPr lang="en-US" noProof="0" smtClean="0"/>
-              <a:t>9/29/2019</a:t>
+              <a:t>9/30/2019</a:t>
             </a:fld>
             <a:endParaRPr lang="en-US" noProof="0" dirty="0"/>
           </a:p>
@@ -1956,7 +1956,7 @@
           <a:p>
             <a:fld id="{74929172-4BF7-429F-BA25-7E9D1A4215EE}" type="datetimeFigureOut">
               <a:rPr lang="en-US" noProof="0" smtClean="0"/>
-              <a:t>9/29/2019</a:t>
+              <a:t>9/30/2019</a:t>
             </a:fld>
             <a:endParaRPr lang="en-US" noProof="0" dirty="0"/>
           </a:p>
@@ -2523,7 +2523,7 @@
           <a:p>
             <a:fld id="{74929172-4BF7-429F-BA25-7E9D1A4215EE}" type="datetimeFigureOut">
               <a:rPr lang="en-US" noProof="0" smtClean="0"/>
-              <a:t>9/29/2019</a:t>
+              <a:t>9/30/2019</a:t>
             </a:fld>
             <a:endParaRPr lang="en-US" noProof="0" dirty="0"/>
           </a:p>
@@ -2800,7 +2800,7 @@
           <a:p>
             <a:fld id="{74929172-4BF7-429F-BA25-7E9D1A4215EE}" type="datetimeFigureOut">
               <a:rPr lang="en-US" noProof="0" smtClean="0"/>
-              <a:t>9/29/2019</a:t>
+              <a:t>9/30/2019</a:t>
             </a:fld>
             <a:endParaRPr lang="en-US" noProof="0" dirty="0"/>
           </a:p>
@@ -3361,7 +3361,7 @@
           <a:p>
             <a:fld id="{74929172-4BF7-429F-BA25-7E9D1A4215EE}" type="datetimeFigureOut">
               <a:rPr lang="en-US" noProof="0" smtClean="0"/>
-              <a:t>9/29/2019</a:t>
+              <a:t>9/30/2019</a:t>
             </a:fld>
             <a:endParaRPr lang="en-US" noProof="0" dirty="0"/>
           </a:p>
@@ -3687,7 +3687,7 @@
           <a:p>
             <a:fld id="{74929172-4BF7-429F-BA25-7E9D1A4215EE}" type="datetimeFigureOut">
               <a:rPr lang="en-US" noProof="0" smtClean="0"/>
-              <a:t>9/29/2019</a:t>
+              <a:t>9/30/2019</a:t>
             </a:fld>
             <a:endParaRPr lang="en-US" noProof="0" dirty="0"/>
           </a:p>
@@ -3863,7 +3863,7 @@
           <a:p>
             <a:fld id="{74929172-4BF7-429F-BA25-7E9D1A4215EE}" type="datetimeFigureOut">
               <a:rPr lang="en-US" noProof="0" smtClean="0"/>
-              <a:t>9/29/2019</a:t>
+              <a:t>9/30/2019</a:t>
             </a:fld>
             <a:endParaRPr lang="en-US" noProof="0" dirty="0"/>
           </a:p>
@@ -4098,7 +4098,7 @@
           <a:p>
             <a:fld id="{74929172-4BF7-429F-BA25-7E9D1A4215EE}" type="datetimeFigureOut">
               <a:rPr lang="en-US" noProof="0" smtClean="0"/>
-              <a:t>9/29/2019</a:t>
+              <a:t>9/30/2019</a:t>
             </a:fld>
             <a:endParaRPr lang="en-US" noProof="0" dirty="0"/>
           </a:p>
@@ -4301,7 +4301,7 @@
           <a:p>
             <a:fld id="{74929172-4BF7-429F-BA25-7E9D1A4215EE}" type="datetimeFigureOut">
               <a:rPr lang="en-US" noProof="0" smtClean="0"/>
-              <a:t>9/29/2019</a:t>
+              <a:t>9/30/2019</a:t>
             </a:fld>
             <a:endParaRPr lang="en-US" noProof="0" dirty="0"/>
           </a:p>
@@ -4576,7 +4576,7 @@
           <a:p>
             <a:fld id="{74929172-4BF7-429F-BA25-7E9D1A4215EE}" type="datetimeFigureOut">
               <a:rPr lang="en-US" noProof="0" smtClean="0"/>
-              <a:t>9/29/2019</a:t>
+              <a:t>9/30/2019</a:t>
             </a:fld>
             <a:endParaRPr lang="en-US" noProof="0" dirty="0"/>
           </a:p>
@@ -4844,7 +4844,7 @@
           <a:p>
             <a:fld id="{74929172-4BF7-429F-BA25-7E9D1A4215EE}" type="datetimeFigureOut">
               <a:rPr lang="en-US" noProof="0" smtClean="0"/>
-              <a:t>9/29/2019</a:t>
+              <a:t>9/30/2019</a:t>
             </a:fld>
             <a:endParaRPr lang="en-US" noProof="0" dirty="0"/>
           </a:p>
@@ -5215,7 +5215,7 @@
           <a:p>
             <a:fld id="{74929172-4BF7-429F-BA25-7E9D1A4215EE}" type="datetimeFigureOut">
               <a:rPr lang="en-US" noProof="0" smtClean="0"/>
-              <a:t>9/29/2019</a:t>
+              <a:t>9/30/2019</a:t>
             </a:fld>
             <a:endParaRPr lang="en-US" noProof="0" dirty="0"/>
           </a:p>
@@ -5362,7 +5362,7 @@
           <a:p>
             <a:fld id="{74929172-4BF7-429F-BA25-7E9D1A4215EE}" type="datetimeFigureOut">
               <a:rPr lang="en-US" noProof="0" smtClean="0"/>
-              <a:t>9/29/2019</a:t>
+              <a:t>9/30/2019</a:t>
             </a:fld>
             <a:endParaRPr lang="en-US" noProof="0" dirty="0"/>
           </a:p>
@@ -5487,7 +5487,7 @@
           <a:p>
             <a:fld id="{74929172-4BF7-429F-BA25-7E9D1A4215EE}" type="datetimeFigureOut">
               <a:rPr lang="en-US" noProof="0" smtClean="0"/>
-              <a:t>9/29/2019</a:t>
+              <a:t>9/30/2019</a:t>
             </a:fld>
             <a:endParaRPr lang="en-US" noProof="0" dirty="0"/>
           </a:p>
@@ -5775,7 +5775,7 @@
           <a:p>
             <a:fld id="{74929172-4BF7-429F-BA25-7E9D1A4215EE}" type="datetimeFigureOut">
               <a:rPr lang="en-US" noProof="0" smtClean="0"/>
-              <a:t>9/29/2019</a:t>
+              <a:t>9/30/2019</a:t>
             </a:fld>
             <a:endParaRPr lang="en-US" noProof="0" dirty="0"/>
           </a:p>
@@ -6103,7 +6103,7 @@
           <a:p>
             <a:fld id="{74929172-4BF7-429F-BA25-7E9D1A4215EE}" type="datetimeFigureOut">
               <a:rPr lang="en-US" noProof="0" smtClean="0"/>
-              <a:t>9/29/2019</a:t>
+              <a:t>9/30/2019</a:t>
             </a:fld>
             <a:endParaRPr lang="en-US" noProof="0" dirty="0"/>
           </a:p>
@@ -6315,7 +6315,7 @@
           <a:p>
             <a:fld id="{74929172-4BF7-429F-BA25-7E9D1A4215EE}" type="datetimeFigureOut">
               <a:rPr lang="en-US" noProof="0" smtClean="0"/>
-              <a:t>9/29/2019</a:t>
+              <a:t>9/30/2019</a:t>
             </a:fld>
             <a:endParaRPr lang="en-US" noProof="0" dirty="0"/>
           </a:p>
@@ -25954,7 +25954,7 @@
         </p:nvGrpSpPr>
         <p:grpSpPr>
           <a:xfrm>
-            <a:off x="3922142" y="5231261"/>
+            <a:off x="3922142" y="4640711"/>
             <a:ext cx="1145358" cy="449136"/>
             <a:chOff x="4544127" y="3090121"/>
             <a:chExt cx="1388313" cy="544407"/>
@@ -26152,232 +26152,6 @@
       </p:grpSp>
       <p:grpSp>
         <p:nvGrpSpPr>
-          <p:cNvPr id="140" name="Group 139">
-            <a:extLst>
-              <a:ext uri="{FF2B5EF4-FFF2-40B4-BE49-F238E27FC236}">
-                <a16:creationId xmlns:a16="http://schemas.microsoft.com/office/drawing/2014/main" id="{1C006BAD-6B0B-47C1-AD70-7B80426D67BF}"/>
-              </a:ext>
-              <a:ext uri="{C183D7F6-B498-43B3-948B-1728B52AA6E4}">
-                <adec:decorative xmlns:adec="http://schemas.microsoft.com/office/drawing/2017/decorative" val="1"/>
-              </a:ext>
-            </a:extLst>
-          </p:cNvPr>
-          <p:cNvGrpSpPr/>
-          <p:nvPr/>
-        </p:nvGrpSpPr>
-        <p:grpSpPr>
-          <a:xfrm>
-            <a:off x="3923500" y="4052373"/>
-            <a:ext cx="1145358" cy="449136"/>
-            <a:chOff x="4544127" y="3090121"/>
-            <a:chExt cx="1388313" cy="544407"/>
-          </a:xfrm>
-        </p:grpSpPr>
-        <p:sp>
-          <p:nvSpPr>
-            <p:cNvPr id="141" name="Rectangle 140">
-              <a:extLst>
-                <a:ext uri="{FF2B5EF4-FFF2-40B4-BE49-F238E27FC236}">
-                  <a16:creationId xmlns:a16="http://schemas.microsoft.com/office/drawing/2014/main" id="{4EBF1B49-886F-4FA8-91A5-5206553DB4AF}"/>
-                </a:ext>
-              </a:extLst>
-            </p:cNvPr>
-            <p:cNvSpPr/>
-            <p:nvPr/>
-          </p:nvSpPr>
-          <p:spPr>
-            <a:xfrm>
-              <a:off x="4544127" y="3090121"/>
-              <a:ext cx="1368000" cy="509451"/>
-            </a:xfrm>
-            <a:prstGeom prst="rect">
-              <a:avLst/>
-            </a:prstGeom>
-            <a:solidFill>
-              <a:schemeClr val="bg1"/>
-            </a:solidFill>
-            <a:ln w="3175" cap="rnd" cmpd="sng" algn="ctr">
-              <a:solidFill>
-                <a:schemeClr val="bg1">
-                  <a:lumMod val="85000"/>
-                </a:schemeClr>
-              </a:solidFill>
-              <a:prstDash val="solid"/>
-            </a:ln>
-            <a:effectLst/>
-            <a:scene3d>
-              <a:camera prst="obliqueTopLeft"/>
-              <a:lightRig rig="soft" dir="t"/>
-            </a:scene3d>
-            <a:sp3d extrusionH="190500" prstMaterial="matte">
-              <a:contourClr>
-                <a:prstClr val="black">
-                  <a:lumMod val="50000"/>
-                  <a:lumOff val="50000"/>
-                </a:prstClr>
-              </a:contourClr>
-            </a:sp3d>
-          </p:spPr>
-          <p:style>
-            <a:lnRef idx="2">
-              <a:scrgbClr r="0" g="0" b="0"/>
-            </a:lnRef>
-            <a:fillRef idx="1">
-              <a:scrgbClr r="0" g="0" b="0"/>
-            </a:fillRef>
-            <a:effectRef idx="0">
-              <a:scrgbClr r="0" g="0" b="0"/>
-            </a:effectRef>
-            <a:fontRef idx="minor">
-              <a:schemeClr val="lt1"/>
-            </a:fontRef>
-          </p:style>
-          <p:txBody>
-            <a:bodyPr spcFirstLastPara="0" vert="horz" wrap="square" lIns="59400" tIns="4715" rIns="59400" bIns="44559" numCol="1" spcCol="1270" anchor="ctr" anchorCtr="0">
-              <a:noAutofit/>
-              <a:flatTx/>
-            </a:bodyPr>
-            <a:lstStyle/>
-            <a:p>
-              <a:pPr algn="ctr" defTabSz="330044">
-                <a:lnSpc>
-                  <a:spcPct val="90000"/>
-                </a:lnSpc>
-                <a:spcBef>
-                  <a:spcPct val="0"/>
-                </a:spcBef>
-                <a:spcAft>
-                  <a:spcPct val="35000"/>
-                </a:spcAft>
-              </a:pPr>
-              <a:r>
-                <a:rPr lang="en-US" sz="907" dirty="0">
-                  <a:solidFill>
-                    <a:schemeClr val="tx1"/>
-                  </a:solidFill>
-                </a:rPr>
-                <a:t>Marguerite </a:t>
-              </a:r>
-              <a:r>
-                <a:rPr lang="en-US" sz="907" dirty="0" err="1">
-                  <a:solidFill>
-                    <a:schemeClr val="tx1"/>
-                  </a:solidFill>
-                </a:rPr>
-                <a:t>Kennish</a:t>
-              </a:r>
-              <a:endParaRPr lang="en-US" sz="907" dirty="0">
-                <a:solidFill>
-                  <a:schemeClr val="tx1"/>
-                </a:solidFill>
-              </a:endParaRPr>
-            </a:p>
-          </p:txBody>
-        </p:sp>
-        <p:sp>
-          <p:nvSpPr>
-            <p:cNvPr id="142" name="Rectangle 141">
-              <a:extLst>
-                <a:ext uri="{FF2B5EF4-FFF2-40B4-BE49-F238E27FC236}">
-                  <a16:creationId xmlns:a16="http://schemas.microsoft.com/office/drawing/2014/main" id="{32F16056-CB0E-4C9C-83ED-A5C2EBA05505}"/>
-                </a:ext>
-              </a:extLst>
-            </p:cNvPr>
-            <p:cNvSpPr/>
-            <p:nvPr/>
-          </p:nvSpPr>
-          <p:spPr>
-            <a:xfrm>
-              <a:off x="4564440" y="3526528"/>
-              <a:ext cx="1368000" cy="108000"/>
-            </a:xfrm>
-            <a:prstGeom prst="rect">
-              <a:avLst/>
-            </a:prstGeom>
-            <a:solidFill>
-              <a:srgbClr val="FFC000"/>
-            </a:solidFill>
-            <a:ln>
-              <a:solidFill>
-                <a:srgbClr val="FFC000"/>
-              </a:solidFill>
-            </a:ln>
-            <a:effectLst>
-              <a:glow rad="254000">
-                <a:schemeClr val="accent1">
-                  <a:satMod val="175000"/>
-                  <a:alpha val="10000"/>
-                </a:schemeClr>
-              </a:glow>
-            </a:effectLst>
-            <a:scene3d>
-              <a:camera prst="obliqueTopLeft"/>
-              <a:lightRig rig="brightRoom" dir="t"/>
-            </a:scene3d>
-            <a:sp3d extrusionH="88900"/>
-          </p:spPr>
-          <p:style>
-            <a:lnRef idx="2">
-              <a:schemeClr val="accent1">
-                <a:hueOff val="0"/>
-                <a:satOff val="0"/>
-                <a:lumOff val="0"/>
-                <a:alphaOff val="0"/>
-              </a:schemeClr>
-            </a:lnRef>
-            <a:fillRef idx="1">
-              <a:scrgbClr r="0" g="0" b="0"/>
-            </a:fillRef>
-            <a:effectRef idx="0">
-              <a:schemeClr val="lt1">
-                <a:alpha val="90000"/>
-                <a:hueOff val="0"/>
-                <a:satOff val="0"/>
-                <a:lumOff val="0"/>
-                <a:alphaOff val="0"/>
-              </a:schemeClr>
-            </a:effectRef>
-            <a:fontRef idx="minor">
-              <a:schemeClr val="dk1">
-                <a:hueOff val="0"/>
-                <a:satOff val="0"/>
-                <a:lumOff val="0"/>
-                <a:alphaOff val="0"/>
-              </a:schemeClr>
-            </a:fontRef>
-          </p:style>
-          <p:txBody>
-            <a:bodyPr spcFirstLastPara="0" vert="horz" wrap="square" lIns="59400" tIns="4715" rIns="59400" bIns="4715" numCol="1" spcCol="1270" anchor="ctr" anchorCtr="0">
-              <a:noAutofit/>
-              <a:flatTx/>
-            </a:bodyPr>
-            <a:lstStyle/>
-            <a:p>
-              <a:pPr algn="ctr" defTabSz="330044">
-                <a:lnSpc>
-                  <a:spcPct val="90000"/>
-                </a:lnSpc>
-                <a:spcBef>
-                  <a:spcPct val="0"/>
-                </a:spcBef>
-                <a:spcAft>
-                  <a:spcPct val="35000"/>
-                </a:spcAft>
-              </a:pPr>
-              <a:r>
-                <a:rPr lang="en-US" sz="825" dirty="0">
-                  <a:solidFill>
-                    <a:schemeClr val="bg1"/>
-                  </a:solidFill>
-                </a:rPr>
-                <a:t>Sophomore ME</a:t>
-              </a:r>
-            </a:p>
-          </p:txBody>
-        </p:sp>
-      </p:grpSp>
-      <p:grpSp>
-        <p:nvGrpSpPr>
           <p:cNvPr id="143" name="Group 142">
             <a:extLst>
               <a:ext uri="{FF2B5EF4-FFF2-40B4-BE49-F238E27FC236}">
@@ -26393,7 +26167,7 @@
         </p:nvGrpSpPr>
         <p:grpSpPr>
           <a:xfrm>
-            <a:off x="3912302" y="5778045"/>
+            <a:off x="3912302" y="5187495"/>
             <a:ext cx="1145358" cy="449136"/>
             <a:chOff x="4544127" y="3090121"/>
             <a:chExt cx="1388313" cy="544407"/>
@@ -29120,7 +28894,7 @@
         </p:nvGrpSpPr>
         <p:grpSpPr>
           <a:xfrm>
-            <a:off x="3921942" y="4639746"/>
+            <a:off x="3921942" y="4049196"/>
             <a:ext cx="1145358" cy="449136"/>
             <a:chOff x="4544127" y="3090121"/>
             <a:chExt cx="1388313" cy="544407"/>
@@ -30432,7 +30206,7 @@
         </p:nvGrpSpPr>
         <p:grpSpPr>
           <a:xfrm>
-            <a:off x="3903749" y="6323100"/>
+            <a:off x="3903749" y="5732550"/>
             <a:ext cx="1145358" cy="449136"/>
             <a:chOff x="4544127" y="3090121"/>
             <a:chExt cx="1388313" cy="544407"/>
@@ -30827,6 +30601,213 @@
           </p:txBody>
         </p:sp>
       </p:grpSp>
+      <p:grpSp>
+        <p:nvGrpSpPr>
+          <p:cNvPr id="189" name="Group 188">
+            <a:extLst>
+              <a:ext uri="{FF2B5EF4-FFF2-40B4-BE49-F238E27FC236}">
+                <a16:creationId xmlns:a16="http://schemas.microsoft.com/office/drawing/2014/main" id="{1F845E6C-C30D-4C66-AFE4-43F1BF774032}"/>
+              </a:ext>
+              <a:ext uri="{C183D7F6-B498-43B3-948B-1728B52AA6E4}">
+                <adec:decorative xmlns:adec="http://schemas.microsoft.com/office/drawing/2017/decorative" val="1"/>
+              </a:ext>
+            </a:extLst>
+          </p:cNvPr>
+          <p:cNvGrpSpPr/>
+          <p:nvPr/>
+        </p:nvGrpSpPr>
+        <p:grpSpPr>
+          <a:xfrm>
+            <a:off x="3903749" y="6304769"/>
+            <a:ext cx="1145358" cy="449136"/>
+            <a:chOff x="4544127" y="3090121"/>
+            <a:chExt cx="1388313" cy="544407"/>
+          </a:xfrm>
+        </p:grpSpPr>
+        <p:sp>
+          <p:nvSpPr>
+            <p:cNvPr id="190" name="Rectangle 189">
+              <a:extLst>
+                <a:ext uri="{FF2B5EF4-FFF2-40B4-BE49-F238E27FC236}">
+                  <a16:creationId xmlns:a16="http://schemas.microsoft.com/office/drawing/2014/main" id="{EB7EAAD9-3F69-4E94-912A-F03E0B0EF15D}"/>
+                </a:ext>
+              </a:extLst>
+            </p:cNvPr>
+            <p:cNvSpPr/>
+            <p:nvPr/>
+          </p:nvSpPr>
+          <p:spPr>
+            <a:xfrm>
+              <a:off x="4544127" y="3090121"/>
+              <a:ext cx="1368000" cy="509451"/>
+            </a:xfrm>
+            <a:prstGeom prst="rect">
+              <a:avLst/>
+            </a:prstGeom>
+            <a:solidFill>
+              <a:schemeClr val="bg1"/>
+            </a:solidFill>
+            <a:ln w="3175" cap="rnd" cmpd="sng" algn="ctr">
+              <a:solidFill>
+                <a:schemeClr val="bg1">
+                  <a:lumMod val="85000"/>
+                </a:schemeClr>
+              </a:solidFill>
+              <a:prstDash val="solid"/>
+            </a:ln>
+            <a:effectLst/>
+            <a:scene3d>
+              <a:camera prst="obliqueTopLeft"/>
+              <a:lightRig rig="soft" dir="t"/>
+            </a:scene3d>
+            <a:sp3d extrusionH="190500" prstMaterial="matte">
+              <a:contourClr>
+                <a:prstClr val="black">
+                  <a:lumMod val="50000"/>
+                  <a:lumOff val="50000"/>
+                </a:prstClr>
+              </a:contourClr>
+            </a:sp3d>
+          </p:spPr>
+          <p:style>
+            <a:lnRef idx="2">
+              <a:scrgbClr r="0" g="0" b="0"/>
+            </a:lnRef>
+            <a:fillRef idx="1">
+              <a:scrgbClr r="0" g="0" b="0"/>
+            </a:fillRef>
+            <a:effectRef idx="0">
+              <a:scrgbClr r="0" g="0" b="0"/>
+            </a:effectRef>
+            <a:fontRef idx="minor">
+              <a:schemeClr val="lt1"/>
+            </a:fontRef>
+          </p:style>
+          <p:txBody>
+            <a:bodyPr spcFirstLastPara="0" vert="horz" wrap="square" lIns="59400" tIns="4715" rIns="59400" bIns="44559" numCol="1" spcCol="1270" anchor="ctr" anchorCtr="0">
+              <a:noAutofit/>
+              <a:flatTx/>
+            </a:bodyPr>
+            <a:lstStyle/>
+            <a:p>
+              <a:pPr algn="ctr" defTabSz="330044">
+                <a:lnSpc>
+                  <a:spcPct val="90000"/>
+                </a:lnSpc>
+                <a:spcBef>
+                  <a:spcPct val="0"/>
+                </a:spcBef>
+                <a:spcAft>
+                  <a:spcPct val="35000"/>
+                </a:spcAft>
+              </a:pPr>
+              <a:endParaRPr lang="en-US" sz="907" dirty="0">
+                <a:solidFill>
+                  <a:schemeClr val="tx1"/>
+                </a:solidFill>
+              </a:endParaRPr>
+            </a:p>
+          </p:txBody>
+        </p:sp>
+        <p:sp>
+          <p:nvSpPr>
+            <p:cNvPr id="191" name="Rectangle 190">
+              <a:extLst>
+                <a:ext uri="{FF2B5EF4-FFF2-40B4-BE49-F238E27FC236}">
+                  <a16:creationId xmlns:a16="http://schemas.microsoft.com/office/drawing/2014/main" id="{2428692E-2621-42A7-84FA-269E699422D3}"/>
+                </a:ext>
+              </a:extLst>
+            </p:cNvPr>
+            <p:cNvSpPr/>
+            <p:nvPr/>
+          </p:nvSpPr>
+          <p:spPr>
+            <a:xfrm>
+              <a:off x="4564440" y="3526528"/>
+              <a:ext cx="1368000" cy="108000"/>
+            </a:xfrm>
+            <a:prstGeom prst="rect">
+              <a:avLst/>
+            </a:prstGeom>
+            <a:solidFill>
+              <a:srgbClr val="FFC000"/>
+            </a:solidFill>
+            <a:ln>
+              <a:solidFill>
+                <a:srgbClr val="FFC000"/>
+              </a:solidFill>
+            </a:ln>
+            <a:effectLst>
+              <a:glow rad="254000">
+                <a:schemeClr val="accent1">
+                  <a:satMod val="175000"/>
+                  <a:alpha val="10000"/>
+                </a:schemeClr>
+              </a:glow>
+            </a:effectLst>
+            <a:scene3d>
+              <a:camera prst="obliqueTopLeft"/>
+              <a:lightRig rig="brightRoom" dir="t"/>
+            </a:scene3d>
+            <a:sp3d extrusionH="88900"/>
+          </p:spPr>
+          <p:style>
+            <a:lnRef idx="2">
+              <a:schemeClr val="accent1">
+                <a:hueOff val="0"/>
+                <a:satOff val="0"/>
+                <a:lumOff val="0"/>
+                <a:alphaOff val="0"/>
+              </a:schemeClr>
+            </a:lnRef>
+            <a:fillRef idx="1">
+              <a:scrgbClr r="0" g="0" b="0"/>
+            </a:fillRef>
+            <a:effectRef idx="0">
+              <a:schemeClr val="lt1">
+                <a:alpha val="90000"/>
+                <a:hueOff val="0"/>
+                <a:satOff val="0"/>
+                <a:lumOff val="0"/>
+                <a:alphaOff val="0"/>
+              </a:schemeClr>
+            </a:effectRef>
+            <a:fontRef idx="minor">
+              <a:schemeClr val="dk1">
+                <a:hueOff val="0"/>
+                <a:satOff val="0"/>
+                <a:lumOff val="0"/>
+                <a:alphaOff val="0"/>
+              </a:schemeClr>
+            </a:fontRef>
+          </p:style>
+          <p:txBody>
+            <a:bodyPr spcFirstLastPara="0" vert="horz" wrap="square" lIns="59400" tIns="4715" rIns="59400" bIns="4715" numCol="1" spcCol="1270" anchor="ctr" anchorCtr="0">
+              <a:noAutofit/>
+              <a:flatTx/>
+            </a:bodyPr>
+            <a:lstStyle/>
+            <a:p>
+              <a:pPr algn="ctr" defTabSz="330044">
+                <a:lnSpc>
+                  <a:spcPct val="90000"/>
+                </a:lnSpc>
+                <a:spcBef>
+                  <a:spcPct val="0"/>
+                </a:spcBef>
+                <a:spcAft>
+                  <a:spcPct val="35000"/>
+                </a:spcAft>
+              </a:pPr>
+              <a:endParaRPr lang="en-US" sz="825" dirty="0">
+                <a:solidFill>
+                  <a:schemeClr val="bg1"/>
+                </a:solidFill>
+              </a:endParaRPr>
+            </a:p>
+          </p:txBody>
+        </p:sp>
+      </p:grpSp>
     </p:spTree>
     <p:extLst>
       <p:ext uri="{BB962C8B-B14F-4D97-AF65-F5344CB8AC3E}">
@@ -31680,23 +31661,6 @@
 </file>
 
 <file path=customXml/item1.xml><?xml version="1.0" encoding="utf-8"?>
-<p:properties xmlns:p="http://schemas.microsoft.com/office/2006/metadata/properties" xmlns:xsi="http://www.w3.org/2001/XMLSchema-instance" xmlns:pc="http://schemas.microsoft.com/office/infopath/2007/PartnerControls">
-  <documentManagement>
-    <MediaServiceKeyPoints xmlns="71af3243-3dd4-4a8d-8c0d-dd76da1f02a5" xsi:nil="true"/>
-  </documentManagement>
-</p:properties>
-</file>
-
-<file path=customXml/item2.xml><?xml version="1.0" encoding="utf-8"?>
-<?mso-contentType ?>
-<FormTemplates xmlns="http://schemas.microsoft.com/sharepoint/v3/contenttype/forms">
-  <Display>DocumentLibraryForm</Display>
-  <Edit>DocumentLibraryForm</Edit>
-  <New>DocumentLibraryForm</New>
-</FormTemplates>
-</file>
-
-<file path=customXml/item3.xml><?xml version="1.0" encoding="utf-8"?>
 <ct:contentTypeSchema xmlns:ct="http://schemas.microsoft.com/office/2006/metadata/contentType" xmlns:ma="http://schemas.microsoft.com/office/2006/metadata/properties/metaAttributes" ct:_="" ma:_="" ma:contentTypeName="Document" ma:contentTypeID="0x01010079F111ED35F8CC479449609E8A0923A6" ma:contentTypeVersion="11" ma:contentTypeDescription="Create a new document." ma:contentTypeScope="" ma:versionID="9677210f24a1be23c92c90fd886aa0aa">
   <xsd:schema xmlns:xsd="http://www.w3.org/2001/XMLSchema" xmlns:xs="http://www.w3.org/2001/XMLSchema" xmlns:p="http://schemas.microsoft.com/office/2006/metadata/properties" xmlns:ns2="71af3243-3dd4-4a8d-8c0d-dd76da1f02a5" xmlns:ns3="16c05727-aa75-4e4a-9b5f-8a80a1165891" targetNamespace="http://schemas.microsoft.com/office/2006/metadata/properties" ma:root="true" ma:fieldsID="60e05723c5c1908df1a1a4ebf11d344e" ns2:_="" ns3:_="">
     <xsd:import namespace="71af3243-3dd4-4a8d-8c0d-dd76da1f02a5"/>
@@ -31907,32 +31871,24 @@
 </ct:contentTypeSchema>
 </file>
 
-<file path=customXml/itemProps1.xml><?xml version="1.0" encoding="utf-8"?>
-<ds:datastoreItem xmlns:ds="http://schemas.openxmlformats.org/officeDocument/2006/customXml" ds:itemID="{3C2AD4FE-5267-4953-9D66-004581AED1F0}">
-  <ds:schemaRefs>
-    <ds:schemaRef ds:uri="http://schemas.microsoft.com/office/infopath/2007/PartnerControls"/>
-    <ds:schemaRef ds:uri="http://purl.org/dc/elements/1.1/"/>
-    <ds:schemaRef ds:uri="http://schemas.microsoft.com/office/2006/metadata/properties"/>
-    <ds:schemaRef ds:uri="http://purl.org/dc/terms/"/>
-    <ds:schemaRef ds:uri="http://schemas.microsoft.com/office/2006/documentManagement/types"/>
-    <ds:schemaRef ds:uri="16c05727-aa75-4e4a-9b5f-8a80a1165891"/>
-    <ds:schemaRef ds:uri="http://purl.org/dc/dcmitype/"/>
-    <ds:schemaRef ds:uri="http://schemas.openxmlformats.org/package/2006/metadata/core-properties"/>
-    <ds:schemaRef ds:uri="71af3243-3dd4-4a8d-8c0d-dd76da1f02a5"/>
-    <ds:schemaRef ds:uri="http://www.w3.org/XML/1998/namespace"/>
-  </ds:schemaRefs>
-</ds:datastoreItem>
+<file path=customXml/item2.xml><?xml version="1.0" encoding="utf-8"?>
+<?mso-contentType ?>
+<FormTemplates xmlns="http://schemas.microsoft.com/sharepoint/v3/contenttype/forms">
+  <Display>DocumentLibraryForm</Display>
+  <Edit>DocumentLibraryForm</Edit>
+  <New>DocumentLibraryForm</New>
+</FormTemplates>
 </file>
 
-<file path=customXml/itemProps2.xml><?xml version="1.0" encoding="utf-8"?>
-<ds:datastoreItem xmlns:ds="http://schemas.openxmlformats.org/officeDocument/2006/customXml" ds:itemID="{9082A0F6-5C05-4A60-9DD8-B772877A4F89}">
-  <ds:schemaRefs>
-    <ds:schemaRef ds:uri="http://schemas.microsoft.com/sharepoint/v3/contenttype/forms"/>
-  </ds:schemaRefs>
-</ds:datastoreItem>
+<file path=customXml/item3.xml><?xml version="1.0" encoding="utf-8"?>
+<p:properties xmlns:p="http://schemas.microsoft.com/office/2006/metadata/properties" xmlns:xsi="http://www.w3.org/2001/XMLSchema-instance" xmlns:pc="http://schemas.microsoft.com/office/infopath/2007/PartnerControls">
+  <documentManagement>
+    <MediaServiceKeyPoints xmlns="71af3243-3dd4-4a8d-8c0d-dd76da1f02a5" xsi:nil="true"/>
+  </documentManagement>
+</p:properties>
 </file>
 
-<file path=customXml/itemProps3.xml><?xml version="1.0" encoding="utf-8"?>
+<file path=customXml/itemProps1.xml><?xml version="1.0" encoding="utf-8"?>
 <ds:datastoreItem xmlns:ds="http://schemas.openxmlformats.org/officeDocument/2006/customXml" ds:itemID="{840DE65C-3715-41A1-996C-103EA7902D46}">
   <ds:schemaRefs>
     <ds:schemaRef ds:uri="http://schemas.microsoft.com/office/2006/metadata/contentType"/>
@@ -31949,4 +31905,29 @@
     <ds:schemaRef ds:uri="http://schemas.microsoft.com/internal/obd"/>
   </ds:schemaRefs>
 </ds:datastoreItem>
+</file>
+
+<file path=customXml/itemProps2.xml><?xml version="1.0" encoding="utf-8"?>
+<ds:datastoreItem xmlns:ds="http://schemas.openxmlformats.org/officeDocument/2006/customXml" ds:itemID="{9082A0F6-5C05-4A60-9DD8-B772877A4F89}">
+  <ds:schemaRefs>
+    <ds:schemaRef ds:uri="http://schemas.microsoft.com/sharepoint/v3/contenttype/forms"/>
+  </ds:schemaRefs>
+</ds:datastoreItem>
+</file>
+
+<file path=customXml/itemProps3.xml><?xml version="1.0" encoding="utf-8"?>
+<ds:datastoreItem xmlns:ds="http://schemas.openxmlformats.org/officeDocument/2006/customXml" ds:itemID="{3C2AD4FE-5267-4953-9D66-004581AED1F0}">
+  <ds:schemaRefs>
+    <ds:schemaRef ds:uri="http://schemas.microsoft.com/office/infopath/2007/PartnerControls"/>
+    <ds:schemaRef ds:uri="http://purl.org/dc/elements/1.1/"/>
+    <ds:schemaRef ds:uri="http://schemas.microsoft.com/office/2006/metadata/properties"/>
+    <ds:schemaRef ds:uri="http://purl.org/dc/terms/"/>
+    <ds:schemaRef ds:uri="http://schemas.microsoft.com/office/2006/documentManagement/types"/>
+    <ds:schemaRef ds:uri="16c05727-aa75-4e4a-9b5f-8a80a1165891"/>
+    <ds:schemaRef ds:uri="http://purl.org/dc/dcmitype/"/>
+    <ds:schemaRef ds:uri="http://schemas.openxmlformats.org/package/2006/metadata/core-properties"/>
+    <ds:schemaRef ds:uri="71af3243-3dd4-4a8d-8c0d-dd76da1f02a5"/>
+    <ds:schemaRef ds:uri="http://www.w3.org/XML/1998/namespace"/>
+  </ds:schemaRefs>
+</ds:datastoreItem>
 </file>
--- a/Engineering/2019-2020/Engineering Management/Engineering Organization Chart.pptx
+++ b/Engineering/2019-2020/Engineering Management/Engineering Organization Chart.pptx
@@ -225,7 +225,7 @@
           <a:p>
             <a:fld id="{CB7AD89C-BB88-48A3-A1C9-D13CF625B286}" type="datetimeFigureOut">
               <a:rPr lang="en-US" smtClean="0"/>
-              <a:t>9/30/2019</a:t>
+              <a:t>10/7/2019</a:t>
             </a:fld>
             <a:endParaRPr lang="en-US" dirty="0"/>
           </a:p>
@@ -402,7 +402,7 @@
           <a:p>
             <a:fld id="{EFD09F21-8F1F-4129-8AEA-7EF5D9ADF331}" type="datetimeFigureOut">
               <a:rPr lang="en-US" smtClean="0"/>
-              <a:t>9/30/2019</a:t>
+              <a:t>10/7/2019</a:t>
             </a:fld>
             <a:endParaRPr lang="en-US" dirty="0"/>
           </a:p>
@@ -1341,7 +1341,7 @@
           <a:p>
             <a:fld id="{74929172-4BF7-429F-BA25-7E9D1A4215EE}" type="datetimeFigureOut">
               <a:rPr lang="en-US" noProof="0" smtClean="0"/>
-              <a:t>9/30/2019</a:t>
+              <a:t>10/7/2019</a:t>
             </a:fld>
             <a:endParaRPr lang="en-US" noProof="0" dirty="0"/>
           </a:p>
@@ -1679,7 +1679,7 @@
           <a:p>
             <a:fld id="{74929172-4BF7-429F-BA25-7E9D1A4215EE}" type="datetimeFigureOut">
               <a:rPr lang="en-US" noProof="0" smtClean="0"/>
-              <a:t>9/30/2019</a:t>
+              <a:t>10/7/2019</a:t>
             </a:fld>
             <a:endParaRPr lang="en-US" noProof="0" dirty="0"/>
           </a:p>
@@ -1956,7 +1956,7 @@
           <a:p>
             <a:fld id="{74929172-4BF7-429F-BA25-7E9D1A4215EE}" type="datetimeFigureOut">
               <a:rPr lang="en-US" noProof="0" smtClean="0"/>
-              <a:t>9/30/2019</a:t>
+              <a:t>10/7/2019</a:t>
             </a:fld>
             <a:endParaRPr lang="en-US" noProof="0" dirty="0"/>
           </a:p>
@@ -2523,7 +2523,7 @@
           <a:p>
             <a:fld id="{74929172-4BF7-429F-BA25-7E9D1A4215EE}" type="datetimeFigureOut">
               <a:rPr lang="en-US" noProof="0" smtClean="0"/>
-              <a:t>9/30/2019</a:t>
+              <a:t>10/7/2019</a:t>
             </a:fld>
             <a:endParaRPr lang="en-US" noProof="0" dirty="0"/>
           </a:p>
@@ -2800,7 +2800,7 @@
           <a:p>
             <a:fld id="{74929172-4BF7-429F-BA25-7E9D1A4215EE}" type="datetimeFigureOut">
               <a:rPr lang="en-US" noProof="0" smtClean="0"/>
-              <a:t>9/30/2019</a:t>
+              <a:t>10/7/2019</a:t>
             </a:fld>
             <a:endParaRPr lang="en-US" noProof="0" dirty="0"/>
           </a:p>
@@ -3361,7 +3361,7 @@
           <a:p>
             <a:fld id="{74929172-4BF7-429F-BA25-7E9D1A4215EE}" type="datetimeFigureOut">
               <a:rPr lang="en-US" noProof="0" smtClean="0"/>
-              <a:t>9/30/2019</a:t>
+              <a:t>10/7/2019</a:t>
             </a:fld>
             <a:endParaRPr lang="en-US" noProof="0" dirty="0"/>
           </a:p>
@@ -3687,7 +3687,7 @@
           <a:p>
             <a:fld id="{74929172-4BF7-429F-BA25-7E9D1A4215EE}" type="datetimeFigureOut">
               <a:rPr lang="en-US" noProof="0" smtClean="0"/>
-              <a:t>9/30/2019</a:t>
+              <a:t>10/7/2019</a:t>
             </a:fld>
             <a:endParaRPr lang="en-US" noProof="0" dirty="0"/>
           </a:p>
@@ -3863,7 +3863,7 @@
           <a:p>
             <a:fld id="{74929172-4BF7-429F-BA25-7E9D1A4215EE}" type="datetimeFigureOut">
               <a:rPr lang="en-US" noProof="0" smtClean="0"/>
-              <a:t>9/30/2019</a:t>
+              <a:t>10/7/2019</a:t>
             </a:fld>
             <a:endParaRPr lang="en-US" noProof="0" dirty="0"/>
           </a:p>
@@ -4098,7 +4098,7 @@
           <a:p>
             <a:fld id="{74929172-4BF7-429F-BA25-7E9D1A4215EE}" type="datetimeFigureOut">
               <a:rPr lang="en-US" noProof="0" smtClean="0"/>
-              <a:t>9/30/2019</a:t>
+              <a:t>10/7/2019</a:t>
             </a:fld>
             <a:endParaRPr lang="en-US" noProof="0" dirty="0"/>
           </a:p>
@@ -4301,7 +4301,7 @@
           <a:p>
             <a:fld id="{74929172-4BF7-429F-BA25-7E9D1A4215EE}" type="datetimeFigureOut">
               <a:rPr lang="en-US" noProof="0" smtClean="0"/>
-              <a:t>9/30/2019</a:t>
+              <a:t>10/7/2019</a:t>
             </a:fld>
             <a:endParaRPr lang="en-US" noProof="0" dirty="0"/>
           </a:p>
@@ -4576,7 +4576,7 @@
           <a:p>
             <a:fld id="{74929172-4BF7-429F-BA25-7E9D1A4215EE}" type="datetimeFigureOut">
               <a:rPr lang="en-US" noProof="0" smtClean="0"/>
-              <a:t>9/30/2019</a:t>
+              <a:t>10/7/2019</a:t>
             </a:fld>
             <a:endParaRPr lang="en-US" noProof="0" dirty="0"/>
           </a:p>
@@ -4844,7 +4844,7 @@
           <a:p>
             <a:fld id="{74929172-4BF7-429F-BA25-7E9D1A4215EE}" type="datetimeFigureOut">
               <a:rPr lang="en-US" noProof="0" smtClean="0"/>
-              <a:t>9/30/2019</a:t>
+              <a:t>10/7/2019</a:t>
             </a:fld>
             <a:endParaRPr lang="en-US" noProof="0" dirty="0"/>
           </a:p>
@@ -5215,7 +5215,7 @@
           <a:p>
             <a:fld id="{74929172-4BF7-429F-BA25-7E9D1A4215EE}" type="datetimeFigureOut">
               <a:rPr lang="en-US" noProof="0" smtClean="0"/>
-              <a:t>9/30/2019</a:t>
+              <a:t>10/7/2019</a:t>
             </a:fld>
             <a:endParaRPr lang="en-US" noProof="0" dirty="0"/>
           </a:p>
@@ -5362,7 +5362,7 @@
           <a:p>
             <a:fld id="{74929172-4BF7-429F-BA25-7E9D1A4215EE}" type="datetimeFigureOut">
               <a:rPr lang="en-US" noProof="0" smtClean="0"/>
-              <a:t>9/30/2019</a:t>
+              <a:t>10/7/2019</a:t>
             </a:fld>
             <a:endParaRPr lang="en-US" noProof="0" dirty="0"/>
           </a:p>
@@ -5487,7 +5487,7 @@
           <a:p>
             <a:fld id="{74929172-4BF7-429F-BA25-7E9D1A4215EE}" type="datetimeFigureOut">
               <a:rPr lang="en-US" noProof="0" smtClean="0"/>
-              <a:t>9/30/2019</a:t>
+              <a:t>10/7/2019</a:t>
             </a:fld>
             <a:endParaRPr lang="en-US" noProof="0" dirty="0"/>
           </a:p>
@@ -5775,7 +5775,7 @@
           <a:p>
             <a:fld id="{74929172-4BF7-429F-BA25-7E9D1A4215EE}" type="datetimeFigureOut">
               <a:rPr lang="en-US" noProof="0" smtClean="0"/>
-              <a:t>9/30/2019</a:t>
+              <a:t>10/7/2019</a:t>
             </a:fld>
             <a:endParaRPr lang="en-US" noProof="0" dirty="0"/>
           </a:p>
@@ -6103,7 +6103,7 @@
           <a:p>
             <a:fld id="{74929172-4BF7-429F-BA25-7E9D1A4215EE}" type="datetimeFigureOut">
               <a:rPr lang="en-US" noProof="0" smtClean="0"/>
-              <a:t>9/30/2019</a:t>
+              <a:t>10/7/2019</a:t>
             </a:fld>
             <a:endParaRPr lang="en-US" noProof="0" dirty="0"/>
           </a:p>
@@ -6315,7 +6315,7 @@
           <a:p>
             <a:fld id="{74929172-4BF7-429F-BA25-7E9D1A4215EE}" type="datetimeFigureOut">
               <a:rPr lang="en-US" noProof="0" smtClean="0"/>
-              <a:t>9/30/2019</a:t>
+              <a:t>10/7/2019</a:t>
             </a:fld>
             <a:endParaRPr lang="en-US" noProof="0" dirty="0"/>
           </a:p>
@@ -27077,7 +27077,7 @@
         </p:nvGrpSpPr>
         <p:grpSpPr>
           <a:xfrm>
-            <a:off x="7070763" y="3482031"/>
+            <a:off x="7070763" y="2920056"/>
             <a:ext cx="1144735" cy="449136"/>
             <a:chOff x="9744174" y="3090121"/>
             <a:chExt cx="1387558" cy="544407"/>
@@ -27299,7 +27299,7 @@
         </p:nvSpPr>
         <p:spPr>
           <a:xfrm>
-            <a:off x="7571353" y="3359390"/>
+            <a:off x="7571353" y="2797415"/>
             <a:ext cx="94392" cy="70918"/>
           </a:xfrm>
           <a:prstGeom prst="ellipse">
@@ -27352,7 +27352,7 @@
         </p:nvGrpSpPr>
         <p:grpSpPr>
           <a:xfrm>
-            <a:off x="7066931" y="4058678"/>
+            <a:off x="7066931" y="3496703"/>
             <a:ext cx="1144735" cy="449136"/>
             <a:chOff x="9744174" y="3090121"/>
             <a:chExt cx="1387558" cy="544407"/>
@@ -27574,7 +27574,7 @@
         </p:nvSpPr>
         <p:spPr>
           <a:xfrm>
-            <a:off x="7584130" y="3976520"/>
+            <a:off x="7584130" y="3414545"/>
             <a:ext cx="94392" cy="70918"/>
           </a:xfrm>
           <a:prstGeom prst="ellipse">
@@ -27627,7 +27627,7 @@
         </p:nvGrpSpPr>
         <p:grpSpPr>
           <a:xfrm>
-            <a:off x="7074998" y="4633757"/>
+            <a:off x="7074998" y="4071782"/>
             <a:ext cx="1144735" cy="449136"/>
             <a:chOff x="9744174" y="3090121"/>
             <a:chExt cx="1387558" cy="544407"/>
@@ -27849,7 +27849,7 @@
         </p:nvSpPr>
         <p:spPr>
           <a:xfrm>
-            <a:off x="7575588" y="4520641"/>
+            <a:off x="7575588" y="3958666"/>
             <a:ext cx="94392" cy="70918"/>
           </a:xfrm>
           <a:prstGeom prst="ellipse">
@@ -27902,7 +27902,7 @@
         </p:nvGrpSpPr>
         <p:grpSpPr>
           <a:xfrm>
-            <a:off x="7067875" y="5175285"/>
+            <a:off x="7067875" y="4613310"/>
             <a:ext cx="1154260" cy="449138"/>
             <a:chOff x="9744174" y="3090121"/>
             <a:chExt cx="1399103" cy="544410"/>
@@ -28124,7 +28124,7 @@
         </p:nvSpPr>
         <p:spPr>
           <a:xfrm>
-            <a:off x="7585071" y="5093130"/>
+            <a:off x="7585071" y="4531155"/>
             <a:ext cx="94392" cy="70918"/>
           </a:xfrm>
           <a:prstGeom prst="ellipse">
@@ -28177,7 +28177,7 @@
         </p:nvGrpSpPr>
         <p:grpSpPr>
           <a:xfrm>
-            <a:off x="7075939" y="5731317"/>
+            <a:off x="7075939" y="5169342"/>
             <a:ext cx="1144735" cy="449136"/>
             <a:chOff x="9744174" y="3090121"/>
             <a:chExt cx="1387558" cy="544407"/>
@@ -28399,7 +28399,7 @@
         </p:nvSpPr>
         <p:spPr>
           <a:xfrm>
-            <a:off x="7576529" y="5627726"/>
+            <a:off x="7576529" y="5065751"/>
             <a:ext cx="94392" cy="70918"/>
           </a:xfrm>
           <a:prstGeom prst="ellipse">
@@ -29092,231 +29092,6 @@
       </p:grpSp>
       <p:grpSp>
         <p:nvGrpSpPr>
-          <p:cNvPr id="222" name="Group 221">
-            <a:extLst>
-              <a:ext uri="{FF2B5EF4-FFF2-40B4-BE49-F238E27FC236}">
-                <a16:creationId xmlns:a16="http://schemas.microsoft.com/office/drawing/2014/main" id="{74B1FE24-9334-42CF-BE35-CA090DCCF5AA}"/>
-              </a:ext>
-              <a:ext uri="{C183D7F6-B498-43B3-948B-1728B52AA6E4}">
-                <adec:decorative xmlns:adec="http://schemas.microsoft.com/office/drawing/2017/decorative" val="1"/>
-              </a:ext>
-            </a:extLst>
-          </p:cNvPr>
-          <p:cNvGrpSpPr/>
-          <p:nvPr/>
-        </p:nvGrpSpPr>
-        <p:grpSpPr>
-          <a:xfrm>
-            <a:off x="7051291" y="2892097"/>
-            <a:ext cx="1144735" cy="449136"/>
-            <a:chOff x="9744174" y="3090121"/>
-            <a:chExt cx="1387558" cy="544407"/>
-          </a:xfrm>
-        </p:grpSpPr>
-        <p:sp>
-          <p:nvSpPr>
-            <p:cNvPr id="223" name="Rectangle 222">
-              <a:extLst>
-                <a:ext uri="{FF2B5EF4-FFF2-40B4-BE49-F238E27FC236}">
-                  <a16:creationId xmlns:a16="http://schemas.microsoft.com/office/drawing/2014/main" id="{905B6B7A-5132-4E54-AEFE-12B0A3CE89D6}"/>
-                </a:ext>
-              </a:extLst>
-            </p:cNvPr>
-            <p:cNvSpPr/>
-            <p:nvPr/>
-          </p:nvSpPr>
-          <p:spPr>
-            <a:xfrm>
-              <a:off x="9744174" y="3090121"/>
-              <a:ext cx="1368000" cy="509451"/>
-            </a:xfrm>
-            <a:prstGeom prst="rect">
-              <a:avLst/>
-            </a:prstGeom>
-            <a:gradFill>
-              <a:gsLst>
-                <a:gs pos="0">
-                  <a:schemeClr val="bg1"/>
-                </a:gs>
-                <a:gs pos="100000">
-                  <a:schemeClr val="bg1">
-                    <a:lumMod val="85000"/>
-                  </a:schemeClr>
-                </a:gs>
-              </a:gsLst>
-              <a:lin ang="5400000" scaled="0"/>
-            </a:gradFill>
-            <a:ln w="3175">
-              <a:solidFill>
-                <a:schemeClr val="bg1">
-                  <a:lumMod val="85000"/>
-                </a:schemeClr>
-              </a:solidFill>
-            </a:ln>
-            <a:effectLst/>
-            <a:scene3d>
-              <a:camera prst="obliqueTopLeft"/>
-              <a:lightRig rig="soft" dir="t"/>
-            </a:scene3d>
-            <a:sp3d extrusionH="190500" prstMaterial="matte">
-              <a:contourClr>
-                <a:schemeClr val="tx1">
-                  <a:lumMod val="50000"/>
-                  <a:lumOff val="50000"/>
-                </a:schemeClr>
-              </a:contourClr>
-            </a:sp3d>
-          </p:spPr>
-          <p:style>
-            <a:lnRef idx="2">
-              <a:scrgbClr r="0" g="0" b="0"/>
-            </a:lnRef>
-            <a:fillRef idx="1">
-              <a:scrgbClr r="0" g="0" b="0"/>
-            </a:fillRef>
-            <a:effectRef idx="0">
-              <a:schemeClr val="accent1">
-                <a:hueOff val="0"/>
-                <a:satOff val="0"/>
-                <a:lumOff val="0"/>
-                <a:alphaOff val="0"/>
-              </a:schemeClr>
-            </a:effectRef>
-            <a:fontRef idx="minor">
-              <a:schemeClr val="lt1"/>
-            </a:fontRef>
-          </p:style>
-          <p:txBody>
-            <a:bodyPr spcFirstLastPara="0" vert="horz" wrap="square" lIns="59400" tIns="4715" rIns="59400" bIns="44559" numCol="1" spcCol="1270" anchor="ctr" anchorCtr="0">
-              <a:noAutofit/>
-              <a:flatTx/>
-            </a:bodyPr>
-            <a:lstStyle/>
-            <a:p>
-              <a:pPr algn="ctr" defTabSz="330044">
-                <a:lnSpc>
-                  <a:spcPct val="90000"/>
-                </a:lnSpc>
-                <a:spcBef>
-                  <a:spcPct val="0"/>
-                </a:spcBef>
-                <a:spcAft>
-                  <a:spcPct val="35000"/>
-                </a:spcAft>
-              </a:pPr>
-              <a:r>
-                <a:rPr lang="en-US" sz="990" dirty="0">
-                  <a:solidFill>
-                    <a:schemeClr val="tx1"/>
-                  </a:solidFill>
-                </a:rPr>
-                <a:t>Jeffrey Grant</a:t>
-              </a:r>
-            </a:p>
-          </p:txBody>
-        </p:sp>
-        <p:sp>
-          <p:nvSpPr>
-            <p:cNvPr id="224" name="Rectangle 223">
-              <a:extLst>
-                <a:ext uri="{FF2B5EF4-FFF2-40B4-BE49-F238E27FC236}">
-                  <a16:creationId xmlns:a16="http://schemas.microsoft.com/office/drawing/2014/main" id="{AF7A3658-16AE-488C-A7FD-E8C35CCFDC77}"/>
-                </a:ext>
-              </a:extLst>
-            </p:cNvPr>
-            <p:cNvSpPr/>
-            <p:nvPr/>
-          </p:nvSpPr>
-          <p:spPr>
-            <a:xfrm>
-              <a:off x="9763732" y="3526528"/>
-              <a:ext cx="1368000" cy="108000"/>
-            </a:xfrm>
-            <a:prstGeom prst="rect">
-              <a:avLst/>
-            </a:prstGeom>
-            <a:solidFill>
-              <a:srgbClr val="7030A0"/>
-            </a:solidFill>
-            <a:ln>
-              <a:noFill/>
-            </a:ln>
-            <a:effectLst>
-              <a:glow rad="254000">
-                <a:schemeClr val="accent3">
-                  <a:satMod val="175000"/>
-                  <a:alpha val="10000"/>
-                </a:schemeClr>
-              </a:glow>
-            </a:effectLst>
-            <a:scene3d>
-              <a:camera prst="obliqueTopLeft"/>
-              <a:lightRig rig="brightRoom" dir="t"/>
-            </a:scene3d>
-            <a:sp3d extrusionH="88900"/>
-          </p:spPr>
-          <p:style>
-            <a:lnRef idx="2">
-              <a:schemeClr val="accent1">
-                <a:hueOff val="0"/>
-                <a:satOff val="0"/>
-                <a:lumOff val="0"/>
-                <a:alphaOff val="0"/>
-              </a:schemeClr>
-            </a:lnRef>
-            <a:fillRef idx="1">
-              <a:scrgbClr r="0" g="0" b="0"/>
-            </a:fillRef>
-            <a:effectRef idx="0">
-              <a:schemeClr val="lt1">
-                <a:alpha val="90000"/>
-                <a:hueOff val="0"/>
-                <a:satOff val="0"/>
-                <a:lumOff val="0"/>
-                <a:alphaOff val="0"/>
-              </a:schemeClr>
-            </a:effectRef>
-            <a:fontRef idx="minor">
-              <a:schemeClr val="dk1">
-                <a:hueOff val="0"/>
-                <a:satOff val="0"/>
-                <a:lumOff val="0"/>
-                <a:alphaOff val="0"/>
-              </a:schemeClr>
-            </a:fontRef>
-          </p:style>
-          <p:txBody>
-            <a:bodyPr spcFirstLastPara="0" vert="horz" wrap="square" lIns="59400" tIns="4715" rIns="59400" bIns="4715" numCol="1" spcCol="1270" anchor="ctr" anchorCtr="0">
-              <a:noAutofit/>
-              <a:flatTx/>
-            </a:bodyPr>
-            <a:lstStyle/>
-            <a:p>
-              <a:pPr algn="ctr" defTabSz="330044">
-                <a:lnSpc>
-                  <a:spcPct val="90000"/>
-                </a:lnSpc>
-                <a:spcBef>
-                  <a:spcPct val="0"/>
-                </a:spcBef>
-                <a:spcAft>
-                  <a:spcPct val="35000"/>
-                </a:spcAft>
-              </a:pPr>
-              <a:r>
-                <a:rPr lang="en-US" sz="825" dirty="0">
-                  <a:solidFill>
-                    <a:schemeClr val="bg1"/>
-                  </a:solidFill>
-                </a:rPr>
-                <a:t>Freshman ME</a:t>
-              </a:r>
-            </a:p>
-          </p:txBody>
-        </p:sp>
-      </p:grpSp>
-      <p:grpSp>
-        <p:nvGrpSpPr>
           <p:cNvPr id="225" name="Group 224">
             <a:extLst>
               <a:ext uri="{FF2B5EF4-FFF2-40B4-BE49-F238E27FC236}">
@@ -29772,7 +29547,7 @@
         </p:nvGrpSpPr>
         <p:grpSpPr>
           <a:xfrm>
-            <a:off x="7065611" y="6312685"/>
+            <a:off x="7065611" y="5750710"/>
             <a:ext cx="1144735" cy="449136"/>
             <a:chOff x="9744174" y="3090121"/>
             <a:chExt cx="1387558" cy="544407"/>
@@ -31661,6 +31436,23 @@
 </file>
 
 <file path=customXml/item1.xml><?xml version="1.0" encoding="utf-8"?>
+<p:properties xmlns:p="http://schemas.microsoft.com/office/2006/metadata/properties" xmlns:xsi="http://www.w3.org/2001/XMLSchema-instance" xmlns:pc="http://schemas.microsoft.com/office/infopath/2007/PartnerControls">
+  <documentManagement>
+    <MediaServiceKeyPoints xmlns="71af3243-3dd4-4a8d-8c0d-dd76da1f02a5" xsi:nil="true"/>
+  </documentManagement>
+</p:properties>
+</file>
+
+<file path=customXml/item2.xml><?xml version="1.0" encoding="utf-8"?>
+<?mso-contentType ?>
+<FormTemplates xmlns="http://schemas.microsoft.com/sharepoint/v3/contenttype/forms">
+  <Display>DocumentLibraryForm</Display>
+  <Edit>DocumentLibraryForm</Edit>
+  <New>DocumentLibraryForm</New>
+</FormTemplates>
+</file>
+
+<file path=customXml/item3.xml><?xml version="1.0" encoding="utf-8"?>
 <ct:contentTypeSchema xmlns:ct="http://schemas.microsoft.com/office/2006/metadata/contentType" xmlns:ma="http://schemas.microsoft.com/office/2006/metadata/properties/metaAttributes" ct:_="" ma:_="" ma:contentTypeName="Document" ma:contentTypeID="0x01010079F111ED35F8CC479449609E8A0923A6" ma:contentTypeVersion="11" ma:contentTypeDescription="Create a new document." ma:contentTypeScope="" ma:versionID="9677210f24a1be23c92c90fd886aa0aa">
   <xsd:schema xmlns:xsd="http://www.w3.org/2001/XMLSchema" xmlns:xs="http://www.w3.org/2001/XMLSchema" xmlns:p="http://schemas.microsoft.com/office/2006/metadata/properties" xmlns:ns2="71af3243-3dd4-4a8d-8c0d-dd76da1f02a5" xmlns:ns3="16c05727-aa75-4e4a-9b5f-8a80a1165891" targetNamespace="http://schemas.microsoft.com/office/2006/metadata/properties" ma:root="true" ma:fieldsID="60e05723c5c1908df1a1a4ebf11d344e" ns2:_="" ns3:_="">
     <xsd:import namespace="71af3243-3dd4-4a8d-8c0d-dd76da1f02a5"/>
@@ -31871,24 +31663,32 @@
 </ct:contentTypeSchema>
 </file>
 
-<file path=customXml/item2.xml><?xml version="1.0" encoding="utf-8"?>
-<?mso-contentType ?>
-<FormTemplates xmlns="http://schemas.microsoft.com/sharepoint/v3/contenttype/forms">
-  <Display>DocumentLibraryForm</Display>
-  <Edit>DocumentLibraryForm</Edit>
-  <New>DocumentLibraryForm</New>
-</FormTemplates>
+<file path=customXml/itemProps1.xml><?xml version="1.0" encoding="utf-8"?>
+<ds:datastoreItem xmlns:ds="http://schemas.openxmlformats.org/officeDocument/2006/customXml" ds:itemID="{3C2AD4FE-5267-4953-9D66-004581AED1F0}">
+  <ds:schemaRefs>
+    <ds:schemaRef ds:uri="http://schemas.microsoft.com/office/infopath/2007/PartnerControls"/>
+    <ds:schemaRef ds:uri="http://purl.org/dc/elements/1.1/"/>
+    <ds:schemaRef ds:uri="http://schemas.microsoft.com/office/2006/metadata/properties"/>
+    <ds:schemaRef ds:uri="http://purl.org/dc/terms/"/>
+    <ds:schemaRef ds:uri="http://schemas.microsoft.com/office/2006/documentManagement/types"/>
+    <ds:schemaRef ds:uri="16c05727-aa75-4e4a-9b5f-8a80a1165891"/>
+    <ds:schemaRef ds:uri="http://purl.org/dc/dcmitype/"/>
+    <ds:schemaRef ds:uri="http://schemas.openxmlformats.org/package/2006/metadata/core-properties"/>
+    <ds:schemaRef ds:uri="71af3243-3dd4-4a8d-8c0d-dd76da1f02a5"/>
+    <ds:schemaRef ds:uri="http://www.w3.org/XML/1998/namespace"/>
+  </ds:schemaRefs>
+</ds:datastoreItem>
 </file>
 
-<file path=customXml/item3.xml><?xml version="1.0" encoding="utf-8"?>
-<p:properties xmlns:p="http://schemas.microsoft.com/office/2006/metadata/properties" xmlns:xsi="http://www.w3.org/2001/XMLSchema-instance" xmlns:pc="http://schemas.microsoft.com/office/infopath/2007/PartnerControls">
-  <documentManagement>
-    <MediaServiceKeyPoints xmlns="71af3243-3dd4-4a8d-8c0d-dd76da1f02a5" xsi:nil="true"/>
-  </documentManagement>
-</p:properties>
+<file path=customXml/itemProps2.xml><?xml version="1.0" encoding="utf-8"?>
+<ds:datastoreItem xmlns:ds="http://schemas.openxmlformats.org/officeDocument/2006/customXml" ds:itemID="{9082A0F6-5C05-4A60-9DD8-B772877A4F89}">
+  <ds:schemaRefs>
+    <ds:schemaRef ds:uri="http://schemas.microsoft.com/sharepoint/v3/contenttype/forms"/>
+  </ds:schemaRefs>
+</ds:datastoreItem>
 </file>
 
-<file path=customXml/itemProps1.xml><?xml version="1.0" encoding="utf-8"?>
+<file path=customXml/itemProps3.xml><?xml version="1.0" encoding="utf-8"?>
 <ds:datastoreItem xmlns:ds="http://schemas.openxmlformats.org/officeDocument/2006/customXml" ds:itemID="{840DE65C-3715-41A1-996C-103EA7902D46}">
   <ds:schemaRefs>
     <ds:schemaRef ds:uri="http://schemas.microsoft.com/office/2006/metadata/contentType"/>
@@ -31905,29 +31705,4 @@
     <ds:schemaRef ds:uri="http://schemas.microsoft.com/internal/obd"/>
   </ds:schemaRefs>
 </ds:datastoreItem>
-</file>
-
-<file path=customXml/itemProps2.xml><?xml version="1.0" encoding="utf-8"?>
-<ds:datastoreItem xmlns:ds="http://schemas.openxmlformats.org/officeDocument/2006/customXml" ds:itemID="{9082A0F6-5C05-4A60-9DD8-B772877A4F89}">
-  <ds:schemaRefs>
-    <ds:schemaRef ds:uri="http://schemas.microsoft.com/sharepoint/v3/contenttype/forms"/>
-  </ds:schemaRefs>
-</ds:datastoreItem>
-</file>
-
-<file path=customXml/itemProps3.xml><?xml version="1.0" encoding="utf-8"?>
-<ds:datastoreItem xmlns:ds="http://schemas.openxmlformats.org/officeDocument/2006/customXml" ds:itemID="{3C2AD4FE-5267-4953-9D66-004581AED1F0}">
-  <ds:schemaRefs>
-    <ds:schemaRef ds:uri="http://schemas.microsoft.com/office/infopath/2007/PartnerControls"/>
-    <ds:schemaRef ds:uri="http://purl.org/dc/elements/1.1/"/>
-    <ds:schemaRef ds:uri="http://schemas.microsoft.com/office/2006/metadata/properties"/>
-    <ds:schemaRef ds:uri="http://purl.org/dc/terms/"/>
-    <ds:schemaRef ds:uri="http://schemas.microsoft.com/office/2006/documentManagement/types"/>
-    <ds:schemaRef ds:uri="16c05727-aa75-4e4a-9b5f-8a80a1165891"/>
-    <ds:schemaRef ds:uri="http://purl.org/dc/dcmitype/"/>
-    <ds:schemaRef ds:uri="http://schemas.openxmlformats.org/package/2006/metadata/core-properties"/>
-    <ds:schemaRef ds:uri="71af3243-3dd4-4a8d-8c0d-dd76da1f02a5"/>
-    <ds:schemaRef ds:uri="http://www.w3.org/XML/1998/namespace"/>
-  </ds:schemaRefs>
-</ds:datastoreItem>
 </file>